--- a/day 1/Day 1 Whiteboard.pptx
+++ b/day 1/Day 1 Whiteboard.pptx
@@ -130,6 +130,11 @@
       </a:defRPr>
     </a:lvl9pPr>
   </p:defaultTextStyle>
+  <p:extLst>
+    <p:ext uri="{EFAFB233-063F-42B5-8137-9DF3F51BA10A}">
+      <p15:sldGuideLst xmlns:p15="http://schemas.microsoft.com/office/powerpoint/2012/main"/>
+    </p:ext>
+  </p:extLst>
 </p:presentation>
 </file>
 
@@ -1314,39 +1319,39 @@
   <inkml:trace contextRef="#ctx0" brushRef="#br0" timeOffset="160859">30658 2811 0,'-25'-24'0,"25"0"0,0-1 16,0 1-16,0-1 0,0 1 15,0-1-15,25 1 16,-25 0-16,24-1 0,-24 1 16,25 24-16,-1-25 0,0 25 15,1-24-15,-1 24 16,1 0-16,-1 0 0,1-24 16,-1 24-16,0 0 15,-24-25-15,25 25 0,-25-24 16,24 24-16,-24-25 15,0 50 17,0-1-17,0 1-15,0 23 0,0 1 16,0 24-16,0-24 0,0 0 16,0 24-16,0-24 15,25 0-15,-25-24 0,0 23 16,24-23-16,-24-1 15</inkml:trace>
   <inkml:trace contextRef="#ctx0" brushRef="#br0" timeOffset="161051">31073 2323 0,'-24'-49'0,"24"0"16,0 25-16,-25-1 15,25 1-15,0 48 16,-24 1 0,24-1-16,0 1 15,0-1-15,24-24 0,-24 25 16,0-1-16,25 0 16</inkml:trace>
   <inkml:trace contextRef="#ctx0" brushRef="#br0" timeOffset="161928">31367 2592 0,'0'-25'47,"-24"25"-31,24 25-1,-25-25-15,25 24 16,0 0-16,-24 1 16,24-1-16,0 1 0,0 24 15,0-1-15,0-23 16,0 24-16,24 0 0,-24-25 16,25 0-16,-1 1 0,0-1 15,-24 1-15,25-25 16,-1 0-16,1 0 0,-1 0 15,1-25-15,-25 1 16,24-1-16,-24 1 0,0 0 16,0-25-16,0 0 0,-24 0 15,24-24-15,-25 24 16,1-24-16,-1 24 0,1 0 16,-1 0-16,1 25 15,0-1-15,-1 1 0,1 24 16,-1 0-16,25 24 15,0 1-15,-24-1 16,24 1-16,0 23 0,0-23 16,0 24-16,0-25 15,0 0-15,24 1 0,-24-1 16,25 1-16,-1-25 16,1 0-1,-1-25-15,0 25 16,-24-24-16,25 24 15,-1-25-15,-24 1 0,25 0 16,-1-25-16,-24 24 0,25 1 16,-1 0-16,-24-1 15,24 1-15,1 24 16,-25 24-16,0 1 16,0-1-16,0 0 15,0 25-15,0-24 0,24 23 16,-24-23-16,0-1 15,0 1-15,0-1 0,0 1 16,25-1-16,-1-24 16,1-24-1,-1-1 1,0 1 0,-24-1-16,25 1 0,-1-25 15,-24 25-15,25-25 16,-1 24-16,-24 1 0,24 24 15,1 0 1,-25 24-16,0 25 16,0-24-16,0 23 0,0 26 15,0-25-15,0 24 0,0-24 16,-25 0-16,25-1 16</inkml:trace>
-  <inkml:trace contextRef="#ctx0" brushRef="#br0" timeOffset="2.12602E6">8702 1322 0,'0'-25'16,"0"1"0,0-1-1,0 1 1,0 0-1,0-1 1,-24 25-16,0 0 16,-1 0-16,-24 0 15,25 0-15,-25 0 0,25 0 16,-25 25-16,24-1 16,1-24-16,0 24 0,-1 1 15,25-1-15,0 1 0,0 23 16,0-23-16,0-1 15,0 1-15,25-25 0,-1 24 16,0 1-16,1-25 16,24 0-16,-25 0 15,0-25-15,1 25 0,-1-24 16,1-1-16,-1 1 16,1-1-16,-25 1 15,0 0-15,0-1 16,0 1-16,0-1 0,-25 25 31,25 25-31,0-1 16,0 25-16,0 0 0,0 0 15,0 24-15,25-24 0,-25 24 16,24 0-16,0-24 16,-24 25-16,25-26 0,-25 1 15,0-24-15,0 24 16,-25-49-16,1 24 0,0-24 15,-1 0-15,-24-24 16,0 24-16,25-25 0,-25-24 16,25 25-16,-25-1 0,49-23 15,-24-1-15,24 24 16,0 1-16,0-25 0,24 25 16,-24-1-16,24 1 0,25-1 15,-24 25-15,23-24 16,-23 24-16,24-25 0,-25 25 15,1 0-15,-1 0 16,0-24-16,1 24 0</inkml:trace>
-  <inkml:trace contextRef="#ctx0" brushRef="#br0" timeOffset="2.1267E6">8921 1371 0,'0'-25'16,"25"25"-16,-25-24 16,0-1-1,24 25 1,-24 25 0,25-25-16,-25 24 15,24-24-15,0 25 0,-24-1 16,25 0-16,-25 1 15,0-1-15,24 1 0,-24-1 16,0 0-16,0 1 31,0-50 1,0 1-32,25 0 15,-25-1-15,0 1 0,24-1 16,-24-23-16,24 23 15,1 1-15,-1-1 0,-24 1 16,25-1-16,-1 25 16,1 0-1,-25 25-15,0-1 0,24 1 16,-24-1-16,0 25 16,0-25-16,0 1 0,0-1 15,24 1-15,-24-1 16,0-48 15,0-1-15,0 1-16,0-1 15,25-23-15,-25 23 16,24 1-16,1-25 0,-1 24 16,1 1-16,-1 0 0,0 24 15,1-25-15,-1 25 16,1 0-16,-25 25 0,24-1 15,0 0-15,-24 1 16,25 24-16,-25-25 0,0 1 16,24 23-16,-24-23 0,0-1 15,25 1-15,-25-1 16,0 0-16,0 1 0,0-1 16</inkml:trace>
-  <inkml:trace contextRef="#ctx0" brushRef="#br0" timeOffset="2.12703E6">10313 1004 0,'0'-24'16,"0"-1"-16,0 1 16,0-1-1,25 50 1,-25-1-16,24 1 0,-24 24 16,25-25-16,-25 25 15,24 0-15,-24 0 0,24-1 16,-24 1-16,0 0 15,0 0-15,0-25 0,0 25 16,0-24-16,-24-1 0,24 0 16,-24-24-1</inkml:trace>
-  <inkml:trace contextRef="#ctx0" brushRef="#br0" timeOffset="2.12799E6">10631 1248 0,'49'-24'15,"-25"0"-15,1-1 16,-50 50 15,1-1-31,-1 0 16,1-24 0,-1 25-16,1-1 15,0-24-15,-1 25 16,1-1-16,24 0 15,-25-24-15,50 0 16,-25 25 0,24-25-16,1 0 0,-1 24 15,0-24-15,-24 25 16,25-25-16,-1 24 0,1 1 16,-1-1-16,1 0 15,-1 1 1,0-25-16,1 0 0,-1 0 15,1 0-15,-1 0 16,25 0-16,-25-25 0,25 25 16,0-24-16,-25 0 0,25-1 15,-24-24-15,-1 25 16,1-25-16,-1 25 0,0-25 16,-24 24-16,0 1 0,0-25 15,-24 25 1,24-1-16,-24 25 0,-1 0 15,1 0-15,-1 25 16,1-1-16,-1-24 0,1 25 16,0-1-16,-1 0 0,1 1 15,24-1-15,0 1 16,0-1-16,0 0 16,0 1-16,24-25 15,1 0-15,-25 24 0,24-24 16,0 0-16,1 0 15,-1-24-15,1 24 0,-1-25 16,1 25-16,-1-24 0,-24 0 16,24-1-16,-24 1 15,0-1-15,0 50 32,0-1-17,0 1-15,0 23 0,0 1 16,25 0-16,-25 0 15,24 24-15,1-24 0,-25 24 16,24-24-16,-24 0 0,25-24 16,-25 23-16,0-23 15,24-1-15,-24 1 16,-24-25-16,-1 0 16,25-25-16,-24 25 15,-1-24-15,1-1 0,-1 1 16,1 0-16,24-1 15,-24-24-15,-1 25 0,25-1 16,0 1-16,0 0 16,25 24-16,-25-25 0,24 1 15,0-1-15,25 25 0,-24-24 16,24 24-16,-25-25 16,0 25-16,25 0 0,-24-24 15,-1 24 1,-24-24-1,-24 24-15</inkml:trace>
-  <inkml:trace contextRef="#ctx0" brushRef="#br0" timeOffset="2.1293E6">12316 1077 0,'24'-24'16,"1"24"-1,-25-24 1,0-1 15,-25 25-15,25-24-16,-24 24 0,24-25 15,-24 25-15,-1 0 16,1 0 0,24 25-16,-25-1 0,1 1 15,24-1-15,-25 25 16,25-25-16,0 25 0,0-24 15,0 23-15,0-23 0,25-1 16,-1 1-16,1-1 16,-1 0-16,1-24 0,-1 0 15,25 0-15,-25 0 16,1-24-16,-1 24 0,1-24 16,-1-1-16,0 1 0,1-1 15,-25-23-15,0 23 16,0-24-16,0 25 0,-25-1 15,25 1 1,-24 24-16,0 24 16,24 1-16,0-1 15,0 1-15,24 24 16,-24-1-16,24-23 0,-24 24 16,25-1-16,-1 1 15,1 0-15,-25 0 0,24 0 16,-24 0-16,25-25 15,-25 25-15,0-25 0,0 1 16,-25-1-16,1-24 16,-1 0-16,1 0 15,-1 0-15,-23 0 0,23-24 16,-24-1-16,25 1 0,-1-25 16,1 25-16,0-1 15,24-24-15,0 25 0,0 0 16,0-1-16,24 1 15,0-1-15,1 1 0,-1 24 16,1-25-16,-1 25 0,25-24 16,-25 24-16,1-24 15,-1 24-15,1 0 0,-1-25 16,1 25-16</inkml:trace>
-  <inkml:trace contextRef="#ctx0" brushRef="#br0" timeOffset="2.12982E6">12902 1102 0,'25'-25'0,"-1"1"16,-24 0 0,24 24-16,-24-25 0,0 1 15,-24 24 1,0-25-16,-1 25 15,1 0-15,-1 0 0,1 0 16,0 25-16,-1-25 16,1 24-16,-1 1 0,1-1 15,-1-24-15,25 24 16,0 25-16,0-24 0,0-1 16,0 1-16,0-1 0,25 0 15,-1 1-15,1-1 16,-1-24-16,1 25 0,-1-25 15,0 0-15,1 0 0,-1 0 16,1 0-16,-1 0 16,0-25-16,-24 1 0,25 24 15,-25-49-15,24 25 16,-24-1-16,0 1 0,0-1 16,0-24-16,0 25 0,0 0 15,0 48 16,0 0-15,25 25-16,-25-24 0,0-1 16,24 25-16,-24-25 0,25 1 15,-25-1-15,24 1 16,0-1-16,1-24 31,-25-24-31</inkml:trace>
-  <inkml:trace contextRef="#ctx0" brushRef="#br0" timeOffset="2.13009E6">13293 760 0,'0'-25'0,"-24"1"16,24 48 30,24 1-46,-24-1 16,24 1-16,-24 24 0,25-25 16,-25 25-16,0 0 15,24 0-15,-24-25 0,0 25 16,0-25-16,25 25 16,-25-24-16,0-1 15,24-24-15</inkml:trace>
-  <inkml:trace contextRef="#ctx0" brushRef="#br0" timeOffset="2.13034E6">13586 711 0,'0'24'31,"0"1"-16,0-1-15,0 25 16,0-24-16,0 23 16,0-23-16,24 24 0,-24 0 15,0-1-15,25-23 0,-25 24 16,0-25-16,0 1 16,0-1-16,0 0 0,0 1 15</inkml:trace>
-  <inkml:trace contextRef="#ctx0" brushRef="#br0" timeOffset="2.13123E6">14001 906 0,'-24'0'16,"-1"0"-16,25-24 16,-24 24-1,0 24 1,24 1-16,-25-25 0,1 24 16,24 1-16,-25 24 15,25-25-15,0 0 0,0 25 16,0-24-16,0 24 0,0-25 15,25 0-15,-1 1 16,1-1-16,-1 1 0,0-25 16,1 0-16,-1 0 15,25 0-15,-24 0 0,-25-25 16,24 1-16,-24-1 16,24 1-16,-24-25 0,0 25 15,0-25-15,-24 24 0,24 1 16,-24-25-16,-1 25 15,1-1-15,-1 25 0,1-24 16,-1 24-16,1 0 0,0 0 16,-1 24-16,1 1 15,24-1 1,24-24 0,-24 25-16,25-25 15,-1 0-15,0 0 16,1 0-16,-1 0 15,1 0-15,-1 0 0,1-25 16,-1 25-16,0-24 16,1-1-16,-1 25 15,1 0-15,-25-24 16,24 24 0,0 0-16,1 24 15,-1 1 1,1-1-16,-1 1 15,-24-1-15,25 0 0,-25 1 16,0-1-16,0 1 16,24-1-16,-24 1 15,0-1-15,24-48 32,1-1-17,-25 1 1,24-1-16,1-24 0,-25 25 15,24-25-15,1 25 16,-1-25-16,0 24 0,1 1 16,-1 0-16,1 24 0,-1 0 15,0 0-15,1 0 16,-1 24-16,1 25 16,-25-25-16,24 1 15,-24 24-15,0-1 0,25-23 16,-25-1-16,0 25 0,0-24 15</inkml:trace>
-  <inkml:trace contextRef="#ctx0" brushRef="#br0" timeOffset="2.13713E6">422 491 0,'-24'0'0,"24"-24"0,-25 24 16,1 0-16,24-25 16,-25 25-1,25-24 1,-24 24-1,24 24 1,-25-24-16,1 25 0,0-1 16,-1 1-16,-24-1 15,25 1-15,-25-1 0,25 25 16,-1-25-16,1 25 0,24 0 16,0 0-16,0 24 15,0-24-15,24 0 0,-24 0 16,49-1-16,-25 1 15,1-24-15,24-1 0,0 1 16,-1-25-16,1 24 0,0-24 16,0-24-16,0 24 15,-25-25-15,25 1 0,-24 24 16,23-25-16,-23 1 16,-25-1-16,24 25 0,-24-24 15,-24 24 1,-1 0-1,1 24-15,0-24 16,-1 0 0</inkml:trace>
-  <inkml:trace contextRef="#ctx0" brushRef="#br0" timeOffset="2.13763E6">813 589 0,'0'-24'16,"0"-1"-16,0 50 46,0-1-30,0 0 0,0 25-16,24-24 0,-24 24 15,0-1-15,25 1 16,-1 0-16,0 0 0,1-25 16,-1 25-16,1-24 0,24-1 15,-25-24-15,25 0 16,0 0-16,-25-24 0,25 24 15,-25-25-15,25-24 16,-24 25-16,-1-25 0,1 25 16,-25-25-16,0 0 0,0 0 15,0 0-15,-25 0 16,1 25-16,-1-25 0,1 25 16,-1-1-16,1 1 15,24-1-15,-24 25 0,-1 0 16,25 25-1,0-1 1,25-24-16</inkml:trace>
-  <inkml:trace contextRef="#ctx0" brushRef="#br0" timeOffset="2.13836E6">1570 442 0,'24'0'0,"1"0"47,-25 25-47,24-1 16,-24 1-16,25 24 15,-25-25-15,0 25 0,24-25 16,-24 25-16,24 0 15,-24 0-15,25 0 0,-25-25 16,0 25-16,0-25 16,24 1-16,-24-1 15,0-48 17,0-1-32,0 1 15,0-25-15,-24 25 16,24-25-16,0 0 0,-25 0 15,25 0-15,-24-24 0,0 24 16,24 0-16,0-24 16,-25 24-16,25 0 0,0 25 15,25-25-15,-25 25 16,24-1-16,0 25 0,1-24 16,-1 24-16,1 0 0,-1 0 15,1 0-15,-1 24 16,0-24-16,1 25 0,-1-1 15,-24 0-15,25 25 16,-25-24-16,0-1 0,0 25 16,-25-25-16,25 1 0,-24-1 15,-1 1-15,1-1 16,0 1-16,-1-1 16,1-24-1,-1-24-15,25-1 16,25 25 15,-1 0-15,1 0-16,-1 25 0,0-1 15,25 0-15,-24 1 16,-1-1-16,25 1 0,-25-1 16,1 1-16,24-25 15,-49 24-15,24 0 0,0-24 16,-24 25-16,25-25 15</inkml:trace>
-  <inkml:trace contextRef="#ctx0" brushRef="#br0" timeOffset="2.13911E6">2303 271 0,'-25'-24'15,"1"24"-15,-1 0 16,1 0-16,24 24 31,0 1-31,24-25 0,-24 24 16,25 25-16,-1-24 16,-24 23-16,25-23 0,-25 24 15,24 0-15,-24-25 0,24 25 16,-24-25-16,25 1 15,-25-1-15,0 1 0,0-1 16,24 0-16,-24-48 31,0 0-31,0-1 16,-24-24 0,24 25-16,-25-25 0,25 25 15,-24-25-15,0-25 0,-1 26 16,25-1-16,-24-25 15,-1 26-15,25-1 0,0 0 16,0 24-16,0-23 16,0 23-16,25 25 0,-1-24 15,1 24-15,-1 0 16,25 24-16,-25-24 0,1 25 16,-1-1-16,1 0 0,-1 1 15,-24 24-15,24-25 16,-24 25-16,25-25 0,-25 1 15,0-1-15,0 25 16,0-24-16,-25-1 0,1-24 16,24 24-16,-24-24 0,24 25 15,-25-25-15,1 0 16,-1-25 0,25 1-1,0 0-15,25-1 16,-1 1-16,1 24 15,-1 0 1,0 24-16,1 1 16,-1-1-16,1 0 0,-1 1 15,25-1-15,-25 1 16,25 24-16,-24-25 0,23 0 16,-23-24-16,24 25 15,-25-1-15,1-24 0,-1 0 16,0 25-16,1-25 0</inkml:trace>
-  <inkml:trace contextRef="#ctx0" brushRef="#br0" timeOffset="2.13985E6">1814 1297 0,'-24'-24'0,"-1"24"32,50 24-1,-1 1-15,-24-1-16,0 25 15,25-25-15,-25 25 16,0 0-16,24 0 0,-24 0 15,0 0-15,24-1 16,-24 1-16,25 0 0,-25 0 16,24 0-16,-24-25 0,25 1 15,-1 23-15,-24-23 16,0-1-16,24-24 0,-24 25 16,25-25-16,-1 24 15,1-24-15,24-24 16,-25 24-16,25-25 15,-25 25-15,25-24 16,0-1-16,24 1 0,-24 24 16,0-24-16,0-1 0,0 25 15,0-24-15,-1 24 16,-23-25-16,-1 25 0,1 0 16,-1-24-16,-24 0 31,-24 24-16</inkml:trace>
-  <inkml:trace contextRef="#ctx0" brushRef="#br0" timeOffset="2.14017E6">2596 1688 0,'-25'0'15,"50"0"17,-1 0-32,0 0 15,1 0-15,-1 24 0,25-24 16,-24 25-16,23-25 16,1 24-16,-24 1 0,24-25 15,-25 24-15,0 1 0,1-1 16,-1 0-16,-24 1 15,0-1-15,-24 1 16,24-1-16,-25 1 16,1-1-16,0 0 0,-1-24 15,1 25-15,-1-25 0,1 0 16,-1 0-16</inkml:trace>
-  <inkml:trace contextRef="#ctx0" brushRef="#br0" timeOffset="2.1406E6">3744 1517 0,'0'-24'0,"0"-1"31,-25 25-31,1 0 16,-1 0-16,1 25 0,-1-25 15,-23 24-15,23 0 16,1-24-16,-1 25 0,1-1 16,-1 25-16,25-24 15,0-1-15,0 25 0,0-25 16,0 25-16,25 0 0,-1-25 15,-24 25-15,25-24 16,24-1-16,-25 1 0,0-1 16,25 0-16,-24 1 0,24-25 15,-1 24-15,-23-24 16,24 0-16,-25 0 0,0-24 16,25 24-16,-49-25 15,25 1-15,-1 24 0,-24-24 16,0-1-16</inkml:trace>
-  <inkml:trace contextRef="#ctx0" brushRef="#br0" timeOffset="2.1411E6">4134 1566 0,'-24'0'16,"-1"0"0,25 24 31,25 1-47,-25-1 15,24 1-15,-24-1 0,25 25 16,-25-25-16,24 25 15,1-24-15,-1-1 0,0 25 16,1-25-16,-1 1 16,25-25-16,-24 24 0,-1-24 15,0 0-15,1 0 0,-1 0 16,1 0-16,-1-24 16,0-1-16,1 1 0,-1-1 15,-24-23-15,0 23 16,25-24-16,-25 25 0,0-25 15,0 0-15,-25 0 0,25 25 16,-24-1-16,24 1 16,-25 0-16,25-1 0,-24 25 15,24-24-15,-24 24 0,-1 0 32,25 24-17</inkml:trace>
-  <inkml:trace contextRef="#ctx0" brushRef="#br0" timeOffset="2.14139E6">4818 1346 0,'0'-24'0,"0"48"62,25 0-46,-1 1-16,-24 24 0,24-25 16,1 25-16,-1 0 15,1 0-15,-1-25 0,1 25 16,-1-25-16,0 1 0,1-1 15,-1 1 1,-24-50 0</inkml:trace>
-  <inkml:trace contextRef="#ctx0" brushRef="#br0" timeOffset="2.14179E6">5258 1322 0,'0'-25'0,"24"25"16,-24-24-16,25 24 16,-50 0 15,25 24-31,-24-24 16,-1 25-16,1-1 0,-25 1 15,25-1-15,-1 25 0,-24-25 16,25 1-16,0-1 15,-1-24-15,25 24 0,0 1 32,25-25-17,-1 0-15,0 0 16,1 0-16,-1 24 16,25-24-16,-24 25 0,-1-25 15,0 24-15,1 1 16,24-25-16,-25 24 0,0 0 15,1 1-15,-1-1 16,1-24-16,-1 0 16,1 0-1,-1 0 1</inkml:trace>
-  <inkml:trace contextRef="#ctx0" brushRef="#br0" timeOffset="2.14234E6">5649 1297 0,'-25'-24'15,"25"-1"1,-24 25-16,24 25 47,24-25-47,1 24 15,-25 1-15,24-25 16,0 24-16,1 0 0,-1-24 16,1 25-16,-1-25 15,25 24-15,-25-24 0,1 0 16,-1 0-16,1 0 0,-1 0 16,0-24-16,1-1 15,-25 1-15,0 0 16,0-1-16,0 1 0,0-1 15,-25 1-15,25 0 16,0-1-16,0 1 0,-24-1 16,24 1-16,-24 48 31,24 1-31,0-1 0,0 25 16,0 0-16,0 0 15,0-1-15,0 1 0,0 0 16,24 0-16,-24 24 15,0-48-15,24 24 0,-24-1 16,0 1-16,25-24 0,-25-1 16,24 1-16,-24-1 15,0 0-15,25 1 16,-50-50 15,25 1-31,-24 0 16</inkml:trace>
-  <inkml:trace contextRef="#ctx0" brushRef="#br0" timeOffset="2.14407E6">520 3398 0,'0'-25'16,"-25"1"-16,25-1 15,-24 25-15,24-24 0,-25 24 16,25-25-16,-24 25 16,0 0-16,-1 0 15,1 0 1,-1 25-16,25-1 0,-24 25 16,24 0-16,-25 0 0,25 0 15,0 0-15,0-1 16,25 26-16,-1-25 0,1-1 15,-1 1-15,25-24 16,-25 24-16,25-25 0,0 0 16,-24-24-16,23 0 0,1 0 15,0-24-15,0 24 16,0-24-16,-25-25 0,25 24 16,-25-24-16,-24 25 15,25-25-15,-25 0 0,-25-24 16,1 24-16,0 0 0,-1-24 15,-24 24-15,1 0 16,-1 0-16,24 25 0,-24 0 16,25-1-16,-25 1 0,25 24 15,-1 0-15,25 24 16,-24 1-16,24-1 0,0 0 16,0 1-16</inkml:trace>
-  <inkml:trace contextRef="#ctx0" brushRef="#br0" timeOffset="2.1445E6">617 3764 0,'0'-24'0,"0"-1"31,-24 25-31,24-24 16,-24 24 0,24-25-16,0 1 15,24 24 1,0-25-1,1 25-15,-1 0 16,1 25-16,-1-25 16,0 24-16,1 1 0,-1-25 15,1 49-15,-1-25 0,1 0 16,23 1-16,-23 24 16,-1-25-16,25 0 0,-24 1 15,23-1-15,-23 1 16,-1-1-16,1-24 0,-1 0 15,1 0-15,-1 0 16</inkml:trace>
-  <inkml:trace contextRef="#ctx0" brushRef="#br0" timeOffset="2.14499E6">1204 3324 0,'-25'0'0,"1"0"0,-1-24 15,1 24 17,24 24-17,0 1 1,0-1-16,0 1 0,0-1 15,0 0-15,24 25 16,1-24-16,-25 24 0,24-1 16,1-23-16,-1 24 0,0-25 15,25 1-15,-24-1 16,-1 0-16,25-24 0,-25 25 16,1-25-16,24-25 15,-25 25-15,0-24 0,1 0 16,-25-25-16,24 24 0,1-24 15,-25 1-15,0 23 16,0-48-16,0 24 0,-25 0 16,1 0-16,24 0 15,-25 25-15,1-25 0,0 25 16,-1-1-16,1 25 0,-1 0 31,25 25-31,0-1 16,0 1-16,0-1 15,0 0-15,25 1 16</inkml:trace>
-  <inkml:trace contextRef="#ctx0" brushRef="#br0" timeOffset="2.14554E6">1814 3202 0,'25'0'16,"-25"25"15,24-1-15,0 1 0,-24-1-16,0 0 0,25 25 15,-25-24-15,24 23 16,-24-23-16,0 24 0,25-25 15,-25 1-15,0-1 0,0 0 16,0 1-16,0-1 16,0-48 15,0-1-15,0 1-16,0 0 0,0-25 15,0 0-15,0 0 16,-25 0-16,25 0 0,0 1 15,0-26-15,25 25 0,-25 1 16,24-1-16,-24 24 16,25-24-16,-1 25 15,0 24-15,1 24 16,-1 1-16,-24-1 16,25 1-16,-1 24 0,0-25 15,1 25-15,-1 0 16,-24 0-16,25-1 0,-1-23 15,1 24-15,-1-1 16,-24-23-16,24 24 0,1-25 16,-25 1-16,24-1 0,1-24 31</inkml:trace>
-  <inkml:trace contextRef="#ctx0" brushRef="#br0" timeOffset="2.14575E6">2058 3446 0,'-24'0'0,"-1"0"15,1 0-15,48-24 32,1 24-32,-1-24 15,1 24-15,-1-25 0,1 1 16,23 24-16,-23-25 15,-1 1-15,1 24 0,-1-25 16,1 1-16,-1 0 0</inkml:trace>
-  <inkml:trace contextRef="#ctx0" brushRef="#br0" timeOffset="2.14648E6">2596 3031 0,'-25'0'16,"25"-24"-16,-24 24 0,-1 0 31,25 24 0,0 1-15,0-1-16,0 25 15,25-25-15,-25 25 0,24 0 16,-24-24-16,25 23 16,-25 1-16,24-24 0,-24 23 15,24-23-15,-24-1 0,25 1 16,-25-1 0,0-48-1,0-1 1,0 1-16,-25-1 0,25 1 15,0-25-15,-24 25 0,24-25 16,-24 0-16,24 0 16,-25 0-16,25 1 0,0-1 15,-24 24-15,24-24 16,0 25-16,0 0 16,0 48-1,24 0-15,1-24 16,-1 49-16,0-24 0,1-1 15,-1 1-15,1 23 16,24-23-16,-25 24 0,0-25 16,25 25-16,-24-25 0,24 1 15,-25-1-15,0 1 16,1-1-16,-1-24 0,1 24 16,-1-24-16,1-24 15,-25 0 1,0-1-16,0 1 0,0-25 15,0 25-15,0-25 16,-25 0-16,1-24 0,24 24 16,-25 0-16,1 0 15,-1 0-15,25 0 0,-24 25 16,24-1-16,-24 25 16,48 25-1,-24-1 1,0 1-16,24-1 15,-24 1-15</inkml:trace>
-  <inkml:trace contextRef="#ctx0" brushRef="#br0" timeOffset="2.14708E6">2229 3862 0,'-24'0'0,"24"-25"16,0 1 0,24 48 31,-24 1-47,0-1 0,25 1 15,-25-1-15,24 25 16,1-25-16,-1 25 0,-24 0 15,24 0-15,1-25 0,-1 25 16,1 0-16,-1 0 16,-24-25-16,25 1 0,-25-1 15,0 0-15,0 1 16,24-1-16,0-24 16,1 0-16,-1 0 15,1-24-15,-1 24 16,25-25-16,0 1 0,0 0 15,-1-1-15,1 1 16,0-1-16,-24 1 0,23-1 16,1 1-16,-24 24 0,24-24 15,-25 24-15,-24-25 16,24 25-16,-24-24 0,0-1 31</inkml:trace>
-  <inkml:trace contextRef="#ctx0" brushRef="#br0" timeOffset="2.1474E6">2986 4057 0,'-24'0'16,"0"0"0,48 0-1,0 0 1,1 0-1,-1 0-15,1 0 0,-1 0 16,1 0-16,23 0 0,-23 0 16,-1 0-16,25 24 15,-24-24-15,23 25 0,-23-25 16,-1 24-16,1 1 16,-1-25-16,-24 24 0,0 1 15,0-1-15,-24 0 16,-1 1-1,1-25-15,24 24 0,-49 1 16,25-25-16,-1 24 16,1 1-16,-1-25 0,1 0 15</inkml:trace>
-  <inkml:trace contextRef="#ctx0" brushRef="#br0" timeOffset="2.14796E6">3670 3764 0,'-24'0'16,"24"-24"0,0 48-1,0 0 1,24 1-16,-24 24 16,25-25-16,-25 25 15,24 0-15,-24-25 0,25 25 16,-1 0-16,0 0 0,1 0 15,-1-25-15,1 0 16,-1 25-16,25-24 0,-25-25 16,25 24-16,-24-24 0,23 0 15,-23-24-15,24-1 16,-25 1-16,1-1 0,23 1 16,-23-25-16,-25 25 15,24-25-15,-24 0 0,0 0 16,0 0-16,0 1 0,-24-1 15,-1 0-15,1 24 16,0-23-16,-1 23 0,1 1 16,-1 24-16,1 0 15,-1 0-15,1 0 16,0 24-16,24 1 31</inkml:trace>
-  <inkml:trace contextRef="#ctx0" brushRef="#br0" timeOffset="2.14829E6">4501 3666 0,'-25'0'0,"25"-24"32,0 48 15,25 1-47,-25-1 0,0 25 15,24-25-15,0 25 16,-24 0-16,25 0 0,-25 0 15,0-25-15,0 25 0,24-25 16,-24 25-16,0-24 16,0-1-16,-24-24 15,24-24-15</inkml:trace>
-  <inkml:trace contextRef="#ctx0" brushRef="#br0" timeOffset="2.14877E6">4501 3666 0,'0'-24'0,"24"24"31,-24 24-15,24-24-16,1 25 15,-1-1-15,25 1 0,-24-1 16,23 25-16,1-25 0,0 1 15,-24-1-15,23 0 16,1 1-16,0-25 0,-24 24 16,-1-24-16,0 0 15,1 0-15,-1 0 0,-24-24 16,0-1-16,0-23 16,0 23-16,-24 1 15,24-25-15,-25 0 0,25 25 16,-24-25-16,0 0 0,24 0 15,-25 25-15,1-1 16,24 1-16,-25-1 0,25 1 16,-24 24-1,24 24 1,24 1-16,-24-1 16,0 1-16,25-1 15,-1 1-15,-24-1 0,25 0 16,-1 1-16,0 24 15,-24-25-15,25 1 0,-1-1 16,-24 0-16,25 1 0,-25-1 16</inkml:trace>
-  <inkml:trace contextRef="#ctx0" brushRef="#br0" timeOffset="2.14912E6">5355 3373 0,'0'-24'16,"0"-1"15,0 50-16,25-25 1,-25 24-16,0 1 16,0-1-16,0 0 0,24 1 15,-24 24-15,0 0 16,25-1-16,-25 1 0,24 0 16,-24-24-16,25 23 0,-25 1 15,0-24-15,24-1 16,-24 0-16,24 1 0,-24-1 15,0-48 1</inkml:trace>
-  <inkml:trace contextRef="#ctx0" brushRef="#br0" timeOffset="2.14961E6">5600 3398 0,'-25'0'0,"25"-25"15,0 1 1,0-1-16,25 25 16,-1-24-1,1 24-15,-1-25 0,25 25 16,-25-24-16,25 24 0,0-24 15,0-1-15,-25 25 16,25-24-16,-25 24 0,-24-25 16,25 25-16,-25-24 15,-25 24-15,1 0 16,0 0-16,-1 0 0,1 0 16,-25 0-16,24 0 15,25 24-15,-24-24 0,0 25 16,-1-25-16,25 24 15,-24 1-15,24 23 16,0-23-16,0-1 0,0 25 16,24 0-16,1 0 15,-25-25-15,24 25 0,0 0 16,-24-25-16,25 1 16,-1 24-16,1-25 0,-1 1 15,-24-1-15,25-24 16,-25 24-16</inkml:trace>
+  <inkml:trace contextRef="#ctx0" brushRef="#br0" timeOffset="-21463.65">8702 1322 0,'0'-25'16,"0"1"0,0-1-1,0 1 1,0 0-1,0-1 1,-24 25-16,0 0 16,-1 0-16,-24 0 15,25 0-15,-25 0 0,25 0 16,-25 25-16,24-1 16,1-24-16,0 24 0,-1 1 15,25-1-15,0 1 0,0 23 16,0-23-16,0-1 15,0 1-15,25-25 0,-1 24 16,0 1-16,1-25 16,24 0-16,-25 0 15,0-25-15,1 25 0,-1-24 16,1-1-16,-1 1 16,1-1-16,-25 1 15,0 0-15,0-1 16,0 1-16,0-1 0,-25 25 31,25 25-31,0-1 16,0 25-16,0 0 0,0 0 15,0 24-15,25-24 0,-25 24 16,24 0-16,0-24 16,-24 25-16,25-26 0,-25 1 15,0-24-15,0 24 16,-25-49-16,1 24 0,0-24 15,-1 0-15,-24-24 16,0 24-16,25-25 0,-25-24 16,25 25-16,-25-1 0,49-23 15,-24-1-15,24 24 16,0 1-16,0-25 0,24 25 16,-24-1-16,24 1 0,25-1 15,-24 25-15,23-24 16,-23 24-16,24-25 0,-25 25 15,1 0-15,-1 0 16,0-24-16,1 24 0</inkml:trace>
+  <inkml:trace contextRef="#ctx0" brushRef="#br0" timeOffset="-20783.65">8921 1371 0,'0'-25'16,"25"25"-16,-25-24 16,0-1-1,24 25 1,-24 25 0,25-25-16,-25 24 15,24-24-15,0 25 0,-24-1 16,25 0-16,-25 1 15,0-1-15,24 1 0,-24-1 16,0 0-16,0 1 31,0-50 1,0 1-32,25 0 15,-25-1-15,0 1 0,24-1 16,-24-23-16,24 23 15,1 1-15,-1-1 0,-24 1 16,25-1-16,-1 25 16,1 0-1,-25 25-15,0-1 0,24 1 16,-24-1-16,0 25 16,0-25-16,0 1 0,0-1 15,24 1-15,-24-1 16,0-48 15,0-1-15,0 1-16,0-1 15,25-23-15,-25 23 16,24 1-16,1-25 0,-1 24 16,1 1-16,-1 0 0,0 24 15,1-25-15,-1 25 16,1 0-16,-25 25 0,24-1 15,0 0-15,-24 1 16,25 24-16,-25-25 0,0 1 16,24 23-16,-24-23 0,0-1 15,25 1-15,-25-1 16,0 0-16,0 1 0,0-1 16</inkml:trace>
+  <inkml:trace contextRef="#ctx0" brushRef="#br0" timeOffset="-20453.65">10313 1004 0,'0'-24'16,"0"-1"-16,0 1 16,0-1-1,25 50 1,-25-1-16,24 1 0,-24 24 16,25-25-16,-25 25 15,24 0-15,-24 0 0,24-1 16,-24 1-16,0 0 15,0 0-15,0-25 0,0 25 16,0-24-16,-24-1 0,24 0 16,-24-24-1</inkml:trace>
+  <inkml:trace contextRef="#ctx0" brushRef="#br0" timeOffset="-19493.65">10631 1248 0,'49'-24'15,"-25"0"-15,1-1 16,-50 50 15,1-1-31,-1 0 16,1-24 0,-1 25-16,1-1 15,0-24-15,-1 25 16,1-1-16,24 0 15,-25-24-15,50 0 16,-25 25 0,24-25-16,1 0 0,-1 24 15,0-24-15,-24 25 16,25-25-16,-1 24 0,1 1 16,-1-1-16,1 0 15,-1 1 1,0-25-16,1 0 0,-1 0 15,1 0-15,-1 0 16,25 0-16,-25-25 0,25 25 16,0-24-16,-25 0 0,25-1 15,-24-24-15,-1 25 16,1-25-16,-1 25 0,0-25 16,-24 24-16,0 1 0,0-25 15,-24 25 1,24-1-16,-24 25 0,-1 0 15,1 0-15,-1 25 16,1-1-16,-1-24 0,1 25 16,0-1-16,-1 0 0,1 1 15,24-1-15,0 1 16,0-1-16,0 0 16,0 1-16,24-25 15,1 0-15,-25 24 0,24-24 16,0 0-16,1 0 15,-1-24-15,1 24 0,-1-25 16,1 25-16,-1-24 0,-24 0 16,24-1-16,-24 1 15,0-1-15,0 50 32,0-1-17,0 1-15,0 23 0,0 1 16,25 0-16,-25 0 15,24 24-15,1-24 0,-25 24 16,24-24-16,-24 0 0,25-24 16,-25 23-16,0-23 15,24-1-15,-24 1 16,-24-25-16,-1 0 16,25-25-16,-24 25 15,-1-24-15,1-1 0,-1 1 16,1 0-16,24-1 15,-24-24-15,-1 25 0,25-1 16,0 1-16,0 0 16,25 24-16,-25-25 0,24 1 15,0-1-15,25 25 0,-24-24 16,24 24-16,-25-25 16,0 25-16,25 0 0,-24-24 15,-1 24 1,-24-24-1,-24 24-15</inkml:trace>
+  <inkml:trace contextRef="#ctx0" brushRef="#br0" timeOffset="-18183.65">12316 1077 0,'24'-24'16,"1"24"-1,-25-24 1,0-1 15,-25 25-15,25-24-16,-24 24 0,24-25 15,-24 25-15,-1 0 16,1 0 0,24 25-16,-25-1 0,1 1 15,24-1-15,-25 25 16,25-25-16,0 25 0,0-24 15,0 23-15,0-23 0,25-1 16,-1 1-16,1-1 16,-1 0-16,1-24 0,-1 0 15,25 0-15,-25 0 16,1-24-16,-1 24 0,1-24 16,-1-1-16,0 1 0,1-1 15,-25-23-15,0 23 16,0-24-16,0 25 0,-25-1 15,25 1 1,-24 24-16,0 24 16,24 1-16,0-1 15,0 1-15,24 24 16,-24-1-16,24-23 0,-24 24 16,25-1-16,-1 1 15,1 0-15,-25 0 0,24 0 16,-24 0-16,25-25 15,-25 25-15,0-25 0,0 1 16,-25-1-16,1-24 16,-1 0-16,1 0 15,-1 0-15,-23 0 0,23-24 16,-24-1-16,25 1 0,-1-25 16,1 25-16,0-1 15,24-24-15,0 25 0,0 0 16,0-1-16,24 1 15,0-1-15,1 1 0,-1 24 16,1-25-16,-1 25 0,25-24 16,-25 24-16,1-24 15,-1 24-15,1 0 0,-1-25 16,1 25-16</inkml:trace>
+  <inkml:trace contextRef="#ctx0" brushRef="#br0" timeOffset="-17663.65">12902 1102 0,'25'-25'0,"-1"1"16,-24 0 0,24 24-16,-24-25 0,0 1 15,-24 24 1,0-25-16,-1 25 15,1 0-15,-1 0 0,1 0 16,0 25-16,-1-25 16,1 24-16,-1 1 0,1-1 15,-1-24-15,25 24 16,0 25-16,0-24 0,0-1 16,0 1-16,0-1 0,25 0 15,-1 1-15,1-1 16,-1-24-16,1 25 0,-1-25 15,0 0-15,1 0 0,-1 0 16,1 0-16,-1 0 16,0-25-16,-24 1 0,25 24 15,-25-49-15,24 25 16,-24-1-16,0 1 0,0-1 16,0-24-16,0 25 0,0 0 15,0 48 16,0 0-15,25 25-16,-25-24 0,0-1 16,24 25-16,-24-25 0,25 1 15,-25-1-15,24 1 16,0-1-16,1-24 31,-25-24-31</inkml:trace>
+  <inkml:trace contextRef="#ctx0" brushRef="#br0" timeOffset="-17393.65">13293 760 0,'0'-25'0,"-24"1"16,24 48 30,24 1-46,-24-1 16,24 1-16,-24 24 0,25-25 16,-25 25-16,0 0 15,24 0-15,-24-25 0,0 25 16,0-25-16,25 25 16,-25-24-16,0-1 15,24-24-15</inkml:trace>
+  <inkml:trace contextRef="#ctx0" brushRef="#br0" timeOffset="-17143.65">13586 711 0,'0'24'31,"0"1"-16,0-1-15,0 25 16,0-24-16,0 23 16,0-23-16,24 24 0,-24 0 15,0-1-15,25-23 0,-25 24 16,0-25-16,0 1 16,0-1-16,0 0 0,0 1 15</inkml:trace>
+  <inkml:trace contextRef="#ctx0" brushRef="#br0" timeOffset="-16253.65">14001 906 0,'-24'0'16,"-1"0"-16,25-24 16,-24 24-1,0 24 1,24 1-16,-25-25 0,1 24 16,24 1-16,-25 24 15,25-25-15,0 0 0,0 25 16,0-24-16,0 24 0,0-25 15,25 0-15,-1 1 16,1-1-16,-1 1 0,0-25 16,1 0-16,-1 0 15,25 0-15,-24 0 0,-25-25 16,24 1-16,-24-1 16,24 1-16,-24-25 0,0 25 15,0-25-15,-24 24 0,24 1 16,-24-25-16,-1 25 15,1-1-15,-1 25 0,1-24 16,-1 24-16,1 0 0,0 0 16,-1 24-16,1 1 15,24-1 1,24-24 0,-24 25-16,25-25 15,-1 0-15,0 0 16,1 0-16,-1 0 15,1 0-15,-1 0 0,1-25 16,-1 25-16,0-24 16,1-1-16,-1 25 15,1 0-15,-25-24 16,24 24 0,0 0-16,1 24 15,-1 1 1,1-1-16,-1 1 15,-24-1-15,25 0 0,-25 1 16,0-1-16,0 1 16,24-1-16,-24 1 15,0-1-15,24-48 32,1-1-17,-25 1 1,24-1-16,1-24 0,-25 25 15,24-25-15,1 25 16,-1-25-16,0 24 0,1 1 16,-1 0-16,1 24 0,-1 0 15,0 0-15,1 0 16,-1 24-16,1 25 16,-25-25-16,24 1 15,-24 24-15,0-1 0,25-23 16,-25-1-16,0 25 0,0-24 15</inkml:trace>
+  <inkml:trace contextRef="#ctx0" brushRef="#br0" timeOffset="-10353.65">422 491 0,'-24'0'0,"24"-24"0,-25 24 16,1 0-16,24-25 16,-25 25-1,25-24 1,-24 24-1,24 24 1,-25-24-16,1 25 0,0-1 16,-1 1-16,-24-1 15,25 1-15,-25-1 0,25 25 16,-1-25-16,1 25 0,24 0 16,0 0-16,0 24 15,0-24-15,24 0 0,-24 0 16,49-1-16,-25 1 15,1-24-15,24-1 0,0 1 16,-1-25-16,1 24 0,0-24 16,0-24-16,0 24 15,-25-25-15,25 1 0,-24 24 16,23-25-16,-23 1 16,-25-1-16,24 25 0,-24-24 15,-24 24 1,-1 0-1,1 24-15,0-24 16,-1 0 0</inkml:trace>
+  <inkml:trace contextRef="#ctx0" brushRef="#br0" timeOffset="-9853.65">813 589 0,'0'-24'16,"0"-1"-16,0 50 46,0-1-30,0 0 0,0 25-16,24-24 0,-24 24 15,0-1-15,25 1 16,-1 0-16,0 0 0,1-25 16,-1 25-16,1-24 0,24-1 15,-25-24-15,25 0 16,0 0-16,-25-24 0,25 24 15,-25-25-15,25-24 16,-24 25-16,-1-25 0,1 25 16,-25-25-16,0 0 0,0 0 15,0 0-15,-25 0 16,1 25-16,-1-25 0,1 25 16,-1-1-16,1 1 15,24-1-15,-24 25 0,-1 0 16,25 25-1,0-1 1,25-24-16</inkml:trace>
+  <inkml:trace contextRef="#ctx0" brushRef="#br0" timeOffset="-9123.65">1570 442 0,'24'0'0,"1"0"47,-25 25-47,24-1 16,-24 1-16,25 24 15,-25-25-15,0 25 0,24-25 16,-24 25-16,24 0 15,-24 0-15,25 0 0,-25-25 16,0 25-16,0-25 16,24 1-16,-24-1 15,0-48 17,0-1-32,0 1 15,0-25-15,-24 25 16,24-25-16,0 0 0,-25 0 15,25 0-15,-24-24 0,0 24 16,24 0-16,0-24 16,-25 24-16,25 0 0,0 25 15,25-25-15,-25 25 16,24-1-16,0 25 0,1-24 16,-1 24-16,1 0 0,-1 0 15,1 0-15,-1 24 16,0-24-16,1 25 0,-1-1 15,-24 0-15,25 25 16,-25-24-16,0-1 0,0 25 16,-25-25-16,25 1 0,-24-1 15,-1 1-15,1-1 16,0 1-16,-1-1 16,1-24-1,-1-24-15,25-1 16,25 25 15,-1 0-15,1 0-16,-1 25 0,0-1 15,25 0-15,-24 1 16,-1-1-16,25 1 0,-25-1 16,1 1-16,24-25 15,-49 24-15,24 0 0,0-24 16,-24 25-16,25-25 15</inkml:trace>
+  <inkml:trace contextRef="#ctx0" brushRef="#br0" timeOffset="-8373.65">2303 271 0,'-25'-24'15,"1"24"-15,-1 0 16,1 0-16,24 24 31,0 1-31,24-25 0,-24 24 16,25 25-16,-1-24 16,-24 23-16,25-23 0,-25 24 15,24 0-15,-24-25 0,24 25 16,-24-25-16,25 1 15,-25-1-15,0 1 0,0-1 16,24 0-16,-24-48 31,0 0-31,0-1 16,-24-24 0,24 25-16,-25-25 0,25 25 15,-24-25-15,0-25 0,-1 26 16,25-1-16,-24-25 15,-1 26-15,25-1 0,0 0 16,0 24-16,0-23 16,0 23-16,25 25 0,-1-24 15,1 24-15,-1 0 16,25 24-16,-25-24 0,1 25 16,-1-1-16,1 0 0,-1 1 15,-24 24-15,24-25 16,-24 25-16,25-25 0,-25 1 15,0-1-15,0 25 16,0-24-16,-25-1 0,1-24 16,24 24-16,-24-24 0,24 25 15,-25-25-15,1 0 16,-1-25 0,25 1-1,0 0-15,25-1 16,-1 1-16,1 24 15,-1 0 1,0 24-16,1 1 16,-1-1-16,1 0 0,-1 1 15,25-1-15,-25 1 16,25 24-16,-24-25 0,23 0 16,-23-24-16,24 25 15,-25-1-15,1-24 0,-1 0 16,0 25-16,1-25 0</inkml:trace>
+  <inkml:trace contextRef="#ctx0" brushRef="#br0" timeOffset="-7633.66">1814 1297 0,'-24'-24'0,"-1"24"32,50 24-1,-1 1-15,-24-1-16,0 25 15,25-25-15,-25 25 16,0 0-16,24 0 0,-24 0 15,0 0-15,24-1 16,-24 1-16,25 0 0,-25 0 16,24 0-16,-24-25 0,25 1 15,-1 23-15,-24-23 16,0-1-16,24-24 0,-24 25 16,25-25-16,-1 24 15,1-24-15,24-24 16,-25 24-16,25-25 15,-25 25-15,25-24 16,0-1-16,24 1 0,-24 24 16,0-24-16,0-1 0,0 25 15,0-24-15,-1 24 16,-23-25-16,-1 25 0,1 0 16,-1-24-16,-24 0 31,-24 24-16</inkml:trace>
+  <inkml:trace contextRef="#ctx0" brushRef="#br0" timeOffset="-7313.65">2596 1688 0,'-25'0'15,"50"0"17,-1 0-32,0 0 15,1 0-15,-1 24 0,25-24 16,-24 25-16,23-25 16,1 24-16,-24 1 0,24-25 15,-25 24-15,0 1 0,1-1 16,-1 0-16,-24 1 15,0-1-15,-24 1 16,24-1-16,-25 1 16,1-1-16,0 0 0,-1-24 15,1 25-15,-1-25 0,1 0 16,-1 0-16</inkml:trace>
+  <inkml:trace contextRef="#ctx0" brushRef="#br0" timeOffset="-6883.65">3744 1517 0,'0'-24'0,"0"-1"31,-25 25-31,1 0 16,-1 0-16,1 25 0,-1-25 15,-23 24-15,23 0 16,1-24-16,-1 25 0,1-1 16,-1 25-16,25-24 15,0-1-15,0 25 0,0-25 16,0 25-16,25 0 0,-1-25 15,-24 25-15,25-24 16,24-1-16,-25 1 0,0-1 16,25 0-16,-24 1 0,24-25 15,-1 24-15,-23-24 16,24 0-16,-25 0 0,0-24 16,25 24-16,-49-25 15,25 1-15,-1 24 0,-24-24 16,0-1-16</inkml:trace>
+  <inkml:trace contextRef="#ctx0" brushRef="#br0" timeOffset="-6383.65">4134 1566 0,'-24'0'16,"-1"0"0,25 24 31,25 1-47,-25-1 15,24 1-15,-24-1 0,25 25 16,-25-25-16,24 25 15,1-24-15,-1-1 0,0 25 16,1-25-16,-1 1 16,25-25-16,-24 24 0,-1-24 15,0 0-15,1 0 0,-1 0 16,1 0-16,-1-24 16,0-1-16,1 1 0,-1-1 15,-24-23-15,0 23 16,25-24-16,-25 25 0,0-25 15,0 0-15,-25 0 0,25 25 16,-24-1-16,24 1 16,-25 0-16,25-1 0,-24 25 15,24-24-15,-24 24 0,-1 0 32,25 24-17</inkml:trace>
+  <inkml:trace contextRef="#ctx0" brushRef="#br0" timeOffset="-6093.65">4818 1346 0,'0'-24'0,"0"48"62,25 0-46,-1 1-16,-24 24 0,24-25 16,1 25-16,-1 0 15,1 0-15,-1-25 0,1 25 16,-1-25-16,0 1 0,1-1 15,-1 1 1,-24-50 0</inkml:trace>
+  <inkml:trace contextRef="#ctx0" brushRef="#br0" timeOffset="-5693.65">5258 1322 0,'0'-25'0,"24"25"16,-24-24-16,25 24 16,-50 0 15,25 24-31,-24-24 16,-1 25-16,1-1 0,-25 1 15,25-1-15,-1 25 0,-24-25 16,25 1-16,0-1 15,-1-24-15,25 24 0,0 1 32,25-25-17,-1 0-15,0 0 16,1 0-16,-1 24 16,25-24-16,-24 25 0,-1-25 15,0 24-15,1 1 16,24-25-16,-25 24 0,0 0 15,1 1-15,-1-1 16,1-24-16,-1 0 16,1 0-1,-1 0 1</inkml:trace>
+  <inkml:trace contextRef="#ctx0" brushRef="#br0" timeOffset="-5143.65">5649 1297 0,'-25'-24'15,"25"-1"1,-24 25-16,24 25 47,24-25-47,1 24 15,-25 1-15,24-25 16,0 24-16,1 0 0,-1-24 16,1 25-16,-1-25 15,25 24-15,-25-24 0,1 0 16,-1 0-16,1 0 0,-1 0 16,0-24-16,1-1 15,-25 1-15,0 0 16,0-1-16,0 1 0,0-1 15,-25 1-15,25 0 16,0-1-16,0 1 0,-24-1 16,24 1-16,-24 48 31,24 1-31,0-1 0,0 25 16,0 0-16,0 0 15,0-1-15,0 1 0,0 0 16,24 0-16,-24 24 15,0-48-15,24 24 0,-24-1 16,0 1-16,25-24 0,-25-1 16,24 1-16,-24-1 15,0 0-15,25 1 16,-50-50 15,25 1-31,-24 0 16</inkml:trace>
+  <inkml:trace contextRef="#ctx0" brushRef="#br0" timeOffset="-3413.65">520 3398 0,'0'-25'16,"-25"1"-16,25-1 15,-24 25-15,24-24 0,-25 24 16,25-25-16,-24 25 16,0 0-16,-1 0 15,1 0 1,-1 25-16,25-1 0,-24 25 16,24 0-16,-25 0 0,25 0 15,0 0-15,0-1 16,25 26-16,-1-25 0,1-1 15,-1 1-15,25-24 16,-25 24-16,25-25 0,0 0 16,-24-24-16,23 0 0,1 0 15,0-24-15,0 24 16,0-24-16,-25-25 0,25 24 16,-25-24-16,-24 25 15,25-25-15,-25 0 0,-25-24 16,1 24-16,0 0 0,-1-24 15,-24 24-15,1 0 16,-1 0-16,24 25 0,-24 0 16,25-1-16,-25 1 0,25 24 15,-1 0-15,25 24 16,-24 1-16,24-1 0,0 0 16,0 1-16</inkml:trace>
+  <inkml:trace contextRef="#ctx0" brushRef="#br0" timeOffset="-2983.65">617 3764 0,'0'-24'0,"0"-1"31,-24 25-31,24-24 16,-24 24 0,24-25-16,0 1 15,24 24 1,0-25-1,1 25-15,-1 0 16,1 25-16,-1-25 16,0 24-16,1 1 0,-1-25 15,1 49-15,-1-25 0,1 0 16,23 1-16,-23 24 16,-1-25-16,25 0 0,-24 1 15,23-1-15,-23 1 16,-1-1-16,1-24 0,-1 0 15,1 0-15,-1 0 16</inkml:trace>
+  <inkml:trace contextRef="#ctx0" brushRef="#br0" timeOffset="-2493.65">1204 3324 0,'-25'0'0,"1"0"0,-1-24 15,1 24 17,24 24-17,0 1 1,0-1-16,0 1 0,0-1 15,0 0-15,24 25 16,1-24-16,-25 24 0,24-1 16,1-23-16,-1 24 0,0-25 15,25 1-15,-24-1 16,-1 0-16,25-24 0,-25 25 16,1-25-16,24-25 15,-25 25-15,0-24 0,1 0 16,-25-25-16,24 24 0,1-24 15,-25 1-15,0 23 16,0-48-16,0 24 0,-25 0 16,1 0-16,24 0 15,-25 25-15,1-25 0,0 25 16,-1-1-16,1 25 0,-1 0 31,25 25-31,0-1 16,0 1-16,0-1 15,0 0-15,25 1 16</inkml:trace>
+  <inkml:trace contextRef="#ctx0" brushRef="#br0" timeOffset="-1943.65">1814 3202 0,'25'0'16,"-25"25"15,24-1-15,0 1 0,-24-1-16,0 0 0,25 25 15,-25-24-15,24 23 16,-24-23-16,0 24 0,25-25 15,-25 1-15,0-1 0,0 0 16,0 1-16,0-1 16,0-48 15,0-1-15,0 1-16,0 0 0,0-25 15,0 0-15,0 0 16,-25 0-16,25 0 0,0 1 15,0-26-15,25 25 0,-25 1 16,24-1-16,-24 24 16,25-24-16,-1 25 15,0 24-15,1 24 16,-1 1-16,-24-1 16,25 1-16,-1 24 0,0-25 15,1 25-15,-1 0 16,-24 0-16,25-1 0,-1-23 15,1 24-15,-1-1 16,-24-23-16,24 24 0,1-25 16,-25 1-16,24-1 0,1-24 31</inkml:trace>
+  <inkml:trace contextRef="#ctx0" brushRef="#br0" timeOffset="-1733.65">2058 3446 0,'-24'0'0,"-1"0"15,1 0-15,48-24 32,1 24-32,-1-24 15,1 24-15,-1-25 0,1 1 16,23 24-16,-23-25 15,-1 1-15,1 24 0,-1-25 16,1 1-16,-1 0 0</inkml:trace>
+  <inkml:trace contextRef="#ctx0" brushRef="#br0" timeOffset="-1003.65">2596 3031 0,'-25'0'16,"25"-24"-16,-24 24 0,-1 0 31,25 24 0,0 1-15,0-1-16,0 25 15,25-25-15,-25 25 0,24 0 16,-24-24-16,25 23 16,-25 1-16,24-24 0,-24 23 15,24-23-15,-24-1 0,25 1 16,-25-1 0,0-48-1,0-1 1,0 1-16,-25-1 0,25 1 15,0-25-15,-24 25 0,24-25 16,-24 0-16,24 0 16,-25 0-16,25 1 0,0-1 15,-24 24-15,24-24 16,0 25-16,0 0 16,0 48-1,24 0-15,1-24 16,-1 49-16,0-24 0,1-1 15,-1 1-15,1 23 16,24-23-16,-25 24 0,0-25 16,25 25-16,-24-25 0,24 1 15,-25-1-15,0 1 16,1-1-16,-1-24 0,1 24 16,-1-24-16,1-24 15,-25 0 1,0-1-16,0 1 0,0-25 15,0 25-15,0-25 16,-25 0-16,1-24 0,24 24 16,-25 0-16,1 0 15,-1 0-15,25 0 0,-24 25 16,24-1-16,-24 25 16,48 25-1,-24-1 1,0 1-16,24-1 15,-24 1-15</inkml:trace>
+  <inkml:trace contextRef="#ctx0" brushRef="#br0" timeOffset="-403.65">2229 3862 0,'-24'0'0,"24"-25"16,0 1 0,24 48 31,-24 1-47,0-1 0,25 1 15,-25-1-15,24 25 16,1-25-16,-1 25 0,-24 0 15,24 0-15,1-25 0,-1 25 16,1 0-16,-1 0 16,-24-25-16,25 1 0,-25-1 15,0 0-15,0 1 16,24-1-16,0-24 16,1 0-16,-1 0 15,1-24-15,-1 24 16,25-25-16,0 1 0,0 0 15,-1-1-15,1 1 16,0-1-16,-24 1 0,23-1 16,1 1-16,-24 24 0,24-24 15,-25 24-15,-24-25 16,24 25-16,-24-24 0,0-1 31</inkml:trace>
+  <inkml:trace contextRef="#ctx0" brushRef="#br0" timeOffset="-83.65">2986 4057 0,'-24'0'16,"0"0"0,48 0-1,0 0 1,1 0-1,-1 0-15,1 0 0,-1 0 16,1 0-16,23 0 0,-23 0 16,-1 0-16,25 24 15,-24-24-15,23 25 0,-23-25 16,-1 24-16,1 1 16,-1-25-16,-24 24 0,0 1 15,0-1-15,-24 0 16,-1 1-1,1-25-15,24 24 0,-49 1 16,25-25-16,-1 24 16,1 1-16,-1-25 0,1 0 15</inkml:trace>
+  <inkml:trace contextRef="#ctx0" brushRef="#br0" timeOffset="476.35">3670 3764 0,'-24'0'16,"24"-24"0,0 48-1,0 0 1,24 1-16,-24 24 16,25-25-16,-25 25 15,24 0-15,-24-25 0,25 25 16,-1 0-16,0 0 0,1 0 15,-1-25-15,1 0 16,-1 25-16,25-24 0,-25-25 16,25 24-16,-24-24 0,23 0 15,-23-24-15,24-1 16,-25 1-16,1-1 0,23 1 16,-23-25-16,-25 25 15,24-25-15,-24 0 0,0 0 16,0 0-16,0 1 0,-24-1 15,-1 0-15,1 24 16,0-23-16,-1 23 0,1 1 16,-1 24-16,1 0 15,-1 0-15,1 0 16,0 24-16,24 1 31</inkml:trace>
+  <inkml:trace contextRef="#ctx0" brushRef="#br0" timeOffset="806.35">4501 3666 0,'-25'0'0,"25"-24"32,0 48 15,25 1-47,-25-1 0,0 25 15,24-25-15,0 25 16,-24 0-16,25 0 0,-25 0 15,0-25-15,0 25 0,24-25 16,-24 25-16,0-24 16,0-1-16,-24-24 15,24-24-15</inkml:trace>
+  <inkml:trace contextRef="#ctx0" brushRef="#br0" timeOffset="1286.35">4501 3666 0,'0'-24'0,"24"24"31,-24 24-15,24-24-16,1 25 15,-1-1-15,25 1 0,-24-1 16,23 25-16,1-25 0,0 1 15,-24-1-15,23 0 16,1 1-16,0-25 0,-24 24 16,-1-24-16,0 0 15,1 0-15,-1 0 0,-24-24 16,0-1-16,0-23 16,0 23-16,-24 1 15,24-25-15,-25 0 0,25 25 16,-24-25-16,0 0 0,24 0 15,-25 25-15,1-1 16,24 1-16,-25-1 0,25 1 16,-24 24-1,24 24 1,24 1-16,-24-1 16,0 1-16,25-1 15,-1 1-15,-24-1 0,25 0 16,-1 1-16,0 24 15,-24-25-15,25 1 0,-1-1 16,-24 0-16,25 1 0,-25-1 16</inkml:trace>
+  <inkml:trace contextRef="#ctx0" brushRef="#br0" timeOffset="1636.35">5355 3373 0,'0'-24'16,"0"-1"15,0 50-16,25-25 1,-25 24-16,0 1 16,0-1-16,0 0 0,24 1 15,-24 24-15,0 0 16,25-1-16,-25 1 0,24 0 16,-24-24-16,25 23 0,-25 1 15,0-24-15,24-1 16,-24 0-16,24 1 0,-24-1 15,0-48 1</inkml:trace>
+  <inkml:trace contextRef="#ctx0" brushRef="#br0" timeOffset="2126.35">5600 3398 0,'-25'0'0,"25"-25"15,0 1 1,0-1-16,25 25 16,-1-24-1,1 24-15,-1-25 0,25 25 16,-25-24-16,25 24 0,0-24 15,0-1-15,-25 25 16,25-24-16,-25 24 0,-24-25 16,25 25-16,-25-24 15,-25 24-15,1 0 16,0 0-16,-1 0 0,1 0 16,-25 0-16,24 0 15,25 24-15,-24-24 0,0 25 16,-1-25-16,25 24 15,-24 1-15,24 23 16,0-23-16,0-1 0,0 25 16,24 0-16,1 0 15,-25-25-15,24 25 0,0 0 16,-24-25-16,25 1 16,-1 24-16,1-25 0,-1 1 15,-24-1-15,25-24 16,-25 24-16</inkml:trace>
 </inkml:ink>
 </file>
 
@@ -1783,7 +1788,7 @@
   <inkml:trace contextRef="#ctx0" brushRef="#br0" timeOffset="121138">5150 1396 0,'0'24'110,"25"-24"-79,-1 0-31,0 0 15,1 0-15,-1-24 16,1 24-16,24 0 0,-25 0 16,25-24-16,0 24 0,-1 0 15,-23 0-15,24-25 16,-25 25-16,25 0 0,-25 0 16,1-24-16,-1 24 15,1 0-15,-1 0 31,-24-25 1</inkml:trace>
   <inkml:trace contextRef="#ctx0" brushRef="#br0" timeOffset="121593">5223 1567 0,'0'24'47,"25"-24"-31,-1 0-16,1 0 15,23 0-15,-23 0 16,24 0-16,0 0 16,-1-24-16,1 24 0,0 0 15,0 0-15,-25-24 0,25 24 16,-24 0-16,-1 0 16,1 0-1</inkml:trace>
   <inkml:trace contextRef="#ctx0" brushRef="#br0" timeOffset="123070">5639 273 0,'-25'0'15,"25"-25"-15,-24 1 16,-1 24 15,25-25-31,-24 25 0,-1 0 16,1 0-16,0 0 16,-1-24-16,1 24 0,-1 0 15,1 0-15,0 0 0,-1 0 16,1 0-1,-1 0-15,1 0 0,-1 0 16,-23 0 0,23 0-16,1 24 0,-1-24 15,1 0-15,-1 25 16,1-1-16,0-24 0,-1 25 16,1-1-16,-1 0 0,1-24 15,-1 25-15,25-1 16,-24 1-16,0-1 0,-1 1 15,1-1-15,24 25 0,-25-25 16,1 1-16,24-1 16,-25 0-16,25 1 0,-24 24 15,24-25-15,0 1 16,0-1-16,-24 25 0,24-25 16,0 25-16,0-24 0,0-1 15,0 25-15,24-25 16,-24 1-16,0 24 0,0-25 15,0 0-15,24 1 16,-24-1-16,0 25 0,25-24 16,-25-1-16,24-24 0,-24 24 15,0 1-15,25-1 16,-25 1-16,24-25 0,-24 24 16,25 0-16,-1-24 15,-24 25-15,24-25 0,25 24 16,-24-24-16,-1 0 15,1 25-15,-1-25 16,25 0-16,-25 0 0,25 0 16,-24 0-16,23 0 15,-23 0-15,-1 0 0,25 0 16,-24 0-16,-1-25 0,0 25 16,1 0-16,-1 0 15,1 0-15,-1-24 0,0 24 16,25-25-16,-24 1 15,-1 24-15,25-24 0,-25-1 16,1 1-16,-1-1 0,1 1 16,-1 0-16,25-1 15,-49 1-15,24-25 0,1 24 16,-1-23-16,-24 23 0,25-24 16,-1 25-16,-24-25 15,24 25-15,-24-25 0,0 24 16,25-24-16,-25 1 15,0 23-15,0-24 0,0 0 16,0 25-16,0-25 16,0 25-16,0-25 0,0 25 15,-25-25-15,25 24 0,-24 1 16,24-25-16,-24 25 16,24-1-16,-25 1 0,1-1 15,-1 1-15,1-1 16,-25 1-16,25 24 0,-25-24 15,24-1-15,-23 25 0,-1-24 16,0 24-16,0-25 16,0 25-16,0-24 0,25 24 15,0 0-15,-25 0 0,24 0 16,1 0-16,-1 0 16,1 0-16,0 24 15,-1 1-15</inkml:trace>
-  <inkml:trace contextRef="#ctx0" brushRef="#br0" timeOffset="374297">10401 199 0,'-24'-24'0,"24"-1"31,-25 25-31,25-24 16,25 24 31,-25 24-32,24-24 1,-24 25-1,25-25 1,-1 24 0,0-24-16,1 0 15,-1 25-15,1-25 0,-1 0 16,0 24-16,1-24 0,-1 25 16,1-25-16,-1 0 15,1 24-15,-1-24 0,0 0 16,1 24-16,-25 1 219,-25-25-173,25 24-30,-24 1 0,24-1-16,0 1 15,-24-1-15,24 0 16,0 1-16,-25-25 16,25 24-16,0 1 15,0-1 1,0 0 15</inkml:trace>
+  <inkml:trace contextRef="#ctx0" brushRef="#br0" timeOffset="-55199.73">10401 199 0,'-24'-24'0,"24"-1"31,-25 25-31,25-24 16,25 24 31,-25 24-32,24-24 1,-24 25-1,25-25 1,-1 24 0,0-24-16,1 0 15,-1 25-15,1-25 0,-1 0 16,0 24-16,1-24 0,-1 25 16,1-25-16,-1 0 15,1 24-15,-1-24 0,0 0 16,1 24-16,-25 1 219,-25-25-173,25 24-30,-24 1 0,24-1-16,0 1 15,-24-1-15,24 0 16,0 1-16,-25-25 16,25 24-16,0 1 15,0-1 1,0 0 15</inkml:trace>
 </inkml:ink>
 </file>
 
@@ -1892,11 +1897,11 @@
   <inkml:trace contextRef="#ctx0" brushRef="#br0" timeOffset="-56774">19074 2528 0,'-49'0'16,"25"0"-16</inkml:trace>
   <inkml:trace contextRef="#ctx0" brushRef="#br0" timeOffset="-56161">18928 2479 0,'0'-24'16,"0"-1"15,24 25-31,-24-24 16,0-1-16,0 1 16,-24-1-1,-1 25-15,1-24 0,-1 24 16,1 0-16,-1 0 0,-23 24 15,23-24-15,1 25 16,-1-1-16,1 25 0,24-24 16,0-1-16,0 25 0,24-25 15,1 25-15,72 0 16,-23-25-16,-25 1 16,24-1-16,-24 1 15,24-25-15,-24 24 0,-25 0 16,1-24-16,-25 25 15,-25-25-15,-24 24 16,1-24-16,-1 0 0,0 0 16,-24 0-16,24 0 15,24 0-15,-24 0 0</inkml:trace>
   <inkml:trace contextRef="#ctx0" brushRef="#br0" timeOffset="-55988">19025 2455 0,'0'-25'0,"25"1"16,-25-1-16,-25 25 16,1 25-1,-1 24-15,1-25 0,0 25 16,-25 0-16,24 24 16,-24-24-16,25 24 0,0 0 15,-25-24-15,24 24 16</inkml:trace>
-  <inkml:trace contextRef="#ctx0" brushRef="#br0" timeOffset="263710">5787 3895 0,'-24'0'15,"24"-24"1,24 24 0,-24 24 15,0 1-16,24-1 1,-24 1 0,0-1-16,25 25 0,-25-25 15,0 25-15,24 0 16,-24 0-16,25 0 0,-25 0 16,24-1-16,-24 1 0,0 0 15,0 0-15,0 0 16,24 0-16,-24 0 0,0-1 15,0 1-15,25 0 16,-25 24-16,24-24 0,-24 0 16,25 24-16,-25-24 0,24 24 15,-24 1-15,25-1 16,-1 0-16,0 1 0,1-26 16,-1 26-16,-24-1 15,25 0-15,-1-24 0,-24 24 16,25-24-16,-25 0 0,0 24 15,24-24-15,-24 0 16,0 0-16,0 0 0,0 0 16,-24-1-16,24 1 15,0 0-15,-25 24 0,25-24 16,0 0-16,0 24 0,0-24 16,0 0-16,0 0 15,0 0-15,0-1 0,0 1 16,0 0-16,0 0 15,0 0-15,0-25 0,0 25 16,0 0-16,-24 0 0,24-25 16,0 25-16,0 0 15,0-25-15,0 25 0,0-24 16,0 24-16,0-25 16,0 25-16,0-25 0,0 1 15,0 23-15,0-23 0,0-1 16,0 1-16,0-1 15,0 1-15,0-1 0,0 0 16,0 1-16,0-1 0,0 1 16,0-1-1,0 1 1,0-1 0,24-24-1,-24 24-15,0 1 16,0-1-16,0 1 15,0-1-15,0 0 16,25 1 0,-25-1-16,0 1 0,0-1 15,0 1-15,0-1 32,24-24-17,-24 24 1,0 1 31</inkml:trace>
-  <inkml:trace contextRef="#ctx0" brushRef="#br0" timeOffset="264969">4274 6851 0,'0'24'32,"0"1"-17,0-1 1,24-24 0,1 0 30,-25 24-30,24-24 0,0 0-1,1 0 1,-1 0-16,1 0 16,-1 0-1,1-24-15,-1 24 0,0 0 16,25 0-16,-24 0 0,-1-24 15,25 24-15,-25 0 16,25 0-16,-24 0 0,23 0 16,1-25-16,-24 25 15,24 0-15,-1 0 0,1 0 16,-24-24-16,23 24 0,1 0 16,0 0-16,0-25 15,0 25-15,0 0 0,0 0 16,-1-24-16,1 24 15,-24 0-15,24 0 0,-25-25 16,0 25-16,1 0 0,-1 0 16,1 0-16,-1 0 15,1-24-15,-1 24 0,0 0 16,1 0 0,-1 0-16,1-24 0,-1 24 15,0 0-15,1 0 16,-50 0 46</inkml:trace>
-  <inkml:trace contextRef="#ctx0" brushRef="#br0" timeOffset="266199">4054 6094 0,'24'0'15,"1"0"16,-1 0-31,1 0 16,-1 0-16,0 0 16,1 0-16,-1-25 0,25 25 15,-24 0-15,23 0 16,1-24-16,-24 24 0,48 0 16,-24 0-16,0 0 0,24-25 15,-24 25-15,24 0 16,-24 0-16,24-24 0,-24 24 15,24 0-15,-24-25 0,24 25 16,-24 0-16,24-24 16,-24 24-16,25 0 0,-26 0 15,1-24-15,0 24 16,0 0-16,0-25 0,-25 25 16,25 0-16,-24 0 0,-1 0 15,25 0-15,-25-24 16,1 24-16,-1 0 0,0 0 15,1 0 1,-1 0-16,1 0 16,-1 0-1,1 0 1,-25-25-16,24 25 0,0 0 47,-48 0-16,0 0-15</inkml:trace>
-  <inkml:trace contextRef="#ctx0" brushRef="#br0" timeOffset="267807">3492 5165 0,'25'0'15,"-1"0"-15,0 0 16,1 0-1,-1 0-15,1 0 0,-1 0 16,1 0-16,23 0 0,-23 0 16,24 0-16,-25 0 15,25-24-15,0 24 0,0 0 16,-1-24-16,1 24 0,0 0 16,0-25-16,0 25 15,0 0-15,0-24 0,-1 24 16,1 0-16,0 0 15,0-25-15,0 25 0,0 0 16,-1 0-16,1-24 16,0 24-16,0 0 0,0 0 15,0-24-15,0 24 0,-1 0 16,1-25-16,-24 25 16,23 0-16,1 0 0,-24-24 15,24 24-15,-25 0 16,25 0-16,-25 0 0,25-25 15,-24 25-15,-1 0 0,0 0 16,1 0-16,-1-24 16,1 24-16,-1 0 15,1 0 17,-1 0-1,0 0-31,1 0 15,-1 0-15,1 0 0,-1 0 16,1 0 0,-1 0-1,0 0 48,1 0-32,-1 0-15,1 0-1,-25-25 32,24 25-47,0 0 31,1 0-15,-1 0 0,1 0-1,-25 25 63</inkml:trace>
-  <inkml:trace contextRef="#ctx0" brushRef="#br0" timeOffset="269138">5934 6753 0,'0'-24'16,"0"-1"-1,0 1 16,25 24 32,-1 0-32,-24-25-15,25 25-16,-1 0 15,1 0 1,-1 0-16,0 0 16,1 0-16,-1 0 15,1 0 1,-1 0-16,1 0 31,-1 0 0,-24-24-31,24 24 32,1 0 30,-25 24 16</inkml:trace>
+  <inkml:trace contextRef="#ctx0" brushRef="#br0" timeOffset="-165786.73">5787 3895 0,'-24'0'15,"24"-24"1,24 24 0,-24 24 15,0 1-16,24-1 1,-24 1 0,0-1-16,25 25 0,-25-25 15,0 25-15,24 0 16,-24 0-16,25 0 0,-25 0 16,24-1-16,-24 1 0,0 0 15,0 0-15,0 0 16,24 0-16,-24 0 0,0-1 15,0 1-15,25 0 16,-25 24-16,24-24 0,-24 0 16,25 24-16,-25-24 0,24 24 15,-24 1-15,25-1 16,-1 0-16,0 1 0,1-26 16,-1 26-16,-24-1 15,25 0-15,-1-24 0,-24 24 16,25-24-16,-25 0 0,0 24 15,24-24-15,-24 0 16,0 0-16,0 0 0,0 0 16,-24-1-16,24 1 15,0 0-15,-25 24 0,25-24 16,0 0-16,0 24 0,0-24 16,0 0-16,0 0 15,0 0-15,0-1 0,0 1 16,0 0-16,0 0 15,0 0-15,0-25 0,0 25 16,0 0-16,-24 0 0,24-25 16,0 25-16,0 0 15,0-25-15,0 25 0,0-24 16,0 24-16,0-25 16,0 25-16,0-25 0,0 1 15,0 23-15,0-23 0,0-1 16,0 1-16,0-1 15,0 1-15,0-1 0,0 0 16,0 1-16,0-1 0,0 1 16,0-1-1,0 1 1,0-1 0,24-24-1,-24 24-15,0 1 16,0-1-16,0 1 15,0-1-15,0 0 16,25 1 0,-25-1-16,0 1 0,0-1 15,0 1-15,0-1 32,24-24-17,-24 24 1,0 1 31</inkml:trace>
+  <inkml:trace contextRef="#ctx0" brushRef="#br0" timeOffset="-164527.73">4274 6851 0,'0'24'32,"0"1"-17,0-1 1,24-24 0,1 0 30,-25 24-30,24-24 0,0 0-1,1 0 1,-1 0-16,1 0 16,-1 0-1,1-24-15,-1 24 0,0 0 16,25 0-16,-24 0 0,-1-24 15,25 24-15,-25 0 16,25 0-16,-24 0 0,23 0 16,1-25-16,-24 25 15,24 0-15,-1 0 0,1 0 16,-24-24-16,23 24 0,1 0 16,0 0-16,0-25 15,0 25-15,0 0 0,0 0 16,-1-24-16,1 24 15,-24 0-15,24 0 0,-25-25 16,0 25-16,1 0 0,-1 0 16,1 0-16,-1 0 15,1-24-15,-1 24 0,0 0 16,1 0 0,-1 0-16,1-24 0,-1 24 15,0 0-15,1 0 16,-50 0 46</inkml:trace>
+  <inkml:trace contextRef="#ctx0" brushRef="#br0" timeOffset="-163297.73">4054 6094 0,'24'0'15,"1"0"16,-1 0-31,1 0 16,-1 0-16,0 0 16,1 0-16,-1-25 0,25 25 15,-24 0-15,23 0 16,1-24-16,-24 24 0,48 0 16,-24 0-16,0 0 0,24-25 15,-24 25-15,24 0 16,-24 0-16,24-24 0,-24 24 15,24 0-15,-24-25 0,24 25 16,-24 0-16,24-24 16,-24 24-16,25 0 0,-26 0 15,1-24-15,0 24 16,0 0-16,0-25 0,-25 25 16,25 0-16,-24 0 0,-1 0 15,25 0-15,-25-24 16,1 24-16,-1 0 0,0 0 15,1 0 1,-1 0-16,1 0 16,-1 0-1,1 0 1,-25-25-16,24 25 0,0 0 47,-48 0-16,0 0-15</inkml:trace>
+  <inkml:trace contextRef="#ctx0" brushRef="#br0" timeOffset="-161689.73">3492 5165 0,'25'0'15,"-1"0"-15,0 0 16,1 0-1,-1 0-15,1 0 0,-1 0 16,1 0-16,23 0 0,-23 0 16,24 0-16,-25 0 15,25-24-15,0 24 0,0 0 16,-1-24-16,1 24 0,0 0 16,0-25-16,0 25 15,0 0-15,0-24 0,-1 24 16,1 0-16,0 0 15,0-25-15,0 25 0,0 0 16,-1 0-16,1-24 16,0 24-16,0 0 0,0 0 15,0-24-15,0 24 0,-1 0 16,1-25-16,-24 25 16,23 0-16,1 0 0,-24-24 15,24 24-15,-25 0 16,25 0-16,-25 0 0,25-25 15,-24 25-15,-1 0 0,0 0 16,1 0-16,-1-24 16,1 24-16,-1 0 15,1 0 17,-1 0-1,0 0-31,1 0 15,-1 0-15,1 0 0,-1 0 16,1 0 0,-1 0-1,0 0 48,1 0-32,-1 0-15,1 0-1,-25-25 32,24 25-47,0 0 31,1 0-15,-1 0 0,1 0-1,-25 25 63</inkml:trace>
+  <inkml:trace contextRef="#ctx0" brushRef="#br0" timeOffset="-160358.73">5934 6753 0,'0'-24'16,"0"-1"-1,0 1 16,25 24 32,-1 0-32,-24-25-15,25 25-16,-1 0 15,1 0 1,-1 0-16,0 0 16,1 0-16,-1 0 15,1 0 1,-1 0-16,1 0 31,-1 0 0,-24-24-31,24 24 32,1 0 30,-25 24 16</inkml:trace>
 </inkml:ink>
 </file>
 
@@ -2038,18 +2043,18 @@
   <inkml:trace contextRef="#ctx0" brushRef="#br0" timeOffset="4362">14265 366 0,'-49'-24'15,"49"-25"-15,-25 24 16,1-23-16,24 23 0,0 1 16,0-1-16,24 25 15,-24 25 1,25-1-16,-25 1 0,0 23 15,24 1-15,-24 0 0,0 24 16,0-24-16,0 25 16,0-26-16,0 26 0,0-25 15,0-1-15,0-23 16,0 24-16,-24-25 0</inkml:trace>
   <inkml:trace contextRef="#ctx0" brushRef="#br0" timeOffset="4745">13996 830 0,'-24'-24'0,"24"-1"16,0 1-16,0 0 15,0-1 1,24 25-16,0 0 0,1-24 16,24 24-16,0-25 15,24 25-15,-24-24 0,24 24 16,0-25-16,0 1 0,1 24 15,-25-24-15,-1-1 16,1 1-16,-24-1 0,-1 1 16,-24-1-16,0 1 15,-24 0-15,-1-1 0,-24 25 16,25-24-16,-25 24 0,25 0 16,-25 0-16,24 0 15,1 24-15,24 1 0,0-1 16,0 0-16,0 25 15,0-24-15,24 24 0,1-1 16,-1-23-16,1 24 0,-1-25 16,25 1-16,-25-1 15,25-24-15,-24 0 0,-1 0 16,25 0-16,-25 0 16,1-24-16</inkml:trace>
   <inkml:trace contextRef="#ctx0" brushRef="#br0" timeOffset="5717">14924 610 0,'0'-48'15,"0"23"-15,0 1 0,-24-1 16,24 1-16,0-1 16,-25 1-16,25 0 0,25 48 31,-25 0-31,24 1 16,-24-1-16,25 1 0,-25-1 15,24 1-15,-24-1 16,24 0-16,-24 1 0,25-25 15,-25 24-15,24 1 16,-24-50 15,0 1-15,25-1-16,-25 1 0,24 0 16,-24-25-16,24 24 0,1-24 15,-1 25-15,-24-25 16,25 25-16,-1-1 15,-24 50 1,25-1-16,-25 1 16,0 23-16,0-23 0,0 24 15,24-25-15,-24 1 16,0-1-16,24 0 0,1-24 31,-25-24-15,24 0-16,1-1 15,-25 1-15,24-1 16,1 1-16,-1-25 0,0 25 16,-24-1-16,25 25 0,-1-24 15,1 24-15,-1 0 16,-24 24-16,24-24 0,1 25 16,-25-1-16,24 25 15,1-25-15,-1 1 0,-24-1 16,25 1-16,-1-25 15,0 0-15,1 0 16,-25-25-16,24 1 16,-24-1-16,25 1 15,-25-25-15,0 25 0,24-25 16,-24 0-16,0 0 0,0 0 16,0 0-16,0 25 15,-24-25-15,24 25 0,0-1 16,-25 1-16,25 48 15,0 1-15,0-1 16,0 25-16,0 0 0,25 0 16,-1 24-16,-24 0 15,49 0-15,-25-24 0,1 25 16,-1-26-16,1 1 16,-1 0-16,1 0 0,-1-25 15,-24 1-15,0-1 0,24-24 16,-24 25-16,0-50 15,-24 1 1,24-1 0,0 1-16,-24-25 0,24 0 15,0-24-15,0 0 0,24-1 16,-24 1-16,24 24 16,1-24-16,-1 24 0,25 0 15,-24 25-15,23 0 16,-23 24-16,-1 24 0,25 0 15,-49 25-15,0 0 0,0-25 16,-49 25-16,0 0 16,-24 0-16,-49-25 0,0 1 15,-25-1-15</inkml:trace>
-  <inkml:trace contextRef="#ctx0" brushRef="#br0" timeOffset="402415">8818 1929 0,'0'-24'16,"0"-1"0,-24 25-16,24-24 15,0 0-15,0-1 16,0 1-1,24 24-15,-24-25 16,25 25-16,-1 0 16,1 0-16,-1 25 15,0-25-15,-24 24 0,25 25 16,-1-25-16,1 1 16,-25 24-16,0-25 0,0 25 15,-25-25-15,1 1 16,-1 24-16,1-25 0,-25 1 15,25-25-15,-1 24 0,1-24 16,-1 24-16,50-24 31,24 0-31,-25 0 16,25 0-16,0 0 0,24 0 16,-24 0-16,24 0 0,-24 0 15,0 0-15,-25 0 16,1 0-16,-1 0 0,-24-24 15</inkml:trace>
-  <inkml:trace contextRef="#ctx0" brushRef="#br0" timeOffset="403058">9429 1880 0,'0'-24'0,"-25"0"16,25-1-16,0 1 16,0-1-1,25 25-15,-25-24 0,24 24 16,1 0-16,24 0 16,-25 0-16,25 0 0,-25 0 15,25 0-15,0 0 0,-25 0 16,1 24-16,-1-24 15,1 25-15,-25-1 16,0 1-16,-25-1 0,1 0 16,-1 1-16,1-25 15,-25 24-15,25 1 0,-1-25 16,1 24-16,-1-24 16,1 0-16,24 25 0,24-25 15,1 0-15,-1 0 16,1 0-16,24 24 15,-1-24-15,1 0 0,0 24 16,-25-24-16,25 25 16,-24-25-16,-25 24 0,0 1 15,0-1-15,-25 1 16,1-25-16,-1 24 16,-23-24-16,-1 0 0,24 0 15,1 0-15,-25 0 16,49-24-16,-24 24 0,24-25 15,0 1-15,24-1 16</inkml:trace>
-  <inkml:trace contextRef="#ctx0" brushRef="#br0" timeOffset="403417">10308 1832 0,'25'-25'16,"-25"1"-16,-25 24 31,1 0-31,-1 24 16,1-24-16,-1 25 0,1-1 15,0 0-15,24 25 16,0-24-16,0 24 0,24-25 16,-24 0-16,24 1 15,1-1-15,24 1 0,-25-1 16,1 0-16,23-24 0,-23 0 15,24 0-15,-25 0 16,0-24-16,1 0 0,-25-1 16,24 1-16,-24-1 15,0-23-15,0-1 0,0 24 16,-24-24-16,-1 25 0,1-25 16,0 49-16,-1-24 15,1 24-15,-1 0 0,1 0 16,24 24-16,-24-24 0,24 25 15</inkml:trace>
-  <inkml:trace contextRef="#ctx0" brushRef="#br0" timeOffset="403819">11016 2027 0,'-24'0'62,"24"24"-62,-24-24 16,-1 0-1,1 0 17,24-24-17,0 0 1,24 24 0,1 0-1,-1 0 1,-24 24-1,0 0 17</inkml:trace>
-  <inkml:trace contextRef="#ctx0" brushRef="#br0" timeOffset="404539">11334 1734 0,'-25'-25'16,"25"1"15,-24 24 0,0 24-15,-1 1 0,1-1-16,-1-24 15,1 25-15,24-1 0,0 1 16,0-1-16,0 0 15,24 1-15,1-25 0,-1 24 16,25 1-16,0-1 16,0 1-16,-25-25 0,25 24 15,0 0-15,-25 1 0,1-1 16,-25 1 0,0-1-16,-25 0 0,1-24 15,-1 25-15,1-25 16,-25 0-16,25-25 0,-1 25 15</inkml:trace>
-  <inkml:trace contextRef="#ctx0" brushRef="#br0" timeOffset="404983">11358 1734 0,'0'-25'0,"0"1"0,25 24 15,-25-24-15,24 24 16,1 0-16,-1 0 15,0 0-15,1 0 16,24 0-16,0 0 0,-1 0 16,26 0-16,-25 0 0,-1 0 15,1 0-15,0 0 16,-25 0-16,25 0 0,-24-25 16,-50 25 15,1 0-31,-1 25 0,1-1 15,0 0-15,-1 1 16,1-1-16,-1 25 0,25-24 16,0 23-16,0 1 0,25 0 15,-1 0-15,1-25 16,-1 1-16,25-1 0,0 1 16,-25-25-16,25 0 15,0 0-15,-25 0 0,25-25 16,-24 1-16,-25-1 15,24 1-15,-24-25 0,-24 25 16,24-25-16,-49 0 0,24 25 16,-24-25-16,-24 24 15,24 1-15,-24 24 0,0 0 16,0 24-16</inkml:trace>
-  <inkml:trace contextRef="#ctx0" brushRef="#br0" timeOffset="405661">8819 2857 0,'-24'-24'16,"24"-1"-1,24 1 1,1 0-16,-1 24 0,1-25 16,-1 25-16,25-24 0,0 24 15,0 0-15,-1 0 16,1 24-16,0-24 0,0 25 16,-49-1-16,24 0 15,-24 25-15,-24-24 0,24 24 16,-49-25-16,25 0 0,-25 25 15,0-24-15,25-1 16,-25-24-16,24 25 0,1-25 16,24 24-16,24-24 15,25 0 1,0 0-16,0 0 0,0 0 16,-1 0-16,26-24 15,23 24-15,-48-25 16,0 1-16,0 24 15</inkml:trace>
-  <inkml:trace contextRef="#ctx0" brushRef="#br0" timeOffset="406206">9722 2833 0,'-24'0'16,"-1"-24"-16,1 24 16,-1-25-16,25 1 15,0-1 1,25 25 0,-1-24-16,1 24 0,-1 0 15,25 0-15,-25 0 0,25 0 16,0 0-16,-25 0 15,1 24-15,-1-24 0,1 25 16,-1-25-16,-24 24 16,0 1-16,-24-25 0,-1 24 15,1 0-15,-1-24 0,1 25 16,0-1-16,-1-24 16,1 25-16,24-1 31,24-24-31,1 24 15,-1-24-15,0 25 0,1-25 16,24 0-16,-25 24 16,0-24-16,1 25 0,-1-25 15,1 24-15,-1-24 16,-24 25-16,0-1 16,0 0-16,-24-24 15,-1 25-15,1-25 16,-25 0-16,0 24 0,0-24 15,1 0-15,-1 0 16,24 0-16,-24 0 0,25 0 16,0 0-16</inkml:trace>
-  <inkml:trace contextRef="#ctx0" brushRef="#br0" timeOffset="406717">10357 2809 0,'-24'-25'0,"-1"1"16,1-1-1,48 1 16,1 24-31,-1-25 16,0 25-16,1 0 0,-1 0 16,1 0-16,-25 25 15,24-25-15,1 0 0,-25 24 16,24 1-16,-24-1 16,0 1-16,0-1 15,-24-24-15,24 24 0,0 1 16,0-1-1,24 1 17,0-1-32,1-24 15,-25 24-15,24-24 16,-24 25-16,25-1 16,-1 1-16,0-1 15,-24 1-15,0-1 16,-24-24-1,0 24 1,-1-24-16,1 0 16,-1 0-16,1 0 0,0-24 15,-1 24-15</inkml:trace>
-  <inkml:trace contextRef="#ctx0" brushRef="#br0" timeOffset="406969">11065 3004 0,'-24'0'16,"-1"0"-16,1 0 16,0 0 15,48 0 31</inkml:trace>
-  <inkml:trace contextRef="#ctx0" brushRef="#br0" timeOffset="407454">11236 2735 0,'0'-24'16,"0"-1"-16,0 1 0,0 0 16,25-1-1,-25 1-15,24 24 0,0 0 16,1 0-1,-1 0-15,1 0 0,-1 24 16,1-24-16,-25 25 16,0-1-16,-25 0 15,25 1-15,-24-1 16,-1 1-16,1-1 16,24 1-1,-25-25-15,25 24 16,25-24-16,-1 0 15,1 24-15,-1-24 16,25 0-16,-25 25 0,1-25 16,-1 0-16,1 24 15,-25 1-15,0-1 16,0 0 0,-25 1-16,1-25 15,24 24-15,-25-24 0,1 25 16,0-25-16,48-25 47,0 1-47,1-1 0</inkml:trace>
-  <inkml:trace contextRef="#ctx0" brushRef="#br0" timeOffset="407767">11871 2735 0,'25'-24'15,"-1"-1"-15,0 25 16,-48 0-1,24 25 1,0-1-16,-24-24 16,24 25-16,0-1 0,0 0 15,24 1-15,0 24 16,1-25-16,-1 1 0,1 23 16,-1-23-16,25-1 0,-25 1 15,25-25-15,0 0 16,-24 0-16,23 0 0,-23-25 15,-1 1-15,1-1 16,-1 1-16,-24-25 0,0 0 16,0 25-16,0-25 0,-24 0 15,-25 25-15,24-25 16,-23 25-16,-26-1 0,25 25 16,-24 0-16,0 0 15,24 0-15,-24 25 0</inkml:trace>
+  <inkml:trace contextRef="#ctx0" brushRef="#br0" timeOffset="-27081.73">8818 1929 0,'0'-24'16,"0"-1"0,-24 25-16,24-24 15,0 0-15,0-1 16,0 1-1,24 24-15,-24-25 16,25 25-16,-1 0 16,1 0-16,-1 25 15,0-25-15,-24 24 0,25 25 16,-1-25-16,1 1 16,-25 24-16,0-25 0,0 25 15,-25-25-15,1 1 16,-1 24-16,1-25 0,-25 1 15,25-25-15,-1 24 0,1-24 16,-1 24-16,50-24 31,24 0-31,-25 0 16,25 0-16,0 0 0,24 0 16,-24 0-16,24 0 0,-24 0 15,0 0-15,-25 0 16,1 0-16,-1 0 0,-24-24 15</inkml:trace>
+  <inkml:trace contextRef="#ctx0" brushRef="#br0" timeOffset="-26438.73">9429 1880 0,'0'-24'0,"-25"0"16,25-1-16,0 1 16,0-1-1,25 25-15,-25-24 0,24 24 16,1 0-16,24 0 16,-25 0-16,25 0 0,-25 0 15,25 0-15,0 0 0,-25 0 16,1 24-16,-1-24 15,1 25-15,-25-1 16,0 1-16,-25-1 0,1 0 16,-1 1-16,1-25 15,-25 24-15,25 1 0,-1-25 16,1 24-16,-1-24 16,1 0-16,24 25 0,24-25 15,1 0-15,-1 0 16,1 0-16,24 24 15,-1-24-15,1 0 0,0 24 16,-25-24-16,25 25 16,-24-25-16,-25 24 0,0 1 15,0-1-15,-25 1 16,1-25-16,-1 24 16,-23-24-16,-1 0 0,24 0 15,1 0-15,-25 0 16,49-24-16,-24 24 0,24-25 15,0 1-15,24-1 16</inkml:trace>
+  <inkml:trace contextRef="#ctx0" brushRef="#br0" timeOffset="-26079.73">10308 1832 0,'25'-25'16,"-25"1"-16,-25 24 31,1 0-31,-1 24 16,1-24-16,-1 25 0,1-1 15,0 0-15,24 25 16,0-24-16,0 24 0,24-25 16,-24 0-16,24 1 15,1-1-15,24 1 0,-25-1 16,1 0-16,23-24 0,-23 0 15,24 0-15,-25 0 16,0-24-16,1 0 0,-25-1 16,24 1-16,-24-1 15,0-23-15,0-1 0,0 24 16,-24-24-16,-1 25 0,1-25 16,0 49-16,-1-24 15,1 24-15,-1 0 0,1 0 16,24 24-16,-24-24 0,24 25 15</inkml:trace>
+  <inkml:trace contextRef="#ctx0" brushRef="#br0" timeOffset="-25677.73">11016 2027 0,'-24'0'62,"24"24"-62,-24-24 16,-1 0-1,1 0 17,24-24-17,0 0 1,24 24 0,1 0-1,-1 0 1,-24 24-1,0 0 17</inkml:trace>
+  <inkml:trace contextRef="#ctx0" brushRef="#br0" timeOffset="-24957.73">11334 1734 0,'-25'-25'16,"25"1"15,-24 24 0,0 24-15,-1 1 0,1-1-16,-1-24 15,1 25-15,24-1 0,0 1 16,0-1-16,0 0 15,24 1-15,1-25 0,-1 24 16,25 1-16,0-1 16,0 1-16,-25-25 0,25 24 15,0 0-15,-25 1 0,1-1 16,-25 1 0,0-1-16,-25 0 0,1-24 15,-1 25-15,1-25 16,-25 0-16,25-25 0,-1 25 15</inkml:trace>
+  <inkml:trace contextRef="#ctx0" brushRef="#br0" timeOffset="-24513.73">11358 1734 0,'0'-25'0,"0"1"0,25 24 15,-25-24-15,24 24 16,1 0-16,-1 0 15,0 0-15,1 0 16,24 0-16,0 0 0,-1 0 16,26 0-16,-25 0 0,-1 0 15,1 0-15,0 0 16,-25 0-16,25 0 0,-24-25 16,-50 25 15,1 0-31,-1 25 0,1-1 15,0 0-15,-1 1 16,1-1-16,-1 25 0,25-24 16,0 23-16,0 1 0,25 0 15,-1 0-15,1-25 16,-1 1-16,25-1 0,0 1 16,-25-25-16,25 0 15,0 0-15,-25 0 0,25-25 16,-24 1-16,-25-1 15,24 1-15,-24-25 0,-24 25 16,24-25-16,-49 0 0,24 25 16,-24-25-16,-24 24 15,24 1-15,-24 24 0,0 0 16,0 24-16</inkml:trace>
+  <inkml:trace contextRef="#ctx0" brushRef="#br0" timeOffset="-23835.73">8819 2857 0,'-24'-24'16,"24"-1"-1,24 1 1,1 0-16,-1 24 0,1-25 16,-1 25-16,25-24 0,0 24 15,0 0-15,-1 0 16,1 24-16,0-24 0,0 25 16,-49-1-16,24 0 15,-24 25-15,-24-24 0,24 24 16,-49-25-16,25 0 0,-25 25 15,0-24-15,25-1 16,-25-24-16,24 25 0,1-25 16,24 24-16,24-24 15,25 0 1,0 0-16,0 0 0,0 0 16,-1 0-16,26-24 15,23 24-15,-48-25 16,0 1-16,0 24 15</inkml:trace>
+  <inkml:trace contextRef="#ctx0" brushRef="#br0" timeOffset="-23290.73">9722 2833 0,'-24'0'16,"-1"-24"-16,1 24 16,-1-25-16,25 1 15,0-1 1,25 25 0,-1-24-16,1 24 0,-1 0 15,25 0-15,-25 0 0,25 0 16,0 0-16,-25 0 15,1 24-15,-1-24 0,1 25 16,-1-25-16,-24 24 16,0 1-16,-24-25 0,-1 24 15,1 0-15,-1-24 0,1 25 16,0-1-16,-1-24 16,1 25-16,24-1 31,24-24-31,1 24 15,-1-24-15,0 25 0,1-25 16,24 0-16,-25 24 16,0-24-16,1 25 0,-1-25 15,1 24-15,-1-24 16,-24 25-16,0-1 16,0 0-16,-24-24 15,-1 25-15,1-25 16,-25 0-16,0 24 0,0-24 15,1 0-15,-1 0 16,24 0-16,-24 0 0,25 0 16,0 0-16</inkml:trace>
+  <inkml:trace contextRef="#ctx0" brushRef="#br0" timeOffset="-22779.73">10357 2809 0,'-24'-25'0,"-1"1"16,1-1-1,48 1 16,1 24-31,-1-25 16,0 25-16,1 0 0,-1 0 16,1 0-16,-25 25 15,24-25-15,1 0 0,-25 24 16,24 1-16,-24-1 16,0 1-16,0-1 15,-24-24-15,24 24 0,0 1 16,0-1-1,24 1 17,0-1-32,1-24 15,-25 24-15,24-24 16,-24 25-16,25-1 16,-1 1-16,0-1 15,-24 1-15,0-1 16,-24-24-1,0 24 1,-1-24-16,1 0 16,-1 0-16,1 0 0,0-24 15,-1 24-15</inkml:trace>
+  <inkml:trace contextRef="#ctx0" brushRef="#br0" timeOffset="-22527.73">11065 3004 0,'-24'0'16,"-1"0"-16,1 0 16,0 0 15,48 0 31</inkml:trace>
+  <inkml:trace contextRef="#ctx0" brushRef="#br0" timeOffset="-22042.73">11236 2735 0,'0'-24'16,"0"-1"-16,0 1 0,0 0 16,25-1-1,-25 1-15,24 24 0,0 0 16,1 0-1,-1 0-15,1 0 0,-1 24 16,1-24-16,-25 25 16,0-1-16,-25 0 15,25 1-15,-24-1 16,-1 1-16,1-1 16,24 1-1,-25-25-15,25 24 16,25-24-16,-1 0 15,1 24-15,-1-24 16,25 0-16,-25 25 0,1-25 16,-1 0-16,1 24 15,-25 1-15,0-1 16,0 0 0,-25 1-16,1-25 15,24 24-15,-25-24 0,1 25 16,0-25-16,48-25 47,0 1-47,1-1 0</inkml:trace>
+  <inkml:trace contextRef="#ctx0" brushRef="#br0" timeOffset="-21729.73">11871 2735 0,'25'-24'15,"-1"-1"-15,0 25 16,-48 0-1,24 25 1,0-1-16,-24-24 16,24 25-16,0-1 0,0 0 15,24 1-15,0 24 16,1-25-16,-1 1 0,1 23 16,-1-23-16,25-1 0,-25 1 15,25-25-15,0 0 16,-24 0-16,23 0 0,-23-25 15,-1 1-15,1-1 16,-1 1-16,-24-25 0,0 0 16,0 25-16,0-25 0,-24 0 15,-25 25-15,24-25 16,-23 25-16,-26-1 0,25 25 16,-24 0-16,0 0 15,24 0-15,-24 25 0</inkml:trace>
 </inkml:ink>
 </file>
 
@@ -2685,71 +2690,71 @@
   <inkml:trace contextRef="#ctx0" brushRef="#br0" timeOffset="172561">13240 4933 0,'0'-24'15,"0"48"48,-24-24-48,24 25-15,-24-25 0,-1 24 16,1-24 0,-1 25-1,50-50 16,-1 1-31,1-1 16,-1 25 0,0-24-16,1 0 0,-1 24 15,1-25-15,-1 1 16,0 24-16,1 0 0,-1 0 16,1 0-16,-1 0 0,1 24 15,-1 1-15,0-1 16,1 0-16,24 1 0,-25-1 15,1 1-15</inkml:trace>
   <inkml:trace contextRef="#ctx0" brushRef="#br0" timeOffset="174037">13069 6325 0,'-24'0'0,"24"-24"15,0 0-15,0-1 16,24 25-16,-24-24 0,0-1 15,25 25 17,-1 25 15,-24-1-32,25 1-15,-25-1 16,24-24-16,-24 24 15,24 1 1,-24-1 0,25-24-16,-25 25 15,24-25 1,-24-25 0,0 1-1,25-1-15,-1-48 31,1 24-31,-1 25 0,-24-25 16,24 25-16,1-1 0,-25 1 16,24-1-16,-24 1 15,25 24-15,-25 24 32,0 1-32,0-1 15,24 1-15,-24-1 0,0 1 16,0-1-16,25 25 15,-25-25-15,0 1 0,0-1 16,24-24-16,-24 24 0,0 1 16,0-1-1,24-24-15,-24-24 32,0-1-32,25 1 15,-25 0-15,24-25 0,-24 24 16,25-23-16,-25-1 15,24 0-15,1 24 0,-25 1 16,24 0-16,-24-1 16,0 1-16,24 24 0,-24 24 15,25 1 1,-25-1 0,0 25-16,24-25 0,-24 1 15,25 24-15,-25-25 16,24 0-16,-24 25 0,25-24 15,-25-1-15,24 0 0,0 1 16,-24-1-16,25-24 16,-25 25-16,24-25 15,-24-25-15,25 25 16,-25-24 0,0-1-16,24 25 0,-24-24 15</inkml:trace>
   <inkml:trace contextRef="#ctx0" brushRef="#br0" timeOffset="174955">13118 6667 0,'0'-24'15,"25"24"1,-25-24-16,24 24 16,1 0 30,-25 24-30,0 0 0,24 1-16,-24-1 0,24 1 15,-24-1-15,25 0 0,-1 1 16,-24-1 0,25-24-16,-1 0 15,-24-24 1,24 24-1,-24-25-15,0 1 0,25 0 16,-25-25-16,24 24 16,-24 1-16,25 0 15,-1 24 1,1 0 0,-1 24-1,0 0 1,-24 1-16,25-1 15,-25 1-15,24-1 16,1 0 0,-1-24-1,1-24 17,-25 0-32,24-1 15,-24 1-15,24-1 16,-24 1-16,25 0 0,-1-1 15,1 25 1,-1 0 0,-24 25-16,24-25 0,-24 24 15,25 0-15,-1 1 16,1-1-16,-1 1 0,1-1 16,-1 0-16,0 1 15,1-25-15,-25 24 0,24-24 16,1 25-16,-1-25 15,-24-25 1</inkml:trace>
-  <inkml:trace contextRef="#ctx0" brushRef="#br0" timeOffset="228411">14462 13555 0,'24'0'16,"-48"0"31,-1 0-16,1 0-15,-1 0-1,1 0-15,-25 0 0,0 0 16,0 0-16,-24 0 0,0 0 16,-25 0-16,0 0 15,1-25-15,-1 25 0,-24 0 16,-25-24-16,1 24 0,-1 0 16,1 0-16,-1-25 15,-24 25-15,0 0 0,25 0 16,-25 0-16,0 0 15,0 0-15,0 25 0,0-25 16,24 0-16,-24 0 0,25 24 16,-1-24-16,1 0 15,-1 0-15,25 25 0,0-25 16,-25 0-16,25 24 16,-24-24-16,24 0 0,0 0 15,-1 0-15,1 25 0,0-25 16,25 0-16,-1 0 15,25 0-15,24 0 0,0-25 16,0 25-16,25 0 16,-1 0-16</inkml:trace>
-  <inkml:trace contextRef="#ctx0" brushRef="#br0" timeOffset="228831">9137 13213 0,'-24'0'0,"-1"0"15,1 0 1,0 0 0,-1 0-16,1 24 15,-1 1-15,1-1 0,-1 0 16,-23 25-16,23-24 0,-24 24 15,0-25-15,25 0 16,-25 1-16,25-1 0,-1 1 16,1-25-16,0 0 15,24 24 1,24 1 0,0-1-1,1 0-15,-1 1 0,25 24 16,0 0-16,0-1 15,0 1-15,-1 0 0,1-25 16,0 25-16,0-24 0</inkml:trace>
-  <inkml:trace contextRef="#ctx0" brushRef="#br0" timeOffset="231626">8112 12382 0,'0'25'15,"24"24"-15,-24-25 16,24 25-16,-24 24 0,25 0 15,-1 1-15,-24 23 16,25 1-16,-1 0 0,0 24 16,-24 0-16,25 0 0,-25 0 15,0 0-15,0-24 16,0 24-16,0-24 0,0 24 16,0-49-16,0 25 15,-25-25-15,25 1 0,0-1 16,0-24-16,-24-1 0,24 1 15,-24 0-15,24 0 16,0-25-16,-25 25 0,25-24 16,0-1-16,0 1 15,-24-1-15,24 0 16,0 1 0,-25-25 30,1 0-30,0 0-16,-1 0 0,1-25 16,-1 25-16,-24-24 15,25 24-15,-25-24 0,-24 24 16,24 0-16,-24-25 16,-25 25-16,0 0 0,1 0 15,-25 0-15,24 0 0,-24 0 16,-25 0-16,25 0 15,0 25-15,-25-25 0,25 0 16,0 24-16,-24-24 16,-1 24-16,25-24 0,-25 25 15,1-25-15,-1 24 0,1-24 16,24 25-16,0-25 16,-1 0-16,1 24 0,25-24 15,-1 0-15,25 0 16,-1 0-16,26 0 0,-26 0 15,26 0-15,-1 0 0,24 0 16,-24 0-16,25-24 16,0 24-16,-25 0 0,24 0 15,1 0-15,-1 0 16,1 0-16,0 0 16,-1 0-1,1 0-15,-1 0 16,1 0-16,-1 0 15,1 0 1,0 0-16,-1 0 16,1-25-1,24 1 1,0-1 0,0 1-1,-25 24 1,25-24-16,0-1 15,0 1 1,0-1-16,0 1 16,-24-1-16,24 1 0,0-25 15,-25 25-15,25-1 16,-24-24-16,24 25 0,-24-25 16,24 25-16,-25-25 15,25 0-15,-24 25 0,24-25 16,-25-24-16,25 24 0,0 0 15,-24-24-15,24-1 16,0 1-16,-24-25 0,24 25 16,0-25-16,-25 1 15,25-1-15,0 0 0,-24 1 16,24 23-16,0-23 0,-25 23 16,25 1-16,-24 0 15,24 0-15,0-1 0,0 1 16,0 24-16,0 0 15,0-24-15,0 24 0,0 0 16,0 1-16,24 23 0,-24-24 16,25 25-16,-25-25 15,24 25-15,-24-1 0,25-24 16,-25 25-16,24-25 16,-24 25-16,24-1 0,-24-24 15,0 25-15,25-25 0,-25 25 16,0-1-16,0 1 15,0-1-15,0 1 16,0 0 0,-25 24-16,25-25 15,0 50 32,25-25-31,-25 24-16,24-24 15,1 24-15,-1-24 0,25 0 16,-25 25-16,25-25 16,0 24-16,0-24 0,0 0 15,24 0-15,-24 25 16,24-25-16,0 0 0,1 0 16,-1 0-16,25 0 0,-25 0 15,25 0-15,-25 0 16,25 0-16,-1 0 0,1 0 15,-25 0-15,25 24 16,0 1-16,-1-25 0,1 24 16,0-24-16,24 0 0,-25 0 15,1 0-15,24 0 16,-24 0-16,24 0 0,-24-24 16,24 24-16,-24-25 0,-25 25 15,25 0-15,-25 0 16,0-24-16,0 24 0,1 0 15,-26 0-15,1 0 16,0 0-16,0 0 0,0 0 16,0 0-16,24 0 15,-24 0-15,24-25 0,0 25 16,1 0-16,-1-24 0,0 24 16,0 0-16,1-25 15,-25 25-15,-1 0 0,1 0 16,-24 0-16,24 0 0,-25 0 15,0 0 1,1 0 62,-1 0-62,1 0-1,-1 25-15,0-25 0,1 0 16,-1 0-16,1 0 0,-1 0 16,-24 24-1,0 1-15,-24-25 16,-1 24-16,1 1 16,-1-1-16,1-24 15,0 24-15,-1 1 0,1-1 16,-1 1-1,25-1-15,0 0 16,0 1 0,25-1-16,-25 1 0,0-1 15,24 1-15,-24-1 0,0 0 16,0 1 0,0-1-16,0 1 0,0-1 15,0 1-15,-24-1 16,24 0-16,0 1 0,-25-1 15,25 1-15,0-1 0,-24-24 16,24 24-16,0 1 16,-24-1-16,24 1 0,0-1 15,0 1 1,0-1-16,24 0 0,-24 1 16,24-1-1,-24 1-15,0-1 16,25 1-1,-25-1 1,0 0-16,-25 1 16,25-1-1,-24-24 1</inkml:trace>
-  <inkml:trace contextRef="#ctx0" brushRef="#br0" timeOffset="252836">4643 12895 0,'0'-24'0,"-24"-1"15,0 1-15,-1 0 16,25-1-16,-24 25 0,-1-24 16,1 24-16,-1-25 15,1 25-15,0 0 0,-1 0 16,1 25-16,-1-1 0,1 1 15,-1-1-15,1 0 16,0 25-16,24 0 0,-25 0 16,25 0-16,0-25 0,0 25 15,0 0-15,25-25 16,-1 25-16,0-24 0,25-1 16,-24 0-16,24-24 15,-1 25-15,26-25 0,-25 0 16,-1-25-16,1 25 15,0-24-15,-24 0 0,-1 24 16,0-25-16,1 1 0</inkml:trace>
-  <inkml:trace contextRef="#ctx0" brushRef="#br0" timeOffset="253454">4985 12773 0,'-24'0'0,"24"-24"16,-25 24-16,25 24 31,0 1-31,25-1 16,-25 0-16,0 1 15,24 24-15,-24-25 0,0 25 16,25-25-16,-25 1 16,24 24-16,-24-25 0,0 0 15,0 1-15,25-25 0,-25 24 16,0-48 15,-25-1-15,25 1-1,0-25-15,-24 0 0,24 1 16,-25-1-16,25 0 16,-24 0-16,24 0 0,0 0 15,0 0-15,0 1 16,24 23-16,1 1 0,-1-1 16,1 25-16,23 0 0,-23 0 15,24 0-15,-25 25 16,1-1-16,23 1 0,-23 23 15,-25-23-15,24-1 16,-24 1-16,0-1 0,0 1 16,0-1-16,-24 0 0,24 1 15,-49-25-15,25 24 16,-1-24-16,1 0 0,-1 0 16,1 0-16,-1 0 15,1 0-15,0 0 0,24-24 16,-25 24-16,25-25 0,25 25 31,-1-24-31</inkml:trace>
-  <inkml:trace contextRef="#ctx0" brushRef="#br0" timeOffset="254948">5645 12700 0,'-25'0'0,"1"0"15,24 24 16,24 1-15,-24-1-16,25 1 16,-25-1-16,24 0 15,-24 1-15,0-1 0,25 25 16,-25-24-16,0-1 16,0 0-16,0 1 0,0-1 15,0 1-15,0-1 16,24 1-1,-24-50 1,0 1 0,0-1-16,0-24 15,0 25-15,0 0 0,0-25 16,0 0-16,0 0 16,-24 25-16,24-25 0,-25 0 15,25 24-15,0 1 16,-24 0-16,24-1 0,0 1 15,0-1-15,0 1 32,24 24-32,1 0 31,-25-25-31,24 25 62,-24-24-62,24 24 16,1 0-16,-1-24 16,1 24-16,-1 0 15,1 0 1,-1-25 0,-48 25 30,24 25-46,-25-1 94,1-24-63,24 24-15,-25-24 0,1 0-1,-1 0-15,25 25 16,-24-25-16,0 0 16,24 24-1,-25-24-15,25 25 31,0-1-15,0 1-16,25-25 0,-25 24 16,24 0-16,-24 1 15,24-1-15,-24 1 0,25 24 16,-25-25-16,0 0 16,24 25-16,-24-24 0,0-1 15,0 25-15,25-25 0,-25 1 16,0-1-16,24 1 15,1-1-15,-25 1 16,24-25-16,0 0 16,1 0-16,-1 0 0,1 0 15,-1 0-15,1 0 0,23-25 16,-23 25-16,-1-24 16,1-1-16,-1 25 0,0-24 15,1-1-15,-1 25 16,1-24-16,-25 0 0,24-1 15,-24 1-15,0-1 0,0 1 16,0-25-16,0 25 16,0-25-16,0 0 0,0 0 15,0 25-15,-24-25 0,24 0 16,0 24-16,0 1 16,-25 0-16,25-1 0,0 1 15,-24-1 1,-1 25-1,25-24 1,0 0 31,25 24-31,-25 24-1,0 0 1,24-24-16,-24 25 15,25-1 1</inkml:trace>
-  <inkml:trace contextRef="#ctx0" brushRef="#br0" timeOffset="263866">3813 14898 0,'-24'24'16,"24"1"15,0-1-31,0 1 16,0-1-16,-25 0 16,25 1-16,0-1 0,0 1 15,0-1-15,0 25 0,25-25 16,-25 1-16,24-1 15,-24 25-15,0-24 0,24 23 16,-24-23-16,0-1 16,25 25-16,-25-24 0,0 23 15,0-23-15,0 24 0,0-25 16,0 1-16,0 23 16,0-23-16,0 24 0,0-25 15,0 0-15,0 1 16,0-1-16,0 1 0,0-1 15,0 1-15,0-1 0,0 0 16,24 1-16,-24-1 16,0 1-16,0-1 0,0 1 15,25-1-15,-25 0 16,0 1 0,0-1-16,24-24 15,-24 25-15,0-1 16,25-24-16,-25 24 15,24-24 1,-24 25-16,24-25 16,1 0-16,-1 0 15,1 0-15,-1 0 16,1 0-16,23 0 16,-23-25-16,-1 25 15,25 0-15,-25 0 0,25 0 16,25-24-16,-26 24 0,1 0 15,25 0-15,-1 0 16,0-24-16,0 24 0,1 0 16,-1 0-16,0 0 0,0 0 15,25 0-15,-25 0 16,1 0-16,-1 0 0,0-25 16,0 25-16,1 0 15,23 0-15,-23 0 0,-1 0 16,25-24-16,-25 24 0,0 0 15,25 0-15,0-25 16,-25 25-16,0 0 0,0 0 16,25-24-16,-25 24 15,-24 0-15,24 0 0,1 0 16,-1 0-16,-24 0 16,24 0-16,0-24 0,-24 24 15,25 0-15,-26 0 0,26 0 16,-25 0-16,-1 0 15,26 0-15,-26 0 0,1 0 16,0 0-16,-24 0 0,23 0 16,1 0-16,0 0 15,-24-25-15,23 25 0,-23 0 16,24 0-16,-25 0 16,0 0-16,1 0 0,-1 0 15,1 0-15,-1 0 0,1 0 16,-1 0-1,0 0-15,1 0 16,-1 0 0,-24-24-16,25 24 15,-1-25-15,1 1 32,-25-1-32,0 1 15,0 0 1,0-1-16,0 1 15,0-1-15,0 1 16,0-1-16,-25 1 16,25 0-16,0-25 0,0 24 15,0 1-15,0 0 16,0-1-16,0-24 0,0 25 16,0-1-16,0-23 0,0 23 15,0-24-15,0 25 16,0-25-16,0 25 0,0-25 15,0 24-15,0-24 16,0 25-16,0-25 0,0 25 16,0-25-16,0 24 0,0 1 15,0-25-15,0 25 16,-24-1-16,24 1 0,0 0 16,0-1-16,0 1 15,0-1 1,0 1-16,24-1 15,-24 1 1,0 0-16,0-1 16,-24 1-16,-1-1 15,25 1 1,-24-1-16,24 1 16,0 0-1,0-1 1,0 1-16,0-1 15,0 1 1,0 0 0,24-1-1,-24 1 1,0-1 0,0 1 15,0-1-16,0 1 1,0 0 0,0-1-1,0 1 1,0-1 0,0 1-16,25 24 0,-25-25 15,0 1-15,0 0 16,24 24-1,-24-25-15,0 1 16,0-1-16,0 1 16,0-1-1,-24 25 1,-1 0 0,1 0-1,-1 0-15,1 0 16,0 0-1,-1 0-15,1 0 32,-1 0-17,1 0 1,-1 0 0,1-24 15,0 24-16,-1 0 1,25-24 0,-24 24-16,-1 0 15,1 0-15,0 0 16,-1-25-16,1 25 0,-25 0 16,24 0-16,-23 0 15,23 0-15,-24 0 0,25 0 16,-25 0-16,25 0 0,-25-24 15,24 24-15,-23 0 16,23 0-16,1 0 0,-25 0 16,24 0-16,-23 0 0,23 0 15,1 0-15,-25 0 16,24 0-16,-23 0 0,-1 0 16,0 0-16,0 0 15,0 0-15,0 24 0,0-24 16,1 0-16,-26 0 15,26 0-15,-1 0 0,-25 0 16,26 0-16,-26 25 0,25-25 16,1 0-16,-26 0 15,26 0-15,-26 0 0,25 0 16,1 0-16,-26 0 0,25 0 16,1 0-16,-26 0 15,25 0-15,1 0 0,-1 24 16,0-24-16,0 0 15,0 0-15,0 0 0,25 24 16,-25-24-16,0 0 0,0 0 16,1 25-16,-1-25 15,0 0-15,0 0 0,0 0 16,0 0-16,25 24 16,-25-24-16,25 0 0,-25 0 15,24 0-15,-23 0 0,23 0 16,1 0-16,-1 0 15,-24 0-15,25 25 0,0-25 16,-1 0-16,1 0 16,-1 0-16,1 0 0,-1 24 15,-23-24-15,23 0 0,1 0 16,-1 0-16,1 0 16,-1 0-16,-23 0 0,23 25 15,1-25-15,-1 0 16,1 0-16,0 0 0,-1 0 15,1 0-15,-25 24 0,24-24 16,1 0-16,0 0 16,24 24-16,-25-24 0,1 0 15,-1 0-15,1 0 16,-1 25 0,1-25-1,0 0 1,-1 0-1,1 0 1,-1 0-16,1 0 16,0 0-1,-1 0 1,1 0 0,-1 0-1,25 24 173,0 1-173,25-25 1</inkml:trace>
-  <inkml:trace contextRef="#ctx0" brushRef="#br0" timeOffset="265684">4253 14312 0,'0'24'94,"0"1"-78,0-1-1,0 0-15,0 1 0,0-1 16,0 1-16,0-1 16,0 25-16,24-25 0,-24 1 15,0-1-15,0 25 0,24-24 16,-24-1-16,0 0 16,0 1-16,0-1 0,0 1 15,0-1 1,0 1-1,25-25 1,-1 0 0,1-25-1,-1 25-15,1 0 16,-1 0 0,0 0-16,1 0 0,-1 0 15,1 0-15,-1 0 16,1 0-16,-1 0 0,25 0 15,-25 0-15,1 0 16,-1 0-16,1 0 0,-1 0 16,25 0-16,-25 0 0,1 0 15,-1 0 1,1 0-16,-1 0 0,0 0 16,1 0-16,-25-24 0,24 24 15,1 0-15,-25-25 16,24 25-16,-24-24 15,0-1 1,0 1 0,-24 24-16,24-24 15,-25-1 1,25 1-16,0-1 16,-24 1-16,24-1 15,0 1-15,0-25 0,0 25 16,0-1-16,0 1 0,0-1 15,-25 1-15,25 0 16,0-1-16,0 1 16,-24 24-1,24-25 17,0 1 30,-24 24-62,-1 0 31,1 0-31,-1 0 16,1 0 0,-25 0-16,25 0 0,-1 0 15,-24 0-15,0 0 0,1 0 16,-1 24-16,0-24 15,0 0-15,25 0 0,-25 25 16,24-25-16,1 0 16,-1 0-1</inkml:trace>
-  <inkml:trace contextRef="#ctx0" brushRef="#br0" timeOffset="267568">6109 14165 0,'0'25'62,"0"-1"-46,0 1 0,0-1-16,0 0 0,24 1 15,-24-1-15,0 1 0,25-1 16,-25 25-16,0-25 16,0 1-16,0-1 0,24 1 15,-24-1-15,0 0 16,0 1-16,0-1 0,24-24 15,-24 25-15,25-25 79,-1 0-48,1 0-31,-1 0 15,1 0-15,-1 0 16,0-25 0,1 25-16,-1 0 15,1 0-15,-1 0 16,1 0-16,-1 0 0,0 0 16,1 0-16,24 0 0,-25 0 15,1 0-15,-1 0 16,0 0-16,25-24 0,-24 24 15,-1 0-15,25 0 16,-25 0-16,25 0 0,-24-25 16,23 25-16,1 0 0,0 0 15,-24 0-15,23 0 16,1-24-16,0 24 0,0 0 16,-25 0-16,25 0 15,-24 0-15,23 0 0,-23 0 16,-1 0-16,1 0 15,-25-24 17,0-1-1,-25 25-15,25-24-16,0-1 15,-24 25-15,24-24 16,0 0-1,-25 24-15,25-25 0,-24 1 16,24-1-16,0 1 16,-24-1-1,24 1-15,0 0 0,0-1 16,-25 25 0,25-24-16,0-1 15,0 1 32,0-1-16,0 1 1,-24 24-17,24-24 1,-25 24-16,1 0 15,0 0 1,-1 0-16,1 0 16,-1 0-16,1 0 0,-25 0 15,25 0-15,-25 0 0,0 0 16,0 0-16,0 0 16,0 0-16,1 0 0,-1 0 15,0 0-15,0 24 16,0-24-16,0 0 0,0 0 15,25 0-15,-25 0 16,25 0-16,-1 0 0,-24 0 16,25 0-16,0 0 0,-25 0 15,24 24-15,1-24 16,-1 0-16,1 0 0,0 0 16,-1 0-16,1 0 15,-1 0-15,1 0 16,0 0 15</inkml:trace>
-  <inkml:trace contextRef="#ctx0" brushRef="#br0" timeOffset="269290">4521 15484 0,'0'-24'16,"0"-1"-1,25 25 1,-25-24 0,0 48 15,0 1-16,0-1-15,0 25 16,0-25-16,0 1 0,0 24 16,0-25-16,0 25 15,24-25-15,-24 25 0,0-24 16,25-1-16,-25 25 0,0-25 16,24 1-16,-24-1 15,0 1-15,24-1 0,-24 0 16,0 1-16,25-25 15,-25 24-15,24-24 79,1-24-64,-1 24 1,1 0-16,-1-25 15,0 25-15,25 0 0,0-24 16,0 24-16,0 0 16,0-24-16,24 24 0,-24 0 15,24 0-15,-24 0 0,0-25 16,24 25-16,-49 0 16,25 0-16,-24 0 0,24 0 15,-25 0-15,0 0 16,1 0-16,-1-24 15,1 24 1,-25-25 0,24 25-16,-24-24 15,0-1 1,0 1 0,0 0-1,-24-1-15,24 1 16,-25-1-16,25-23 15,0 23-15,0 1 16,-24-25-16,24 24 0,0 1 16,0-25-16,0 25 0,0-1 15,0 1-15,0-1 16,0 1-16,0 0 0,0-1 16,0 1-16,0-1 31,-25 25 63,1 0-79,0 0 1,-1 0-16,1 0 0,-1 0 15,-24 0-15,25 0 16,-25 0-16,0 0 0,0 0 16,-24 0-16,24 0 15,-24 25-15,24-25 0,0 0 16,-24 0-16,24 0 16,0 0-16,1 0 0,-1 0 15,0 0-15,0 0 0,25 0 16,-1 0-16,1 0 15,-1 0-15,1 0 0,-1 0 16,25 24 15,-24-24-15,24 25 0,-24-1-1,48-24 1</inkml:trace>
-  <inkml:trace contextRef="#ctx0" brushRef="#br0" timeOffset="270808">6158 15289 0,'0'-25'0,"0"1"15,24 24-15,-24-25 16,0 1 0,0 48 15,0 1-15,0-1-1,25 25-15,-25-24 0,24 23 16,-24-23-16,24 24 15,-24 0-15,25-25 0,-25 25 16,24-25-16,-24 1 0,25-1 16,-25 25-16,24-25 15,-24 1-15,0-1 16,0 1-16,0-1 16,0 0-1,24-24 16,1 0 1,-1 0-17,1 0-15,-1 0 16,1 0 0,-1 0-16,25 0 15,-25 0-15,1-24 0,-1 24 16,25 0-16,-25 0 15,25-24-15,0 24 0,0 0 16,0-25-16,24 25 16,-24 0-16,24-24 0,0 24 15,1 0-15,-1 0 0,0-25 16,1 25-16,-26 0 16,26 0-16,-26 0 0,1 0 15,0 0-15,0 0 16,-25 0-16,1 0 0,-1 0 15,1 0-15,-1 0 0,1 0 32,-25-24-32,0 0 47,0-1-47,-25 1 15,25-25 1,-24 24-16,24 1 15,-25 0-15,1-25 0,24 24 16,-25-24-16,1 1 16,0-1-16,24 24 0,-25-24 15,25 1-15,-24 23 16,-1-24-16,25 25 0,-24-1 16,24 1-16,-25 0 15,25-1-15,0 1 16,-24 24-16,24-25 15,0 50 48,-24-25-32,-1 24-31,1-24 16,-1 0-16,1 0 0,0 25 15,-1-25-15,-24 0 16,25 0-16,-25 0 0,0 24 16,0-24-16,0 0 15,-24 0-15,24 0 0,-24 0 16,24 0-16,-24 0 0,0 0 16,24 0-16,-24 0 15,24 0-15,0 0 0,-24 0 16,24 0-16,0 0 15,0 0-15,25 0 0,-25 24 16,24-24-16,-23 0 0,23 25 16,1-25-16,-1 24 15,1 1 1,24-1 0,24-24 15</inkml:trace>
-  <inkml:trace contextRef="#ctx0" brushRef="#br0" timeOffset="271530">4497 14507 0,'-25'0'31,"1"0"-31,24 25 0,-24-25 16,-1 0-16,25 24 15,-24 0-15,24 1 16,-25-25-16,25 24 0,0 1 16,25-25-1,-1 24-15,1-24 16,-1 0-16,0 0 16,1 0-16,-1 0 0,1 0 15,-1 0-15</inkml:trace>
-  <inkml:trace contextRef="#ctx0" brushRef="#br0" timeOffset="271763">4717 14532 0,'24'24'63,"-24"0"-63,0 1 15,25-1 1,-25 1-16,24-1 16,-24 1-16</inkml:trace>
-  <inkml:trace contextRef="#ctx0" brushRef="#br0" timeOffset="272393">6573 14385 0,'0'-24'0,"-25"24"15,25-25-15,-24 25 16,24-24 0,-24 24-1,24 24 1,-25-24-1,25 25-15,-24-1 16,24 1-16,0-1 16,0 0-16,24-24 15,1 25-15,-1-25 16,25 0-16,-25 0 16,25 0-16,-24 0 0</inkml:trace>
-  <inkml:trace contextRef="#ctx0" brushRef="#br0" timeOffset="272735">6817 14312 0,'-24'0'0,"24"-25"16,24 1-1,0 24 1,1-24-16,-1 24 16,1 0-16,-1 0 0,1 0 15,-1 0 1,-24 24-16,0 0 0,-24 1 16,-1-1-16,1 1 15,-1-1-15,1 1 16,24-1-16,-25-24 0,25 24 15,25-24-15,-1 0 16,1 25-16,24-25 0,24 0 16,0 0-16,0-25 0,1 25 15,23-24-15</inkml:trace>
-  <inkml:trace contextRef="#ctx0" brushRef="#br0" timeOffset="273659">4814 15533 0,'25'0'0,"-25"24"47,-25-24-47,25 25 15,-24-1-15,24 1 16,-24-1-16,24 0 16,0 1-16,0-1 15,0 1-15,24-1 16,0-24-16,1 25 0,-1-25 16,1 0-16,23 0 15,-23-25-15,24 25 0</inkml:trace>
-  <inkml:trace contextRef="#ctx0" brushRef="#br0" timeOffset="274090">5083 15606 0,'0'-24'15,"24"-1"16,1 1-31,-1 0 16,1 24 0,-1-25-16,1 25 15,-1 0 1,-24 25 0,0-1-16,-24 0 15,24 1 1,-25-25-16,25 24 15,0 1-15,25-25 16,-1 24 0,0-24-16,1 0 15,-1 0-15,25 0 0,-24 25 16,-1-25-16,0 0 16,1 0-16,-1 24 0,1-24 15,-1 0-15,-24 24 16,-24-24-16,-1 25 15,1-25-15,-25 24 0,25-24 16,-25 0-16,0 0 16,24 0-16</inkml:trace>
-  <inkml:trace contextRef="#ctx0" brushRef="#br0" timeOffset="274606">6695 15362 0,'-24'0'16,"24"-24"-16,-25 24 16,25-25-1,-24 25 1,-1 25 0,1-1-1,-1 0-15,25 1 0,-24-1 16,24 1-16,0-1 15,0 1-15,24-25 0,1 24 16,-1 0-16,1-24 16,24 0-16,-1 0 0,1 0 15,0 0-15</inkml:trace>
-  <inkml:trace contextRef="#ctx0" brushRef="#br0" timeOffset="275039">6988 15240 0,'0'-25'16,"24"25"31,1 25-32,-1-1 1,-24 1-16,0-1 16,25-24-16,-25 25 15,24-25-15,-24 24 16,25-24-16,-1 0 16,0 0-1,1-24-15,-1-1 16,-24 1-16,25-1 15,-25 1-15,0-1 16,0 1-16,24 0 0,-24-1 16,25 25-1,-25 25-15,0-1 16,24 25-16,-24-25 0,24 50 16,1-26-16,-25 1 15,24 25-15,1-26 0,-25 26 16</inkml:trace>
-  <inkml:trace contextRef="#ctx0" brushRef="#br0" timeOffset="289354">4570 16021 0,'0'-24'16,"-24"24"46,24 24-46,-25 1-16,-24-1 15,25 25-15,-25-24 16,0 23-16,-24-23 0,24 24 16,-24-25-16,0 25 15,24-25-15,-24 1 0,24-1 16,0 1-16,24-1 15,1-24-15,0 24 0,-1-24 16,1 25-16</inkml:trace>
-  <inkml:trace contextRef="#ctx0" brushRef="#br0" timeOffset="289996">3373 16705 0,'-24'0'15,"0"0"1,-1 0-16,1 25 16,-1-25-16,1 24 0,-1 25 15,1-25-15,0 1 16,-1 24-16,1-25 0,24 0 15,0 25-15,24-24 16,1-1-16,-1-24 0,0 25 16,25-25-16,-24 24 0,24-24 15,-1 0-15,1-24 16,-24 24-16</inkml:trace>
-  <inkml:trace contextRef="#ctx0" brushRef="#br0" timeOffset="290505">3618 16803 0,'-25'-24'16,"25"48"30,0 0-46,0 1 16,25-1-16,-25 1 0,0-1 16,0 1-16,24-1 15,-24 0-15,25 1 16,-25-1 0,0-48 15,0-1-16,-25 1-15,25 0 0,-24-1 16,24 1-16,0-1 16,-25-24-16,25 25 0,-24 0 15,24-25-15,0 24 0,0 1 16,0-1 0,24 25-16,1-24 0,-1 24 15,1 0-15,-1 24 16,0 1-1,-24-1-15,0 1 16,0-1 0,-24-24-16,0 25 0,-1-1 15,1-24 1,-1 0-16,25 24 0</inkml:trace>
-  <inkml:trace contextRef="#ctx0" brushRef="#br0" timeOffset="290896">4008 16705 0,'-24'0'0,"0"0"16,-1 0-1,25 25 16,0-1-15,25 1-16,-25-1 16,0 0-16,24 1 0,0-1 15,-24 1-15,25-1 16,-1-24-16,1 25 16,-1-25-16,1-25 15,-1 25-15,-24-24 16,24-1-16,1 1 0,-25-1 15,0 1-15,0-25 16,0 25-16,0-1 0,0-24 16,0 25-16,0 0 15,-25-1-15,25 1 16,0 48 0,25-24-16,-25 25 15</inkml:trace>
-  <inkml:trace contextRef="#ctx0" brushRef="#br0" timeOffset="291503">7110 15753 0,'0'24'16,"25"-24"-1,-1 0-15,0 25 0,1-1 16,24 0-16,-25 1 0,49-1 15,-24 1-15,0-1 16,0 25-16,0-25 0,-25 25 16,25-24-16,-25-1 15,1 25-15,-25-25 0,24 1 16,-24-1-16,0 1 0</inkml:trace>
-  <inkml:trace contextRef="#ctx0" brushRef="#br0" timeOffset="291850">7916 16510 0,'25'-25'31,"-50"25"0,1 0-31,-1 25 16,1-25 0,-1 24-16,1 1 0,0-25 15,-1 24-15,25 25 0,0-25 16,0 1-16,0-1 15,25-24-15,-1 25 0,0-1 16,1-24-16,24 0 16,-25 0-16,25-24 0,0 24 15</inkml:trace>
-  <inkml:trace contextRef="#ctx0" brushRef="#br0" timeOffset="292343">8136 16510 0,'24'0'31,"1"0"1,-1 24-17,-24 1 1,0-1-16,25-24 0,-25 25 15,0-1-15,0 0 16,0 1-16,24-1 0,-24 1 16,0-1-1,0-48 17,-24-1-32,24 1 15,-25-1-15,25 1 16,-24-25-16,24 25 0,0-1 15,0-24-15,0 25 16,0 0-16,0-1 0,24 1 16,1-1-16,-1 25 15,0 0-15,1 0 16,-25 25-16,24-25 0,1 24 16,-25 1-16,24-25 15,-24 24-15,0 0 0,-24-24 16,24 25-16,-25-25 0,1 24 15,-1-24-15,1 0 16,0 0-16</inkml:trace>
-  <inkml:trace contextRef="#ctx0" brushRef="#br0" timeOffset="292715">8527 16412 0,'24'0'16,"1"0"-16,-25 25 47,0-1-31,0 0-16,0 1 15,0-1 1,24 1-16,0-1 0,-24 1 15,25-1-15,-1 0 0,1 1 16,-1-25-16,25 24 16,-25-24-16,25 0 0,0-24 15,-25 24-15,25-25 0,-24 1 16,-1 0-16,-24-1 16,0-24-16,0 25 0,0-25 15,-24 25-15,24-25 16,-25 0-16,-24 25 0,49-1 15,-24 1-15,0 24 0,-1-25 16,1 25 0</inkml:trace>
-  <inkml:trace contextRef="#ctx0" brushRef="#br0" timeOffset="293494">7574 14507 0,'25'0'15,"-1"-24"1,25 24-16,0-25 16,24 25-16,0-24 0,1 24 15,23 0-15,1-25 16,-25 25-16,25 0 0,-25-24 15,0 24-15,1 0 0,-25 0 16,-1-24-16,-23 24 16,-50 0 15,1 0-31</inkml:trace>
-  <inkml:trace contextRef="#ctx0" brushRef="#br0" timeOffset="293849">9357 14385 0,'0'-24'0,"-24"24"31,-1 0-15,1 0-16,-25 0 0,25 24 15,-25 0-15,24 1 16,-24-1-16,25 1 0,0-1 16,-1 1-16,1-1 15,24 0-15,0 1 0,24-1 16,1 1-16,-1-25 15,0 24-15,25-24 0,0 25 16,-24-25-16,23 0 0,1 0 16,0-25-16,0 25 15</inkml:trace>
-  <inkml:trace contextRef="#ctx0" brushRef="#br0" timeOffset="294353">9504 14434 0,'24'0'15,"-24"24"17,0 1-17,0-1 1,0 1-1,0-1-15,0 0 0,0 1 16,24-1 0,-24 1-16,0-1 15,0-48 17,-24-1-17,24 1 1,-24-1-16,24 1 0,-25-25 15,1 25-15,24-1 0,-25-24 16,25 25-16,0-25 16,0 25-16,0-1 0,0 1 15,25 0-15,-1-1 16,1 1-16,-1 24 0,25-25 16,-25 25-16,25 0 0,-24 25 15,-1-1-15,0-24 16,1 25-16,-25-1 0,0 0 15,-25 1-15,25-1 0,-48-24 16,23 25-16,1-1 16,-25-24-16,24 24 0,1-24 15</inkml:trace>
-  <inkml:trace contextRef="#ctx0" brushRef="#br0" timeOffset="294736">9870 14263 0,'24'0'16,"-24"-24"-16,0 48 47,0 0-32,0 1-15,25-1 16,-25 1-16,0 24 0,24-25 16,-24 25-16,25-25 15,-1 1-15,0-1 0,1-24 16,-1 24-16,1-24 0,24 0 16,-25 0-16,0 0 15,1 0-15,-1-24 0,1 0 16,-1-1-16,-24 1 15,0-1-15,0-23 0,0-1 16,0 24-16,-24-24 0,-1 1 16,1-1-16,-1 24 15,1 1-15,0-1 0</inkml:trace>
-  <inkml:trace contextRef="#ctx0" brushRef="#br0" timeOffset="295607">4131 14580 0,'0'-24'16,"24"24"-1,-24-24 1,-24 24 0,-25-25-1,24 25-15,-24 0 0,1 0 16,-26 0-16,-23 0 16,23 25-16,-23-25 0,-25 0 15,24 0-15,0 0 0,0 24 16,25-24-16,0 0 15,24 0-15,0 0 0,0 0 16,25 0-16,0 0 16,-1 24-16</inkml:trace>
-  <inkml:trace contextRef="#ctx0" brushRef="#br0" timeOffset="296957">27 13188 0,'-24'0'16,"24"-24"0,24 24 46,-24 24-62,0 1 16,25-1-16,-25 1 15,24 23-15,-24 1 0,25 0 16,-1 0-16,-24 0 16,25 0-16,-1 24 0,0-24 15,-24-25-15,25 25 16,-25-25-16,24 25 0,-24-24 15,25-25 17,-25-25-32,24 1 15,1-1-15,-25 1 16,24 0-16,0-1 16,1 1-16,-1 24 15,-24-25-15,25 25 16,-1 0-16,1 0 15,-1 0-15,0 0 0,1 0 16,-1 0-16,1 0 16,-1 0-16,0 0 0,1 0 15,-1 0 1,-24-24-16,0 0 16,0-1-1,0 1-15,-24-1 0,-1 1 16,25-1-16,-24-23 0,0 23 15,-1 1-15,1-25 16,24 24-16,-25 1 0,25 0 16,0-1-16,-24 1 15,24 48 1,0 1-16,24-1 16,-24 25-16,25 0 15,-25 0-15,24-1 0,-24 26 16,25-1-16,-1-24 0,0 0 15,1 24-15,-1-24 16,1 0-16,-1-25 0,1 25 16,-1-25-16,0 1 15,-24-1-15,25 1 0,-1-1 16,-24 0 0,25-24-1,-25-24 32</inkml:trace>
-  <inkml:trace contextRef="#ctx0" brushRef="#br0" timeOffset="297448">1273 13433 0,'-24'0'0,"-1"0"0,25-25 15,-24 25-15,-1 0 16,1 0-16,0 25 0,-1-1 15,1 0-15,-1 1 16,25-1-16,-24 25 0,24-24 16,0 23-16,24 1 0,1-24 15,-1 24-15,1-25 16,23 0-16,1 1 0,24-1 16,-24-24-16,0 25 15,0-25-15,0 0 0,0-25 16,0 25-16,-25-24 0,0-1 15,1 1-15,-1 0 16,-24-1-16</inkml:trace>
-  <inkml:trace contextRef="#ctx0" brushRef="#br0" timeOffset="297952">1664 13457 0,'0'-24'16,"0"-1"0,-25 25-1,25 25-15,0-1 16,0 0-16,25 1 0,-25-1 16,24 1-16,-24-1 15,25 25-15,-25-25 0,24 1 16,0-1-16,-24 1 15,0-1-15,25-24 0,-25 25 16,-25-50 0,1 1-1,0-1-15,24 1 16,-25-1-16,1-23 16,-1 23-16,1-24 0,0 0 15,-1 1-15,1-1 0,-1 0 16,25 0-16,0 0 15,25 25-15,-25-1 0,24 1 16,25-1-16,-25 25 16,25 0-16,-24 0 0,23 25 15,1-25-15,-24 24 0,-1 1 16,-24-1-16,0 1 16,0-1-16,0 0 0,-24 1 15,-1-1-15,1 1 0,-25-1 16,25 1-16,-1-25 15,1 24-15,-1-24 0,1 0 16</inkml:trace>
-  <inkml:trace contextRef="#ctx0" brushRef="#br0" timeOffset="298373">2030 13213 0,'0'-25'16,"-24"25"0,-1 0 15,25 25-31,0-1 16,25 25-1,-25-25-15,24 25 0,-24 0 16,25 0-16,-25 0 0,24-25 15,-24 25-15,24-24 16,1 23-16,-25-23 0,24-25 16,1 24-16,-1-24 15,1-24-15,-1-1 16,0 1-16,1-25 0,-1 0 16,-24 0-16,25 1 15,-25-1-15,0 0 0,0 0 16,0 0-16,-25 25 15,25-25-15,0 24 0,-24 1 16,24 0-16,-25 24 16,25 24-1,25-24-15,-25 24 16,24 1-16</inkml:trace>
-  <inkml:trace contextRef="#ctx0" brushRef="#br0" timeOffset="299020">2787 13701 0,'-24'-24'16,"24"-1"-16,-25 1 15,25 0-15,-24-1 16,24 1-16,0-1 16,0 1-16,24 24 31,1 0-31,-1 0 16,1 24-16,24 1 0,-1-25 15,1 49-15,0-25 16,24 25-16,-24-25 0,0 25 15,24-25-15,-24 25 16,0-24-16,0-1 0,-25 1 16,25-1-16,-24 0 0,-25 1 15,24-25-15,-24-25 47</inkml:trace>
-  <inkml:trace contextRef="#ctx0" brushRef="#br0" timeOffset="299363">3447 13774 0,'0'-24'32,"0"0"-17,24 24 1,1 0-1,-25 24-15,24 0 16,-24 1-16,0-1 16,24 1-16,-24-1 15,0 1-15,25-1 0,-25 0 16,0 1 0,0-1-16,0 1 15,-25-25 16,1 0-31,0 24 0,-1-24 16,1 0-16,-25 0 16,24 25-16,-23-25 0,-1 24 15,0 0-15,24 1 0</inkml:trace>
-  <inkml:trace contextRef="#ctx0" brushRef="#br0" timeOffset="300676">1566 14849 0,'-24'0'16,"-1"0"-1,1 0-15,-1 0 16,-23 0-16,23 0 15,-24 25-15,25-1 0,-25 0 16,25 1-16,-1-1 0,1 25 16,24 0-16,0 0 15,0-25-15,24 25 0,1-25 16,-1 1-16,0-1 16,25-24-16,0 0 0,0 0 15,0 0-15,0 0 0,0-24 16,24-1-16,-49 1 15</inkml:trace>
-  <inkml:trace contextRef="#ctx0" brushRef="#br0" timeOffset="301217">1908 14849 0,'-24'0'32,"24"25"-1,0-1-31,24 0 0,-24 1 15,24-1-15,-24 25 0,25-24 16,-25-1-16,24 25 16,-24-25-16,0 1 0,25 23 15,-25-23 1,-25-50 0,25 1-1,-24 0-15,24-1 16,-25-24-16,1 1 0,24 23 15,-24-24-15,-1 0 0,25 1 16,0-1-16,0 0 16,0 24-16,0 1 0,25 24 15,-1-24-15,0 24 16,1 0-16,-1 0 0,1 24 16,-1-24-16,1 24 15,-1 1-15,-24-1 0,0 1 16,0-1-16,-24 1 15,-1-25-15,25 24 16,-24-24-16,-1 24 0,1-24 16</inkml:trace>
-  <inkml:trace contextRef="#ctx0" brushRef="#br0" timeOffset="301576">2323 14776 0,'0'-25'15,"0"50"17,0-1-17,0 1-15,0-1 0,25 1 16,-25-1-16,24 25 15,-24-25-15,25 25 0,-1-24 16,-24-1-16,24 25 0,1-49 16,-1 24-16,1-24 15,-1-24-15,0-1 0,1 1 16,-1 0-16,1-25 16,-1 24-16,-24-24 0,0 1 15,0-1-15,-24 0 0,-1 0 16,1 25-16,-1-25 15,1 24-15,0 25 0,-1 0 16</inkml:trace>
-  <inkml:trace contextRef="#ctx0" brushRef="#br0" timeOffset="310177">11067 10648 0,'0'25'15,"0"-1"-15,0 1 0,0 23 16,0 1-16,0 0 15,0 0-15,24 0 0,-24 24 16,0-24-16,0 24 16,0 0-16,0 1 0,0-1 15,25 0-15,-25 1 0,0-1 16,0 25-16,-25-25 16,25 25-16,-24-25 0,24 24 15,0-23-15,-25 23 16,25-23-16,0-1 0,0 0 15,0 0-15,0 1 0,0-25 16,0-1-16,25 1 16,-25-24-16,24 24 0,-24-25 15,25 25-15,-25-25 16,0 1-16,24-25 0,-24 24 16,0 1-16,24-25 15,-24 24-15,0 0 31,0 1 1,25-25-1,-1 24-15,1-24-1,-1 0-15,0 0 0,1 0 16,24 0-16,0-24 0,-1 24 15,26 0-15,-1-25 16,0 25-16,1 0 0,-1-24 16,0 24-16,25 0 15,-1-24-15,-23 24 0,23 0 16,1 0-16,0-25 0,-1 25 16,-23 0-16,23 0 15,-23 0-15,-1-24 0,0 24 16,-24 0-16,0 0 0,-25 0 15,25 0-15,-24-25 16,-25 1 15,0-1-15,0 1 0,0 0-1,0-1-15,0 1 16,-25-1-16,25 1 15,0-25-15,-24 0 0,24 0 16,0 0-16,0 1 0,-25-26 16,25 1-16,-24 0 15,24-25-15,0 25 0,-24-25 16,24 25-16,0 0 16,-25-25-16,25 25 0,-24-1 15,24 1-15,-25 0 0,25 0 16,0-1-16,-24 1 15,24 24-15,0-24 0,-25 24 16,25 0-16,0 0 16,0 1-16,-24-1 0,24 0 15,0 0-15,-24 0 0,24 0 16,-25 1-16,25-1 16,-24 24-16,24-24 0,-25 25 15,25-25-15,-24 25 16,24-1-16,0-24 0,0 25 15,-25 0-15,25-1 16,-24 1-16,24-1 16,-24 1-1,24-1 1,-25 1 0,25 0-1,0-1 1,0 1-1,-24 24-15,24-25 0,0 1 16,0-1 0,0 1-16,0 0 15,-25 24 32,1 0-16,-1 0-15,1 0-16,0 0 0,-1 0 16,-24 0-16,25 0 0,-25 24 15,0-24-15,25 0 16,-25 24-16,-24-24 0,24 25 16,0-25-16,0 0 15,-24 24-15,24-24 0,0 25 16,0-25-16,-24 0 0,24 0 15,0 0-15,1 24 16,23-24-16,-24 0 0,0 0 16,25 0-16,0 0 15,-1 0-15,1 0 0,-1 0 16,1 0-16,-1 0 0,1 0 16,0 25-1,-1-25-15,1 0 0,-1 24 16,1-24-1,0 24 1,24 1-16,-25-25 16,25 24-16,0 1 15,-24-1-15,24 1 0,0-1 16,-25 25-16,25-25 16,-24 25-16,24 0 0,-25-25 15,1 25-15,24 0 0,-24 0 16,24-25-16,0 25 15,-25-24-15,25 23 0,0 1 16,25 0-16,-25-24 16,24 23-16,0 1 0,-24-24 15,25-1-15,-1 25 0,-24-25 16,25 1-16,-1-1 16,-24 1-16,25-25 15,-25 24-15</inkml:trace>
-  <inkml:trace contextRef="#ctx0" brushRef="#br0" timeOffset="310743">11067 10795 0,'0'-25'16,"24"25"0,1 0-16,23-24 15,-23 24-15,48-24 0,-24-1 16,49 25-16,-25-24 0,25-1 16,24 1-16,0 0 15,0-1-15,0 1 0,0-1 16,0 1-16,-24-1 15,0 25-15,-1-24 0,-48 24 16,0 0-16,0-24 0,-25 24 16,-48 24-1,-1-24 1</inkml:trace>
-  <inkml:trace contextRef="#ctx0" brushRef="#br0" timeOffset="311361">11091 11259 0,'-24'0'16,"-1"0"-1,50 0 1,-1 0-1,25 0-15,0 0 16,0 0-16,-1-25 0,26 25 16,23-24-16,-23 24 15,23-24-15,1 24 0,0-25 16,0 25-16,-1-24 0,1-1 16,0 1-16,-1 0 15,1-1-15,0 25 0,-25-24 16,0-1-16,-24 25 0,0 0 15,0-24-15,-25 24 16,1 0-16</inkml:trace>
-  <inkml:trace contextRef="#ctx0" brushRef="#br0" timeOffset="312008">11140 11821 0,'-24'0'31,"48"0"0,0 0-31,1-25 16,-1 25-16,25 0 0,24-24 15,1 24-15,-1-25 16,49 1-16,-24 24 0,24-24 16,24-1-16,-24-24 15,25 49-15,-25-24 0,0-1 16,-24 25-16,0-24 0,-1 24 15,-23 0-15,-26 0 16,26 0-16,-50 0 0,1 0 16,-1 0-16,0 0 0,1 0 15,-25-24 1</inkml:trace>
-  <inkml:trace contextRef="#ctx0" brushRef="#br0" timeOffset="312488">11042 12334 0,'-24'0'0,"24"24"0,-25-24 15,50 0 1,-1 0-16,1 0 16,-1 0-16,1 0 15,23 0-15,1-24 0,25 24 16,-1 0-16,24-25 16,1 25-16,24-24 0,25-1 15,24 1-15,0-1 16,0 1-16,0 0 0,-25-1 15,25 1-15,-24-1 0,-25 25 16,-25-24-16,-23 24 16,-1-25-16,-24 25 0,-25 0 15,1-24-15</inkml:trace>
-  <inkml:trace contextRef="#ctx0" brushRef="#br0" timeOffset="313496">11189 10184 0,'-25'-24'16,"25"-1"-16,0 1 15,0 0 1,25 24-1,-1-25-15,1 25 16,-1 0-16,0 0 16,1 0-16,-1 0 0,1 0 15,-1 0-15,-24 25 16,25-25-16,-25 24 0,0 0 16,0 1-16,-25-1 15,1 1 1,-1-1-16,25 1 0,-24-25 15,24 24-15,-25-24 16,25 24-16,0 1 31,25-25-15,-1 0-16,1 0 16,-1 24-16,1-24 0,-1 0 15,0 25-15,1-25 16,-25 24-16,0 1 15,0-1 1,-25-24-16,1 24 0,0 1 16,-1-25-16,1 24 15,-1-24-15,1 0 0,-1 0 16</inkml:trace>
-  <inkml:trace contextRef="#ctx0" brushRef="#br0" timeOffset="313850">11824 10184 0,'-25'0'0,"1"0"0,-25 0 16,25 0-1,-1 25-15,1-1 16,24 1-16,-25-25 15,25 24-15,0 0 0,0 1 16,25-1-16,-25 1 0,24-1 16,1 1-1,-1-25-15,1 0 0,-1-25 16,0 25 0,-24-24-16,25-1 0,-25 1 15,24-1-15,-24 1 0,0 0 16,0-1-16,-24 1 15,-1-1-15,25 1 0,-24 24 16,0-25-16,-1 25 16,1 0-16,-1 0 15</inkml:trace>
-  <inkml:trace contextRef="#ctx0" brushRef="#br0" timeOffset="314198">12117 10087 0,'0'24'32,"-25"-24"-32,25 24 0,-24-24 15,24 25-15,0-1 16,0 1-16,0-1 0,0 1 15,0-1-15,0 0 0,24 1 16,-24-1-16,25-24 16,-1 0-16,1 0 0,-1 0 15,1-24-15,-1 24 16,-24-25-16,24 1 0,-24 0 16,0-1-16,0 1 15,0-1-15,-24 1 16,0 24-16,-1-25 0,1 25 15,-1 0-15,1 25 16,-25-1-16</inkml:trace>
-  <inkml:trace contextRef="#ctx0" brushRef="#br0" timeOffset="314733">11555 10844 0,'-24'0'16,"24"-25"-16,0 50 47,24-25-47,-24 24 16,0 1-16,0-1 15,25 0-15,-25 1 0,0-1 16,24-24-1,0 0-15,1 0 16,-1 0 0,1-24-16,-1-1 0,1 25 15,-1-24-15,-24 0 0,24 24 16,1-25-16,-25 1 16,24 24-16,-24 24 31,0 1-16,0-1-15,0 0 0,0 1 16,0-1-16,0 1 16,0-1-16,0 1 0,25-1 15</inkml:trace>
-  <inkml:trace contextRef="#ctx0" brushRef="#br0" timeOffset="315081">12092 10844 0,'0'-25'0,"-24"25"15,0 0 1,-1 0-16,25 25 16,-24-25-16,24 24 15,0 1-15,-25-25 0,25 24 16,0 0-16,25-24 0,-25 25 15,24-25-15,1 24 16,-1-24-16,0 0 16,1 0-16,-1-24 15,-24-1 1,25 1-16,-25 0 16,0-1-1,-25 1-15,1-1 16,-1 25-16,1 0 15,0 25 1</inkml:trace>
-  <inkml:trace contextRef="#ctx0" brushRef="#br0" timeOffset="315429">12337 10770 0,'-25'0'16,"1"0"0,-1 0-1,25 25-15,-24-1 16,24 1 0,0-1-16,0 1 0,24-1 15,-24 0-15,25 1 0,-1-1 16,1-24-1,-1 0-15,1 0 16,-25-24-16,24 24 16,0-25-16,-24 1 0,25 0 15,-25-1-15,0 1 0,0-25 16,0 24-16,-25 25 16,1-24-16,0 0 0,-1 24 15,1 0-15,-1 0 16,-24 24-16,25 0 0,0 1 15</inkml:trace>
-  <inkml:trace contextRef="#ctx0" brushRef="#br0" timeOffset="316016">11824 11283 0,'0'-24'16,"-25"24"-16,25-25 15,0 1-15,-24 24 16,24-24-16,-24 24 16,-1 0-1,1 0-15,24 24 16,-25-24-16,1 24 0,-1 1 15,25-1-15,-24 1 16,24-1-16,0 1 16,0-1-1,24-24-15,1 0 16,-25-24-16,24 24 0,1-25 16,-1 25-16,1-24 15,-1 24-15,0-25 0,1 25 31,-25 25-31,0-1 16,0 1-16,0-1 16,0 0-1,0 1-15,0-1 0,0 1 16,0-1-16,0 1 16,24-25-16</inkml:trace>
-  <inkml:trace contextRef="#ctx0" brushRef="#br0" timeOffset="316683">12166 11308 0,'-25'-25'16,"1"25"-1,-1 0-15,1 0 16,0 0-16,24 25 0,-25-25 15,1 24-15,24 1 16,-25-1-16,25 0 16,0 1-16,25-1 15,-25 1-15,24-25 16,1 24-16,-1-24 16,0-24-1,1 24-15,-25-25 16,24 25-16,-24-24 0,25-1 15,-25 1 1,0 0 0,-25 24-16,25-25 0,-24 25 15,24-24 1,24 24 15,1 0-15,-1 0-16,1-25 15,-1 25-15,0 0 16,1 0-16,-1 0 16,-24 25-16,0-1 15,0 1 1,0-1-16,0 0 16,0 1-16,0-1 15,25 1-15,-1-1 16,1-24-1,-1 0-15,0 0 16,1-24-16,-1 24 16,1-25-16,-1 1 15,0-1-15,1 1 0,-25 0 16,0-1-16,0 1 0,0-1 16,-25 25-1,1 0-15,-25 0 0,25 0 16,-25 0-16,25 25 15,-25-1-15</inkml:trace>
-  <inkml:trace contextRef="#ctx0" brushRef="#br0" timeOffset="317254">11799 12040 0,'0'-24'0,"-24"24"16,24-24-16,-24-1 16,24 1-16,0-1 15,24 1 1,0-1-16,1 1 15,-1 24-15,1 0 16,-1 0-16,0 24 16,-24 1-16,25-1 0,-25 1 15,0-1-15,-25 1 16,1 23-16,0-23 0,-1-1 16,1 1-16,-1-1 15,1 1-15,0-1 0,72-24 47,-23 0-47,24-24 0,-25 24 16,25-25-16,0 1 0,0 24 15,-1-25-15,-23 25 16,-1-24-16,1 24 0</inkml:trace>
-  <inkml:trace contextRef="#ctx0" brushRef="#br0" timeOffset="317949">12166 11918 0,'0'-24'0,"0"-1"16,0 1 0,0 48 31,0 1-47,0-1 15,0 1-15,0-1 0,0 1 16,0-1-16,0 0 15,24 1-15,-24-1 16,25 1-16,-1-25 16,-24 24-16,24-24 15,1 0 1,-50-24 15,25-1-31,0 1 16,-24-1-16,24 1 15,0 0-15,0-1 0,0 1 16,24-1 0,-24 1-16,25 24 15,-25-25-15,24 25 0,1 0 16,-1 0-16,1 0 16,-1 0-16,0 0 15,1 0-15,-1 0 16,1 0-16,-1 0 31,-48 0 0,-1 25-15,25-1-16,-24 1 16,24-1-16,0 1 15,0-1 1,0 0-16,24 1 0,1-1 15,-1-24-15,0 0 16,1 0-16,-1 0 16,1 0-16,-1 0 0,1-24 15,-1-1-15,0 1 16,-24 0-16,25-1 0,-25 1 16,0-1-16,0-24 15,-25 25-15,1 0 0,0 24 16,-1-25-16,1 25 15,-25 25-15,24-1 16,1 0-16</inkml:trace>
-  <inkml:trace contextRef="#ctx0" brushRef="#br0" timeOffset="318363">11799 12602 0,'0'-24'16,"-24"24"0,24 24-1,0 1 1,0-1-1,0 0-15,0 1 0,0-1 16,0 1-16,0-1 16,0 1-16,0-1 0,0 0 15,24 1-15</inkml:trace>
-  <inkml:trace contextRef="#ctx0" brushRef="#br0" timeOffset="318795">12117 12553 0,'0'-24'0,"-25"0"31,25 48 0,-24 0-15,24 1-16,0-1 15,-24 1-15,24-1 16,0 0 0,0 1-1,24-25-15,-24 24 47,0 1-16,0-1-15,0 1 0,0-50 46,24 25-46</inkml:trace>
-  <inkml:trace contextRef="#ctx0" brushRef="#br0" timeOffset="319088">12239 12553 0,'24'-24'0,"-24"48"31,-24 1-15,24-1-1,-24-24-15,-1 25 0,25-1 16,-24-24-16,24 24 0,-25 1 16,1-1-1,-1-24 1,50 0 0,-1 0-1,1-24 1,-1 24-16,1 0 0,-1 0 15,0 24-15,1 1 0,-1-25 16,25 24-16,-24 1 16,-1 23-16</inkml:trace>
-  <inkml:trace contextRef="#ctx0" brushRef="#br0" timeOffset="321815">10578 10062 0,'-24'-24'0,"24"-1"16,0 1-1,-25 24 32,1 0-31,0 24-16,-1-24 0,1 25 15,-1-25 1,1 24-16,-1-24 0,1 0 16,24 25-16,-24-25 15,24 24-15,0 0 16,0 1-1,0-1 1,0 1 0,24-25-16,-24 24 15,0 1-15,0-1 16,0 0-16,0 1 0,0-1 16,0 25-16,0 0 15,0-25-15,0 25 0,0 0 16,0-25-16,0 25 0,0-24 15,0 24-15,0-25 16,0 0-16,24 1 0,-24-1 16,0 1-16,25-1 15,-25 1-15,0-1 16,0 0-16,0 1 0,0-1 16,0 1-1,0-1-15,0 1 16,24-25 31,1 0-32,-1 0-15,1-25 16,23 25-16,-23-24 16,24 24-16,-25-25 0,0 25 15,25 0-15,-49-24 0,25 24 16,-1 0-16,-48 24 15</inkml:trace>
-  <inkml:trace contextRef="#ctx0" brushRef="#br0" timeOffset="323092">10652 11381 0,'-25'0'15,"1"0"1,-1 0 15,1 0-31,-1 0 16,1 0-16,0 0 15,-1 0 1,25 24-16,-24-24 16,24 25 15,0-1 0,0 1-15,0-1-1,24 1-15,-24-1 16,0 0-16,0 1 0,0-1 16,0 1-16,0-1 15,0 1-15,0-1 0,0 25 16,0-25-16,0 1 16,0-1-16,0 0 0,0 1 15,0-1-15,0 1 0,0-1 16,0 1-16,0-1 15,25 0-15,-25 1 0,24-1 16,-24 1 0,0-1-16,0 1 15,0-1-15,0 0 0,0 1 16,0-1 0,0 1-16,0-1 15,0 1 1,0-1-1,-24 0 1,24 1-16,0-1 16,0 1-16,0-1 15,0 1 1,0-1-16,0 0 31,0 1-31,0-1 16,0 1-1,0-1-15,0 0 16,0 1 0,0-1-16,0 1 15,0-1 1,0 1 0,0-1-1,0 0 1,24-24 31,0 0-32,1 0 1,-1 0-16,1 0 16,-1 0-16,1 0 15,-1 0-15,0 0 0,1 0 16,-1 0-1,1 0-15,-1 0 16</inkml:trace>
-  <inkml:trace contextRef="#ctx0" brushRef="#br0" timeOffset="323680">10554 11992 0,'-25'0'16,"1"24"-1,0-24 1,-1 0-16,1 0 15,-25 24-15,24-24 16,-23 0-16,23 0 0,1 25 16,-25-25-16,24 0 0,-23 0 15,23 0-15,1 0 16,24 24-16,-25-24 0,1 0 31,-1 0-31</inkml:trace>
-  <inkml:trace contextRef="#ctx0" brushRef="#br0" timeOffset="324250">10285 10746 0,'-24'0'0,"-1"0"15,1 0-15,-1 0 16,1 0-16,0 24 16,-25-24-16,24 25 0,-23-25 15,-1 0-15,0 24 16,24-24-16,-23 25 0,23-25 15,1 24-15,-1-24 16,25 25 0,25-1-1</inkml:trace>
-  <inkml:trace contextRef="#ctx0" brushRef="#br0" timeOffset="325660">8624 10599 0,'-24'0'31,"0"0"-16,-1 0 1,1 0 0,-1 0-16,1 25 15,-1-1-15,1 1 0,0-1 16,-1 1-16,1-1 16,-1 0-16,25 25 0,0-24 15,0-1-15,0 25 0,0-25 16,25 1-16,-1-25 15,1 24-15,23-24 0,1 0 16,-24 0-16,24 0 16,-1 0-16,-23-24 0,-1 24 15,1-25-15,-1 25 0,1 0 16,-25-24 0</inkml:trace>
-  <inkml:trace contextRef="#ctx0" brushRef="#br0" timeOffset="326051">9015 10526 0,'-24'0'0,"-1"-24"15,1 24 1,24-25 0,0 50 15,24-1-15,-24 1-16,0-1 15,0 0 1,0 1-16,25-1 0,-25 25 15,0-24-15,24-1 16,-24 0-16,25 1 0,-25 24 16,0-25-16,24 1 0,-24-1 15,0 0 1,0 1-16,24-25 16,-24-25 30</inkml:trace>
+  <inkml:trace contextRef="#ctx0" brushRef="#br0" timeOffset="-201085.73">14462 13555 0,'24'0'16,"-48"0"31,-1 0-16,1 0-15,-1 0-1,1 0-15,-25 0 0,0 0 16,0 0-16,-24 0 0,0 0 16,-25 0-16,0 0 15,1-25-15,-1 25 0,-24 0 16,-25-24-16,1 24 0,-1 0 16,1 0-16,-1-25 15,-24 25-15,0 0 0,25 0 16,-25 0-16,0 0 15,0 0-15,0 25 0,0-25 16,24 0-16,-24 0 0,25 24 16,-1-24-16,1 0 15,-1 0-15,25 25 0,0-25 16,-25 0-16,25 24 16,-24-24-16,24 0 0,0 0 15,-1 0-15,1 25 0,0-25 16,25 0-16,-1 0 15,25 0-15,24 0 0,0-25 16,0 25-16,25 0 16,-1 0-16</inkml:trace>
+  <inkml:trace contextRef="#ctx0" brushRef="#br0" timeOffset="-200665.73">9137 13213 0,'-24'0'0,"-1"0"15,1 0 1,0 0 0,-1 0-16,1 24 15,-1 1-15,1-1 0,-1 0 16,-23 25-16,23-24 0,-24 24 15,0-25-15,25 0 16,-25 1-16,25-1 0,-1 1 16,1-25-16,0 0 15,24 24 1,24 1 0,0-1-1,1 0-15,-1 1 0,25 24 16,0 0-16,0-1 15,0 1-15,-1 0 0,1-25 16,0 25-16,0-24 0</inkml:trace>
+  <inkml:trace contextRef="#ctx0" brushRef="#br0" timeOffset="-197870.73">8112 12382 0,'0'25'15,"24"24"-15,-24-25 16,24 25-16,-24 24 0,25 0 15,-1 1-15,-24 23 16,25 1-16,-1 0 0,0 24 16,-24 0-16,25 0 0,-25 0 15,0 0-15,0-24 16,0 24-16,0-24 0,0 24 16,0-49-16,0 25 15,-25-25-15,25 1 0,0-1 16,0-24-16,-24-1 0,24 1 15,-24 0-15,24 0 16,0-25-16,-25 25 0,25-24 16,0-1-16,0 1 15,-24-1-15,24 0 16,0 1 0,-25-25 30,1 0-30,0 0-16,-1 0 0,1-25 16,-1 25-16,-24-24 15,25 24-15,-25-24 0,-24 24 16,24 0-16,-24-25 16,-25 25-16,0 0 0,1 0 15,-25 0-15,24 0 0,-24 0 16,-25 0-16,25 0 15,0 25-15,-25-25 0,25 0 16,0 24-16,-24-24 16,-1 24-16,25-24 0,-25 25 15,1-25-15,-1 24 0,1-24 16,24 25-16,0-25 16,-1 0-16,1 24 0,25-24 15,-1 0-15,25 0 16,-1 0-16,26 0 0,-26 0 15,26 0-15,-1 0 0,24 0 16,-24 0-16,25-24 16,0 24-16,-25 0 0,24 0 15,1 0-15,-1 0 16,1 0-16,0 0 16,-1 0-1,1 0-15,-1 0 16,1 0-16,-1 0 15,1 0 1,0 0-16,-1 0 16,1-25-1,24 1 1,0-1 0,0 1-1,-25 24 1,25-24-16,0-1 15,0 1 1,0-1-16,0 1 16,-24-1-16,24 1 0,0-25 15,-25 25-15,25-1 16,-24-24-16,24 25 0,-24-25 16,24 25-16,-25-25 15,25 0-15,-24 25 0,24-25 16,-25-24-16,25 24 0,0 0 15,-24-24-15,24-1 16,0 1-16,-24-25 0,24 25 16,0-25-16,-25 1 15,25-1-15,0 0 0,-24 1 16,24 23-16,0-23 0,-25 23 16,25 1-16,-24 0 15,24 0-15,0-1 0,0 1 16,0 24-16,0 0 15,0-24-15,0 24 0,0 0 16,0 1-16,24 23 0,-24-24 16,25 25-16,-25-25 15,24 25-15,-24-1 0,25-24 16,-25 25-16,24-25 16,-24 25-16,24-1 0,-24-24 15,0 25-15,25-25 0,-25 25 16,0-1-16,0 1 15,0-1-15,0 1 16,0 0 0,-25 24-16,25-25 15,0 50 32,25-25-31,-25 24-16,24-24 15,1 24-15,-1-24 0,25 0 16,-25 25-16,25-25 16,0 24-16,0-24 0,0 0 15,24 0-15,-24 25 16,24-25-16,0 0 0,1 0 16,-1 0-16,25 0 0,-25 0 15,25 0-15,-25 0 16,25 0-16,-1 0 0,1 0 15,-25 0-15,25 24 16,0 1-16,-1-25 0,1 24 16,0-24-16,24 0 0,-25 0 15,1 0-15,24 0 16,-24 0-16,24 0 0,-24-24 16,24 24-16,-24-25 0,-25 25 15,25 0-15,-25 0 16,0-24-16,0 24 0,1 0 15,-26 0-15,1 0 16,0 0-16,0 0 0,0 0 16,0 0-16,24 0 15,-24 0-15,24-25 0,0 25 16,1 0-16,-1-24 0,0 24 16,0 0-16,1-25 15,-25 25-15,-1 0 0,1 0 16,-24 0-16,24 0 0,-25 0 15,0 0 1,1 0 62,-1 0-62,1 0-1,-1 25-15,0-25 0,1 0 16,-1 0-16,1 0 0,-1 0 16,-24 24-1,0 1-15,-24-25 16,-1 24-16,1 1 16,-1-1-16,1-24 15,0 24-15,-1 1 0,1-1 16,-1 1-1,25-1-15,0 0 16,0 1 0,25-1-16,-25 1 0,0-1 15,24 1-15,-24-1 0,0 0 16,0 1 0,0-1-16,0 1 0,0-1 15,0 1-15,-24-1 16,24 0-16,0 1 0,-25-1 15,25 1-15,0-1 0,-24-24 16,24 24-16,0 1 16,-24-1-16,24 1 0,0-1 15,0 1 1,0-1-16,24 0 0,-24 1 16,24-1-1,-24 1-15,0-1 16,25 1-1,-25-1 1,0 0-16,-25 1 16,25-1-1,-24-24 1</inkml:trace>
+  <inkml:trace contextRef="#ctx0" brushRef="#br0" timeOffset="-176660.73">4643 12895 0,'0'-24'0,"-24"-1"15,0 1-15,-1 0 16,25-1-16,-24 25 0,-1-24 16,1 24-16,-1-25 15,1 25-15,0 0 0,-1 0 16,1 25-16,-1-1 0,1 1 15,-1-1-15,1 0 16,0 25-16,24 0 0,-25 0 16,25 0-16,0-25 0,0 25 15,0 0-15,25-25 16,-1 25-16,0-24 0,25-1 16,-24 0-16,24-24 15,-1 25-15,26-25 0,-25 0 16,-1-25-16,1 25 15,0-24-15,-24 0 0,-1 24 16,0-25-16,1 1 0</inkml:trace>
+  <inkml:trace contextRef="#ctx0" brushRef="#br0" timeOffset="-176042.73">4985 12773 0,'-24'0'0,"24"-24"16,-25 24-16,25 24 31,0 1-31,25-1 16,-25 0-16,0 1 15,24 24-15,-24-25 0,0 25 16,25-25-16,-25 1 16,24 24-16,-24-25 0,0 0 15,0 1-15,25-25 0,-25 24 16,0-48 15,-25-1-15,25 1-1,0-25-15,-24 0 0,24 1 16,-25-1-16,25 0 16,-24 0-16,24 0 0,0 0 15,0 0-15,0 1 16,24 23-16,1 1 0,-1-1 16,1 25-16,23 0 0,-23 0 15,24 0-15,-25 25 16,1-1-16,23 1 0,-23 23 15,-25-23-15,24-1 16,-24 1-16,0-1 0,0 1 16,0-1-16,-24 0 0,24 1 15,-49-25-15,25 24 16,-1-24-16,1 0 0,-1 0 16,1 0-16,-1 0 15,1 0-15,0 0 0,24-24 16,-25 24-16,25-25 0,25 25 31,-1-24-31</inkml:trace>
+  <inkml:trace contextRef="#ctx0" brushRef="#br0" timeOffset="-174548.73">5645 12700 0,'-25'0'0,"1"0"15,24 24 16,24 1-15,-24-1-16,25 1 16,-25-1-16,24 0 15,-24 1-15,0-1 0,25 25 16,-25-24-16,0-1 16,0 0-16,0 1 0,0-1 15,0 1-15,0-1 16,24 1-1,-24-50 1,0 1 0,0-1-16,0-24 15,0 25-15,0 0 0,0-25 16,0 0-16,0 0 16,-24 25-16,24-25 0,-25 0 15,25 24-15,0 1 16,-24 0-16,24-1 0,0 1 15,0-1-15,0 1 32,24 24-32,1 0 31,-25-25-31,24 25 62,-24-24-62,24 24 16,1 0-16,-1-24 16,1 24-16,-1 0 15,1 0 1,-1-25 0,-48 25 30,24 25-46,-25-1 94,1-24-63,24 24-15,-25-24 0,1 0-1,-1 0-15,25 25 16,-24-25-16,0 0 16,24 24-1,-25-24-15,25 25 31,0-1-15,0 1-16,25-25 0,-25 24 16,24 0-16,-24 1 15,24-1-15,-24 1 0,25 24 16,-25-25-16,0 0 16,24 25-16,-24-24 0,0-1 15,0 25-15,25-25 0,-25 1 16,0-1-16,24 1 15,1-1-15,-25 1 16,24-25-16,0 0 16,1 0-16,-1 0 0,1 0 15,-1 0-15,1 0 0,23-25 16,-23 25-16,-1-24 16,1-1-16,-1 25 0,0-24 15,1-1-15,-1 25 16,1-24-16,-25 0 0,24-1 15,-24 1-15,0-1 0,0 1 16,0-25-16,0 25 16,0-25-16,0 0 0,0 0 15,0 25-15,-24-25 0,24 0 16,0 24-16,0 1 16,-25 0-16,25-1 0,0 1 15,-24-1 1,-1 25-1,25-24 1,0 0 31,25 24-31,-25 24-1,0 0 1,24-24-16,-24 25 15,25-1 1</inkml:trace>
+  <inkml:trace contextRef="#ctx0" brushRef="#br0" timeOffset="-165630.73">3813 14898 0,'-24'24'16,"24"1"15,0-1-31,0 1 16,0-1-16,-25 0 16,25 1-16,0-1 0,0 1 15,0-1-15,0 25 0,25-25 16,-25 1-16,24-1 15,-24 25-15,0-24 0,24 23 16,-24-23-16,0-1 16,25 25-16,-25-24 0,0 23 15,0-23-15,0 24 0,0-25 16,0 1-16,0 23 16,0-23-16,0 24 0,0-25 15,0 0-15,0 1 16,0-1-16,0 1 0,0-1 15,0 1-15,0-1 0,0 0 16,24 1-16,-24-1 16,0 1-16,0-1 0,0 1 15,25-1-15,-25 0 16,0 1 0,0-1-16,24-24 15,-24 25-15,0-1 16,25-24-16,-25 24 15,24-24 1,-24 25-16,24-25 16,1 0-16,-1 0 15,1 0-15,-1 0 16,1 0-16,23 0 16,-23-25-16,-1 25 15,25 0-15,-25 0 0,25 0 16,25-24-16,-26 24 0,1 0 15,25 0-15,-1 0 16,0-24-16,0 24 0,1 0 16,-1 0-16,0 0 0,0 0 15,25 0-15,-25 0 16,1 0-16,-1 0 0,0-25 16,0 25-16,1 0 15,23 0-15,-23 0 0,-1 0 16,25-24-16,-25 24 0,0 0 15,25 0-15,0-25 16,-25 25-16,0 0 0,0 0 16,25-24-16,-25 24 15,-24 0-15,24 0 0,1 0 16,-1 0-16,-24 0 16,24 0-16,0-24 0,-24 24 15,25 0-15,-26 0 0,26 0 16,-25 0-16,-1 0 15,26 0-15,-26 0 0,1 0 16,0 0-16,-24 0 0,23 0 16,1 0-16,0 0 15,-24-25-15,23 25 0,-23 0 16,24 0-16,-25 0 16,0 0-16,1 0 0,-1 0 15,1 0-15,-1 0 0,1 0 16,-1 0-1,0 0-15,1 0 16,-1 0 0,-24-24-16,25 24 15,-1-25-15,1 1 32,-25-1-32,0 1 15,0 0 1,0-1-16,0 1 15,0-1-15,0 1 16,0-1-16,-25 1 16,25 0-16,0-25 0,0 24 15,0 1-15,0 0 16,0-1-16,0-24 0,0 25 16,0-1-16,0-23 0,0 23 15,0-24-15,0 25 16,0-25-16,0 25 0,0-25 15,0 24-15,0-24 16,0 25-16,0-25 0,0 25 16,0-25-16,0 24 0,0 1 15,0-25-15,0 25 16,-24-1-16,24 1 0,0 0 16,0-1-16,0 1 15,0-1 1,0 1-16,24-1 15,-24 1 1,0 0-16,0-1 16,-24 1-16,-1-1 15,25 1 1,-24-1-16,24 1 16,0 0-1,0-1 1,0 1-16,0-1 15,0 1 1,0 0 0,24-1-1,-24 1 1,0-1 0,0 1 15,0-1-16,0 1 1,0 0 0,0-1-1,0 1 1,0-1 0,0 1-16,25 24 0,-25-25 15,0 1-15,0 0 16,24 24-1,-24-25-15,0 1 16,0-1-16,0 1 16,0-1-1,-24 25 1,-1 0 0,1 0-1,-1 0-15,1 0 16,0 0-1,-1 0-15,1 0 32,-1 0-17,1 0 1,-1 0 0,1-24 15,0 24-16,-1 0 1,25-24 0,-24 24-16,-1 0 15,1 0-15,0 0 16,-1-25-16,1 25 0,-25 0 16,24 0-16,-23 0 15,23 0-15,-24 0 0,25 0 16,-25 0-16,25 0 0,-25-24 15,24 24-15,-23 0 16,23 0-16,1 0 0,-25 0 16,24 0-16,-23 0 0,23 0 15,1 0-15,-25 0 16,24 0-16,-23 0 0,-1 0 16,0 0-16,0 0 15,0 0-15,0 24 0,0-24 16,1 0-16,-26 0 15,26 0-15,-1 0 0,-25 0 16,26 0-16,-26 25 0,25-25 16,1 0-16,-26 0 15,26 0-15,-26 0 0,25 0 16,1 0-16,-26 0 0,25 0 16,1 0-16,-26 0 15,25 0-15,1 0 0,-1 24 16,0-24-16,0 0 15,0 0-15,0 0 0,25 24 16,-25-24-16,0 0 0,0 0 16,1 25-16,-1-25 15,0 0-15,0 0 0,0 0 16,0 0-16,25 24 16,-25-24-16,25 0 0,-25 0 15,24 0-15,-23 0 0,23 0 16,1 0-16,-1 0 15,-24 0-15,25 25 0,0-25 16,-1 0-16,1 0 16,-1 0-16,1 0 0,-1 24 15,-23-24-15,23 0 0,1 0 16,-1 0-16,1 0 16,-1 0-16,-23 0 0,23 25 15,1-25-15,-1 0 16,1 0-16,0 0 0,-1 0 15,1 0-15,-25 24 0,24-24 16,1 0-16,0 0 16,24 24-16,-25-24 0,1 0 15,-1 0-15,1 0 16,-1 25 0,1-25-1,0 0 1,-1 0-1,1 0 1,-1 0-16,1 0 16,0 0-1,-1 0 1,1 0 0,-1 0-1,25 24 173,0 1-173,25-25 1</inkml:trace>
+  <inkml:trace contextRef="#ctx0" brushRef="#br0" timeOffset="-163812.73">4253 14312 0,'0'24'94,"0"1"-78,0-1-1,0 0-15,0 1 0,0-1 16,0 1-16,0-1 16,0 25-16,24-25 0,-24 1 15,0-1-15,0 25 0,24-24 16,-24-1-16,0 0 16,0 1-16,0-1 0,0 1 15,0-1 1,0 1-1,25-25 1,-1 0 0,1-25-1,-1 25-15,1 0 16,-1 0 0,0 0-16,1 0 0,-1 0 15,1 0-15,-1 0 16,1 0-16,-1 0 0,25 0 15,-25 0-15,1 0 16,-1 0-16,1 0 0,-1 0 16,25 0-16,-25 0 0,1 0 15,-1 0 1,1 0-16,-1 0 0,0 0 16,1 0-16,-25-24 0,24 24 15,1 0-15,-25-25 16,24 25-16,-24-24 15,0-1 1,0 1 0,-24 24-16,24-24 15,-25-1 1,25 1-16,0-1 16,-24 1-16,24-1 15,0 1-15,0-25 0,0 25 16,0-1-16,0 1 0,0-1 15,-25 1-15,25 0 16,0-1-16,0 1 16,-24 24-1,24-25 17,0 1 30,-24 24-62,-1 0 31,1 0-31,-1 0 16,1 0 0,-25 0-16,25 0 0,-1 0 15,-24 0-15,0 0 0,1 0 16,-1 24-16,0-24 15,0 0-15,25 0 0,-25 25 16,24-25-16,1 0 16,-1 0-1</inkml:trace>
+  <inkml:trace contextRef="#ctx0" brushRef="#br0" timeOffset="-161928.73">6109 14165 0,'0'25'62,"0"-1"-46,0 1 0,0-1-16,0 0 0,24 1 15,-24-1-15,0 1 0,25-1 16,-25 25-16,0-25 16,0 1-16,0-1 0,24 1 15,-24-1-15,0 0 16,0 1-16,0-1 0,24-24 15,-24 25-15,25-25 79,-1 0-48,1 0-31,-1 0 15,1 0-15,-1 0 16,0-25 0,1 25-16,-1 0 15,1 0-15,-1 0 16,1 0-16,-1 0 0,0 0 16,1 0-16,24 0 0,-25 0 15,1 0-15,-1 0 16,0 0-16,25-24 0,-24 24 15,-1 0-15,25 0 16,-25 0-16,25 0 0,-24-25 16,23 25-16,1 0 0,0 0 15,-24 0-15,23 0 16,1-24-16,0 24 0,0 0 16,-25 0-16,25 0 15,-24 0-15,23 0 0,-23 0 16,-1 0-16,1 0 15,-25-24 17,0-1-1,-25 25-15,25-24-16,0-1 15,-24 25-15,24-24 16,0 0-1,-25 24-15,25-25 0,-24 1 16,24-1-16,0 1 16,-24-1-1,24 1-15,0 0 0,0-1 16,-25 25 0,25-24-16,0-1 15,0 1 32,0-1-16,0 1 1,-24 24-17,24-24 1,-25 24-16,1 0 15,0 0 1,-1 0-16,1 0 16,-1 0-16,1 0 0,-25 0 15,25 0-15,-25 0 0,0 0 16,0 0-16,0 0 16,0 0-16,1 0 0,-1 0 15,0 0-15,0 24 16,0-24-16,0 0 0,0 0 15,25 0-15,-25 0 16,25 0-16,-1 0 0,-24 0 16,25 0-16,0 0 0,-25 0 15,24 24-15,1-24 16,-1 0-16,1 0 0,0 0 16,-1 0-16,1 0 15,-1 0-15,1 0 16,0 0 15</inkml:trace>
+  <inkml:trace contextRef="#ctx0" brushRef="#br0" timeOffset="-160206.73">4521 15484 0,'0'-24'16,"0"-1"-1,25 25 1,-25-24 0,0 48 15,0 1-16,0-1-15,0 25 16,0-25-16,0 1 0,0 24 16,0-25-16,0 25 15,24-25-15,-24 25 0,0-24 16,25-1-16,-25 25 0,0-25 16,24 1-16,-24-1 15,0 1-15,24-1 0,-24 0 16,0 1-16,25-25 15,-25 24-15,24-24 79,1-24-64,-1 24 1,1 0-16,-1-25 15,0 25-15,25 0 0,0-24 16,0 24-16,0 0 16,0-24-16,24 24 0,-24 0 15,24 0-15,-24 0 0,0-25 16,24 25-16,-49 0 16,25 0-16,-24 0 0,24 0 15,-25 0-15,0 0 16,1 0-16,-1-24 15,1 24 1,-25-25 0,24 25-16,-24-24 15,0-1 1,0 1 0,0 0-1,-24-1-15,24 1 16,-25-1-16,25-23 15,0 23-15,0 1 16,-24-25-16,24 24 0,0 1 16,0-25-16,0 25 0,0-1 15,0 1-15,0-1 16,0 1-16,0 0 0,0-1 16,0 1-16,0-1 31,-25 25 63,1 0-79,0 0 1,-1 0-16,1 0 0,-1 0 15,-24 0-15,25 0 16,-25 0-16,0 0 0,0 0 16,-24 0-16,24 0 15,-24 25-15,24-25 0,0 0 16,-24 0-16,24 0 16,0 0-16,1 0 0,-1 0 15,0 0-15,0 0 0,25 0 16,-1 0-16,1 0 15,-1 0-15,1 0 0,-1 0 16,25 24 15,-24-24-15,24 25 0,-24-1-1,48-24 1</inkml:trace>
+  <inkml:trace contextRef="#ctx0" brushRef="#br0" timeOffset="-158688.73">6158 15289 0,'0'-25'0,"0"1"15,24 24-15,-24-25 16,0 1 0,0 48 15,0 1-15,0-1-1,25 25-15,-25-24 0,24 23 16,-24-23-16,24 24 15,-24 0-15,25-25 0,-25 25 16,24-25-16,-24 1 0,25-1 16,-25 25-16,24-25 15,-24 1-15,0-1 16,0 1-16,0-1 16,0 0-1,24-24 16,1 0 1,-1 0-17,1 0-15,-1 0 16,1 0 0,-1 0-16,25 0 15,-25 0-15,1-24 0,-1 24 16,25 0-16,-25 0 15,25-24-15,0 24 0,0 0 16,0-25-16,24 25 16,-24 0-16,24-24 0,0 24 15,1 0-15,-1 0 0,0-25 16,1 25-16,-26 0 16,26 0-16,-26 0 0,1 0 15,0 0-15,0 0 16,-25 0-16,1 0 0,-1 0 15,1 0-15,-1 0 0,1 0 32,-25-24-32,0 0 47,0-1-47,-25 1 15,25-25 1,-24 24-16,24 1 15,-25 0-15,1-25 0,24 24 16,-25-24-16,1 1 16,0-1-16,24 24 0,-25-24 15,25 1-15,-24 23 16,-1-24-16,25 25 0,-24-1 16,24 1-16,-25 0 15,25-1-15,0 1 16,-24 24-16,24-25 15,0 50 48,-24-25-32,-1 24-31,1-24 16,-1 0-16,1 0 0,0 25 15,-1-25-15,-24 0 16,25 0-16,-25 0 0,0 24 16,0-24-16,0 0 15,-24 0-15,24 0 0,-24 0 16,24 0-16,-24 0 0,0 0 16,24 0-16,-24 0 15,24 0-15,0 0 0,-24 0 16,24 0-16,0 0 15,0 0-15,25 0 0,-25 24 16,24-24-16,-23 0 0,23 25 16,1-25-16,-1 24 15,1 1 1,24-1 0,24-24 15</inkml:trace>
+  <inkml:trace contextRef="#ctx0" brushRef="#br0" timeOffset="-157966.73">4497 14507 0,'-25'0'31,"1"0"-31,24 25 0,-24-25 16,-1 0-16,25 24 15,-24 0-15,24 1 16,-25-25-16,25 24 0,0 1 16,25-25-1,-1 24-15,1-24 16,-1 0-16,0 0 16,1 0-16,-1 0 0,1 0 15,-1 0-15</inkml:trace>
+  <inkml:trace contextRef="#ctx0" brushRef="#br0" timeOffset="-157733.73">4717 14532 0,'24'24'63,"-24"0"-63,0 1 15,25-1 1,-25 1-16,24-1 16,-24 1-16</inkml:trace>
+  <inkml:trace contextRef="#ctx0" brushRef="#br0" timeOffset="-157103.73">6573 14385 0,'0'-24'0,"-25"24"15,25-25-15,-24 25 16,24-24 0,-24 24-1,24 24 1,-25-24-1,25 25-15,-24-1 16,24 1-16,0-1 16,0 0-16,24-24 15,1 25-15,-1-25 16,25 0-16,-25 0 16,25 0-16,-24 0 0</inkml:trace>
+  <inkml:trace contextRef="#ctx0" brushRef="#br0" timeOffset="-156761.73">6817 14312 0,'-24'0'0,"24"-25"16,24 1-1,0 24 1,1-24-16,-1 24 16,1 0-16,-1 0 0,1 0 15,-1 0 1,-24 24-16,0 0 0,-24 1 16,-1-1-16,1 1 15,-1-1-15,1 1 16,24-1-16,-25-24 0,25 24 15,25-24-15,-1 0 16,1 25-16,24-25 0,24 0 16,0 0-16,0-25 0,1 25 15,23-24-15</inkml:trace>
+  <inkml:trace contextRef="#ctx0" brushRef="#br0" timeOffset="-155837.73">4814 15533 0,'25'0'0,"-25"24"47,-25-24-47,25 25 15,-24-1-15,24 1 16,-24-1-16,24 0 16,0 1-16,0-1 15,0 1-15,24-1 16,0-24-16,1 25 0,-1-25 16,1 0-16,23 0 15,-23-25-15,24 25 0</inkml:trace>
+  <inkml:trace contextRef="#ctx0" brushRef="#br0" timeOffset="-155406.73">5083 15606 0,'0'-24'15,"24"-1"16,1 1-31,-1 0 16,1 24 0,-1-25-16,1 25 15,-1 0 1,-24 25 0,0-1-16,-24 0 15,24 1 1,-25-25-16,25 24 15,0 1-15,25-25 16,-1 24 0,0-24-16,1 0 15,-1 0-15,25 0 0,-24 25 16,-1-25-16,0 0 16,1 0-16,-1 24 0,1-24 15,-1 0-15,-24 24 16,-24-24-16,-1 25 15,1-25-15,-25 24 0,25-24 16,-25 0-16,0 0 16,24 0-16</inkml:trace>
+  <inkml:trace contextRef="#ctx0" brushRef="#br0" timeOffset="-154890.73">6695 15362 0,'-24'0'16,"24"-24"-16,-25 24 16,25-25-1,-24 25 1,-1 25 0,1-1-1,-1 0-15,25 1 0,-24-1 16,24 1-16,0-1 15,0 1-15,24-25 0,1 24 16,-1 0-16,1-24 16,24 0-16,-1 0 0,1 0 15,0 0-15</inkml:trace>
+  <inkml:trace contextRef="#ctx0" brushRef="#br0" timeOffset="-154457.73">6988 15240 0,'0'-25'16,"24"25"31,1 25-32,-1-1 1,-24 1-16,0-1 16,25-24-16,-25 25 15,24-25-15,-24 24 16,25-24-16,-1 0 16,0 0-1,1-24-15,-1-1 16,-24 1-16,25-1 15,-25 1-15,0-1 16,0 1-16,24 0 0,-24-1 16,25 25-1,-25 25-15,0-1 16,24 25-16,-24-25 0,24 50 16,1-26-16,-25 1 15,24 25-15,1-26 0,-25 26 16</inkml:trace>
+  <inkml:trace contextRef="#ctx0" brushRef="#br0" timeOffset="-140142.73">4570 16021 0,'0'-24'16,"-24"24"46,24 24-46,-25 1-16,-24-1 15,25 25-15,-25-24 16,0 23-16,-24-23 0,24 24 16,-24-25-16,0 25 15,24-25-15,-24 1 0,24-1 16,0 1-16,24-1 15,1-24-15,0 24 0,-1-24 16,1 25-16</inkml:trace>
+  <inkml:trace contextRef="#ctx0" brushRef="#br0" timeOffset="-139500.73">3373 16705 0,'-24'0'15,"0"0"1,-1 0-16,1 25 16,-1-25-16,1 24 0,-1 25 15,1-25-15,0 1 16,-1 24-16,1-25 0,24 0 15,0 25-15,24-24 16,1-1-16,-1-24 0,0 25 16,25-25-16,-24 24 0,24-24 15,-1 0-15,1-24 16,-24 24-16</inkml:trace>
+  <inkml:trace contextRef="#ctx0" brushRef="#br0" timeOffset="-138991.73">3618 16803 0,'-25'-24'16,"25"48"30,0 0-46,0 1 16,25-1-16,-25 1 0,0-1 16,0 1-16,24-1 15,-24 0-15,25 1 16,-25-1 0,0-48 15,0-1-16,-25 1-15,25 0 0,-24-1 16,24 1-16,0-1 16,-25-24-16,25 25 0,-24 0 15,24-25-15,0 24 0,0 1 16,0-1 0,24 25-16,1-24 0,-1 24 15,1 0-15,-1 24 16,0 1-1,-24-1-15,0 1 16,0-1 0,-24-24-16,0 25 0,-1-1 15,1-24 1,-1 0-16,25 24 0</inkml:trace>
+  <inkml:trace contextRef="#ctx0" brushRef="#br0" timeOffset="-138600.73">4008 16705 0,'-24'0'0,"0"0"16,-1 0-1,25 25 16,0-1-15,25 1-16,-25-1 16,0 0-16,24 1 0,0-1 15,-24 1-15,25-1 16,-1-24-16,1 25 16,-1-25-16,1-25 15,-1 25-15,-24-24 16,24-1-16,1 1 0,-25-1 15,0 1-15,0-25 16,0 25-16,0-1 0,0-24 16,0 25-16,0 0 15,-25-1-15,25 1 16,0 48 0,25-24-16,-25 25 15</inkml:trace>
+  <inkml:trace contextRef="#ctx0" brushRef="#br0" timeOffset="-137993.73">7110 15753 0,'0'24'16,"25"-24"-1,-1 0-15,0 25 0,1-1 16,24 0-16,-25 1 0,49-1 15,-24 1-15,0-1 16,0 25-16,0-25 0,-25 25 16,25-24-16,-25-1 15,1 25-15,-25-25 0,24 1 16,-24-1-16,0 1 0</inkml:trace>
+  <inkml:trace contextRef="#ctx0" brushRef="#br0" timeOffset="-137646.73">7916 16510 0,'25'-25'31,"-50"25"0,1 0-31,-1 25 16,1-25 0,-1 24-16,1 1 0,0-25 15,-1 24-15,25 25 0,0-25 16,0 1-16,0-1 15,25-24-15,-1 25 0,0-1 16,1-24-16,24 0 16,-25 0-16,25-24 0,0 24 15</inkml:trace>
+  <inkml:trace contextRef="#ctx0" brushRef="#br0" timeOffset="-137153.73">8136 16510 0,'24'0'31,"1"0"1,-1 24-17,-24 1 1,0-1-16,25-24 0,-25 25 15,0-1-15,0 0 16,0 1-16,24-1 0,-24 1 16,0-1-1,0-48 17,-24-1-32,24 1 15,-25-1-15,25 1 16,-24-25-16,24 25 0,0-1 15,0-24-15,0 25 16,0 0-16,0-1 0,24 1 16,1-1-16,-1 25 15,0 0-15,1 0 16,-25 25-16,24-25 0,1 24 16,-25 1-16,24-25 15,-24 24-15,0 0 0,-24-24 16,24 25-16,-25-25 0,1 24 15,-1-24-15,1 0 16,0 0-16</inkml:trace>
+  <inkml:trace contextRef="#ctx0" brushRef="#br0" timeOffset="-136781.73">8527 16412 0,'24'0'16,"1"0"-16,-25 25 47,0-1-31,0 0-16,0 1 15,0-1 1,24 1-16,0-1 0,-24 1 15,25-1-15,-1 0 0,1 1 16,-1-25-16,25 24 16,-25-24-16,25 0 0,0-24 15,-25 24-15,25-25 0,-24 1 16,-1 0-16,-24-1 16,0-24-16,0 25 0,0-25 15,-24 25-15,24-25 16,-25 0-16,-24 25 0,49-1 15,-24 1-15,0 24 0,-1-25 16,1 25 0</inkml:trace>
+  <inkml:trace contextRef="#ctx0" brushRef="#br0" timeOffset="-136002.73">7574 14507 0,'25'0'15,"-1"-24"1,25 24-16,0-25 16,24 25-16,0-24 0,1 24 15,23 0-15,1-25 16,-25 25-16,25 0 0,-25-24 15,0 24-15,1 0 0,-25 0 16,-1-24-16,-23 24 16,-50 0 15,1 0-31</inkml:trace>
+  <inkml:trace contextRef="#ctx0" brushRef="#br0" timeOffset="-135647.73">9357 14385 0,'0'-24'0,"-24"24"31,-1 0-15,1 0-16,-25 0 0,25 24 15,-25 0-15,24 1 16,-24-1-16,25 1 0,0-1 16,-1 1-16,1-1 15,24 0-15,0 1 0,24-1 16,1 1-16,-1-25 15,0 24-15,25-24 0,0 25 16,-24-25-16,23 0 0,1 0 16,0-25-16,0 25 15</inkml:trace>
+  <inkml:trace contextRef="#ctx0" brushRef="#br0" timeOffset="-135143.73">9504 14434 0,'24'0'15,"-24"24"17,0 1-17,0-1 1,0 1-1,0-1-15,0 0 0,0 1 16,24-1 0,-24 1-16,0-1 15,0-48 17,-24-1-17,24 1 1,-24-1-16,24 1 0,-25-25 15,1 25-15,24-1 0,-25-24 16,25 25-16,0-25 16,0 25-16,0-1 0,0 1 15,25 0-15,-1-1 16,1 1-16,-1 24 0,25-25 16,-25 25-16,25 0 0,-24 25 15,-1-1-15,0-24 16,1 25-16,-25-1 0,0 0 15,-25 1-15,25-1 0,-48-24 16,23 25-16,1-1 16,-25-24-16,24 24 0,1-24 15</inkml:trace>
+  <inkml:trace contextRef="#ctx0" brushRef="#br0" timeOffset="-134760.73">9870 14263 0,'24'0'16,"-24"-24"-16,0 48 47,0 0-32,0 1-15,25-1 16,-25 1-16,0 24 0,24-25 16,-24 25-16,25-25 15,-1 1-15,0-1 0,1-24 16,-1 24-16,1-24 0,24 0 16,-25 0-16,0 0 15,1 0-15,-1-24 0,1 0 16,-1-1-16,-24 1 15,0-1-15,0-23 0,0-1 16,0 24-16,-24-24 0,-1 1 16,1-1-16,-1 24 15,1 1-15,0-1 0</inkml:trace>
+  <inkml:trace contextRef="#ctx0" brushRef="#br0" timeOffset="-133889.73">4131 14580 0,'0'-24'16,"24"24"-1,-24-24 1,-24 24 0,-25-25-1,24 25-15,-24 0 0,1 0 16,-26 0-16,-23 0 16,23 25-16,-23-25 0,-25 0 15,24 0-15,0 0 0,0 24 16,25-24-16,0 0 15,24 0-15,0 0 0,0 0 16,25 0-16,0 0 16,-1 24-16</inkml:trace>
+  <inkml:trace contextRef="#ctx0" brushRef="#br0" timeOffset="-132539.73">27 13188 0,'-24'0'16,"24"-24"0,24 24 46,-24 24-62,0 1 16,25-1-16,-25 1 15,24 23-15,-24 1 0,25 0 16,-1 0-16,-24 0 16,25 0-16,-1 24 0,0-24 15,-24-25-15,25 25 16,-25-25-16,24 25 0,-24-24 15,25-25 17,-25-25-32,24 1 15,1-1-15,-25 1 16,24 0-16,0-1 16,1 1-16,-1 24 15,-24-25-15,25 25 16,-1 0-16,1 0 15,-1 0-15,0 0 0,1 0 16,-1 0-16,1 0 16,-1 0-16,0 0 0,1 0 15,-1 0 1,-24-24-16,0 0 16,0-1-1,0 1-15,-24-1 0,-1 1 16,25-1-16,-24-23 0,0 23 15,-1 1-15,1-25 16,24 24-16,-25 1 0,25 0 16,0-1-16,-24 1 15,24 48 1,0 1-16,24-1 16,-24 25-16,25 0 15,-25 0-15,24-1 0,-24 26 16,25-1-16,-1-24 0,0 0 15,1 24-15,-1-24 16,1 0-16,-1-25 0,1 25 16,-1-25-16,0 1 15,-24-1-15,25 1 0,-1-1 16,-24 0 0,25-24-1,-25-24 32</inkml:trace>
+  <inkml:trace contextRef="#ctx0" brushRef="#br0" timeOffset="-132048.73">1273 13433 0,'-24'0'0,"-1"0"0,25-25 15,-24 25-15,-1 0 16,1 0-16,0 25 0,-1-1 15,1 0-15,-1 1 16,25-1-16,-24 25 0,24-24 16,0 23-16,24 1 0,1-24 15,-1 24-15,1-25 16,23 0-16,1 1 0,24-1 16,-24-24-16,0 25 15,0-25-15,0 0 0,0-25 16,0 25-16,-25-24 0,0-1 15,1 1-15,-1 0 16,-24-1-16</inkml:trace>
+  <inkml:trace contextRef="#ctx0" brushRef="#br0" timeOffset="-131544.73">1664 13457 0,'0'-24'16,"0"-1"0,-25 25-1,25 25-15,0-1 16,0 0-16,25 1 0,-25-1 16,24 1-16,-24-1 15,25 25-15,-25-25 0,24 1 16,0-1-16,-24 1 15,0-1-15,25-24 0,-25 25 16,-25-50 0,1 1-1,0-1-15,24 1 16,-25-1-16,1-23 16,-1 23-16,1-24 0,0 0 15,-1 1-15,1-1 0,-1 0 16,25 0-16,0 0 15,25 25-15,-25-1 0,24 1 16,25-1-16,-25 25 16,25 0-16,-24 0 0,23 25 15,1-25-15,-24 24 0,-1 1 16,-24-1-16,0 1 16,0-1-16,0 0 0,-24 1 15,-1-1-15,1 1 0,-25-1 16,25 1-16,-1-25 15,1 24-15,-1-24 0,1 0 16</inkml:trace>
+  <inkml:trace contextRef="#ctx0" brushRef="#br0" timeOffset="-131123.73">2030 13213 0,'0'-25'16,"-24"25"0,-1 0 15,25 25-31,0-1 16,25 25-1,-25-25-15,24 25 0,-24 0 16,25 0-16,-25 0 0,24-25 15,-24 25-15,24-24 16,1 23-16,-25-23 0,24-25 16,1 24-16,-1-24 15,1-24-15,-1-1 16,0 1-16,1-25 0,-1 0 16,-24 0-16,25 1 15,-25-1-15,0 0 0,0 0 16,0 0-16,-25 25 15,25-25-15,0 24 0,-24 1 16,24 0-16,-25 24 16,25 24-1,25-24-15,-25 24 16,24 1-16</inkml:trace>
+  <inkml:trace contextRef="#ctx0" brushRef="#br0" timeOffset="-130476.73">2787 13701 0,'-24'-24'16,"24"-1"-16,-25 1 15,25 0-15,-24-1 16,24 1-16,0-1 16,0 1-16,24 24 31,1 0-31,-1 0 16,1 24-16,24 1 0,-1-25 15,1 49-15,0-25 16,24 25-16,-24-25 0,0 25 15,24-25-15,-24 25 16,0-24-16,0-1 0,-25 1 16,25-1-16,-24 0 0,-25 1 15,24-25-15,-24-25 47</inkml:trace>
+  <inkml:trace contextRef="#ctx0" brushRef="#br0" timeOffset="-130133.73">3447 13774 0,'0'-24'32,"0"0"-17,24 24 1,1 0-1,-25 24-15,24 0 16,-24 1-16,0-1 16,24 1-16,-24-1 15,0 1-15,25-1 0,-25 0 16,0 1 0,0-1-16,0 1 15,-25-25 16,1 0-31,0 24 0,-1-24 16,1 0-16,-25 0 16,24 25-16,-23-25 0,-1 24 15,0 0-15,24 1 0</inkml:trace>
+  <inkml:trace contextRef="#ctx0" brushRef="#br0" timeOffset="-128820.73">1566 14849 0,'-24'0'16,"-1"0"-1,1 0-15,-1 0 16,-23 0-16,23 0 15,-24 25-15,25-1 0,-25 0 16,25 1-16,-1-1 0,1 25 16,24 0-16,0 0 15,0-25-15,24 25 0,1-25 16,-1 1-16,0-1 16,25-24-16,0 0 0,0 0 15,0 0-15,0 0 0,0-24 16,24-1-16,-49 1 15</inkml:trace>
+  <inkml:trace contextRef="#ctx0" brushRef="#br0" timeOffset="-128279.73">1908 14849 0,'-24'0'32,"24"25"-1,0-1-31,24 0 0,-24 1 15,24-1-15,-24 25 0,25-24 16,-25-1-16,24 25 16,-24-25-16,0 1 0,25 23 15,-25-23 1,-25-50 0,25 1-1,-24 0-15,24-1 16,-25-24-16,1 1 0,24 23 15,-24-24-15,-1 0 0,25 1 16,0-1-16,0 0 16,0 24-16,0 1 0,25 24 15,-1-24-15,0 24 16,1 0-16,-1 0 0,1 24 16,-1-24-16,1 24 15,-1 1-15,-24-1 0,0 1 16,0-1-16,-24 1 15,-1-25-15,25 24 16,-24-24-16,-1 24 0,1-24 16</inkml:trace>
+  <inkml:trace contextRef="#ctx0" brushRef="#br0" timeOffset="-127920.73">2323 14776 0,'0'-25'15,"0"50"17,0-1-17,0 1-15,0-1 0,25 1 16,-25-1-16,24 25 15,-24-25-15,25 25 0,-1-24 16,-24-1-16,24 25 0,1-49 16,-1 24-16,1-24 15,-1-24-15,0-1 0,1 1 16,-1 0-16,1-25 16,-1 24-16,-24-24 0,0 1 15,0-1-15,-24 0 0,-1 0 16,1 25-16,-1-25 15,1 24-15,0 25 0,-1 0 16</inkml:trace>
+  <inkml:trace contextRef="#ctx0" brushRef="#br0" timeOffset="-119319.73">11067 10648 0,'0'25'15,"0"-1"-15,0 1 0,0 23 16,0 1-16,0 0 15,0 0-15,24 0 0,-24 24 16,0-24-16,0 24 16,0 0-16,0 1 0,0-1 15,25 0-15,-25 1 0,0-1 16,0 25-16,-25-25 16,25 25-16,-24-25 0,24 24 15,0-23-15,-25 23 16,25-23-16,0-1 0,0 0 15,0 0-15,0 1 0,0-25 16,0-1-16,25 1 16,-25-24-16,24 24 0,-24-25 15,25 25-15,-25-25 16,0 1-16,24-25 0,-24 24 16,0 1-16,24-25 15,-24 24-15,0 0 31,0 1 1,25-25-1,-1 24-15,1-24-1,-1 0-15,0 0 0,1 0 16,24 0-16,0-24 0,-1 24 15,26 0-15,-1-25 16,0 25-16,1 0 0,-1-24 16,0 24-16,25 0 15,-1-24-15,-23 24 0,23 0 16,1 0-16,0-25 0,-1 25 16,-23 0-16,23 0 15,-23 0-15,-1-24 0,0 24 16,-24 0-16,0 0 0,-25 0 15,25 0-15,-24-25 16,-25 1 15,0-1-15,0 1 0,0 0-1,0-1-15,0 1 16,-25-1-16,25 1 15,0-25-15,-24 0 0,24 0 16,0 0-16,0 1 0,-25-26 16,25 1-16,-24 0 15,24-25-15,0 25 0,-24-25 16,24 25-16,0 0 16,-25-25-16,25 25 0,-24-1 15,24 1-15,-25 0 0,25 0 16,0-1-16,-24 1 15,24 24-15,0-24 0,-25 24 16,25 0-16,0 0 16,0 1-16,-24-1 0,24 0 15,0 0-15,-24 0 0,24 0 16,-25 1-16,25-1 16,-24 24-16,24-24 0,-25 25 15,25-25-15,-24 25 16,24-1-16,0-24 0,0 25 15,-25 0-15,25-1 16,-24 1-16,24-1 16,-24 1-1,24-1 1,-25 1 0,25 0-1,0-1 1,0 1-1,-24 24-15,24-25 0,0 1 16,0-1 0,0 1-16,0 0 15,-25 24 32,1 0-16,-1 0-15,1 0-16,0 0 0,-1 0 16,-24 0-16,25 0 0,-25 24 15,0-24-15,25 0 16,-25 24-16,-24-24 0,24 25 16,0-25-16,0 0 15,-24 24-15,24-24 0,0 25 16,0-25-16,-24 0 0,24 0 15,0 0-15,1 24 16,23-24-16,-24 0 0,0 0 16,25 0-16,0 0 15,-1 0-15,1 0 0,-1 0 16,1 0-16,-1 0 0,1 0 16,0 25-1,-1-25-15,1 0 0,-1 24 16,1-24-1,0 24 1,24 1-16,-25-25 16,25 24-16,0 1 15,-24-1-15,24 1 0,0-1 16,-25 25-16,25-25 16,-24 25-16,24 0 0,-25-25 15,1 25-15,24 0 0,-24 0 16,24-25-16,0 25 15,-25-24-15,25 23 0,0 1 16,25 0-16,-25-24 16,24 23-16,0 1 0,-24-24 15,25-1-15,-1 25 0,-24-25 16,25 1-16,-1-1 16,-24 1-16,25-25 15,-25 24-15</inkml:trace>
+  <inkml:trace contextRef="#ctx0" brushRef="#br0" timeOffset="-118753.73">11067 10795 0,'0'-25'16,"24"25"0,1 0-16,23-24 15,-23 24-15,48-24 0,-24-1 16,49 25-16,-25-24 0,25-1 16,24 1-16,0 0 15,0-1-15,0 1 0,0-1 16,0 1-16,-24-1 15,0 25-15,-1-24 0,-48 24 16,0 0-16,0-24 0,-25 24 16,-48 24-1,-1-24 1</inkml:trace>
+  <inkml:trace contextRef="#ctx0" brushRef="#br0" timeOffset="-118135.73">11091 11259 0,'-24'0'16,"-1"0"-1,50 0 1,-1 0-1,25 0-15,0 0 16,0 0-16,-1-25 0,26 25 16,23-24-16,-23 24 15,23-24-15,1 24 0,0-25 16,0 25-16,-1-24 0,1-1 16,0 1-16,-1 0 15,1-1-15,0 25 0,-25-24 16,0-1-16,-24 25 0,0 0 15,0-24-15,-25 24 16,1 0-16</inkml:trace>
+  <inkml:trace contextRef="#ctx0" brushRef="#br0" timeOffset="-117488.73">11140 11821 0,'-24'0'31,"48"0"0,0 0-31,1-25 16,-1 25-16,25 0 0,24-24 15,1 24-15,-1-25 16,49 1-16,-24 24 0,24-24 16,24-1-16,-24-24 15,25 49-15,-25-24 0,0-1 16,-24 25-16,0-24 0,-1 24 15,-23 0-15,-26 0 16,26 0-16,-50 0 0,1 0 16,-1 0-16,0 0 0,1 0 15,-25-24 1</inkml:trace>
+  <inkml:trace contextRef="#ctx0" brushRef="#br0" timeOffset="-117008.73">11042 12334 0,'-24'0'0,"24"24"0,-25-24 15,50 0 1,-1 0-16,1 0 16,-1 0-16,1 0 15,23 0-15,1-24 0,25 24 16,-1 0-16,24-25 16,1 25-16,24-24 0,25-1 15,24 1-15,0-1 16,0 1-16,0 0 0,-25-1 15,25 1-15,-24-1 0,-25 25 16,-25-24-16,-23 24 16,-1-25-16,-24 25 0,-25 0 15,1-24-15</inkml:trace>
+  <inkml:trace contextRef="#ctx0" brushRef="#br0" timeOffset="-116000.73">11189 10184 0,'-25'-24'16,"25"-1"-16,0 1 15,0 0 1,25 24-1,-1-25-15,1 25 16,-1 0-16,0 0 16,1 0-16,-1 0 0,1 0 15,-1 0-15,-24 25 16,25-25-16,-25 24 0,0 0 16,0 1-16,-25-1 15,1 1 1,-1-1-16,25 1 0,-24-25 15,24 24-15,-25-24 16,25 24-16,0 1 31,25-25-15,-1 0-16,1 0 16,-1 24-16,1-24 0,-1 0 15,0 25-15,1-25 16,-25 24-16,0 1 15,0-1 1,-25-24-16,1 24 0,0 1 16,-1-25-16,1 24 15,-1-24-15,1 0 0,-1 0 16</inkml:trace>
+  <inkml:trace contextRef="#ctx0" brushRef="#br0" timeOffset="-115646.73">11824 10184 0,'-25'0'0,"1"0"0,-25 0 16,25 0-1,-1 25-15,1-1 16,24 1-16,-25-25 15,25 24-15,0 0 0,0 1 16,25-1-16,-25 1 0,24-1 16,1 1-1,-1-25-15,1 0 0,-1-25 16,0 25 0,-24-24-16,25-1 0,-25 1 15,24-1-15,-24 1 0,0 0 16,0-1-16,-24 1 15,-1-1-15,25 1 0,-24 24 16,0-25-16,-1 25 16,1 0-16,-1 0 15</inkml:trace>
+  <inkml:trace contextRef="#ctx0" brushRef="#br0" timeOffset="-115298.73">12117 10087 0,'0'24'32,"-25"-24"-32,25 24 0,-24-24 15,24 25-15,0-1 16,0 1-16,0-1 0,0 1 15,0-1-15,0 0 0,24 1 16,-24-1-16,25-24 16,-1 0-16,1 0 0,-1 0 15,1-24-15,-1 24 16,-24-25-16,24 1 0,-24 0 16,0-1-16,0 1 15,0-1-15,-24 1 16,0 24-16,-1-25 0,1 25 15,-1 0-15,1 25 16,-25-1-16</inkml:trace>
+  <inkml:trace contextRef="#ctx0" brushRef="#br0" timeOffset="-114763.73">11555 10844 0,'-24'0'16,"24"-25"-16,0 50 47,24-25-47,-24 24 16,0 1-16,0-1 15,25 0-15,-25 1 0,0-1 16,24-24-1,0 0-15,1 0 16,-1 0 0,1-24-16,-1-1 0,1 25 15,-1-24-15,-24 0 0,24 24 16,1-25-16,-25 1 16,24 24-16,-24 24 31,0 1-16,0-1-15,0 0 0,0 1 16,0-1-16,0 1 16,0-1-16,0 1 0,25-1 15</inkml:trace>
+  <inkml:trace contextRef="#ctx0" brushRef="#br0" timeOffset="-114415.73">12092 10844 0,'0'-25'0,"-24"25"15,0 0 1,-1 0-16,25 25 16,-24-25-16,24 24 15,0 1-15,-25-25 0,25 24 16,0 0-16,25-24 0,-25 25 15,24-25-15,1 24 16,-1-24-16,0 0 16,1 0-16,-1-24 15,-24-1 1,25 1-16,-25 0 16,0-1-1,-25 1-15,1-1 16,-1 25-16,1 0 15,0 25 1</inkml:trace>
+  <inkml:trace contextRef="#ctx0" brushRef="#br0" timeOffset="-114067.73">12337 10770 0,'-25'0'16,"1"0"0,-1 0-1,25 25-15,-24-1 16,24 1 0,0-1-16,0 1 0,24-1 15,-24 0-15,25 1 0,-1-1 16,1-24-1,-1 0-15,1 0 16,-25-24-16,24 24 16,0-25-16,-24 1 0,25 0 15,-25-1-15,0 1 0,0-25 16,0 24-16,-25 25 16,1-24-16,0 0 0,-1 24 15,1 0-15,-1 0 16,-24 24-16,25 0 0,0 1 15</inkml:trace>
+  <inkml:trace contextRef="#ctx0" brushRef="#br0" timeOffset="-113480.73">11824 11283 0,'0'-24'16,"-25"24"-16,25-25 15,0 1-15,-24 24 16,24-24-16,-24 24 16,-1 0-1,1 0-15,24 24 16,-25-24-16,1 24 0,-1 1 15,25-1-15,-24 1 16,24-1-16,0 1 16,0-1-1,24-24-15,1 0 16,-25-24-16,24 24 0,1-25 16,-1 25-16,1-24 15,-1 24-15,0-25 0,1 25 31,-25 25-31,0-1 16,0 1-16,0-1 16,0 0-1,0 1-15,0-1 0,0 1 16,0-1-16,0 1 16,24-25-16</inkml:trace>
+  <inkml:trace contextRef="#ctx0" brushRef="#br0" timeOffset="-112813.73">12166 11308 0,'-25'-25'16,"1"25"-1,-1 0-15,1 0 16,0 0-16,24 25 0,-25-25 15,1 24-15,24 1 16,-25-1-16,25 0 16,0 1-16,25-1 15,-25 1-15,24-25 16,1 24-16,-1-24 16,0-24-1,1 24-15,-25-25 16,24 25-16,-24-24 0,25-1 15,-25 1 1,0 0 0,-25 24-16,25-25 0,-24 25 15,24-24 1,24 24 15,1 0-15,-1 0-16,1-25 15,-1 25-15,0 0 16,1 0-16,-1 0 16,-24 25-16,0-1 15,0 1 1,0-1-16,0 0 16,0 1-16,0-1 15,25 1-15,-1-1 16,1-24-1,-1 0-15,0 0 16,1-24-16,-1 24 16,1-25-16,-1 1 15,0-1-15,1 1 0,-25 0 16,0-1-16,0 1 0,0-1 16,-25 25-1,1 0-15,-25 0 0,25 0 16,-25 0-16,25 25 15,-25-1-15</inkml:trace>
+  <inkml:trace contextRef="#ctx0" brushRef="#br0" timeOffset="-112242.73">11799 12040 0,'0'-24'0,"-24"24"16,24-24-16,-24-1 16,24 1-16,0-1 15,24 1 1,0-1-16,1 1 15,-1 24-15,1 0 16,-1 0-16,0 24 16,-24 1-16,25-1 0,-25 1 15,0-1-15,-25 1 16,1 23-16,0-23 0,-1-1 16,1 1-16,-1-1 15,1 1-15,0-1 0,72-24 47,-23 0-47,24-24 0,-25 24 16,25-25-16,0 1 0,0 24 15,-1-25-15,-23 25 16,-1-24-16,1 24 0</inkml:trace>
+  <inkml:trace contextRef="#ctx0" brushRef="#br0" timeOffset="-111547.73">12166 11918 0,'0'-24'0,"0"-1"16,0 1 0,0 48 31,0 1-47,0-1 15,0 1-15,0-1 0,0 1 16,0-1-16,0 0 15,24 1-15,-24-1 16,25 1-16,-1-25 16,-24 24-16,24-24 15,1 0 1,-50-24 15,25-1-31,0 1 16,-24-1-16,24 1 15,0 0-15,0-1 0,0 1 16,24-1 0,-24 1-16,25 24 15,-25-25-15,24 25 0,1 0 16,-1 0-16,1 0 16,-1 0-16,0 0 15,1 0-15,-1 0 16,1 0-16,-1 0 31,-48 0 0,-1 25-15,25-1-16,-24 1 16,24-1-16,0 1 15,0-1 1,0 0-16,24 1 0,1-1 15,-1-24-15,0 0 16,1 0-16,-1 0 16,1 0-16,-1 0 0,1-24 15,-1-1-15,0 1 16,-24 0-16,25-1 0,-25 1 16,0-1-16,0-24 15,-25 25-15,1 0 0,0 24 16,-1-25-16,1 25 15,-25 25-15,24-1 16,1 0-16</inkml:trace>
+  <inkml:trace contextRef="#ctx0" brushRef="#br0" timeOffset="-111133.73">11799 12602 0,'0'-24'16,"-24"24"0,24 24-1,0 1 1,0-1-1,0 0-15,0 1 0,0-1 16,0 1-16,0-1 16,0 1-16,0-1 0,0 0 15,24 1-15</inkml:trace>
+  <inkml:trace contextRef="#ctx0" brushRef="#br0" timeOffset="-110701.73">12117 12553 0,'0'-24'0,"-25"0"31,25 48 0,-24 0-15,24 1-16,0-1 15,-24 1-15,24-1 16,0 0 0,0 1-1,24-25-15,-24 24 47,0 1-16,0-1-15,0 1 0,0-50 46,24 25-46</inkml:trace>
+  <inkml:trace contextRef="#ctx0" brushRef="#br0" timeOffset="-110408.73">12239 12553 0,'24'-24'0,"-24"48"31,-24 1-15,24-1-1,-24-24-15,-1 25 0,25-1 16,-24-24-16,24 24 0,-25 1 16,1-1-1,-1-24 1,50 0 0,-1 0-1,1-24 1,-1 24-16,1 0 0,-1 0 15,0 24-15,1 1 0,-1-25 16,25 24-16,-24 1 16,-1 23-16</inkml:trace>
+  <inkml:trace contextRef="#ctx0" brushRef="#br0" timeOffset="-107681.73">10578 10062 0,'-24'-24'0,"24"-1"16,0 1-1,-25 24 32,1 0-31,0 24-16,-1-24 0,1 25 15,-1-25 1,1 24-16,-1-24 0,1 0 16,24 25-16,-24-25 15,24 24-15,0 0 16,0 1-1,0-1 1,0 1 0,24-25-16,-24 24 15,0 1-15,0-1 16,0 0-16,0 1 0,0-1 16,0 25-16,0 0 15,0-25-15,0 25 0,0 0 16,0-25-16,0 25 0,0-24 15,0 24-15,0-25 16,0 0-16,24 1 0,-24-1 16,0 1-16,25-1 15,-25 1-15,0-1 16,0 0-16,0 1 0,0-1 16,0 1-1,0-1-15,0 1 16,24-25 31,1 0-32,-1 0-15,1-25 16,23 25-16,-23-24 16,24 24-16,-25-25 0,0 25 15,25 0-15,-49-24 0,25 24 16,-1 0-16,-48 24 15</inkml:trace>
+  <inkml:trace contextRef="#ctx0" brushRef="#br0" timeOffset="-106404.73">10652 11381 0,'-25'0'15,"1"0"1,-1 0 15,1 0-31,-1 0 16,1 0-16,0 0 15,-1 0 1,25 24-16,-24-24 16,24 25 15,0-1 0,0 1-15,0-1-1,24 1-15,-24-1 16,0 0-16,0 1 0,0-1 16,0 1-16,0-1 15,0 1-15,0-1 0,0 25 16,0-25-16,0 1 16,0-1-16,0 0 0,0 1 15,0-1-15,0 1 0,0-1 16,0 1-16,0-1 15,25 0-15,-25 1 0,24-1 16,-24 1 0,0-1-16,0 1 15,0-1-15,0 0 0,0 1 16,0-1 0,0 1-16,0-1 15,0 1 1,0-1-1,-24 0 1,24 1-16,0-1 16,0 1-16,0-1 15,0 1 1,0-1-16,0 0 31,0 1-31,0-1 16,0 1-1,0-1-15,0 0 16,0 1 0,0-1-16,0 1 15,0-1 1,0 1 0,0-1-1,0 0 1,24-24 31,0 0-32,1 0 1,-1 0-16,1 0 16,-1 0-16,1 0 15,-1 0-15,0 0 0,1 0 16,-1 0-1,1 0-15,-1 0 16</inkml:trace>
+  <inkml:trace contextRef="#ctx0" brushRef="#br0" timeOffset="-105816.73">10554 11992 0,'-25'0'16,"1"24"-1,0-24 1,-1 0-16,1 0 15,-25 24-15,24-24 16,-23 0-16,23 0 0,1 25 16,-25-25-16,24 0 0,-23 0 15,23 0-15,1 0 16,24 24-16,-25-24 0,1 0 31,-1 0-31</inkml:trace>
+  <inkml:trace contextRef="#ctx0" brushRef="#br0" timeOffset="-105246.73">10285 10746 0,'-24'0'0,"-1"0"15,1 0-15,-1 0 16,1 0-16,0 24 16,-25-24-16,24 25 0,-23-25 15,-1 0-15,0 24 16,24-24-16,-23 25 0,23-25 15,1 24-15,-1-24 16,25 25 0,25-1-1</inkml:trace>
+  <inkml:trace contextRef="#ctx0" brushRef="#br0" timeOffset="-103836.73">8624 10599 0,'-24'0'31,"0"0"-16,-1 0 1,1 0 0,-1 0-16,1 25 15,-1-1-15,1 1 0,0-1 16,-1 1-16,1-1 16,-1 0-16,25 25 0,0-24 15,0-1-15,0 25 0,0-25 16,25 1-16,-1-25 15,1 24-15,23-24 0,1 0 16,-24 0-16,24 0 16,-1 0-16,-23-24 0,-1 24 15,1-25-15,-1 25 0,1 0 16,-25-24 0</inkml:trace>
+  <inkml:trace contextRef="#ctx0" brushRef="#br0" timeOffset="-103445.73">9015 10526 0,'-24'0'0,"-1"-24"15,1 24 1,24-25 0,0 50 15,24-1-15,-24 1-16,0-1 15,0 0 1,0 1-16,25-1 0,-25 25 15,0-24-15,24-1 16,-24 0-16,25 1 0,-25 24 16,0-25-16,24 1 0,-24-1 15,0 0 1,0 1-16,24-25 16,-24-25 30</inkml:trace>
 </inkml:ink>
 </file>
 
@@ -3508,20 +3513,20 @@
   <inkml:trace contextRef="#ctx0" brushRef="#br0" timeOffset="2088">25327 1857 0,'0'-24'16,"0"-1"-16,0 1 16,0-1-1,0 50 1,-24-1-16,24 1 15,0-1-15,-25 0 16,25 1-16,0 24 0,0-25 16,0 1-16,0-1 15,0 0-15,0 1 0,25-1 16,-1-24 0,1 0-16,-1-24 15,0 24-15,1-25 0,-1 1 16,1 0-16,-1-1 0,1 1 15,-1-1-15,-24 1 16,24-1-16,-24 50 31,-24-1-31,0 25 0,24 0 16,-25 0-16,1 0 16,24 0-16,-25-1 0,25 1 15,0 0-15,0 0 0,0-25 16,0 1-16,0-1 15</inkml:trace>
   <inkml:trace contextRef="#ctx0" brushRef="#br0" timeOffset="2497">25791 2052 0,'0'25'16,"0"-1"15,-24-24-15,24 25-16,-25-25 15,25 24-15,0 1 0,-24-1 16,24 0 0,0 1-16,0-1 0,24 1 15,1-1 1,-1-24-16,1 0 15,-1 0-15,1-24 16,-1-1 0,-24 1-16,24-1 0,-24 1 15,0 0-15,0-1 16,0 1-16,0-1 0,-24 1 16,24-1-16,-24 1 15,24 48 16,-25-24-31,25 25 16,0-1-16,25-24 16</inkml:trace>
   <inkml:trace contextRef="#ctx0" brushRef="#br0" timeOffset="2820">26060 2101 0,'24'0'0,"-24"-24"16,25 24-16,-25-25 15,-25 50 17,1-1-17,24 1-15,-25-1 16,25 25-16,0-25 0,0 1 16,0-1-16,25 1 15,-1-1-15,-24 0 0,25 1 16,-1-25-16,1 0 0,-1 0 15,0 0-15,1-25 16,-1 1-16,1 0 0,-25-1 16,24-24-16,-24 1 15,0 23-15,-24-24 0,-1 0 16,1 25-16,-1 0 0,-48-1 16,24 25-16,0 0 15,-24 25-15,0-25 0</inkml:trace>
-  <inkml:trace contextRef="#ctx0" brushRef="#br0" timeOffset="365701">3835 1295 0,'24'-24'15,"1"24"16,-25-25-31,24 25 16,1 0-16,-1 0 16,-24 25-16,24-25 15,-24 24-15,25 1 0,-1-1 16,-24 25-16,0-25 16,0 1-16,25-1 0,-25 1 15,0-1-15</inkml:trace>
-  <inkml:trace contextRef="#ctx0" brushRef="#br0" timeOffset="365869">3908 1100 0,'-24'-49'0,"24"25"16,-25-1-16,25 1 0,-24-1 15,24 1-15,0 0 16,-25 24-16,50 0 15,-1 24 1,1 0 0</inkml:trace>
-  <inkml:trace contextRef="#ctx0" brushRef="#br0" timeOffset="366278">4201 1222 0,'-24'0'16,"24"-24"-1,24-1 1,1 25-16,-1 25 16,1-25-16,-1 24 15,0 0-15,1 1 16,-1-1-16,-24 1 0,0-1 15,0 1 1,0-1-16,-24-24 16,-1-24-1,25-1 1,0-24-16,0 25 0,0-1 16,0 1-16,25-25 15,-25 25-15,24-1 0,1 1 16,-1 24-16,0 0 0,1 0 15,-1 24-15,1-24 16,-1 49-16,1-24 0,23-1 16,-23 25-16,-1-25 15,-24 25-15,25-24 0,-25-1 16</inkml:trace>
-  <inkml:trace contextRef="#ctx0" brushRef="#br0" timeOffset="366739">5056 1198 0,'0'-25'0,"-24"25"16,24-24-16,-25-1 16,1 1-16,-1 24 15,1 0-15,-1 0 16,1 24-1,0 1-15,24-1 16,-25 1 0,25-1-16,0 0 0,25 1 15,-1-1 1,0-24-16,1 0 16,-1 0-16,1-24 15,-1-1-15,-24-23 16,25 23-1,-25 1-15,0-25 0,-25 25 16,25-25-16,-24 0 16,24 24-16,-25-23 0,25 23 15,0 1-15,-24 24 16,24 24-16,0 25 16,24-25-16,-24 1 15,25 24-15,-1 0 16,1-1-16,-1-23 0,0-1 15,1 25-15,-1-25 16,1 1-16,-25-1 0</inkml:trace>
-  <inkml:trace contextRef="#ctx0" brushRef="#br0" timeOffset="367123">5325 1222 0,'0'-24'15,"0"-1"1,0 1 0,0-1 15,24 25-31,1 0 16,-1-24-1,0 24-15,-24-24 0,25 24 16,-25-25-16,0 1 15,0-1 1,-25 1-16,1 24 0,0 0 16,-1-25-16,-24 25 15,25 0-15,-1 25 0,1-1 16,0 1-16,24-1 0,-25 1 16,25-1-16,0 25 15,25-25-15,-1 1 0,0-1 16,25 0-16,-24 1 15,-1-1-15,25-24 0,0 25 16,-25-25-16,25 0 0,-25 0 16</inkml:trace>
-  <inkml:trace contextRef="#ctx0" brushRef="#br0" timeOffset="367362">5618 1027 0,'-25'-25'0,"25"1"32,25 24-17,-1 24 1,1-24-16,-1 25 16,0-1-16,1 1 0,-1-1 15,1 0-15,-1 1 16,-24-1-16,25-24 15,-1 0 1</inkml:trace>
-  <inkml:trace contextRef="#ctx0" brushRef="#br0" timeOffset="367513">5789 929 0,'0'-24'0,"-25"-1"0,1 25 31,24 25-31,0-1 0,-25 0 15,25 25-15,0 0 0,0 0 16,0 0-16,0 0 16,0 24-16,0-24 0,0 0 15</inkml:trace>
-  <inkml:trace contextRef="#ctx0" brushRef="#br0" timeOffset="368443">147 1271 0,'-24'0'0,"24"-25"16,-25 1-16,50 24 31,-1 0-15,0 24-16,1-24 0,-1 25 15,-24-1-15,25 1 16,-1-1-16,-24 1 0,25-1 16,-25 0-16,0 1 15,0-1-15</inkml:trace>
-  <inkml:trace contextRef="#ctx0" brushRef="#br0" timeOffset="368610">49 978 0,'0'-25'0,"-24"25"0,24-24 16,-25 24-16,25-24 15</inkml:trace>
-  <inkml:trace contextRef="#ctx0" brushRef="#br0" timeOffset="369031">342 1149 0,'0'-25'16,"-24"25"-1,24-24-15,24 24 32,1 24-32,-1 1 15,1-1 1,-1 1-16,-24-1 0,24 0 15,-24 1-15,0-1 16,0 1 0,-24-25-16,24-25 15,-24 25-15,24-24 16,0-1-16,0 1 16,24 0-16,-24-25 0,24 24 15,-24 1-15,25-1 16,-1 1-16,1 24 0,-1-24 15,1 24-15,-25 24 16,24-24-16,0 24 0,1 1 16,-1-1-16,-24 1 0,25-1 15,-25 1-15,24-1 16,-24 0-16</inkml:trace>
-  <inkml:trace contextRef="#ctx0" brushRef="#br0" timeOffset="369487">1002 1100 0,'0'-24'0,"24"-1"15,-24 1 1,-24-1 0,-1 25-1,1 0-15,0 0 0,-1 0 16,1 0-16,-1 25 0,1-25 15,-1 24-15,1 1 16,24-1-16,-24-24 0,24 24 16,0 1-16,0-1 15,24-24-15,-24 25 0,24-25 16,1 0-16,-1 0 16,1 0-16,-1-25 15,1 25-15,-1-24 0,0-1 16,-24 1-16,25-25 15,-25 25-15,0-1 0,0-24 16,-25 25-16,25-25 0,-24 25 16,0-25-16,24 24 15,-25 1-15,25 0 0,0 48 32,0 25-32,25-25 15,-1 25-15,-24 0 0,24 0 16,1 0-16,-1 0 15,1-1-15,-1 1 0,1-24 16,-1-1-16</inkml:trace>
-  <inkml:trace contextRef="#ctx0" brushRef="#br0" timeOffset="369871">1246 1002 0,'-24'0'15,"-1"0"-15,25 25 0,-24-25 16,24 24 0,-25-24-16,50 0 31,-1 0-31,1-24 16,-1 24-16,0-25 0,1 25 15,-1 0-15,-24-24 16,0-1-16,0 1 15,0 0-15,-24 24 0,-1-25 16,1 25-16,0-24 16,-1 24-16,1 0 0,-1 0 15,1 0-15,-1 0 16,1 24-16,0 1 0,24-1 16,0 0-16,0 1 15,24-1-15,-24 1 0,24-1 16,25 25-16,-24-49 0,24 24 15,-25 1-15,25-25 16,0 0-16,0 0 0,-1-25 16</inkml:trace>
-  <inkml:trace contextRef="#ctx0" brushRef="#br0" timeOffset="370063">1490 856 0,'-24'-25'0,"-1"25"0,25-24 15,-24 24-15,48 0 16,1 24 0,-1 1-1,1-25-15,-1 24 0,25 1 16,0-1-16,-25-24 0,25 24 16,-24 1-16,-1-25 15,0 0-15</inkml:trace>
-  <inkml:trace contextRef="#ctx0" brushRef="#br0" timeOffset="370213">1734 782 0,'-24'-24'0,"0"0"15,24-1-15,-25 25 0,1 0 16,-1 0 0,25 25-16,0 23 0,0 1 15,-24 0-15,24 24 0,0 1 16,-24 23-16,24-23 15</inkml:trace>
+  <inkml:trace contextRef="#ctx0" brushRef="#br0" timeOffset="-63795.73">3835 1295 0,'24'-24'15,"1"24"16,-25-25-31,24 25 16,1 0-16,-1 0 16,-24 25-16,24-25 15,-24 24-15,25 1 0,-1-1 16,-24 25-16,0-25 16,0 1-16,25-1 0,-25 1 15,0-1-15</inkml:trace>
+  <inkml:trace contextRef="#ctx0" brushRef="#br0" timeOffset="-63627.73">3908 1100 0,'-24'-49'0,"24"25"16,-25-1-16,25 1 0,-24-1 15,24 1-15,0 0 16,-25 24-16,50 0 15,-1 24 1,1 0 0</inkml:trace>
+  <inkml:trace contextRef="#ctx0" brushRef="#br0" timeOffset="-63218.73">4201 1222 0,'-24'0'16,"24"-24"-1,24-1 1,1 25-16,-1 25 16,1-25-16,-1 24 15,0 0-15,1 1 16,-1-1-16,-24 1 0,0-1 15,0 1 1,0-1-16,-24-24 16,-1-24-1,25-1 1,0-24-16,0 25 0,0-1 16,0 1-16,25-25 15,-25 25-15,24-1 0,1 1 16,-1 24-16,0 0 0,1 0 15,-1 24-15,1-24 16,-1 49-16,1-24 0,23-1 16,-23 25-16,-1-25 15,-24 25-15,25-24 0,-25-1 16</inkml:trace>
+  <inkml:trace contextRef="#ctx0" brushRef="#br0" timeOffset="-62757.73">5056 1198 0,'0'-25'0,"-24"25"16,24-24-16,-25-1 16,1 1-16,-1 24 15,1 0-15,-1 0 16,1 24-1,0 1-15,24-1 16,-25 1 0,25-1-16,0 0 0,25 1 15,-1-1 1,0-24-16,1 0 16,-1 0-16,1-24 15,-1-1-15,-24-23 16,25 23-1,-25 1-15,0-25 0,-25 25 16,25-25-16,-24 0 16,24 24-16,-25-23 0,25 23 15,0 1-15,-24 24 16,24 24-16,0 25 16,24-25-16,-24 1 15,25 24-15,-1 0 16,1-1-16,-1-23 0,0-1 15,1 25-15,-1-25 16,1 1-16,-25-1 0</inkml:trace>
+  <inkml:trace contextRef="#ctx0" brushRef="#br0" timeOffset="-62373.73">5325 1222 0,'0'-24'15,"0"-1"1,0 1 0,0-1 15,24 25-31,1 0 16,-1-24-1,0 24-15,-24-24 0,25 24 16,-25-25-16,0 1 15,0-1 1,-25 1-16,1 24 0,0 0 16,-1-25-16,-24 25 15,25 0-15,-1 25 0,1-1 16,0 1-16,24-1 0,-25 1 16,25-1-16,0 25 15,25-25-15,-1 1 0,0-1 16,25 0-16,-24 1 15,-1-1-15,25-24 0,0 25 16,-25-25-16,25 0 0,-25 0 16</inkml:trace>
+  <inkml:trace contextRef="#ctx0" brushRef="#br0" timeOffset="-62134.73">5618 1027 0,'-25'-25'0,"25"1"32,25 24-17,-1 24 1,1-24-16,-1 25 16,0-1-16,1 1 0,-1-1 15,1 0-15,-1 1 16,-24-1-16,25-24 15,-1 0 1</inkml:trace>
+  <inkml:trace contextRef="#ctx0" brushRef="#br0" timeOffset="-61983.73">5789 929 0,'0'-24'0,"-25"-1"0,1 25 31,24 25-31,0-1 0,-25 0 15,25 25-15,0 0 0,0 0 16,0 0-16,0 0 16,0 24-16,0-24 0,0 0 15</inkml:trace>
+  <inkml:trace contextRef="#ctx0" brushRef="#br0" timeOffset="-61053.73">147 1271 0,'-24'0'0,"24"-25"16,-25 1-16,50 24 31,-1 0-15,0 24-16,1-24 0,-1 25 15,-24-1-15,25 1 16,-1-1-16,-24 1 0,25-1 16,-25 0-16,0 1 15,0-1-15</inkml:trace>
+  <inkml:trace contextRef="#ctx0" brushRef="#br0" timeOffset="-60886.73">49 978 0,'0'-25'0,"-24"25"0,24-24 16,-25 24-16,25-24 15</inkml:trace>
+  <inkml:trace contextRef="#ctx0" brushRef="#br0" timeOffset="-60465.73">342 1149 0,'0'-25'16,"-24"25"-1,24-24-15,24 24 32,1 24-32,-1 1 15,1-1 1,-1 1-16,-24-1 0,24 0 15,-24 1-15,0-1 16,0 1 0,-24-25-16,24-25 15,-24 25-15,24-24 16,0-1-16,0 1 16,24 0-16,-24-25 0,24 24 15,-24 1-15,25-1 16,-1 1-16,1 24 0,-1-24 15,1 24-15,-25 24 16,24-24-16,0 24 0,1 1 16,-1-1-16,-24 1 0,25-1 15,-25 1-15,24-1 16,-24 0-16</inkml:trace>
+  <inkml:trace contextRef="#ctx0" brushRef="#br0" timeOffset="-60009.73">1002 1100 0,'0'-24'0,"24"-1"15,-24 1 1,-24-1 0,-1 25-1,1 0-15,0 0 0,-1 0 16,1 0-16,-1 25 0,1-25 15,-1 24-15,1 1 16,24-1-16,-24-24 0,24 24 16,0 1-16,0-1 15,24-24-15,-24 25 0,24-25 16,1 0-16,-1 0 16,1 0-16,-1-25 15,1 25-15,-1-24 0,0-1 16,-24 1-16,25-25 15,-25 25-15,0-1 0,0-24 16,-25 25-16,25-25 0,-24 25 16,0-25-16,24 24 15,-25 1-15,25 0 0,0 48 32,0 25-32,25-25 15,-1 25-15,-24 0 0,24 0 16,1 0-16,-1 0 15,1-1-15,-1 1 0,1-24 16,-1-1-16</inkml:trace>
+  <inkml:trace contextRef="#ctx0" brushRef="#br0" timeOffset="-59625.73">1246 1002 0,'-24'0'15,"-1"0"-15,25 25 0,-24-25 16,24 24 0,-25-24-16,50 0 31,-1 0-31,1-24 16,-1 24-16,0-25 0,1 25 15,-1 0-15,-24-24 16,0-1-16,0 1 15,0 0-15,-24 24 0,-1-25 16,1 25-16,0-24 16,-1 24-16,1 0 0,-1 0 15,1 0-15,-1 0 16,1 24-16,0 1 0,24-1 16,0 0-16,0 1 15,24-1-15,-24 1 0,24-1 16,25 25-16,-24-49 0,24 24 15,-25 1-15,25-25 16,0 0-16,0 0 0,-1-25 16</inkml:trace>
+  <inkml:trace contextRef="#ctx0" brushRef="#br0" timeOffset="-59433.73">1490 856 0,'-24'-25'0,"-1"25"0,25-24 15,-24 24-15,48 0 16,1 24 0,-1 1-1,1-25-15,-1 24 0,25 1 16,0-1-16,-25-24 0,25 24 16,-24 1-16,-1-25 15,0 0-15</inkml:trace>
+  <inkml:trace contextRef="#ctx0" brushRef="#br0" timeOffset="-59283.73">1734 782 0,'-24'-24'0,"0"0"15,24-1-15,-25 25 0,1 0 16,-1 0 0,25 25-16,0 23 0,0 1 15,-24 0-15,24 24 0,0 1 16,-24 23-16,24-23 15</inkml:trace>
 </inkml:ink>
 </file>
 
@@ -3551,66 +3556,66 @@
   </inkml:definitions>
   <inkml:trace contextRef="#ctx0" brushRef="#br0">615 2222 0,'-25'24'0,"1"-24"15,24-24-15,0 0 16,-25 24 0,25-25-16,0 1 0,-24 24 15,0 0-15,-25 0 16,24 24-16,-24 1 15,1-1-15,-26 25 0,26 24 16,-1 0-16,0-24 16,0 49-16,25-25 0,-1 1 15,25-1-15,0-24 16,25 24-16,23-24 0,-23 0 16,24-1-16,24-23 0,-24-1 15,24-24-15,0 0 16,1 0-16</inkml:trace>
   <inkml:trace contextRef="#ctx0" brushRef="#br0" timeOffset="372">835 2759 0,'24'-24'16,"-24"0"-16,0-1 15,0 1 1,-24 24-1,-1 0 1,1 0-16,-1 24 16,1 1-16,24-1 15,0 0-15,-25 25 16,25-24-16,25-1 0,-1 25 16,1-25-16,-1 1 15,25-1-15,0-24 0,-25 0 16,25 0-16,0 0 0,0 0 15,-25-24-15,1-1 16,-1 1-16,-24-1 0,0 1 16,-24 0-16,24-25 0,-25 24 15,-24-23-15,25 23 16,-25 1-16,25-1 0,-1 1 16,1 24-16,-1 0 15</inkml:trace>
-  <inkml:trace contextRef="#ctx0" brushRef="#br0" timeOffset="-401217">6891 5959 0,'-24'24'15,"48"1"63,1-25-62,-1 0-16,25 0 0,-24 0 16,48 0-16,0 0 0,25 0 15,-1 0-15,26-25 16,23 25-16,1 0 0,24 0 15,0 0-15,-25 0 16,25-24-16,-24 24 0,-25 0 16,0 0-16,0-25 0,-49 25 15,25 0-15,-25 0 16,-24 0-16,24-24 0,-48 24 16,24 0-16,-25 0 15,0 0-15,-48 0 47,-25 0-47</inkml:trace>
-  <inkml:trace contextRef="#ctx0" brushRef="#br0" timeOffset="-400785">7746 5348 0,'-24'0'0,"-1"0"15,1 0 1,-25 0 0,25 25-16,-1-25 15,1 24-15,-1 0 16,1 1-16,0-1 0,24 1 15,0-1-15,0 25 0,0-25 16,24 1-16,0-1 16,1 1-16,24-1 0,0 1 15,-1-1-15,1-24 16,0 0-16,0 0 0,24-24 16</inkml:trace>
-  <inkml:trace contextRef="#ctx0" brushRef="#br0" timeOffset="-400323">8161 5446 0,'0'-25'0,"-24"25"16,24-24-16,24 0 15,1 24 1,-25-25-16,24 25 0,1-24 15,-1 24-15,25-25 16,-25 25-16,1 0 0,-1 0 16,1 0-16,-1 25 15,-24-1-15,0 1 16,0-1-16,-24 0 16,-1 1-16,1-1 15,-1 1-15,1-1 0,0-24 16,-1 25-16,1-1 0,-1-24 15,1 0 1,24 24-16,24-24 16,1 0-16,-1 0 15,1 25-15,23-25 0,-23 0 16,24 24-16,0-24 0,-25 25 16,0-25-16,1 24 15,-1 1-15,-24-1 0,0 0 16,-24 1-1,-25-25-15,25 24 0,-25-24 16,-25 0-16,26 0 0,-26 0 16,1 0-16</inkml:trace>
-  <inkml:trace contextRef="#ctx0" brushRef="#br0" timeOffset="-402722">6720 4738 0,'-24'24'0,"0"-24"16,-1 0-16,1 0 15,24 24-15,-25-24 0,25 25 32,25-25-32,-1 0 15,25 0-15,0 0 16,24 0-16,-24 0 0,49 0 16,-1 0-16,1-25 15,24 25-15,0-24 0,25 24 16,-25 0-16,25-24 0,-25 24 15,0 0-15,0 0 16,-24 0-16,-1-25 0,1 25 16,-25 0-16,0 0 0,1 0 15,-25 0-15,-1 0 16,-23 0-16,24 0 0,-25 0 16,1 0-16,-1 0 15,0 0-15,1-24 0,-1 24 16,-24-25-1,-24 25 1</inkml:trace>
-  <inkml:trace contextRef="#ctx0" brushRef="#br0" timeOffset="-402296">7331 4200 0,'0'-24'15,"0"-1"17,-24 25-17,-1 0-15,1 25 0,-1-25 16,1 24-16,0 1 16,-1-1-16,-24 1 0,25-1 15,24 0-15,-25 1 16,25-1-16,0 1 0,0-1 15,25 1-15,-1-1 0,25 0 16,-24-24-16,23 0 16,26 25-16,-26-25 0,26 0 15,-25-25-15,-1 25 0,1-24 16</inkml:trace>
-  <inkml:trace contextRef="#ctx0" brushRef="#br0" timeOffset="-401943">7673 4200 0,'24'0'31,"-24"-24"-31,25-1 16,-1 1-16,1 24 15,-1 0-15,0 0 16,1 0-16,24 0 0,-25 0 15,1 0-15,-25 24 16,24-24-16,-24 25 0,0 24 16,-24-25-16,-1 1 0,-24-1 15,25 25-15,-1-25 16,-23 1-16,23-1 0,1-24 16,24 25-16,24-25 15,1 24 1,23-24-16,26 0 0,-25 0 15,24 0-15,0 0 16,-24-24-16,24 24 0,-24 0 16,-24 0-16,-1 0 15</inkml:trace>
-  <inkml:trace contextRef="#ctx0" brushRef="#br0" timeOffset="-404134">6330 3565 0,'0'25'15,"0"-1"1,24-24-16,-24 25 0,25-25 16,-1 24-16,0-24 0,25 0 15,0 0-15,0 0 16,24 0-16,0 0 0,25 0 15,0 0-15,24 0 16,0 0-16,0-24 0,25 24 16,-1 0-16,1 0 15,-1-25-15,-24 25 0,1 0 16,-1 0-16,-25 0 0,1 0 16,-25 0-16,1 0 15,-1 0-15,0 0 0,-24 0 16,0 0-16,24 0 0,-48 0 15,23 0-15,-23 0 16,-1 0-16,1 0 0,-1 0 16,-24-24-1,25 24-15,-1 0 16,0 0-16,1 0 16,-25-25-1</inkml:trace>
-  <inkml:trace contextRef="#ctx0" brushRef="#br0" timeOffset="-403568">7062 2930 0,'-24'0'62,"0"0"-46,-1 25 0,1-25-16,-1 0 0,1 24 15,-1 1-15,1-1 16,0 0-16,-1 1 0,25-1 16,0 25-16,0-24 0,25-1 15,-1 0-15,0 1 16,1-1-16,24 1 0,0-25 15,-1 24-15,26-24 16,-26 0-16,1 0 0,0 0 16,-24 0-16,23-24 15</inkml:trace>
-  <inkml:trace contextRef="#ctx0" brushRef="#br0" timeOffset="-403328">7575 2955 0,'25'-25'0,"-1"1"31,-24 48 1,0 1-32,0 24 15,0-25-15,25 25 16,-25-25-16,0 25 15,24 0-15,-24 0 0,0 0 16,0-25-16,0 25 0,0-25 16</inkml:trace>
-  <inkml:trace contextRef="#ctx0" brushRef="#br0" timeOffset="-399399">7551 6545 0,'0'-24'15,"0"-1"-15,-25 1 32,1 24-32,0 0 0,-1 0 15,-24 24-15,25-24 0,-25 25 16,25-1-16,-1-24 15,-24 24-15,49 1 0,-24 24 16,24-25-16,0 0 16,0 1-16,24 24 0,1-25 15,-1 1-15,25-1 0,0-24 16,0 24-16,24-24 16,-24 0-16,0 0 0</inkml:trace>
-  <inkml:trace contextRef="#ctx0" brushRef="#br0" timeOffset="-398997">7795 6545 0,'0'-25'0,"24"25"0,-24-24 15,0 0 1,25 24-16,-25 24 15,-25 0 1,25 1 0,0-1-16,0 1 0,0-1 15,0 1-15,0-1 16,25-24-16,-1 24 0,1 1 16,-1-25-16,1 0 0,-1 0 15,25 0-15,-25-25 16,1 25-16,24-24 0,-25 0 15,-24-1-15,24 1 16,-24-1-16,25 1 0,-25-1 16,0 1-1,0 48 1,24 1-16,-24-1 0,0 1 16,0 24-16,0-1 15,0 1-15,25 0 0,-25 0 16,0 0-16</inkml:trace>
-  <inkml:trace contextRef="#ctx0" brushRef="#br0" timeOffset="-253057">5792 2784 0,'0'-25'15,"0"1"1,25 24 15,-25 24 0,0 1-31,0-1 16,0 1-16,0-1 0,0 0 16,0 25-16,0-24 0,-25 24 15,25-1-15</inkml:trace>
-  <inkml:trace contextRef="#ctx0" brushRef="#br0" timeOffset="-252265">5695 4176 0,'0'-25'16,"-25"25"-16,25-24 0,0 0 15,0-1-15,0 1 16,25-1-16,-25 1 16,24 24-16,1-24 0,-1 24 15,0-25-15,1 25 16,-1 0-16,-24 25 0,25-1 16,-25 0-16,0 25 15,0-24-15,-25-1 16,1 25-16,-1-25 0,1 1 15,-25-1-15,25 1 16,24-1-16,-25-24 0,25 24 16,25-24-16,24 25 15,-25-25 1,25 0-16,0 0 0,24 0 16,-24 0-16,24 0 15,0 0-15</inkml:trace>
-  <inkml:trace contextRef="#ctx0" brushRef="#br0" timeOffset="-251582">5695 4982 0,'-25'0'16,"25"-25"-16,-24 25 15,24-24 1,24 24-1,1 0-15,-1 0 16,1 0 0,-1 0-16,25 0 0,-25 0 15,1 0-15,-1 24 16,-24 1 0,0-1-16,-24 1 15,24-1-15,-25-24 16,1 25-16,-1-1 15,25 0-15,0 1 32,25-25-32,-1 0 15,1 24-15,23-24 16,-23 25-16,24-25 0,-25 24 16,25 1-16,-25-25 0,-24 24 15,0 0-15,0 1 16,-24-1-16,-25-24 15,0 25-15,-24-25 16,24 24-16,-24-24 0,0 0 16</inkml:trace>
-  <inkml:trace contextRef="#ctx0" brushRef="#br0" timeOffset="-250832">5792 6398 0,'-24'-24'16,"24"0"-16,0-1 16,-24 1-1,48 48 17,-24 1-32,24-1 15,-24 0-15,0 25 16,25-24-16,-25-1 0,24 1 15,1-1-15,-1-24 0,0 24 16,1-24-16,-1 0 16,1 0-16,-1 0 0,1-24 15,-1 0 1,0-1-16,-24 1 0,0-1 16,25 25-16,-25-24 0,0 48 31,0 25-16,0 0-15,0 24 16,0-24-16,0 24 0,0 25 16</inkml:trace>
-  <inkml:trace contextRef="#ctx0" brushRef="#br0" timeOffset="-250249">5890 7717 0,'-24'0'16,"24"-24"0,-25 24-16,25-25 15,0 1 1,-24 24-16,24 24 31,0 1-15,0-1-1,0 1-15,0-1 0,24 0 16,1 1-16,-1-1 16,1 25-16,-1-24 0,0-1 15,1 0-15,-1 1 0,1-1 16,-25 1-16,24-1 16,-24 1-16,-24-25 15,-1 0-15,1 0 16,-1 0-16</inkml:trace>
-  <inkml:trace contextRef="#ctx0" brushRef="#br0" timeOffset="-250106">5841 7815 0,'0'-25'0,"0"1"15,25 0-15,-1-1 16,1 1-16,23 24 0,1-25 16,-24 25-16,23 0 0,1-24 15,0 24-15,-24 0 16,23 0-16,-23 24 0,-25 1 15</inkml:trace>
-  <inkml:trace contextRef="#ctx0" brushRef="#br0" timeOffset="-249475">6012 8865 0,'0'-24'0,"0"-1"15,-24 25 1,-1 0 0,1 25-16,-1-1 0,1 1 15,0-1-15,-1 25 0,1-25 16,24 25-16,0-25 15,0 25-15,0-24 0,24-1 16,1 1-16,-1-1 16,0 0-16,25-24 0,0 0 15,-24 0-15,-1 0 16,0 0-16,1-24 0,-1 24 16,-24-24-16,-24-1 15,-1 25-15,1 0 16,0 0-16,-25 0 0,24 0 15,1 25-15,-25-1 0</inkml:trace>
-  <inkml:trace contextRef="#ctx0" brushRef="#br0" timeOffset="-248947">5769 9866 0,'-24'-24'0,"24"0"16,24-1 15,0 25-31,1 0 16,24-24-16,-25 24 15,25 0-15,0-25 0,-25 25 16,25 0-16,-25 25 16,1-1-16,-25 1 0,0-1 15,0 0-15,0 25 0,0 0 16,0 0-16,0 0 15,0 0-15,0 0 0,0-1 16,0 1-16,24-24 16,-24-1-16,25-24 0</inkml:trace>
-  <inkml:trace contextRef="#ctx0" brushRef="#br0" timeOffset="-248804">6037 10184 0,'-25'-24'0,"1"24"15,24-25 1,24 1 0,1 24-16,23-25 0,1 25 15,25-24-15,-26-1 0</inkml:trace>
-  <inkml:trace contextRef="#ctx0" brushRef="#br0" timeOffset="-247825">9871 2564 0,'-24'-24'0,"24"-1"16,0 1-1,-25 24-15,25 24 16,25 1-1,-1 23 1,-24-23-16,24 24 0,-24-25 16,25 25-16</inkml:trace>
-  <inkml:trace contextRef="#ctx0" brushRef="#br0" timeOffset="-247255">9871 3883 0,'-24'0'0,"24"-25"15,0 1-15,0 0 16,24-1 0,0 25-16,1 0 15,-1 0-15,1 0 0,-25 25 16,24-1-16,-24 0 15,0 1-15,0 24 0,0-25 16,-24 25-16,-1-25 16,-24 25-16,25-24 0,-25-1 15,0 0-15,25 1 0,-1-25 16,50 0 0,-1 0-16,25 0 15,24 0-15,1 0 16</inkml:trace>
-  <inkml:trace contextRef="#ctx0" brushRef="#br0" timeOffset="-246450">9822 5348 0,'-24'-24'0,"-1"-1"0,25 1 16,-24 0-16,-1-1 15,25 1-15,0-1 16,0 1 0,25 24-16,-1 0 0,25 0 15,-24 0-15,23 0 0,1 0 16,-24 0-16,-1 24 16,1-24-16,-1 25 0,-24-1 15,-24 1-15,-1-1 16,1-24-16,-1 24 15,1-24-15,-1 25 0,-23-25 16,23 24 0,25 1-1,25-25-15,-1 24 16,25-24-16,-25 24 16,25 1-16,0-25 0,0 24 15,-25 1-15,1-1 16,-1 1-16,-24-1 0,0 0 15,-24 1-15,-1-25 16,-24 24-16,1-24 16,-1 0-16</inkml:trace>
-  <inkml:trace contextRef="#ctx0" brushRef="#br0" timeOffset="-245762">9773 6618 0,'-24'-24'16,"-1"24"-1,25-25-15,-24 25 16,24 25 0,24-1-1,-24 1-15,25-25 16,-25 24-16,24 0 16,-24 1-16,25-25 0,-1 24 15,1-24-15,-1 0 0,0 0 16,1-24-16,-1 24 15,-24-25-15,25 1 0,-1 0 16,-24-1 0,0 1-16,0 48 15,0 1 1,0-1-16,0 25 16,0 0-16,0 24 0,0-24 15,25 24-15</inkml:trace>
-  <inkml:trace contextRef="#ctx0" brushRef="#br0" timeOffset="-245209">9993 7815 0,'0'24'47,"0"1"-32,0-1-15,0 1 0,0-1 16,25 0-16,-1 1 0,0-1 16,25 1-16,-24-1 15,24 1-15,-25-1 0,25 0 16,-25 1-16,-24-1 15,25 1-15,-50-25 16,1 0 0</inkml:trace>
-  <inkml:trace contextRef="#ctx0" brushRef="#br0" timeOffset="-245077">10018 7913 0,'0'-25'15,"24"1"-15,0-1 0,1 1 16,24 24-16,-25-24 15,25 24-15,0-25 0,-25 25 16,25 0-16,0 0 16,0 0-16</inkml:trace>
-  <inkml:trace contextRef="#ctx0" brushRef="#br0" timeOffset="-244525">10213 8621 0,'24'-25'16,"-48"25"-1,0 0 1,-1 0-16,1 25 0,-1-1 16,1 1-16,-1-1 0,1 25 15,24-25-15,0 1 16,0 24-16,0-25 0,24 1 16,1-1-16,-1 0 15,25-24-15,0 25 0,0-25 16,-25 0-16,25-25 15,-25 25-15,1-24 0,-1 0 16,-24-1-16,-24 25 16,-1 0-16,1 0 15,-25 0-15,25 0 0,-25 25 16,0-1-16,25-24 0,-1 24 16,1 1-16</inkml:trace>
-  <inkml:trace contextRef="#ctx0" brushRef="#br0" timeOffset="-244064">10140 9647 0,'0'-25'16,"0"1"-1,0-1 1,24 25-16,-24-24 16,25 24-16,-1-24 0,0 24 15,25-25-15,-24 25 16,-1 0-16,1 0 0,-1 0 16,0 25-16,1-1 0,-25 0 15,0 25-15,0-24 16,0 24-16,0-1 0,0 1 15,0-24-15,0 23 16,0-23-16,0 24 0,0-25 16,0 1-16</inkml:trace>
-  <inkml:trace contextRef="#ctx0" brushRef="#br0" timeOffset="-243931">10335 9818 0,'-24'0'0,"24"-25"16,0 1 0,24 24-16,0-25 15,25 25-15</inkml:trace>
+  <inkml:trace contextRef="#ctx0" brushRef="#br0" timeOffset="28279.72">6891 5959 0,'-24'24'15,"48"1"63,1-25-62,-1 0-16,25 0 0,-24 0 16,48 0-16,0 0 0,25 0 15,-1 0-15,26-25 16,23 25-16,1 0 0,24 0 15,0 0-15,-25 0 16,25-24-16,-24 24 0,-25 0 16,0 0-16,0-25 0,-49 25 15,25 0-15,-25 0 16,-24 0-16,24-24 0,-48 24 16,24 0-16,-25 0 15,0 0-15,-48 0 47,-25 0-47</inkml:trace>
+  <inkml:trace contextRef="#ctx0" brushRef="#br0" timeOffset="28711.72">7746 5348 0,'-24'0'0,"-1"0"15,1 0 1,-25 0 0,25 25-16,-1-25 15,1 24-15,-1 0 16,1 1-16,0-1 0,24 1 15,0-1-15,0 25 0,0-25 16,24 1-16,0-1 16,1 1-16,24-1 0,0 1 15,-1-1-15,1-24 16,0 0-16,0 0 0,24-24 16</inkml:trace>
+  <inkml:trace contextRef="#ctx0" brushRef="#br0" timeOffset="29173.72">8161 5446 0,'0'-25'0,"-24"25"16,24-24-16,24 0 15,1 24 1,-25-25-16,24 25 0,1-24 15,-1 24-15,25-25 16,-25 25-16,1 0 0,-1 0 16,1 0-16,-1 25 15,-24-1-15,0 1 16,0-1-16,-24 0 16,-1 1-16,1-1 15,-1 1-15,1-1 0,0-24 16,-1 25-16,1-1 0,-1-24 15,1 0 1,24 24-16,24-24 16,1 0-16,-1 0 15,1 25-15,23-25 0,-23 0 16,24 24-16,0-24 0,-25 25 16,0-25-16,1 24 15,-1 1-15,-24-1 0,0 0 16,-24 1-1,-25-25-15,25 24 0,-25-24 16,-25 0-16,26 0 0,-26 0 16,1 0-16</inkml:trace>
+  <inkml:trace contextRef="#ctx0" brushRef="#br0" timeOffset="26774.72">6720 4738 0,'-24'24'0,"0"-24"16,-1 0-16,1 0 15,24 24-15,-25-24 0,25 25 32,25-25-32,-1 0 15,25 0-15,0 0 16,24 0-16,-24 0 0,49 0 16,-1 0-16,1-25 15,24 25-15,0-24 0,25 24 16,-25 0-16,25-24 0,-25 24 15,0 0-15,0 0 16,-24 0-16,-1-25 0,1 25 16,-25 0-16,0 0 0,1 0 15,-25 0-15,-1 0 16,-23 0-16,24 0 0,-25 0 16,1 0-16,-1 0 15,0 0-15,1-24 0,-1 24 16,-24-25-1,-24 25 1</inkml:trace>
+  <inkml:trace contextRef="#ctx0" brushRef="#br0" timeOffset="27200.72">7331 4200 0,'0'-24'15,"0"-1"17,-24 25-17,-1 0-15,1 25 0,-1-25 16,1 24-16,0 1 16,-1-1-16,-24 1 0,25-1 15,24 0-15,-25 1 16,25-1-16,0 1 0,0-1 15,25 1-15,-1-1 0,25 0 16,-24-24-16,23 0 16,26 25-16,-26-25 0,26 0 15,-25-25-15,-1 25 0,1-24 16</inkml:trace>
+  <inkml:trace contextRef="#ctx0" brushRef="#br0" timeOffset="27553.72">7673 4200 0,'24'0'31,"-24"-24"-31,25-1 16,-1 1-16,1 24 15,-1 0-15,0 0 16,1 0-16,24 0 0,-25 0 15,1 0-15,-25 24 16,24-24-16,-24 25 0,0 24 16,-24-25-16,-1 1 0,-24-1 15,25 25-15,-1-25 16,-23 1-16,23-1 0,1-24 16,24 25-16,24-25 15,1 24 1,23-24-16,26 0 0,-25 0 15,24 0-15,0 0 16,-24-24-16,24 24 0,-24 0 16,-24 0-16,-1 0 15</inkml:trace>
+  <inkml:trace contextRef="#ctx0" brushRef="#br0" timeOffset="25362.72">6330 3565 0,'0'25'15,"0"-1"1,24-24-16,-24 25 0,25-25 16,-1 24-16,0-24 0,25 0 15,0 0-15,0 0 16,24 0-16,0 0 0,25 0 15,0 0-15,24 0 16,0 0-16,0-24 0,25 24 16,-1 0-16,1 0 15,-1-25-15,-24 25 0,1 0 16,-1 0-16,-25 0 0,1 0 16,-25 0-16,1 0 15,-1 0-15,0 0 0,-24 0 16,0 0-16,24 0 0,-48 0 15,23 0-15,-23 0 16,-1 0-16,1 0 0,-1 0 16,-24-24-1,25 24-15,-1 0 16,0 0-16,1 0 16,-25-25-1</inkml:trace>
+  <inkml:trace contextRef="#ctx0" brushRef="#br0" timeOffset="25928.72">7062 2930 0,'-24'0'62,"0"0"-46,-1 25 0,1-25-16,-1 0 0,1 24 15,-1 1-15,1-1 16,0 0-16,-1 1 0,25-1 16,0 25-16,0-24 0,25-1 15,-1 0-15,0 1 16,1-1-16,24 1 0,0-25 15,-1 24-15,26-24 16,-26 0-16,1 0 0,0 0 16,-24 0-16,23-24 15</inkml:trace>
+  <inkml:trace contextRef="#ctx0" brushRef="#br0" timeOffset="26168.72">7575 2955 0,'25'-25'0,"-1"1"31,-24 48 1,0 1-32,0 24 15,0-25-15,25 25 16,-25-25-16,0 25 15,24 0-15,-24 0 0,0 0 16,0-25-16,0 25 0,0-25 16</inkml:trace>
+  <inkml:trace contextRef="#ctx0" brushRef="#br0" timeOffset="30097.72">7551 6545 0,'0'-24'15,"0"-1"-15,-25 1 32,1 24-32,0 0 0,-1 0 15,-24 24-15,25-24 0,-25 25 16,25-1-16,-1-24 15,-24 24-15,49 1 0,-24 24 16,24-25-16,0 0 16,0 1-16,24 24 0,1-25 15,-1 1-15,25-1 0,0-24 16,0 24-16,24-24 16,-24 0-16,0 0 0</inkml:trace>
+  <inkml:trace contextRef="#ctx0" brushRef="#br0" timeOffset="30499.72">7795 6545 0,'0'-25'0,"24"25"0,-24-24 15,0 0 1,25 24-16,-25 24 15,-25 0 1,25 1 0,0-1-16,0 1 0,0-1 15,0 1-15,0-1 16,25-24-16,-1 24 0,1 1 16,-1-25-16,1 0 0,-1 0 15,25 0-15,-25-25 16,1 25-16,24-24 0,-25 0 15,-24-1-15,24 1 16,-24-1-16,25 1 0,-25-1 16,0 1-1,0 48 1,24 1-16,-24-1 0,0 1 16,0 24-16,0-1 15,0 1-15,25 0 0,-25 0 16,0 0-16</inkml:trace>
+  <inkml:trace contextRef="#ctx0" brushRef="#br0" timeOffset="176439.72">5792 2784 0,'0'-25'15,"0"1"1,25 24 15,-25 24 0,0 1-31,0-1 16,0 1-16,0-1 0,0 0 16,0 25-16,0-24 0,-25 24 15,25-1-15</inkml:trace>
+  <inkml:trace contextRef="#ctx0" brushRef="#br0" timeOffset="177231.72">5695 4176 0,'0'-25'16,"-25"25"-16,25-24 0,0 0 15,0-1-15,0 1 16,25-1-16,-25 1 16,24 24-16,1-24 0,-1 24 15,0-25-15,1 25 16,-1 0-16,-24 25 0,25-1 16,-25 0-16,0 25 15,0-24-15,-25-1 16,1 25-16,-1-25 0,1 1 15,-25-1-15,25 1 16,24-1-16,-25-24 0,25 24 16,25-24-16,24 25 15,-25-25 1,25 0-16,0 0 0,24 0 16,-24 0-16,24 0 15,0 0-15</inkml:trace>
+  <inkml:trace contextRef="#ctx0" brushRef="#br0" timeOffset="177914.72">5695 4982 0,'-25'0'16,"25"-25"-16,-24 25 15,24-24 1,24 24-1,1 0-15,-1 0 16,1 0 0,-1 0-16,25 0 0,-25 0 15,1 0-15,-1 24 16,-24 1 0,0-1-16,-24 1 15,24-1-15,-25-24 16,1 25-16,-1-1 15,25 0-15,0 1 32,25-25-32,-1 0 15,1 24-15,23-24 16,-23 25-16,24-25 0,-25 24 16,25 1-16,-25-25 0,-24 24 15,0 0-15,0 1 16,-24-1-16,-25-24 15,0 25-15,-24-25 16,24 24-16,-24-24 0,0 0 16</inkml:trace>
+  <inkml:trace contextRef="#ctx0" brushRef="#br0" timeOffset="178664.72">5792 6398 0,'-24'-24'16,"24"0"-16,0-1 16,-24 1-1,48 48 17,-24 1-32,24-1 15,-24 0-15,0 25 16,25-24-16,-25-1 0,24 1 15,1-1-15,-1-24 0,0 24 16,1-24-16,-1 0 16,1 0-16,-1 0 0,1-24 15,-1 0 1,0-1-16,-24 1 0,0-1 16,25 25-16,-25-24 0,0 48 31,0 25-16,0 0-15,0 24 16,0-24-16,0 24 0,0 25 16</inkml:trace>
+  <inkml:trace contextRef="#ctx0" brushRef="#br0" timeOffset="179247.72">5890 7717 0,'-24'0'16,"24"-24"0,-25 24-16,25-25 15,0 1 1,-24 24-16,24 24 31,0 1-15,0-1-1,0 1-15,0-1 0,24 0 16,1 1-16,-1-1 16,1 25-16,-1-24 0,0-1 15,1 0-15,-1 1 0,1-1 16,-25 1-16,24-1 16,-24 1-16,-24-25 15,-1 0-15,1 0 16,-1 0-16</inkml:trace>
+  <inkml:trace contextRef="#ctx0" brushRef="#br0" timeOffset="179390.72">5841 7815 0,'0'-25'0,"0"1"15,25 0-15,-1-1 16,1 1-16,23 24 0,1-25 16,-24 25-16,23 0 0,1-24 15,0 24-15,-24 0 16,23 0-16,-23 24 0,-25 1 15</inkml:trace>
+  <inkml:trace contextRef="#ctx0" brushRef="#br0" timeOffset="180021.72">6012 8865 0,'0'-24'0,"0"-1"15,-24 25 1,-1 0 0,1 25-16,-1-1 0,1 1 15,0-1-15,-1 25 0,1-25 16,24 25-16,0-25 15,0 25-15,0-24 0,24-1 16,1 1-16,-1-1 16,0 0-16,25-24 0,0 0 15,-24 0-15,-1 0 16,0 0-16,1-24 0,-1 24 16,-24-24-16,-24-1 15,-1 25-15,1 0 16,0 0-16,-25 0 0,24 0 15,1 25-15,-25-1 0</inkml:trace>
+  <inkml:trace contextRef="#ctx0" brushRef="#br0" timeOffset="180549.72">5769 9866 0,'-24'-24'0,"24"0"16,24-1 15,0 25-31,1 0 16,24-24-16,-25 24 15,25 0-15,0-25 0,-25 25 16,25 0-16,-25 25 16,1-1-16,-25 1 0,0-1 15,0 0-15,0 25 0,0 0 16,0 0-16,0 0 15,0 0-15,0 0 0,0-1 16,0 1-16,24-24 16,-24-1-16,25-24 0</inkml:trace>
+  <inkml:trace contextRef="#ctx0" brushRef="#br0" timeOffset="180692.72">6037 10184 0,'-25'-24'0,"1"24"15,24-25 1,24 1 0,1 24-16,23-25 0,1 25 15,25-24-15,-26-1 0</inkml:trace>
+  <inkml:trace contextRef="#ctx0" brushRef="#br0" timeOffset="181671.72">9871 2564 0,'-24'-24'0,"24"-1"16,0 1-1,-25 24-15,25 24 16,25 1-1,-1 23 1,-24-23-16,24 24 0,-24-25 16,25 25-16</inkml:trace>
+  <inkml:trace contextRef="#ctx0" brushRef="#br0" timeOffset="182241.72">9871 3883 0,'-24'0'0,"24"-25"15,0 1-15,0 0 16,24-1 0,0 25-16,1 0 15,-1 0-15,1 0 0,-25 25 16,24-1-16,-24 0 15,0 1-15,0 24 0,0-25 16,-24 25-16,-1-25 16,-24 25-16,25-24 0,-25-1 15,0 0-15,25 1 0,-1-25 16,50 0 0,-1 0-16,25 0 15,24 0-15,1 0 16</inkml:trace>
+  <inkml:trace contextRef="#ctx0" brushRef="#br0" timeOffset="183046.72">9822 5348 0,'-24'-24'0,"-1"-1"0,25 1 16,-24 0-16,-1-1 15,25 1-15,0-1 16,0 1 0,25 24-16,-1 0 0,25 0 15,-24 0-15,23 0 0,1 0 16,-24 0-16,-1 24 16,1-24-16,-1 25 0,-24-1 15,-24 1-15,-1-1 16,1-24-16,-1 24 15,1-24-15,-1 25 0,-23-25 16,23 24 0,25 1-1,25-25-15,-1 24 16,25-24-16,-25 24 16,25 1-16,0-25 0,0 24 15,-25 1-15,1-1 16,-1 1-16,-24-1 0,0 0 15,-24 1-15,-1-25 16,-24 24-16,1-24 16,-1 0-16</inkml:trace>
+  <inkml:trace contextRef="#ctx0" brushRef="#br0" timeOffset="183734.72">9773 6618 0,'-24'-24'16,"-1"24"-1,25-25-15,-24 25 16,24 25 0,24-1-1,-24 1-15,25-25 16,-25 24-16,24 0 16,-24 1-16,25-25 0,-1 24 15,1-24-15,-1 0 0,0 0 16,1-24-16,-1 24 15,-24-25-15,25 1 0,-1 0 16,-24-1 0,0 1-16,0 48 15,0 1 1,0-1-16,0 25 16,0 0-16,0 24 0,0-24 15,25 24-15</inkml:trace>
+  <inkml:trace contextRef="#ctx0" brushRef="#br0" timeOffset="184287.72">9993 7815 0,'0'24'47,"0"1"-32,0-1-15,0 1 0,0-1 16,25 0-16,-1 1 0,0-1 16,25 1-16,-24-1 15,24 1-15,-25-1 0,25 0 16,-25 1-16,-24-1 15,25 1-15,-50-25 16,1 0 0</inkml:trace>
+  <inkml:trace contextRef="#ctx0" brushRef="#br0" timeOffset="184419.72">10018 7913 0,'0'-25'15,"24"1"-15,0-1 0,1 1 16,24 24-16,-25-24 15,25 24-15,0-25 0,-25 25 16,25 0-16,0 0 16,0 0-16</inkml:trace>
+  <inkml:trace contextRef="#ctx0" brushRef="#br0" timeOffset="184971.72">10213 8621 0,'24'-25'16,"-48"25"-1,0 0 1,-1 0-16,1 25 0,-1-1 16,1 1-16,-1-1 0,1 25 15,24-25-15,0 1 16,0 24-16,0-25 0,24 1 16,1-1-16,-1 0 15,25-24-15,0 25 0,0-25 16,-25 0-16,25-25 15,-25 25-15,1-24 0,-1 0 16,-24-1-16,-24 25 16,-1 0-16,1 0 15,-25 0-15,25 0 0,-25 25 16,0-1-16,25-24 0,-1 24 16,1 1-16</inkml:trace>
+  <inkml:trace contextRef="#ctx0" brushRef="#br0" timeOffset="185432.72">10140 9647 0,'0'-25'16,"0"1"-1,0-1 1,24 25-16,-24-24 16,25 24-16,-1-24 0,0 24 15,25-25-15,-24 25 16,-1 0-16,1 0 0,-1 0 16,0 25-16,1-1 0,-25 0 15,0 25-15,0-24 16,0 24-16,0-1 0,0 1 15,0-24-15,0 23 16,0-23-16,0 24 0,0-25 16,0 1-16</inkml:trace>
+  <inkml:trace contextRef="#ctx0" brushRef="#br0" timeOffset="185565.72">10335 9818 0,'-24'0'0,"24"-25"16,0 1 0,24 24-16,0-25 15,25 25-15</inkml:trace>
   <inkml:trace contextRef="#ctx0" brushRef="#br0" timeOffset="-23010">5402 6276 0,'24'-24'0,"0"24"16,-24-25-1,25 25-15,-25-24 16,24 24-16,1 0 16,-25-24-16,-25 24 47,1 0-32,-1 0 1,1 24-16,-25-24 0,25 0 15,-25 0-15,25 24 0,-25-24 16,0 0-16,24 0 16,-23 0-16,-1 25 0,24-25 15,1 0-15,-1 0 16,1 0-16,0 0 16,48 0-1</inkml:trace>
   <inkml:trace contextRef="#ctx0" brushRef="#br0" timeOffset="-22637">5255 6496 0,'25'0'16,"-1"0"-1,0 0-15,1 0 16,-1 24-16,1-24 16,-1 0-1,-24 25 1,-24-25-1,-1 0-15,1 0 16,-1 0-16,1 0 0,-25 24 16,0-24-16,25 0 15,-25 0-15,25 0 0,-25 0 16,24 25-16,1-25 16,-1 0-1</inkml:trace>
   <inkml:trace contextRef="#ctx0" brushRef="#br0" timeOffset="-22067">4962 6130 0,'0'-25'0,"0"1"16,0-1 31,-24 25-31,24 25-1,0-1 1,-25-24-16,25 25 15,0-1-15,-24 1 16,-1-1-16,25 0 0,-24 1 16,-1 24-16,25-25 0,-24 25 15,0-25-15,-1 25 16,1-24-16,-1-1 0,25 25 16,-24-25-16,0-24 15,24 25-15,0-1 0,-25-24 16,25 25-16,25-25 31,-1 24-31,0-24 16,1 0-16,24 0 15,-25 0-15,0 24 16,1-24-16,-1 0 0,25 25 16,-24-25-16,-1 0 15,0 24-15,1-24 0,-25 25 16,24-25-16,1 24 0,-25 1 15,24-25 1,-24 24-16,0 0 16,0 1-1</inkml:trace>
-  <inkml:trace contextRef="#ctx0" brushRef="#br0" timeOffset="-353517">8699 512 0,'24'0'32,"1"0"-32,-1 0 15,25 0-15,24-24 0,49 24 16,0 0-16,25 0 16,-1 0-16,25 24 0,0 1 15,-24-1-15,-1 1 0,1 24 16,-25-1-16,-24 1 15,-1 0-15,-23 0 0,-1 0 16,-24 24-16,0-24 16,0 0-16,-25-25 0,25 25 15,-25 0-15,-24-25 0,25 25 16,-1-24-16,-24-1 16,25 0-16,-25 1 0,24-25 15,-24 24-15,24-24 0,-24 25 16,25-25-16,-1 0 15,-24 24 17,25-24-32,-25 24 31,24-24-31</inkml:trace>
-  <inkml:trace contextRef="#ctx0" brushRef="#br0" timeOffset="-353073">10824 1367 0,'0'-24'0,"24"24"47,-24 24-32,24 1 1,1-1-16,-25 0 0,24 1 16,1-25-16,-25 24 15,24 1-15,0-25 0,1 24 16,-1-24-16,1 0 0,24 0 15,-25 0-15,0 0 16,1-24-16,-1-1 0,1 25 16,-1-24-16,-24-1 0,25 1 15,-25 0-15,0-1 16,0 1-16,24 24 0,-24-25 16,0 50 15,-24-1-31,24 1 15,-25-1-15,25 0 16,-24 1-16,24-1 0,0 25 16,0-24-16</inkml:trace>
-  <inkml:trace contextRef="#ctx0" brushRef="#br0" timeOffset="-350414">19762 5837 0,'0'-25'16,"25"25"15,-1 0-31,1 0 16,23 0-16,1 0 0,25 0 15,-1 25-15,25-25 16,24 0-16,-25 0 0,26 0 16,-1 24-16,0-24 0,0 0 15,-24 0-15,-25 0 16,24 0-16,-48 0 0,0 0 15,0 0-15,-25 0 16,-24-24 0,-24 24-16,24-25 15,-24 25-15,-1-24 0,1-1 16</inkml:trace>
-  <inkml:trace contextRef="#ctx0" brushRef="#br0" timeOffset="-350107">21081 5666 0,'-24'0'16,"24"-25"-16,-25 25 15,1 0 1,48 0 15,-24 25-31,25-25 16,-1 0-16,1 24 15,-1-24-15,0 25 0,25-1 16,-24-24-16,-1 24 0,1 1 16,-1-1-16,-24 1 15,0-1-15,0 0 0,-24 1 16,-1-1-16,1 1 16,-1-1-16,1 1 0,-25-1 15,25-24-15,24 24 16,-25-24-16,1 25 0</inkml:trace>
-  <inkml:trace contextRef="#ctx0" brushRef="#br0" timeOffset="-349376">21814 5739 0,'0'-24'15,"0"-1"1,24 25 0,1 0-1,-25 25 1,0-1-16,24 25 0,-24-25 16,0 25-16,0 0 0,0-25 15,0 25-15,0 0 16,0 0-16,0 0 0,0-25 15,0 25-15,0-25 16,25 1-16,-25-1 0,24 1 16,0-1-16,1-24 15,-1-24 1,1 24-16,-25-25 0,24 1 16,-24-1-16,25 1 15,-25-25-15,24 25 0,-24-1 16,24-24-16,1 25 0,-25-25 15,24 25-15,1-1 16,-1 1-16,1 0 0,-1-1 16,0 1-16,-24-1 15,25 1-15,-1 24 0,1-25 16,-25 1 109</inkml:trace>
-  <inkml:trace contextRef="#ctx0" brushRef="#br0" timeOffset="-351872">14414 2393 0,'-25'24'16,"25"1"-16,0-1 16,0 1-16,-24-1 0,24 25 15,24 0-15,-24 24 0,49-24 16,-24 24-16,-1 25 16,25 0-16,-25-1 0,25 1 15,-24 24-15,-25 0 16,0 25-16,0-1 0,0 1 15,-25 24-15,1-25 0,-1 25 16,-24-24-16,25 24 16,0 0-16,-1 0 0,1 0 15,-1 0-15,1 0 16,24 0-16,-25-25 0,25 25 16,0-24-16,0 24 0,0-25 15,0 1-15,25-1 16,-25 1-16,24-1 0,-24-24 15,0 0-15,0 1 16,0-1-16,0-25 0,-24-23 16,24-1-16,-25 0 0,1 0 15,24-24-15,-24-24 16,-1 24-16,25-25 0,-24 0 16,-1 1-1,25-1-15,-24-24 0,-1 25 16,25-1-16,-24-24 0,0 25 15,-1-1 1,1-24-16,24 24 16,24 1-1,-24-50 17,0 1-17,-24 24 1</inkml:trace>
-  <inkml:trace contextRef="#ctx0" brushRef="#br0" timeOffset="-351469">13852 8108 0,'0'-24'0,"0"48"31,0 0-15,24-24 0,-24 25-16,0-1 0,25 1 15,-1-1-15,1 1 16,-25-1-16,24-24 16,1 24-16,-1-24 0,-24 25 15,24-25-15,1 0 0,-1 0 16,25 0-16,-24-25 15,-1 25-15,25 0 0,-25-24 16,25 24-16,-25 0 16,1-24-16,24 24 0,-25-25 15,1 25 1,-50 0 15,25 25-15,-24-25-16,-1 24 15,1-24 1</inkml:trace>
-  <inkml:trace contextRef="#ctx0" brushRef="#br0" timeOffset="-350804">15610 5886 0,'0'24'15,"0"0"17,0 1-1,-24-1-16,24 1-15,-24-1 16,-1 0-16,25 25 0,-24 0 16,-1-24-16,25 23 15,-24 1-15,24-24 0,0 24 16,24-25-16,1-24 16,24 24-16,24-24 0,0-24 15,0 24-15,50-49 0,-1 25 16,0-25-16,24 0 15,25 0-15,-24 0 0,24 0 16,24 1-16,-24-1 0,0 0 16,0 0-16,0 25 15,-24-1-15,-25 1 0,0 24 16,0-25-16,-49 25 16,0 0-16,-24 0 0,0 0 15,-24 0-15,-1 0 0,0-24 16,-24 0 15,-24 24-15,24-25-16,-24 25 15,-1 0-15</inkml:trace>
-  <inkml:trace contextRef="#ctx0" brushRef="#br0" timeOffset="-231188">5817 2515 0,'-25'0'16,"1"0"-16,0 0 0,-25 0 16,24 0-16,-24 0 15,1 25-15,-1-25 0,0 24 16,0 0-16,0 1 16,0-1-16,1 25 0,23 0 15,1 24-15,-1-24 0,25 24 16,0 1-16,49-26 15,-24 26-15,23-25 0,26 24 16,-26-49-16,50 25 16,-25-24-16,25-1 0,0-24 15,-25 0-15,25-24 0,-1-1 16,1-24-16,-25 0 16,1 1-16,-25-1 0,24-25 15,-49 1-15,1-25 16,-25 25-16,-25 0 0,-24 0 15,1-1-15,-50 26 0,0-1 16,-24 24-16,-25 25 16,1 25-16,-49-1 0,24 25 15</inkml:trace>
-  <inkml:trace contextRef="#ctx0" brushRef="#br0" timeOffset="-229545">6061 7253 0,'-24'0'16,"-1"0"-16,1 0 0,-25 0 15,0 25-15,0-25 0,-24 24 16,0 0-16,-1 1 16,1-1-16,0 25 0,0 0 15,-1 24-15,26-24 16,-1 24-16,24 1 0,1 23 15,24-23-15,0-1 0,0 0 16,49 0-16,0 1 16,24-25-16,0-1 0,25 1 15,24-24-15,0-1 16,24-24-16,1 0 0,-25-24 16,25-1-16,-25-24 0,0-24 15,-24 24-15,-25-48 16,-24 23-16,-25-23 0,-24-1 15,0 0-15,-49 25 16,-24-25-16,-25 49 0,-24 1 16,-49-1-16,0 49 0,-24 0 15,-25 24-15,25 25 16,-1 0-16</inkml:trace>
-  <inkml:trace contextRef="#ctx0" brushRef="#br0" timeOffset="-376038">10579 7351 0,'25'24'16,"-1"-24"0,1 0-1,-25 25 1,24-1-16,-24 1 15,0-1 1,0 0-16,-24 25 0,24-24 16,0 24-16,0-1 0,0 1 15,0 0-15,0 0 16,0 0-16,0 0 0,0-1 16,24 1-16,0 0 15,-24 0-15,25 0 0,-25 24 16,0-24-16,24 24 0,-24 0 15,0 1-15,0-1 16,0 0-16,0 25 0,0-25 16,0 1-16,0-1 15,0 25-15,0-50 0,0 26 16,25-1-16,-25-24 0,0 0 16,0 24-16,0-49 15,0 25-15,0 0 0,0 0 16,0-25-16,0 25 15,0-25-15,0 1 0,0 24 16,0-25-16,0 1 0,0-1 16,0 0-16,0 1 15,0-1-15,0 1 0,0-1 16,0 1-16,0 23 0,0-23 16,0-1-16,0 1 15,0-1-15,0 1 0,0-1 16,0 0-1,0 1-15,0-1 0,0 1 16,0-1-16,0 1 16,24-1-16,-24 0 0,25 1 15,-1-25 1,0 0 0,-24 24 15,25-24-16,-25 25-15,24-25 16,1 0 0,-1 0-16,1-25 15,-1 25-15,0 0 0,1 0 16,-1 0-16,25-24 16,0 24-16,0 0 0,0 0 15,-1 0-15,26 0 16,-1-25-16,25 25 0,-1 0 15,1-24-15,24 0 16,0 24-16,0-25 0,25 1 16,-25 24-16,0-25 0,-24 25 15,24 0-15,-49-24 16,25 24-16,-49 0 0,24 0 16,-24-25-16,0 25 0,0 0 15,-1-24-15,1 24 16,0-24-16,-24 24 0,23-25 15,-23 25-15,24-24 16,-25 24-16,1 0 0,-1 0 16,-24-25-16,0 1 31,0-1-31</inkml:trace>
-  <inkml:trace contextRef="#ctx0" brushRef="#br0" timeOffset="-374983">13754 7351 0,'0'24'47,"0"1"-31,0-1-16,25 25 15,-25-25-15,0 50 0,0-25 16,0 24-16,0 0 16,0 0-16,0 1 0,0-1 15,0 25-15,0-25 16,24 25-16,-24-25 0,25 0 15,-25 25-15,24-25 0,-24 25 16,24-25-16,-24 0 16,0 25-16,0-25 0,0 1 15,0-1-15,0-24 16,0 24-16,25 0 0,-25-24 16,0 24-16,24-24 0,-24 0 15,0 0-15,25 0 16,-25-1-16,24-23 0,-24-1 15,0 25-15,0-24 16,0-1-16,0 0 16,0 1-16,0-1 31,0 1-15,0-1-1,0 1 1,0-1-16,0 0 15,0 1 1,0-1-16,0 1 31,0-1 1,0-48 30,0-1-46,-24 25-16,-1-24 15,1 24-15,-1-25 0,-23 25 16,-1 0-16,0 0 16,-24 25-16,-25-25 0,0 24 15,1-24-15,-1 25 0,25-25 16,-25 0-16,25 0 15,-1 0-15</inkml:trace>
-  <inkml:trace contextRef="#ctx0" brushRef="#br0" timeOffset="-374000">11214 8352 0,'-24'0'16,"-1"0"-1,1 0 1,0 0-16,-1 0 16,1 0-16,-1-24 0,1 24 15,-1 0-15,25-25 16,25 25 46,-1 0-62,25 0 0,0 0 16,0 0-16,49 0 16,-1 0-16,25-24 0,1 24 15,47-24-15,1 24 16,0-25-16,25 1 0,-1 24 15,-24-25-15,0 25 0,-24 0 16,-1-24-16,-24 24 16,-24 0-16,-25 0 0,0 0 15,-24-25-15,0 25 0,-24 0 16,-1 0-16,0 0 16,1 0-16,-1 0 0,1 0 15</inkml:trace>
-  <inkml:trace contextRef="#ctx0" brushRef="#br0" timeOffset="-373236">11043 9329 0,'-24'0'0,"-1"0"15,1 25 16,24-1 1,24-24-32,1 0 15,-1 0-15,25 0 0,24-24 16,1 24-16,23 0 16,26-25-16,23 25 0,1-24 15,24-1-15,0 25 0,-1-24 16,1-1-16,25 25 15,-25-24-15,0 24 0,-25 0 16,1-24-16,-1 24 16,-24-25-16,1 25 0,-26 0 15,-23 0-15,-1 0 16,-49 0-16,25-24 0,-73 24 47,-1 0-32</inkml:trace>
-  <inkml:trace contextRef="#ctx0" brushRef="#br0" timeOffset="-367038">11288 6594 0,'0'-25'15,"24"25"1,-24-24-16,24 0 15,-24-1-15,0 1 16,0-1-16,0 1 16,-24-1-16,0 25 0,-1-24 15,-24 24-15,0 24 16,25 1-16,-25-1 0,0 1 16,25-1-16,-1 1 0,1 23 15,24-23-15,0-1 16,0 1-16,0-1 0,0 0 15,24-24-15,1 25 0,24-25 16,-25 0-16,25 0 16,-25-25-16,25 25 0,0-24 15,-24 0-15,-1-1 16,0 25-16,1-24 0,-25-1 16,24 1-16,-24 48 31,0 1-31,0-1 15,0 25-15,0 0 16,-24 0-16,24 0 0,0-1 16,0 26-16,0-25 0,0-1 15,0-23-15,0-1 16,0 1-16,24-1 0</inkml:trace>
-  <inkml:trace contextRef="#ctx0" brushRef="#br0" timeOffset="-366576">11825 6862 0,'0'-24'0,"-25"0"16,1 24 0,24 24-1,-24 0-15,24 1 0,-25-1 16,25 1-16,0-1 15,0 25-15,25-25 0,-1 1 16,0-1-16,1 1 0,24-25 16,-25 24-16,25-24 15,-25 0-15,25 0 0,-24-24 16,-1 24-16,-24-25 16,0 1-16,0-1 0,0 1 15,-24-25-15,-1 25 0,-24-25 16,1 0-16,-1 25 15,0-25-15,0 0 0,0 0 16,25 0-16,-1 25 16,25-25-16,0 25 0,25-1 15,-1 1-15,25-1 0,0 25 16,0 0-16,0 0 16,-1 0-16,-23 0 0,-1 25 15,1 24-15,-25-25 0,0 25 16,-25 0-16,1-1 15,-1 1-15,-23 0 0,23 0 16,-24 0-16,25-25 16,-1 1-16</inkml:trace>
-  <inkml:trace contextRef="#ctx0" brushRef="#br0" timeOffset="-366235">12387 6691 0,'24'0'0,"-48"0"32,-1 0-17,1 25 1,-1-1-16,1 1 0,0 24 16,24-25-16,0 25 0,0 0 15,0 0-15,0-25 16,24 25-16,0-25 0,25-24 15,-24 25-15,23-25 16,1 0-16,0-25 0,0 1 16,0-1-16,-25-23 0,1-1 15,-1 0-15,-24-24 16,-24 24-16,24 0 0,-49 0 16,0 0-16,0 25 15,-24 24-15,24 0 0,-24 0 16,0 24-16,24 1 0,0 23 15</inkml:trace>
-  <inkml:trace contextRef="#ctx0" brushRef="#br0" timeOffset="-365551">11239 7620 0,'-25'0'0,"-24"0"0,49-25 15,-24 25-15,0-24 16,24-1-16,0 1 15,24-1-15,25 25 16,-25-24-16,1 24 16,24 0-16,-1 0 0,-23 0 15,24 0-15,-25 24 0,1-24 16,-1 25-16,-24-1 16,0 1-16,0-1 0,-24 1 15,24-1-15,-25 0 16,1 1-16,-25-1 0,24 1 15,1-1 1,0 1-16,48-1 16,0-24-16,1 24 15,-1-24-15,25 25 16,0-25-16,-25 24 0,25-24 16,-24 25-16,-1-1 0,1-24 15,-25 24-15,0 1 16,-25-1-16,25 1 0,-49-25 15,25 24-15,-25 1 16,0-25-16,0 0 0,25 0 16,-25 0-16,0 0 0,25-25 15,-1 25-15,1-24 16</inkml:trace>
-  <inkml:trace contextRef="#ctx0" brushRef="#br0" timeOffset="-365179">11874 7742 0,'0'-25'0,"-25"25"0,1-24 16,-1-1-16,25 1 16,25 0-1,-1 24-15,1 0 0,-1 0 16,1 0-16,23 0 15,-23 24-15,24 0 0,-25-24 16,-24 25-16,0-1 0,0 1 16,0-1-16,-24 0 15,-1 25-15,1-49 0,-25 25 16,25-1-16,-1 1 16,1-25-16,24 24 0,-25-24 15,50 24 1,-1-24-1,1 0-15,-1 0 0,25 0 16,0 0-16,0 0 16,-1 0-16,1 0 0,0-24 15,0 24-15,0-24 0</inkml:trace>
-  <inkml:trace contextRef="#ctx0" brushRef="#br0" timeOffset="-364831">12533 7766 0,'25'-24'0,"-1"-1"15,-24 1 1,24 24 0,-24 24-1,-24 1-15,0-25 16,24 24-16,-25 25 16,1-25-16,-1 1 0,25 24 15,-24-25-15,24 25 16,0-25-16,0 1 0,24-1 15,1 1-15,24-25 0,-1 24 16,1-24-16,0 0 16,-24-24-16,23 24 0,1-25 15,0 1-15,-25-1 16,1 1-16,-1-1 0,-24-23 16,0-1-16,0 24 15,-24-23-15,24 23 0,-49 1 16,25-1-16,-25 25 0,0 0 15,0 0-15,0 0 16,0 0-16,1 25 0,-1-25 16</inkml:trace>
-  <inkml:trace contextRef="#ctx0" brushRef="#br0" timeOffset="-363685">11410 8767 0,'24'0'0,"-24"-24"16,0 48 15,0 1-15,0-1-16,0 1 15,-24-1-15,24 25 0,0-25 16,0 25-16,0 0 0,24 0 16,-24 0-16,25-25 15,-1 25-15,25-25 0,-25-24 16,25 0-16,-25 0 0,25 0 15,-24-24-15,24 24 16,-25-49-16,25 25 0,-49-1 16,24-23-16,1 23 15,-25-24-15,24 25 0,-24-1 16,0 1-16,0 0 0,0 48 31,-24 0-31,24 25 0,0 0 16,0 0-16,0 24 15,24-24-15,-24 24 0,25-24 16,-1 0-16,0-25 0,-24 1 16,25-1-16,-1-24 15,1 0-15</inkml:trace>
-  <inkml:trace contextRef="#ctx0" brushRef="#br0" timeOffset="-363277">12216 8890 0,'0'-25'16,"-25"1"-1,25-1 1,0 50 0,25-25-1,-25 24-15,0 25 16,0-25-16,24 1 0,-24 24 15,0-25-15,0 1 0,24-1 16,1 0 0,-1-24-16,1 0 0,-1 0 15,1-24-15,-1 24 16,0-24-16,1-1 0,-1 1 16,-24-25-16,25 24 0,-25 1 15,0 0-15,0-1 16,24 1-16,-24-1 0,0 50 15,0-1 1,0 1-16,0-1 0,0 25 16,0 0-16,0 0 15,25 24-15,-25-49 0,0 25 16,24-25-16,-24 25 0,0-24 16</inkml:trace>
-  <inkml:trace contextRef="#ctx0" brushRef="#br0" timeOffset="-362899">12924 8816 0,'0'-24'0,"-24"24"16,24-25-1,-25 25-15,1 25 16,24-1-1,0 25-15,0-24 16,0-1-16,0 25 0,0 0 16,0 0-16,24-25 15,-24 25-15,25-25 0,-1 1 16,0-25-16,25 0 16,0 0-16,-25 0 0,25 0 15,0-25-15,-24-24 0,23 25 16,-23-25-16,-25 0 15,0 0-15,0 1 0,0-1 16,-49 0-16,25 24 0,-25-23 16,24 23-16,-24 25 15,1 0-15,-1 0 0,0 0 16,25 25-16,-25-25 16,24 24-16,1 0 0</inkml:trace>
-  <inkml:trace contextRef="#ctx0" brushRef="#br0" timeOffset="-362023">11605 9622 0,'0'-24'16,"0"-1"-16,0 1 15,25 24-15,-25-24 16,24 24-16,0 0 0,1-25 16,-1 25-1,1 0-15,-1 0 0,-24 25 16,0-1-16,0 0 16,-24-24-1,-1 25-15,1-25 0,-25 0 16,25 24-16,-25-24 15,24 0-15,1 0 0,-25 0 16,25-24-16,24-1 16,24 1-1,0 0-15,1 24 16,-1-25-16,25 25 16,-24 0-16,-1 0 0,25 0 15,-25 25-15,1-1 0,-1 49 16,-24-48-1,0 23-15,-24 1 0,-1-24 16,1 24-16,-25-1 0,25-23 16,-25-1-16,0 1 15,0-1-15,25 1 0,-1-25 16,1 0-16,-1-25 16,25 1-16,0-1 15,25 1-15,-1-1 0,1 1 16,23 0-16,1 24 15,-24 0-15,24 0 0,-25 0 16,25 0-16,-25 24 16,1 25-16,-1-25 0,0 1 15,1-1-15,-25 1 16,24-1-16,-24 0 0,25 1 16</inkml:trace>
-  <inkml:trace contextRef="#ctx0" brushRef="#br0" timeOffset="-361368">12142 9818 0,'25'-25'0,"-25"-24"15,24 25-15,1-1 16,-25 1-16,0 0 16,-25 24-1,25 24-15,-24 0 16,-1 1-16,1-1 0,24 25 15,-24-24-15,24 23 16,0-23-16,0 24 0,24-25 16,0 1-16,1-1 0,24-24 15,0 0-15,-25 0 16,25-24-16,0-1 0,-25 1 16,0-1-16,1 1 15,-25-25-15,0 25 0,-25-25 16,1 24-16,0 1 0,-25-1 15,24 1-15,-23 24 16,23 0-16,1 0 0,-1 0 16,1 0-16,48 0 31,1 0-31,-1 0 0,1 0 16,23 0-16,1 0 15,0 0-15,-25-24 0,25 24 16,-24 0-16,24-25 0,-25 25 15,0 0-15,1 0 16,-25 25 0,0-1-1,-25 0-15,25 1 16,0-1-16,0 1 16,25-1-16,-25 1 0,24-25 15,1 48-15,-1-23 0,1-1 16,-1 1-16,0-1 15,25 1-15,-24-25 0,-1 0 16,0 0-16,25 0 16,-24 0-16,-1-25 0,1 1 15,-1-25-15,0 24 0,-24-23 16,0 23-16,0-24 16,-48 0-16,23 25 0,-48 0 15,0-1-15,-1 25 0,-23 0 16,-25 25-16</inkml:trace>
-  <inkml:trace contextRef="#ctx0" brushRef="#br0" timeOffset="-222408">10384 7620 0,'-24'-25'15,"-25"25"-15,0-24 16,-24 24-16,-1-25 0,1 25 16,0 0-16,-1 0 0,1 25 15,24-1-15,-24 1 16,24 23-16,0 1 0,25 0 15,0 24-15,-1-24 16,25 24-16,0 1 0,25-1 16,-1 0-16,25-24 0,0 0 15,24 0-15,0 0 16,0-25-16,1-24 0,23 0 16,1 0-16,0-49 15,-25 25-15,0-25 0,1-24 16,-1-1-16,-49 1 0,1 0 15,-1 0-15,-24-1 16,-24 1-16,-1 0 0,-24 24 16,1 0-16,-1 0 15,-24 25-15,24 24 0,0 0 16,0 0-16,0 0 0,25 24 16</inkml:trace>
-  <inkml:trace contextRef="#ctx0" brushRef="#br0" timeOffset="-221010">13046 7815 0,'0'24'63,"24"-24"-32,1 0-31,-1 0 0,50 0 16,-1 0-16,25 0 0,24 0 15,24 0-15,25 0 16,0 0-16,0 0 0,0 0 15,-24 0-15,-1 0 16,-24 0-16,-24 0 0,-25 0 16,0 25-16,-24-25 0,-24 0 15,-50 0 1,1 0-16,24-25 16,-25 25-16,1 0 15,0-24-15</inkml:trace>
-  <inkml:trace contextRef="#ctx0" brushRef="#br0" timeOffset="-220049">13315 2833 0,'-25'0'16,"50"0"31,24 0-47,-1 24 0,1-24 16,49 0-16,0 0 15,24 0-15,0 0 0,0 0 16,0 0-16,25 0 15,-50 0-15,25-24 0,-48 24 16,-1 0-16,-24 0 0,24-25 16</inkml:trace>
+  <inkml:trace contextRef="#ctx0" brushRef="#br0" timeOffset="75979.72">8699 512 0,'24'0'32,"1"0"-32,-1 0 15,25 0-15,24-24 0,49 24 16,0 0-16,25 0 16,-1 0-16,25 24 0,0 1 15,-24-1-15,-1 1 0,1 24 16,-25-1-16,-24 1 15,-1 0-15,-23 0 0,-1 0 16,-24 24-16,0-24 16,0 0-16,-25-25 0,25 25 15,-25 0-15,-24-25 0,25 25 16,-1-24-16,-24-1 16,25 0-16,-25 1 0,24-25 15,-24 24-15,24-24 0,-24 25 16,25-25-16,-1 0 15,-24 24 17,25-24-32,-25 24 31,24-24-31</inkml:trace>
+  <inkml:trace contextRef="#ctx0" brushRef="#br0" timeOffset="76423.72">10824 1367 0,'0'-24'0,"24"24"47,-24 24-32,24 1 1,1-1-16,-25 0 0,24 1 16,1-25-16,-25 24 15,24 1-15,0-25 0,1 24 16,-1-24-16,1 0 0,24 0 15,-25 0-15,0 0 16,1-24-16,-1-1 0,1 25 16,-1-24-16,-24-1 0,25 1 15,-25 0-15,0-1 16,0 1-16,24 24 0,-24-25 16,0 50 15,-24-1-31,24 1 15,-25-1-15,25 0 16,-24 1-16,24-1 0,0 25 16,0-24-16</inkml:trace>
+  <inkml:trace contextRef="#ctx0" brushRef="#br0" timeOffset="79082.72">19762 5837 0,'0'-25'16,"25"25"15,-1 0-31,1 0 16,23 0-16,1 0 0,25 0 15,-1 25-15,25-25 16,24 0-16,-25 0 0,26 0 16,-1 24-16,0-24 0,0 0 15,-24 0-15,-25 0 16,24 0-16,-48 0 0,0 0 15,0 0-15,-25 0 16,-24-24 0,-24 24-16,24-25 15,-24 25-15,-1-24 0,1-1 16</inkml:trace>
+  <inkml:trace contextRef="#ctx0" brushRef="#br0" timeOffset="79389.72">21081 5666 0,'-24'0'16,"24"-25"-16,-25 25 15,1 0 1,48 0 15,-24 25-31,25-25 16,-1 0-16,1 24 15,-1-24-15,0 25 0,25-1 16,-24-24-16,-1 24 0,1 1 16,-1-1-16,-24 1 15,0-1-15,0 0 0,-24 1 16,-1-1-16,1 1 16,-1-1-16,1 1 0,-25-1 15,25-24-15,24 24 16,-25-24-16,1 25 0</inkml:trace>
+  <inkml:trace contextRef="#ctx0" brushRef="#br0" timeOffset="80120.72">21814 5739 0,'0'-24'15,"0"-1"1,24 25 0,1 0-1,-25 25 1,0-1-16,24 25 0,-24-25 16,0 25-16,0 0 0,0-25 15,0 25-15,0 0 16,0 0-16,0 0 0,0-25 15,0 25-15,0-25 16,25 1-16,-25-1 0,24 1 16,0-1-16,1-24 15,-1-24 1,1 24-16,-25-25 0,24 1 16,-24-1-16,25 1 15,-25-25-15,24 25 0,-24-1 16,24-24-16,1 25 0,-25-25 15,24 25-15,1-1 16,-1 1-16,1 0 0,-1-1 16,0 1-16,-24-1 15,25 1-15,-1 24 0,1-25 16,-25 1 109</inkml:trace>
+  <inkml:trace contextRef="#ctx0" brushRef="#br0" timeOffset="77624.72">14414 2393 0,'-25'24'16,"25"1"-16,0-1 16,0 1-16,-24-1 0,24 25 15,24 0-15,-24 24 0,49-24 16,-24 24-16,-1 25 16,25 0-16,-25-1 0,25 1 15,-24 24-15,-25 0 16,0 25-16,0-1 0,0 1 15,-25 24-15,1-25 0,-1 25 16,-24-24-16,25 24 16,0 0-16,-1 0 0,1 0 15,-1 0-15,1 0 16,24 0-16,-25-25 0,25 25 16,0-24-16,0 24 0,0-25 15,0 1-15,25-1 16,-25 1-16,24-1 0,-24-24 15,0 0-15,0 1 16,0-1-16,0-25 0,-24-23 16,24-1-16,-25 0 0,1 0 15,24-24-15,-24-24 16,-1 24-16,25-25 0,-24 0 16,-1 1-1,25-1-15,-24-24 0,-1 25 16,25-1-16,-24-24 0,0 25 15,-1-1 1,1-24-16,24 24 16,24 1-1,-24-50 17,0 1-17,-24 24 1</inkml:trace>
+  <inkml:trace contextRef="#ctx0" brushRef="#br0" timeOffset="78027.72">13852 8108 0,'0'-24'0,"0"48"31,0 0-15,24-24 0,-24 25-16,0-1 0,25 1 15,-1-1-15,1 1 16,-25-1-16,24-24 16,1 24-16,-1-24 0,-24 25 15,24-25-15,1 0 0,-1 0 16,25 0-16,-24-25 15,-1 25-15,25 0 0,-25-24 16,25 24-16,-25 0 16,1-24-16,24 24 0,-25-25 15,1 25 1,-50 0 15,25 25-15,-24-25-16,-1 24 15,1-24 1</inkml:trace>
+  <inkml:trace contextRef="#ctx0" brushRef="#br0" timeOffset="78692.72">15610 5886 0,'0'24'15,"0"0"17,0 1-1,-24-1-16,24 1-15,-24-1 16,-1 0-16,25 25 0,-24 0 16,-1-24-16,25 23 15,-24 1-15,24-24 0,0 24 16,24-25-16,1-24 16,24 24-16,24-24 0,0-24 15,0 24-15,50-49 0,-1 25 16,0-25-16,24 0 15,25 0-15,-24 0 0,24 0 16,24 1-16,-24-1 0,0 0 16,0 0-16,0 25 15,-24-1-15,-25 1 0,0 24 16,0-25-16,-49 25 16,0 0-16,-24 0 0,0 0 15,-24 0-15,-1 0 0,0-24 16,-24 0 15,-24 24-15,24-25-16,-24 25 15,-1 0-15</inkml:trace>
+  <inkml:trace contextRef="#ctx0" brushRef="#br0" timeOffset="198308.72">5817 2515 0,'-25'0'16,"1"0"-16,0 0 0,-25 0 16,24 0-16,-24 0 15,1 25-15,-1-25 0,0 24 16,0 0-16,0 1 16,0-1-16,1 25 0,23 0 15,1 24-15,-1-24 0,25 24 16,0 1-16,49-26 15,-24 26-15,23-25 0,26 24 16,-26-49-16,50 25 16,-25-24-16,25-1 0,0-24 15,-25 0-15,25-24 0,-1-1 16,1-24-16,-25 0 16,1 1-16,-25-1 0,24-25 15,-49 1-15,1-25 16,-25 25-16,-25 0 0,-24 0 15,1-1-15,-50 26 0,0-1 16,-24 24-16,-25 25 16,1 25-16,-49-1 0,24 25 15</inkml:trace>
+  <inkml:trace contextRef="#ctx0" brushRef="#br0" timeOffset="199951.72">6061 7253 0,'-24'0'16,"-1"0"-16,1 0 0,-25 0 15,0 25-15,0-25 0,-24 24 16,0 0-16,-1 1 16,1-1-16,0 25 0,0 0 15,-1 24-15,26-24 16,-1 24-16,24 1 0,1 23 15,24-23-15,0-1 0,0 0 16,49 0-16,0 1 16,24-25-16,0-1 0,25 1 15,24-24-15,0-1 16,24-24-16,1 0 0,-25-24 16,25-1-16,-25-24 0,0-24 15,-24 24-15,-25-48 16,-24 23-16,-25-23 0,-24-1 15,0 0-15,-49 25 16,-24-25-16,-25 49 0,-24 1 16,-49-1-16,0 49 0,-24 0 15,-25 24-15,25 25 16,-1 0-16</inkml:trace>
+  <inkml:trace contextRef="#ctx0" brushRef="#br0" timeOffset="53458.72">10579 7351 0,'25'24'16,"-1"-24"0,1 0-1,-25 25 1,24-1-16,-24 1 15,0-1 1,0 0-16,-24 25 0,24-24 16,0 24-16,0-1 0,0 1 15,0 0-15,0 0 16,0 0-16,0 0 0,0-1 16,24 1-16,0 0 15,-24 0-15,25 0 0,-25 24 16,0-24-16,24 24 0,-24 0 15,0 1-15,0-1 16,0 0-16,0 25 0,0-25 16,0 1-16,0-1 15,0 25-15,0-50 0,0 26 16,25-1-16,-25-24 0,0 0 16,0 24-16,0-49 15,0 25-15,0 0 0,0 0 16,0-25-16,0 25 15,0-25-15,0 1 0,0 24 16,0-25-16,0 1 0,0-1 16,0 0-16,0 1 15,0-1-15,0 1 0,0-1 16,0 1-16,0 23 0,0-23 16,0-1-16,0 1 15,0-1-15,0 1 0,0-1 16,0 0-1,0 1-15,0-1 0,0 1 16,0-1-16,0 1 16,24-1-16,-24 0 0,25 1 15,-1-25 1,0 0 0,-24 24 15,25-24-16,-25 25-15,24-25 16,1 0 0,-1 0-16,1-25 15,-1 25-15,0 0 0,1 0 16,-1 0-16,25-24 16,0 24-16,0 0 0,0 0 15,-1 0-15,26 0 16,-1-25-16,25 25 0,-1 0 15,1-24-15,24 0 16,0 24-16,0-25 0,25 1 16,-25 24-16,0-25 0,-24 25 15,24 0-15,-49-24 16,25 24-16,-49 0 0,24 0 16,-24-25-16,0 25 0,0 0 15,-1-24-15,1 24 16,0-24-16,-24 24 0,23-25 15,-23 25-15,24-24 16,-25 24-16,1 0 0,-1 0 16,-24-25-16,0 1 31,0-1-31</inkml:trace>
+  <inkml:trace contextRef="#ctx0" brushRef="#br0" timeOffset="54513.72">13754 7351 0,'0'24'47,"0"1"-31,0-1-16,25 25 15,-25-25-15,0 50 0,0-25 16,0 24-16,0 0 16,0 0-16,0 1 0,0-1 15,0 25-15,0-25 16,24 25-16,-24-25 0,25 0 15,-25 25-15,24-25 0,-24 25 16,24-25-16,-24 0 16,0 25-16,0-25 0,0 1 15,0-1-15,0-24 16,0 24-16,25 0 0,-25-24 16,0 24-16,24-24 0,-24 0 15,0 0-15,25 0 16,-25-1-16,24-23 0,-24-1 15,0 25-15,0-24 16,0-1-16,0 0 16,0 1-16,0-1 31,0 1-15,0-1-1,0 1 1,0-1-16,0 0 15,0 1 1,0-1-16,0 1 31,0-1 1,0-48 30,0-1-46,-24 25-16,-1-24 15,1 24-15,-1-25 0,-23 25 16,-1 0-16,0 0 16,-24 25-16,-25-25 0,0 24 15,1-24-15,-1 25 0,25-25 16,-25 0-16,25 0 15,-1 0-15</inkml:trace>
+  <inkml:trace contextRef="#ctx0" brushRef="#br0" timeOffset="55496.72">11214 8352 0,'-24'0'16,"-1"0"-1,1 0 1,0 0-16,-1 0 16,1 0-16,-1-24 0,1 24 15,-1 0-15,25-25 16,25 25 46,-1 0-62,25 0 0,0 0 16,0 0-16,49 0 16,-1 0-16,25-24 0,1 24 15,47-24-15,1 24 16,0-25-16,25 1 0,-1 24 15,-24-25-15,0 25 0,-24 0 16,-1-24-16,-24 24 16,-24 0-16,-25 0 0,0 0 15,-24-25-15,0 25 0,-24 0 16,-1 0-16,0 0 16,1 0-16,-1 0 0,1 0 15</inkml:trace>
+  <inkml:trace contextRef="#ctx0" brushRef="#br0" timeOffset="56260.72">11043 9329 0,'-24'0'0,"-1"0"15,1 25 16,24-1 1,24-24-32,1 0 15,-1 0-15,25 0 0,24-24 16,1 24-16,23 0 16,26-25-16,23 25 0,1-24 15,24-1-15,0 25 0,-1-24 16,1-1-16,25 25 15,-25-24-15,0 24 0,-25 0 16,1-24-16,-1 24 16,-24-25-16,1 25 0,-26 0 15,-23 0-15,-1 0 16,-49 0-16,25-24 0,-73 24 47,-1 0-32</inkml:trace>
+  <inkml:trace contextRef="#ctx0" brushRef="#br0" timeOffset="62458.72">11288 6594 0,'0'-25'15,"24"25"1,-24-24-16,24 0 15,-24-1-15,0 1 16,0-1-16,0 1 16,-24-1-16,0 25 0,-1-24 15,-24 24-15,0 24 16,25 1-16,-25-1 0,0 1 16,25-1-16,-1 1 0,1 23 15,24-23-15,0-1 16,0 1-16,0-1 0,0 0 15,24-24-15,1 25 0,24-25 16,-25 0-16,25 0 16,-25-25-16,25 25 0,0-24 15,-24 0-15,-1-1 16,0 25-16,1-24 0,-25-1 16,24 1-16,-24 48 31,0 1-31,0-1 15,0 25-15,0 0 16,-24 0-16,24 0 0,0-1 16,0 26-16,0-25 0,0-1 15,0-23-15,0-1 16,0 1-16,24-1 0</inkml:trace>
+  <inkml:trace contextRef="#ctx0" brushRef="#br0" timeOffset="62920.72">11825 6862 0,'0'-24'0,"-25"0"16,1 24 0,24 24-1,-24 0-15,24 1 0,-25-1 16,25 1-16,0-1 15,0 25-15,25-25 0,-1 1 16,0-1-16,1 1 0,24-25 16,-25 24-16,25-24 15,-25 0-15,25 0 0,-24-24 16,-1 24-16,-24-25 16,0 1-16,0-1 0,0 1 15,-24-25-15,-1 25 0,-24-25 16,1 0-16,-1 25 15,0-25-15,0 0 0,0 0 16,25 0-16,-1 25 16,25-25-16,0 25 0,25-1 15,-1 1-15,25-1 0,0 25 16,0 0-16,0 0 16,-1 0-16,-23 0 0,-1 25 15,1 24-15,-25-25 0,0 25 16,-25 0-16,1-1 15,-1 1-15,-23 0 0,23 0 16,-24 0-16,25-25 16,-1 1-16</inkml:trace>
+  <inkml:trace contextRef="#ctx0" brushRef="#br0" timeOffset="63261.72">12387 6691 0,'24'0'0,"-48"0"32,-1 0-17,1 25 1,-1-1-16,1 1 0,0 24 16,24-25-16,0 25 0,0 0 15,0 0-15,0-25 16,24 25-16,0-25 0,25-24 15,-24 25-15,23-25 16,1 0-16,0-25 0,0 1 16,0-1-16,-25-23 0,1-1 15,-1 0-15,-24-24 16,-24 24-16,24 0 0,-49 0 16,0 0-16,0 25 15,-24 24-15,24 0 0,-24 0 16,0 24-16,24 1 0,0 23 15</inkml:trace>
+  <inkml:trace contextRef="#ctx0" brushRef="#br0" timeOffset="63945.72">11239 7620 0,'-25'0'0,"-24"0"0,49-25 15,-24 25-15,0-24 16,24-1-16,0 1 15,24-1-15,25 25 16,-25-24-16,1 24 16,24 0-16,-1 0 0,-23 0 15,24 0-15,-25 24 0,1-24 16,-1 25-16,-24-1 16,0 1-16,0-1 0,-24 1 15,24-1-15,-25 0 16,1 1-16,-25-1 0,24 1 15,1-1 1,0 1-16,48-1 16,0-24-16,1 24 15,-1-24-15,25 25 16,0-25-16,-25 24 0,25-24 16,-24 25-16,-1-1 0,1-24 15,-25 24-15,0 1 16,-25-1-16,25 1 0,-49-25 15,25 24-15,-25 1 16,0-25-16,0 0 0,25 0 16,-25 0-16,0 0 0,25-25 15,-1 25-15,1-24 16</inkml:trace>
+  <inkml:trace contextRef="#ctx0" brushRef="#br0" timeOffset="64317.72">11874 7742 0,'0'-25'0,"-25"25"0,1-24 16,-1-1-16,25 1 16,25 0-1,-1 24-15,1 0 0,-1 0 16,1 0-16,23 0 15,-23 24-15,24 0 0,-25-24 16,-24 25-16,0-1 0,0 1 16,0-1-16,-24 0 15,-1 25-15,1-49 0,-25 25 16,25-1-16,-1 1 16,1-25-16,24 24 0,-25-24 15,50 24 1,-1-24-1,1 0-15,-1 0 0,25 0 16,0 0-16,0 0 16,-1 0-16,1 0 0,0-24 15,0 24-15,0-24 0</inkml:trace>
+  <inkml:trace contextRef="#ctx0" brushRef="#br0" timeOffset="64665.72">12533 7766 0,'25'-24'0,"-1"-1"15,-24 1 1,24 24 0,-24 24-1,-24 1-15,0-25 16,24 24-16,-25 25 16,1-25-16,-1 1 0,25 24 15,-24-25-15,24 25 16,0-25-16,0 1 0,24-1 15,1 1-15,24-25 0,-1 24 16,1-24-16,0 0 16,-24-24-16,23 24 0,1-25 15,0 1-15,-25-1 16,1 1-16,-1-1 0,-24-23 16,0-1-16,0 24 15,-24-23-15,24 23 0,-49 1 16,25-1-16,-25 25 0,0 0 15,0 0-15,0 0 16,0 0-16,1 25 0,-1-25 16</inkml:trace>
+  <inkml:trace contextRef="#ctx0" brushRef="#br0" timeOffset="65811.72">11410 8767 0,'24'0'0,"-24"-24"16,0 48 15,0 1-15,0-1-16,0 1 15,-24-1-15,24 25 0,0-25 16,0 25-16,0 0 0,24 0 16,-24 0-16,25-25 15,-1 25-15,25-25 0,-25-24 16,25 0-16,-25 0 0,25 0 15,-24-24-15,24 24 16,-25-49-16,25 25 0,-49-1 16,24-23-16,1 23 15,-25-24-15,24 25 0,-24-1 16,0 1-16,0 0 0,0 48 31,-24 0-31,24 25 0,0 0 16,0 0-16,0 24 15,24-24-15,-24 24 0,25-24 16,-1 0-16,0-25 0,-24 1 16,25-1-16,-1-24 15,1 0-15</inkml:trace>
+  <inkml:trace contextRef="#ctx0" brushRef="#br0" timeOffset="66219.72">12216 8890 0,'0'-25'16,"-25"1"-1,25-1 1,0 50 0,25-25-1,-25 24-15,0 25 16,0-25-16,24 1 0,-24 24 15,0-25-15,0 1 0,24-1 16,1 0 0,-1-24-16,1 0 0,-1 0 15,1-24-15,-1 24 16,0-24-16,1-1 0,-1 1 16,-24-25-16,25 24 0,-25 1 15,0 0-15,0-1 16,24 1-16,-24-1 0,0 50 15,0-1 1,0 1-16,0-1 0,0 25 16,0 0-16,0 0 15,25 24-15,-25-49 0,0 25 16,24-25-16,-24 25 0,0-24 16</inkml:trace>
+  <inkml:trace contextRef="#ctx0" brushRef="#br0" timeOffset="66597.72">12924 8816 0,'0'-24'0,"-24"24"16,24-25-1,-25 25-15,1 25 16,24-1-1,0 25-15,0-24 16,0-1-16,0 25 0,0 0 16,0 0-16,24-25 15,-24 25-15,25-25 0,-1 1 16,0-25-16,25 0 16,0 0-16,-25 0 0,25 0 15,0-25-15,-24-24 0,23 25 16,-23-25-16,-25 0 15,0 0-15,0 1 0,0-1 16,-49 0-16,25 24 0,-25-23 16,24 23-16,-24 25 15,1 0-15,-1 0 0,0 0 16,25 25-16,-25-25 16,24 24-16,1 0 0</inkml:trace>
+  <inkml:trace contextRef="#ctx0" brushRef="#br0" timeOffset="67473.72">11605 9622 0,'0'-24'16,"0"-1"-16,0 1 15,25 24-15,-25-24 16,24 24-16,0 0 0,1-25 16,-1 25-1,1 0-15,-1 0 0,-24 25 16,0-1-16,0 0 16,-24-24-1,-1 25-15,1-25 0,-25 0 16,25 24-16,-25-24 15,24 0-15,1 0 0,-25 0 16,25-24-16,24-1 16,24 1-1,0 0-15,1 24 16,-1-25-16,25 25 16,-24 0-16,-1 0 0,25 0 15,-25 25-15,1-1 0,-1 49 16,-24-48-1,0 23-15,-24 1 0,-1-24 16,1 24-16,-25-1 0,25-23 16,-25-1-16,0 1 15,0-1-15,25 1 0,-1-25 16,1 0-16,-1-25 16,25 1-16,0-1 15,25 1-15,-1-1 0,1 1 16,23 0-16,1 24 15,-24 0-15,24 0 0,-25 0 16,25 0-16,-25 24 16,1 25-16,-1-25 0,0 1 15,1-1-15,-25 1 16,24-1-16,-24 0 0,25 1 16</inkml:trace>
+  <inkml:trace contextRef="#ctx0" brushRef="#br0" timeOffset="68128.72">12142 9818 0,'25'-25'0,"-25"-24"15,24 25-15,1-1 16,-25 1-16,0 0 16,-25 24-1,25 24-15,-24 0 16,-1 1-16,1-1 0,24 25 15,-24-24-15,24 23 16,0-23-16,0 24 0,24-25 16,0 1-16,1-1 0,24-24 15,0 0-15,-25 0 16,25-24-16,0-1 0,-25 1 16,0-1-16,1 1 15,-25-25-15,0 25 0,-25-25 16,1 24-16,0 1 0,-25-1 15,24 1-15,-23 24 16,23 0-16,1 0 0,-1 0 16,1 0-16,48 0 31,1 0-31,-1 0 0,1 0 16,23 0-16,1 0 15,0 0-15,-25-24 0,25 24 16,-24 0-16,24-25 0,-25 25 15,0 0-15,1 0 16,-25 25 0,0-1-1,-25 0-15,25 1 16,0-1-16,0 1 16,25-1-16,-25 1 0,24-25 15,1 48-15,-1-23 0,1-1 16,-1 1-16,0-1 15,25 1-15,-24-25 0,-1 0 16,0 0-16,25 0 16,-24 0-16,-1-25 0,1 1 15,-1-25-15,0 24 0,-24-23 16,0 23-16,0-24 16,-48 0-16,23 25 0,-48 0 15,0-1-15,-1 25 0,-23 0 16,-25 25-16</inkml:trace>
+  <inkml:trace contextRef="#ctx0" brushRef="#br0" timeOffset="207088.72">10384 7620 0,'-24'-25'15,"-25"25"-15,0-24 16,-24 24-16,-1-25 0,1 25 16,0 0-16,-1 0 0,1 25 15,24-1-15,-24 1 16,24 23-16,0 1 0,25 0 15,0 24-15,-1-24 16,25 24-16,0 1 0,25-1 16,-1 0-16,25-24 0,0 0 15,24 0-15,0 0 16,0-25-16,1-24 0,23 0 16,1 0-16,0-49 15,-25 25-15,0-25 0,1-24 16,-1-1-16,-49 1 0,1 0 15,-1 0-15,-24-1 16,-24 1-16,-1 0 0,-24 24 16,1 0-16,-1 0 15,-24 25-15,24 24 0,0 0 16,0 0-16,0 0 0,25 24 16</inkml:trace>
+  <inkml:trace contextRef="#ctx0" brushRef="#br0" timeOffset="208486.72">13046 7815 0,'0'24'63,"24"-24"-32,1 0-31,-1 0 0,50 0 16,-1 0-16,25 0 0,24 0 15,24 0-15,25 0 16,0 0-16,0 0 0,0 0 15,-24 0-15,-1 0 16,-24 0-16,-24 0 0,-25 0 16,0 25-16,-24-25 0,-24 0 15,-50 0 1,1 0-16,24-25 16,-25 25-16,1 0 15,0-24-15</inkml:trace>
+  <inkml:trace contextRef="#ctx0" brushRef="#br0" timeOffset="209447.72">13315 2833 0,'-25'0'16,"50"0"31,24 0-47,-1 24 0,1-24 16,49 0-16,0 0 15,24 0-15,0 0 0,0 0 16,0 0-16,25 0 15,-50 0-15,25-24 0,-48 24 16,-1 0-16,-24 0 0,24-25 16</inkml:trace>
   <inkml:trace contextRef="#ctx0" brushRef="#br0" timeOffset="-163337">31021 3492 0,'-24'0'47,"24"24"-47,0 1 15,0-1 1,0 25-16,0 0 16,-24 0-16,24 0 0,0 0 15,0 24-15,-25-24 0,25 24 16,0-24-16,0 0 15,0-1-15,0 1 0,0 0 16,0 0-16,0-25 16,0 1-16,0-1 0,0 1 15,0-1-15,0 1 0,0-1 16,0 0 0,0 1-16,0-1 15,25 1 16,-1-25-31,0 0 0,1 0 16,24 0-16,24 0 16,-24-25-16,24 25 0,0 0 15,25 0-15,-25 0 16,25 0-16,0 0 0,-1 0 16,26 25-16,-26-25 0,25 24 15,-24 0-15,24 1 16,0-1-16,-24 1 0,24-1 15,0 1-15,0-1 16,-24 0-16,0 1 0,-1-1 16,1-24-16,-25 25 0,1-25 15,-1 0-15,0 0 16,-24 0-16,24 0 0,-24 0 16,24-25-16,-24 25 15,0 0-15,-25 0 0,25 0 16,0-24-16,-24 24 0,-1 0 15,0 0-15,-24-25 16,25 25-16,-25-24 16,0 0-1,0-1-15,-25 1 16,25-1 0,0 1-16,0-1 15,0-23-15,0 23 16,25 1-16,-25-25 15,24 25-15,1-25 0,-1-25 16,1 26-16,-1-1 0,-24 0 16,24-24-16,1 24 15,-25 0-15,24 0 0,-24 0 16,0 25-16,0-25 0,0 25 16,0-1-16,0-24 15,0 25-15,0-1 16,0 1-16,0 0 15,-24 24 17,-1 0-32,1 0 15,0 0-15,-25 24 0,24-24 16,-24 0-16,1 0 16,-1 24-16,0-24 0,-24 0 15,24 25-15,-25-25 0,1 0 16,-24 0-16,23 0 15,-23-25-15,-1 25 0,-24-24 16,0 24-16,0-24 16,24 24-16,-24-25 0,0 1 15,24 24-15,0-25 0,1 25 16,23 0-16,-23-24 16,-1 24-16,25 0 0,-1-25 15,-23 25-15,23 0 16,1-24-16,24 24 0,-24-24 15,24 24-15,0 0 0,0-25 16,25 25-16,0 0 16,-1 0-16,1 0 15,-1 25 1,1-25 0,24 24-16,-25-24 15,1 0-15,0 0 16,-1 0-16,1 0 15,24 24 1</inkml:trace>
   <inkml:trace contextRef="#ctx0" brushRef="#br0" timeOffset="-162930">32487 3712 0,'-25'0'0,"25"-25"15,0 1 1,0 48 15,0 1-31,0-1 16,-24 25-16,24-24 16,0 48-16,-24-24 0,24-1 15,-25 26-15,25-25 0,0 24 16,-24-24-16,24 0 15,0 24-15,0-24 0,0 0 16,0-25-16,0 25 0,0-25 16,0 1-16,0-1 15</inkml:trace>
   <inkml:trace contextRef="#ctx0" brushRef="#br0" timeOffset="-159522">31241 3614 0,'0'25'0,"0"-1"15,-24 0 32,-1-24-31,1 25-16,0-1 15,-1 1-15,1-1 16,-25 25-16,49-25 0,-25 1 16,25 24-16,0-1 0,25-23 15,-1-1-15,1 25 16,24-49-16,-1 25 0,1-1 16,0-24-16,0 0 15</inkml:trace>
@@ -3630,14 +3635,14 @@
   <inkml:trace contextRef="#ctx0" brushRef="#br0" timeOffset="-157842">30411 439 0,'0'-24'15,"24"24"32,-24 24-47,0 1 16,25-1-16,-25 0 0,24 1 16,-24-1-16,0 25 15,25-24-15,-25 23 0,0-23 16,0 24-16,0-25 0,0 25 15,0-25-15,0 25 16,0-24-16</inkml:trace>
   <inkml:trace contextRef="#ctx0" brushRef="#br0" timeOffset="-154289">31412 97 0,'-24'-24'16,"24"-1"-16,-25 1 16,25 0-16,25 24 15,-1 24 1,1 0-1,23 1-15,1 24 0,0 24 16,24 25-16,1-1 16,-1 25-16,0 25 0,25 0 15,0 23-15,-1 1 0,25 0 16,-24 25-16,0-25 16,0 24-16,-25-24 0,24 0 15,-23 0-15,-1 0 16,-24-25-16,0-23 0,24 23 15,-24-24-15,-25 0 0,25 1 16,0-1-16,-25-25 16,25 25-16,-24-24 0,-1-25 15,0 25-15,1-49 16,-1 24-16,1-24 0,-25 0 16,24-25-16,-24 1 0,25-1 15,-25 1 1,24-25-16,-24 24 15,24 0 1,-24 1 0,0-50 15,0 1-31,-24 0 0</inkml:trace>
   <inkml:trace contextRef="#ctx0" brushRef="#br0" timeOffset="-153359">34074 488 0,'0'-24'31,"-24"-1"-15,-1 25-1,1 0 16,0 0-15,-1 25 0,25-1-1,-24 0-15,-1 1 0,1-1 16,-1 25-16,-23 0 16,-1 0-16,-24 24 0,-1 25 15,-23-1-15,-1 26 16,0-1-16,-24 24 0,0 1 15,0 24-15,0 0 0,0 0 16,24 0-16,0 0 16,1-25-16,-1 1 0,25-1 15,-1 1-15,25-25 16,-24 0-16,0-24 0,24 24 16,-24-25-16,24 1 0,-24 0 15,24-25-15,0 0 16,0 1-16,0-1 0,0-24 15,25 0-15,0-25 16,-1 25-16,1-25 0,24 1 16,-25-25-16,25 24 15,0 1 1,-24-25-16,24 24 16,0 0 15,0-48 94,24 24-125,-24-24 0,0-1 15</inkml:trace>
-  <inkml:trace contextRef="#ctx0" brushRef="#br0" timeOffset="-238717">18370 7278 0,'0'-25'0,"-24"1"16,-1 24-16,1-25 15,0 25-15,-25 0 16,0 0-16,-24 0 0,24 0 16,-25 0-16,26 25 0,-1-1 15,0 1-15,25-1 16,-1 0-16,25 1 0,25-1 15,-1 1-15,25 24 16,24-25-16,0 25 0,1-25 16,23 25-16,-23-24 0,-26 23 15,26 1-15,-50-24 16,-24-1-16,0 25 0,-24-25 16,-25 1-16,-24-1 15,-1-24-15,1 0 0,-25 0 16,25 0-16,0 0 0,24-24 15,25-1-15,-1-23 16,25 23-16</inkml:trace>
-  <inkml:trace contextRef="#ctx0" brushRef="#br0" timeOffset="-238093">19054 7644 0,'25'0'0,"-1"-24"0,-24-1 16,0 1-16,0-1 15,-24 1-15,-1-1 16,1 25-16,-1-24 16,-24 24-16,25 0 0,-25 24 15,25 1-15,-25-1 0,24 25 16,1-24-16,24 23 15,-24-23-15,24 24 0,0-1 16,0-23-16,0 24 0,0-25 16,24 1-16,0-1 15,1-24-15,-1 0 16,1-24 0,-1 24-16,1-25 0,-1 1 15,-24-1-15,24 1 16,-24-1-16,0 1 0,0 0 15,0-1-15,25 25 0,-25 25 32,0-1-32,0 0 0,24 1 15,-24-1-15,25 25 0,-1-24 16,1-1-16,23-24 16,1 24-16,-24-24 0,24 0 15,-1 0-15,-23-24 16,24 0-16,-25-25 0,25 0 15,-49 0-15,24 0 0,-24-24 16,0 24-16,-24-24 16,-1 0-16,25 24 0,-24 0 15,0 0-15,24 25 16,-25 48-16,25 0 16,0 1-16,0 24 0,25 24 15,-25 0-15,24 1 16,-24-26-16,0 26 0,24-26 15,-24 26-15,25-50 16,-25 1-16</inkml:trace>
-  <inkml:trace contextRef="#ctx0" brushRef="#br0" timeOffset="-237715">20055 7668 0,'-24'25'0,"0"-1"15,-25 1-15,24-1 16,1-24-16,-1 25 0,50-50 31,-1 25-31,1-24 16,24 24-16,-1-25 0,1 25 16,0-24-16,0-1 15,-25 25-15,25-24 0,-24 0 16,-1 24-16,-24-25 15,0 1-15,-24-1 16,-1 1-16,-24 24 0,25 0 16,-25-25-16,0 25 15,0 0-15,1 25 0,23-1 16,-24 1-16,25-1 0,-1 25 16,25-25-16,0 25 15,0 0-15,0 0 0,25-25 16,24 25-16,-25-24 15,25-1-15,0 0 0,0 1 16,0-25-16</inkml:trace>
-  <inkml:trace contextRef="#ctx0" brushRef="#br0" timeOffset="-237379">20764 7620 0,'24'-25'0,"-24"1"15,25-1-15,-25 1 16,0-1 0,-25 1-16,1 24 15,-25 0-15,24 24 16,1-24-16,0 25 16,-1-1-16,1 1 0,-1-1 15,25 1-15,25-1 16,-25 0-16,24 25 0,25-24 15,0-1-15,-25 1 0,25-1 16,0 25-16,-25-25 16,1 1-16,-1-1 0,-24 0 15,-24 1 1,-1-25-16,-23 0 0,-26 0 16,25 0-16,-24 0 0,24 0 15,0-25-15,1 1 16</inkml:trace>
-  <inkml:trace contextRef="#ctx0" brushRef="#br0" timeOffset="-236857">21545 7766 0,'-24'0'15,"-1"0"1,1 0-1,48 0 1,1 0-16,-1 0 16,50 0-16,-1 0 0,0 0 15,25 0-15,-25 0 0,0 0 16,1 0-16,-1 0 16,-49 0-16,1 0 0,-50 0 15,1 0 1,-1 24-16,1-24 15,-25 0-15</inkml:trace>
-  <inkml:trace contextRef="#ctx0" brushRef="#br0" timeOffset="-236520">23279 7546 0,'25'-24'0,"-1"24"0,1-25 16,-1 1-16,-24 0 0,0-1 15,-24 1-15,-1-1 16,-24 25-16,0-24 0,1 24 16,-1 0-16,0 24 0,0 1 15,0-1-15,25 25 16,-25-25-16,25 25 0,24 0 15,0 0-15,0 0 16,24 0-16,0-1 0,1 1 16,24 0-16,-1-24 0,26-1 15,-25 0-15,24-24 16,0 0-16,-24 0 0,0 0 16,24-24-16,-24 0 15</inkml:trace>
-  <inkml:trace contextRef="#ctx0" brushRef="#br0" timeOffset="-236251">23817 7497 0,'24'-24'0,"0"0"15,1-1-15,-1 1 0,1-1 16,-25 1-16,24-1 0,1 1 16,-25 48 15,0 1-31,0 24 0,0 0 15,0-1-15,0 26 16,24-25-16,-24 24 0,24 0 16,-24-24-16,25 24 15,-1-48-15,-24 23 0,25-23 16,-25-1-16,0 1 16,0-50-1,0 1-15,0-1 0,0 1 16</inkml:trace>
-  <inkml:trace contextRef="#ctx0" brushRef="#br0" timeOffset="-235909">24842 7546 0,'-24'0'16,"0"0"0,48-24-1,0 24-15,25 0 16,0 0-16,24 0 16,1 0-16,-1 0 0,25 0 15,-1 0-15,1 0 16,-25 0-16,25 0 0,-25 0 15,-24 0-15,0 0 0,-25 0 16,1 0-16,-50 0 47,1 0-31</inkml:trace>
+  <inkml:trace contextRef="#ctx0" brushRef="#br0" timeOffset="190779.72">18370 7278 0,'0'-25'0,"-24"1"16,-1 24-16,1-25 15,0 25-15,-25 0 16,0 0-16,-24 0 0,24 0 16,-25 0-16,26 25 0,-1-1 15,0 1-15,25-1 16,-1 0-16,25 1 0,25-1 15,-1 1-15,25 24 16,24-25-16,0 25 0,1-25 16,23 25-16,-23-24 0,-26 23 15,26 1-15,-50-24 16,-24-1-16,0 25 0,-24-25 16,-25 1-16,-24-1 15,-1-24-15,1 0 0,-25 0 16,25 0-16,0 0 0,24-24 15,25-1-15,-1-23 16,25 23-16</inkml:trace>
+  <inkml:trace contextRef="#ctx0" brushRef="#br0" timeOffset="191403.72">19054 7644 0,'25'0'0,"-1"-24"0,-24-1 16,0 1-16,0-1 15,-24 1-15,-1-1 16,1 25-16,-1-24 16,-24 24-16,25 0 0,-25 24 15,25 1-15,-25-1 0,24 25 16,1-24-16,24 23 15,-24-23-15,24 24 0,0-1 16,0-23-16,0 24 0,0-25 16,24 1-16,0-1 15,1-24-15,-1 0 16,1-24 0,-1 24-16,1-25 0,-1 1 15,-24-1-15,24 1 16,-24-1-16,0 1 0,0 0 15,0-1-15,25 25 0,-25 25 32,0-1-32,0 0 0,24 1 15,-24-1-15,25 25 0,-1-24 16,1-1-16,23-24 16,1 24-16,-24-24 0,24 0 15,-1 0-15,-23-24 16,24 0-16,-25-25 0,25 0 15,-49 0-15,24 0 0,-24-24 16,0 24-16,-24-24 16,-1 0-16,25 24 0,-24 0 15,0 0-15,24 25 16,-25 48-16,25 0 16,0 1-16,0 24 0,25 24 15,-25 0-15,24 1 16,-24-26-16,0 26 0,24-26 15,-24 26-15,25-50 16,-25 1-16</inkml:trace>
+  <inkml:trace contextRef="#ctx0" brushRef="#br0" timeOffset="191781.72">20055 7668 0,'-24'25'0,"0"-1"15,-25 1-15,24-1 16,1-24-16,-1 25 0,50-50 31,-1 25-31,1-24 16,24 24-16,-1-25 0,1 25 16,0-24-16,0-1 15,-25 25-15,25-24 0,-24 0 16,-1 24-16,-24-25 15,0 1-15,-24-1 16,-1 1-16,-24 24 0,25 0 16,-25-25-16,0 25 15,0 0-15,1 25 0,23-1 16,-24 1-16,25-1 0,-1 25 16,25-25-16,0 25 15,0 0-15,0 0 0,25-25 16,24 25-16,-25-24 15,25-1-15,0 0 0,0 1 16,0-25-16</inkml:trace>
+  <inkml:trace contextRef="#ctx0" brushRef="#br0" timeOffset="192117.72">20764 7620 0,'24'-25'0,"-24"1"15,25-1-15,-25 1 16,0-1 0,-25 1-16,1 24 15,-25 0-15,24 24 16,1-24-16,0 25 16,-1-1-16,1 1 0,-1-1 15,25 1-15,25-1 16,-25 0-16,24 25 0,25-24 15,0-1-15,-25 1 0,25-1 16,0 25-16,-25-25 16,1 1-16,-1-1 0,-24 0 15,-24 1 1,-1-25-16,-23 0 0,-26 0 16,25 0-16,-24 0 0,24 0 15,0-25-15,1 1 16</inkml:trace>
+  <inkml:trace contextRef="#ctx0" brushRef="#br0" timeOffset="192639.72">21545 7766 0,'-24'0'15,"-1"0"1,1 0-1,48 0 1,1 0-16,-1 0 16,50 0-16,-1 0 0,0 0 15,25 0-15,-25 0 0,0 0 16,1 0-16,-1 0 16,-49 0-16,1 0 0,-50 0 15,1 0 1,-1 24-16,1-24 15,-25 0-15</inkml:trace>
+  <inkml:trace contextRef="#ctx0" brushRef="#br0" timeOffset="192976.72">23279 7546 0,'25'-24'0,"-1"24"0,1-25 16,-1 1-16,-24 0 0,0-1 15,-24 1-15,-1-1 16,-24 25-16,0-24 0,1 24 16,-1 0-16,0 24 0,0 1 15,0-1-15,25 25 16,-25-25-16,25 25 0,24 0 15,0 0-15,0 0 16,24 0-16,0-1 0,1 1 16,24 0-16,-1-24 0,26-1 15,-25 0-15,24-24 16,0 0-16,-24 0 0,0 0 16,24-24-16,-24 0 15</inkml:trace>
+  <inkml:trace contextRef="#ctx0" brushRef="#br0" timeOffset="193245.72">23817 7497 0,'24'-24'0,"0"0"15,1-1-15,-1 1 0,1-1 16,-25 1-16,24-1 0,1 1 16,-25 48 15,0 1-31,0 24 0,0 0 15,0-1-15,0 26 16,24-25-16,-24 24 0,24 0 16,-24-24-16,25 24 15,-1-48-15,-24 23 0,25-23 16,-25-1-16,0 1 16,0-50-1,0 1-15,0-1 0,0 1 16</inkml:trace>
+  <inkml:trace contextRef="#ctx0" brushRef="#br0" timeOffset="193587.72">24842 7546 0,'-24'0'16,"0"0"0,48-24-1,0 24-15,25 0 16,0 0-16,24 0 16,1 0-16,-1 0 0,25 0 15,-1 0-15,1 0 16,-25 0-16,25 0 0,-25 0 15,-24 0-15,0 0 0,-25 0 16,1 0-16,-50 0 47,1 0-31</inkml:trace>
   <inkml:trace contextRef="#ctx0" brushRef="#br0" timeOffset="-197735">26845 7522 0,'0'-25'0,"24"25"32,-24 25 15,0-1-32,0 1 1,0-1-16,0 1 0,0-1 15,0 0-15,25 1 0,-25-1 16,24 1 0,-24-1-16,25 1 15,-1-25 1,1 0-16,-1 0 16,0-25-16,1 25 0,-1-24 15,1-1-15,-1 1 16,25-1-16,-25-23 0,25 23 15,-24 1-15,24-1 16,-25 1-16,25-1 0,-25 25 16,1-24-16,-1 24 0,1 0 15,-1-24-15,0 24 16,1 0 0</inkml:trace>
   <inkml:trace contextRef="#ctx0" brushRef="#br0" timeOffset="-197165">27749 7033 0,'-25'-24'0,"1"24"16,-1-24-16,1-1 15,-25 1-15,25-1 0,-50 1 16,26-1-16,-26 25 15,26 0-15,-26 0 0,1 0 16,0 0-16,-1 49 16,1-24-16,0 24 0,0-1 15,-1 1-15,1 0 0,0 24 16,24 1-16,0-26 16,0 26-16,25-1 0,24-24 15,0 24-15,24-24 0,25 24 16,0-24-16,0 0 15,24-25-15,25 25 0,0-24 16,-1-1-16,1 0 16,0-24-16,-1 0 0,1 0 15,0 0-15,-1-24 0,1-25 16,0 0-16,-25 0 16,25-24-16,-1 0 0,-23 0 15,-25-25-15,-1 25 16,-23-25-16,-25 0 0,-25 25 15,-23 0-15,-1 0 0,-25 24 16,-23 0-16,-25 0 16,24 25-16,-24-25 0,0 49 15,0-25-15,24 25 16,0 0-16,25 0 0</inkml:trace>
   <inkml:trace contextRef="#ctx0" brushRef="#br0" timeOffset="-59274">17857 2124 0,'-48'25'0,"23"-25"16,-24 24-16,25 1 0,-25-1 16,25 0-16,-1 1 15,25-1-15,-24 1 0,24-1 16,0 25-16,0-25 16,0 1-16,0-1 0,24 25 15,-24-24-15,0-1 0,25 0 16,-25 25-16,24-24 15,-24-1-15,24-24 0,1 24 16,-1 1-16,1-25 16,24 0-16,-25 0 0,25 0 15,0 0-15,-1 0 0,-23 0 16,-1-25-16,25 25 16,-24-24-16</inkml:trace>
@@ -3680,43 +3685,43 @@
   <inkml:trace contextRef="#ctx0" brushRef="#br0" timeOffset="3331">3936 1929 0,'0'-49'16,"-24"0"-16,24 0 0,0 25 16,0 0-16,-25-1 0,25 50 31</inkml:trace>
   <inkml:trace contextRef="#ctx0" brushRef="#br0" timeOffset="4183">4205 1978 0,'24'0'16,"-24"-25"-16,25 25 16,-25-24-16,0 48 31,0 1-31,0 24 15,-25-25-15,25 0 16,0 25-16,0-24 0,0-1 16,0 25-16,0-25 15,0 1-15,25-1 0,-1 1 16,-24-1-16,25-24 16,-1 0-16,0 0 0,25 0 15,-24 0-15,-1-24 0,1-1 16,-1 1-16,0-1 15,1 1-15,-25 0 0,0-25 16,0 24-16,-25-24 16,1 1-16,0 23 0,-1-24 15,-24 25-15,25 0 0,-25-1 16,25 1-16,-1 24 16,1 0-16,-1 24 0,25 1 15,0-1 1,0 25-16,0-25 0,0 1 15,25-1-15,-25 0 0,24 1 16,1-25-16,-1 0 16,0 0-16,1 0 15,-1-25-15,1 25 16,-1-24-16,-24 0 0,25-1 16,-1 1-16,-24-25 0,24 25 15,1-1-15,-25-24 16,24 25-16,-24-1 0,25 25 15,-1 0-15,1 25 32,-25-1-32,24 1 0,-24 24 0,24-25 15,1 25-15,-25-25 16,24 1-16,-24-1 0,25 0 16,-1 1-16,-24-1 15,24-24-15,1 0 0,-1 0 16,1-24-16,-1-1 15,-24 1 1,25 0-16,-25-25 0,24 0 16,-24 0-16,0 25 15,24-25-15,-24 0 0,25 25 16,-25-1-16,24 1 0,1 24 16,-25 24-1,24 1-15,-24 23 0,0 1 16,25 0-16,-25 0 15,24 0-15,0-25 0,1 25 16,-25-25-16,24 25 0,1-24 16,-1-25-16,0 0 15</inkml:trace>
   <inkml:trace contextRef="#ctx0" brushRef="#br0" timeOffset="214269">29556 5739 0,'24'0'31,"-24"24"-31,0 1 31,25-1-31,-25 1 0,0 23 16,0 1-16,24 0 0,-24 24 15,0 1-15,0 23 16,-24 1-16,24 0 0,-25 0 16,1 24-16,-25-25 0,25 25 15,-1 1-15,1-26 16,-1 1-16,1 24 0,24-49 16,0 25-16,0-25 15,0-24-15,0 24 0,0-24 16,24 0-16,-24 0 0,0-25 15,25 1-15,-25-1 16,0 1-16,0-1 16,24-24-16,-24-24 15,25 24-15,-25-25 16,24 25-16,1-24 0,23 24 16,-23-25-16,24 1 15,0 24-15,24 0 0,0-24 16,0 24-16,25 0 15,24 0-15,0 0 0,25 0 16,-1 24-16,25 0 0,25-24 16,-1 25-16,25-1 15,-25 1-15,1-1 0,-1 0 16,-48-24-16,-1 25 16,-24-25-16,-48 0 0,-1 0 15,0 0-15,-24 0 0,-25 0 16,25-25-16,0 1 15,-25 24-15,25-24 0,-24-1 16,-1 25-16,1-24 16,-1-1-16,0 25 0,-24-24 15,0 0-15,25 24 16,-25-25-16,0 1 16,0-1-1,0 1-15,0-1 16,0 1-16,0 0 0,0-25 15,0 0-15,24-24 0,-24-1 16,25 25-16,-25-48 16,0 23-16,24 1 0,1 0 15,-25 0-15,24-1 0,0 1 16,1 0-16,-25 0 16,24 24-16,1-24 0,-25-1 15,24 25-15,-24-24 16,0 0-16,0 24 0,24-24 15,-24 24-15,0 0 16,0 0-16,-24 0 0,24 0 16,-24 25-16,24 0 0,-25-1 15,25 1-15,-24 24 16,-1-25-16,25 1 0,-24 24 16,0-24-16,-1 24 15,1-25-15,-1 25 0,25-24 16,-24 24-16,-1 0 0,1 0 15,0 0-15,-25 0 16,24 0-16,-24 0 0,1 0 16,-1 0-16,0 0 0,-24 0 15,-1 24-15,1-24 16,-25 0-16,1 0 0,-1 0 16,0-24-16,-24 24 15,25 0-15,-1-25 0,0 25 16,0 0-16,1-24 0,-1 24 15,25 0-15,-25 0 16,25 0-16,-25-25 0,0 25 16,25 0-16,-25 0 15,25 0-15,0 0 0,0 25 16,-1-25-16,26 0 0,-26 24 16,25-24-16,1 0 15,-1 25-15,24-25 0,-23 0 16,-1 24-16,24-24 15,-24 0-15,25 25 0,0-25 16,-1 0-16,1 24 16,-1-24-16,1 0 15,-1 0-15,1 0 16,-25 0-16,25 0 16,-1-24-16,1 24 0,-1 0 15,1 0-15,0 0 16,24 24-1,0 0 17,0 1-1,-25-25-15,25 24-16,0 1 31,25-25-31,-1 0 0,0 0 15</inkml:trace>
-  <inkml:trace contextRef="#ctx0" brushRef="#br0" timeOffset="215066">29605 6520 0,'0'-24'0,"24"24"16,1 0-16,-1-24 16,1 24-16,-1 0 0,25-25 15,24 25-15,-24 0 0,49 0 16,-1 0-16,25 0 15,25 0-15,0 0 0,48 0 16,0 0-16,1 25 0,24-25 16,24 0-16,-24 24 15,-25-24-15,25 0 0,-49 0 16,24 24-16,-24-24 16,-24 0-16,-25 0 0,24 0 15,-48 0-15,0 0 0,-1-24 16,-23 24-16,-26 0 15,26-24-15,-50 24 0,25 0 16,-25 0-16,-24-25 16,-48 25-1</inkml:trace>
-  <inkml:trace contextRef="#ctx0" brushRef="#br0" timeOffset="215708">29410 7180 0,'-25'0'0,"1"0"16,-1 0-16,1 0 16,48 0 15,-24 24-16,25-24-15,24 0 0,-1 0 16,50 25-16,0-25 0,24 0 16,24 24-16,50-24 15,-1 0-15,25 25 0,24-25 16,0 0-16,1 24 0,-1-24 16,0 0-16,-24 24 15,0-24-15,-25 0 0,-48 0 16,-1 0-16,-24-24 15,-24 24-15,-25-24 0,1 24 16,-26 0-16,1-25 0,-24 25 16,24 0-16,-25-24 15,-48 24 1</inkml:trace>
-  <inkml:trace contextRef="#ctx0" brushRef="#br0" timeOffset="218066">30069 6154 0,'-25'0'0,"1"-24"0,0-1 16,24 1 0,-25-1-1,50 25 17,-25-24-32,24 24 0,0 0 15,1 0-15,-1-24 0,1 24 16,-1 0-16,1 0 15,-1 24-15,0-24 0,-24 24 16,25-24-16,-25 25 16,-25-1-16,1-24 0,0 25 15,-1-1-15,-24 1 0,0-1 16,25 0-16,-25 1 16,25-1-16,-1 1 15,25-1-15,25-24 16,-1 0-16,1 0 15,-1 0-15,25 0 0,0 0 16,0 0-16,-1-24 16,1 24-16,0 0 0,0-25 15,0 25-15</inkml:trace>
-  <inkml:trace contextRef="#ctx0" brushRef="#br0" timeOffset="218751">30557 6056 0,'0'-24'0,"0"0"32,-24 24-32,0 0 31,24 24-31,-25-24 0,1 24 16,24 1-16,-25-1 15,1 1-15,24-1 16,0 1-16,24-25 0,-24 24 15,25 0-15,-1-24 16,1 25-16,-1-25 16,0 0-16,1-25 15,-1 25-15,-24-24 16,0 0-16,0-1 16,-24 1-1,-1 24-15,1-25 16,0 25-1,48 0 1,0-24 0,1 24-1,-1 0-15,1 0 0,23 0 16,-23 0-16,24-25 0,-25 25 16,1 0-16,-1 0 15,0 0-15,-24 25 31,-24-25-31,24 24 16,-24-24-16,24 25 0,0-1 16,0 1-1,24-1-15,-24 0 16,24-24-16,1 25 16,-1-25-16,25 0 0,-24 24 15,-1-24-15,25 0 0,-25 0 16,1-24-16,-1 24 15,1-25-15,-25 1 0,0 0 16,0-1-16,0 1 16,0-1-16,-25 1 0,1-1 15,-1 1-15,1 0 0,-25 24 16,25 0-16,-25 0 16,24 0-16,1 0 0,-1 24 15,1 0-15,24 1 16</inkml:trace>
-  <inkml:trace contextRef="#ctx0" brushRef="#br0" timeOffset="219068">31534 6154 0,'-24'0'0,"-1"0"16,1 0-1,24 25 1,-24-25-16,24 24 0,0 0 15,0 1-15,0-1 16,24 1-16,-24-1 16,0 1-16,0-1 15</inkml:trace>
-  <inkml:trace contextRef="#ctx0" brushRef="#br0" timeOffset="219518">31730 5959 0,'0'-25'0,"-25"25"0,25-24 16,-24 24-1,24 24 16,0 1-15,0-1-16,0 1 0,24-1 16,-24 0-16,25 1 15,-1-1-15,1 1 16,-1-25 0,0 0-16,1 0 0,-1-25 15,1 25-15,-25-24 16,24-1-16,0 1 15,-24 0-15,25-1 0,-25 1 16,24-1-16,-24 1 16,0 48-1,0 1 1,-24 24-16,24-25 16,-25 25-16,25-25 0,-24 25 15,24-24-15,0-1 16,0 25-16,0-25 15</inkml:trace>
-  <inkml:trace contextRef="#ctx0" brushRef="#br0" timeOffset="220131">32291 5983 0,'-24'-24'16,"0"24"-1,-1 0 1,25 24-16,-24-24 0,24 25 16,-25-25-16,25 24 0,-24 0 15,24 1-15,0-1 16,0 1-16,24-1 16,1 1-16,-1-25 15,1 0-15,-1 0 16,0 0-16,1 0 0,-1-25 15,-24 1 1,0-1-16,-24 25 16,24-24-16,-25-1 0,1 1 15,24 0-15,-24-1 16,24 1-16,0-1 31,24 25-31,0 0 0,1 0 16,-1 0-16,1 0 0,-1 0 15,1 0-15,-1 0 16,0 0-16,1 25 16,-25-1-1,0 1-15,0-1 16,0 0-16,0 1 16,0-1-16,0 1 15,0-1-15,24-24 0,-24 25 16,25-25-16,-1 24 15,1-24-15,23 0 0,-23 0 16,-1 0-16,25 0 0,-25 0 16,1-24-16,-25-1 15,0 1-15,0-1 0,0 1 16,-25-25-16,1 25 16,-25-1-16,25 1 0,-25-1 15,0 1-15,0 24 0,0 0 16,1 24-16</inkml:trace>
-  <inkml:trace contextRef="#ctx0" brushRef="#br0" timeOffset="221835">29556 7033 0,'24'0'15,"1"-24"1,-1 24-16,-24-24 15,25 24 1,-25-25 0,0 1-1,0-1 1,0 1 0,0-1-1,24 25-15,-24-24 16,-24 48 15,24 1-15,-25-1-16,1 1 15,24-1-15,-25 1 16,25-1-16,0 0 16,25 1-16,-1-25 15,1 24-15,-1-24 16,1 0-16,-1 0 15,0-24-15,1 24 0,-1 0 16,1-25-16,-1 1 16,-24 0-1,0-1-15,0 1 0,-24 24 16,24-25-16,-25 25 16,25-24-16,-24 48 15,24 1 1,0-1-16,0 1 15,0 23-15,0-23 0,24-1 16,-24 25-16,0-24 16,25-1-16,-25 0 0,0 1 15,0-1-15,0 1 16,24-25-16,-24 24 0</inkml:trace>
-  <inkml:trace contextRef="#ctx0" brushRef="#br0" timeOffset="222182">30289 6887 0,'24'-25'0,"-24"1"16,0 0-16,0-1 15,0 1 1,-24 24-16,-1 0 0,1 0 15,-1 0-15,1 0 16,0 24-16,-1-24 0,1 25 16,24-1-16,0 0 0,0 1 15,0-1-15,24 1 16,1-25-16,-1 24 0,25 1 16,-25-25-16,1 24 15,-1 0-15,25-24 0,-49 25 16,24-25-16,-24 24 0,-24 1 15,0-25 1,-25 24-16,24-24 16,1 0-16,-1 0 15</inkml:trace>
-  <inkml:trace contextRef="#ctx0" brushRef="#br0" timeOffset="222627">30362 6789 0,'0'-24'16,"24"24"-16,1 0 0,-1 0 16,1 0-1,-1 24 1,1-24 0,-1 0-16,0 0 15,1 25-15,24-25 0,-25 0 16,1 0-16,-1 0 15,-24 24 1,-24 0 0,-1 1-16,1-1 0,-1 1 15,1-1-15,-1 1 0,25-1 16,-24 0-16,24 1 16,0-1-16,24-24 0,1 25 15,-1-25-15,25 0 0,-24 0 16,23 0-16,-23 0 15,24-25-15,-25 1 0,25 24 16,-49-25-16,24-23 16,-24 23-16,0-24 0,-24 25 15,-1-25-15,1 25 16,0-25-16,-1 24 0,1 1 16,-25-1-16,25 25 0,-25 0 15,24 25-15,1-1 16,-1 1-16</inkml:trace>
-  <inkml:trace contextRef="#ctx0" brushRef="#br0" timeOffset="223232">31485 7913 0,'25'0'16,"-25"24"31,0 0-47,0 1 16,0-1-16,0 25 0,0 0 15,-25 0-15,25 0 0,0 24 16,0 0-16,0-24 15,0 24-15,0 1 0,0-26 16,0 26-16,25-25 16,-25-1-16,0-23 0,0-1 15,0 1-15,0-1 0,0 1 16,24-25-16,-24-25 16,0 1-1</inkml:trace>
-  <inkml:trace contextRef="#ctx0" brushRef="#br0" timeOffset="223610">31290 8767 0,'0'-24'16,"24"0"0,1 24 15,-25 24 0,24-24-31,-24 24 0,25-24 16,-1 25-16,1-1 0,-1-24 15,0 25-15,1-25 16,-1 24-16,25-24 0,-24 0 16,-1 0-16,0 0 0,1-24 15,-1 24-15,1-25 16,-1 1-16,1-1 15,-25 1-15,0-25 16,24 25-16,-24-1 0,0 1 16,-24 24-1,-1 24 1,25 1-16,-24-1 16,-1 1-16,1-1 15,-1 0-15</inkml:trace>
-  <inkml:trace contextRef="#ctx0" brushRef="#br0" timeOffset="232809">28237 5788 0,'0'-25'16,"25"25"-1,-1 0 1,25-24-16,-25 24 16,25 0-16,0 0 15,0 0-15,24 0 0,25 0 16,-25 0-16,0 24 0,25-24 16,-25 0-16,1 25 15,-1-25-15,-24 24 0,0-24 16,-25 25-16,0-25 15,-24 24-15,25-24 0,-50 0 32</inkml:trace>
-  <inkml:trace contextRef="#ctx0" brushRef="#br0" timeOffset="233036">29287 5666 0,'25'0'16,"-1"0"0,-24 24-16,25-24 0,-1 25 15,0-1-15,-24 0 0,25 1 16,-1-1-16,-24 25 15,0-24-15,0-1 0,-24 25 16,-1-25-16</inkml:trace>
-  <inkml:trace contextRef="#ctx0" brushRef="#br0" timeOffset="233986">28506 5006 0,'0'-24'0,"-25"24"31,1 0-16,24 24 1,-24 25-16,24-24 0,0 23 16,-25 1-16,25 0 0,-24 0 15,24 0-15,0 0 16,-25-1-16,25-23 0,0 24 16,0-25-16,0 1 15,0-50 1,0 1-1,25-1-15,-25-24 16,0 1-16,24-1 0,-24 0 16,25-24-16,-25-1 0,0 1 15,24 0-15,-24 0 16,0-1-16,0 25 0,24 1 16,-24-1-16,0 24 15,25 25-15,-1 0 16,1 25-16,-25 24 0,24-1 15,1 26-15,-1-25 16,0 48-16,1-23 0,-25-1 16,24 0-16,1-24 15,-1 24-15,-24-24 0,25 0 16,-25 0-16,24-25 0,-24 1 16</inkml:trace>
-  <inkml:trace contextRef="#ctx0" brushRef="#br0" timeOffset="234149">28530 5275 0,'-24'-24'0,"-1"24"16,1 0 0,24-25-1,24 25-15,1 0 0,-1-24 16,1 24-16,24-25 15,-25 1-15,25 24 0</inkml:trace>
-  <inkml:trace contextRef="#ctx0" brushRef="#br0" timeOffset="234736">29092 5080 0,'24'0'0,"-24"-25"31,-24 1-16,0-1 1,-1 25 0,1 0-16,-1 0 0,1 0 15,-1 25 1,1-1-16,24 1 0,-24-1 16,24 0-16,0 1 0,0 24 15,24-25-15,-24 0 16,24 1-16,1-1 0,-1-24 15,1 25-15,-1-25 0,25 0 16,-25 0-16,1-25 16,-1 25-16,-24-24 0,25-1 15,-25 1-15,0 0 16,0-1-16,0 1 0,0-1 16,-25 1-16,25 0 0,-24 24 15,-1 0 1,25 24-16,0 25 15,0 0-15,25-1 16,-1 1-16,-24 25 0,25-1 16,-1-24-16,1 24 0,-1-24 15,0 0-15,-24 0 16,0-25-16,0 0 0,-24 1 16,0-1-16,-1-24 15,1 0-15,-25 0 0,0 0 16,0-24-16,0-1 0,25 1 15,-25-25-15,49 25 16,0-25-16,0 0 0,0 0 16,24 0-16,1 0 15,24 1-15,-25 23 0,25 25 16,0-24-16,0 24 0,-25 0 16,1 0-16,23 0 15</inkml:trace>
-  <inkml:trace contextRef="#ctx0" brushRef="#br0" timeOffset="235348">29532 5128 0,'0'-24'15,"0"0"-15,24-1 0,-24 1 16,0-1-16,-24 1 15,-1-1-15,-24 25 16,25 0 0,0 25-16,-1-1 0,-24-24 15,25 25-15,-1 24 0,1-25 16,0 0-16,24 1 16,0-1-16,0 1 0,24-1 15,0 1-15,25-1 16,-24-24-16,-1 24 15,25-24-15,-25 0 0,1 0 16,-1-24-16,1 24 16,-1-24-16,0-1 15,-24 1-15,0-1 16,-24 1-16,24-1 16,0 1-16,-24 24 0,24-24 15,-25 24 1,25 24-16,25 0 15,-25 1-15,24-1 0,0 25 16,-24-24-16,25 23 16,-1 26-16,1-26 0,-1 1 15,-24 0-15,25 0 16,-25-25-16,24 25 0,-24-24 16,0-1-16,-24 1 0,-1-1 15,1-24-15,-25 0 16,24 0-16,-23 0 0,23 0 15,-24-24-15,25-1 16,0 1-16,24-25 0,-25 24 16,25-23-16,0 23 0,0 1 15,25-25-15,-1 24 16,0 1-16,25 24 0,-24-24 16,23 24-16</inkml:trace>
-  <inkml:trace contextRef="#ctx0" brushRef="#br0" timeOffset="235546">29874 5348 0,'24'0'62</inkml:trace>
-  <inkml:trace contextRef="#ctx0" brushRef="#br0" timeOffset="235845">30093 4909 0,'0'-25'0,"0"1"0,0-1 16,0 1-16,0-1 16,25 25-16,-1 0 15,-24 25-15,25-1 0,-1 1 16,0 24-16,1-1 15,-1 1-15,1 0 0,-1 24 16,1-24-16,-1 24 16,-24 1-16,24-25 0,1-1 15,-25 1-15,24-24 16,-24-1-16,0 1 0</inkml:trace>
-  <inkml:trace contextRef="#ctx0" brushRef="#br0" timeOffset="236404">30289 5250 0,'-25'-24'0,"1"24"0,-1 0 15,1 0 1,48 0 0,1-24-16,-1 24 15,1 0-15,24 0 16,-1 0-16,1 0 0,0 0 15,24-25-15,-24 25 16,0 0-16,0-24 0,0 24 16,-25 0-16,1-25 0,-1 1 15,-24 0 1,0-1-16,-24 25 0,-1-24 16,1-1-16,-25 25 15,25-24-15,-1 24 0,1 0 16,-1 0-16,1 24 0,-1-24 15,25 25-15,-24-1 16,24 1-16,0-1 0,0 25 16,24-25-16,-24 25 15,25-25-15,-25 25 0,24-24 16,1-1-16,-1-24 0,1 25 16,-1-25-16,0 0 15,1 0-15,-1 0 0,1 0 16,-25-25-16,0 1 15,24-1-15,-24 1 0,0-1 16,0 1-16,0-25 0,0 25 16,0-1-16,0 1 15,0 0-15,24 24 16,1 24 0,-25 0-16,0 1 0,24-1 15,1 25-15,-25 0 0,24-25 16,1 25-16,-1-24 15,0-1-15,1 0 0,-1-24 16</inkml:trace>
-  <inkml:trace contextRef="#ctx0" brushRef="#br0" timeOffset="236891">31095 5031 0,'-25'-25'0,"1"-24"0,24 25 15,-25-25-15,25 25 0,0-1 16,25 50 0,-1-1-1,1 25 1,-25-25-16,24 25 0,-24 0 16,25-24-16,-1 23 0,-24 1 15,24 0-15,-24 0 16,25-25-16,-25 1 0,0-1 15,0 1-15,0-50 32,0 1-17,0-1-15,0-23 16,0 23-16,0 1 0,0-25 16,24 24-16,1 1 15,-1 0-15,1-1 0,23 25 16,-23 25-16,-1-1 0,1 0 15,-1 1-15,0 24 16,1 0-16,-25-1 0,24-23 16,-24 24-16,0-25 0,-24 0 15,-1 1-15,25-1 16,-24-24-16,0 0 0,-25 0 16,24 0-16,1-24 15,0-1-15,24 1 0,-25 0 16,25-25-16,0 0 0,25 0 15</inkml:trace>
-  <inkml:trace contextRef="#ctx0" brushRef="#br0" timeOffset="237094">31534 4884 0,'25'-24'0,"-1"-1"16,-24 50 15,0-1-31,0 1 16,25-1-1,-25 25-15,24-25 0,0 25 16,1 0-16,24 0 0,-25 0 16,1 24-16,-1-24 15,0-25-15,-24 25 0,25-25 16,-25 1-16,0-1 16,0 1-16</inkml:trace>
-  <inkml:trace contextRef="#ctx0" brushRef="#br0" timeOffset="237491">31998 5348 0,'0'25'16,"-24"-25"-16,48 0 31,1-25-16,-1 25-15,1 0 0,-1-24 16,0 24-16,1-25 16,24 1-16,-25 24 0,1-25 15,-25 1-15,24 0 16,-24-1-16,0 1 0,0-1 16,-24 1-16,-1 0 0,1-25 15,-1 49-15,-24-25 16,1 25-16,23 0 0,-24 25 15,1-1-15,23 25 0,1 0 16,-1 24-16,25-24 16,25 24-16,-1-24 0,1 0 15,23 0-15,1 0 16,0-25-16,24 0 0,-24 1 16,0-25-16,0 0 15,0-25-15,-25 1 0</inkml:trace>
-  <inkml:trace contextRef="#ctx0" brushRef="#br0" timeOffset="9.64214E6">16587 9280 0,'0'25'15,"0"-1"1,-24 1-16,-25-25 16,49 24-16,-49 0 15,25-24-15,-1 0 0,1 0 16,0 25-1,-1-25-15,25 24 16,-24-24-16,24 25 16,0-1-16,-25 1 15,25-1 1,0-48 15,0-1-31,0 1 16,0-1-16,0 1 0,0-25 15,0-24-15,0 24 16,0-24-16,0-25 0,0 25 16,0-1-16,0-23 15,0 23-15,25 1 0,-25 24 16,24 0-16,1 1 0,-1 48 16,0-25-16,25 25 15,0 25-15,-24-1 0,23 25 16,-23 0-16,-1 0 15,1 24-15,-1 0 0,-24 0 16,0-24-16,-24 25 0,-1-26 16,1 1-16,-25 0 15,25 0-15,-25-25 0,0 1 16,0-1-16,25 1 16,-1-25-16,1 0 0,24-25 15,0 1-15,0-1 0,0 1 16,24-1-16,1-23 15,-1 23-15,25 1 0,-25-1 16,25 1-16,0 24 16,0 0-16,0 24 0,-25 1 15,25 24-15,-25-25 0,1 25 16,-1 0-16,1-25 16,-1 25-16,-24 0 0,0-25 15,24 1-15,-24-1 16,0 1-16,0-1 0</inkml:trace>
-  <inkml:trace contextRef="#ctx0" brushRef="#br0" timeOffset="9.64259E6">16978 9305 0,'-24'0'15,"24"24"32,0 1-31,24-25-16,-24 24 16,25-24-16,-1 0 0,0 0 15,25 0-15,-24 0 16,-1 0-16,25-24 0,-25 24 15,1-25-15,-1 1 16,-24-1-16,0 1 16,0-1-16,-24 1 0,-1 0 15,1-1-15,0 25 16,-25-24-16,24 24 0,-24-25 16,1 25-16,23 0 15,-24 25-15,25-1 0,-1 1 16,25-1-16,0 0 0,0 1 15,0 24-15,0 0 16,25-25-16,-1 25 0,1 0 16,24-25-16,-25 1 15,0-1-15,25 0 0,0 1 16,0-25-16,0 0 0,0 0 16</inkml:trace>
-  <inkml:trace contextRef="#ctx0" brushRef="#br0" timeOffset="9.64329E6">17686 9256 0,'0'-25'16,"0"1"-1,-24 24 1,24-24-16,-24 24 16,24-25-16,-25 25 15,25-24-15,-24 24 0,-1 0 16,1 0-16,-1 0 15,1 0-15,0 0 0,-1 0 16,-24 0-16,25 0 16,-1 24-16,1 1 0,0-25 15,-1 24-15,1 0 0,24 1 16,0-1-16,0 1 16,0-1-16,0 1 0,24-1 15,1 0-15,-25 1 16,24-25-16,0 24 0,1 1 15,-1-25-15,1 24 0,-1-24 16,1 0-16,-1 0 16,0 0-16,1-24 15,-25-1 17,24 25-32,1 0 62,-25-24-62,24 24 16,1-25-1,-1 1 1,-24 0 0,0-1-1,0 1-15,0-1 16,0 1-16,0-1 15,0 1-15,-24 24 16,24 24 0,0 1-1,0-1 1,0 1-16,24-1 0,-24 1 16,24-1-16,-24 0 15,25 1-15,-1-1 0,-24 1 16,25-25-16,-25 24 0,24-24 15,1 0 1</inkml:trace>
-  <inkml:trace contextRef="#ctx0" brushRef="#br0" timeOffset="9.64388E6">18199 9280 0,'0'-24'16,"0"-1"0,0 1-1,0 0-15,-24 24 0,-1-25 16,1 1-1,0 24-15,-1 0 0,1 0 16,-1 0-16,-24 0 16,25 24-16,0 1 0,-1-1 15,1 0-15,-1 1 0,1-1 16,24 1-16,-24-1 16,24 25-16,0-25 0,24 1 15,-24-1-15,24-24 16,1 25-16,-1-1 0,1-24 15,-1 0-15,25 0 0,-25 0 16,1-24-16,-1-1 16,25 1-16,-25-1 0,1 1 15,-25-25-15,24 0 16,-24 0-16,0-24 0,0 0 16,0 0-16,-24-1 0,-1 1 15,25 0-15,-24 24 16,24-24-16,0 48 0,-24 1 15,24 48 1,0 1-16,0 24 16,0 24-16,0 0 0,0 0 15,24 1-15,-24-1 16,24 0-16,1-24 0,-25 24 16,24-24-16,-24 0 0,25-25 15,-1 25-15,-24-24 16,25-1-16</inkml:trace>
-  <inkml:trace contextRef="#ctx0" brushRef="#br0" timeOffset="9.64513E6">18908 9231 0,'24'0'0,"0"0"31,-24-24-15,25 0-16,-25-1 15,0 1-15,0-1 16,-25 25-16,25-24 16,-24-1-16,0 1 0,-1 24 15,1 0-15,-1-24 16,1 24-16,-1 0 0,-23 24 15,23 0-15,1 1 0,-1-1 16,1 1-16,24-1 16,-25 25-16,25-25 0,0 25 15,25-24-15,-1-1 16,1 25-16,-1-25 0,1 1 16,-1-1-16,0-24 0,1 25 15,-1-25-15,1 0 16,-1 0-16,1 0 0,-1 0 15,0-25-15,1 1 16,-25-1-16,24 1 0,-24 0 16,0-25-16,0 0 0,0 24 15,0-23-15,-24-1 16,24 73 15,0 1-31,0-1 16,0 25-16,24-25 0,-24 25 15,25-24-15,-1-1 16,25 0-16,-25 1 0,1-25 16,-1 0-16,25 0 0,-24 0 15,-1 0-15,0-25 16,25 1-16,-49-25 0,25 0 16,-25 0-16,0-24 15,0 24-15,0-24 0,-25 0 16,1 0-16,-1-1 0,1 25 15,0 1-15,24 23 16,-25 1-16,1 24 16,24 24-16,0 25 15,0-25-15,0 25 0,0 0 16,0 0-16,0 24 16,0-24-16,0 0 0,24 0 15,-24 0-15,25-1 0,-1 1 16,0-24-16,1-1 15,-1 25-15,1-49 0,-1 24 16,0-24-16,1 0 0,24 0 16,-25-24-16,1 24 15,-1-49-15,0 25 0,-24-25 16,0-24-16,0 24 16,0-25-16,0 26 0,-24-26 15,0 26-15,-1-1 0,25 0 16,-24 24-16,-1 1 15,1 24-15,24 24 16,0 25 0,0-24-16,24 24 0,-24-1 15,25 26-15,-1-26 0,1 1 16,-1 25-16,0-26 16,1 1-16,24-24 0,-25 24 15,1-25-15,-1 0 16,0 1-16,1-25 0</inkml:trace>
-  <inkml:trace contextRef="#ctx0" brushRef="#br0" timeOffset="9.64556E6">20104 9158 0,'-24'0'15,"-1"-24"-15,1-1 16,24 1 0,0-1-16,24 1 15,1 24 1,-1 0-16,1 24 16,-1-24-16,1 25 15,-1-1-15,0 1 0,1-1 16,-1 1-16,1 23 0,-1-23 15,-24-1-15,0 1 16,0-1-16,-24-24 16,-1 0-16,1 0 15,-1 0-15,25-24 16,-24-1-16,24 1 0,0-1 16,0-23-16,0-1 15,24 0-15,1 0 0,-1 25 16,1-25-16,24 0 0,-25 25 15,0-1-15,25 25 16,-24 0-16,-1 0 0,0 25 16,1-1-1</inkml:trace>
-  <inkml:trace contextRef="#ctx0" brushRef="#br0" timeOffset="9.64597E6">20617 9134 0,'0'24'16,"25"-24"15,-1-24-31,0 24 16,1-25 0,-1 25-16,1 0 15,-25-24-15,24 24 0,1 0 16,-1 0-16,-24-24 15,24 24-15,-24-25 16,0 1 0,0-1-16,-24 1 15,0-1-15,-1 1 0,1 0 16,24-1-16,-25 25 16,1 0-16,-1 0 0,1 25 15,0 23 1,24-23-16,0 24 0,0 0 15,24-1-15,-24 1 0,24 0 16,1 0-16,-1 0 16,25-25-16,-24 25 0,23-49 15,-23 24-15,24-24 16,-25 0-16,25-24 0,-25 24 16,25-24-16</inkml:trace>
-  <inkml:trace contextRef="#ctx0" brushRef="#br0" timeOffset="9.64625E6">21228 9036 0,'0'-24'16,"0"-1"-16,24 25 15,-24-24-15,0-1 16,0 1 0,0 0-1,-24 24-15,-1 0 16,25 24-16,-24 0 0,0-24 15,-1 25-15,1 24 16,24-25-16,-25 25 0,25-25 16,0 25-16,0-24 0,25 23 15,-25-23-15,24-1 16,1 1-16,23-1 0,-23-24 16,24 0-16,-1 0 15,-23 0-15,24-24 0,-25-1 16,25 1-16</inkml:trace>
-  <inkml:trace contextRef="#ctx0" brushRef="#br0" timeOffset="9.64716E6">21594 9036 0,'25'-24'15,"-25"-1"-15,24 25 0,-24-24 16,24-1-16,-24 1 31,-24 24-15,0 24-1,24 1-15,-25-25 16,25 24-16,-24 25 16,24-24-16,0-1 0,0 0 15,0 1-15,24-1 0,1 1 16,-1-1-16,0 0 16,1-24-16,-1 0 0,25 0 15,-24 0-15,-1 0 0,0 0 16,1-24-16,-1 24 15,-24-24-15,25-1 0,-25-24 16,0 25-16,-25 0 16,1-25-16,-1 24 0,1 1 15,0-1-15,-1 1 0,1 24 16,-1-24-16,1 24 16,-1 24-1,25 0 1,25 1-16,-1-25 15,1 0-15,-25 24 16,24-24-16,1 0 16,-1 0-16,0 0 15,1 0 1,-1 0 0,-24-24-16,25 24 15,-25-25 32,0 1-16,24 24-15,0 0 15,1 0-15,-25 24-1,24-24-15,-24 25 16,25-25-16,-1 24 0,1 1 16,-1-1-16,0 1 0,1-1 15,-1 0-15,1 1 16,-25-1-16,24 1 0,-24-1 16,0 0-16,-24-24 15,-1 25-15,1-25 16,-1 0-16,1-25 15,0 25-15,24-24 16,0 0-16,0-25 16,0 24-16,24-23 15,0-1-15,25 0 0,-24 24 16,-1-23-16,25-1 0,-25 24 16,1 1-16,-1 24 15,1 0-15,-25 24 31,0 1-31,-25-25 16,25 24-16</inkml:trace>
-  <inkml:trace contextRef="#ctx0" brushRef="#br0" timeOffset="9.64771E6">22571 9109 0,'24'0'15,"1"0"-15,-1 0 0,1-24 16,-1 24-16,-24-24 16,0-1-16,25 25 15,-25-24-15,0-1 0,0 1 16,-25-1-16,25 1 16,-24 0-16,-1-1 0,1 1 15,-1 24 1,25-25-16,-24 25 0,0 25 15,-1-1-15,25 1 16,-24 23-16,24-23 16,0 24-16,0 0 0,0-25 15,24 25-15,1-25 16,-25 1-16,24-1 0,0 0 16,1-24-16,24 0 0,-25 0 15,1 0-15,-1 0 16,0-24-16,1 0 0,-1-1 15,1-24-15,-25 1 16,24 23-16,-24-48 0,0 24 16,-24 0-16,-1 0 0,25 0 15,-24 1-15,-1-1 16,25 24-16,-24 1 0,24 48 31,0 1-31,0 24 0,24-25 16,-24 25-16,25 0 0,-1 24 15,-24-24-15,25 0 16,-1 0-16,1-1 0,-25-23 16,24 24-16,-24-25 15,0 0-15,0 1 16</inkml:trace>
-  <inkml:trace contextRef="#ctx0" brushRef="#br0" timeOffset="9.64811E6">23377 8938 0,'0'-24'0,"0"0"16,0-25-16,0 24 0,0 1 15,0-1-15,-24 1 16,-1 24-1,25 24-15,-24 1 16,24-1-16,-25 1 16,25-1-1,0 1-15,0-1 0,0 0 16,0 1-16,25-1 16,-1 1-16,1-1 0,-1 1 15,25-1-15,-25 0 0,25 1 16,-24-25-16,-1 24 15,0 1-15,1-1 0,-25 0 16,0 1-16,-25-1 16,1-24-16,0 25 15,-1-25-15,1 0 0,-25 0 16,0 0-16,25 0 16,-1-25-16,-24 1 0,25-1 15</inkml:trace>
-  <inkml:trace contextRef="#ctx0" brushRef="#br0" timeOffset="9.64834E6">23475 8914 0,'24'-24'15,"-24"-1"1,0 1 0,-24 24-16,-1 0 15,1 24 1,-1-24-16,25 25 0,-24 23 15,0-23-15,-1 24 16,1-25-16,-1 25 0,1 0 16,24 0-16,-25-1 0,25 1 15,0-24-15,0-1 16,0 1-16,25-1 0</inkml:trace>
-  <inkml:trace contextRef="#ctx0" brushRef="#br0" timeOffset="9.64852E6">24159 9060 0,'24'0'16,"0"0"-1,1 0-15,-1 0 16,1 0-16,-50 0 15</inkml:trace>
+  <inkml:trace contextRef="#ctx0" brushRef="#br0" timeOffset="-214430.73">29605 6520 0,'0'-24'0,"24"24"16,1 0-16,-1-24 16,1 24-16,-1 0 0,25-25 15,24 25-15,-24 0 0,49 0 16,-1 0-16,25 0 15,25 0-15,0 0 0,48 0 16,0 0-16,1 25 0,24-25 16,24 0-16,-24 24 15,-25-24-15,25 0 0,-49 0 16,24 24-16,-24-24 16,-24 0-16,-25 0 0,24 0 15,-48 0-15,0 0 0,-1-24 16,-23 24-16,-26 0 15,26-24-15,-50 24 0,25 0 16,-25 0-16,-24-25 16,-48 25-1</inkml:trace>
+  <inkml:trace contextRef="#ctx0" brushRef="#br0" timeOffset="-213788.73">29410 7180 0,'-25'0'0,"1"0"16,-1 0-16,1 0 16,48 0 15,-24 24-16,25-24-15,24 0 0,-1 0 16,50 25-16,0-25 0,24 0 16,24 24-16,50-24 15,-1 0-15,25 25 0,24-25 16,0 0-16,1 24 0,-1-24 16,0 0-16,-24 24 15,0-24-15,-25 0 0,-48 0 16,-1 0-16,-24-24 15,-24 24-15,-25-24 0,1 24 16,-26 0-16,1-25 0,-24 25 16,24 0-16,-25-24 15,-48 24 1</inkml:trace>
+  <inkml:trace contextRef="#ctx0" brushRef="#br0" timeOffset="-211430.73">30069 6154 0,'-25'0'0,"1"-24"0,0-1 16,24 1 0,-25-1-1,50 25 17,-25-24-32,24 24 0,0 0 15,1 0-15,-1-24 0,1 24 16,-1 0-16,1 0 15,-1 24-15,0-24 0,-24 24 16,25-24-16,-25 25 16,-25-1-16,1-24 0,0 25 15,-1-1-15,-24 1 0,0-1 16,25 0-16,-25 1 16,25-1-16,-1 1 15,25-1-15,25-24 16,-1 0-16,1 0 15,-1 0-15,25 0 0,0 0 16,0 0-16,-1-24 16,1 24-16,0 0 0,0-25 15,0 25-15</inkml:trace>
+  <inkml:trace contextRef="#ctx0" brushRef="#br0" timeOffset="-210745.73">30557 6056 0,'0'-24'0,"0"0"32,-24 24-32,0 0 31,24 24-31,-25-24 0,1 24 16,24 1-16,-25-1 15,1 1-15,24-1 16,0 1-16,24-25 0,-24 24 15,25 0-15,-1-24 16,1 25-16,-1-25 16,0 0-16,1-25 15,-1 25-15,-24-24 16,0 0-16,0-1 16,-24 1-1,-1 24-15,1-25 16,0 25-1,48 0 1,0-24 0,1 24-1,-1 0-15,1 0 0,23 0 16,-23 0-16,24-25 0,-25 25 16,1 0-16,-1 0 15,0 0-15,-24 25 31,-24-25-31,24 24 16,-24-24-16,24 25 0,0-1 16,0 1-1,24-1-15,-24 0 16,24-24-16,1 25 16,-1-25-16,25 0 0,-24 24 15,-1-24-15,25 0 0,-25 0 16,1-24-16,-1 24 15,1-25-15,-25 1 0,0 0 16,0-1-16,0 1 16,0-1-16,-25 1 0,1-1 15,-1 1-15,1 0 0,-25 24 16,25 0-16,-25 0 16,24 0-16,1 0 0,-1 24 15,1 0-15,24 1 16</inkml:trace>
+  <inkml:trace contextRef="#ctx0" brushRef="#br0" timeOffset="-210428.73">31534 6154 0,'-24'0'0,"-1"0"16,1 0-1,24 25 1,-24-25-16,24 24 0,0 0 15,0 1-15,0-1 16,24 1-16,-24-1 16,0 1-16,0-1 15</inkml:trace>
+  <inkml:trace contextRef="#ctx0" brushRef="#br0" timeOffset="-209978.73">31730 5959 0,'0'-25'0,"-25"25"0,25-24 16,-24 24-1,24 24 16,0 1-15,0-1-16,0 1 0,24-1 16,-24 0-16,25 1 15,-1-1-15,1 1 16,-1-25 0,0 0-16,1 0 0,-1-25 15,1 25-15,-25-24 16,24-1-16,0 1 15,-24 0-15,25-1 0,-25 1 16,24-1-16,-24 1 16,0 48-1,0 1 1,-24 24-16,24-25 16,-25 25-16,25-25 0,-24 25 15,24-24-15,0-1 16,0 25-16,0-25 15</inkml:trace>
+  <inkml:trace contextRef="#ctx0" brushRef="#br0" timeOffset="-209365.73">32291 5983 0,'-24'-24'16,"0"24"-1,-1 0 1,25 24-16,-24-24 0,24 25 16,-25-25-16,25 24 0,-24 0 15,24 1-15,0-1 16,0 1-16,24-1 16,1 1-16,-1-25 15,1 0-15,-1 0 16,0 0-16,1 0 0,-1-25 15,-24 1 1,0-1-16,-24 25 16,24-24-16,-25-1 0,1 1 15,24 0-15,-24-1 16,24 1-16,0-1 31,24 25-31,0 0 0,1 0 16,-1 0-16,1 0 0,-1 0 15,1 0-15,-1 0 16,0 0-16,1 25 16,-25-1-1,0 1-15,0-1 16,0 0-16,0 1 16,0-1-16,0 1 15,0-1-15,24-24 0,-24 25 16,25-25-16,-1 24 15,1-24-15,23 0 0,-23 0 16,-1 0-16,25 0 0,-25 0 16,1-24-16,-25-1 15,0 1-15,0-1 0,0 1 16,-25-25-16,1 25 16,-25-1-16,25 1 0,-25-1 15,0 1-15,0 24 0,0 0 16,1 24-16</inkml:trace>
+  <inkml:trace contextRef="#ctx0" brushRef="#br0" timeOffset="-207661.73">29556 7033 0,'24'0'15,"1"-24"1,-1 24-16,-24-24 15,25 24 1,-25-25 0,0 1-1,0-1 1,0 1 0,0-1-1,24 25-15,-24-24 16,-24 48 15,24 1-15,-25-1-16,1 1 15,24-1-15,-25 1 16,25-1-16,0 0 16,25 1-16,-1-25 15,1 24-15,-1-24 16,1 0-16,-1 0 15,0-24-15,1 24 0,-1 0 16,1-25-16,-1 1 16,-24 0-1,0-1-15,0 1 0,-24 24 16,24-25-16,-25 25 16,25-24-16,-24 48 15,24 1 1,0-1-16,0 1 15,0 23-15,0-23 0,24-1 16,-24 25-16,0-24 16,25-1-16,-25 0 0,0 1 15,0-1-15,0 1 16,24-25-16,-24 24 0</inkml:trace>
+  <inkml:trace contextRef="#ctx0" brushRef="#br0" timeOffset="-207314.73">30289 6887 0,'24'-25'0,"-24"1"16,0 0-16,0-1 15,0 1 1,-24 24-16,-1 0 0,1 0 15,-1 0-15,1 0 16,0 24-16,-1-24 0,1 25 16,24-1-16,0 0 0,0 1 15,0-1-15,24 1 16,1-25-16,-1 24 0,25 1 16,-25-25-16,1 24 15,-1 0-15,25-24 0,-49 25 16,24-25-16,-24 24 0,-24 1 15,0-25 1,-25 24-16,24-24 16,1 0-16,-1 0 15</inkml:trace>
+  <inkml:trace contextRef="#ctx0" brushRef="#br0" timeOffset="-206869.73">30362 6789 0,'0'-24'16,"24"24"-16,1 0 0,-1 0 16,1 0-1,-1 24 1,1-24 0,-1 0-16,0 0 15,1 25-15,24-25 0,-25 0 16,1 0-16,-1 0 15,-24 24 1,-24 0 0,-1 1-16,1-1 0,-1 1 15,1-1-15,-1 1 0,25-1 16,-24 0-16,24 1 16,0-1-16,24-24 0,1 25 15,-1-25-15,25 0 0,-24 0 16,23 0-16,-23 0 15,24-25-15,-25 1 0,25 24 16,-49-25-16,24-23 16,-24 23-16,0-24 0,-24 25 15,-1-25-15,1 25 16,0-25-16,-1 24 0,1 1 16,-25-1-16,25 25 0,-25 0 15,24 25-15,1-1 16,-1 1-16</inkml:trace>
+  <inkml:trace contextRef="#ctx0" brushRef="#br0" timeOffset="-206264.73">31485 7913 0,'25'0'16,"-25"24"31,0 0-47,0 1 16,0-1-16,0 25 0,0 0 15,-25 0-15,25 0 0,0 24 16,0 0-16,0-24 15,0 24-15,0 1 0,0-26 16,0 26-16,25-25 16,-25-1-16,0-23 0,0-1 15,0 1-15,0-1 0,0 1 16,24-25-16,-24-25 16,0 1-1</inkml:trace>
+  <inkml:trace contextRef="#ctx0" brushRef="#br0" timeOffset="-205886.73">31290 8767 0,'0'-24'16,"24"0"0,1 24 15,-25 24 0,24-24-31,-24 24 0,25-24 16,-1 25-16,1-1 0,-1-24 15,0 25-15,1-25 16,-1 24-16,25-24 0,-24 0 16,-1 0-16,0 0 0,1-24 15,-1 24-15,1-25 16,-1 1-16,1-1 15,-25 1-15,0-25 16,24 25-16,-24-1 0,0 1 16,-24 24-1,-1 24 1,25 1-16,-24-1 16,-1 1-16,1-1 15,-1 0-15</inkml:trace>
+  <inkml:trace contextRef="#ctx0" brushRef="#br0" timeOffset="-196687.73">28237 5788 0,'0'-25'16,"25"25"-1,-1 0 1,25-24-16,-25 24 16,25 0-16,0 0 15,0 0-15,24 0 0,25 0 16,-25 0-16,0 24 0,25-24 16,-25 0-16,1 25 15,-1-25-15,-24 24 0,0-24 16,-25 25-16,0-25 15,-24 24-15,25-24 0,-50 0 32</inkml:trace>
+  <inkml:trace contextRef="#ctx0" brushRef="#br0" timeOffset="-196460.73">29287 5666 0,'25'0'16,"-1"0"0,-24 24-16,25-24 0,-1 25 15,0-1-15,-24 0 0,25 1 16,-1-1-16,-24 25 15,0-24-15,0-1 0,-24 25 16,-1-25-16</inkml:trace>
+  <inkml:trace contextRef="#ctx0" brushRef="#br0" timeOffset="-195510.73">28506 5006 0,'0'-24'0,"-25"24"31,1 0-16,24 24 1,-24 25-16,24-24 0,0 23 16,-25 1-16,25 0 0,-24 0 15,24 0-15,0 0 16,-25-1-16,25-23 0,0 24 16,0-25-16,0 1 15,0-50 1,0 1-1,25-1-15,-25-24 16,0 1-16,24-1 0,-24 0 16,25-24-16,-25-1 0,0 1 15,24 0-15,-24 0 16,0-1-16,0 25 0,24 1 16,-24-1-16,0 24 15,25 25-15,-1 0 16,1 25-16,-25 24 0,24-1 15,1 26-15,-1-25 16,0 48-16,1-23 0,-25-1 16,24 0-16,1-24 15,-1 24-15,-24-24 0,25 0 16,-25 0-16,24-25 0,-24 1 16</inkml:trace>
+  <inkml:trace contextRef="#ctx0" brushRef="#br0" timeOffset="-195347.73">28530 5275 0,'-24'-24'0,"-1"24"16,1 0 0,24-25-1,24 25-15,1 0 0,-1-24 16,1 24-16,24-25 15,-25 1-15,25 24 0</inkml:trace>
+  <inkml:trace contextRef="#ctx0" brushRef="#br0" timeOffset="-194760.73">29092 5080 0,'24'0'0,"-24"-25"31,-24 1-16,0-1 1,-1 25 0,1 0-16,-1 0 0,1 0 15,-1 25 1,1-1-16,24 1 0,-24-1 16,24 0-16,0 1 0,0 24 15,24-25-15,-24 0 16,24 1-16,1-1 0,-1-24 15,1 25-15,-1-25 0,25 0 16,-25 0-16,1-25 16,-1 25-16,-24-24 0,25-1 15,-25 1-15,0 0 16,0-1-16,0 1 0,0-1 16,-25 1-16,25 0 0,-24 24 15,-1 0 1,25 24-16,0 25 15,0 0-15,25-1 16,-1 1-16,-24 25 0,25-1 16,-1-24-16,1 24 0,-1-24 15,0 0-15,-24 0 16,0-25-16,0 0 0,-24 1 16,0-1-16,-1-24 15,1 0-15,-25 0 0,0 0 16,0-24-16,0-1 0,25 1 15,-25-25-15,49 25 16,0-25-16,0 0 0,0 0 16,24 0-16,1 0 15,24 1-15,-25 23 0,25 25 16,0-24-16,0 24 0,-25 0 16,1 0-16,23 0 15</inkml:trace>
+  <inkml:trace contextRef="#ctx0" brushRef="#br0" timeOffset="-194148.73">29532 5128 0,'0'-24'15,"0"0"-15,24-1 0,-24 1 16,0-1-16,-24 1 15,-1-1-15,-24 25 16,25 0 0,0 25-16,-1-1 0,-24-24 15,25 25-15,-1 24 0,1-25 16,0 0-16,24 1 16,0-1-16,0 1 0,24-1 15,0 1-15,25-1 16,-24-24-16,-1 24 15,25-24-15,-25 0 0,1 0 16,-1-24-16,1 24 16,-1-24-16,0-1 15,-24 1-15,0-1 16,-24 1-16,24-1 16,0 1-16,-24 24 0,24-24 15,-25 24 1,25 24-16,25 0 15,-25 1-15,24-1 0,0 25 16,-24-24-16,25 23 16,-1 26-16,1-26 0,-1 1 15,-24 0-15,25 0 16,-25-25-16,24 25 0,-24-24 16,0-1-16,-24 1 0,-1-1 15,1-24-15,-25 0 16,24 0-16,-23 0 0,23 0 15,-24-24-15,25-1 16,0 1-16,24-25 0,-25 24 16,25-23-16,0 23 0,0 1 15,25-25-15,-1 24 16,0 1-16,25 24 0,-24-24 16,23 24-16</inkml:trace>
+  <inkml:trace contextRef="#ctx0" brushRef="#br0" timeOffset="-193950.73">29874 5348 0,'24'0'62</inkml:trace>
+  <inkml:trace contextRef="#ctx0" brushRef="#br0" timeOffset="-193651.73">30093 4909 0,'0'-25'0,"0"1"0,0-1 16,0 1-16,0-1 16,25 25-16,-1 0 15,-24 25-15,25-1 0,-1 1 16,0 24-16,1-1 15,-1 1-15,1 0 0,-1 24 16,1-24-16,-1 24 16,-24 1-16,24-25 0,1-1 15,-25 1-15,24-24 16,-24-1-16,0 1 0</inkml:trace>
+  <inkml:trace contextRef="#ctx0" brushRef="#br0" timeOffset="-193092.73">30289 5250 0,'-25'-24'0,"1"24"0,-1 0 15,1 0 1,48 0 0,1-24-16,-1 24 15,1 0-15,24 0 16,-1 0-16,1 0 0,0 0 15,24-25-15,-24 25 16,0 0-16,0-24 0,0 24 16,-25 0-16,1-25 0,-1 1 15,-24 0 1,0-1-16,-24 25 0,-1-24 16,1-1-16,-25 25 15,25-24-15,-1 24 0,1 0 16,-1 0-16,1 24 0,-1-24 15,25 25-15,-24-1 16,24 1-16,0-1 0,0 25 16,24-25-16,-24 25 15,25-25-15,-25 25 0,24-24 16,1-1-16,-1-24 0,1 25 16,-1-25-16,0 0 15,1 0-15,-1 0 0,1 0 16,-25-25-16,0 1 15,24-1-15,-24 1 0,0-1 16,0 1-16,0-25 0,0 25 16,0-1-16,0 1 15,0 0-15,24 24 16,1 24 0,-25 0-16,0 1 0,24-1 15,1 25-15,-25 0 0,24-25 16,1 25-16,-1-24 15,0-1-15,1 0 0,-1-24 16</inkml:trace>
+  <inkml:trace contextRef="#ctx0" brushRef="#br0" timeOffset="-192605.73">31095 5031 0,'-25'-25'0,"1"-24"0,24 25 15,-25-25-15,25 25 0,0-1 16,25 50 0,-1-1-1,1 25 1,-25-25-16,24 25 0,-24 0 16,25-24-16,-1 23 0,-24 1 15,24 0-15,-24 0 16,25-25-16,-25 1 0,0-1 15,0 1-15,0-50 32,0 1-17,0-1-15,0-23 16,0 23-16,0 1 0,0-25 16,24 24-16,1 1 15,-1 0-15,1-1 0,23 25 16,-23 25-16,-1-1 0,1 0 15,-1 1-15,0 24 16,1 0-16,-25-1 0,24-23 16,-24 24-16,0-25 0,-24 0 15,-1 1-15,25-1 16,-24-24-16,0 0 0,-25 0 16,24 0-16,1-24 15,0-1-15,24 1 0,-25 0 16,25-25-16,0 0 0,25 0 15</inkml:trace>
+  <inkml:trace contextRef="#ctx0" brushRef="#br0" timeOffset="-192402.73">31534 4884 0,'25'-24'0,"-1"-1"16,-24 50 15,0-1-31,0 1 16,25-1-1,-25 25-15,24-25 0,0 25 16,1 0-16,24 0 0,-25 0 16,1 24-16,-1-24 15,0-25-15,-24 25 0,25-25 16,-25 1-16,0-1 16,0 1-16</inkml:trace>
+  <inkml:trace contextRef="#ctx0" brushRef="#br0" timeOffset="-192005.73">31998 5348 0,'0'25'16,"-24"-25"-16,48 0 31,1-25-16,-1 25-15,1 0 0,-1-24 16,0 24-16,1-25 16,24 1-16,-25 24 0,1-25 15,-25 1-15,24 0 16,-24-1-16,0 1 0,0-1 16,-24 1-16,-1 0 0,1-25 15,-1 49-15,-24-25 16,1 25-16,23 0 0,-24 25 15,1-1-15,23 25 0,1 0 16,-1 24-16,25-24 16,25 24-16,-1-24 0,1 0 15,23 0-15,1 0 16,0-25-16,24 0 0,-24 1 16,0-25-16,0 0 15,0-25-15,-25 1 0</inkml:trace>
+  <inkml:trace contextRef="#ctx0" brushRef="#br0" timeOffset="193211.94">16587 9280 0,'0'25'15,"0"-1"1,-24 1-16,-25-25 16,49 24-16,-49 0 15,25-24-15,-1 0 0,1 0 16,0 25-1,-1-25-15,25 24 16,-24-24-16,24 25 16,0-1-16,-25 1 15,25-1 1,0-48 15,0-1-31,0 1 16,0-1-16,0 1 0,0-25 15,0-24-15,0 24 16,0-24-16,0-25 0,0 25 16,0-1-16,0-23 15,0 23-15,25 1 0,-25 24 16,24 0-16,1 1 0,-1 48 16,0-25-16,25 25 15,0 25-15,-24-1 0,23 25 16,-23 0-16,-1 0 15,1 24-15,-1 0 0,-24 0 16,0-24-16,-24 25 0,-1-26 16,1 1-16,-25 0 15,25 0-15,-25-25 0,0 1 16,0-1-16,25 1 16,-1-25-16,1 0 0,24-25 15,0 1-15,0-1 0,0 1 16,24-1-16,1-23 15,-1 23-15,25 1 0,-25-1 16,25 1-16,0 24 16,0 0-16,0 24 0,-25 1 15,25 24-15,-25-25 0,1 25 16,-1 0-16,1-25 16,-1 25-16,-24 0 0,0-25 15,24 1-15,-24-1 16,0 1-16,0-1 0</inkml:trace>
+  <inkml:trace contextRef="#ctx0" brushRef="#br0" timeOffset="193661.94">16978 9305 0,'-24'0'15,"24"24"32,0 1-31,24-25-16,-24 24 16,25-24-16,-1 0 0,0 0 15,25 0-15,-24 0 16,-1 0-16,25-24 0,-25 24 15,1-25-15,-1 1 16,-24-1-16,0 1 16,0-1-16,-24 1 0,-1 0 15,1-1-15,0 25 16,-25-24-16,24 24 0,-24-25 16,1 25-16,23 0 15,-24 25-15,25-1 0,-1 1 16,25-1-16,0 0 0,0 1 15,0 24-15,0 0 16,25-25-16,-1 25 0,1 0 16,24-25-16,-25 1 15,0-1-15,25 0 0,0 1 16,0-25-16,0 0 0,0 0 16</inkml:trace>
+  <inkml:trace contextRef="#ctx0" brushRef="#br0" timeOffset="194361.93">17686 9256 0,'0'-25'16,"0"1"-1,-24 24 1,24-24-16,-24 24 16,24-25-16,-25 25 15,25-24-15,-24 24 0,-1 0 16,1 0-16,-1 0 15,1 0-15,0 0 0,-1 0 16,-24 0-16,25 0 16,-1 24-16,1 1 0,0-25 15,-1 24-15,1 0 0,24 1 16,0-1-16,0 1 16,0-1-16,0 1 0,24-1 15,1 0-15,-25 1 16,24-25-16,0 24 0,1 1 15,-1-25-15,1 24 0,-1-24 16,1 0-16,-1 0 16,0 0-16,1-24 15,-25-1 17,24 25-32,1 0 62,-25-24-62,24 24 16,1-25-1,-1 1 1,-24 0 0,0-1-1,0 1-15,0-1 16,0 1-16,0-1 15,0 1-15,-24 24 16,24 24 0,0 1-1,0-1 1,0 1-16,24-1 0,-24 1 16,24-1-16,-24 0 15,25 1-15,-1-1 0,-24 1 16,25-25-16,-25 24 0,24-24 15,1 0 1</inkml:trace>
+  <inkml:trace contextRef="#ctx0" brushRef="#br0" timeOffset="194951.94">18199 9280 0,'0'-24'16,"0"-1"0,0 1-1,0 0-15,-24 24 0,-1-25 16,1 1-1,0 24-15,-1 0 0,1 0 16,-1 0-16,-24 0 16,25 24-16,0 1 0,-1-1 15,1 0-15,-1 1 0,1-1 16,24 1-16,-24-1 16,24 25-16,0-25 0,24 1 15,-24-1-15,24-24 16,1 25-16,-1-1 0,1-24 15,-1 0-15,25 0 0,-25 0 16,1-24-16,-1-1 16,25 1-16,-25-1 0,1 1 15,-25-25-15,24 0 16,-24 0-16,0-24 0,0 0 16,0 0-16,-24-1 0,-1 1 15,25 0-15,-24 24 16,24-24-16,0 48 0,-24 1 15,24 48 1,0 1-16,0 24 16,0 24-16,0 0 0,0 0 15,24 1-15,-24-1 16,24 0-16,1-24 0,-25 24 16,24-24-16,-24 0 0,25-25 15,-1 25-15,-24-24 16,25-1-16</inkml:trace>
+  <inkml:trace contextRef="#ctx0" brushRef="#br0" timeOffset="196201.94">18908 9231 0,'24'0'0,"0"0"31,-24-24-15,25 0-16,-25-1 15,0 1-15,0-1 16,-25 25-16,25-24 16,-24-1-16,0 1 0,-1 24 15,1 0-15,-1-24 16,1 24-16,-1 0 0,-23 24 15,23 0-15,1 1 0,-1-1 16,1 1-16,24-1 16,-25 25-16,25-25 0,0 25 15,25-24-15,-1-1 16,1 25-16,-1-25 0,1 1 16,-1-1-16,0-24 0,1 25 15,-1-25-15,1 0 16,-1 0-16,1 0 0,-1 0 15,0-25-15,1 1 16,-25-1-16,24 1 0,-24 0 16,0-25-16,0 0 0,0 24 15,0-23-15,-24-1 16,24 73 15,0 1-31,0-1 16,0 25-16,24-25 0,-24 25 15,25-24-15,-1-1 16,25 0-16,-25 1 0,1-25 16,-1 0-16,25 0 0,-24 0 15,-1 0-15,0-25 16,25 1-16,-49-25 0,25 0 16,-25 0-16,0-24 15,0 24-15,0-24 0,-25 0 16,1 0-16,-1-1 0,1 25 15,0 1-15,24 23 16,-25 1-16,1 24 16,24 24-16,0 25 15,0-25-15,0 25 0,0 0 16,0 0-16,0 24 16,0-24-16,0 0 0,24 0 15,-24 0-15,25-1 0,-1 1 16,0-24-16,1-1 15,-1 25-15,1-49 0,-1 24 16,0-24-16,1 0 0,24 0 16,-25-24-16,1 24 15,-1-49-15,0 25 0,-24-25 16,0-24-16,0 24 16,0-25-16,0 26 0,-24-26 15,0 26-15,-1-1 0,25 0 16,-24 24-16,-1 1 15,1 24-15,24 24 16,0 25 0,0-24-16,24 24 0,-24-1 15,25 26-15,-1-26 0,1 1 16,-1 25-16,0-26 16,1 1-16,24-24 0,-25 24 15,1-25-15,-1 0 16,0 1-16,1-25 0</inkml:trace>
+  <inkml:trace contextRef="#ctx0" brushRef="#br0" timeOffset="196631.94">20104 9158 0,'-24'0'15,"-1"-24"-15,1-1 16,24 1 0,0-1-16,24 1 15,1 24 1,-1 0-16,1 24 16,-1-24-16,1 25 15,-1-1-15,0 1 0,1-1 16,-1 1-16,1 23 0,-1-23 15,-24-1-15,0 1 16,0-1-16,-24-24 16,-1 0-16,1 0 15,-1 0-15,25-24 16,-24-1-16,24 1 0,0-1 16,0-23-16,0-1 15,24 0-15,1 0 0,-1 25 16,1-25-16,24 0 0,-25 25 15,0-1-15,25 25 16,-24 0-16,-1 0 0,0 25 16,1-1-1</inkml:trace>
+  <inkml:trace contextRef="#ctx0" brushRef="#br0" timeOffset="197041.93">20617 9134 0,'0'24'16,"25"-24"15,-1-24-31,0 24 16,1-25 0,-1 25-16,1 0 15,-25-24-15,24 24 0,1 0 16,-1 0-16,-24-24 15,24 24-15,-24-25 16,0 1 0,0-1-16,-24 1 15,0-1-15,-1 1 0,1 0 16,24-1-16,-25 25 16,1 0-16,-1 0 0,1 25 15,0 23 1,24-23-16,0 24 0,0 0 15,24-1-15,-24 1 0,24 0 16,1 0-16,-1 0 16,25-25-16,-24 25 0,23-49 15,-23 24-15,24-24 16,-25 0-16,25-24 0,-25 24 16,25-24-16</inkml:trace>
+  <inkml:trace contextRef="#ctx0" brushRef="#br0" timeOffset="197321.93">21228 9036 0,'0'-24'16,"0"-1"-16,24 25 15,-24-24-15,0-1 16,0 1 0,0 0-1,-24 24-15,-1 0 16,25 24-16,-24 0 0,0-24 15,-1 25-15,1 24 16,24-25-16,-25 25 0,25-25 16,0 25-16,0-24 0,25 23 15,-25-23-15,24-1 16,1 1-16,23-1 0,-23-24 16,24 0-16,-1 0 15,-23 0-15,24-24 0,-25-1 16,25 1-16</inkml:trace>
+  <inkml:trace contextRef="#ctx0" brushRef="#br0" timeOffset="198231.93">21594 9036 0,'25'-24'15,"-25"-1"-15,24 25 0,-24-24 16,24-1-16,-24 1 31,-24 24-15,0 24-1,24 1-15,-25-25 16,25 24-16,-24 25 16,24-24-16,0-1 0,0 0 15,0 1-15,24-1 0,1 1 16,-1-1-16,0 0 16,1-24-16,-1 0 0,25 0 15,-24 0-15,-1 0 0,0 0 16,1-24-16,-1 24 15,-24-24-15,25-1 0,-25-24 16,0 25-16,-25 0 16,1-25-16,-1 24 0,1 1 15,0-1-15,-1 1 0,1 24 16,-1-24-16,1 24 16,-1 24-1,25 0 1,25 1-16,-1-25 15,1 0-15,-25 24 16,24-24-16,1 0 16,-1 0-16,0 0 15,1 0 1,-1 0 0,-24-24-16,25 24 15,-25-25 32,0 1-16,24 24-15,0 0 15,1 0-15,-25 24-1,24-24-15,-24 25 16,25-25-16,-1 24 0,1 1 16,-1-1-16,0 1 0,1-1 15,-1 0-15,1 1 16,-25-1-16,24 1 0,-24-1 16,0 0-16,-24-24 15,-1 25-15,1-25 16,-1 0-16,1-25 15,0 25-15,24-24 16,0 0-16,0-25 16,0 24-16,24-23 15,0-1-15,25 0 0,-24 24 16,-1-23-16,25-1 0,-25 24 16,1 1-16,-1 24 15,1 0-15,-25 24 31,0 1-31,-25-25 16,25 24-16</inkml:trace>
+  <inkml:trace contextRef="#ctx0" brushRef="#br0" timeOffset="198781.93">22571 9109 0,'24'0'15,"1"0"-15,-1 0 0,1-24 16,-1 24-16,-24-24 16,0-1-16,25 25 15,-25-24-15,0-1 0,0 1 16,-25-1-16,25 1 16,-24 0-16,-1-1 0,1 1 15,-1 24 1,25-25-16,-24 25 0,0 25 15,-1-1-15,25 1 16,-24 23-16,24-23 16,0 24-16,0 0 0,0-25 15,24 25-15,1-25 16,-25 1-16,24-1 0,0 0 16,1-24-16,24 0 0,-25 0 15,1 0-15,-1 0 16,0-24-16,1 0 0,-1-1 15,1-24-15,-25 1 16,24 23-16,-24-48 0,0 24 16,-24 0-16,-1 0 0,25 0 15,-24 1-15,-1-1 16,25 24-16,-24 1 0,24 48 31,0 1-31,0 24 0,24-25 16,-24 25-16,25 0 0,-1 24 15,-24-24-15,25 0 16,-1 0-16,1-1 0,-25-23 16,24 24-16,-24-25 15,0 0-15,0 1 16</inkml:trace>
+  <inkml:trace contextRef="#ctx0" brushRef="#br0" timeOffset="199181.93">23377 8938 0,'0'-24'0,"0"0"16,0-25-16,0 24 0,0 1 15,0-1-15,-24 1 16,-1 24-1,25 24-15,-24 1 16,24-1-16,-25 1 16,25-1-1,0 1-15,0-1 0,0 0 16,0 1-16,25-1 16,-1 1-16,1-1 0,-1 1 15,25-1-15,-25 0 0,25 1 16,-24-25-16,-1 24 15,0 1-15,1-1 0,-25 0 16,0 1-16,-25-1 16,1-24-16,0 25 15,-1-25-15,1 0 0,-25 0 16,0 0-16,25 0 16,-1-25-16,-24 1 0,25-1 15</inkml:trace>
+  <inkml:trace contextRef="#ctx0" brushRef="#br0" timeOffset="199411.93">23475 8914 0,'24'-24'15,"-24"-1"1,0 1 0,-24 24-16,-1 0 15,1 24 1,-1-24-16,25 25 0,-24 23 15,0-23-15,-1 24 16,1-25-16,-1 25 0,1 0 16,24 0-16,-25-1 0,25 1 15,0-24-15,0-1 16,0 1-16,25-1 0</inkml:trace>
+  <inkml:trace contextRef="#ctx0" brushRef="#br0" timeOffset="199591.93">24159 9060 0,'24'0'16,"0"0"-1,1 0-15,-1 0 16,1 0-16,-50 0 15</inkml:trace>
 </inkml:ink>
 </file>
 
@@ -5947,44 +5952,44 @@
   <inkml:trace contextRef="#ctx0" brushRef="#br0" timeOffset="169211">5227 11063 0,'0'-24'0,"0"0"0,25-1 16,-25 1 0,0-1-16,24 25 15,-24 25 1,-24-1 0,24 25-16,-25-25 15,1 1-15,24-1 16,-24 25-16,-1-24 0,1-1 15,-1 0-15</inkml:trace>
   <inkml:trace contextRef="#ctx0" brushRef="#br0" timeOffset="171083">4837 9525 0,'0'24'47,"0"1"-31,0 23-1,24-23-15,-24 24 0,25 0 16,-25-1-16,24 1 0,-24 0 15,24 0-15</inkml:trace>
   <inkml:trace contextRef="#ctx0" brushRef="#br0" timeOffset="171827">5008 10160 0,'24'0'32,"-24"-25"-17,0 50 48,0-1-32,0-48 32,24 24-48</inkml:trace>
-  <inkml:trace contextRef="#ctx0" brushRef="#br0" timeOffset="231518">4153 15142 0,'0'24'0,"0"1"63,0-1-32,0 1-15,0-1-1,0 1 1,0-1 15,0-48 16,0-1 0</inkml:trace>
-  <inkml:trace contextRef="#ctx0" brushRef="#br0" timeOffset="232168">4153 14825 0,'-25'0'47,"25"24"-47,-24 0 16,0 1 0,24-1-16,-25 1 15,1-1 1,-1 1-16,25-1 0,-24 0 15,-1-24-15,25 25 0,-24-1 16,48-48 62,-24-1-62,25 1-16,-25 0 15,24-1-15,-24 1 16,25-1-16,-25 1 0,24-1 16,-24 1-16,25 0 0,-1 24 15,0-25-15,1 1 16,-1 24-16,1-25 0,-1 25 16,1 0-16,-1 0 15,0 0-15,1 0 0,-1 0 16,1 25-16,-1-25 0,0 24 15,1 1-15,-1-1 16,1 0-16,-1 1 0,-24-1 16,25 1-16,-25-1 0,24 1 15,-24-1-15,0 0 16,0 1-16,0-1 31</inkml:trace>
-  <inkml:trace contextRef="#ctx0" brushRef="#br0" timeOffset="232928">4275 14849 0,'0'24'47,"0"1"-47,0-1 15,0 1-15,24 24 0,-24-25 16,0 25-16,0 0 16,25 0-16,-25-1 0,0 1 15,24 0-15,-24 0 0,0 0 16,0 0-16,0-1 15,25 1-15,-25 0 0,0 0 16,0-25-16,0 25 16,0 0-16,0-25 0,0 25 15,0-24-15,0 24 0,0-25 16,0 25-16,0-25 16,-25 1-16,25 24 0,0-25 15,0 0-15,0 1 16,0-1-16,0 1 0,25-25 15,-25 24-15,24 1 0,0-25 16,-24 24 0,25-24-16,-1 24 15,1-24-15,-1 0 16,1 0-16,-1 0 0,0 0 16,25 0-16,0 0 0,-24-24 15,48 24-15,-24 0 16,24-24-16,0 24 0,1 0 15,23 0-15,1-25 16,0 25-16,-1 0 0,25 0 16,0 0-16,1 0 0,-1 0 15,0 0-15,0 0 16,0-24-16,25 24 0,-25 0 16,24 0-16,1-25 15,-1 25-15,-24 0 0,1 0 16,-1 0-16,0 0 0,-24 0 15,-25 0-15,0 0 16,-24 0-16,0 0 0,0-24 16,-25 24-16,0 0 15,1 0 1,-50 0 0,1 0-1</inkml:trace>
-  <inkml:trace contextRef="#ctx0" brushRef="#br0" timeOffset="233348">7572 15972 0,'-24'0'0,"-1"0"16,50 0 15,-1 0-15,1 0-16,-1 25 0,0-25 15,25 24-15,-24-24 0,23 25 16,-23-25-16,24 24 15,-25-24-15,1 25 0,-1-25 16,0 24-16,1-24 16,-1 24-16,-24 1 15,0-1-15,-24 1 16,-1-25 0,1 24-16,0 1 0,-1-25 15,1 24-15,-1 0 16,1 1-16,-1-1 0,1-24 15,24 25-15,-24-1 0</inkml:trace>
-  <inkml:trace contextRef="#ctx0" brushRef="#br0" timeOffset="234867">8085 15704 0,'-24'0'16,"24"-25"-16,-25 25 15,1 0-15,24 25 31,24-1-15,-24 1-16,25-1 0,-25 25 16,24-25-16,-24 25 15,24 0-15,-24 24 0,0-24 16,25 24-16,-25 1 0,0-25 16,0 24-16,0 0 15,0 0-15,-25 25 0,25-25 16,-24 1-16,24-1 15,0 0-15,0 0 0,-24 1 16,24-26-16,0 26 0,0-25 16,0-1-16,0 26 15,24-25-15,-24-1 0,0 1 16,0-24-16,0 24 16,24-25-16,-24 25 0,0-25 15,25 1-15,-25-1 16,0 1-1,24-25 1,-24 24-16,25-24 16,-1 0-1,1 0-15,23 0 0,1 0 16,0 0-16,0 0 16,24 0-16,0 0 0,25 0 15,0-24-15,24 24 0,0 0 16,0 0-16,25-25 15,-1 25-15,-24 0 0,25 0 16,-1 0-16,1 0 16,-25 0-16,25 0 0,-25 0 15,0 0-15,0 0 0,-24 0 16,24 0-16,-25 0 16,1 0-16,0 25 0,-25-25 15,0 0-15,1 0 16,-1 0-16,-24 0 0,-25 0 15,25 0-15,-25 0 0,1 0 16,-1 0-16,1 0 16,-1 0-16,-24-25 15,25 25 1,-25-24 0,-25-1-16,25 1 15,-24-1 1,24 1-16,0 0 0,-25-1 15,25-24-15,0 25 16,0-25-16,-24 0 0,24 0 16,0-24-16,0 24 0,0-24 15,-25 24-15,25-24 16,0 0-16,0-1 0,-24 1 16,24-25-16,0 25 15,0-25-15,-24 25 0,24-25 16,0 25-16,0 0 0,0 0 15,0 24-15,0-25 16,0 26-16,0-1 0,0 0 16,0 24-16,0 1 15,0 0-15,0-1 0,0 1 16,-25-1-16,1 1 16,-1 24-1,25-24 1,-24 24-16,-1 0 15,1-25-15,0 25 16,-25 0-16,24 0 0,-23 0 16,-1 0-16,-25 0 15,1 0-15,0 0 0,0 0 16,-25 0-16,0 0 16,-24 0-16,24 0 0,-24 0 15,25 0-15,-26 0 0,1 0 16,25 0-16,-25 0 15,24 0-15,0 0 0,1 0 16,-1 0-16,0 25 0,25-25 16,-25 0-16,25 24 15,0-24-15,-1 0 0,1 0 16,24 24-16,-24-24 16,24 0-16,0 25 0,0-25 15,1 0-15,-1 0 0,24 24 16,1-24-16,-25 0 15,25 25-15,-1-25 16,1 0 0,24 24-16,0 0 31,0 1 0,-25-25-15,1 0-1,24-25 1</inkml:trace>
-  <inkml:trace contextRef="#ctx0" brushRef="#br0" timeOffset="235335">9355 15655 0,'-24'0'16,"-1"0"-16,25 24 15,-24 1-15,24-1 0,0 1 16,0 23-16,0 1 0,0 0 16,0 24-16,0 1 15,0 23-15,0 1 0,-25 0 16,25 24-16,0-24 15,-24-1-15,24 1 0,0 0 16,0-25-16,0 0 0,0 0 16,0 1-16,0-1 15,0 0-15,0-24 0,0 0 16,0 24-16,0-24 16,0 0-16,0 0 0,0-25 15,0 25-15,0-24 16,0-50-1</inkml:trace>
-  <inkml:trace contextRef="#ctx0" brushRef="#br0" timeOffset="235761">10039 15655 0,'0'24'0,"0"1"16,0-1-16,0 1 0,0 23 15,24-23-15,-24 24 0,0 24 16,25-24-16,-25 0 16,24 24-16,-24 0 0,25 1 15,-25-1-15,0 25 16,24-25-16,-24 24 0,0 1 16,24 0-16,-24 0 0,0-25 15,0 24-15,0-23 16,0-1-16,0-24 0,0 24 15,-24-24-15,24 0 16,0 0-16,0 0 0,0-1 16,0-23-16,0-1 15,0 1-15</inkml:trace>
-  <inkml:trace contextRef="#ctx0" brushRef="#br0" timeOffset="236571">9477 14897 0,'0'-25'16,"24"25"-16,-24-24 15,-24 24 1,0 0-1,-1 0-15,1 0 16,-1 24-16,-23-24 16,23 0-16,1 25 0,-1-1 15,-24-24-15,25 25 0,0-1 16,-1 1-16,1-1 16,24 0-16,0 25 0,0-24 15,0-1-15,0 0 16,0 1-16,24-1 15,1-24-15,-1 25 0,0-25 0,25 0 16,-24 0-16,-1 0 16,25 0-16,-25-25 0,1 1 15,-1-1-15,1-23 16,-1 23-16,0-24 0,-24 1 16,25-1-16,-25 0 0,0 0 15,0 0-15,0-24 16,0 24-16,0 25 0,0-25 15,-25 24-15,25 1 16,0 0-16,0 48 16,0 0-16,0 25 15,25 0-15,-25 0 16,24 0-16,-24 24 0,25 0 16,-1-24-16,1 24 15,-25-24-15,24 0 0,0 0 16,-24-25-16,25 1 0</inkml:trace>
-  <inkml:trace contextRef="#ctx0" brushRef="#br0" timeOffset="236997">9966 14996 0,'-25'0'0,"1"0"16,-1 0-16,50-25 31,-1 25-31,25-24 16,-25 24 0,1 0-16,24-25 0,-25 25 15,0-24-15,-24-1 0,25 25 16,-25-24-16,0 0 15,0-1-15,-25 1 16,1-1-16,0 1 0,-1 24 16,1-25-16,-25 1 15,25 24-15,-1 0 0,1 0 16,-1 24-16,1 1 16,-1-1-16,25 25 0,0 0 15,0-25-15,25 25 0,-1 25 16,1-26-16,-1-23 15,1 24-15,-1-25 0,25 25 16,-25-49-16,1 24 16,23-24-16,-23 0 0,-1 0 15</inkml:trace>
-  <inkml:trace contextRef="#ctx0" brushRef="#br0" timeOffset="237482">10283 14776 0,'-24'-25'0,"24"-24"16,0 25-16,0 0 16,-25-1-16,25 1 0,25 48 31,-25 25-15,24-25-16,-24 25 0,0 0 15,24 24-15,-24-24 16,25 25-16,-25-1 0,0-24 15,24 24-15,-24-24 16,25 0-16,-25-25 0,0 25 16,24-25-16,-24 1 0,0-1 15,0-48 17,-24-1-32,24 1 15,0-1-15,0-23 0,-25-1 16,25 0-16,0-24 0,0-1 15,0 1-15,0 24 16,25-24-16,-25 24 0,24 0 16,1 25-16,-1-1 15,0 25-15,1 0 0,-1 25 16,1-1-16,-1 1 0,1 24 16,-25-1-16,0-23 15,0 24-15,0 0 0,0-25 16,-25 0-16,25 25 15,-24-49-15,24 25 0,-25-25 16,1 0-16</inkml:trace>
-  <inkml:trace contextRef="#ctx0" brushRef="#br0" timeOffset="237789">10723 14605 0,'24'0'32,"0"0"-17,1 0 1,-1 0 0,1 24-16,-1 25 15,-24-25-15,25 25 16,-25 0-16,0 0 0,0 24 15,24-24-15,-24 0 0,0 0 16,0 0-16,0-1 16,0-23-16,0-1 0,24 1 15,1-25 1,-1 0-16,1 0 0,-1-25 16,1 1-16,-25-1 0</inkml:trace>
-  <inkml:trace contextRef="#ctx0" brushRef="#br0" timeOffset="237969">10845 14849 0,'-25'0'15,"1"0"-15,0 0 16,24-24 0,24 24-1,0-25-15,25 25 0,0-24 16,0 24-16,0-25 0,-25 25 15,25-24-15,-25 24 16,1-25-16</inkml:trace>
-  <inkml:trace contextRef="#ctx0" brushRef="#br0" timeOffset="244846">18636 15337 0,'-25'0'31,"25"25"-15,0-1-1,0 1-15,-24 24 0,24-25 16,0 49-16,0-24 15,0 24-15,-25-24 0,25 25 16,0 23-16,-24-24 16,24 25-16,0 0 0,-24 0 15,24-25-15,-25 24 0,25 1 16,0 0-16,0 0 16,0-25-16,-24 25 0,24-25 15,0 0-15,0 0 16,0 1-16,0-1 0,0 0 15,0 0-15,0 1 0,-25-1 16,25-24-16,0 0 16,0-1-16,0 1 0,0 0 15,0-24-15,0-1 0,0 0 16,0 1 0,25-25-16,-1 0 15,25 24 1,-25-24-1,1 0-15,-1 0 0,1 0 16,24 0-16,-1 0 16,1 0-16,0-24 0,24 24 15,25 0-15,0 0 16,-1 0-16,26 0 0,-1 0 16,24 0-16,25 0 0,0 24 15,25-24-15,-1 25 16,25-25-16,24 0 0,-24 24 15,24-24-15,25 25 16,-25-25-16,0 24 0,0-24 16,-24 0-16,24 0 0,1 0 15,-26 0-15,1 0 16,24 24-16,-24-24 0,0 0 16,0 0-16,-25 25 15,25-25-15,-25 0 0,1 24 16,-25-24-16,24 0 15,1 0-15,-25 0 0,-1 25 16,1-25-16,-24 0 0,24 24 16,-24-24-16,-1 25 0,1-25 15,-1 0-15,1 24 16,-25-24-16,0 0 0,0 0 16,-24 0-16,-1-24 15,-23 24-15,-1 0 0,0-25 16,-24 25-16,0 0 15,0 0-15,0 0 0,-1-24 16,1 24-16,-24 0 0,24 0 16,-25-25-16,0 25 15,1-24-15,-1 24 0,25-25 16,-25 1 0,1 24-16,-1-24 0,-24-1 31,-24 25 0,24-24-15,-25 24-16,25-25 15,0 1 1,0-1 0,0 1-16,0 0 0,0-1 15,25-24-15,-25 0 16,0 1-16,0-1 0,0 0 15,0-24-15,24-1 0,-24 1 16,25 24-16,-25-48 16,24 23-16,-24 1 0,25 0 15,-1-25-15,0 25 0,-24-25 16,25 25-16,-1-25 16,1 25-16,-25-25 0,24 25 15,1 0-15,-25 24 16,24-24-16,-24 24 0,24-25 15,-24 26-15,0-1 0,0 0 16,0 0-16,0 25 16,0-25-16,0 24 0,0 1 15,0 0-15,0-1 16,0 1-16,0-1 0,0 1 16,0-1-1,0 1-15,0 0 16,-24 24 31,24-25-32,-24 25 1,-1 0-16,1 0 16,-1 0-1,1 0-15,-25 0 0,0 0 16,0 0-16,0-24 0,-24 24 15,-24-25-15,-1 25 16,-24-24-16,-25 24 0,-24-25 16,0 1-16,-24 0 15,-1-1-15,-23 1 0,23-1 16,-23 25-16,23-24 0,-24 24 16,25-25-16,0 25 15,-1-24-15,-24 24 0,25-24 16,-25 24-16,0-25 15,-24 1-15,24 24 0,1-25 16,-1 25-16,0-24 0,0 24 16,49-24-16,0 24 15,0 0-15,25-25 0,24 25 16,-1 0-16,1 0 16,0 0-16,0 0 0,0 0 15,0 0-15,0 0 0,-25 0 16,1 0-16,-1 0 15,1 25-15,-1-25 0,0 0 16,1 0-16,24 0 16,0 0-16,0 0 0,24 0 15,0 0-15,1 0 0,-1 0 16,0 0-16,0 24 16,25-24-16,0 0 0,0 0 15,-1 24-15,1-24 0,0 0 16,24 0-16,0 0 15,0 0-15,25 0 0,-25 0 16,0 25-16,25-25 16,-25 0-16,25 0 0,-1 0 15,-24 0-15,25 0 0,-1 0 16,1 0 0,0 0-16,-1 0 15,1 0 1,-1 0-16,1 24 15,-1-24-15,1 0 0,0 0 16,-1 0 0,1 0-16,24 25 62,0-1-46,0 0-16,0 1 15,0-1-15,0 1 16,0-1-16,-25 1 0,25-1 16,0 0-16,-24 1 0,24-1 15,0 1-15,0-1 16,-25 1-16,25-1 0,0 0 16,0 1-16,0-1 15,0 1-15,0-1 0,25 1 16,-25-1-16,0 0 0,0 1 15,0-1-15,0 1 16,0-1-16</inkml:trace>
-  <inkml:trace contextRef="#ctx0" brushRef="#br0" timeOffset="245565">20785 15069 0,'0'-25'0,"0"1"15,0 0 1,0-1 0,-24 25-16,24 25 31,0-1-15,0 25-16,0-25 0,0 25 15,0 24-15,24-24 16,-24 24-16,0 1 0,0-1 15,24 0-15,-24 25 0,0-25 16,25 25-16,-25 0 16,0-1-16,0 1 0,0 0 15,0-1-15,0 1 16,0 0-16,0-1 0,0 1 16,-25 0-16,25-25 0,0 25 15,0-25-15,0 25 16,0-25-16,0 0 0,0 1 15,0-1-15,0-24 16,25 24-16,-25-24 0,0 0 16,0-25-16,0 25 0,24-25 15,-24 25-15,0-24 16,25-25-16,-25 24 0,24 0 16,0-24-1,1 0 1,-25-24-16</inkml:trace>
-  <inkml:trace contextRef="#ctx0" brushRef="#br0" timeOffset="246333">23398 15191 0,'-24'0'0,"-1"0"15,1 0-15,24 24 16,0 1 31,0-1-31,24 1-1,-24-1-15,0 25 16,0-25-16,25 50 0,-25-26 15,0 26-15,0-1 16,0 25-16,0-25 0,0 25 16,0-1-16,0 1 0,-25 0 15,25-25-15,0 25 16,-24-1-16,24 1 0,-24 0 16,24-1-16,-25-23 15,25 23-15,0-23 0,0-1 16,0 0-16,0 0 0,0-24 15,25 25-15,-25-26 16,24 1-16,0 0 0,-24 0 16,25 0-16,-1 0 0,-24-25 15,25 25-15,-25-25 16,24 25-16,-24-24 0,0-1 16,0 0-1,0-48 16</inkml:trace>
-  <inkml:trace contextRef="#ctx0" brushRef="#br0" timeOffset="247006">25718 15215 0,'0'25'47,"25"-25"-47,-25 24 15,0 1-15,24-1 0,-24 25 16,0 24-16,25-24 16,-25 24-16,24 25 0,-24-25 15,0 25-15,0 0 0,25 24 16,-25-25-16,0 1 16,0 24-16,0-24 0,0 0 15,0 24-15,0-25 16,0-23-16,-25 23 0,25-23 15,0 23-15,0-23 16,0-1-16,0-24 0,0 24 16,25 0-16,-1-24 0,-24 0 15,24 24-15,1-24 16,-1 0-16,-24-25 0,25 25 16,-25 0-16,24-25 15,-24 25-15,0-24 0,0-1 16,0 25-16,0-25 0,0 1 15,25-1-15,-25 1 16,0-1-16,0 1 16,0-50-16,0 1 15,0-1-15</inkml:trace>
-  <inkml:trace contextRef="#ctx0" brushRef="#br0" timeOffset="248415">18978 15533 0,'-25'0'16,"25"-25"0,25 25 15,-25 25-31,24-25 16,0 0-16,1 0 0,-1 24 15,1-24-15,-1 0 0,1 0 16,-1 0-16,25-24 15,-25-1-15,1 25 16,-25-24-16,24 24 16,-24-24-16,0-1 0,-24 1 15,24-1 1,-25 25-16,1-24 0,-1 24 16,1 0-16,0-25 0,-1 25 15,1 0-15,-1 0 16,1 25-16,-1-1 0,1-24 15,24 25-15,0-1 0,0 1 16,0-1-16,0 0 16,0 25-16,24-24 0,1-1 15,-1 1-15,1-1 16,24-24-16,-25 24 0,25-24 16,0 25-16,-25-25 0</inkml:trace>
-  <inkml:trace contextRef="#ctx0" brushRef="#br0" timeOffset="248859">19515 15508 0,'0'-24'16,"0"0"-16,-24 24 0,24-25 16,0 1-16,0-1 15,24 50 1,-24-1-1,24 1-15,1-25 16,-25 48-16,24-23 0,-24-1 16,25 1-16,-25-1 15,0 1-15,24-25 0,-24 24 16,0 0-16,0 1 16,0-50 15,0 1-16,0 0-15,24-1 0,-24 1 16,0-1-16,25 1 0,-1-25 16,1 25-16,-25-1 15,24 1-15,1-1 0,-1 1 16,25 24-16,-25 0 16,1 0-16,-1 0 0,1 24 15,-1 25-15,0-24 0,1 23 16,-1 1-16,1 0 15,-25-24-15,24 23 0,-24 1 16,0-24-16,0-1 0,25 1 16</inkml:trace>
-  <inkml:trace contextRef="#ctx0" brushRef="#br0" timeOffset="249789">21542 15582 0,'0'-25'31,"25"25"-15,-25-24-16,-25-49 31,1 73-15,24-25-16,-25 25 0,1 0 16,-1 0-16,1 0 15,0 0-15,-1 0 0,25 25 16,-24-1-16,-1-24 15,25 24-15,-24 1 0,24-1 16,0 1-16,0-1 0,0 1 16,24-1-16,-24 0 15,25 1-15,-1-25 0,1 0 16,-1 24-16,0-24 16,1 0-16,-1 0 0,1-24 15,-1 24-15,1-25 0,-1 1 16,0 24-16,-24-24 15,25-1-15,-25 1 0,24-1 16,-24 1-16,0-25 16,0 25-16,0-1 0,0-24 15,0 0-15,0 25 0,0-25 16,0 25-16,0-1 16,0 1-16,0 0 0,0 48 31,0 0-16,0 1-15,0 24 0,25-1 16,-25-23-16,0 24 16,24-25-16,-24 25 0,0-25 15,0 25-15,24-24 0,-24-1 16,0 1-16,25-1 16</inkml:trace>
-  <inkml:trace contextRef="#ctx0" brushRef="#br0" timeOffset="250251">22250 15435 0,'0'-24'0,"0"-1"15,0 1 1,0-1-1,-24 25-15,0 0 16,-1-24-16,1 24 16,-1 0-16,1 24 15,-25-24-15,25 25 0,-1-25 16,25 24-16,-24 1 0,-1-1 16,25 1-16,0-1 15,0 0-15,0 1 0,0-1 16,25 1-16,-25-1 15,24-24-15,1 25 0,23-25 16,-23 0-16,24 0 0,-25 0 16,25 0-16,0 0 15,0-25-15</inkml:trace>
-  <inkml:trace contextRef="#ctx0" brushRef="#br0" timeOffset="250647">22543 15460 0,'0'-25'0,"0"1"16,0-1 0,-24 25 15,0 0-15,-1 25-1,25-1-15,-24-24 0,24 25 16,-25-1-16,25 0 15,0 1-15,25-1 16,-25 1-16,24-1 16,1-24-16,-1 25 15,0-25-15,1 0 0,-1 0 16,1-25-16,-1 25 16,-24-24-16,25 24 0,-25-25 15,0 1-15,0-1 16,0 1-16,-25 0 15,25-1-15,-24 25 0,-1-24 16,1 24-16,24-25 16,-25 25-16,1 0 15,24 25-15,0-1 16</inkml:trace>
-  <inkml:trace contextRef="#ctx0" brushRef="#br0" timeOffset="251157">22983 15484 0,'-24'0'16,"24"-24"-16,-25 24 16,25-25-1,-24 25-15,-1 0 16,1-24-16,-1 24 15,1 0 1,0 0-16,24 24 16,-25-24-16,1 25 15,24-1-15,-25-24 16,25 24-16,0 1 0,0-1 16,0 1-1,25-25-15,-1 24 16,1-24-16,-1 0 15,0-24-15,1 24 16,-1-25-16,1 25 0,-1-24 16,1-1-16,-25 1 15,24 24-15,-24-24 0,24-1 16,-24-24-16,0 25 16,0-1-16,0 1 0,0 0 15,-24-1-15,24 1 0,-24 24 31,-1 24-31,25 1 16,-24-1-16,24 0 16,0 1-16,0 24 0,0 0 15,0-25-15,0 25 0,24 0 16,-24-25-16,25 25 16,-1-25-16</inkml:trace>
-  <inkml:trace contextRef="#ctx0" brushRef="#br0" timeOffset="251841">23887 15606 0,'0'-24'32,"0"-1"-17,0 1 1,0-1-16,-25 25 0,25-24 15,0 0-15,-24 24 16,24-25-16,-25 1 0,1 24 16,0 0-16,-1 0 15,1 0-15,-1 0 16,1 24-16,-1 1 16,25-1-16,-24 0 15,24 1-15,0-1 0,0 1 16,24-1-16,1-24 0,-1 25 15,1-1-15,-1-24 16,25 24-16,-25-24 0,25 0 16,-24 0-16,-1-24 0,25 0 15,-25 24-15,1-25 16,-25 1-16,24-1 0,-24 1 16,0-1-16,0 1 15,0 0-15,0-1 0,0-24 16,0 0-16,-24 25 15,24 0-15,0-25 0,0 24 16,0 1-16,0 97 47,0-48-47,0-1 0,0 25 16,0 0-16,24-25 0,-24 25 15,0-25-15,25 25 0,-25-24 16,24-1-16,-24 1 15,24-1-15</inkml:trace>
-  <inkml:trace contextRef="#ctx0" brushRef="#br0" timeOffset="252333">24375 15484 0,'0'-24'0,"0"-1"16,-24 1 0,-1 24-1,25 24 17,0 1-17,0-1-15,0 0 16,0 1-16,25-25 0,-25 24 15,0 1-15,0-1 0,24-24 16,-24 25-16,25-50 47,-25 1-31,0-1-1,24 1-15,-24-1 16,24 1-16,-24 0 0,0-1 15,25 1-15,-1-1 16,-24 1-16,25 24 16,-1 0-16,1 0 15,-25 24 1,0 1-16,24-1 0,-24 1 16,0-1-16,24 0 15,-24 1-15,0-1 0,0 1 16,0-1-16,25-24 0,-25 25 15,24-1-15</inkml:trace>
-  <inkml:trace contextRef="#ctx0" brushRef="#br0" timeOffset="252891">24961 15557 0,'0'-24'15,"0"-1"1,0 1 0,0 0-16,0-1 15,-24 1 1,-1 24-16,1-25 15,0 25-15,-1 0 16,1 25-16,-1-25 0,25 24 16,-24 1-16,24-1 15,-24 0-15,24 1 16,0-1-16,0 1 16,24-1-16,0 1 15,1-1 1,-1 0-16,1-24 15,-1 0-15,0 0 16,-24-24-16,25 24 16,-25-24-16,24 24 0,-24-25 15,25 25-15,-25-24 0,0-1 16,0 1 0,0-1-16,24 25 0,-24-24 15,25 48 16,-25 1-31,24-1 16,-24 1-16,24-1 16,1 1-16,-25-1 0,24 0 15,1 1-15,-25-1 16,24 1-16</inkml:trace>
-  <inkml:trace contextRef="#ctx0" brushRef="#br0" timeOffset="253587">26500 15435 0,'0'25'47,"24"-25"-47,1 24 31,-25 0-31,0 1 16,0-1-16,-25 1 16,25-1-16,-24 25 0,24-25 15,-24 1-15,24-1 0,0 25 16,-25-25-16,25 1 15,0-1-15,0 1 16,25-25 0,-1 0-1,0 0-15,1 0 16,24 0-16,-25 0 16,25 0-16,-25 0 0,25-25 15,-24 25-15,23 0 16,-23 0-16,-1-24 0,1 24 15,-1 0-15,1-25 16</inkml:trace>
-  <inkml:trace contextRef="#ctx0" brushRef="#br0" timeOffset="254067">27184 15728 0,'0'-24'16,"-25"-1"-16,1 1 15,0 24 1,-1 0-16,25-24 16,-24 24-16,-1 0 15,25 24-15,-24 0 16,24 1-1,-25-1-15,25 1 16,0-1-16,25 1 0,-25-1 16,24-24-16,1 24 15,-1-24-15,1 25 0,23-25 16,-23 0-16,-1 0 0,25 0 16,-25 0-16,1-25 15,-1 25-15,-24-24 0,25 0 16,-25-1-16,-25 1 15,1-1-15,-1 1 16,1-1-16,0 25 0,-1-24 16,1 24-16,-1-24 15,1 24-15,0 0 0,-1 0 16,1 0 0,48 0-1,1 0 1</inkml:trace>
-  <inkml:trace contextRef="#ctx0" brushRef="#br0" timeOffset="254433">27794 15704 0,'0'-25'47,"-24"25"-47,0 0 16,-1 0-16,1 0 16,-1 0-16,1 0 0,-1 0 15,1 25-15,0-1 16,-1-24-16,1 25 0,24-1 15,0 0-15,0 1 0,24-1 16,1 1-16,-1-1 16,25-24-16,0 25 0,0-25 15,-1 24-15,26-24 16,-25 0-16,24 0 0,-24 0 16,24 0-16,-24 0 0,-25-24 15,25-1-15,-25 25 16</inkml:trace>
-  <inkml:trace contextRef="#ctx0" brushRef="#br0" timeOffset="255826">18562 16217 0,'49'0'0,"25"0"16,-1 0-16,25 0 0,24-25 15,24 25-15,1 0 16,24-24-16,-25 24 0,25 0 16,0 0-16,0 0 0,-24 0 15,24 0-15,0 0 16,0 0-16,0 0 0,-1 0 16,1 0-16,0 0 15,-24 0-15,24 0 0,-25 0 16,1 0-16,0 0 0,-1 0 15,1 0-15,-1 0 16,123-25 0,170 25-1,-292 0-15,-1 0 0,1 0 16,-25 0-16,25 0 0,-1 0 16,-24 25-16,25-25 15,-25 0-15,0 0 0,0 0 16,0 0-16,0 24 15,1-24-15,-1 0 0,-25 0 16,25 25-16,-24-25 0,0 0 16,0 0-16,-1 0 15,1 24-15,0-24 0,-25 0 16,25 0-16,-1 0 16,-23 0-16,23 0 0,1 0 15,-25 0-15,25 25 0,0-25 16,-1 0-16,1 24 15,0-24-15,-1 0 0,1 24 16,-25-24-16,25 25 16,0-25-16,-1 0 0,1 24 15,-25-24-15,25 25 0,-25-25 16,1 0-16,-1 0 16,0 24-16,0-24 0,-24 0 15,0 0-15,0 0 0,0 0 16,0-24-16,-1 24 15,1 0-15,0 0 0,-24-25 16,23 25-16,-23-24 16,24 24-16,0-25 0,-25 25 15,0-24-15,1 24 16,24-24-16,-25 24 16,0 0-16,-24-25 0</inkml:trace>
-  <inkml:trace contextRef="#ctx0" brushRef="#br0" timeOffset="257034">20101 14409 0,'-24'0'15,"24"-24"-15,-25 24 0,25-24 16,-24 24 0,24 24-1,-25-24-15,25 24 16,0 1-16,0-1 15,0 25-15,0-25 0,0 25 16,0 0-16,0-24 16,0 23-16,25 1 0,-25-24 15,24 24-15,-24-25 0,25 0 16,-1 1-16,-24-1 16,25-24-16</inkml:trace>
-  <inkml:trace contextRef="#ctx0" brushRef="#br0" timeOffset="257448">19857 14800 0,'-25'-24'31,"25"48"0,0 1-15,25-25-16,-25 24 0,24 0 15,1-24-15,-25 25 16,24-25-16,1 0 0,-1 24 16,0-24-16,1 0 15,-1 0-15,1 0 0,-1 0 16,1 0-16,-1 0 0,0-24 15,1-1 1,-1 1-16,1 0 0,-1-1 16,-24 1-16,24-25 15,-24 24-15,25 1 0,-25 0 16,-25 24 0,1 0-16,0 24 15,-1 0-15,-24 25 0,1 0 16,-1 0-16,0 0 15</inkml:trace>
-  <inkml:trace contextRef="#ctx0" brushRef="#br0" timeOffset="259156">22397 14825 0,'0'-25'31,"24"25"0,1 0-15,-1 0 0,1-24-16,-1 24 15,0-25-15,1 1 16,-1 24-16,1-25 16,24 1-16,-25 0 0,25-1 15,-25 1-15,25-1 0,-24 1 16,23-25-16,1 25 15,-24-25-15,23 24 0,1-23 16,-24-1-16,24 24 16,-1-24-16,-23 25 0,24 0 15,-25-1-15,25 1 0,-25-1 16,1 25-16,-1-24 16,1 24-16,-1 0 0,0 0 15,1 24-15,-1-24 0,25 25 16,0-1-16,0-24 15,0 25-15,24-1 0,-24 0 16,24-24-16,25 25 16,-25-1-16,25 1 0,-25-25 15,0 24-15,25 1 0,0-1 16,-1-24-16,1 24 16,0 1-16,24-1 0,0-24 15,0 25-15,0-1 16,0-24-16,-24 24 0,24 1 15,0-25-15,-24 24 0,-25-24 16,25 0-16,-25 25 16,-24-25-16,24 0 0,-24 0 15,-24 24-15,23-24 16,-23 0-16,-1 0 0,1 0 16,-1 25-16,1-25 0,-1 0 15,0 0-15,25 24 16,-24-24-16,24 0 0,-1 0 15,-23 24-15,-1-24 16,1 0-16,-1 0 0,0 0 16,-24 25 15,0-1-31,-24-24 0,24 25 16,-24-1-16,24 25 15,0-25-15,0 1 0,-25 24 16,25-25-16,0 25 0,0-25 15,0 25-15,-24 0 16,24-24-16,0 23 0,0-23 16,0-1-16,0 25 15,-25-25-15,25 1 16,0-50 0</inkml:trace>
-  <inkml:trace contextRef="#ctx0" brushRef="#br0" timeOffset="259640">25743 14165 0,'-25'-24'15,"1"48"48,24 1-63,0-1 15,-24 25 1,24-25-16,-25 1 0,25-1 16,0 25-16,0-25 0,0 1 15,-24-1-15,24 1 16</inkml:trace>
-  <inkml:trace contextRef="#ctx0" brushRef="#br0" timeOffset="260402">25816 13921 0,'0'-25'0,"0"1"15,0 0 1,0-1 0,-24 25-16,24-24 0,-25 24 15,25-25-15,-24 1 16,-1 24-1,1 0-15,0 0 16,-1 24 0,1 1-1,24-1-15,0 1 0,-25-25 16,25 24-16,0 0 16,25 1-16,-1-25 15,1 0 1,-1 0-16,0-25 15,1 1-15,-1 24 16,1-24-16,-25-1 16,24-24-16,-24 25 0,25 0 15,-25-1-15,0-24 16,0 25-16,0-1 0,24-23 16,-24 23-16,0 1 0,0-1 15,0 50 16,0-1-31,0 1 16,0 23-16,0-23 16,0 24-16,0-25 0,0 25 15,0-25-15,0 25 16,24-24-16,-24-1 0,0 0 16</inkml:trace>
-  <inkml:trace contextRef="#ctx0" brushRef="#br0" timeOffset="260841">26060 13897 0,'0'-25'16,"0"1"0,25 24-1,-25-25-15,24 1 31,1-1-15,-1 25 0,-24-24-1,24 24-15,-24-24 0,25 24 16,-25-25-16,0 1 16,0-1-1,0 1-15,-25 24 0,25-25 16,-24 25-16,0-24 15,-1 24-15,1 0 0,24 24 16,-25-24-16,25 25 0,-24-1 16,24 1-16,0-1 15,0 1-15,0-1 0,0 0 16,24 1-16,1 24 16,-25-25-16,24-24 0,25 25 15,-25-1-15,1-24 0,-1 24 16,25-24-16,-24 0 15,-1-24-15,0 24 0,1-24 16</inkml:trace>
-  <inkml:trace contextRef="#ctx0" brushRef="#br0" timeOffset="261321">26353 13555 0,'0'-25'0,"0"1"16,-24-1-16,24 1 15,-24 24-15,24 24 16,0 1-16,0-1 16,-25 1-16,25 23 0,0-23 15,0 24-15,0 0 16,0-1-16,0 1 0,0 0 16,0 0-16,0-25 0,25 25 15,-25-24-15,0 23 16,0-23-16,0-1 0,24-24 15,-24 25 1,0-50 0,-24 25-16,24-24 15,0-1-15,-25 1 16,25 0-16,0-1 0,0 1 16,0-1-16,0 1 0,0 0 15,0-1-15,0 1 16,0-25-16,25 24 0,-25 1 15,24 0-15,0 24 16,-24-25-16,25 25 0,-1 0 16,1 0-16,-25 25 15,0-1 1,0 0-16,0 1 0,0-1 16,0 1-16,0-1 15,-25 1-15,1-1 16,-1 0-16</inkml:trace>
-  <inkml:trace contextRef="#ctx0" brushRef="#br0" timeOffset="261608">26500 13481 0,'0'25'47,"24"-1"-47,-24 25 16,0-25-16,0 25 16,0-24-16,0 24 0,0-1 15,0-23-15,0 24 0,25 0 16,-25-25-16,24 25 15,1-25-15,-1 1 0,0-25 16,1 24-16,-1-24 16</inkml:trace>
-  <inkml:trace contextRef="#ctx0" brushRef="#br0" timeOffset="261783">26500 13750 0,'-24'-24'16,"-1"24"-16,50-25 31,-1 25-31,25 0 0,-25 0 16,1-24-16,24 24 16,-1 0-16</inkml:trace>
+  <inkml:trace contextRef="#ctx0" brushRef="#br0" timeOffset="-197978.73">4153 15142 0,'0'24'0,"0"1"63,0-1-32,0 1-15,0-1-1,0 1 1,0-1 15,0-48 16,0-1 0</inkml:trace>
+  <inkml:trace contextRef="#ctx0" brushRef="#br0" timeOffset="-197328.73">4153 14825 0,'-25'0'47,"25"24"-47,-24 0 16,0 1 0,24-1-16,-25 1 15,1-1 1,-1 1-16,25-1 0,-24 0 15,-1-24-15,25 25 0,-24-1 16,48-48 62,-24-1-62,25 1-16,-25 0 15,24-1-15,-24 1 16,25-1-16,-25 1 0,24-1 16,-24 1-16,25 0 0,-1 24 15,0-25-15,1 1 16,-1 24-16,1-25 0,-1 25 16,1 0-16,-1 0 15,0 0-15,1 0 0,-1 0 16,1 25-16,-1-25 0,0 24 15,1 1-15,-1-1 16,1 0-16,-1 1 0,-24-1 16,25 1-16,-25-1 0,24 1 15,-24-1-15,0 0 16,0 1-16,0-1 31</inkml:trace>
+  <inkml:trace contextRef="#ctx0" brushRef="#br0" timeOffset="-196568.73">4275 14849 0,'0'24'47,"0"1"-47,0-1 15,0 1-15,24 24 0,-24-25 16,0 25-16,0 0 16,25 0-16,-25-1 0,0 1 15,24 0-15,-24 0 0,0 0 16,0 0-16,0-1 15,25 1-15,-25 0 0,0 0 16,0-25-16,0 25 16,0 0-16,0-25 0,0 25 15,0-24-15,0 24 0,0-25 16,0 25-16,0-25 16,-25 1-16,25 24 0,0-25 15,0 0-15,0 1 16,0-1-16,0 1 0,25-25 15,-25 24-15,24 1 0,0-25 16,-24 24 0,25-24-16,-1 24 15,1-24-15,-1 0 16,1 0-16,-1 0 0,0 0 16,25 0-16,0 0 0,-24-24 15,48 24-15,-24 0 16,24-24-16,0 24 0,1 0 15,23 0-15,1-25 16,0 25-16,-1 0 0,25 0 16,0 0-16,1 0 0,-1 0 15,0 0-15,0 0 16,0-24-16,25 24 0,-25 0 16,24 0-16,1-25 15,-1 25-15,-24 0 0,1 0 16,-1 0-16,0 0 0,-24 0 15,-25 0-15,0 0 16,-24 0-16,0 0 0,0-24 16,-25 24-16,0 0 15,1 0 1,-50 0 0,1 0-1</inkml:trace>
+  <inkml:trace contextRef="#ctx0" brushRef="#br0" timeOffset="-196148.73">7572 15972 0,'-24'0'0,"-1"0"16,50 0 15,-1 0-15,1 0-16,-1 25 0,0-25 15,25 24-15,-24-24 0,23 25 16,-23-25-16,24 24 15,-25-24-15,1 25 0,-1-25 16,0 24-16,1-24 16,-1 24-16,-24 1 15,0-1-15,-24 1 16,-1-25 0,1 24-16,0 1 0,-1-25 15,1 24-15,-1 0 16,1 1-16,-1-1 0,1-24 15,24 25-15,-24-1 0</inkml:trace>
+  <inkml:trace contextRef="#ctx0" brushRef="#br0" timeOffset="-194629.73">8085 15704 0,'-24'0'16,"24"-25"-16,-25 25 15,1 0-15,24 25 31,24-1-15,-24 1-16,25-1 0,-25 25 16,24-25-16,-24 25 15,24 0-15,-24 24 0,0-24 16,25 24-16,-25 1 0,0-25 16,0 24-16,0 0 15,0 0-15,-25 25 0,25-25 16,-24 1-16,24-1 15,0 0-15,0 0 0,-24 1 16,24-26-16,0 26 0,0-25 16,0-1-16,0 26 15,24-25-15,-24-1 0,0 1 16,0-24-16,0 24 16,24-25-16,-24 25 0,0-25 15,25 1-15,-25-1 16,0 1-1,24-25 1,-24 24-16,25-24 16,-1 0-1,1 0-15,23 0 0,1 0 16,0 0-16,0 0 16,24 0-16,0 0 0,25 0 15,0-24-15,24 24 0,0 0 16,0 0-16,25-25 15,-1 25-15,-24 0 0,25 0 16,-1 0-16,1 0 16,-25 0-16,25 0 0,-25 0 15,0 0-15,0 0 0,-24 0 16,24 0-16,-25 0 16,1 0-16,0 25 0,-25-25 15,0 0-15,1 0 16,-1 0-16,-24 0 0,-25 0 15,25 0-15,-25 0 0,1 0 16,-1 0-16,1 0 16,-1 0-16,-24-25 15,25 25 1,-25-24 0,-25-1-16,25 1 15,-24-1 1,24 1-16,0 0 0,-25-1 15,25-24-15,0 25 16,0-25-16,-24 0 0,24 0 16,0-24-16,0 24 0,0-24 15,-25 24-15,25-24 16,0 0-16,0-1 0,-24 1 16,24-25-16,0 25 15,0-25-15,-24 25 0,24-25 16,0 25-16,0 0 0,0 0 15,0 24-15,0-25 16,0 26-16,0-1 0,0 0 16,0 24-16,0 1 15,0 0-15,0-1 0,0 1 16,-25-1-16,1 1 16,-1 24-1,25-24 1,-24 24-16,-1 0 15,1-25-15,0 25 16,-25 0-16,24 0 0,-23 0 16,-1 0-16,-25 0 15,1 0-15,0 0 0,0 0 16,-25 0-16,0 0 16,-24 0-16,24 0 0,-24 0 15,25 0-15,-26 0 0,1 0 16,25 0-16,-25 0 15,24 0-15,0 0 0,1 0 16,-1 0-16,0 25 0,25-25 16,-25 0-16,25 24 15,0-24-15,-1 0 0,1 0 16,24 24-16,-24-24 16,24 0-16,0 25 0,0-25 15,1 0-15,-1 0 0,24 24 16,1-24-16,-25 0 15,25 25-15,-1-25 16,1 0 0,24 24-16,0 0 31,0 1 0,-25-25-15,1 0-1,24-25 1</inkml:trace>
+  <inkml:trace contextRef="#ctx0" brushRef="#br0" timeOffset="-194161.73">9355 15655 0,'-24'0'16,"-1"0"-16,25 24 15,-24 1-15,24-1 0,0 1 16,0 23-16,0 1 0,0 0 16,0 24-16,0 1 15,0 23-15,0 1 0,-25 0 16,25 24-16,0-24 15,-24-1-15,24 1 0,0 0 16,0-25-16,0 0 0,0 0 16,0 1-16,0-1 15,0 0-15,0-24 0,0 0 16,0 24-16,0-24 16,0 0-16,0 0 0,0-25 15,0 25-15,0-24 16,0-50-1</inkml:trace>
+  <inkml:trace contextRef="#ctx0" brushRef="#br0" timeOffset="-193735.73">10039 15655 0,'0'24'0,"0"1"16,0-1-16,0 1 0,0 23 15,24-23-15,-24 24 0,0 24 16,25-24-16,-25 0 16,24 24-16,-24 0 0,25 1 15,-25-1-15,0 25 16,24-25-16,-24 24 0,0 1 16,24 0-16,-24 0 0,0-25 15,0 24-15,0-23 16,0-1-16,0-24 0,0 24 15,-24-24-15,24 0 16,0 0-16,0 0 0,0-1 16,0-23-16,0-1 15,0 1-15</inkml:trace>
+  <inkml:trace contextRef="#ctx0" brushRef="#br0" timeOffset="-192925.73">9477 14897 0,'0'-25'16,"24"25"-16,-24-24 15,-24 24 1,0 0-1,-1 0-15,1 0 16,-1 24-16,-23-24 16,23 0-16,1 25 0,-1-1 15,-24-24-15,25 25 0,0-1 16,-1 1-16,1-1 16,24 0-16,0 25 0,0-24 15,0-1-15,0 0 16,0 1-16,24-1 15,1-24-15,-1 25 0,0-25 0,25 0 16,-24 0-16,-1 0 16,25 0-16,-25-25 0,1 1 15,-1-1-15,1-23 16,-1 23-16,0-24 0,-24 1 16,25-1-16,-25 0 0,0 0 15,0 0-15,0-24 16,0 24-16,0 25 0,0-25 15,-25 24-15,25 1 16,0 0-16,0 48 16,0 0-16,0 25 15,25 0-15,-25 0 16,24 0-16,-24 24 0,25 0 16,-1-24-16,1 24 15,-25-24-15,24 0 0,0 0 16,-24-25-16,25 1 0</inkml:trace>
+  <inkml:trace contextRef="#ctx0" brushRef="#br0" timeOffset="-192499.73">9966 14996 0,'-25'0'0,"1"0"16,-1 0-16,50-25 31,-1 25-31,25-24 16,-25 24 0,1 0-16,24-25 0,-25 25 15,0-24-15,-24-1 0,25 25 16,-25-24-16,0 0 15,0-1-15,-25 1 16,1-1-16,0 1 0,-1 24 16,1-25-16,-25 1 15,25 24-15,-1 0 0,1 0 16,-1 24-16,1 1 16,-1-1-16,25 25 0,0 0 15,0-25-15,25 25 0,-1 25 16,1-26-16,-1-23 15,1 24-15,-1-25 0,25 25 16,-25-49-16,1 24 16,23-24-16,-23 0 0,-1 0 15</inkml:trace>
+  <inkml:trace contextRef="#ctx0" brushRef="#br0" timeOffset="-192014.73">10283 14776 0,'-24'-25'0,"24"-24"16,0 25-16,0 0 16,-25-1-16,25 1 0,25 48 31,-25 25-15,24-25-16,-24 25 0,0 0 15,24 24-15,-24-24 16,25 25-16,-25-1 0,0-24 15,24 24-15,-24-24 16,25 0-16,-25-25 0,0 25 16,24-25-16,-24 1 0,0-1 15,0-48 17,-24-1-32,24 1 15,0-1-15,0-23 0,-25-1 16,25 0-16,0-24 0,0-1 15,0 1-15,0 24 16,25-24-16,-25 24 0,24 0 16,1 25-16,-1-1 15,0 25-15,1 0 0,-1 25 16,1-1-16,-1 1 0,1 24 16,-25-1-16,0-23 15,0 24-15,0 0 0,0-25 16,-25 0-16,25 25 15,-24-49-15,24 25 0,-25-25 16,1 0-16</inkml:trace>
+  <inkml:trace contextRef="#ctx0" brushRef="#br0" timeOffset="-191707.73">10723 14605 0,'24'0'32,"0"0"-17,1 0 1,-1 0 0,1 24-16,-1 25 15,-24-25-15,25 25 16,-25 0-16,0 0 0,0 24 15,24-24-15,-24 0 0,0 0 16,0 0-16,0-1 16,0-23-16,0-1 0,24 1 15,1-25 1,-1 0-16,1 0 0,-1-25 16,1 1-16,-25-1 0</inkml:trace>
+  <inkml:trace contextRef="#ctx0" brushRef="#br0" timeOffset="-191527.73">10845 14849 0,'-25'0'15,"1"0"-15,0 0 16,24-24 0,24 24-1,0-25-15,25 25 0,0-24 16,0 24-16,0-25 0,-25 25 15,25-24-15,-25 24 16,1-25-16</inkml:trace>
+  <inkml:trace contextRef="#ctx0" brushRef="#br0" timeOffset="-184650.73">18636 15337 0,'-25'0'31,"25"25"-15,0-1-1,0 1-15,-24 24 0,24-25 16,0 49-16,0-24 15,0 24-15,-25-24 0,25 25 16,0 23-16,-24-24 16,24 25-16,0 0 0,-24 0 15,24-25-15,-25 24 0,25 1 16,0 0-16,0 0 16,0-25-16,-24 25 0,24-25 15,0 0-15,0 0 16,0 1-16,0-1 0,0 0 15,0 0-15,0 1 0,-25-1 16,25-24-16,0 0 16,0-1-16,0 1 0,0 0 15,0-24-15,0-1 0,0 0 16,0 1 0,25-25-16,-1 0 15,25 24 1,-25-24-1,1 0-15,-1 0 0,1 0 16,24 0-16,-1 0 16,1 0-16,0-24 0,24 24 15,25 0-15,0 0 16,-1 0-16,26 0 0,-1 0 16,24 0-16,25 0 0,0 24 15,25-24-15,-1 25 16,25-25-16,24 0 0,-24 24 15,24-24-15,25 25 16,-25-25-16,0 24 0,0-24 16,-24 0-16,24 0 0,1 0 15,-26 0-15,1 0 16,24 24-16,-24-24 0,0 0 16,0 0-16,-25 25 15,25-25-15,-25 0 0,1 24 16,-25-24-16,24 0 15,1 0-15,-25 0 0,-1 25 16,1-25-16,-24 0 0,24 24 16,-24-24-16,-1 25 0,1-25 15,-1 0-15,1 24 16,-25-24-16,0 0 0,0 0 16,-24 0-16,-1-24 15,-23 24-15,-1 0 0,0-25 16,-24 25-16,0 0 15,0 0-15,0 0 0,-1-24 16,1 24-16,-24 0 0,24 0 16,-25-25-16,0 25 15,1-24-15,-1 24 0,25-25 16,-25 1 0,1 24-16,-1-24 0,-24-1 31,-24 25 0,24-24-15,-25 24-16,25-25 15,0 1 1,0-1 0,0 1-16,0 0 0,0-1 15,25-24-15,-25 0 16,0 1-16,0-1 0,0 0 15,0-24-15,24-1 0,-24 1 16,25 24-16,-25-48 16,24 23-16,-24 1 0,25 0 15,-1-25-15,0 25 0,-24-25 16,25 25-16,-1-25 16,1 25-16,-25-25 0,24 25 15,1 0-15,-25 24 16,24-24-16,-24 24 0,24-25 15,-24 26-15,0-1 0,0 0 16,0 0-16,0 25 16,0-25-16,0 24 0,0 1 15,0 0-15,0-1 16,0 1-16,0-1 0,0 1 16,0-1-1,0 1-15,0 0 16,-24 24 31,24-25-32,-24 25 1,-1 0-16,1 0 16,-1 0-1,1 0-15,-25 0 0,0 0 16,0 0-16,0-24 0,-24 24 15,-24-25-15,-1 25 16,-24-24-16,-25 24 0,-24-25 16,0 1-16,-24 0 15,-1-1-15,-23 1 0,23-1 16,-23 25-16,23-24 0,-24 24 16,25-25-16,0 25 15,-1-24-15,-24 24 0,25-24 16,-25 24-16,0-25 15,-24 1-15,24 24 0,1-25 16,-1 25-16,0-24 0,0 24 16,49-24-16,0 24 15,0 0-15,25-25 0,24 25 16,-1 0-16,1 0 16,0 0-16,0 0 0,0 0 15,0 0-15,0 0 0,-25 0 16,1 0-16,-1 0 15,1 25-15,-1-25 0,0 0 16,1 0-16,24 0 16,0 0-16,0 0 0,24 0 15,0 0-15,1 0 0,-1 0 16,0 0-16,0 24 16,25-24-16,0 0 0,0 0 15,-1 24-15,1-24 0,0 0 16,24 0-16,0 0 15,0 0-15,25 0 0,-25 0 16,0 25-16,25-25 16,-25 0-16,25 0 0,-1 0 15,-24 0-15,25 0 0,-1 0 16,1 0 0,0 0-16,-1 0 15,1 0 1,-1 0-16,1 24 15,-1-24-15,1 0 0,0 0 16,-1 0 0,1 0-16,24 25 62,0-1-46,0 0-16,0 1 15,0-1-15,0 1 16,0-1-16,-25 1 0,25-1 16,0 0-16,-24 1 0,24-1 15,0 1-15,0-1 16,-25 1-16,25-1 0,0 0 16,0 1-16,0-1 15,0 1-15,0-1 0,25 1 16,-25-1-16,0 0 0,0 1 15,0-1-15,0 1 16,0-1-16</inkml:trace>
+  <inkml:trace contextRef="#ctx0" brushRef="#br0" timeOffset="-183931.73">20785 15069 0,'0'-25'0,"0"1"15,0 0 1,0-1 0,-24 25-16,24 25 31,0-1-15,0 25-16,0-25 0,0 25 15,0 24-15,24-24 16,-24 24-16,0 1 0,0-1 15,24 0-15,-24 25 0,0-25 16,25 25-16,-25 0 16,0-1-16,0 1 0,0 0 15,0-1-15,0 1 16,0 0-16,0-1 0,0 1 16,-25 0-16,25-25 0,0 25 15,0-25-15,0 25 16,0-25-16,0 0 0,0 1 15,0-1-15,0-24 16,25 24-16,-25-24 0,0 0 16,0-25-16,0 25 0,24-25 15,-24 25-15,0-24 16,25-25-16,-25 24 0,24 0 16,0-24-1,1 0 1,-25-24-16</inkml:trace>
+  <inkml:trace contextRef="#ctx0" brushRef="#br0" timeOffset="-183163.73">23398 15191 0,'-24'0'0,"-1"0"15,1 0-15,24 24 16,0 1 31,0-1-31,24 1-1,-24-1-15,0 25 16,0-25-16,25 50 0,-25-26 15,0 26-15,0-1 16,0 25-16,0-25 0,0 25 16,0-1-16,0 1 0,-25 0 15,25-25-15,0 25 16,-24-1-16,24 1 0,-24 0 16,24-1-16,-25-23 15,25 23-15,0-23 0,0-1 16,0 0-16,0 0 0,0-24 15,25 25-15,-25-26 16,24 1-16,0 0 0,-24 0 16,25 0-16,-1 0 0,-24-25 15,25 25-15,-25-25 16,24 25-16,-24-24 0,0-1 16,0 0-1,0-48 16</inkml:trace>
+  <inkml:trace contextRef="#ctx0" brushRef="#br0" timeOffset="-182490.73">25718 15215 0,'0'25'47,"25"-25"-47,-25 24 15,0 1-15,24-1 0,-24 25 16,0 24-16,25-24 16,-25 24-16,24 25 0,-24-25 15,0 25-15,0 0 0,25 24 16,-25-25-16,0 1 16,0 24-16,0-24 0,0 0 15,0 24-15,0-25 16,0-23-16,-25 23 0,25-23 15,0 23-15,0-23 16,0-1-16,0-24 0,0 24 16,25 0-16,-1-24 0,-24 0 15,24 24-15,1-24 16,-1 0-16,-24-25 0,25 25 16,-25 0-16,24-25 15,-24 25-15,0-24 0,0-1 16,0 25-16,0-25 0,0 1 15,25-1-15,-25 1 16,0-1-16,0 1 16,0-50-16,0 1 15,0-1-15</inkml:trace>
+  <inkml:trace contextRef="#ctx0" brushRef="#br0" timeOffset="-181081.73">18978 15533 0,'-25'0'16,"25"-25"0,25 25 15,-25 25-31,24-25 16,0 0-16,1 0 0,-1 24 15,1-24-15,-1 0 0,1 0 16,-1 0-16,25-24 15,-25-1-15,1 25 16,-25-24-16,24 24 16,-24-24-16,0-1 0,-24 1 15,24-1 1,-25 25-16,1-24 0,-1 24 16,1 0-16,0-25 0,-1 25 15,1 0-15,-1 0 16,1 25-16,-1-1 0,1-24 15,24 25-15,0-1 0,0 1 16,0-1-16,0 0 16,0 25-16,24-24 0,1-1 15,-1 1-15,1-1 16,24-24-16,-25 24 0,25-24 16,0 25-16,-25-25 0</inkml:trace>
+  <inkml:trace contextRef="#ctx0" brushRef="#br0" timeOffset="-180637.73">19515 15508 0,'0'-24'16,"0"0"-16,-24 24 0,24-25 16,0 1-16,0-1 15,24 50 1,-24-1-1,24 1-15,1-25 16,-25 48-16,24-23 0,-24-1 16,25 1-16,-25-1 15,0 1-15,24-25 0,-24 24 16,0 0-16,0 1 16,0-50 15,0 1-16,0 0-15,24-1 0,-24 1 16,0-1-16,25 1 0,-1-25 16,1 25-16,-25-1 15,24 1-15,1-1 0,-1 1 16,25 24-16,-25 0 16,1 0-16,-1 0 0,1 24 15,-1 25-15,0-24 0,1 23 16,-1 1-16,1 0 15,-25-24-15,24 23 0,-24 1 16,0-24-16,0-1 0,25 1 16</inkml:trace>
+  <inkml:trace contextRef="#ctx0" brushRef="#br0" timeOffset="-179707.73">21542 15582 0,'0'-25'31,"25"25"-15,-25-24-16,-25-49 31,1 73-15,24-25-16,-25 25 0,1 0 16,-1 0-16,1 0 15,0 0-15,-1 0 0,25 25 16,-24-1-16,-1-24 15,25 24-15,-24 1 0,24-1 16,0 1-16,0-1 0,0 1 16,24-1-16,-24 0 15,25 1-15,-1-25 0,1 0 16,-1 24-16,0-24 16,1 0-16,-1 0 0,1-24 15,-1 24-15,1-25 0,-1 1 16,0 24-16,-24-24 15,25-1-15,-25 1 0,24-1 16,-24 1-16,0-25 16,0 25-16,0-1 0,0-24 15,0 0-15,0 25 0,0-25 16,0 25-16,0-1 16,0 1-16,0 0 0,0 48 31,0 0-16,0 1-15,0 24 0,25-1 16,-25-23-16,0 24 16,24-25-16,-24 25 0,0-25 15,0 25-15,24-24 0,-24-1 16,0 1-16,25-1 16</inkml:trace>
+  <inkml:trace contextRef="#ctx0" brushRef="#br0" timeOffset="-179245.73">22250 15435 0,'0'-24'0,"0"-1"15,0 1 1,0-1-1,-24 25-15,0 0 16,-1-24-16,1 24 16,-1 0-16,1 24 15,-25-24-15,25 25 0,-1-25 16,25 24-16,-24 1 0,-1-1 16,25 1-16,0-1 15,0 0-15,0 1 0,0-1 16,25 1-16,-25-1 15,24-24-15,1 25 0,23-25 16,-23 0-16,24 0 0,-25 0 16,25 0-16,0 0 15,0-25-15</inkml:trace>
+  <inkml:trace contextRef="#ctx0" brushRef="#br0" timeOffset="-178849.73">22543 15460 0,'0'-25'0,"0"1"16,0-1 0,-24 25 15,0 0-15,-1 25-1,25-1-15,-24-24 0,24 25 16,-25-1-16,25 0 15,0 1-15,25-1 16,-25 1-16,24-1 16,1-24-16,-1 25 15,0-25-15,1 0 0,-1 0 16,1-25-16,-1 25 16,-24-24-16,25 24 0,-25-25 15,0 1-15,0-1 16,0 1-16,-25 0 15,25-1-15,-24 25 0,-1-24 16,1 24-16,24-25 16,-25 25-16,1 0 15,24 25-15,0-1 16</inkml:trace>
+  <inkml:trace contextRef="#ctx0" brushRef="#br0" timeOffset="-178339.73">22983 15484 0,'-24'0'16,"24"-24"-16,-25 24 16,25-25-1,-24 25-15,-1 0 16,1-24-16,-1 24 15,1 0 1,0 0-16,24 24 16,-25-24-16,1 25 15,24-1-15,-25-24 16,25 24-16,0 1 0,0-1 16,0 1-1,25-25-15,-1 24 16,1-24-16,-1 0 15,0-24-15,1 24 16,-1-25-16,1 25 0,-1-24 16,1-1-16,-25 1 15,24 24-15,-24-24 0,24-1 16,-24-24-16,0 25 16,0-1-16,0 1 0,0 0 15,-24-1-15,24 1 0,-24 24 31,-1 24-31,25 1 16,-24-1-16,24 0 16,0 1-16,0 24 0,0 0 15,0-25-15,0 25 0,24 0 16,-24-25-16,25 25 16,-1-25-16</inkml:trace>
+  <inkml:trace contextRef="#ctx0" brushRef="#br0" timeOffset="-177655.73">23887 15606 0,'0'-24'32,"0"-1"-17,0 1 1,0-1-16,-25 25 0,25-24 15,0 0-15,-24 24 16,24-25-16,-25 1 0,1 24 16,0 0-16,-1 0 15,1 0-15,-1 0 16,1 24-16,-1 1 16,25-1-16,-24 0 15,24 1-15,0-1 0,0 1 16,24-1-16,1-24 0,-1 25 15,1-1-15,-1-24 16,25 24-16,-25-24 0,25 0 16,-24 0-16,-1-24 0,25 0 15,-25 24-15,1-25 16,-25 1-16,24-1 0,-24 1 16,0-1-16,0 1 15,0 0-15,0-1 0,0-24 16,0 0-16,-24 25 15,24 0-15,0-25 0,0 24 16,0 1-16,0 97 47,0-48-47,0-1 0,0 25 16,0 0-16,24-25 0,-24 25 15,0-25-15,25 25 0,-25-24 16,24-1-16,-24 1 15,24-1-15</inkml:trace>
+  <inkml:trace contextRef="#ctx0" brushRef="#br0" timeOffset="-177163.73">24375 15484 0,'0'-24'0,"0"-1"16,-24 1 0,-1 24-1,25 24 17,0 1-17,0-1-15,0 0 16,0 1-16,25-25 0,-25 24 15,0 1-15,0-1 0,24-24 16,-24 25-16,25-50 47,-25 1-31,0-1-1,24 1-15,-24-1 16,24 1-16,-24 0 0,0-1 15,25 1-15,-1-1 16,-24 1-16,25 24 16,-1 0-16,1 0 15,-25 24 1,0 1-16,24-1 0,-24 1 16,0-1-16,24 0 15,-24 1-15,0-1 0,0 1 16,0-1-16,25-24 0,-25 25 15,24-1-15</inkml:trace>
+  <inkml:trace contextRef="#ctx0" brushRef="#br0" timeOffset="-176605.73">24961 15557 0,'0'-24'15,"0"-1"1,0 1 0,0 0-16,0-1 15,-24 1 1,-1 24-16,1-25 15,0 25-15,-1 0 16,1 25-16,-1-25 0,25 24 16,-24 1-16,24-1 15,-24 0-15,24 1 16,0-1-16,0 1 16,24-1-16,0 1 15,1-1 1,-1 0-16,1-24 15,-1 0-15,0 0 16,-24-24-16,25 24 16,-25-24-16,24 24 0,-24-25 15,25 25-15,-25-24 0,0-1 16,0 1 0,0-1-16,24 25 0,-24-24 15,25 48 16,-25 1-31,24-1 16,-24 1-16,24-1 16,1 1-16,-25-1 0,24 0 15,1 1-15,-25-1 16,24 1-16</inkml:trace>
+  <inkml:trace contextRef="#ctx0" brushRef="#br0" timeOffset="-175909.73">26500 15435 0,'0'25'47,"24"-25"-47,1 24 31,-25 0-31,0 1 16,0-1-16,-25 1 16,25-1-16,-24 25 0,24-25 15,-24 1-15,24-1 0,0 25 16,-25-25-16,25 1 15,0-1-15,0 1 16,25-25 0,-1 0-1,0 0-15,1 0 16,24 0-16,-25 0 16,25 0-16,-25 0 0,25-25 15,-24 25-15,23 0 16,-23 0-16,-1-24 0,1 24 15,-1 0-15,1-25 16</inkml:trace>
+  <inkml:trace contextRef="#ctx0" brushRef="#br0" timeOffset="-175429.73">27184 15728 0,'0'-24'16,"-25"-1"-16,1 1 15,0 24 1,-1 0-16,25-24 16,-24 24-16,-1 0 15,25 24-15,-24 0 16,24 1-1,-25-1-15,25 1 16,0-1-16,25 1 0,-25-1 16,24-24-16,1 24 15,-1-24-15,1 25 0,23-25 16,-23 0-16,-1 0 0,25 0 16,-25 0-16,1-25 15,-1 25-15,-24-24 0,25 0 16,-25-1-16,-25 1 15,1-1-15,-1 1 16,1-1-16,0 25 0,-1-24 16,1 24-16,-1-24 15,1 24-15,0 0 0,-1 0 16,1 0 0,48 0-1,1 0 1</inkml:trace>
+  <inkml:trace contextRef="#ctx0" brushRef="#br0" timeOffset="-175063.73">27794 15704 0,'0'-25'47,"-24"25"-47,0 0 16,-1 0-16,1 0 16,-1 0-16,1 0 0,-1 0 15,1 25-15,0-1 16,-1-24-16,1 25 0,24-1 15,0 0-15,0 1 0,24-1 16,1 1-16,-1-1 16,25-24-16,0 25 0,0-25 15,-1 24-15,26-24 16,-25 0-16,24 0 0,-24 0 16,24 0-16,-24 0 0,-25-24 15,25-1-15,-25 25 16</inkml:trace>
+  <inkml:trace contextRef="#ctx0" brushRef="#br0" timeOffset="-173670.73">18562 16217 0,'49'0'0,"25"0"16,-1 0-16,25 0 0,24-25 15,24 25-15,1 0 16,24-24-16,-25 24 0,25 0 16,0 0-16,0 0 0,-24 0 15,24 0-15,0 0 16,0 0-16,0 0 0,-1 0 16,1 0-16,0 0 15,-24 0-15,24 0 0,-25 0 16,1 0-16,0 0 0,-1 0 15,1 0-15,-1 0 16,123-25 0,170 25-1,-292 0-15,-1 0 0,1 0 16,-25 0-16,25 0 0,-1 0 16,-24 25-16,25-25 15,-25 0-15,0 0 0,0 0 16,0 0-16,0 24 15,1-24-15,-1 0 0,-25 0 16,25 25-16,-24-25 0,0 0 16,0 0-16,-1 0 15,1 24-15,0-24 0,-25 0 16,25 0-16,-1 0 16,-23 0-16,23 0 0,1 0 15,-25 0-15,25 25 0,0-25 16,-1 0-16,1 24 15,0-24-15,-1 0 0,1 24 16,-25-24-16,25 25 16,0-25-16,-1 0 0,1 24 15,-25-24-15,25 25 0,-25-25 16,1 0-16,-1 0 16,0 24-16,0-24 0,-24 0 15,0 0-15,0 0 0,0 0 16,0-24-16,-1 24 15,1 0-15,0 0 0,-24-25 16,23 25-16,-23-24 16,24 24-16,0-25 0,-25 25 15,0-24-15,1 24 16,24-24-16,-25 24 16,0 0-16,-24-25 0</inkml:trace>
+  <inkml:trace contextRef="#ctx0" brushRef="#br0" timeOffset="-172462.73">20101 14409 0,'-24'0'15,"24"-24"-15,-25 24 0,25-24 16,-24 24 0,24 24-1,-25-24-15,25 24 16,0 1-16,0-1 15,0 25-15,0-25 0,0 25 16,0 0-16,0-24 16,0 23-16,25 1 0,-25-24 15,24 24-15,-24-25 0,25 0 16,-1 1-16,-24-1 16,25-24-16</inkml:trace>
+  <inkml:trace contextRef="#ctx0" brushRef="#br0" timeOffset="-172048.73">19857 14800 0,'-25'-24'31,"25"48"0,0 1-15,25-25-16,-25 24 0,24 0 15,1-24-15,-25 25 16,24-25-16,1 0 0,-1 24 16,0-24-16,1 0 15,-1 0-15,1 0 0,-1 0 16,1 0-16,-1 0 0,0-24 15,1-1 1,-1 1-16,1 0 0,-1-1 16,-24 1-16,24-25 15,-24 24-15,25 1 0,-25 0 16,-25 24 0,1 0-16,0 24 15,-1 0-15,-24 25 0,1 0 16,-1 0-16,0 0 15</inkml:trace>
+  <inkml:trace contextRef="#ctx0" brushRef="#br0" timeOffset="-170340.73">22397 14825 0,'0'-25'31,"24"25"0,1 0-15,-1 0 0,1-24-16,-1 24 15,0-25-15,1 1 16,-1 24-16,1-25 16,24 1-16,-25 0 0,25-1 15,-25 1-15,25-1 0,-24 1 16,23-25-16,1 25 15,-24-25-15,23 24 0,1-23 16,-24-1-16,24 24 16,-1-24-16,-23 25 0,24 0 15,-25-1-15,25 1 0,-25-1 16,1 25-16,-1-24 16,1 24-16,-1 0 0,0 0 15,1 24-15,-1-24 0,25 25 16,0-1-16,0-24 15,0 25-15,24-1 0,-24 0 16,24-24-16,25 25 16,-25-1-16,25 1 0,-25-25 15,0 24-15,25 1 0,0-1 16,-1-24-16,1 24 16,0 1-16,24-1 0,0-24 15,0 25-15,0-1 16,0-24-16,-24 24 0,24 1 15,0-25-15,-24 24 0,-25-24 16,25 0-16,-25 25 16,-24-25-16,24 0 0,-24 0 15,-24 24-15,23-24 16,-23 0-16,-1 0 0,1 0 16,-1 25-16,1-25 0,-1 0 15,0 0-15,25 24 16,-24-24-16,24 0 0,-1 0 15,-23 24-15,-1-24 16,1 0-16,-1 0 0,0 0 16,-24 25 15,0-1-31,-24-24 0,24 25 16,-24-1-16,24 25 15,0-25-15,0 1 0,-25 24 16,25-25-16,0 25 0,0-25 15,0 25-15,-24 0 16,24-24-16,0 23 0,0-23 16,0-1-16,0 25 15,-25-25-15,25 1 16,0-50 0</inkml:trace>
+  <inkml:trace contextRef="#ctx0" brushRef="#br0" timeOffset="-169856.73">25743 14165 0,'-25'-24'15,"1"48"48,24 1-63,0-1 15,-24 25 1,24-25-16,-25 1 0,25-1 16,0 25-16,0-25 0,0 1 15,-24-1-15,24 1 16</inkml:trace>
+  <inkml:trace contextRef="#ctx0" brushRef="#br0" timeOffset="-169094.73">25816 13921 0,'0'-25'0,"0"1"15,0 0 1,0-1 0,-24 25-16,24-24 0,-25 24 15,25-25-15,-24 1 16,-1 24-1,1 0-15,0 0 16,-1 24 0,1 1-1,24-1-15,0 1 0,-25-25 16,25 24-16,0 0 16,25 1-16,-1-25 15,1 0 1,-1 0-16,0-25 15,1 1-15,-1 24 16,1-24-16,-25-1 16,24-24-16,-24 25 0,25 0 15,-25-1-15,0-24 16,0 25-16,0-1 0,24-23 16,-24 23-16,0 1 0,0-1 15,0 50 16,0-1-31,0 1 16,0 23-16,0-23 16,0 24-16,0-25 0,0 25 15,0-25-15,0 25 16,24-24-16,-24-1 0,0 0 16</inkml:trace>
+  <inkml:trace contextRef="#ctx0" brushRef="#br0" timeOffset="-168655.73">26060 13897 0,'0'-25'16,"0"1"0,25 24-1,-25-25-15,24 1 31,1-1-15,-1 25 0,-24-24-1,24 24-15,-24-24 0,25 24 16,-25-25-16,0 1 16,0-1-1,0 1-15,-25 24 0,25-25 16,-24 25-16,0-24 15,-1 24-15,1 0 0,24 24 16,-25-24-16,25 25 0,-24-1 16,24 1-16,0-1 15,0 1-15,0-1 0,0 0 16,24 1-16,1 24 16,-25-25-16,24-24 0,25 25 15,-25-1-15,1-24 0,-1 24 16,25-24-16,-24 0 15,-1-24-15,0 24 0,1-24 16</inkml:trace>
+  <inkml:trace contextRef="#ctx0" brushRef="#br0" timeOffset="-168175.73">26353 13555 0,'0'-25'0,"0"1"16,-24-1-16,24 1 15,-24 24-15,24 24 16,0 1-16,0-1 16,-25 1-16,25 23 0,0-23 15,0 24-15,0 0 16,0-1-16,0 1 0,0 0 16,0 0-16,0-25 0,25 25 15,-25-24-15,0 23 16,0-23-16,0-1 0,24-24 15,-24 25 1,0-50 0,-24 25-16,24-24 15,0-1-15,-25 1 16,25 0-16,0-1 0,0 1 16,0-1-16,0 1 0,0 0 15,0-1-15,0 1 16,0-25-16,25 24 0,-25 1 15,24 0-15,0 24 16,-24-25-16,25 25 0,-1 0 16,1 0-16,-25 25 15,0-1 1,0 0-16,0 1 0,0-1 16,0 1-16,0-1 15,-25 1-15,1-1 16,-1 0-16</inkml:trace>
+  <inkml:trace contextRef="#ctx0" brushRef="#br0" timeOffset="-167888.73">26500 13481 0,'0'25'47,"24"-1"-47,-24 25 16,0-25-16,0 25 16,0-24-16,0 24 0,0-1 15,0-23-15,0 24 0,25 0 16,-25-25-16,24 25 15,1-25-15,-1 1 0,0-25 16,1 24-16,-1-24 16</inkml:trace>
+  <inkml:trace contextRef="#ctx0" brushRef="#br0" timeOffset="-167713.73">26500 13750 0,'-24'-24'16,"-1"24"-16,50-25 31,-1 25-31,25 0 0,-25 0 16,1-24-16,24 24 16,-1 0-16</inkml:trace>
 </inkml:ink>
 </file>
 
@@ -6258,7 +6263,7 @@
           <a:p>
             <a:fld id="{9098D1A7-DC64-4CFF-B0E6-FD4E8670B563}" type="datetimeFigureOut">
               <a:rPr lang="en-US" smtClean="0"/>
-              <a:t>11/16/2020</a:t>
+              <a:t>11/17/2020</a:t>
             </a:fld>
             <a:endParaRPr lang="en-US"/>
           </a:p>
@@ -6456,7 +6461,7 @@
           <a:p>
             <a:fld id="{9098D1A7-DC64-4CFF-B0E6-FD4E8670B563}" type="datetimeFigureOut">
               <a:rPr lang="en-US" smtClean="0"/>
-              <a:t>11/16/2020</a:t>
+              <a:t>11/17/2020</a:t>
             </a:fld>
             <a:endParaRPr lang="en-US"/>
           </a:p>
@@ -6664,7 +6669,7 @@
           <a:p>
             <a:fld id="{9098D1A7-DC64-4CFF-B0E6-FD4E8670B563}" type="datetimeFigureOut">
               <a:rPr lang="en-US" smtClean="0"/>
-              <a:t>11/16/2020</a:t>
+              <a:t>11/17/2020</a:t>
             </a:fld>
             <a:endParaRPr lang="en-US"/>
           </a:p>
@@ -6862,7 +6867,7 @@
           <a:p>
             <a:fld id="{9098D1A7-DC64-4CFF-B0E6-FD4E8670B563}" type="datetimeFigureOut">
               <a:rPr lang="en-US" smtClean="0"/>
-              <a:t>11/16/2020</a:t>
+              <a:t>11/17/2020</a:t>
             </a:fld>
             <a:endParaRPr lang="en-US"/>
           </a:p>
@@ -7137,7 +7142,7 @@
           <a:p>
             <a:fld id="{9098D1A7-DC64-4CFF-B0E6-FD4E8670B563}" type="datetimeFigureOut">
               <a:rPr lang="en-US" smtClean="0"/>
-              <a:t>11/16/2020</a:t>
+              <a:t>11/17/2020</a:t>
             </a:fld>
             <a:endParaRPr lang="en-US"/>
           </a:p>
@@ -7402,7 +7407,7 @@
           <a:p>
             <a:fld id="{9098D1A7-DC64-4CFF-B0E6-FD4E8670B563}" type="datetimeFigureOut">
               <a:rPr lang="en-US" smtClean="0"/>
-              <a:t>11/16/2020</a:t>
+              <a:t>11/17/2020</a:t>
             </a:fld>
             <a:endParaRPr lang="en-US"/>
           </a:p>
@@ -7814,7 +7819,7 @@
           <a:p>
             <a:fld id="{9098D1A7-DC64-4CFF-B0E6-FD4E8670B563}" type="datetimeFigureOut">
               <a:rPr lang="en-US" smtClean="0"/>
-              <a:t>11/16/2020</a:t>
+              <a:t>11/17/2020</a:t>
             </a:fld>
             <a:endParaRPr lang="en-US"/>
           </a:p>
@@ -7955,7 +7960,7 @@
           <a:p>
             <a:fld id="{9098D1A7-DC64-4CFF-B0E6-FD4E8670B563}" type="datetimeFigureOut">
               <a:rPr lang="en-US" smtClean="0"/>
-              <a:t>11/16/2020</a:t>
+              <a:t>11/17/2020</a:t>
             </a:fld>
             <a:endParaRPr lang="en-US"/>
           </a:p>
@@ -8068,7 +8073,7 @@
           <a:p>
             <a:fld id="{9098D1A7-DC64-4CFF-B0E6-FD4E8670B563}" type="datetimeFigureOut">
               <a:rPr lang="en-US" smtClean="0"/>
-              <a:t>11/16/2020</a:t>
+              <a:t>11/17/2020</a:t>
             </a:fld>
             <a:endParaRPr lang="en-US"/>
           </a:p>
@@ -8379,7 +8384,7 @@
           <a:p>
             <a:fld id="{9098D1A7-DC64-4CFF-B0E6-FD4E8670B563}" type="datetimeFigureOut">
               <a:rPr lang="en-US" smtClean="0"/>
-              <a:t>11/16/2020</a:t>
+              <a:t>11/17/2020</a:t>
             </a:fld>
             <a:endParaRPr lang="en-US"/>
           </a:p>
@@ -8667,7 +8672,7 @@
           <a:p>
             <a:fld id="{9098D1A7-DC64-4CFF-B0E6-FD4E8670B563}" type="datetimeFigureOut">
               <a:rPr lang="en-US" smtClean="0"/>
-              <a:t>11/16/2020</a:t>
+              <a:t>11/17/2020</a:t>
             </a:fld>
             <a:endParaRPr lang="en-US"/>
           </a:p>
@@ -8908,7 +8913,7 @@
           <a:p>
             <a:fld id="{9098D1A7-DC64-4CFF-B0E6-FD4E8670B563}" type="datetimeFigureOut">
               <a:rPr lang="en-US" smtClean="0"/>
-              <a:t>11/16/2020</a:t>
+              <a:t>11/17/2020</a:t>
             </a:fld>
             <a:endParaRPr lang="en-US"/>
           </a:p>
@@ -9373,8 +9378,8 @@
           </a:extLst>
         </p:spPr>
       </p:pic>
-      <mc:AlternateContent xmlns:mc="http://schemas.openxmlformats.org/markup-compatibility/2006">
-        <mc:Choice xmlns:p14="http://schemas.microsoft.com/office/powerpoint/2010/main" Requires="p14">
+      <mc:AlternateContent xmlns:mc="http://schemas.openxmlformats.org/markup-compatibility/2006" xmlns:p14="http://schemas.microsoft.com/office/powerpoint/2010/main">
+        <mc:Choice Requires="p14">
           <p:contentPart p14:bwMode="auto" r:id="rId4">
             <p14:nvContentPartPr>
               <p14:cNvPr id="18" name="Ink 17">
@@ -9393,7 +9398,7 @@
             </p14:xfrm>
           </p:contentPart>
         </mc:Choice>
-        <mc:Fallback>
+        <mc:Fallback xmlns="">
           <p:pic>
             <p:nvPicPr>
               <p:cNvPr id="18" name="Ink 17">
@@ -9424,8 +9429,8 @@
           </p:pic>
         </mc:Fallback>
       </mc:AlternateContent>
-      <mc:AlternateContent xmlns:mc="http://schemas.openxmlformats.org/markup-compatibility/2006">
-        <mc:Choice xmlns:p14="http://schemas.microsoft.com/office/powerpoint/2010/main" Requires="p14">
+      <mc:AlternateContent xmlns:mc="http://schemas.openxmlformats.org/markup-compatibility/2006" xmlns:p14="http://schemas.microsoft.com/office/powerpoint/2010/main">
+        <mc:Choice Requires="p14">
           <p:contentPart p14:bwMode="auto" r:id="rId6">
             <p14:nvContentPartPr>
               <p14:cNvPr id="23" name="Ink 22">
@@ -9444,7 +9449,7 @@
             </p14:xfrm>
           </p:contentPart>
         </mc:Choice>
-        <mc:Fallback>
+        <mc:Fallback xmlns="">
           <p:pic>
             <p:nvPicPr>
               <p:cNvPr id="23" name="Ink 22">
@@ -9475,8 +9480,8 @@
           </p:pic>
         </mc:Fallback>
       </mc:AlternateContent>
-      <mc:AlternateContent xmlns:mc="http://schemas.openxmlformats.org/markup-compatibility/2006">
-        <mc:Choice xmlns:p14="http://schemas.microsoft.com/office/powerpoint/2010/main" Requires="p14">
+      <mc:AlternateContent xmlns:mc="http://schemas.openxmlformats.org/markup-compatibility/2006" xmlns:p14="http://schemas.microsoft.com/office/powerpoint/2010/main">
+        <mc:Choice Requires="p14">
           <p:contentPart p14:bwMode="auto" r:id="rId8">
             <p14:nvContentPartPr>
               <p14:cNvPr id="31" name="Ink 30">
@@ -9495,7 +9500,7 @@
             </p14:xfrm>
           </p:contentPart>
         </mc:Choice>
-        <mc:Fallback>
+        <mc:Fallback xmlns="">
           <p:pic>
             <p:nvPicPr>
               <p:cNvPr id="31" name="Ink 30">
@@ -9526,8 +9531,8 @@
           </p:pic>
         </mc:Fallback>
       </mc:AlternateContent>
-      <mc:AlternateContent xmlns:mc="http://schemas.openxmlformats.org/markup-compatibility/2006">
-        <mc:Choice xmlns:p14="http://schemas.microsoft.com/office/powerpoint/2010/main" Requires="p14">
+      <mc:AlternateContent xmlns:mc="http://schemas.openxmlformats.org/markup-compatibility/2006" xmlns:p14="http://schemas.microsoft.com/office/powerpoint/2010/main">
+        <mc:Choice Requires="p14">
           <p:contentPart p14:bwMode="auto" r:id="rId10">
             <p14:nvContentPartPr>
               <p14:cNvPr id="36" name="Ink 35">
@@ -9546,7 +9551,7 @@
             </p14:xfrm>
           </p:contentPart>
         </mc:Choice>
-        <mc:Fallback>
+        <mc:Fallback xmlns="">
           <p:pic>
             <p:nvPicPr>
               <p:cNvPr id="36" name="Ink 35">
@@ -9577,8 +9582,8 @@
           </p:pic>
         </mc:Fallback>
       </mc:AlternateContent>
-      <mc:AlternateContent xmlns:mc="http://schemas.openxmlformats.org/markup-compatibility/2006">
-        <mc:Choice xmlns:p14="http://schemas.microsoft.com/office/powerpoint/2010/main" Requires="p14">
+      <mc:AlternateContent xmlns:mc="http://schemas.openxmlformats.org/markup-compatibility/2006" xmlns:p14="http://schemas.microsoft.com/office/powerpoint/2010/main">
+        <mc:Choice Requires="p14">
           <p:contentPart p14:bwMode="auto" r:id="rId12">
             <p14:nvContentPartPr>
               <p14:cNvPr id="37" name="Ink 36">
@@ -9597,7 +9602,7 @@
             </p14:xfrm>
           </p:contentPart>
         </mc:Choice>
-        <mc:Fallback>
+        <mc:Fallback xmlns="">
           <p:pic>
             <p:nvPicPr>
               <p:cNvPr id="37" name="Ink 36">
@@ -9628,8 +9633,8 @@
           </p:pic>
         </mc:Fallback>
       </mc:AlternateContent>
-      <mc:AlternateContent xmlns:mc="http://schemas.openxmlformats.org/markup-compatibility/2006">
-        <mc:Choice xmlns:p14="http://schemas.microsoft.com/office/powerpoint/2010/main" Requires="p14">
+      <mc:AlternateContent xmlns:mc="http://schemas.openxmlformats.org/markup-compatibility/2006" xmlns:p14="http://schemas.microsoft.com/office/powerpoint/2010/main">
+        <mc:Choice Requires="p14">
           <p:contentPart p14:bwMode="auto" r:id="rId14">
             <p14:nvContentPartPr>
               <p14:cNvPr id="45" name="Ink 44">
@@ -9648,7 +9653,7 @@
             </p14:xfrm>
           </p:contentPart>
         </mc:Choice>
-        <mc:Fallback>
+        <mc:Fallback xmlns="">
           <p:pic>
             <p:nvPicPr>
               <p:cNvPr id="45" name="Ink 44">
@@ -9679,8 +9684,8 @@
           </p:pic>
         </mc:Fallback>
       </mc:AlternateContent>
-      <mc:AlternateContent xmlns:mc="http://schemas.openxmlformats.org/markup-compatibility/2006">
-        <mc:Choice xmlns:p14="http://schemas.microsoft.com/office/powerpoint/2010/main" Requires="p14">
+      <mc:AlternateContent xmlns:mc="http://schemas.openxmlformats.org/markup-compatibility/2006" xmlns:p14="http://schemas.microsoft.com/office/powerpoint/2010/main">
+        <mc:Choice Requires="p14">
           <p:contentPart p14:bwMode="auto" r:id="rId16">
             <p14:nvContentPartPr>
               <p14:cNvPr id="82" name="Ink 81">
@@ -9699,7 +9704,7 @@
             </p14:xfrm>
           </p:contentPart>
         </mc:Choice>
-        <mc:Fallback>
+        <mc:Fallback xmlns="">
           <p:pic>
             <p:nvPicPr>
               <p:cNvPr id="82" name="Ink 81">
@@ -9730,8 +9735,8 @@
           </p:pic>
         </mc:Fallback>
       </mc:AlternateContent>
-      <mc:AlternateContent xmlns:mc="http://schemas.openxmlformats.org/markup-compatibility/2006">
-        <mc:Choice xmlns:p14="http://schemas.microsoft.com/office/powerpoint/2010/main" Requires="p14">
+      <mc:AlternateContent xmlns:mc="http://schemas.openxmlformats.org/markup-compatibility/2006" xmlns:p14="http://schemas.microsoft.com/office/powerpoint/2010/main">
+        <mc:Choice Requires="p14">
           <p:contentPart p14:bwMode="auto" r:id="rId18">
             <p14:nvContentPartPr>
               <p14:cNvPr id="90" name="Ink 89">
@@ -9750,7 +9755,7 @@
             </p14:xfrm>
           </p:contentPart>
         </mc:Choice>
-        <mc:Fallback>
+        <mc:Fallback xmlns="">
           <p:pic>
             <p:nvPicPr>
               <p:cNvPr id="90" name="Ink 89">
@@ -9781,8 +9786,8 @@
           </p:pic>
         </mc:Fallback>
       </mc:AlternateContent>
-      <mc:AlternateContent xmlns:mc="http://schemas.openxmlformats.org/markup-compatibility/2006">
-        <mc:Choice xmlns:p14="http://schemas.microsoft.com/office/powerpoint/2010/main" Requires="p14">
+      <mc:AlternateContent xmlns:mc="http://schemas.openxmlformats.org/markup-compatibility/2006" xmlns:p14="http://schemas.microsoft.com/office/powerpoint/2010/main">
+        <mc:Choice Requires="p14">
           <p:contentPart p14:bwMode="auto" r:id="rId20">
             <p14:nvContentPartPr>
               <p14:cNvPr id="91" name="Ink 90">
@@ -9801,7 +9806,7 @@
             </p14:xfrm>
           </p:contentPart>
         </mc:Choice>
-        <mc:Fallback>
+        <mc:Fallback xmlns="">
           <p:pic>
             <p:nvPicPr>
               <p:cNvPr id="91" name="Ink 90">
@@ -9832,8 +9837,8 @@
           </p:pic>
         </mc:Fallback>
       </mc:AlternateContent>
-      <mc:AlternateContent xmlns:mc="http://schemas.openxmlformats.org/markup-compatibility/2006">
-        <mc:Choice xmlns:p14="http://schemas.microsoft.com/office/powerpoint/2010/main" Requires="p14">
+      <mc:AlternateContent xmlns:mc="http://schemas.openxmlformats.org/markup-compatibility/2006" xmlns:p14="http://schemas.microsoft.com/office/powerpoint/2010/main">
+        <mc:Choice Requires="p14">
           <p:contentPart p14:bwMode="auto" r:id="rId22">
             <p14:nvContentPartPr>
               <p14:cNvPr id="115" name="Ink 114">
@@ -9852,7 +9857,7 @@
             </p14:xfrm>
           </p:contentPart>
         </mc:Choice>
-        <mc:Fallback>
+        <mc:Fallback xmlns="">
           <p:pic>
             <p:nvPicPr>
               <p:cNvPr id="115" name="Ink 114">
@@ -9883,8 +9888,8 @@
           </p:pic>
         </mc:Fallback>
       </mc:AlternateContent>
-      <mc:AlternateContent xmlns:mc="http://schemas.openxmlformats.org/markup-compatibility/2006">
-        <mc:Choice xmlns:p14="http://schemas.microsoft.com/office/powerpoint/2010/main" Requires="p14">
+      <mc:AlternateContent xmlns:mc="http://schemas.openxmlformats.org/markup-compatibility/2006" xmlns:p14="http://schemas.microsoft.com/office/powerpoint/2010/main">
+        <mc:Choice Requires="p14">
           <p:contentPart p14:bwMode="auto" r:id="rId24">
             <p14:nvContentPartPr>
               <p14:cNvPr id="121" name="Ink 120">
@@ -9903,7 +9908,7 @@
             </p14:xfrm>
           </p:contentPart>
         </mc:Choice>
-        <mc:Fallback>
+        <mc:Fallback xmlns="">
           <p:pic>
             <p:nvPicPr>
               <p:cNvPr id="121" name="Ink 120">
@@ -9934,8 +9939,8 @@
           </p:pic>
         </mc:Fallback>
       </mc:AlternateContent>
-      <mc:AlternateContent xmlns:mc="http://schemas.openxmlformats.org/markup-compatibility/2006">
-        <mc:Choice xmlns:p14="http://schemas.microsoft.com/office/powerpoint/2010/main" Requires="p14">
+      <mc:AlternateContent xmlns:mc="http://schemas.openxmlformats.org/markup-compatibility/2006" xmlns:p14="http://schemas.microsoft.com/office/powerpoint/2010/main">
+        <mc:Choice Requires="p14">
           <p:contentPart p14:bwMode="auto" r:id="rId26">
             <p14:nvContentPartPr>
               <p14:cNvPr id="122" name="Ink 121">
@@ -9954,7 +9959,7 @@
             </p14:xfrm>
           </p:contentPart>
         </mc:Choice>
-        <mc:Fallback>
+        <mc:Fallback xmlns="">
           <p:pic>
             <p:nvPicPr>
               <p:cNvPr id="122" name="Ink 121">
@@ -9985,8 +9990,8 @@
           </p:pic>
         </mc:Fallback>
       </mc:AlternateContent>
-      <mc:AlternateContent xmlns:mc="http://schemas.openxmlformats.org/markup-compatibility/2006">
-        <mc:Choice xmlns:p14="http://schemas.microsoft.com/office/powerpoint/2010/main" Requires="p14">
+      <mc:AlternateContent xmlns:mc="http://schemas.openxmlformats.org/markup-compatibility/2006" xmlns:p14="http://schemas.microsoft.com/office/powerpoint/2010/main">
+        <mc:Choice Requires="p14">
           <p:contentPart p14:bwMode="auto" r:id="rId28">
             <p14:nvContentPartPr>
               <p14:cNvPr id="148" name="Ink 147">
@@ -10005,7 +10010,7 @@
             </p14:xfrm>
           </p:contentPart>
         </mc:Choice>
-        <mc:Fallback>
+        <mc:Fallback xmlns="">
           <p:pic>
             <p:nvPicPr>
               <p:cNvPr id="148" name="Ink 147">
@@ -10036,8 +10041,8 @@
           </p:pic>
         </mc:Fallback>
       </mc:AlternateContent>
-      <mc:AlternateContent xmlns:mc="http://schemas.openxmlformats.org/markup-compatibility/2006">
-        <mc:Choice xmlns:p14="http://schemas.microsoft.com/office/powerpoint/2010/main" Requires="p14">
+      <mc:AlternateContent xmlns:mc="http://schemas.openxmlformats.org/markup-compatibility/2006" xmlns:p14="http://schemas.microsoft.com/office/powerpoint/2010/main">
+        <mc:Choice Requires="p14">
           <p:contentPart p14:bwMode="auto" r:id="rId30">
             <p14:nvContentPartPr>
               <p14:cNvPr id="176" name="Ink 175">
@@ -10056,7 +10061,7 @@
             </p14:xfrm>
           </p:contentPart>
         </mc:Choice>
-        <mc:Fallback>
+        <mc:Fallback xmlns="">
           <p:pic>
             <p:nvPicPr>
               <p:cNvPr id="176" name="Ink 175">
@@ -10087,8 +10092,8 @@
           </p:pic>
         </mc:Fallback>
       </mc:AlternateContent>
-      <mc:AlternateContent xmlns:mc="http://schemas.openxmlformats.org/markup-compatibility/2006">
-        <mc:Choice xmlns:p14="http://schemas.microsoft.com/office/powerpoint/2010/main" Requires="p14">
+      <mc:AlternateContent xmlns:mc="http://schemas.openxmlformats.org/markup-compatibility/2006" xmlns:p14="http://schemas.microsoft.com/office/powerpoint/2010/main">
+        <mc:Choice Requires="p14">
           <p:contentPart p14:bwMode="auto" r:id="rId32">
             <p14:nvContentPartPr>
               <p14:cNvPr id="182" name="Ink 181">
@@ -10107,7 +10112,7 @@
             </p14:xfrm>
           </p:contentPart>
         </mc:Choice>
-        <mc:Fallback>
+        <mc:Fallback xmlns="">
           <p:pic>
             <p:nvPicPr>
               <p:cNvPr id="182" name="Ink 181">
@@ -10216,8 +10221,8 @@
           </a:extLst>
         </p:spPr>
       </p:pic>
-      <mc:AlternateContent xmlns:mc="http://schemas.openxmlformats.org/markup-compatibility/2006">
-        <mc:Choice xmlns:p14="http://schemas.microsoft.com/office/powerpoint/2010/main" Requires="p14">
+      <mc:AlternateContent xmlns:mc="http://schemas.openxmlformats.org/markup-compatibility/2006" xmlns:p14="http://schemas.microsoft.com/office/powerpoint/2010/main">
+        <mc:Choice Requires="p14">
           <p:contentPart p14:bwMode="auto" r:id="rId4">
             <p14:nvContentPartPr>
               <p14:cNvPr id="11" name="Ink 10">
@@ -10236,7 +10241,7 @@
             </p14:xfrm>
           </p:contentPart>
         </mc:Choice>
-        <mc:Fallback>
+        <mc:Fallback xmlns="">
           <p:pic>
             <p:nvPicPr>
               <p:cNvPr id="11" name="Ink 10">
@@ -10267,8 +10272,8 @@
           </p:pic>
         </mc:Fallback>
       </mc:AlternateContent>
-      <mc:AlternateContent xmlns:mc="http://schemas.openxmlformats.org/markup-compatibility/2006">
-        <mc:Choice xmlns:p14="http://schemas.microsoft.com/office/powerpoint/2010/main" Requires="p14">
+      <mc:AlternateContent xmlns:mc="http://schemas.openxmlformats.org/markup-compatibility/2006" xmlns:p14="http://schemas.microsoft.com/office/powerpoint/2010/main">
+        <mc:Choice Requires="p14">
           <p:contentPart p14:bwMode="auto" r:id="rId6">
             <p14:nvContentPartPr>
               <p14:cNvPr id="12" name="Ink 11">
@@ -10287,7 +10292,7 @@
             </p14:xfrm>
           </p:contentPart>
         </mc:Choice>
-        <mc:Fallback>
+        <mc:Fallback xmlns="">
           <p:pic>
             <p:nvPicPr>
               <p:cNvPr id="12" name="Ink 11">
@@ -10318,8 +10323,8 @@
           </p:pic>
         </mc:Fallback>
       </mc:AlternateContent>
-      <mc:AlternateContent xmlns:mc="http://schemas.openxmlformats.org/markup-compatibility/2006">
-        <mc:Choice xmlns:p14="http://schemas.microsoft.com/office/powerpoint/2010/main" Requires="p14">
+      <mc:AlternateContent xmlns:mc="http://schemas.openxmlformats.org/markup-compatibility/2006" xmlns:p14="http://schemas.microsoft.com/office/powerpoint/2010/main">
+        <mc:Choice Requires="p14">
           <p:contentPart p14:bwMode="auto" r:id="rId8">
             <p14:nvContentPartPr>
               <p14:cNvPr id="22" name="Ink 21">
@@ -10338,7 +10343,7 @@
             </p14:xfrm>
           </p:contentPart>
         </mc:Choice>
-        <mc:Fallback>
+        <mc:Fallback xmlns="">
           <p:pic>
             <p:nvPicPr>
               <p:cNvPr id="22" name="Ink 21">
@@ -10369,8 +10374,8 @@
           </p:pic>
         </mc:Fallback>
       </mc:AlternateContent>
-      <mc:AlternateContent xmlns:mc="http://schemas.openxmlformats.org/markup-compatibility/2006">
-        <mc:Choice xmlns:p14="http://schemas.microsoft.com/office/powerpoint/2010/main" Requires="p14">
+      <mc:AlternateContent xmlns:mc="http://schemas.openxmlformats.org/markup-compatibility/2006" xmlns:p14="http://schemas.microsoft.com/office/powerpoint/2010/main">
+        <mc:Choice Requires="p14">
           <p:contentPart p14:bwMode="auto" r:id="rId10">
             <p14:nvContentPartPr>
               <p14:cNvPr id="51" name="Ink 50">
@@ -10389,7 +10394,7 @@
             </p14:xfrm>
           </p:contentPart>
         </mc:Choice>
-        <mc:Fallback>
+        <mc:Fallback xmlns="">
           <p:pic>
             <p:nvPicPr>
               <p:cNvPr id="51" name="Ink 50">
@@ -10420,8 +10425,8 @@
           </p:pic>
         </mc:Fallback>
       </mc:AlternateContent>
-      <mc:AlternateContent xmlns:mc="http://schemas.openxmlformats.org/markup-compatibility/2006">
-        <mc:Choice xmlns:p14="http://schemas.microsoft.com/office/powerpoint/2010/main" Requires="p14">
+      <mc:AlternateContent xmlns:mc="http://schemas.openxmlformats.org/markup-compatibility/2006" xmlns:p14="http://schemas.microsoft.com/office/powerpoint/2010/main">
+        <mc:Choice Requires="p14">
           <p:contentPart p14:bwMode="auto" r:id="rId12">
             <p14:nvContentPartPr>
               <p14:cNvPr id="77" name="Ink 76">
@@ -10440,7 +10445,7 @@
             </p14:xfrm>
           </p:contentPart>
         </mc:Choice>
-        <mc:Fallback>
+        <mc:Fallback xmlns="">
           <p:pic>
             <p:nvPicPr>
               <p:cNvPr id="77" name="Ink 76">
@@ -10471,8 +10476,8 @@
           </p:pic>
         </mc:Fallback>
       </mc:AlternateContent>
-      <mc:AlternateContent xmlns:mc="http://schemas.openxmlformats.org/markup-compatibility/2006">
-        <mc:Choice xmlns:p14="http://schemas.microsoft.com/office/powerpoint/2010/main" Requires="p14">
+      <mc:AlternateContent xmlns:mc="http://schemas.openxmlformats.org/markup-compatibility/2006" xmlns:p14="http://schemas.microsoft.com/office/powerpoint/2010/main">
+        <mc:Choice Requires="p14">
           <p:contentPart p14:bwMode="auto" r:id="rId14">
             <p14:nvContentPartPr>
               <p14:cNvPr id="101" name="Ink 100">
@@ -10491,7 +10496,7 @@
             </p14:xfrm>
           </p:contentPart>
         </mc:Choice>
-        <mc:Fallback>
+        <mc:Fallback xmlns="">
           <p:pic>
             <p:nvPicPr>
               <p:cNvPr id="101" name="Ink 100">
@@ -10522,8 +10527,8 @@
           </p:pic>
         </mc:Fallback>
       </mc:AlternateContent>
-      <mc:AlternateContent xmlns:mc="http://schemas.openxmlformats.org/markup-compatibility/2006">
-        <mc:Choice xmlns:p14="http://schemas.microsoft.com/office/powerpoint/2010/main" Requires="p14">
+      <mc:AlternateContent xmlns:mc="http://schemas.openxmlformats.org/markup-compatibility/2006" xmlns:p14="http://schemas.microsoft.com/office/powerpoint/2010/main">
+        <mc:Choice Requires="p14">
           <p:contentPart p14:bwMode="auto" r:id="rId16">
             <p14:nvContentPartPr>
               <p14:cNvPr id="139" name="Ink 138">
@@ -10542,7 +10547,7 @@
             </p14:xfrm>
           </p:contentPart>
         </mc:Choice>
-        <mc:Fallback>
+        <mc:Fallback xmlns="">
           <p:pic>
             <p:nvPicPr>
               <p:cNvPr id="139" name="Ink 138">
@@ -10573,8 +10578,8 @@
           </p:pic>
         </mc:Fallback>
       </mc:AlternateContent>
-      <mc:AlternateContent xmlns:mc="http://schemas.openxmlformats.org/markup-compatibility/2006">
-        <mc:Choice xmlns:p14="http://schemas.microsoft.com/office/powerpoint/2010/main" Requires="p14">
+      <mc:AlternateContent xmlns:mc="http://schemas.openxmlformats.org/markup-compatibility/2006" xmlns:p14="http://schemas.microsoft.com/office/powerpoint/2010/main">
+        <mc:Choice Requires="p14">
           <p:contentPart p14:bwMode="auto" r:id="rId18">
             <p14:nvContentPartPr>
               <p14:cNvPr id="152" name="Ink 151">
@@ -10593,7 +10598,7 @@
             </p14:xfrm>
           </p:contentPart>
         </mc:Choice>
-        <mc:Fallback>
+        <mc:Fallback xmlns="">
           <p:pic>
             <p:nvPicPr>
               <p:cNvPr id="152" name="Ink 151">
@@ -10624,8 +10629,8 @@
           </p:pic>
         </mc:Fallback>
       </mc:AlternateContent>
-      <mc:AlternateContent xmlns:mc="http://schemas.openxmlformats.org/markup-compatibility/2006">
-        <mc:Choice xmlns:p14="http://schemas.microsoft.com/office/powerpoint/2010/main" Requires="p14">
+      <mc:AlternateContent xmlns:mc="http://schemas.openxmlformats.org/markup-compatibility/2006" xmlns:p14="http://schemas.microsoft.com/office/powerpoint/2010/main">
+        <mc:Choice Requires="p14">
           <p:contentPart p14:bwMode="auto" r:id="rId20">
             <p14:nvContentPartPr>
               <p14:cNvPr id="156" name="Ink 155">
@@ -10644,7 +10649,7 @@
             </p14:xfrm>
           </p:contentPart>
         </mc:Choice>
-        <mc:Fallback>
+        <mc:Fallback xmlns="">
           <p:pic>
             <p:nvPicPr>
               <p:cNvPr id="156" name="Ink 155">
@@ -10675,8 +10680,8 @@
           </p:pic>
         </mc:Fallback>
       </mc:AlternateContent>
-      <mc:AlternateContent xmlns:mc="http://schemas.openxmlformats.org/markup-compatibility/2006">
-        <mc:Choice xmlns:p14="http://schemas.microsoft.com/office/powerpoint/2010/main" Requires="p14">
+      <mc:AlternateContent xmlns:mc="http://schemas.openxmlformats.org/markup-compatibility/2006" xmlns:p14="http://schemas.microsoft.com/office/powerpoint/2010/main">
+        <mc:Choice Requires="p14">
           <p:contentPart p14:bwMode="auto" r:id="rId22">
             <p14:nvContentPartPr>
               <p14:cNvPr id="160" name="Ink 159">
@@ -10695,7 +10700,7 @@
             </p14:xfrm>
           </p:contentPart>
         </mc:Choice>
-        <mc:Fallback>
+        <mc:Fallback xmlns="">
           <p:pic>
             <p:nvPicPr>
               <p:cNvPr id="160" name="Ink 159">
@@ -10726,8 +10731,8 @@
           </p:pic>
         </mc:Fallback>
       </mc:AlternateContent>
-      <mc:AlternateContent xmlns:mc="http://schemas.openxmlformats.org/markup-compatibility/2006">
-        <mc:Choice xmlns:p14="http://schemas.microsoft.com/office/powerpoint/2010/main" Requires="p14">
+      <mc:AlternateContent xmlns:mc="http://schemas.openxmlformats.org/markup-compatibility/2006" xmlns:p14="http://schemas.microsoft.com/office/powerpoint/2010/main">
+        <mc:Choice Requires="p14">
           <p:contentPart p14:bwMode="auto" r:id="rId24">
             <p14:nvContentPartPr>
               <p14:cNvPr id="169" name="Ink 168">
@@ -10746,7 +10751,7 @@
             </p14:xfrm>
           </p:contentPart>
         </mc:Choice>
-        <mc:Fallback>
+        <mc:Fallback xmlns="">
           <p:pic>
             <p:nvPicPr>
               <p:cNvPr id="169" name="Ink 168">
@@ -10777,8 +10782,8 @@
           </p:pic>
         </mc:Fallback>
       </mc:AlternateContent>
-      <mc:AlternateContent xmlns:mc="http://schemas.openxmlformats.org/markup-compatibility/2006">
-        <mc:Choice xmlns:p14="http://schemas.microsoft.com/office/powerpoint/2010/main" Requires="p14">
+      <mc:AlternateContent xmlns:mc="http://schemas.openxmlformats.org/markup-compatibility/2006" xmlns:p14="http://schemas.microsoft.com/office/powerpoint/2010/main">
+        <mc:Choice Requires="p14">
           <p:contentPart p14:bwMode="auto" r:id="rId26">
             <p14:nvContentPartPr>
               <p14:cNvPr id="189" name="Ink 188">
@@ -10797,7 +10802,7 @@
             </p14:xfrm>
           </p:contentPart>
         </mc:Choice>
-        <mc:Fallback>
+        <mc:Fallback xmlns="">
           <p:pic>
             <p:nvPicPr>
               <p:cNvPr id="189" name="Ink 188">
@@ -10828,8 +10833,8 @@
           </p:pic>
         </mc:Fallback>
       </mc:AlternateContent>
-      <mc:AlternateContent xmlns:mc="http://schemas.openxmlformats.org/markup-compatibility/2006">
-        <mc:Choice xmlns:p14="http://schemas.microsoft.com/office/powerpoint/2010/main" Requires="p14">
+      <mc:AlternateContent xmlns:mc="http://schemas.openxmlformats.org/markup-compatibility/2006" xmlns:p14="http://schemas.microsoft.com/office/powerpoint/2010/main">
+        <mc:Choice Requires="p14">
           <p:contentPart p14:bwMode="auto" r:id="rId28">
             <p14:nvContentPartPr>
               <p14:cNvPr id="190" name="Ink 189">
@@ -10848,7 +10853,7 @@
             </p14:xfrm>
           </p:contentPart>
         </mc:Choice>
-        <mc:Fallback>
+        <mc:Fallback xmlns="">
           <p:pic>
             <p:nvPicPr>
               <p:cNvPr id="190" name="Ink 189">
@@ -10879,8 +10884,8 @@
           </p:pic>
         </mc:Fallback>
       </mc:AlternateContent>
-      <mc:AlternateContent xmlns:mc="http://schemas.openxmlformats.org/markup-compatibility/2006">
-        <mc:Choice xmlns:p14="http://schemas.microsoft.com/office/powerpoint/2010/main" Requires="p14">
+      <mc:AlternateContent xmlns:mc="http://schemas.openxmlformats.org/markup-compatibility/2006" xmlns:p14="http://schemas.microsoft.com/office/powerpoint/2010/main">
+        <mc:Choice Requires="p14">
           <p:contentPart p14:bwMode="auto" r:id="rId30">
             <p14:nvContentPartPr>
               <p14:cNvPr id="220" name="Ink 219">
@@ -10899,7 +10904,7 @@
             </p14:xfrm>
           </p:contentPart>
         </mc:Choice>
-        <mc:Fallback>
+        <mc:Fallback xmlns="">
           <p:pic>
             <p:nvPicPr>
               <p:cNvPr id="220" name="Ink 219">
@@ -11008,8 +11013,8 @@
           </a:extLst>
         </p:spPr>
       </p:pic>
-      <mc:AlternateContent xmlns:mc="http://schemas.openxmlformats.org/markup-compatibility/2006">
-        <mc:Choice xmlns:p14="http://schemas.microsoft.com/office/powerpoint/2010/main" Requires="p14">
+      <mc:AlternateContent xmlns:mc="http://schemas.openxmlformats.org/markup-compatibility/2006" xmlns:p14="http://schemas.microsoft.com/office/powerpoint/2010/main">
+        <mc:Choice Requires="p14">
           <p:contentPart p14:bwMode="auto" r:id="rId4">
             <p14:nvContentPartPr>
               <p14:cNvPr id="6" name="Ink 5">
@@ -11028,7 +11033,7 @@
             </p14:xfrm>
           </p:contentPart>
         </mc:Choice>
-        <mc:Fallback>
+        <mc:Fallback xmlns="">
           <p:pic>
             <p:nvPicPr>
               <p:cNvPr id="6" name="Ink 5">
@@ -11059,8 +11064,8 @@
           </p:pic>
         </mc:Fallback>
       </mc:AlternateContent>
-      <mc:AlternateContent xmlns:mc="http://schemas.openxmlformats.org/markup-compatibility/2006">
-        <mc:Choice xmlns:p14="http://schemas.microsoft.com/office/powerpoint/2010/main" Requires="p14">
+      <mc:AlternateContent xmlns:mc="http://schemas.openxmlformats.org/markup-compatibility/2006" xmlns:p14="http://schemas.microsoft.com/office/powerpoint/2010/main">
+        <mc:Choice Requires="p14">
           <p:contentPart p14:bwMode="auto" r:id="rId6">
             <p14:nvContentPartPr>
               <p14:cNvPr id="37" name="Ink 36">
@@ -11079,7 +11084,7 @@
             </p14:xfrm>
           </p:contentPart>
         </mc:Choice>
-        <mc:Fallback>
+        <mc:Fallback xmlns="">
           <p:pic>
             <p:nvPicPr>
               <p:cNvPr id="37" name="Ink 36">
@@ -11110,8 +11115,8 @@
           </p:pic>
         </mc:Fallback>
       </mc:AlternateContent>
-      <mc:AlternateContent xmlns:mc="http://schemas.openxmlformats.org/markup-compatibility/2006">
-        <mc:Choice xmlns:p14="http://schemas.microsoft.com/office/powerpoint/2010/main" Requires="p14">
+      <mc:AlternateContent xmlns:mc="http://schemas.openxmlformats.org/markup-compatibility/2006" xmlns:p14="http://schemas.microsoft.com/office/powerpoint/2010/main">
+        <mc:Choice Requires="p14">
           <p:contentPart p14:bwMode="auto" r:id="rId8">
             <p14:nvContentPartPr>
               <p14:cNvPr id="38" name="Ink 37">
@@ -11130,7 +11135,7 @@
             </p14:xfrm>
           </p:contentPart>
         </mc:Choice>
-        <mc:Fallback>
+        <mc:Fallback xmlns="">
           <p:pic>
             <p:nvPicPr>
               <p:cNvPr id="38" name="Ink 37">
@@ -11161,8 +11166,8 @@
           </p:pic>
         </mc:Fallback>
       </mc:AlternateContent>
-      <mc:AlternateContent xmlns:mc="http://schemas.openxmlformats.org/markup-compatibility/2006">
-        <mc:Choice xmlns:p14="http://schemas.microsoft.com/office/powerpoint/2010/main" Requires="p14">
+      <mc:AlternateContent xmlns:mc="http://schemas.openxmlformats.org/markup-compatibility/2006" xmlns:p14="http://schemas.microsoft.com/office/powerpoint/2010/main">
+        <mc:Choice Requires="p14">
           <p:contentPart p14:bwMode="auto" r:id="rId10">
             <p14:nvContentPartPr>
               <p14:cNvPr id="49" name="Ink 48">
@@ -11181,7 +11186,7 @@
             </p14:xfrm>
           </p:contentPart>
         </mc:Choice>
-        <mc:Fallback>
+        <mc:Fallback xmlns="">
           <p:pic>
             <p:nvPicPr>
               <p:cNvPr id="49" name="Ink 48">
@@ -11212,8 +11217,8 @@
           </p:pic>
         </mc:Fallback>
       </mc:AlternateContent>
-      <mc:AlternateContent xmlns:mc="http://schemas.openxmlformats.org/markup-compatibility/2006">
-        <mc:Choice xmlns:p14="http://schemas.microsoft.com/office/powerpoint/2010/main" Requires="p14">
+      <mc:AlternateContent xmlns:mc="http://schemas.openxmlformats.org/markup-compatibility/2006" xmlns:p14="http://schemas.microsoft.com/office/powerpoint/2010/main">
+        <mc:Choice Requires="p14">
           <p:contentPart p14:bwMode="auto" r:id="rId12">
             <p14:nvContentPartPr>
               <p14:cNvPr id="53" name="Ink 52">
@@ -11232,7 +11237,7 @@
             </p14:xfrm>
           </p:contentPart>
         </mc:Choice>
-        <mc:Fallback>
+        <mc:Fallback xmlns="">
           <p:pic>
             <p:nvPicPr>
               <p:cNvPr id="53" name="Ink 52">
@@ -11263,8 +11268,8 @@
           </p:pic>
         </mc:Fallback>
       </mc:AlternateContent>
-      <mc:AlternateContent xmlns:mc="http://schemas.openxmlformats.org/markup-compatibility/2006">
-        <mc:Choice xmlns:p14="http://schemas.microsoft.com/office/powerpoint/2010/main" Requires="p14">
+      <mc:AlternateContent xmlns:mc="http://schemas.openxmlformats.org/markup-compatibility/2006" xmlns:p14="http://schemas.microsoft.com/office/powerpoint/2010/main">
+        <mc:Choice Requires="p14">
           <p:contentPart p14:bwMode="auto" r:id="rId14">
             <p14:nvContentPartPr>
               <p14:cNvPr id="61" name="Ink 60">
@@ -11283,7 +11288,7 @@
             </p14:xfrm>
           </p:contentPart>
         </mc:Choice>
-        <mc:Fallback>
+        <mc:Fallback xmlns="">
           <p:pic>
             <p:nvPicPr>
               <p:cNvPr id="61" name="Ink 60">
@@ -11314,8 +11319,8 @@
           </p:pic>
         </mc:Fallback>
       </mc:AlternateContent>
-      <mc:AlternateContent xmlns:mc="http://schemas.openxmlformats.org/markup-compatibility/2006">
-        <mc:Choice xmlns:p14="http://schemas.microsoft.com/office/powerpoint/2010/main" Requires="p14">
+      <mc:AlternateContent xmlns:mc="http://schemas.openxmlformats.org/markup-compatibility/2006" xmlns:p14="http://schemas.microsoft.com/office/powerpoint/2010/main">
+        <mc:Choice Requires="p14">
           <p:contentPart p14:bwMode="auto" r:id="rId16">
             <p14:nvContentPartPr>
               <p14:cNvPr id="69" name="Ink 68">
@@ -11334,7 +11339,7 @@
             </p14:xfrm>
           </p:contentPart>
         </mc:Choice>
-        <mc:Fallback>
+        <mc:Fallback xmlns="">
           <p:pic>
             <p:nvPicPr>
               <p:cNvPr id="69" name="Ink 68">
@@ -11365,8 +11370,8 @@
           </p:pic>
         </mc:Fallback>
       </mc:AlternateContent>
-      <mc:AlternateContent xmlns:mc="http://schemas.openxmlformats.org/markup-compatibility/2006">
-        <mc:Choice xmlns:p14="http://schemas.microsoft.com/office/powerpoint/2010/main" Requires="p14">
+      <mc:AlternateContent xmlns:mc="http://schemas.openxmlformats.org/markup-compatibility/2006" xmlns:p14="http://schemas.microsoft.com/office/powerpoint/2010/main">
+        <mc:Choice Requires="p14">
           <p:contentPart p14:bwMode="auto" r:id="rId18">
             <p14:nvContentPartPr>
               <p14:cNvPr id="70" name="Ink 69">
@@ -11385,7 +11390,7 @@
             </p14:xfrm>
           </p:contentPart>
         </mc:Choice>
-        <mc:Fallback>
+        <mc:Fallback xmlns="">
           <p:pic>
             <p:nvPicPr>
               <p:cNvPr id="70" name="Ink 69">
@@ -11416,8 +11421,8 @@
           </p:pic>
         </mc:Fallback>
       </mc:AlternateContent>
-      <mc:AlternateContent xmlns:mc="http://schemas.openxmlformats.org/markup-compatibility/2006">
-        <mc:Choice xmlns:p14="http://schemas.microsoft.com/office/powerpoint/2010/main" Requires="p14">
+      <mc:AlternateContent xmlns:mc="http://schemas.openxmlformats.org/markup-compatibility/2006" xmlns:p14="http://schemas.microsoft.com/office/powerpoint/2010/main">
+        <mc:Choice Requires="p14">
           <p:contentPart p14:bwMode="auto" r:id="rId20">
             <p14:nvContentPartPr>
               <p14:cNvPr id="71" name="Ink 70">
@@ -11436,7 +11441,7 @@
             </p14:xfrm>
           </p:contentPart>
         </mc:Choice>
-        <mc:Fallback>
+        <mc:Fallback xmlns="">
           <p:pic>
             <p:nvPicPr>
               <p:cNvPr id="71" name="Ink 70">
@@ -11467,8 +11472,8 @@
           </p:pic>
         </mc:Fallback>
       </mc:AlternateContent>
-      <mc:AlternateContent xmlns:mc="http://schemas.openxmlformats.org/markup-compatibility/2006">
-        <mc:Choice xmlns:p14="http://schemas.microsoft.com/office/powerpoint/2010/main" Requires="p14">
+      <mc:AlternateContent xmlns:mc="http://schemas.openxmlformats.org/markup-compatibility/2006" xmlns:p14="http://schemas.microsoft.com/office/powerpoint/2010/main">
+        <mc:Choice Requires="p14">
           <p:contentPart p14:bwMode="auto" r:id="rId22">
             <p14:nvContentPartPr>
               <p14:cNvPr id="89" name="Ink 88">
@@ -11487,7 +11492,7 @@
             </p14:xfrm>
           </p:contentPart>
         </mc:Choice>
-        <mc:Fallback>
+        <mc:Fallback xmlns="">
           <p:pic>
             <p:nvPicPr>
               <p:cNvPr id="89" name="Ink 88">
@@ -11518,8 +11523,8 @@
           </p:pic>
         </mc:Fallback>
       </mc:AlternateContent>
-      <mc:AlternateContent xmlns:mc="http://schemas.openxmlformats.org/markup-compatibility/2006">
-        <mc:Choice xmlns:p14="http://schemas.microsoft.com/office/powerpoint/2010/main" Requires="p14">
+      <mc:AlternateContent xmlns:mc="http://schemas.openxmlformats.org/markup-compatibility/2006" xmlns:p14="http://schemas.microsoft.com/office/powerpoint/2010/main">
+        <mc:Choice Requires="p14">
           <p:contentPart p14:bwMode="auto" r:id="rId24">
             <p14:nvContentPartPr>
               <p14:cNvPr id="106" name="Ink 105">
@@ -11538,7 +11543,7 @@
             </p14:xfrm>
           </p:contentPart>
         </mc:Choice>
-        <mc:Fallback>
+        <mc:Fallback xmlns="">
           <p:pic>
             <p:nvPicPr>
               <p:cNvPr id="106" name="Ink 105">
@@ -11569,8 +11574,8 @@
           </p:pic>
         </mc:Fallback>
       </mc:AlternateContent>
-      <mc:AlternateContent xmlns:mc="http://schemas.openxmlformats.org/markup-compatibility/2006">
-        <mc:Choice xmlns:p14="http://schemas.microsoft.com/office/powerpoint/2010/main" Requires="p14">
+      <mc:AlternateContent xmlns:mc="http://schemas.openxmlformats.org/markup-compatibility/2006" xmlns:p14="http://schemas.microsoft.com/office/powerpoint/2010/main">
+        <mc:Choice Requires="p14">
           <p:contentPart p14:bwMode="auto" r:id="rId26">
             <p14:nvContentPartPr>
               <p14:cNvPr id="155" name="Ink 154">
@@ -11589,7 +11594,7 @@
             </p14:xfrm>
           </p:contentPart>
         </mc:Choice>
-        <mc:Fallback>
+        <mc:Fallback xmlns="">
           <p:pic>
             <p:nvPicPr>
               <p:cNvPr id="155" name="Ink 154">
@@ -11620,8 +11625,8 @@
           </p:pic>
         </mc:Fallback>
       </mc:AlternateContent>
-      <mc:AlternateContent xmlns:mc="http://schemas.openxmlformats.org/markup-compatibility/2006">
-        <mc:Choice xmlns:p14="http://schemas.microsoft.com/office/powerpoint/2010/main" Requires="p14">
+      <mc:AlternateContent xmlns:mc="http://schemas.openxmlformats.org/markup-compatibility/2006" xmlns:p14="http://schemas.microsoft.com/office/powerpoint/2010/main">
+        <mc:Choice Requires="p14">
           <p:contentPart p14:bwMode="auto" r:id="rId28">
             <p14:nvContentPartPr>
               <p14:cNvPr id="161" name="Ink 160">
@@ -11640,7 +11645,7 @@
             </p14:xfrm>
           </p:contentPart>
         </mc:Choice>
-        <mc:Fallback>
+        <mc:Fallback xmlns="">
           <p:pic>
             <p:nvPicPr>
               <p:cNvPr id="161" name="Ink 160">
@@ -11671,8 +11676,8 @@
           </p:pic>
         </mc:Fallback>
       </mc:AlternateContent>
-      <mc:AlternateContent xmlns:mc="http://schemas.openxmlformats.org/markup-compatibility/2006">
-        <mc:Choice xmlns:p14="http://schemas.microsoft.com/office/powerpoint/2010/main" Requires="p14">
+      <mc:AlternateContent xmlns:mc="http://schemas.openxmlformats.org/markup-compatibility/2006" xmlns:p14="http://schemas.microsoft.com/office/powerpoint/2010/main">
+        <mc:Choice Requires="p14">
           <p:contentPart p14:bwMode="auto" r:id="rId30">
             <p14:nvContentPartPr>
               <p14:cNvPr id="190" name="Ink 189">
@@ -11691,7 +11696,7 @@
             </p14:xfrm>
           </p:contentPart>
         </mc:Choice>
-        <mc:Fallback>
+        <mc:Fallback xmlns="">
           <p:pic>
             <p:nvPicPr>
               <p:cNvPr id="190" name="Ink 189">
@@ -11722,8 +11727,8 @@
           </p:pic>
         </mc:Fallback>
       </mc:AlternateContent>
-      <mc:AlternateContent xmlns:mc="http://schemas.openxmlformats.org/markup-compatibility/2006">
-        <mc:Choice xmlns:p14="http://schemas.microsoft.com/office/powerpoint/2010/main" Requires="p14">
+      <mc:AlternateContent xmlns:mc="http://schemas.openxmlformats.org/markup-compatibility/2006" xmlns:p14="http://schemas.microsoft.com/office/powerpoint/2010/main">
+        <mc:Choice Requires="p14">
           <p:contentPart p14:bwMode="auto" r:id="rId32">
             <p14:nvContentPartPr>
               <p14:cNvPr id="196" name="Ink 195">
@@ -11742,7 +11747,7 @@
             </p14:xfrm>
           </p:contentPart>
         </mc:Choice>
-        <mc:Fallback>
+        <mc:Fallback xmlns="">
           <p:pic>
             <p:nvPicPr>
               <p:cNvPr id="196" name="Ink 195">
@@ -11773,8 +11778,8 @@
           </p:pic>
         </mc:Fallback>
       </mc:AlternateContent>
-      <mc:AlternateContent xmlns:mc="http://schemas.openxmlformats.org/markup-compatibility/2006">
-        <mc:Choice xmlns:p14="http://schemas.microsoft.com/office/powerpoint/2010/main" Requires="p14">
+      <mc:AlternateContent xmlns:mc="http://schemas.openxmlformats.org/markup-compatibility/2006" xmlns:p14="http://schemas.microsoft.com/office/powerpoint/2010/main">
+        <mc:Choice Requires="p14">
           <p:contentPart p14:bwMode="auto" r:id="rId34">
             <p14:nvContentPartPr>
               <p14:cNvPr id="266" name="Ink 265">
@@ -11793,7 +11798,7 @@
             </p14:xfrm>
           </p:contentPart>
         </mc:Choice>
-        <mc:Fallback>
+        <mc:Fallback xmlns="">
           <p:pic>
             <p:nvPicPr>
               <p:cNvPr id="266" name="Ink 265">
@@ -12563,8 +12568,8 @@
           </a:p>
         </p:txBody>
       </p:sp>
-      <mc:AlternateContent xmlns:mc="http://schemas.openxmlformats.org/markup-compatibility/2006">
-        <mc:Choice xmlns:p14="http://schemas.microsoft.com/office/powerpoint/2010/main" Requires="p14">
+      <mc:AlternateContent xmlns:mc="http://schemas.openxmlformats.org/markup-compatibility/2006" xmlns:p14="http://schemas.microsoft.com/office/powerpoint/2010/main">
+        <mc:Choice Requires="p14">
           <p:contentPart p14:bwMode="auto" r:id="rId5">
             <p14:nvContentPartPr>
               <p14:cNvPr id="29" name="Ink 28">
@@ -12583,7 +12588,7 @@
             </p14:xfrm>
           </p:contentPart>
         </mc:Choice>
-        <mc:Fallback>
+        <mc:Fallback xmlns="">
           <p:pic>
             <p:nvPicPr>
               <p:cNvPr id="29" name="Ink 28">
@@ -12614,8 +12619,8 @@
           </p:pic>
         </mc:Fallback>
       </mc:AlternateContent>
-      <mc:AlternateContent xmlns:mc="http://schemas.openxmlformats.org/markup-compatibility/2006">
-        <mc:Choice xmlns:p14="http://schemas.microsoft.com/office/powerpoint/2010/main" Requires="p14">
+      <mc:AlternateContent xmlns:mc="http://schemas.openxmlformats.org/markup-compatibility/2006" xmlns:p14="http://schemas.microsoft.com/office/powerpoint/2010/main">
+        <mc:Choice Requires="p14">
           <p:contentPart p14:bwMode="auto" r:id="rId7">
             <p14:nvContentPartPr>
               <p14:cNvPr id="33" name="Ink 32">
@@ -12634,7 +12639,7 @@
             </p14:xfrm>
           </p:contentPart>
         </mc:Choice>
-        <mc:Fallback>
+        <mc:Fallback xmlns="">
           <p:pic>
             <p:nvPicPr>
               <p:cNvPr id="33" name="Ink 32">
@@ -12665,8 +12670,8 @@
           </p:pic>
         </mc:Fallback>
       </mc:AlternateContent>
-      <mc:AlternateContent xmlns:mc="http://schemas.openxmlformats.org/markup-compatibility/2006">
-        <mc:Choice xmlns:p14="http://schemas.microsoft.com/office/powerpoint/2010/main" Requires="p14">
+      <mc:AlternateContent xmlns:mc="http://schemas.openxmlformats.org/markup-compatibility/2006" xmlns:p14="http://schemas.microsoft.com/office/powerpoint/2010/main">
+        <mc:Choice Requires="p14">
           <p:contentPart p14:bwMode="auto" r:id="rId9">
             <p14:nvContentPartPr>
               <p14:cNvPr id="37" name="Ink 36">
@@ -12685,7 +12690,7 @@
             </p14:xfrm>
           </p:contentPart>
         </mc:Choice>
-        <mc:Fallback>
+        <mc:Fallback xmlns="">
           <p:pic>
             <p:nvPicPr>
               <p:cNvPr id="37" name="Ink 36">
@@ -12716,8 +12721,8 @@
           </p:pic>
         </mc:Fallback>
       </mc:AlternateContent>
-      <mc:AlternateContent xmlns:mc="http://schemas.openxmlformats.org/markup-compatibility/2006">
-        <mc:Choice xmlns:p14="http://schemas.microsoft.com/office/powerpoint/2010/main" Requires="p14">
+      <mc:AlternateContent xmlns:mc="http://schemas.openxmlformats.org/markup-compatibility/2006" xmlns:p14="http://schemas.microsoft.com/office/powerpoint/2010/main">
+        <mc:Choice Requires="p14">
           <p:contentPart p14:bwMode="auto" r:id="rId11">
             <p14:nvContentPartPr>
               <p14:cNvPr id="49" name="Ink 48">
@@ -12736,7 +12741,7 @@
             </p14:xfrm>
           </p:contentPart>
         </mc:Choice>
-        <mc:Fallback>
+        <mc:Fallback xmlns="">
           <p:pic>
             <p:nvPicPr>
               <p:cNvPr id="49" name="Ink 48">
@@ -12767,8 +12772,8 @@
           </p:pic>
         </mc:Fallback>
       </mc:AlternateContent>
-      <mc:AlternateContent xmlns:mc="http://schemas.openxmlformats.org/markup-compatibility/2006">
-        <mc:Choice xmlns:p14="http://schemas.microsoft.com/office/powerpoint/2010/main" Requires="p14">
+      <mc:AlternateContent xmlns:mc="http://schemas.openxmlformats.org/markup-compatibility/2006" xmlns:p14="http://schemas.microsoft.com/office/powerpoint/2010/main">
+        <mc:Choice Requires="p14">
           <p:contentPart p14:bwMode="auto" r:id="rId13">
             <p14:nvContentPartPr>
               <p14:cNvPr id="50" name="Ink 49">
@@ -12787,7 +12792,7 @@
             </p14:xfrm>
           </p:contentPart>
         </mc:Choice>
-        <mc:Fallback>
+        <mc:Fallback xmlns="">
           <p:pic>
             <p:nvPicPr>
               <p:cNvPr id="50" name="Ink 49">
@@ -12818,8 +12823,8 @@
           </p:pic>
         </mc:Fallback>
       </mc:AlternateContent>
-      <mc:AlternateContent xmlns:mc="http://schemas.openxmlformats.org/markup-compatibility/2006">
-        <mc:Choice xmlns:p14="http://schemas.microsoft.com/office/powerpoint/2010/main" Requires="p14">
+      <mc:AlternateContent xmlns:mc="http://schemas.openxmlformats.org/markup-compatibility/2006" xmlns:p14="http://schemas.microsoft.com/office/powerpoint/2010/main">
+        <mc:Choice Requires="p14">
           <p:contentPart p14:bwMode="auto" r:id="rId15">
             <p14:nvContentPartPr>
               <p14:cNvPr id="77" name="Ink 76">
@@ -12838,7 +12843,7 @@
             </p14:xfrm>
           </p:contentPart>
         </mc:Choice>
-        <mc:Fallback>
+        <mc:Fallback xmlns="">
           <p:pic>
             <p:nvPicPr>
               <p:cNvPr id="77" name="Ink 76">
@@ -12869,8 +12874,8 @@
           </p:pic>
         </mc:Fallback>
       </mc:AlternateContent>
-      <mc:AlternateContent xmlns:mc="http://schemas.openxmlformats.org/markup-compatibility/2006">
-        <mc:Choice xmlns:p14="http://schemas.microsoft.com/office/powerpoint/2010/main" Requires="p14">
+      <mc:AlternateContent xmlns:mc="http://schemas.openxmlformats.org/markup-compatibility/2006" xmlns:p14="http://schemas.microsoft.com/office/powerpoint/2010/main">
+        <mc:Choice Requires="p14">
           <p:contentPart p14:bwMode="auto" r:id="rId17">
             <p14:nvContentPartPr>
               <p14:cNvPr id="85" name="Ink 84">
@@ -12889,7 +12894,7 @@
             </p14:xfrm>
           </p:contentPart>
         </mc:Choice>
-        <mc:Fallback>
+        <mc:Fallback xmlns="">
           <p:pic>
             <p:nvPicPr>
               <p:cNvPr id="85" name="Ink 84">
@@ -12920,8 +12925,8 @@
           </p:pic>
         </mc:Fallback>
       </mc:AlternateContent>
-      <mc:AlternateContent xmlns:mc="http://schemas.openxmlformats.org/markup-compatibility/2006">
-        <mc:Choice xmlns:p14="http://schemas.microsoft.com/office/powerpoint/2010/main" Requires="p14">
+      <mc:AlternateContent xmlns:mc="http://schemas.openxmlformats.org/markup-compatibility/2006" xmlns:p14="http://schemas.microsoft.com/office/powerpoint/2010/main">
+        <mc:Choice Requires="p14">
           <p:contentPart p14:bwMode="auto" r:id="rId19">
             <p14:nvContentPartPr>
               <p14:cNvPr id="86" name="Ink 85">
@@ -12940,7 +12945,7 @@
             </p14:xfrm>
           </p:contentPart>
         </mc:Choice>
-        <mc:Fallback>
+        <mc:Fallback xmlns="">
           <p:pic>
             <p:nvPicPr>
               <p:cNvPr id="86" name="Ink 85">
@@ -12971,8 +12976,8 @@
           </p:pic>
         </mc:Fallback>
       </mc:AlternateContent>
-      <mc:AlternateContent xmlns:mc="http://schemas.openxmlformats.org/markup-compatibility/2006">
-        <mc:Choice xmlns:p14="http://schemas.microsoft.com/office/powerpoint/2010/main" Requires="p14">
+      <mc:AlternateContent xmlns:mc="http://schemas.openxmlformats.org/markup-compatibility/2006" xmlns:p14="http://schemas.microsoft.com/office/powerpoint/2010/main">
+        <mc:Choice Requires="p14">
           <p:contentPart p14:bwMode="auto" r:id="rId21">
             <p14:nvContentPartPr>
               <p14:cNvPr id="87" name="Ink 86">
@@ -12991,7 +12996,7 @@
             </p14:xfrm>
           </p:contentPart>
         </mc:Choice>
-        <mc:Fallback>
+        <mc:Fallback xmlns="">
           <p:pic>
             <p:nvPicPr>
               <p:cNvPr id="87" name="Ink 86">
@@ -13022,8 +13027,8 @@
           </p:pic>
         </mc:Fallback>
       </mc:AlternateContent>
-      <mc:AlternateContent xmlns:mc="http://schemas.openxmlformats.org/markup-compatibility/2006">
-        <mc:Choice xmlns:p14="http://schemas.microsoft.com/office/powerpoint/2010/main" Requires="p14">
+      <mc:AlternateContent xmlns:mc="http://schemas.openxmlformats.org/markup-compatibility/2006" xmlns:p14="http://schemas.microsoft.com/office/powerpoint/2010/main">
+        <mc:Choice Requires="p14">
           <p:contentPart p14:bwMode="auto" r:id="rId23">
             <p14:nvContentPartPr>
               <p14:cNvPr id="90" name="Ink 89">
@@ -13042,7 +13047,7 @@
             </p14:xfrm>
           </p:contentPart>
         </mc:Choice>
-        <mc:Fallback>
+        <mc:Fallback xmlns="">
           <p:pic>
             <p:nvPicPr>
               <p:cNvPr id="90" name="Ink 89">
@@ -13151,8 +13156,8 @@
           </a:extLst>
         </p:spPr>
       </p:pic>
-      <mc:AlternateContent xmlns:mc="http://schemas.openxmlformats.org/markup-compatibility/2006">
-        <mc:Choice xmlns:p14="http://schemas.microsoft.com/office/powerpoint/2010/main" Requires="p14">
+      <mc:AlternateContent xmlns:mc="http://schemas.openxmlformats.org/markup-compatibility/2006" xmlns:p14="http://schemas.microsoft.com/office/powerpoint/2010/main">
+        <mc:Choice Requires="p14">
           <p:contentPart p14:bwMode="auto" r:id="rId4">
             <p14:nvContentPartPr>
               <p14:cNvPr id="37" name="Ink 36">
@@ -13171,7 +13176,7 @@
             </p14:xfrm>
           </p:contentPart>
         </mc:Choice>
-        <mc:Fallback>
+        <mc:Fallback xmlns="">
           <p:pic>
             <p:nvPicPr>
               <p:cNvPr id="37" name="Ink 36">
@@ -13202,8 +13207,8 @@
           </p:pic>
         </mc:Fallback>
       </mc:AlternateContent>
-      <mc:AlternateContent xmlns:mc="http://schemas.openxmlformats.org/markup-compatibility/2006">
-        <mc:Choice xmlns:p14="http://schemas.microsoft.com/office/powerpoint/2010/main" Requires="p14">
+      <mc:AlternateContent xmlns:mc="http://schemas.openxmlformats.org/markup-compatibility/2006" xmlns:p14="http://schemas.microsoft.com/office/powerpoint/2010/main">
+        <mc:Choice Requires="p14">
           <p:contentPart p14:bwMode="auto" r:id="rId6">
             <p14:nvContentPartPr>
               <p14:cNvPr id="93" name="Ink 92">
@@ -13222,7 +13227,7 @@
             </p14:xfrm>
           </p:contentPart>
         </mc:Choice>
-        <mc:Fallback>
+        <mc:Fallback xmlns="">
           <p:pic>
             <p:nvPicPr>
               <p:cNvPr id="93" name="Ink 92">
@@ -13253,8 +13258,8 @@
           </p:pic>
         </mc:Fallback>
       </mc:AlternateContent>
-      <mc:AlternateContent xmlns:mc="http://schemas.openxmlformats.org/markup-compatibility/2006">
-        <mc:Choice xmlns:p14="http://schemas.microsoft.com/office/powerpoint/2010/main" Requires="p14">
+      <mc:AlternateContent xmlns:mc="http://schemas.openxmlformats.org/markup-compatibility/2006" xmlns:p14="http://schemas.microsoft.com/office/powerpoint/2010/main">
+        <mc:Choice Requires="p14">
           <p:contentPart p14:bwMode="auto" r:id="rId8">
             <p14:nvContentPartPr>
               <p14:cNvPr id="153" name="Ink 152">
@@ -13273,7 +13278,7 @@
             </p14:xfrm>
           </p:contentPart>
         </mc:Choice>
-        <mc:Fallback>
+        <mc:Fallback xmlns="">
           <p:pic>
             <p:nvPicPr>
               <p:cNvPr id="153" name="Ink 152">
@@ -13304,8 +13309,8 @@
           </p:pic>
         </mc:Fallback>
       </mc:AlternateContent>
-      <mc:AlternateContent xmlns:mc="http://schemas.openxmlformats.org/markup-compatibility/2006">
-        <mc:Choice xmlns:p14="http://schemas.microsoft.com/office/powerpoint/2010/main" Requires="p14">
+      <mc:AlternateContent xmlns:mc="http://schemas.openxmlformats.org/markup-compatibility/2006" xmlns:p14="http://schemas.microsoft.com/office/powerpoint/2010/main">
+        <mc:Choice Requires="p14">
           <p:contentPart p14:bwMode="auto" r:id="rId10">
             <p14:nvContentPartPr>
               <p14:cNvPr id="161" name="Ink 160">
@@ -13324,7 +13329,7 @@
             </p14:xfrm>
           </p:contentPart>
         </mc:Choice>
-        <mc:Fallback>
+        <mc:Fallback xmlns="">
           <p:pic>
             <p:nvPicPr>
               <p:cNvPr id="161" name="Ink 160">
@@ -13355,8 +13360,8 @@
           </p:pic>
         </mc:Fallback>
       </mc:AlternateContent>
-      <mc:AlternateContent xmlns:mc="http://schemas.openxmlformats.org/markup-compatibility/2006">
-        <mc:Choice xmlns:p14="http://schemas.microsoft.com/office/powerpoint/2010/main" Requires="p14">
+      <mc:AlternateContent xmlns:mc="http://schemas.openxmlformats.org/markup-compatibility/2006" xmlns:p14="http://schemas.microsoft.com/office/powerpoint/2010/main">
+        <mc:Choice Requires="p14">
           <p:contentPart p14:bwMode="auto" r:id="rId12">
             <p14:nvContentPartPr>
               <p14:cNvPr id="188" name="Ink 187">
@@ -13375,7 +13380,7 @@
             </p14:xfrm>
           </p:contentPart>
         </mc:Choice>
-        <mc:Fallback>
+        <mc:Fallback xmlns="">
           <p:pic>
             <p:nvPicPr>
               <p:cNvPr id="188" name="Ink 187">
@@ -13406,8 +13411,8 @@
           </p:pic>
         </mc:Fallback>
       </mc:AlternateContent>
-      <mc:AlternateContent xmlns:mc="http://schemas.openxmlformats.org/markup-compatibility/2006">
-        <mc:Choice xmlns:p14="http://schemas.microsoft.com/office/powerpoint/2010/main" Requires="p14">
+      <mc:AlternateContent xmlns:mc="http://schemas.openxmlformats.org/markup-compatibility/2006" xmlns:p14="http://schemas.microsoft.com/office/powerpoint/2010/main">
+        <mc:Choice Requires="p14">
           <p:contentPart p14:bwMode="auto" r:id="rId14">
             <p14:nvContentPartPr>
               <p14:cNvPr id="207" name="Ink 206">
@@ -13426,7 +13431,7 @@
             </p14:xfrm>
           </p:contentPart>
         </mc:Choice>
-        <mc:Fallback>
+        <mc:Fallback xmlns="">
           <p:pic>
             <p:nvPicPr>
               <p:cNvPr id="207" name="Ink 206">
@@ -13457,8 +13462,8 @@
           </p:pic>
         </mc:Fallback>
       </mc:AlternateContent>
-      <mc:AlternateContent xmlns:mc="http://schemas.openxmlformats.org/markup-compatibility/2006">
-        <mc:Choice xmlns:p14="http://schemas.microsoft.com/office/powerpoint/2010/main" Requires="p14">
+      <mc:AlternateContent xmlns:mc="http://schemas.openxmlformats.org/markup-compatibility/2006" xmlns:p14="http://schemas.microsoft.com/office/powerpoint/2010/main">
+        <mc:Choice Requires="p14">
           <p:contentPart p14:bwMode="auto" r:id="rId16">
             <p14:nvContentPartPr>
               <p14:cNvPr id="240" name="Ink 239">
@@ -13477,7 +13482,7 @@
             </p14:xfrm>
           </p:contentPart>
         </mc:Choice>
-        <mc:Fallback>
+        <mc:Fallback xmlns="">
           <p:pic>
             <p:nvPicPr>
               <p:cNvPr id="240" name="Ink 239">
@@ -13586,8 +13591,8 @@
           </a:extLst>
         </p:spPr>
       </p:pic>
-      <mc:AlternateContent xmlns:mc="http://schemas.openxmlformats.org/markup-compatibility/2006">
-        <mc:Choice xmlns:p14="http://schemas.microsoft.com/office/powerpoint/2010/main" Requires="p14">
+      <mc:AlternateContent xmlns:mc="http://schemas.openxmlformats.org/markup-compatibility/2006" xmlns:p14="http://schemas.microsoft.com/office/powerpoint/2010/main">
+        <mc:Choice Requires="p14">
           <p:contentPart p14:bwMode="auto" r:id="rId4">
             <p14:nvContentPartPr>
               <p14:cNvPr id="4" name="Ink 3">
@@ -13606,7 +13611,7 @@
             </p14:xfrm>
           </p:contentPart>
         </mc:Choice>
-        <mc:Fallback>
+        <mc:Fallback xmlns="">
           <p:pic>
             <p:nvPicPr>
               <p:cNvPr id="4" name="Ink 3">
@@ -13637,8 +13642,8 @@
           </p:pic>
         </mc:Fallback>
       </mc:AlternateContent>
-      <mc:AlternateContent xmlns:mc="http://schemas.openxmlformats.org/markup-compatibility/2006">
-        <mc:Choice xmlns:p14="http://schemas.microsoft.com/office/powerpoint/2010/main" Requires="p14">
+      <mc:AlternateContent xmlns:mc="http://schemas.openxmlformats.org/markup-compatibility/2006" xmlns:p14="http://schemas.microsoft.com/office/powerpoint/2010/main">
+        <mc:Choice Requires="p14">
           <p:contentPart p14:bwMode="auto" r:id="rId6">
             <p14:nvContentPartPr>
               <p14:cNvPr id="43" name="Ink 42">
@@ -13657,7 +13662,7 @@
             </p14:xfrm>
           </p:contentPart>
         </mc:Choice>
-        <mc:Fallback>
+        <mc:Fallback xmlns="">
           <p:pic>
             <p:nvPicPr>
               <p:cNvPr id="43" name="Ink 42">
@@ -13688,8 +13693,8 @@
           </p:pic>
         </mc:Fallback>
       </mc:AlternateContent>
-      <mc:AlternateContent xmlns:mc="http://schemas.openxmlformats.org/markup-compatibility/2006">
-        <mc:Choice xmlns:p14="http://schemas.microsoft.com/office/powerpoint/2010/main" Requires="p14">
+      <mc:AlternateContent xmlns:mc="http://schemas.openxmlformats.org/markup-compatibility/2006" xmlns:p14="http://schemas.microsoft.com/office/powerpoint/2010/main">
+        <mc:Choice Requires="p14">
           <p:contentPart p14:bwMode="auto" r:id="rId8">
             <p14:nvContentPartPr>
               <p14:cNvPr id="58" name="Ink 57">
@@ -13708,7 +13713,7 @@
             </p14:xfrm>
           </p:contentPart>
         </mc:Choice>
-        <mc:Fallback>
+        <mc:Fallback xmlns="">
           <p:pic>
             <p:nvPicPr>
               <p:cNvPr id="58" name="Ink 57">
@@ -13739,8 +13744,8 @@
           </p:pic>
         </mc:Fallback>
       </mc:AlternateContent>
-      <mc:AlternateContent xmlns:mc="http://schemas.openxmlformats.org/markup-compatibility/2006">
-        <mc:Choice xmlns:p14="http://schemas.microsoft.com/office/powerpoint/2010/main" Requires="p14">
+      <mc:AlternateContent xmlns:mc="http://schemas.openxmlformats.org/markup-compatibility/2006" xmlns:p14="http://schemas.microsoft.com/office/powerpoint/2010/main">
+        <mc:Choice Requires="p14">
           <p:contentPart p14:bwMode="auto" r:id="rId10">
             <p14:nvContentPartPr>
               <p14:cNvPr id="66" name="Ink 65">
@@ -13759,7 +13764,7 @@
             </p14:xfrm>
           </p:contentPart>
         </mc:Choice>
-        <mc:Fallback>
+        <mc:Fallback xmlns="">
           <p:pic>
             <p:nvPicPr>
               <p:cNvPr id="66" name="Ink 65">
@@ -13790,8 +13795,8 @@
           </p:pic>
         </mc:Fallback>
       </mc:AlternateContent>
-      <mc:AlternateContent xmlns:mc="http://schemas.openxmlformats.org/markup-compatibility/2006">
-        <mc:Choice xmlns:p14="http://schemas.microsoft.com/office/powerpoint/2010/main" Requires="p14">
+      <mc:AlternateContent xmlns:mc="http://schemas.openxmlformats.org/markup-compatibility/2006" xmlns:p14="http://schemas.microsoft.com/office/powerpoint/2010/main">
+        <mc:Choice Requires="p14">
           <p:contentPart p14:bwMode="auto" r:id="rId12">
             <p14:nvContentPartPr>
               <p14:cNvPr id="69" name="Ink 68">
@@ -13810,7 +13815,7 @@
             </p14:xfrm>
           </p:contentPart>
         </mc:Choice>
-        <mc:Fallback>
+        <mc:Fallback xmlns="">
           <p:pic>
             <p:nvPicPr>
               <p:cNvPr id="69" name="Ink 68">
@@ -13841,8 +13846,8 @@
           </p:pic>
         </mc:Fallback>
       </mc:AlternateContent>
-      <mc:AlternateContent xmlns:mc="http://schemas.openxmlformats.org/markup-compatibility/2006">
-        <mc:Choice xmlns:p14="http://schemas.microsoft.com/office/powerpoint/2010/main" Requires="p14">
+      <mc:AlternateContent xmlns:mc="http://schemas.openxmlformats.org/markup-compatibility/2006" xmlns:p14="http://schemas.microsoft.com/office/powerpoint/2010/main">
+        <mc:Choice Requires="p14">
           <p:contentPart p14:bwMode="auto" r:id="rId14">
             <p14:nvContentPartPr>
               <p14:cNvPr id="70" name="Ink 69">
@@ -13861,7 +13866,7 @@
             </p14:xfrm>
           </p:contentPart>
         </mc:Choice>
-        <mc:Fallback>
+        <mc:Fallback xmlns="">
           <p:pic>
             <p:nvPicPr>
               <p:cNvPr id="70" name="Ink 69">
@@ -13892,8 +13897,8 @@
           </p:pic>
         </mc:Fallback>
       </mc:AlternateContent>
-      <mc:AlternateContent xmlns:mc="http://schemas.openxmlformats.org/markup-compatibility/2006">
-        <mc:Choice xmlns:p14="http://schemas.microsoft.com/office/powerpoint/2010/main" Requires="p14">
+      <mc:AlternateContent xmlns:mc="http://schemas.openxmlformats.org/markup-compatibility/2006" xmlns:p14="http://schemas.microsoft.com/office/powerpoint/2010/main">
+        <mc:Choice Requires="p14">
           <p:contentPart p14:bwMode="auto" r:id="rId16">
             <p14:nvContentPartPr>
               <p14:cNvPr id="73" name="Ink 72">
@@ -13912,7 +13917,7 @@
             </p14:xfrm>
           </p:contentPart>
         </mc:Choice>
-        <mc:Fallback>
+        <mc:Fallback xmlns="">
           <p:pic>
             <p:nvPicPr>
               <p:cNvPr id="73" name="Ink 72">
@@ -13943,8 +13948,8 @@
           </p:pic>
         </mc:Fallback>
       </mc:AlternateContent>
-      <mc:AlternateContent xmlns:mc="http://schemas.openxmlformats.org/markup-compatibility/2006">
-        <mc:Choice xmlns:p14="http://schemas.microsoft.com/office/powerpoint/2010/main" Requires="p14">
+      <mc:AlternateContent xmlns:mc="http://schemas.openxmlformats.org/markup-compatibility/2006" xmlns:p14="http://schemas.microsoft.com/office/powerpoint/2010/main">
+        <mc:Choice Requires="p14">
           <p:contentPart p14:bwMode="auto" r:id="rId18">
             <p14:nvContentPartPr>
               <p14:cNvPr id="78" name="Ink 77">
@@ -13963,7 +13968,7 @@
             </p14:xfrm>
           </p:contentPart>
         </mc:Choice>
-        <mc:Fallback>
+        <mc:Fallback xmlns="">
           <p:pic>
             <p:nvPicPr>
               <p:cNvPr id="78" name="Ink 77">
@@ -13994,8 +13999,8 @@
           </p:pic>
         </mc:Fallback>
       </mc:AlternateContent>
-      <mc:AlternateContent xmlns:mc="http://schemas.openxmlformats.org/markup-compatibility/2006">
-        <mc:Choice xmlns:p14="http://schemas.microsoft.com/office/powerpoint/2010/main" Requires="p14">
+      <mc:AlternateContent xmlns:mc="http://schemas.openxmlformats.org/markup-compatibility/2006" xmlns:p14="http://schemas.microsoft.com/office/powerpoint/2010/main">
+        <mc:Choice Requires="p14">
           <p:contentPart p14:bwMode="auto" r:id="rId20">
             <p14:nvContentPartPr>
               <p14:cNvPr id="89" name="Ink 88">
@@ -14014,7 +14019,7 @@
             </p14:xfrm>
           </p:contentPart>
         </mc:Choice>
-        <mc:Fallback>
+        <mc:Fallback xmlns="">
           <p:pic>
             <p:nvPicPr>
               <p:cNvPr id="89" name="Ink 88">
@@ -14045,8 +14050,8 @@
           </p:pic>
         </mc:Fallback>
       </mc:AlternateContent>
-      <mc:AlternateContent xmlns:mc="http://schemas.openxmlformats.org/markup-compatibility/2006">
-        <mc:Choice xmlns:p14="http://schemas.microsoft.com/office/powerpoint/2010/main" Requires="p14">
+      <mc:AlternateContent xmlns:mc="http://schemas.openxmlformats.org/markup-compatibility/2006" xmlns:p14="http://schemas.microsoft.com/office/powerpoint/2010/main">
+        <mc:Choice Requires="p14">
           <p:contentPart p14:bwMode="auto" r:id="rId22">
             <p14:nvContentPartPr>
               <p14:cNvPr id="92" name="Ink 91">
@@ -14065,7 +14070,7 @@
             </p14:xfrm>
           </p:contentPart>
         </mc:Choice>
-        <mc:Fallback>
+        <mc:Fallback xmlns="">
           <p:pic>
             <p:nvPicPr>
               <p:cNvPr id="92" name="Ink 91">
@@ -14096,8 +14101,8 @@
           </p:pic>
         </mc:Fallback>
       </mc:AlternateContent>
-      <mc:AlternateContent xmlns:mc="http://schemas.openxmlformats.org/markup-compatibility/2006">
-        <mc:Choice xmlns:p14="http://schemas.microsoft.com/office/powerpoint/2010/main" Requires="p14">
+      <mc:AlternateContent xmlns:mc="http://schemas.openxmlformats.org/markup-compatibility/2006" xmlns:p14="http://schemas.microsoft.com/office/powerpoint/2010/main">
+        <mc:Choice Requires="p14">
           <p:contentPart p14:bwMode="auto" r:id="rId24">
             <p14:nvContentPartPr>
               <p14:cNvPr id="93" name="Ink 92">
@@ -14116,7 +14121,7 @@
             </p14:xfrm>
           </p:contentPart>
         </mc:Choice>
-        <mc:Fallback>
+        <mc:Fallback xmlns="">
           <p:pic>
             <p:nvPicPr>
               <p:cNvPr id="93" name="Ink 92">
@@ -14147,8 +14152,8 @@
           </p:pic>
         </mc:Fallback>
       </mc:AlternateContent>
-      <mc:AlternateContent xmlns:mc="http://schemas.openxmlformats.org/markup-compatibility/2006">
-        <mc:Choice xmlns:p14="http://schemas.microsoft.com/office/powerpoint/2010/main" Requires="p14">
+      <mc:AlternateContent xmlns:mc="http://schemas.openxmlformats.org/markup-compatibility/2006" xmlns:p14="http://schemas.microsoft.com/office/powerpoint/2010/main">
+        <mc:Choice Requires="p14">
           <p:contentPart p14:bwMode="auto" r:id="rId26">
             <p14:nvContentPartPr>
               <p14:cNvPr id="100" name="Ink 99">
@@ -14167,7 +14172,7 @@
             </p14:xfrm>
           </p:contentPart>
         </mc:Choice>
-        <mc:Fallback>
+        <mc:Fallback xmlns="">
           <p:pic>
             <p:nvPicPr>
               <p:cNvPr id="100" name="Ink 99">
@@ -14198,8 +14203,8 @@
           </p:pic>
         </mc:Fallback>
       </mc:AlternateContent>
-      <mc:AlternateContent xmlns:mc="http://schemas.openxmlformats.org/markup-compatibility/2006">
-        <mc:Choice xmlns:p14="http://schemas.microsoft.com/office/powerpoint/2010/main" Requires="p14">
+      <mc:AlternateContent xmlns:mc="http://schemas.openxmlformats.org/markup-compatibility/2006" xmlns:p14="http://schemas.microsoft.com/office/powerpoint/2010/main">
+        <mc:Choice Requires="p14">
           <p:contentPart p14:bwMode="auto" r:id="rId28">
             <p14:nvContentPartPr>
               <p14:cNvPr id="120" name="Ink 119">
@@ -14218,7 +14223,7 @@
             </p14:xfrm>
           </p:contentPart>
         </mc:Choice>
-        <mc:Fallback>
+        <mc:Fallback xmlns="">
           <p:pic>
             <p:nvPicPr>
               <p:cNvPr id="120" name="Ink 119">
@@ -14249,8 +14254,8 @@
           </p:pic>
         </mc:Fallback>
       </mc:AlternateContent>
-      <mc:AlternateContent xmlns:mc="http://schemas.openxmlformats.org/markup-compatibility/2006">
-        <mc:Choice xmlns:p14="http://schemas.microsoft.com/office/powerpoint/2010/main" Requires="p14">
+      <mc:AlternateContent xmlns:mc="http://schemas.openxmlformats.org/markup-compatibility/2006" xmlns:p14="http://schemas.microsoft.com/office/powerpoint/2010/main">
+        <mc:Choice Requires="p14">
           <p:contentPart p14:bwMode="auto" r:id="rId30">
             <p14:nvContentPartPr>
               <p14:cNvPr id="134" name="Ink 133">
@@ -14269,7 +14274,7 @@
             </p14:xfrm>
           </p:contentPart>
         </mc:Choice>
-        <mc:Fallback>
+        <mc:Fallback xmlns="">
           <p:pic>
             <p:nvPicPr>
               <p:cNvPr id="134" name="Ink 133">
@@ -14550,8 +14555,8 @@
           </a:p>
         </p:txBody>
       </p:sp>
-      <mc:AlternateContent xmlns:mc="http://schemas.openxmlformats.org/markup-compatibility/2006">
-        <mc:Choice xmlns:p14="http://schemas.microsoft.com/office/powerpoint/2010/main" Requires="p14">
+      <mc:AlternateContent xmlns:mc="http://schemas.openxmlformats.org/markup-compatibility/2006" xmlns:p14="http://schemas.microsoft.com/office/powerpoint/2010/main">
+        <mc:Choice Requires="p14">
           <p:contentPart p14:bwMode="auto" r:id="rId4">
             <p14:nvContentPartPr>
               <p14:cNvPr id="59" name="Ink 58">
@@ -14570,7 +14575,7 @@
             </p14:xfrm>
           </p:contentPart>
         </mc:Choice>
-        <mc:Fallback>
+        <mc:Fallback xmlns="">
           <p:pic>
             <p:nvPicPr>
               <p:cNvPr id="59" name="Ink 58">
@@ -14601,8 +14606,8 @@
           </p:pic>
         </mc:Fallback>
       </mc:AlternateContent>
-      <mc:AlternateContent xmlns:mc="http://schemas.openxmlformats.org/markup-compatibility/2006">
-        <mc:Choice xmlns:p14="http://schemas.microsoft.com/office/powerpoint/2010/main" Requires="p14">
+      <mc:AlternateContent xmlns:mc="http://schemas.openxmlformats.org/markup-compatibility/2006" xmlns:p14="http://schemas.microsoft.com/office/powerpoint/2010/main">
+        <mc:Choice Requires="p14">
           <p:contentPart p14:bwMode="auto" r:id="rId6">
             <p14:nvContentPartPr>
               <p14:cNvPr id="105" name="Ink 104">
@@ -14621,7 +14626,7 @@
             </p14:xfrm>
           </p:contentPart>
         </mc:Choice>
-        <mc:Fallback>
+        <mc:Fallback xmlns="">
           <p:pic>
             <p:nvPicPr>
               <p:cNvPr id="105" name="Ink 104">
@@ -14652,8 +14657,8 @@
           </p:pic>
         </mc:Fallback>
       </mc:AlternateContent>
-      <mc:AlternateContent xmlns:mc="http://schemas.openxmlformats.org/markup-compatibility/2006">
-        <mc:Choice xmlns:p14="http://schemas.microsoft.com/office/powerpoint/2010/main" Requires="p14">
+      <mc:AlternateContent xmlns:mc="http://schemas.openxmlformats.org/markup-compatibility/2006" xmlns:p14="http://schemas.microsoft.com/office/powerpoint/2010/main">
+        <mc:Choice Requires="p14">
           <p:contentPart p14:bwMode="auto" r:id="rId8">
             <p14:nvContentPartPr>
               <p14:cNvPr id="106" name="Ink 105">
@@ -14672,7 +14677,7 @@
             </p14:xfrm>
           </p:contentPart>
         </mc:Choice>
-        <mc:Fallback>
+        <mc:Fallback xmlns="">
           <p:pic>
             <p:nvPicPr>
               <p:cNvPr id="106" name="Ink 105">
@@ -14703,8 +14708,8 @@
           </p:pic>
         </mc:Fallback>
       </mc:AlternateContent>
-      <mc:AlternateContent xmlns:mc="http://schemas.openxmlformats.org/markup-compatibility/2006">
-        <mc:Choice xmlns:p14="http://schemas.microsoft.com/office/powerpoint/2010/main" Requires="p14">
+      <mc:AlternateContent xmlns:mc="http://schemas.openxmlformats.org/markup-compatibility/2006" xmlns:p14="http://schemas.microsoft.com/office/powerpoint/2010/main">
+        <mc:Choice Requires="p14">
           <p:contentPart p14:bwMode="auto" r:id="rId10">
             <p14:nvContentPartPr>
               <p14:cNvPr id="107" name="Ink 106">
@@ -14723,7 +14728,7 @@
             </p14:xfrm>
           </p:contentPart>
         </mc:Choice>
-        <mc:Fallback>
+        <mc:Fallback xmlns="">
           <p:pic>
             <p:nvPicPr>
               <p:cNvPr id="107" name="Ink 106">
@@ -14754,8 +14759,8 @@
           </p:pic>
         </mc:Fallback>
       </mc:AlternateContent>
-      <mc:AlternateContent xmlns:mc="http://schemas.openxmlformats.org/markup-compatibility/2006">
-        <mc:Choice xmlns:p14="http://schemas.microsoft.com/office/powerpoint/2010/main" Requires="p14">
+      <mc:AlternateContent xmlns:mc="http://schemas.openxmlformats.org/markup-compatibility/2006" xmlns:p14="http://schemas.microsoft.com/office/powerpoint/2010/main">
+        <mc:Choice Requires="p14">
           <p:contentPart p14:bwMode="auto" r:id="rId12">
             <p14:nvContentPartPr>
               <p14:cNvPr id="123" name="Ink 122">
@@ -14774,7 +14779,7 @@
             </p14:xfrm>
           </p:contentPart>
         </mc:Choice>
-        <mc:Fallback>
+        <mc:Fallback xmlns="">
           <p:pic>
             <p:nvPicPr>
               <p:cNvPr id="123" name="Ink 122">
@@ -14805,8 +14810,8 @@
           </p:pic>
         </mc:Fallback>
       </mc:AlternateContent>
-      <mc:AlternateContent xmlns:mc="http://schemas.openxmlformats.org/markup-compatibility/2006">
-        <mc:Choice xmlns:p14="http://schemas.microsoft.com/office/powerpoint/2010/main" Requires="p14">
+      <mc:AlternateContent xmlns:mc="http://schemas.openxmlformats.org/markup-compatibility/2006" xmlns:p14="http://schemas.microsoft.com/office/powerpoint/2010/main">
+        <mc:Choice Requires="p14">
           <p:contentPart p14:bwMode="auto" r:id="rId14">
             <p14:nvContentPartPr>
               <p14:cNvPr id="128" name="Ink 127">
@@ -14825,7 +14830,7 @@
             </p14:xfrm>
           </p:contentPart>
         </mc:Choice>
-        <mc:Fallback>
+        <mc:Fallback xmlns="">
           <p:pic>
             <p:nvPicPr>
               <p:cNvPr id="128" name="Ink 127">
@@ -14856,8 +14861,8 @@
           </p:pic>
         </mc:Fallback>
       </mc:AlternateContent>
-      <mc:AlternateContent xmlns:mc="http://schemas.openxmlformats.org/markup-compatibility/2006">
-        <mc:Choice xmlns:p14="http://schemas.microsoft.com/office/powerpoint/2010/main" Requires="p14">
+      <mc:AlternateContent xmlns:mc="http://schemas.openxmlformats.org/markup-compatibility/2006" xmlns:p14="http://schemas.microsoft.com/office/powerpoint/2010/main">
+        <mc:Choice Requires="p14">
           <p:contentPart p14:bwMode="auto" r:id="rId16">
             <p14:nvContentPartPr>
               <p14:cNvPr id="131" name="Ink 130">
@@ -14876,7 +14881,7 @@
             </p14:xfrm>
           </p:contentPart>
         </mc:Choice>
-        <mc:Fallback>
+        <mc:Fallback xmlns="">
           <p:pic>
             <p:nvPicPr>
               <p:cNvPr id="131" name="Ink 130">
@@ -14907,8 +14912,8 @@
           </p:pic>
         </mc:Fallback>
       </mc:AlternateContent>
-      <mc:AlternateContent xmlns:mc="http://schemas.openxmlformats.org/markup-compatibility/2006">
-        <mc:Choice xmlns:p14="http://schemas.microsoft.com/office/powerpoint/2010/main" Requires="p14">
+      <mc:AlternateContent xmlns:mc="http://schemas.openxmlformats.org/markup-compatibility/2006" xmlns:p14="http://schemas.microsoft.com/office/powerpoint/2010/main">
+        <mc:Choice Requires="p14">
           <p:contentPart p14:bwMode="auto" r:id="rId18">
             <p14:nvContentPartPr>
               <p14:cNvPr id="141" name="Ink 140">
@@ -14927,7 +14932,7 @@
             </p14:xfrm>
           </p:contentPart>
         </mc:Choice>
-        <mc:Fallback>
+        <mc:Fallback xmlns="">
           <p:pic>
             <p:nvPicPr>
               <p:cNvPr id="141" name="Ink 140">
@@ -14958,8 +14963,8 @@
           </p:pic>
         </mc:Fallback>
       </mc:AlternateContent>
-      <mc:AlternateContent xmlns:mc="http://schemas.openxmlformats.org/markup-compatibility/2006">
-        <mc:Choice xmlns:p14="http://schemas.microsoft.com/office/powerpoint/2010/main" Requires="p14">
+      <mc:AlternateContent xmlns:mc="http://schemas.openxmlformats.org/markup-compatibility/2006" xmlns:p14="http://schemas.microsoft.com/office/powerpoint/2010/main">
+        <mc:Choice Requires="p14">
           <p:contentPart p14:bwMode="auto" r:id="rId20">
             <p14:nvContentPartPr>
               <p14:cNvPr id="158" name="Ink 157">
@@ -14978,7 +14983,7 @@
             </p14:xfrm>
           </p:contentPart>
         </mc:Choice>
-        <mc:Fallback>
+        <mc:Fallback xmlns="">
           <p:pic>
             <p:nvPicPr>
               <p:cNvPr id="158" name="Ink 157">
@@ -15009,8 +15014,8 @@
           </p:pic>
         </mc:Fallback>
       </mc:AlternateContent>
-      <mc:AlternateContent xmlns:mc="http://schemas.openxmlformats.org/markup-compatibility/2006">
-        <mc:Choice xmlns:p14="http://schemas.microsoft.com/office/powerpoint/2010/main" Requires="p14">
+      <mc:AlternateContent xmlns:mc="http://schemas.openxmlformats.org/markup-compatibility/2006" xmlns:p14="http://schemas.microsoft.com/office/powerpoint/2010/main">
+        <mc:Choice Requires="p14">
           <p:contentPart p14:bwMode="auto" r:id="rId22">
             <p14:nvContentPartPr>
               <p14:cNvPr id="187" name="Ink 186">
@@ -15029,7 +15034,7 @@
             </p14:xfrm>
           </p:contentPart>
         </mc:Choice>
-        <mc:Fallback>
+        <mc:Fallback xmlns="">
           <p:pic>
             <p:nvPicPr>
               <p:cNvPr id="187" name="Ink 186">
@@ -15060,8 +15065,8 @@
           </p:pic>
         </mc:Fallback>
       </mc:AlternateContent>
-      <mc:AlternateContent xmlns:mc="http://schemas.openxmlformats.org/markup-compatibility/2006">
-        <mc:Choice xmlns:p14="http://schemas.microsoft.com/office/powerpoint/2010/main" Requires="p14">
+      <mc:AlternateContent xmlns:mc="http://schemas.openxmlformats.org/markup-compatibility/2006" xmlns:p14="http://schemas.microsoft.com/office/powerpoint/2010/main">
+        <mc:Choice Requires="p14">
           <p:contentPart p14:bwMode="auto" r:id="rId24">
             <p14:nvContentPartPr>
               <p14:cNvPr id="192" name="Ink 191">
@@ -15080,7 +15085,7 @@
             </p14:xfrm>
           </p:contentPart>
         </mc:Choice>
-        <mc:Fallback>
+        <mc:Fallback xmlns="">
           <p:pic>
             <p:nvPicPr>
               <p:cNvPr id="192" name="Ink 191">
@@ -15111,8 +15116,8 @@
           </p:pic>
         </mc:Fallback>
       </mc:AlternateContent>
-      <mc:AlternateContent xmlns:mc="http://schemas.openxmlformats.org/markup-compatibility/2006">
-        <mc:Choice xmlns:p14="http://schemas.microsoft.com/office/powerpoint/2010/main" Requires="p14">
+      <mc:AlternateContent xmlns:mc="http://schemas.openxmlformats.org/markup-compatibility/2006" xmlns:p14="http://schemas.microsoft.com/office/powerpoint/2010/main">
+        <mc:Choice Requires="p14">
           <p:contentPart p14:bwMode="auto" r:id="rId26">
             <p14:nvContentPartPr>
               <p14:cNvPr id="195" name="Ink 194">
@@ -15131,7 +15136,7 @@
             </p14:xfrm>
           </p:contentPart>
         </mc:Choice>
-        <mc:Fallback>
+        <mc:Fallback xmlns="">
           <p:pic>
             <p:nvPicPr>
               <p:cNvPr id="195" name="Ink 194">
@@ -15162,8 +15167,8 @@
           </p:pic>
         </mc:Fallback>
       </mc:AlternateContent>
-      <mc:AlternateContent xmlns:mc="http://schemas.openxmlformats.org/markup-compatibility/2006">
-        <mc:Choice xmlns:p14="http://schemas.microsoft.com/office/powerpoint/2010/main" Requires="p14">
+      <mc:AlternateContent xmlns:mc="http://schemas.openxmlformats.org/markup-compatibility/2006" xmlns:p14="http://schemas.microsoft.com/office/powerpoint/2010/main">
+        <mc:Choice Requires="p14">
           <p:contentPart p14:bwMode="auto" r:id="rId28">
             <p14:nvContentPartPr>
               <p14:cNvPr id="198" name="Ink 197">
@@ -15182,7 +15187,7 @@
             </p14:xfrm>
           </p:contentPart>
         </mc:Choice>
-        <mc:Fallback>
+        <mc:Fallback xmlns="">
           <p:pic>
             <p:nvPicPr>
               <p:cNvPr id="198" name="Ink 197">
@@ -15213,8 +15218,8 @@
           </p:pic>
         </mc:Fallback>
       </mc:AlternateContent>
-      <mc:AlternateContent xmlns:mc="http://schemas.openxmlformats.org/markup-compatibility/2006">
-        <mc:Choice xmlns:p14="http://schemas.microsoft.com/office/powerpoint/2010/main" Requires="p14">
+      <mc:AlternateContent xmlns:mc="http://schemas.openxmlformats.org/markup-compatibility/2006" xmlns:p14="http://schemas.microsoft.com/office/powerpoint/2010/main">
+        <mc:Choice Requires="p14">
           <p:contentPart p14:bwMode="auto" r:id="rId30">
             <p14:nvContentPartPr>
               <p14:cNvPr id="248" name="Ink 247">
@@ -15233,7 +15238,7 @@
             </p14:xfrm>
           </p:contentPart>
         </mc:Choice>
-        <mc:Fallback>
+        <mc:Fallback xmlns="">
           <p:pic>
             <p:nvPicPr>
               <p:cNvPr id="248" name="Ink 247">
@@ -15264,8 +15269,8 @@
           </p:pic>
         </mc:Fallback>
       </mc:AlternateContent>
-      <mc:AlternateContent xmlns:mc="http://schemas.openxmlformats.org/markup-compatibility/2006">
-        <mc:Choice xmlns:p14="http://schemas.microsoft.com/office/powerpoint/2010/main" Requires="p14">
+      <mc:AlternateContent xmlns:mc="http://schemas.openxmlformats.org/markup-compatibility/2006" xmlns:p14="http://schemas.microsoft.com/office/powerpoint/2010/main">
+        <mc:Choice Requires="p14">
           <p:contentPart p14:bwMode="auto" r:id="rId32">
             <p14:nvContentPartPr>
               <p14:cNvPr id="251" name="Ink 250">
@@ -15284,7 +15289,7 @@
             </p14:xfrm>
           </p:contentPart>
         </mc:Choice>
-        <mc:Fallback>
+        <mc:Fallback xmlns="">
           <p:pic>
             <p:nvPicPr>
               <p:cNvPr id="251" name="Ink 250">
@@ -15315,8 +15320,8 @@
           </p:pic>
         </mc:Fallback>
       </mc:AlternateContent>
-      <mc:AlternateContent xmlns:mc="http://schemas.openxmlformats.org/markup-compatibility/2006">
-        <mc:Choice xmlns:p14="http://schemas.microsoft.com/office/powerpoint/2010/main" Requires="p14">
+      <mc:AlternateContent xmlns:mc="http://schemas.openxmlformats.org/markup-compatibility/2006" xmlns:p14="http://schemas.microsoft.com/office/powerpoint/2010/main">
+        <mc:Choice Requires="p14">
           <p:contentPart p14:bwMode="auto" r:id="rId34">
             <p14:nvContentPartPr>
               <p14:cNvPr id="274" name="Ink 273">
@@ -15335,7 +15340,7 @@
             </p14:xfrm>
           </p:contentPart>
         </mc:Choice>
-        <mc:Fallback>
+        <mc:Fallback xmlns="">
           <p:pic>
             <p:nvPicPr>
               <p:cNvPr id="274" name="Ink 273">
@@ -15366,8 +15371,8 @@
           </p:pic>
         </mc:Fallback>
       </mc:AlternateContent>
-      <mc:AlternateContent xmlns:mc="http://schemas.openxmlformats.org/markup-compatibility/2006">
-        <mc:Choice xmlns:p14="http://schemas.microsoft.com/office/powerpoint/2010/main" Requires="p14">
+      <mc:AlternateContent xmlns:mc="http://schemas.openxmlformats.org/markup-compatibility/2006" xmlns:p14="http://schemas.microsoft.com/office/powerpoint/2010/main">
+        <mc:Choice Requires="p14">
           <p:contentPart p14:bwMode="auto" r:id="rId36">
             <p14:nvContentPartPr>
               <p14:cNvPr id="285" name="Ink 284">
@@ -15386,7 +15391,7 @@
             </p14:xfrm>
           </p:contentPart>
         </mc:Choice>
-        <mc:Fallback>
+        <mc:Fallback xmlns="">
           <p:pic>
             <p:nvPicPr>
               <p:cNvPr id="285" name="Ink 284">
@@ -15417,8 +15422,8 @@
           </p:pic>
         </mc:Fallback>
       </mc:AlternateContent>
-      <mc:AlternateContent xmlns:mc="http://schemas.openxmlformats.org/markup-compatibility/2006">
-        <mc:Choice xmlns:p14="http://schemas.microsoft.com/office/powerpoint/2010/main" Requires="p14">
+      <mc:AlternateContent xmlns:mc="http://schemas.openxmlformats.org/markup-compatibility/2006" xmlns:p14="http://schemas.microsoft.com/office/powerpoint/2010/main">
+        <mc:Choice Requires="p14">
           <p:contentPart p14:bwMode="auto" r:id="rId38">
             <p14:nvContentPartPr>
               <p14:cNvPr id="326" name="Ink 325">
@@ -15437,7 +15442,7 @@
             </p14:xfrm>
           </p:contentPart>
         </mc:Choice>
-        <mc:Fallback>
+        <mc:Fallback xmlns="">
           <p:pic>
             <p:nvPicPr>
               <p:cNvPr id="326" name="Ink 325">
@@ -15546,8 +15551,8 @@
           </a:extLst>
         </p:spPr>
       </p:pic>
-      <mc:AlternateContent xmlns:mc="http://schemas.openxmlformats.org/markup-compatibility/2006">
-        <mc:Choice xmlns:p14="http://schemas.microsoft.com/office/powerpoint/2010/main" Requires="p14">
+      <mc:AlternateContent xmlns:mc="http://schemas.openxmlformats.org/markup-compatibility/2006" xmlns:p14="http://schemas.microsoft.com/office/powerpoint/2010/main">
+        <mc:Choice Requires="p14">
           <p:contentPart p14:bwMode="auto" r:id="rId4">
             <p14:nvContentPartPr>
               <p14:cNvPr id="63" name="Ink 62">
@@ -15566,7 +15571,7 @@
             </p14:xfrm>
           </p:contentPart>
         </mc:Choice>
-        <mc:Fallback>
+        <mc:Fallback xmlns="">
           <p:pic>
             <p:nvPicPr>
               <p:cNvPr id="63" name="Ink 62">
@@ -15597,8 +15602,8 @@
           </p:pic>
         </mc:Fallback>
       </mc:AlternateContent>
-      <mc:AlternateContent xmlns:mc="http://schemas.openxmlformats.org/markup-compatibility/2006">
-        <mc:Choice xmlns:p14="http://schemas.microsoft.com/office/powerpoint/2010/main" Requires="p14">
+      <mc:AlternateContent xmlns:mc="http://schemas.openxmlformats.org/markup-compatibility/2006" xmlns:p14="http://schemas.microsoft.com/office/powerpoint/2010/main">
+        <mc:Choice Requires="p14">
           <p:contentPart p14:bwMode="auto" r:id="rId6">
             <p14:nvContentPartPr>
               <p14:cNvPr id="117" name="Ink 116">
@@ -15617,7 +15622,7 @@
             </p14:xfrm>
           </p:contentPart>
         </mc:Choice>
-        <mc:Fallback>
+        <mc:Fallback xmlns="">
           <p:pic>
             <p:nvPicPr>
               <p:cNvPr id="117" name="Ink 116">
@@ -15648,8 +15653,8 @@
           </p:pic>
         </mc:Fallback>
       </mc:AlternateContent>
-      <mc:AlternateContent xmlns:mc="http://schemas.openxmlformats.org/markup-compatibility/2006">
-        <mc:Choice xmlns:p14="http://schemas.microsoft.com/office/powerpoint/2010/main" Requires="p14">
+      <mc:AlternateContent xmlns:mc="http://schemas.openxmlformats.org/markup-compatibility/2006" xmlns:p14="http://schemas.microsoft.com/office/powerpoint/2010/main">
+        <mc:Choice Requires="p14">
           <p:contentPart p14:bwMode="auto" r:id="rId8">
             <p14:nvContentPartPr>
               <p14:cNvPr id="120" name="Ink 119">
@@ -15668,7 +15673,7 @@
             </p14:xfrm>
           </p:contentPart>
         </mc:Choice>
-        <mc:Fallback>
+        <mc:Fallback xmlns="">
           <p:pic>
             <p:nvPicPr>
               <p:cNvPr id="120" name="Ink 119">
@@ -15699,8 +15704,8 @@
           </p:pic>
         </mc:Fallback>
       </mc:AlternateContent>
-      <mc:AlternateContent xmlns:mc="http://schemas.openxmlformats.org/markup-compatibility/2006">
-        <mc:Choice xmlns:p14="http://schemas.microsoft.com/office/powerpoint/2010/main" Requires="p14">
+      <mc:AlternateContent xmlns:mc="http://schemas.openxmlformats.org/markup-compatibility/2006" xmlns:p14="http://schemas.microsoft.com/office/powerpoint/2010/main">
+        <mc:Choice Requires="p14">
           <p:contentPart p14:bwMode="auto" r:id="rId10">
             <p14:nvContentPartPr>
               <p14:cNvPr id="134" name="Ink 133">
@@ -15719,7 +15724,7 @@
             </p14:xfrm>
           </p:contentPart>
         </mc:Choice>
-        <mc:Fallback>
+        <mc:Fallback xmlns="">
           <p:pic>
             <p:nvPicPr>
               <p:cNvPr id="134" name="Ink 133">
@@ -15750,8 +15755,8 @@
           </p:pic>
         </mc:Fallback>
       </mc:AlternateContent>
-      <mc:AlternateContent xmlns:mc="http://schemas.openxmlformats.org/markup-compatibility/2006">
-        <mc:Choice xmlns:p14="http://schemas.microsoft.com/office/powerpoint/2010/main" Requires="p14">
+      <mc:AlternateContent xmlns:mc="http://schemas.openxmlformats.org/markup-compatibility/2006" xmlns:p14="http://schemas.microsoft.com/office/powerpoint/2010/main">
+        <mc:Choice Requires="p14">
           <p:contentPart p14:bwMode="auto" r:id="rId12">
             <p14:nvContentPartPr>
               <p14:cNvPr id="140" name="Ink 139">
@@ -15770,7 +15775,7 @@
             </p14:xfrm>
           </p:contentPart>
         </mc:Choice>
-        <mc:Fallback>
+        <mc:Fallback xmlns="">
           <p:pic>
             <p:nvPicPr>
               <p:cNvPr id="140" name="Ink 139">
@@ -15801,8 +15806,8 @@
           </p:pic>
         </mc:Fallback>
       </mc:AlternateContent>
-      <mc:AlternateContent xmlns:mc="http://schemas.openxmlformats.org/markup-compatibility/2006">
-        <mc:Choice xmlns:p14="http://schemas.microsoft.com/office/powerpoint/2010/main" Requires="p14">
+      <mc:AlternateContent xmlns:mc="http://schemas.openxmlformats.org/markup-compatibility/2006" xmlns:p14="http://schemas.microsoft.com/office/powerpoint/2010/main">
+        <mc:Choice Requires="p14">
           <p:contentPart p14:bwMode="auto" r:id="rId14">
             <p14:nvContentPartPr>
               <p14:cNvPr id="141" name="Ink 140">
@@ -15821,7 +15826,7 @@
             </p14:xfrm>
           </p:contentPart>
         </mc:Choice>
-        <mc:Fallback>
+        <mc:Fallback xmlns="">
           <p:pic>
             <p:nvPicPr>
               <p:cNvPr id="141" name="Ink 140">
@@ -15852,8 +15857,8 @@
           </p:pic>
         </mc:Fallback>
       </mc:AlternateContent>
-      <mc:AlternateContent xmlns:mc="http://schemas.openxmlformats.org/markup-compatibility/2006">
-        <mc:Choice xmlns:p14="http://schemas.microsoft.com/office/powerpoint/2010/main" Requires="p14">
+      <mc:AlternateContent xmlns:mc="http://schemas.openxmlformats.org/markup-compatibility/2006" xmlns:p14="http://schemas.microsoft.com/office/powerpoint/2010/main">
+        <mc:Choice Requires="p14">
           <p:contentPart p14:bwMode="auto" r:id="rId16">
             <p14:nvContentPartPr>
               <p14:cNvPr id="166" name="Ink 165">
@@ -15872,7 +15877,7 @@
             </p14:xfrm>
           </p:contentPart>
         </mc:Choice>
-        <mc:Fallback>
+        <mc:Fallback xmlns="">
           <p:pic>
             <p:nvPicPr>
               <p:cNvPr id="166" name="Ink 165">
@@ -15903,8 +15908,8 @@
           </p:pic>
         </mc:Fallback>
       </mc:AlternateContent>
-      <mc:AlternateContent xmlns:mc="http://schemas.openxmlformats.org/markup-compatibility/2006">
-        <mc:Choice xmlns:p14="http://schemas.microsoft.com/office/powerpoint/2010/main" Requires="p14">
+      <mc:AlternateContent xmlns:mc="http://schemas.openxmlformats.org/markup-compatibility/2006" xmlns:p14="http://schemas.microsoft.com/office/powerpoint/2010/main">
+        <mc:Choice Requires="p14">
           <p:contentPart p14:bwMode="auto" r:id="rId18">
             <p14:nvContentPartPr>
               <p14:cNvPr id="173" name="Ink 172">
@@ -15923,7 +15928,7 @@
             </p14:xfrm>
           </p:contentPart>
         </mc:Choice>
-        <mc:Fallback>
+        <mc:Fallback xmlns="">
           <p:pic>
             <p:nvPicPr>
               <p:cNvPr id="173" name="Ink 172">
@@ -15954,8 +15959,8 @@
           </p:pic>
         </mc:Fallback>
       </mc:AlternateContent>
-      <mc:AlternateContent xmlns:mc="http://schemas.openxmlformats.org/markup-compatibility/2006">
-        <mc:Choice xmlns:p14="http://schemas.microsoft.com/office/powerpoint/2010/main" Requires="p14">
+      <mc:AlternateContent xmlns:mc="http://schemas.openxmlformats.org/markup-compatibility/2006" xmlns:p14="http://schemas.microsoft.com/office/powerpoint/2010/main">
+        <mc:Choice Requires="p14">
           <p:contentPart p14:bwMode="auto" r:id="rId20">
             <p14:nvContentPartPr>
               <p14:cNvPr id="186" name="Ink 185">
@@ -15974,7 +15979,7 @@
             </p14:xfrm>
           </p:contentPart>
         </mc:Choice>
-        <mc:Fallback>
+        <mc:Fallback xmlns="">
           <p:pic>
             <p:nvPicPr>
               <p:cNvPr id="186" name="Ink 185">
@@ -16005,8 +16010,8 @@
           </p:pic>
         </mc:Fallback>
       </mc:AlternateContent>
-      <mc:AlternateContent xmlns:mc="http://schemas.openxmlformats.org/markup-compatibility/2006">
-        <mc:Choice xmlns:p14="http://schemas.microsoft.com/office/powerpoint/2010/main" Requires="p14">
+      <mc:AlternateContent xmlns:mc="http://schemas.openxmlformats.org/markup-compatibility/2006" xmlns:p14="http://schemas.microsoft.com/office/powerpoint/2010/main">
+        <mc:Choice Requires="p14">
           <p:contentPart p14:bwMode="auto" r:id="rId22">
             <p14:nvContentPartPr>
               <p14:cNvPr id="189" name="Ink 188">
@@ -16025,7 +16030,7 @@
             </p14:xfrm>
           </p:contentPart>
         </mc:Choice>
-        <mc:Fallback>
+        <mc:Fallback xmlns="">
           <p:pic>
             <p:nvPicPr>
               <p:cNvPr id="189" name="Ink 188">
@@ -16056,8 +16061,8 @@
           </p:pic>
         </mc:Fallback>
       </mc:AlternateContent>
-      <mc:AlternateContent xmlns:mc="http://schemas.openxmlformats.org/markup-compatibility/2006">
-        <mc:Choice xmlns:p14="http://schemas.microsoft.com/office/powerpoint/2010/main" Requires="p14">
+      <mc:AlternateContent xmlns:mc="http://schemas.openxmlformats.org/markup-compatibility/2006" xmlns:p14="http://schemas.microsoft.com/office/powerpoint/2010/main">
+        <mc:Choice Requires="p14">
           <p:contentPart p14:bwMode="auto" r:id="rId24">
             <p14:nvContentPartPr>
               <p14:cNvPr id="191" name="Ink 190">
@@ -16076,7 +16081,7 @@
             </p14:xfrm>
           </p:contentPart>
         </mc:Choice>
-        <mc:Fallback>
+        <mc:Fallback xmlns="">
           <p:pic>
             <p:nvPicPr>
               <p:cNvPr id="191" name="Ink 190">
@@ -16107,8 +16112,8 @@
           </p:pic>
         </mc:Fallback>
       </mc:AlternateContent>
-      <mc:AlternateContent xmlns:mc="http://schemas.openxmlformats.org/markup-compatibility/2006">
-        <mc:Choice xmlns:p14="http://schemas.microsoft.com/office/powerpoint/2010/main" Requires="p14">
+      <mc:AlternateContent xmlns:mc="http://schemas.openxmlformats.org/markup-compatibility/2006" xmlns:p14="http://schemas.microsoft.com/office/powerpoint/2010/main">
+        <mc:Choice Requires="p14">
           <p:contentPart p14:bwMode="auto" r:id="rId26">
             <p14:nvContentPartPr>
               <p14:cNvPr id="200" name="Ink 199">
@@ -16127,7 +16132,7 @@
             </p14:xfrm>
           </p:contentPart>
         </mc:Choice>
-        <mc:Fallback>
+        <mc:Fallback xmlns="">
           <p:pic>
             <p:nvPicPr>
               <p:cNvPr id="200" name="Ink 199">
@@ -16158,8 +16163,8 @@
           </p:pic>
         </mc:Fallback>
       </mc:AlternateContent>
-      <mc:AlternateContent xmlns:mc="http://schemas.openxmlformats.org/markup-compatibility/2006">
-        <mc:Choice xmlns:p14="http://schemas.microsoft.com/office/powerpoint/2010/main" Requires="p14">
+      <mc:AlternateContent xmlns:mc="http://schemas.openxmlformats.org/markup-compatibility/2006" xmlns:p14="http://schemas.microsoft.com/office/powerpoint/2010/main">
+        <mc:Choice Requires="p14">
           <p:contentPart p14:bwMode="auto" r:id="rId28">
             <p14:nvContentPartPr>
               <p14:cNvPr id="211" name="Ink 210">
@@ -16178,7 +16183,7 @@
             </p14:xfrm>
           </p:contentPart>
         </mc:Choice>
-        <mc:Fallback>
+        <mc:Fallback xmlns="">
           <p:pic>
             <p:nvPicPr>
               <p:cNvPr id="211" name="Ink 210">
@@ -16209,8 +16214,8 @@
           </p:pic>
         </mc:Fallback>
       </mc:AlternateContent>
-      <mc:AlternateContent xmlns:mc="http://schemas.openxmlformats.org/markup-compatibility/2006">
-        <mc:Choice xmlns:p14="http://schemas.microsoft.com/office/powerpoint/2010/main" Requires="p14">
+      <mc:AlternateContent xmlns:mc="http://schemas.openxmlformats.org/markup-compatibility/2006" xmlns:p14="http://schemas.microsoft.com/office/powerpoint/2010/main">
+        <mc:Choice Requires="p14">
           <p:contentPart p14:bwMode="auto" r:id="rId30">
             <p14:nvContentPartPr>
               <p14:cNvPr id="222" name="Ink 221">
@@ -16229,7 +16234,7 @@
             </p14:xfrm>
           </p:contentPart>
         </mc:Choice>
-        <mc:Fallback>
+        <mc:Fallback xmlns="">
           <p:pic>
             <p:nvPicPr>
               <p:cNvPr id="222" name="Ink 221">
@@ -16260,8 +16265,8 @@
           </p:pic>
         </mc:Fallback>
       </mc:AlternateContent>
-      <mc:AlternateContent xmlns:mc="http://schemas.openxmlformats.org/markup-compatibility/2006">
-        <mc:Choice xmlns:p14="http://schemas.microsoft.com/office/powerpoint/2010/main" Requires="p14">
+      <mc:AlternateContent xmlns:mc="http://schemas.openxmlformats.org/markup-compatibility/2006" xmlns:p14="http://schemas.microsoft.com/office/powerpoint/2010/main">
+        <mc:Choice Requires="p14">
           <p:contentPart p14:bwMode="auto" r:id="rId32">
             <p14:nvContentPartPr>
               <p14:cNvPr id="228" name="Ink 227">
@@ -16280,7 +16285,7 @@
             </p14:xfrm>
           </p:contentPart>
         </mc:Choice>
-        <mc:Fallback>
+        <mc:Fallback xmlns="">
           <p:pic>
             <p:nvPicPr>
               <p:cNvPr id="228" name="Ink 227">
@@ -16311,8 +16316,8 @@
           </p:pic>
         </mc:Fallback>
       </mc:AlternateContent>
-      <mc:AlternateContent xmlns:mc="http://schemas.openxmlformats.org/markup-compatibility/2006">
-        <mc:Choice xmlns:p14="http://schemas.microsoft.com/office/powerpoint/2010/main" Requires="p14">
+      <mc:AlternateContent xmlns:mc="http://schemas.openxmlformats.org/markup-compatibility/2006" xmlns:p14="http://schemas.microsoft.com/office/powerpoint/2010/main">
+        <mc:Choice Requires="p14">
           <p:contentPart p14:bwMode="auto" r:id="rId34">
             <p14:nvContentPartPr>
               <p14:cNvPr id="243" name="Ink 242">
@@ -16331,7 +16336,7 @@
             </p14:xfrm>
           </p:contentPart>
         </mc:Choice>
-        <mc:Fallback>
+        <mc:Fallback xmlns="">
           <p:pic>
             <p:nvPicPr>
               <p:cNvPr id="243" name="Ink 242">
@@ -16362,8 +16367,8 @@
           </p:pic>
         </mc:Fallback>
       </mc:AlternateContent>
-      <mc:AlternateContent xmlns:mc="http://schemas.openxmlformats.org/markup-compatibility/2006">
-        <mc:Choice xmlns:p14="http://schemas.microsoft.com/office/powerpoint/2010/main" Requires="p14">
+      <mc:AlternateContent xmlns:mc="http://schemas.openxmlformats.org/markup-compatibility/2006" xmlns:p14="http://schemas.microsoft.com/office/powerpoint/2010/main">
+        <mc:Choice Requires="p14">
           <p:contentPart p14:bwMode="auto" r:id="rId36">
             <p14:nvContentPartPr>
               <p14:cNvPr id="251" name="Ink 250">
@@ -16382,7 +16387,7 @@
             </p14:xfrm>
           </p:contentPart>
         </mc:Choice>
-        <mc:Fallback>
+        <mc:Fallback xmlns="">
           <p:pic>
             <p:nvPicPr>
               <p:cNvPr id="251" name="Ink 250">
@@ -16413,8 +16418,8 @@
           </p:pic>
         </mc:Fallback>
       </mc:AlternateContent>
-      <mc:AlternateContent xmlns:mc="http://schemas.openxmlformats.org/markup-compatibility/2006">
-        <mc:Choice xmlns:p14="http://schemas.microsoft.com/office/powerpoint/2010/main" Requires="p14">
+      <mc:AlternateContent xmlns:mc="http://schemas.openxmlformats.org/markup-compatibility/2006" xmlns:p14="http://schemas.microsoft.com/office/powerpoint/2010/main">
+        <mc:Choice Requires="p14">
           <p:contentPart p14:bwMode="auto" r:id="rId38">
             <p14:nvContentPartPr>
               <p14:cNvPr id="257" name="Ink 256">
@@ -16433,7 +16438,7 @@
             </p14:xfrm>
           </p:contentPart>
         </mc:Choice>
-        <mc:Fallback>
+        <mc:Fallback xmlns="">
           <p:pic>
             <p:nvPicPr>
               <p:cNvPr id="257" name="Ink 256">
@@ -16464,8 +16469,8 @@
           </p:pic>
         </mc:Fallback>
       </mc:AlternateContent>
-      <mc:AlternateContent xmlns:mc="http://schemas.openxmlformats.org/markup-compatibility/2006">
-        <mc:Choice xmlns:p14="http://schemas.microsoft.com/office/powerpoint/2010/main" Requires="p14">
+      <mc:AlternateContent xmlns:mc="http://schemas.openxmlformats.org/markup-compatibility/2006" xmlns:p14="http://schemas.microsoft.com/office/powerpoint/2010/main">
+        <mc:Choice Requires="p14">
           <p:contentPart p14:bwMode="auto" r:id="rId40">
             <p14:nvContentPartPr>
               <p14:cNvPr id="258" name="Ink 257">
@@ -16484,7 +16489,7 @@
             </p14:xfrm>
           </p:contentPart>
         </mc:Choice>
-        <mc:Fallback>
+        <mc:Fallback xmlns="">
           <p:pic>
             <p:nvPicPr>
               <p:cNvPr id="258" name="Ink 257">
@@ -16515,8 +16520,8 @@
           </p:pic>
         </mc:Fallback>
       </mc:AlternateContent>
-      <mc:AlternateContent xmlns:mc="http://schemas.openxmlformats.org/markup-compatibility/2006">
-        <mc:Choice xmlns:p14="http://schemas.microsoft.com/office/powerpoint/2010/main" Requires="p14">
+      <mc:AlternateContent xmlns:mc="http://schemas.openxmlformats.org/markup-compatibility/2006" xmlns:p14="http://schemas.microsoft.com/office/powerpoint/2010/main">
+        <mc:Choice Requires="p14">
           <p:contentPart p14:bwMode="auto" r:id="rId42">
             <p14:nvContentPartPr>
               <p14:cNvPr id="259" name="Ink 258">
@@ -16535,7 +16540,7 @@
             </p14:xfrm>
           </p:contentPart>
         </mc:Choice>
-        <mc:Fallback>
+        <mc:Fallback xmlns="">
           <p:pic>
             <p:nvPicPr>
               <p:cNvPr id="259" name="Ink 258">
@@ -19042,8 +19047,8 @@
           </a:extLst>
         </p:spPr>
       </p:pic>
-      <mc:AlternateContent xmlns:mc="http://schemas.openxmlformats.org/markup-compatibility/2006">
-        <mc:Choice xmlns:p14="http://schemas.microsoft.com/office/powerpoint/2010/main" Requires="p14">
+      <mc:AlternateContent xmlns:mc="http://schemas.openxmlformats.org/markup-compatibility/2006" xmlns:p14="http://schemas.microsoft.com/office/powerpoint/2010/main">
+        <mc:Choice Requires="p14">
           <p:contentPart p14:bwMode="auto" r:id="rId4">
             <p14:nvContentPartPr>
               <p14:cNvPr id="38" name="Ink 37">
@@ -19062,7 +19067,7 @@
             </p14:xfrm>
           </p:contentPart>
         </mc:Choice>
-        <mc:Fallback>
+        <mc:Fallback xmlns="">
           <p:pic>
             <p:nvPicPr>
               <p:cNvPr id="38" name="Ink 37">
@@ -19093,8 +19098,8 @@
           </p:pic>
         </mc:Fallback>
       </mc:AlternateContent>
-      <mc:AlternateContent xmlns:mc="http://schemas.openxmlformats.org/markup-compatibility/2006">
-        <mc:Choice xmlns:p14="http://schemas.microsoft.com/office/powerpoint/2010/main" Requires="p14">
+      <mc:AlternateContent xmlns:mc="http://schemas.openxmlformats.org/markup-compatibility/2006" xmlns:p14="http://schemas.microsoft.com/office/powerpoint/2010/main">
+        <mc:Choice Requires="p14">
           <p:contentPart p14:bwMode="auto" r:id="rId6">
             <p14:nvContentPartPr>
               <p14:cNvPr id="52" name="Ink 51">
@@ -19113,7 +19118,7 @@
             </p14:xfrm>
           </p:contentPart>
         </mc:Choice>
-        <mc:Fallback>
+        <mc:Fallback xmlns="">
           <p:pic>
             <p:nvPicPr>
               <p:cNvPr id="52" name="Ink 51">
@@ -19144,8 +19149,8 @@
           </p:pic>
         </mc:Fallback>
       </mc:AlternateContent>
-      <mc:AlternateContent xmlns:mc="http://schemas.openxmlformats.org/markup-compatibility/2006">
-        <mc:Choice xmlns:p14="http://schemas.microsoft.com/office/powerpoint/2010/main" Requires="p14">
+      <mc:AlternateContent xmlns:mc="http://schemas.openxmlformats.org/markup-compatibility/2006" xmlns:p14="http://schemas.microsoft.com/office/powerpoint/2010/main">
+        <mc:Choice Requires="p14">
           <p:contentPart p14:bwMode="auto" r:id="rId8">
             <p14:nvContentPartPr>
               <p14:cNvPr id="117" name="Ink 116">
@@ -19164,7 +19169,7 @@
             </p14:xfrm>
           </p:contentPart>
         </mc:Choice>
-        <mc:Fallback>
+        <mc:Fallback xmlns="">
           <p:pic>
             <p:nvPicPr>
               <p:cNvPr id="117" name="Ink 116">
@@ -19195,8 +19200,8 @@
           </p:pic>
         </mc:Fallback>
       </mc:AlternateContent>
-      <mc:AlternateContent xmlns:mc="http://schemas.openxmlformats.org/markup-compatibility/2006">
-        <mc:Choice xmlns:p14="http://schemas.microsoft.com/office/powerpoint/2010/main" Requires="p14">
+      <mc:AlternateContent xmlns:mc="http://schemas.openxmlformats.org/markup-compatibility/2006" xmlns:p14="http://schemas.microsoft.com/office/powerpoint/2010/main">
+        <mc:Choice Requires="p14">
           <p:contentPart p14:bwMode="auto" r:id="rId10">
             <p14:nvContentPartPr>
               <p14:cNvPr id="134" name="Ink 133">
@@ -19215,7 +19220,7 @@
             </p14:xfrm>
           </p:contentPart>
         </mc:Choice>
-        <mc:Fallback>
+        <mc:Fallback xmlns="">
           <p:pic>
             <p:nvPicPr>
               <p:cNvPr id="134" name="Ink 133">
@@ -19246,8 +19251,8 @@
           </p:pic>
         </mc:Fallback>
       </mc:AlternateContent>
-      <mc:AlternateContent xmlns:mc="http://schemas.openxmlformats.org/markup-compatibility/2006">
-        <mc:Choice xmlns:p14="http://schemas.microsoft.com/office/powerpoint/2010/main" Requires="p14">
+      <mc:AlternateContent xmlns:mc="http://schemas.openxmlformats.org/markup-compatibility/2006" xmlns:p14="http://schemas.microsoft.com/office/powerpoint/2010/main">
+        <mc:Choice Requires="p14">
           <p:contentPart p14:bwMode="auto" r:id="rId12">
             <p14:nvContentPartPr>
               <p14:cNvPr id="187" name="Ink 186">
@@ -19266,7 +19271,7 @@
             </p14:xfrm>
           </p:contentPart>
         </mc:Choice>
-        <mc:Fallback>
+        <mc:Fallback xmlns="">
           <p:pic>
             <p:nvPicPr>
               <p:cNvPr id="187" name="Ink 186">
@@ -19297,8 +19302,8 @@
           </p:pic>
         </mc:Fallback>
       </mc:AlternateContent>
-      <mc:AlternateContent xmlns:mc="http://schemas.openxmlformats.org/markup-compatibility/2006">
-        <mc:Choice xmlns:p14="http://schemas.microsoft.com/office/powerpoint/2010/main" Requires="p14">
+      <mc:AlternateContent xmlns:mc="http://schemas.openxmlformats.org/markup-compatibility/2006" xmlns:p14="http://schemas.microsoft.com/office/powerpoint/2010/main">
+        <mc:Choice Requires="p14">
           <p:contentPart p14:bwMode="auto" r:id="rId14">
             <p14:nvContentPartPr>
               <p14:cNvPr id="208" name="Ink 207">
@@ -19317,7 +19322,7 @@
             </p14:xfrm>
           </p:contentPart>
         </mc:Choice>
-        <mc:Fallback>
+        <mc:Fallback xmlns="">
           <p:pic>
             <p:nvPicPr>
               <p:cNvPr id="208" name="Ink 207">
@@ -19348,8 +19353,8 @@
           </p:pic>
         </mc:Fallback>
       </mc:AlternateContent>
-      <mc:AlternateContent xmlns:mc="http://schemas.openxmlformats.org/markup-compatibility/2006">
-        <mc:Choice xmlns:p14="http://schemas.microsoft.com/office/powerpoint/2010/main" Requires="p14">
+      <mc:AlternateContent xmlns:mc="http://schemas.openxmlformats.org/markup-compatibility/2006" xmlns:p14="http://schemas.microsoft.com/office/powerpoint/2010/main">
+        <mc:Choice Requires="p14">
           <p:contentPart p14:bwMode="auto" r:id="rId16">
             <p14:nvContentPartPr>
               <p14:cNvPr id="219" name="Ink 218">
@@ -19368,7 +19373,7 @@
             </p14:xfrm>
           </p:contentPart>
         </mc:Choice>
-        <mc:Fallback>
+        <mc:Fallback xmlns="">
           <p:pic>
             <p:nvPicPr>
               <p:cNvPr id="219" name="Ink 218">
@@ -19399,8 +19404,8 @@
           </p:pic>
         </mc:Fallback>
       </mc:AlternateContent>
-      <mc:AlternateContent xmlns:mc="http://schemas.openxmlformats.org/markup-compatibility/2006">
-        <mc:Choice xmlns:p14="http://schemas.microsoft.com/office/powerpoint/2010/main" Requires="p14">
+      <mc:AlternateContent xmlns:mc="http://schemas.openxmlformats.org/markup-compatibility/2006" xmlns:p14="http://schemas.microsoft.com/office/powerpoint/2010/main">
+        <mc:Choice Requires="p14">
           <p:contentPart p14:bwMode="auto" r:id="rId18">
             <p14:nvContentPartPr>
               <p14:cNvPr id="238" name="Ink 237">
@@ -19419,7 +19424,7 @@
             </p14:xfrm>
           </p:contentPart>
         </mc:Choice>
-        <mc:Fallback>
+        <mc:Fallback xmlns="">
           <p:pic>
             <p:nvPicPr>
               <p:cNvPr id="238" name="Ink 237">
@@ -19450,8 +19455,8 @@
           </p:pic>
         </mc:Fallback>
       </mc:AlternateContent>
-      <mc:AlternateContent xmlns:mc="http://schemas.openxmlformats.org/markup-compatibility/2006">
-        <mc:Choice xmlns:p14="http://schemas.microsoft.com/office/powerpoint/2010/main" Requires="p14">
+      <mc:AlternateContent xmlns:mc="http://schemas.openxmlformats.org/markup-compatibility/2006" xmlns:p14="http://schemas.microsoft.com/office/powerpoint/2010/main">
+        <mc:Choice Requires="p14">
           <p:contentPart p14:bwMode="auto" r:id="rId20">
             <p14:nvContentPartPr>
               <p14:cNvPr id="320" name="Ink 319">
@@ -19470,7 +19475,7 @@
             </p14:xfrm>
           </p:contentPart>
         </mc:Choice>
-        <mc:Fallback>
+        <mc:Fallback xmlns="">
           <p:pic>
             <p:nvPicPr>
               <p:cNvPr id="320" name="Ink 319">
@@ -19501,8 +19506,8 @@
           </p:pic>
         </mc:Fallback>
       </mc:AlternateContent>
-      <mc:AlternateContent xmlns:mc="http://schemas.openxmlformats.org/markup-compatibility/2006">
-        <mc:Choice xmlns:p14="http://schemas.microsoft.com/office/powerpoint/2010/main" Requires="p14">
+      <mc:AlternateContent xmlns:mc="http://schemas.openxmlformats.org/markup-compatibility/2006" xmlns:p14="http://schemas.microsoft.com/office/powerpoint/2010/main">
+        <mc:Choice Requires="p14">
           <p:contentPart p14:bwMode="auto" r:id="rId22">
             <p14:nvContentPartPr>
               <p14:cNvPr id="323" name="Ink 322">
@@ -19521,7 +19526,7 @@
             </p14:xfrm>
           </p:contentPart>
         </mc:Choice>
-        <mc:Fallback>
+        <mc:Fallback xmlns="">
           <p:pic>
             <p:nvPicPr>
               <p:cNvPr id="323" name="Ink 322">
@@ -19630,8 +19635,8 @@
           </a:extLst>
         </p:spPr>
       </p:pic>
-      <mc:AlternateContent xmlns:mc="http://schemas.openxmlformats.org/markup-compatibility/2006">
-        <mc:Choice xmlns:p14="http://schemas.microsoft.com/office/powerpoint/2010/main" Requires="p14">
+      <mc:AlternateContent xmlns:mc="http://schemas.openxmlformats.org/markup-compatibility/2006" xmlns:p14="http://schemas.microsoft.com/office/powerpoint/2010/main">
+        <mc:Choice Requires="p14">
           <p:contentPart p14:bwMode="auto" r:id="rId4">
             <p14:nvContentPartPr>
               <p14:cNvPr id="2" name="Ink 1">
@@ -19650,7 +19655,7 @@
             </p14:xfrm>
           </p:contentPart>
         </mc:Choice>
-        <mc:Fallback>
+        <mc:Fallback xmlns="">
           <p:pic>
             <p:nvPicPr>
               <p:cNvPr id="2" name="Ink 1">
@@ -19681,8 +19686,8 @@
           </p:pic>
         </mc:Fallback>
       </mc:AlternateContent>
-      <mc:AlternateContent xmlns:mc="http://schemas.openxmlformats.org/markup-compatibility/2006">
-        <mc:Choice xmlns:p14="http://schemas.microsoft.com/office/powerpoint/2010/main" Requires="p14">
+      <mc:AlternateContent xmlns:mc="http://schemas.openxmlformats.org/markup-compatibility/2006" xmlns:p14="http://schemas.microsoft.com/office/powerpoint/2010/main">
+        <mc:Choice Requires="p14">
           <p:contentPart p14:bwMode="auto" r:id="rId6">
             <p14:nvContentPartPr>
               <p14:cNvPr id="129" name="Ink 128">
@@ -19701,7 +19706,7 @@
             </p14:xfrm>
           </p:contentPart>
         </mc:Choice>
-        <mc:Fallback>
+        <mc:Fallback xmlns="">
           <p:pic>
             <p:nvPicPr>
               <p:cNvPr id="129" name="Ink 128">
@@ -19732,8 +19737,8 @@
           </p:pic>
         </mc:Fallback>
       </mc:AlternateContent>
-      <mc:AlternateContent xmlns:mc="http://schemas.openxmlformats.org/markup-compatibility/2006">
-        <mc:Choice xmlns:p14="http://schemas.microsoft.com/office/powerpoint/2010/main" Requires="p14">
+      <mc:AlternateContent xmlns:mc="http://schemas.openxmlformats.org/markup-compatibility/2006" xmlns:p14="http://schemas.microsoft.com/office/powerpoint/2010/main">
+        <mc:Choice Requires="p14">
           <p:contentPart p14:bwMode="auto" r:id="rId8">
             <p14:nvContentPartPr>
               <p14:cNvPr id="130" name="Ink 129">
@@ -19752,7 +19757,7 @@
             </p14:xfrm>
           </p:contentPart>
         </mc:Choice>
-        <mc:Fallback>
+        <mc:Fallback xmlns="">
           <p:pic>
             <p:nvPicPr>
               <p:cNvPr id="130" name="Ink 129">
@@ -19783,8 +19788,8 @@
           </p:pic>
         </mc:Fallback>
       </mc:AlternateContent>
-      <mc:AlternateContent xmlns:mc="http://schemas.openxmlformats.org/markup-compatibility/2006">
-        <mc:Choice xmlns:p14="http://schemas.microsoft.com/office/powerpoint/2010/main" Requires="p14">
+      <mc:AlternateContent xmlns:mc="http://schemas.openxmlformats.org/markup-compatibility/2006" xmlns:p14="http://schemas.microsoft.com/office/powerpoint/2010/main">
+        <mc:Choice Requires="p14">
           <p:contentPart p14:bwMode="auto" r:id="rId10">
             <p14:nvContentPartPr>
               <p14:cNvPr id="131" name="Ink 130">
@@ -19803,7 +19808,7 @@
             </p14:xfrm>
           </p:contentPart>
         </mc:Choice>
-        <mc:Fallback>
+        <mc:Fallback xmlns="">
           <p:pic>
             <p:nvPicPr>
               <p:cNvPr id="131" name="Ink 130">
@@ -19834,8 +19839,8 @@
           </p:pic>
         </mc:Fallback>
       </mc:AlternateContent>
-      <mc:AlternateContent xmlns:mc="http://schemas.openxmlformats.org/markup-compatibility/2006">
-        <mc:Choice xmlns:p14="http://schemas.microsoft.com/office/powerpoint/2010/main" Requires="p14">
+      <mc:AlternateContent xmlns:mc="http://schemas.openxmlformats.org/markup-compatibility/2006" xmlns:p14="http://schemas.microsoft.com/office/powerpoint/2010/main">
+        <mc:Choice Requires="p14">
           <p:contentPart p14:bwMode="auto" r:id="rId12">
             <p14:nvContentPartPr>
               <p14:cNvPr id="169" name="Ink 168">
@@ -19854,7 +19859,7 @@
             </p14:xfrm>
           </p:contentPart>
         </mc:Choice>
-        <mc:Fallback>
+        <mc:Fallback xmlns="">
           <p:pic>
             <p:nvPicPr>
               <p:cNvPr id="169" name="Ink 168">
@@ -19885,8 +19890,8 @@
           </p:pic>
         </mc:Fallback>
       </mc:AlternateContent>
-      <mc:AlternateContent xmlns:mc="http://schemas.openxmlformats.org/markup-compatibility/2006">
-        <mc:Choice xmlns:p14="http://schemas.microsoft.com/office/powerpoint/2010/main" Requires="p14">
+      <mc:AlternateContent xmlns:mc="http://schemas.openxmlformats.org/markup-compatibility/2006" xmlns:p14="http://schemas.microsoft.com/office/powerpoint/2010/main">
+        <mc:Choice Requires="p14">
           <p:contentPart p14:bwMode="auto" r:id="rId14">
             <p14:nvContentPartPr>
               <p14:cNvPr id="172" name="Ink 171">
@@ -19905,7 +19910,7 @@
             </p14:xfrm>
           </p:contentPart>
         </mc:Choice>
-        <mc:Fallback>
+        <mc:Fallback xmlns="">
           <p:pic>
             <p:nvPicPr>
               <p:cNvPr id="172" name="Ink 171">
@@ -19936,8 +19941,8 @@
           </p:pic>
         </mc:Fallback>
       </mc:AlternateContent>
-      <mc:AlternateContent xmlns:mc="http://schemas.openxmlformats.org/markup-compatibility/2006">
-        <mc:Choice xmlns:p14="http://schemas.microsoft.com/office/powerpoint/2010/main" Requires="p14">
+      <mc:AlternateContent xmlns:mc="http://schemas.openxmlformats.org/markup-compatibility/2006" xmlns:p14="http://schemas.microsoft.com/office/powerpoint/2010/main">
+        <mc:Choice Requires="p14">
           <p:contentPart p14:bwMode="auto" r:id="rId16">
             <p14:nvContentPartPr>
               <p14:cNvPr id="187" name="Ink 186">
@@ -19956,7 +19961,7 @@
             </p14:xfrm>
           </p:contentPart>
         </mc:Choice>
-        <mc:Fallback>
+        <mc:Fallback xmlns="">
           <p:pic>
             <p:nvPicPr>
               <p:cNvPr id="187" name="Ink 186">
@@ -19987,8 +19992,8 @@
           </p:pic>
         </mc:Fallback>
       </mc:AlternateContent>
-      <mc:AlternateContent xmlns:mc="http://schemas.openxmlformats.org/markup-compatibility/2006">
-        <mc:Choice xmlns:p14="http://schemas.microsoft.com/office/powerpoint/2010/main" Requires="p14">
+      <mc:AlternateContent xmlns:mc="http://schemas.openxmlformats.org/markup-compatibility/2006" xmlns:p14="http://schemas.microsoft.com/office/powerpoint/2010/main">
+        <mc:Choice Requires="p14">
           <p:contentPart p14:bwMode="auto" r:id="rId18">
             <p14:nvContentPartPr>
               <p14:cNvPr id="228" name="Ink 227">
@@ -20007,7 +20012,7 @@
             </p14:xfrm>
           </p:contentPart>
         </mc:Choice>
-        <mc:Fallback>
+        <mc:Fallback xmlns="">
           <p:pic>
             <p:nvPicPr>
               <p:cNvPr id="228" name="Ink 227">
@@ -20038,8 +20043,8 @@
           </p:pic>
         </mc:Fallback>
       </mc:AlternateContent>
-      <mc:AlternateContent xmlns:mc="http://schemas.openxmlformats.org/markup-compatibility/2006">
-        <mc:Choice xmlns:p14="http://schemas.microsoft.com/office/powerpoint/2010/main" Requires="p14">
+      <mc:AlternateContent xmlns:mc="http://schemas.openxmlformats.org/markup-compatibility/2006" xmlns:p14="http://schemas.microsoft.com/office/powerpoint/2010/main">
+        <mc:Choice Requires="p14">
           <p:contentPart p14:bwMode="auto" r:id="rId20">
             <p14:nvContentPartPr>
               <p14:cNvPr id="231" name="Ink 230">
@@ -20058,7 +20063,7 @@
             </p14:xfrm>
           </p:contentPart>
         </mc:Choice>
-        <mc:Fallback>
+        <mc:Fallback xmlns="">
           <p:pic>
             <p:nvPicPr>
               <p:cNvPr id="231" name="Ink 230">
@@ -20089,8 +20094,8 @@
           </p:pic>
         </mc:Fallback>
       </mc:AlternateContent>
-      <mc:AlternateContent xmlns:mc="http://schemas.openxmlformats.org/markup-compatibility/2006">
-        <mc:Choice xmlns:p14="http://schemas.microsoft.com/office/powerpoint/2010/main" Requires="p14">
+      <mc:AlternateContent xmlns:mc="http://schemas.openxmlformats.org/markup-compatibility/2006" xmlns:p14="http://schemas.microsoft.com/office/powerpoint/2010/main">
+        <mc:Choice Requires="p14">
           <p:contentPart p14:bwMode="auto" r:id="rId22">
             <p14:nvContentPartPr>
               <p14:cNvPr id="245" name="Ink 244">
@@ -20109,7 +20114,7 @@
             </p14:xfrm>
           </p:contentPart>
         </mc:Choice>
-        <mc:Fallback>
+        <mc:Fallback xmlns="">
           <p:pic>
             <p:nvPicPr>
               <p:cNvPr id="245" name="Ink 244">
@@ -20140,8 +20145,8 @@
           </p:pic>
         </mc:Fallback>
       </mc:AlternateContent>
-      <mc:AlternateContent xmlns:mc="http://schemas.openxmlformats.org/markup-compatibility/2006">
-        <mc:Choice xmlns:p14="http://schemas.microsoft.com/office/powerpoint/2010/main" Requires="p14">
+      <mc:AlternateContent xmlns:mc="http://schemas.openxmlformats.org/markup-compatibility/2006" xmlns:p14="http://schemas.microsoft.com/office/powerpoint/2010/main">
+        <mc:Choice Requires="p14">
           <p:contentPart p14:bwMode="auto" r:id="rId24">
             <p14:nvContentPartPr>
               <p14:cNvPr id="248" name="Ink 247">
@@ -20160,7 +20165,7 @@
             </p14:xfrm>
           </p:contentPart>
         </mc:Choice>
-        <mc:Fallback>
+        <mc:Fallback xmlns="">
           <p:pic>
             <p:nvPicPr>
               <p:cNvPr id="248" name="Ink 247">
@@ -20191,8 +20196,8 @@
           </p:pic>
         </mc:Fallback>
       </mc:AlternateContent>
-      <mc:AlternateContent xmlns:mc="http://schemas.openxmlformats.org/markup-compatibility/2006">
-        <mc:Choice xmlns:p14="http://schemas.microsoft.com/office/powerpoint/2010/main" Requires="p14">
+      <mc:AlternateContent xmlns:mc="http://schemas.openxmlformats.org/markup-compatibility/2006" xmlns:p14="http://schemas.microsoft.com/office/powerpoint/2010/main">
+        <mc:Choice Requires="p14">
           <p:contentPart p14:bwMode="auto" r:id="rId26">
             <p14:nvContentPartPr>
               <p14:cNvPr id="278" name="Ink 277">
@@ -20211,7 +20216,7 @@
             </p14:xfrm>
           </p:contentPart>
         </mc:Choice>
-        <mc:Fallback>
+        <mc:Fallback xmlns="">
           <p:pic>
             <p:nvPicPr>
               <p:cNvPr id="278" name="Ink 277">
@@ -20242,8 +20247,8 @@
           </p:pic>
         </mc:Fallback>
       </mc:AlternateContent>
-      <mc:AlternateContent xmlns:mc="http://schemas.openxmlformats.org/markup-compatibility/2006">
-        <mc:Choice xmlns:p14="http://schemas.microsoft.com/office/powerpoint/2010/main" Requires="p14">
+      <mc:AlternateContent xmlns:mc="http://schemas.openxmlformats.org/markup-compatibility/2006" xmlns:p14="http://schemas.microsoft.com/office/powerpoint/2010/main">
+        <mc:Choice Requires="p14">
           <p:contentPart p14:bwMode="auto" r:id="rId28">
             <p14:nvContentPartPr>
               <p14:cNvPr id="283" name="Ink 282">
@@ -20262,7 +20267,7 @@
             </p14:xfrm>
           </p:contentPart>
         </mc:Choice>
-        <mc:Fallback>
+        <mc:Fallback xmlns="">
           <p:pic>
             <p:nvPicPr>
               <p:cNvPr id="283" name="Ink 282">
@@ -20293,8 +20298,8 @@
           </p:pic>
         </mc:Fallback>
       </mc:AlternateContent>
-      <mc:AlternateContent xmlns:mc="http://schemas.openxmlformats.org/markup-compatibility/2006">
-        <mc:Choice xmlns:p14="http://schemas.microsoft.com/office/powerpoint/2010/main" Requires="p14">
+      <mc:AlternateContent xmlns:mc="http://schemas.openxmlformats.org/markup-compatibility/2006" xmlns:p14="http://schemas.microsoft.com/office/powerpoint/2010/main">
+        <mc:Choice Requires="p14">
           <p:contentPart p14:bwMode="auto" r:id="rId30">
             <p14:nvContentPartPr>
               <p14:cNvPr id="291" name="Ink 290">
@@ -20313,7 +20318,7 @@
             </p14:xfrm>
           </p:contentPart>
         </mc:Choice>
-        <mc:Fallback>
+        <mc:Fallback xmlns="">
           <p:pic>
             <p:nvPicPr>
               <p:cNvPr id="291" name="Ink 290">
@@ -20344,8 +20349,8 @@
           </p:pic>
         </mc:Fallback>
       </mc:AlternateContent>
-      <mc:AlternateContent xmlns:mc="http://schemas.openxmlformats.org/markup-compatibility/2006">
-        <mc:Choice xmlns:p14="http://schemas.microsoft.com/office/powerpoint/2010/main" Requires="p14">
+      <mc:AlternateContent xmlns:mc="http://schemas.openxmlformats.org/markup-compatibility/2006" xmlns:p14="http://schemas.microsoft.com/office/powerpoint/2010/main">
+        <mc:Choice Requires="p14">
           <p:contentPart p14:bwMode="auto" r:id="rId32">
             <p14:nvContentPartPr>
               <p14:cNvPr id="332" name="Ink 331">
@@ -20364,7 +20369,7 @@
             </p14:xfrm>
           </p:contentPart>
         </mc:Choice>
-        <mc:Fallback>
+        <mc:Fallback xmlns="">
           <p:pic>
             <p:nvPicPr>
               <p:cNvPr id="332" name="Ink 331">
@@ -20395,8 +20400,8 @@
           </p:pic>
         </mc:Fallback>
       </mc:AlternateContent>
-      <mc:AlternateContent xmlns:mc="http://schemas.openxmlformats.org/markup-compatibility/2006">
-        <mc:Choice xmlns:p14="http://schemas.microsoft.com/office/powerpoint/2010/main" Requires="p14">
+      <mc:AlternateContent xmlns:mc="http://schemas.openxmlformats.org/markup-compatibility/2006" xmlns:p14="http://schemas.microsoft.com/office/powerpoint/2010/main">
+        <mc:Choice Requires="p14">
           <p:contentPart p14:bwMode="auto" r:id="rId34">
             <p14:nvContentPartPr>
               <p14:cNvPr id="367" name="Ink 366">
@@ -20415,7 +20420,7 @@
             </p14:xfrm>
           </p:contentPart>
         </mc:Choice>
-        <mc:Fallback>
+        <mc:Fallback xmlns="">
           <p:pic>
             <p:nvPicPr>
               <p:cNvPr id="367" name="Ink 366">
@@ -20446,8 +20451,8 @@
           </p:pic>
         </mc:Fallback>
       </mc:AlternateContent>
-      <mc:AlternateContent xmlns:mc="http://schemas.openxmlformats.org/markup-compatibility/2006">
-        <mc:Choice xmlns:p14="http://schemas.microsoft.com/office/powerpoint/2010/main" Requires="p14">
+      <mc:AlternateContent xmlns:mc="http://schemas.openxmlformats.org/markup-compatibility/2006" xmlns:p14="http://schemas.microsoft.com/office/powerpoint/2010/main">
+        <mc:Choice Requires="p14">
           <p:contentPart p14:bwMode="auto" r:id="rId36">
             <p14:nvContentPartPr>
               <p14:cNvPr id="436" name="Ink 435">
@@ -20466,7 +20471,7 @@
             </p14:xfrm>
           </p:contentPart>
         </mc:Choice>
-        <mc:Fallback>
+        <mc:Fallback xmlns="">
           <p:pic>
             <p:nvPicPr>
               <p:cNvPr id="436" name="Ink 435">
@@ -20497,8 +20502,8 @@
           </p:pic>
         </mc:Fallback>
       </mc:AlternateContent>
-      <mc:AlternateContent xmlns:mc="http://schemas.openxmlformats.org/markup-compatibility/2006">
-        <mc:Choice xmlns:p14="http://schemas.microsoft.com/office/powerpoint/2010/main" Requires="p14">
+      <mc:AlternateContent xmlns:mc="http://schemas.openxmlformats.org/markup-compatibility/2006" xmlns:p14="http://schemas.microsoft.com/office/powerpoint/2010/main">
+        <mc:Choice Requires="p14">
           <p:contentPart p14:bwMode="auto" r:id="rId38">
             <p14:nvContentPartPr>
               <p14:cNvPr id="466" name="Ink 465">
@@ -20517,7 +20522,7 @@
             </p14:xfrm>
           </p:contentPart>
         </mc:Choice>
-        <mc:Fallback>
+        <mc:Fallback xmlns="">
           <p:pic>
             <p:nvPicPr>
               <p:cNvPr id="466" name="Ink 465">
@@ -20548,8 +20553,8 @@
           </p:pic>
         </mc:Fallback>
       </mc:AlternateContent>
-      <mc:AlternateContent xmlns:mc="http://schemas.openxmlformats.org/markup-compatibility/2006">
-        <mc:Choice xmlns:p14="http://schemas.microsoft.com/office/powerpoint/2010/main" Requires="p14">
+      <mc:AlternateContent xmlns:mc="http://schemas.openxmlformats.org/markup-compatibility/2006" xmlns:p14="http://schemas.microsoft.com/office/powerpoint/2010/main">
+        <mc:Choice Requires="p14">
           <p:contentPart p14:bwMode="auto" r:id="rId40">
             <p14:nvContentPartPr>
               <p14:cNvPr id="481" name="Ink 480">
@@ -20568,7 +20573,7 @@
             </p14:xfrm>
           </p:contentPart>
         </mc:Choice>
-        <mc:Fallback>
+        <mc:Fallback xmlns="">
           <p:pic>
             <p:nvPicPr>
               <p:cNvPr id="481" name="Ink 480">
@@ -20677,8 +20682,8 @@
           </a:extLst>
         </p:spPr>
       </p:pic>
-      <mc:AlternateContent xmlns:mc="http://schemas.openxmlformats.org/markup-compatibility/2006">
-        <mc:Choice xmlns:p14="http://schemas.microsoft.com/office/powerpoint/2010/main" Requires="p14">
+      <mc:AlternateContent xmlns:mc="http://schemas.openxmlformats.org/markup-compatibility/2006" xmlns:p14="http://schemas.microsoft.com/office/powerpoint/2010/main">
+        <mc:Choice Requires="p14">
           <p:contentPart p14:bwMode="auto" r:id="rId4">
             <p14:nvContentPartPr>
               <p14:cNvPr id="47" name="Ink 46">
@@ -20697,7 +20702,7 @@
             </p14:xfrm>
           </p:contentPart>
         </mc:Choice>
-        <mc:Fallback>
+        <mc:Fallback xmlns="">
           <p:pic>
             <p:nvPicPr>
               <p:cNvPr id="47" name="Ink 46">
@@ -20728,8 +20733,8 @@
           </p:pic>
         </mc:Fallback>
       </mc:AlternateContent>
-      <mc:AlternateContent xmlns:mc="http://schemas.openxmlformats.org/markup-compatibility/2006">
-        <mc:Choice xmlns:p14="http://schemas.microsoft.com/office/powerpoint/2010/main" Requires="p14">
+      <mc:AlternateContent xmlns:mc="http://schemas.openxmlformats.org/markup-compatibility/2006" xmlns:p14="http://schemas.microsoft.com/office/powerpoint/2010/main">
+        <mc:Choice Requires="p14">
           <p:contentPart p14:bwMode="auto" r:id="rId6">
             <p14:nvContentPartPr>
               <p14:cNvPr id="59" name="Ink 58">
@@ -20748,7 +20753,7 @@
             </p14:xfrm>
           </p:contentPart>
         </mc:Choice>
-        <mc:Fallback>
+        <mc:Fallback xmlns="">
           <p:pic>
             <p:nvPicPr>
               <p:cNvPr id="59" name="Ink 58">
@@ -20779,8 +20784,8 @@
           </p:pic>
         </mc:Fallback>
       </mc:AlternateContent>
-      <mc:AlternateContent xmlns:mc="http://schemas.openxmlformats.org/markup-compatibility/2006">
-        <mc:Choice xmlns:p14="http://schemas.microsoft.com/office/powerpoint/2010/main" Requires="p14">
+      <mc:AlternateContent xmlns:mc="http://schemas.openxmlformats.org/markup-compatibility/2006" xmlns:p14="http://schemas.microsoft.com/office/powerpoint/2010/main">
+        <mc:Choice Requires="p14">
           <p:contentPart p14:bwMode="auto" r:id="rId8">
             <p14:nvContentPartPr>
               <p14:cNvPr id="60" name="Ink 59">
@@ -20799,7 +20804,7 @@
             </p14:xfrm>
           </p:contentPart>
         </mc:Choice>
-        <mc:Fallback>
+        <mc:Fallback xmlns="">
           <p:pic>
             <p:nvPicPr>
               <p:cNvPr id="60" name="Ink 59">
@@ -20830,8 +20835,8 @@
           </p:pic>
         </mc:Fallback>
       </mc:AlternateContent>
-      <mc:AlternateContent xmlns:mc="http://schemas.openxmlformats.org/markup-compatibility/2006">
-        <mc:Choice xmlns:p14="http://schemas.microsoft.com/office/powerpoint/2010/main" Requires="p14">
+      <mc:AlternateContent xmlns:mc="http://schemas.openxmlformats.org/markup-compatibility/2006" xmlns:p14="http://schemas.microsoft.com/office/powerpoint/2010/main">
+        <mc:Choice Requires="p14">
           <p:contentPart p14:bwMode="auto" r:id="rId10">
             <p14:nvContentPartPr>
               <p14:cNvPr id="71" name="Ink 70">
@@ -20850,7 +20855,7 @@
             </p14:xfrm>
           </p:contentPart>
         </mc:Choice>
-        <mc:Fallback>
+        <mc:Fallback xmlns="">
           <p:pic>
             <p:nvPicPr>
               <p:cNvPr id="71" name="Ink 70">
@@ -20881,8 +20886,8 @@
           </p:pic>
         </mc:Fallback>
       </mc:AlternateContent>
-      <mc:AlternateContent xmlns:mc="http://schemas.openxmlformats.org/markup-compatibility/2006">
-        <mc:Choice xmlns:p14="http://schemas.microsoft.com/office/powerpoint/2010/main" Requires="p14">
+      <mc:AlternateContent xmlns:mc="http://schemas.openxmlformats.org/markup-compatibility/2006" xmlns:p14="http://schemas.microsoft.com/office/powerpoint/2010/main">
+        <mc:Choice Requires="p14">
           <p:contentPart p14:bwMode="auto" r:id="rId12">
             <p14:nvContentPartPr>
               <p14:cNvPr id="75" name="Ink 74">
@@ -20901,7 +20906,7 @@
             </p14:xfrm>
           </p:contentPart>
         </mc:Choice>
-        <mc:Fallback>
+        <mc:Fallback xmlns="">
           <p:pic>
             <p:nvPicPr>
               <p:cNvPr id="75" name="Ink 74">

--- a/day 1/Day 1 Whiteboard.pptx
+++ b/day 1/Day 1 Whiteboard.pptx
@@ -26,12 +26,6 @@
     <p:sldId id="274" r:id="rId20"/>
     <p:sldId id="275" r:id="rId21"/>
     <p:sldId id="276" r:id="rId22"/>
-    <p:sldId id="277" r:id="rId23"/>
-    <p:sldId id="278" r:id="rId24"/>
-    <p:sldId id="279" r:id="rId25"/>
-    <p:sldId id="280" r:id="rId26"/>
-    <p:sldId id="281" r:id="rId27"/>
-    <p:sldId id="282" r:id="rId28"/>
   </p:sldIdLst>
   <p:sldSz cx="12192000" cy="6858000"/>
   <p:notesSz cx="6858000" cy="9144000"/>
@@ -1332,13 +1326,13 @@
   <inkml:trace contextRef="#ctx0" brushRef="#br0" timeOffset="-9853.65">813 589 0,'0'-24'16,"0"-1"-16,0 50 46,0-1-30,0 0 0,0 25-16,24-24 0,-24 24 15,0-1-15,25 1 16,-1 0-16,0 0 0,1-25 16,-1 25-16,1-24 0,24-1 15,-25-24-15,25 0 16,0 0-16,-25-24 0,25 24 15,-25-25-15,25-24 16,-24 25-16,-1-25 0,1 25 16,-25-25-16,0 0 0,0 0 15,0 0-15,-25 0 16,1 25-16,-1-25 0,1 25 16,-1-1-16,1 1 15,24-1-15,-24 25 0,-1 0 16,25 25-1,0-1 1,25-24-16</inkml:trace>
   <inkml:trace contextRef="#ctx0" brushRef="#br0" timeOffset="-9123.65">1570 442 0,'24'0'0,"1"0"47,-25 25-47,24-1 16,-24 1-16,25 24 15,-25-25-15,0 25 0,24-25 16,-24 25-16,24 0 15,-24 0-15,25 0 0,-25-25 16,0 25-16,0-25 16,24 1-16,-24-1 15,0-48 17,0-1-32,0 1 15,0-25-15,-24 25 16,24-25-16,0 0 0,-25 0 15,25 0-15,-24-24 0,0 24 16,24 0-16,0-24 16,-25 24-16,25 0 0,0 25 15,25-25-15,-25 25 16,24-1-16,0 25 0,1-24 16,-1 24-16,1 0 0,-1 0 15,1 0-15,-1 24 16,0-24-16,1 25 0,-1-1 15,-24 0-15,25 25 16,-25-24-16,0-1 0,0 25 16,-25-25-16,25 1 0,-24-1 15,-1 1-15,1-1 16,0 1-16,-1-1 16,1-24-1,-1-24-15,25-1 16,25 25 15,-1 0-15,1 0-16,-1 25 0,0-1 15,25 0-15,-24 1 16,-1-1-16,25 1 0,-25-1 16,1 1-16,24-25 15,-49 24-15,24 0 0,0-24 16,-24 25-16,25-25 15</inkml:trace>
   <inkml:trace contextRef="#ctx0" brushRef="#br0" timeOffset="-8373.65">2303 271 0,'-25'-24'15,"1"24"-15,-1 0 16,1 0-16,24 24 31,0 1-31,24-25 0,-24 24 16,25 25-16,-1-24 16,-24 23-16,25-23 0,-25 24 15,24 0-15,-24-25 0,24 25 16,-24-25-16,25 1 15,-25-1-15,0 1 0,0-1 16,24 0-16,-24-48 31,0 0-31,0-1 16,-24-24 0,24 25-16,-25-25 0,25 25 15,-24-25-15,0-25 0,-1 26 16,25-1-16,-24-25 15,-1 26-15,25-1 0,0 0 16,0 24-16,0-23 16,0 23-16,25 25 0,-1-24 15,1 24-15,-1 0 16,25 24-16,-25-24 0,1 25 16,-1-1-16,1 0 0,-1 1 15,-24 24-15,24-25 16,-24 25-16,25-25 0,-25 1 15,0-1-15,0 25 16,0-24-16,-25-1 0,1-24 16,24 24-16,-24-24 0,24 25 15,-25-25-15,1 0 16,-1-25 0,25 1-1,0 0-15,25-1 16,-1 1-16,1 24 15,-1 0 1,0 24-16,1 1 16,-1-1-16,1 0 0,-1 1 15,25-1-15,-25 1 16,25 24-16,-24-25 0,23 0 16,-23-24-16,24 25 15,-25-1-15,1-24 0,-1 0 16,0 25-16,1-25 0</inkml:trace>
-  <inkml:trace contextRef="#ctx0" brushRef="#br0" timeOffset="-7633.66">1814 1297 0,'-24'-24'0,"-1"24"32,50 24-1,-1 1-15,-24-1-16,0 25 15,25-25-15,-25 25 16,0 0-16,24 0 0,-24 0 15,0 0-15,24-1 16,-24 1-16,25 0 0,-25 0 16,24 0-16,-24-25 0,25 1 15,-1 23-15,-24-23 16,0-1-16,24-24 0,-24 25 16,25-25-16,-1 24 15,1-24-15,24-24 16,-25 24-16,25-25 15,-25 25-15,25-24 16,0-1-16,24 1 0,-24 24 16,0-24-16,0-1 0,0 25 15,0-24-15,-1 24 16,-23-25-16,-1 25 0,1 0 16,-1-24-16,-24 0 31,-24 24-16</inkml:trace>
+  <inkml:trace contextRef="#ctx0" brushRef="#br0" timeOffset="-7633.67">1814 1297 0,'-24'-24'0,"-1"24"32,50 24-1,-1 1-15,-24-1-16,0 25 15,25-25-15,-25 25 16,0 0-16,24 0 0,-24 0 15,0 0-15,24-1 16,-24 1-16,25 0 0,-25 0 16,24 0-16,-24-25 0,25 1 15,-1 23-15,-24-23 16,0-1-16,24-24 0,-24 25 16,25-25-16,-1 24 15,1-24-15,24-24 16,-25 24-16,25-25 15,-25 25-15,25-24 16,0-1-16,24 1 0,-24 24 16,0-24-16,0-1 0,0 25 15,0-24-15,-1 24 16,-23-25-16,-1 25 0,1 0 16,-1-24-16,-24 0 31,-24 24-16</inkml:trace>
   <inkml:trace contextRef="#ctx0" brushRef="#br0" timeOffset="-7313.65">2596 1688 0,'-25'0'15,"50"0"17,-1 0-32,0 0 15,1 0-15,-1 24 0,25-24 16,-24 25-16,23-25 16,1 24-16,-24 1 0,24-25 15,-25 24-15,0 1 0,1-1 16,-1 0-16,-24 1 15,0-1-15,-24 1 16,24-1-16,-25 1 16,1-1-16,0 0 0,-1-24 15,1 25-15,-1-25 0,1 0 16,-1 0-16</inkml:trace>
   <inkml:trace contextRef="#ctx0" brushRef="#br0" timeOffset="-6883.65">3744 1517 0,'0'-24'0,"0"-1"31,-25 25-31,1 0 16,-1 0-16,1 25 0,-1-25 15,-23 24-15,23 0 16,1-24-16,-1 25 0,1-1 16,-1 25-16,25-24 15,0-1-15,0 25 0,0-25 16,0 25-16,25 0 0,-1-25 15,-24 25-15,25-24 16,24-1-16,-25 1 0,0-1 16,25 0-16,-24 1 0,24-25 15,-1 24-15,-23-24 16,24 0-16,-25 0 0,0-24 16,25 24-16,-49-25 15,25 1-15,-1 24 0,-24-24 16,0-1-16</inkml:trace>
   <inkml:trace contextRef="#ctx0" brushRef="#br0" timeOffset="-6383.65">4134 1566 0,'-24'0'16,"-1"0"0,25 24 31,25 1-47,-25-1 15,24 1-15,-24-1 0,25 25 16,-25-25-16,24 25 15,1-24-15,-1-1 0,0 25 16,1-25-16,-1 1 16,25-25-16,-24 24 0,-1-24 15,0 0-15,1 0 0,-1 0 16,1 0-16,-1-24 16,0-1-16,1 1 0,-1-1 15,-24-23-15,0 23 16,25-24-16,-25 25 0,0-25 15,0 0-15,-25 0 0,25 25 16,-24-1-16,24 1 16,-25 0-16,25-1 0,-24 25 15,24-24-15,-24 24 0,-1 0 32,25 24-17</inkml:trace>
   <inkml:trace contextRef="#ctx0" brushRef="#br0" timeOffset="-6093.65">4818 1346 0,'0'-24'0,"0"48"62,25 0-46,-1 1-16,-24 24 0,24-25 16,1 25-16,-1 0 15,1 0-15,-1-25 0,1 25 16,-1-25-16,0 1 0,1-1 15,-1 1 1,-24-50 0</inkml:trace>
   <inkml:trace contextRef="#ctx0" brushRef="#br0" timeOffset="-5693.65">5258 1322 0,'0'-25'0,"24"25"16,-24-24-16,25 24 16,-50 0 15,25 24-31,-24-24 16,-1 25-16,1-1 0,-25 1 15,25-1-15,-1 25 0,-24-25 16,25 1-16,0-1 15,-1-24-15,25 24 0,0 1 32,25-25-17,-1 0-15,0 0 16,1 0-16,-1 24 16,25-24-16,-24 25 0,-1-25 15,0 24-15,1 1 16,24-25-16,-25 24 0,0 0 15,1 1-15,-1-1 16,1-24-16,-1 0 16,1 0-1,-1 0 1</inkml:trace>
-  <inkml:trace contextRef="#ctx0" brushRef="#br0" timeOffset="-5143.65">5649 1297 0,'-25'-24'15,"25"-1"1,-24 25-16,24 25 47,24-25-47,1 24 15,-25 1-15,24-25 16,0 24-16,1 0 0,-1-24 16,1 25-16,-1-25 15,25 24-15,-25-24 0,1 0 16,-1 0-16,1 0 0,-1 0 16,0-24-16,1-1 15,-25 1-15,0 0 16,0-1-16,0 1 0,0-1 15,-25 1-15,25 0 16,0-1-16,0 1 0,-24-1 16,24 1-16,-24 48 31,24 1-31,0-1 0,0 25 16,0 0-16,0 0 15,0-1-15,0 1 0,0 0 16,24 0-16,-24 24 15,0-48-15,24 24 0,-24-1 16,0 1-16,25-24 0,-25-1 16,24 1-16,-24-1 15,0 0-15,25 1 16,-50-50 15,25 1-31,-24 0 16</inkml:trace>
+  <inkml:trace contextRef="#ctx0" brushRef="#br0" timeOffset="-5143.67">5649 1297 0,'-25'-24'15,"25"-1"1,-24 25-16,24 25 47,24-25-47,1 24 15,-25 1-15,24-25 16,0 24-16,1 0 0,-1-24 16,1 25-16,-1-25 15,25 24-15,-25-24 0,1 0 16,-1 0-16,1 0 0,-1 0 16,0-24-16,1-1 15,-25 1-15,0 0 16,0-1-16,0 1 0,0-1 15,-25 1-15,25 0 16,0-1-16,0 1 0,-24-1 16,24 1-16,-24 48 31,24 1-31,0-1 0,0 25 16,0 0-16,0 0 15,0-1-15,0 1 0,0 0 16,24 0-16,-24 24 15,0-48-15,24 24 0,-24-1 16,0 1-16,25-24 0,-25-1 16,24 1-16,-24-1 15,0 0-15,25 1 16,-50-50 15,25 1-31,-24 0 16</inkml:trace>
   <inkml:trace contextRef="#ctx0" brushRef="#br0" timeOffset="-3413.65">520 3398 0,'0'-25'16,"-25"1"-16,25-1 15,-24 25-15,24-24 0,-25 24 16,25-25-16,-24 25 16,0 0-16,-1 0 15,1 0 1,-1 25-16,25-1 0,-24 25 16,24 0-16,-25 0 0,25 0 15,0 0-15,0-1 16,25 26-16,-1-25 0,1-1 15,-1 1-15,25-24 16,-25 24-16,25-25 0,0 0 16,-24-24-16,23 0 0,1 0 15,0-24-15,0 24 16,0-24-16,-25-25 0,25 24 16,-25-24-16,-24 25 15,25-25-15,-25 0 0,-25-24 16,1 24-16,0 0 0,-1-24 15,-24 24-15,1 0 16,-1 0-16,24 25 0,-24 0 16,25-1-16,-25 1 0,25 24 15,-1 0-15,25 24 16,-24 1-16,24-1 0,0 0 16,0 1-16</inkml:trace>
   <inkml:trace contextRef="#ctx0" brushRef="#br0" timeOffset="-2983.65">617 3764 0,'0'-24'0,"0"-1"31,-24 25-31,24-24 16,-24 24 0,24-25-16,0 1 15,24 24 1,0-25-1,1 25-15,-1 0 16,1 25-16,-1-25 16,0 24-16,1 1 0,-1-25 15,1 49-15,-1-25 0,1 0 16,23 1-16,-23 24 16,-1-25-16,25 0 0,-24 1 15,23-1-15,-23 1 16,-1-1-16,1-24 0,-1 0 15,1 0-15,-1 0 16</inkml:trace>
   <inkml:trace contextRef="#ctx0" brushRef="#br0" timeOffset="-2493.65">1204 3324 0,'-25'0'0,"1"0"0,-1-24 15,1 24 17,24 24-17,0 1 1,0-1-16,0 1 0,0-1 15,0 0-15,24 25 16,1-24-16,-25 24 0,24-1 16,1-23-16,-1 24 0,0-25 15,25 1-15,-24-1 16,-1 0-16,25-24 0,-25 25 16,1-25-16,24-25 15,-25 25-15,0-24 0,1 0 16,-25-25-16,24 24 0,1-24 15,-25 1-15,0 23 16,0-48-16,0 24 0,-25 0 16,1 0-16,24 0 15,-25 25-15,1-25 0,0 25 16,-1-1-16,1 25 0,-1 0 31,25 25-31,0-1 16,0 1-16,0-1 15,0 0-15,25 1 16</inkml:trace>
@@ -1348,8 +1342,8 @@
   <inkml:trace contextRef="#ctx0" brushRef="#br0" timeOffset="-403.65">2229 3862 0,'-24'0'0,"24"-25"16,0 1 0,24 48 31,-24 1-47,0-1 0,25 1 15,-25-1-15,24 25 16,1-25-16,-1 25 0,-24 0 15,24 0-15,1-25 0,-1 25 16,1 0-16,-1 0 16,-24-25-16,25 1 0,-25-1 15,0 0-15,0 1 16,24-1-16,0-24 16,1 0-16,-1 0 15,1-24-15,-1 24 16,25-25-16,0 1 0,0 0 15,-1-1-15,1 1 16,0-1-16,-24 1 0,23-1 16,1 1-16,-24 24 0,24-24 15,-25 24-15,-24-25 16,24 25-16,-24-24 0,0-1 31</inkml:trace>
   <inkml:trace contextRef="#ctx0" brushRef="#br0" timeOffset="-83.65">2986 4057 0,'-24'0'16,"0"0"0,48 0-1,0 0 1,1 0-1,-1 0-15,1 0 0,-1 0 16,1 0-16,23 0 0,-23 0 16,-1 0-16,25 24 15,-24-24-15,23 25 0,-23-25 16,-1 24-16,1 1 16,-1-25-16,-24 24 0,0 1 15,0-1-15,-24 0 16,-1 1-1,1-25-15,24 24 0,-49 1 16,25-25-16,-1 24 16,1 1-16,-1-25 0,1 0 15</inkml:trace>
   <inkml:trace contextRef="#ctx0" brushRef="#br0" timeOffset="476.35">3670 3764 0,'-24'0'16,"24"-24"0,0 48-1,0 0 1,24 1-16,-24 24 16,25-25-16,-25 25 15,24 0-15,-24-25 0,25 25 16,-1 0-16,0 0 0,1 0 15,-1-25-15,1 0 16,-1 25-16,25-24 0,-25-25 16,25 24-16,-24-24 0,23 0 15,-23-24-15,24-1 16,-25 1-16,1-1 0,23 1 16,-23-25-16,-25 25 15,24-25-15,-24 0 0,0 0 16,0 0-16,0 1 0,-24-1 15,-1 0-15,1 24 16,0-23-16,-1 23 0,1 1 16,-1 24-16,1 0 15,-1 0-15,1 0 16,0 24-16,24 1 31</inkml:trace>
-  <inkml:trace contextRef="#ctx0" brushRef="#br0" timeOffset="806.35">4501 3666 0,'-25'0'0,"25"-24"32,0 48 15,25 1-47,-25-1 0,0 25 15,24-25-15,0 25 16,-24 0-16,25 0 0,-25 0 15,0-25-15,0 25 0,24-25 16,-24 25-16,0-24 16,0-1-16,-24-24 15,24-24-15</inkml:trace>
-  <inkml:trace contextRef="#ctx0" brushRef="#br0" timeOffset="1286.35">4501 3666 0,'0'-24'0,"24"24"31,-24 24-15,24-24-16,1 25 15,-1-1-15,25 1 0,-24-1 16,23 25-16,1-25 0,0 1 15,-24-1-15,23 0 16,1 1-16,0-25 0,-24 24 16,-1-24-16,0 0 15,1 0-15,-1 0 0,-24-24 16,0-1-16,0-23 16,0 23-16,-24 1 15,24-25-15,-25 0 0,25 25 16,-24-25-16,0 0 0,24 0 15,-25 25-15,1-1 16,24 1-16,-25-1 0,25 1 16,-24 24-1,24 24 1,24 1-16,-24-1 16,0 1-16,25-1 15,-1 1-15,-24-1 0,25 0 16,-1 1-16,0 24 15,-24-25-15,25 1 0,-1-1 16,-24 0-16,25 1 0,-25-1 16</inkml:trace>
+  <inkml:trace contextRef="#ctx0" brushRef="#br0" timeOffset="806.33">4501 3666 0,'-25'0'0,"25"-24"32,0 48 15,25 1-47,-25-1 0,0 25 15,24-25-15,0 25 16,-24 0-16,25 0 0,-25 0 15,0-25-15,0 25 0,24-25 16,-24 25-16,0-24 16,0-1-16,-24-24 15,24-24-15</inkml:trace>
+  <inkml:trace contextRef="#ctx0" brushRef="#br0" timeOffset="1286.33">4501 3666 0,'0'-24'0,"24"24"31,-24 24-15,24-24-16,1 25 15,-1-1-15,25 1 0,-24-1 16,23 25-16,1-25 0,0 1 15,-24-1-15,23 0 16,1 1-16,0-25 0,-24 24 16,-1-24-16,0 0 15,1 0-15,-1 0 0,-24-24 16,0-1-16,0-23 16,0 23-16,-24 1 15,24-25-15,-25 0 0,25 25 16,-24-25-16,0 0 0,24 0 15,-25 25-15,1-1 16,24 1-16,-25-1 0,25 1 16,-24 24-1,24 24 1,24 1-16,-24-1 16,0 1-16,25-1 15,-1 1-15,-24-1 0,25 0 16,-1 1-16,0 24 15,-24-25-15,25 1 0,-1-1 16,-24 0-16,25 1 0,-25-1 16</inkml:trace>
   <inkml:trace contextRef="#ctx0" brushRef="#br0" timeOffset="1636.35">5355 3373 0,'0'-24'16,"0"-1"15,0 50-16,25-25 1,-25 24-16,0 1 16,0-1-16,0 0 0,24 1 15,-24 24-15,0 0 16,25-1-16,-25 1 0,24 0 16,-24-24-16,25 23 0,-25 1 15,0-24-15,24-1 16,-24 0-16,24 1 0,-24-1 15,0-48 1</inkml:trace>
   <inkml:trace contextRef="#ctx0" brushRef="#br0" timeOffset="2126.35">5600 3398 0,'-25'0'0,"25"-25"15,0 1 1,0-1-16,25 25 16,-1-24-1,1 24-15,-1-25 0,25 25 16,-25-24-16,25 24 0,0-24 15,0-1-15,-25 25 16,25-24-16,-25 24 0,-24-25 16,25 25-16,-25-24 15,-25 24-15,1 0 16,0 0-16,-1 0 0,1 0 16,-25 0-16,24 0 15,25 24-15,-24-24 0,0 25 16,-1-25-16,25 24 15,-24 1-15,24 23 16,0-23-16,0-1 0,0 25 16,24 0-16,1 0 15,-25-25-15,24 25 0,0 0 16,-24-25-16,25 1 16,-1 24-16,1-25 0,-1 1 15,-24-1-15,25-24 16,-25 24-16</inkml:trace>
 </inkml:ink>
@@ -1897,11 +1891,11 @@
   <inkml:trace contextRef="#ctx0" brushRef="#br0" timeOffset="-56774">19074 2528 0,'-49'0'16,"25"0"-16</inkml:trace>
   <inkml:trace contextRef="#ctx0" brushRef="#br0" timeOffset="-56161">18928 2479 0,'0'-24'16,"0"-1"15,24 25-31,-24-24 16,0-1-16,0 1 16,-24-1-1,-1 25-15,1-24 0,-1 24 16,1 0-16,-1 0 0,-23 24 15,23-24-15,1 25 16,-1-1-16,1 25 0,24-24 16,0-1-16,0 25 0,24-25 15,1 25-15,72 0 16,-23-25-16,-25 1 16,24-1-16,-24 1 15,24-25-15,-24 24 0,-25 0 16,1-24-16,-25 25 15,-25-25-15,-24 24 16,1-24-16,-1 0 0,0 0 16,-24 0-16,24 0 15,24 0-15,-24 0 0</inkml:trace>
   <inkml:trace contextRef="#ctx0" brushRef="#br0" timeOffset="-55988">19025 2455 0,'0'-25'0,"25"1"16,-25-1-16,-25 25 16,1 25-1,-1 24-15,1-25 0,0 25 16,-25 0-16,24 24 16,-24-24-16,25 24 0,0 0 15,-25-24-15,24 24 16</inkml:trace>
-  <inkml:trace contextRef="#ctx0" brushRef="#br0" timeOffset="-165786.73">5787 3895 0,'-24'0'15,"24"-24"1,24 24 0,-24 24 15,0 1-16,24-1 1,-24 1 0,0-1-16,25 25 0,-25-25 15,0 25-15,24 0 16,-24 0-16,25 0 0,-25 0 16,24-1-16,-24 1 0,0 0 15,0 0-15,0 0 16,24 0-16,-24 0 0,0-1 15,0 1-15,25 0 16,-25 24-16,24-24 0,-24 0 16,25 24-16,-25-24 0,24 24 15,-24 1-15,25-1 16,-1 0-16,0 1 0,1-26 16,-1 26-16,-24-1 15,25 0-15,-1-24 0,-24 24 16,25-24-16,-25 0 0,0 24 15,24-24-15,-24 0 16,0 0-16,0 0 0,0 0 16,-24-1-16,24 1 15,0 0-15,-25 24 0,25-24 16,0 0-16,0 24 0,0-24 16,0 0-16,0 0 15,0 0-15,0-1 0,0 1 16,0 0-16,0 0 15,0 0-15,0-25 0,0 25 16,0 0-16,-24 0 0,24-25 16,0 25-16,0 0 15,0-25-15,0 25 0,0-24 16,0 24-16,0-25 16,0 25-16,0-25 0,0 1 15,0 23-15,0-23 0,0-1 16,0 1-16,0-1 15,0 1-15,0-1 0,0 0 16,0 1-16,0-1 0,0 1 16,0-1-1,0 1 1,0-1 0,24-24-1,-24 24-15,0 1 16,0-1-16,0 1 15,0-1-15,0 0 16,25 1 0,-25-1-16,0 1 0,0-1 15,0 1-15,0-1 32,24-24-17,-24 24 1,0 1 31</inkml:trace>
-  <inkml:trace contextRef="#ctx0" brushRef="#br0" timeOffset="-164527.73">4274 6851 0,'0'24'32,"0"1"-17,0-1 1,24-24 0,1 0 30,-25 24-30,24-24 0,0 0-1,1 0 1,-1 0-16,1 0 16,-1 0-1,1-24-15,-1 24 0,0 0 16,25 0-16,-24 0 0,-1-24 15,25 24-15,-25 0 16,25 0-16,-24 0 0,23 0 16,1-25-16,-24 25 15,24 0-15,-1 0 0,1 0 16,-24-24-16,23 24 0,1 0 16,0 0-16,0-25 15,0 25-15,0 0 0,0 0 16,-1-24-16,1 24 15,-24 0-15,24 0 0,-25-25 16,0 25-16,1 0 0,-1 0 16,1 0-16,-1 0 15,1-24-15,-1 24 0,0 0 16,1 0 0,-1 0-16,1-24 0,-1 24 15,0 0-15,1 0 16,-50 0 46</inkml:trace>
-  <inkml:trace contextRef="#ctx0" brushRef="#br0" timeOffset="-163297.73">4054 6094 0,'24'0'15,"1"0"16,-1 0-31,1 0 16,-1 0-16,0 0 16,1 0-16,-1-25 0,25 25 15,-24 0-15,23 0 16,1-24-16,-24 24 0,48 0 16,-24 0-16,0 0 0,24-25 15,-24 25-15,24 0 16,-24 0-16,24-24 0,-24 24 15,24 0-15,-24-25 0,24 25 16,-24 0-16,24-24 16,-24 24-16,25 0 0,-26 0 15,1-24-15,0 24 16,0 0-16,0-25 0,-25 25 16,25 0-16,-24 0 0,-1 0 15,25 0-15,-25-24 16,1 24-16,-1 0 0,0 0 15,1 0 1,-1 0-16,1 0 16,-1 0-1,1 0 1,-25-25-16,24 25 0,0 0 47,-48 0-16,0 0-15</inkml:trace>
-  <inkml:trace contextRef="#ctx0" brushRef="#br0" timeOffset="-161689.73">3492 5165 0,'25'0'15,"-1"0"-15,0 0 16,1 0-1,-1 0-15,1 0 0,-1 0 16,1 0-16,23 0 0,-23 0 16,24 0-16,-25 0 15,25-24-15,0 24 0,0 0 16,-1-24-16,1 24 0,0 0 16,0-25-16,0 25 15,0 0-15,0-24 0,-1 24 16,1 0-16,0 0 15,0-25-15,0 25 0,0 0 16,-1 0-16,1-24 16,0 24-16,0 0 0,0 0 15,0-24-15,0 24 0,-1 0 16,1-25-16,-24 25 16,23 0-16,1 0 0,-24-24 15,24 24-15,-25 0 16,25 0-16,-25 0 0,25-25 15,-24 25-15,-1 0 0,0 0 16,1 0-16,-1-24 16,1 24-16,-1 0 15,1 0 17,-1 0-1,0 0-31,1 0 15,-1 0-15,1 0 0,-1 0 16,1 0 0,-1 0-1,0 0 48,1 0-32,-1 0-15,1 0-1,-25-25 32,24 25-47,0 0 31,1 0-15,-1 0 0,1 0-1,-25 25 63</inkml:trace>
-  <inkml:trace contextRef="#ctx0" brushRef="#br0" timeOffset="-160358.73">5934 6753 0,'0'-24'16,"0"-1"-1,0 1 16,25 24 32,-1 0-32,-24-25-15,25 25-16,-1 0 15,1 0 1,-1 0-16,0 0 16,1 0-16,-1 0 15,1 0 1,-1 0-16,1 0 31,-1 0 0,-24-24-31,24 24 32,1 0 30,-25 24 16</inkml:trace>
+  <inkml:trace contextRef="#ctx0" brushRef="#br0" timeOffset="-165786.75">5787 3895 0,'-24'0'15,"24"-24"1,24 24 0,-24 24 15,0 1-16,24-1 1,-24 1 0,0-1-16,25 25 0,-25-25 15,0 25-15,24 0 16,-24 0-16,25 0 0,-25 0 16,24-1-16,-24 1 0,0 0 15,0 0-15,0 0 16,24 0-16,-24 0 0,0-1 15,0 1-15,25 0 16,-25 24-16,24-24 0,-24 0 16,25 24-16,-25-24 0,24 24 15,-24 1-15,25-1 16,-1 0-16,0 1 0,1-26 16,-1 26-16,-24-1 15,25 0-15,-1-24 0,-24 24 16,25-24-16,-25 0 0,0 24 15,24-24-15,-24 0 16,0 0-16,0 0 0,0 0 16,-24-1-16,24 1 15,0 0-15,-25 24 0,25-24 16,0 0-16,0 24 0,0-24 16,0 0-16,0 0 15,0 0-15,0-1 0,0 1 16,0 0-16,0 0 15,0 0-15,0-25 0,0 25 16,0 0-16,-24 0 0,24-25 16,0 25-16,0 0 15,0-25-15,0 25 0,0-24 16,0 24-16,0-25 16,0 25-16,0-25 0,0 1 15,0 23-15,0-23 0,0-1 16,0 1-16,0-1 15,0 1-15,0-1 0,0 0 16,0 1-16,0-1 0,0 1 16,0-1-1,0 1 1,0-1 0,24-24-1,-24 24-15,0 1 16,0-1-16,0 1 15,0-1-15,0 0 16,25 1 0,-25-1-16,0 1 0,0-1 15,0 1-15,0-1 32,24-24-17,-24 24 1,0 1 31</inkml:trace>
+  <inkml:trace contextRef="#ctx0" brushRef="#br0" timeOffset="-164527.75">4274 6851 0,'0'24'32,"0"1"-17,0-1 1,24-24 0,1 0 30,-25 24-30,24-24 0,0 0-1,1 0 1,-1 0-16,1 0 16,-1 0-1,1-24-15,-1 24 0,0 0 16,25 0-16,-24 0 0,-1-24 15,25 24-15,-25 0 16,25 0-16,-24 0 0,23 0 16,1-25-16,-24 25 15,24 0-15,-1 0 0,1 0 16,-24-24-16,23 24 0,1 0 16,0 0-16,0-25 15,0 25-15,0 0 0,0 0 16,-1-24-16,1 24 15,-24 0-15,24 0 0,-25-25 16,0 25-16,1 0 0,-1 0 16,1 0-16,-1 0 15,1-24-15,-1 24 0,0 0 16,1 0 0,-1 0-16,1-24 0,-1 24 15,0 0-15,1 0 16,-50 0 46</inkml:trace>
+  <inkml:trace contextRef="#ctx0" brushRef="#br0" timeOffset="-163297.75">4054 6094 0,'24'0'15,"1"0"16,-1 0-31,1 0 16,-1 0-16,0 0 16,1 0-16,-1-25 0,25 25 15,-24 0-15,23 0 16,1-24-16,-24 24 0,48 0 16,-24 0-16,0 0 0,24-25 15,-24 25-15,24 0 16,-24 0-16,24-24 0,-24 24 15,24 0-15,-24-25 0,24 25 16,-24 0-16,24-24 16,-24 24-16,25 0 0,-26 0 15,1-24-15,0 24 16,0 0-16,0-25 0,-25 25 16,25 0-16,-24 0 0,-1 0 15,25 0-15,-25-24 16,1 24-16,-1 0 0,0 0 15,1 0 1,-1 0-16,1 0 16,-1 0-1,1 0 1,-25-25-16,24 25 0,0 0 47,-48 0-16,0 0-15</inkml:trace>
+  <inkml:trace contextRef="#ctx0" brushRef="#br0" timeOffset="-161689.75">3492 5165 0,'25'0'15,"-1"0"-15,0 0 16,1 0-1,-1 0-15,1 0 0,-1 0 16,1 0-16,23 0 0,-23 0 16,24 0-16,-25 0 15,25-24-15,0 24 0,0 0 16,-1-24-16,1 24 0,0 0 16,0-25-16,0 25 15,0 0-15,0-24 0,-1 24 16,1 0-16,0 0 15,0-25-15,0 25 0,0 0 16,-1 0-16,1-24 16,0 24-16,0 0 0,0 0 15,0-24-15,0 24 0,-1 0 16,1-25-16,-24 25 16,23 0-16,1 0 0,-24-24 15,24 24-15,-25 0 16,25 0-16,-25 0 0,25-25 15,-24 25-15,-1 0 0,0 0 16,1 0-16,-1-24 16,1 24-16,-1 0 15,1 0 17,-1 0-1,0 0-31,1 0 15,-1 0-15,1 0 0,-1 0 16,1 0 0,-1 0-1,0 0 48,1 0-32,-1 0-15,1 0-1,-25-25 32,24 25-47,0 0 31,1 0-15,-1 0 0,1 0-1,-25 25 63</inkml:trace>
+  <inkml:trace contextRef="#ctx0" brushRef="#br0" timeOffset="-160358.75">5934 6753 0,'0'-24'16,"0"-1"-1,0 1 16,25 24 32,-1 0-32,-24-25-15,25 25-16,-1 0 15,1 0 1,-1 0-16,0 0 16,1 0-16,-1 0 15,1 0 1,-1 0-16,1 0 31,-1 0 0,-24-24-31,24 24 32,1 0 30,-25 24 16</inkml:trace>
 </inkml:ink>
 </file>
 
@@ -2180,6 +2174,34 @@
 </inkml:ink>
 </file>
 
+<file path=ppt/ink/ink149.xml><?xml version="1.0" encoding="utf-8"?>
+<inkml:ink xmlns:inkml="http://www.w3.org/2003/InkML">
+  <inkml:definitions>
+    <inkml:context xml:id="ctx0">
+      <inkml:inkSource xml:id="inkSrc0">
+        <inkml:traceFormat>
+          <inkml:channel name="X" type="integer" max="1920" units="cm"/>
+          <inkml:channel name="Y" type="integer" max="1080" units="cm"/>
+          <inkml:channel name="T" type="integer" max="2.14748E9" units="dev"/>
+        </inkml:traceFormat>
+        <inkml:channelProperties>
+          <inkml:channelProperty channel="X" name="resolution" value="55.81395" units="1/cm"/>
+          <inkml:channelProperty channel="Y" name="resolution" value="55.6701" units="1/cm"/>
+          <inkml:channelProperty channel="T" name="resolution" value="1" units="1/dev"/>
+        </inkml:channelProperties>
+      </inkml:inkSource>
+      <inkml:timestamp xml:id="ts0" timeString="2020-11-17T13:45:47.573"/>
+    </inkml:context>
+    <inkml:brush xml:id="br0">
+      <inkml:brushProperty name="width" value="0.05" units="cm"/>
+      <inkml:brushProperty name="height" value="0.05" units="cm"/>
+      <inkml:brushProperty name="fitToCurve" value="1"/>
+    </inkml:brush>
+  </inkml:definitions>
+  <inkml:trace contextRef="#ctx0" brushRef="#br0">196 0 0,'0'-24'31,"0"48"79,0 1-95,0-1-15,0 1 16,0-1-16,0 25 16,-24-25-16,24 1 0,0 24 15,-24-25-15,24 25 0,0 0 16,0-25-16,-25 25 16,25 0-16,0 0 0,0-1 15,0 1-15,-24 25 16,24-26-16,0 1 0,0 25 15,0-26-15,-25 26 16,25-1-16,0-24 0,-24 24 16,24-24-16,0 24 0,-25 0 15,25-24-15,0 0 16,0 73 0,0-73-16,-24-24 0,24 23 15,0-23-15,0-1 0,0 1 16,0-1-16,0 0 15,24-24 1,1 0 15,-25-24-15,24 24-16,1 0 16,-1 0-1,1 0-15,-1 0 16,0 0-16,1 0 15,-1 0-15,25 0 16,0 0-16,0 0 0,24 0 16,0-24-16,25 24 15,0 0-15,-1 0 0,26 0 16,-1 0-16,0 0 0,0 0 16,24-25-16,1 25 15,24 0-15,0-24 0,24 24 16,1 0-16,-1-25 15,25 25-15,0-24 0,24 24 16,-24-24-16,24 24 0,0 0 16,0 0-16,1 0 15,23-25-15,-24 25 0,1 0 16,-1 0-16,0 0 0,25 0 16,-25 0-16,25 0 15,-1-24-15,1 24 0,0 0 16,24 0-16,-25 0 15,1 0-15,0-25 0,-1 25 16,-23 0-16,23 0 16,-24 0-16,1 0 0,-1 0 15,0 0-15,0-24 0,1 24 16,-1 0-16,0 0 16,0 0-16,-24-25 0,0 25 15,-25 0-15,25 0 16,-49 0-16,24 0 0,-24-24 15,0 24-15,0 0 0,0 0 16,-24 0-16,-1 0 16,25 0-16,-24-24 0,-1 24 15,1 0-15,-25 0 16,25 0-16,-1 24 0,1-24 16,-25 0-16,24 0 0,-24 24 15,25-24-15,0 0 16,-1 0-16,1 0 0,-1 0 15,25 0-15,0-24 0,-24 24 16,24 0-16,0 0 16,-1 0-16,1 0 0,0 0 15,-24 0-15,24 0 16,-25-24-16,25 24 0,-24 0 16,24 0-1,-25 0-15,1 0 0,0 0 0,-1 0 16,-24 0-16,0 0 0,-24 24 15,0-24-15,24 0 16,-49 24-16,25-24 0,-25 0 16,25 0-16,-25 0 0,25 25 15,-25-25-15,0 0 16,1 0-16,23 0 0,-24 0 16,-24 0-16,25 0 15,-1 0-15,-24 0 0,0 0 16,-1-25-16,-23 25 0,-1 0 15,1-24-15,-1 24 16,-24-24-16,0-1 16</inkml:trace>
+</inkml:ink>
+</file>
+
 <file path=ppt/ink/ink15.xml><?xml version="1.0" encoding="utf-8"?>
 <inkml:ink xmlns:inkml="http://www.w3.org/2003/InkML">
   <inkml:definitions>
@@ -2238,6 +2260,391 @@
 </inkml:ink>
 </file>
 
+<file path=ppt/ink/ink150.xml><?xml version="1.0" encoding="utf-8"?>
+<inkml:ink xmlns:inkml="http://www.w3.org/2003/InkML">
+  <inkml:definitions>
+    <inkml:context xml:id="ctx0">
+      <inkml:inkSource xml:id="inkSrc0">
+        <inkml:traceFormat>
+          <inkml:channel name="X" type="integer" max="1920" units="cm"/>
+          <inkml:channel name="Y" type="integer" max="1080" units="cm"/>
+          <inkml:channel name="T" type="integer" max="2.14748E9" units="dev"/>
+        </inkml:traceFormat>
+        <inkml:channelProperties>
+          <inkml:channelProperty channel="X" name="resolution" value="55.81395" units="1/cm"/>
+          <inkml:channelProperty channel="Y" name="resolution" value="55.6701" units="1/cm"/>
+          <inkml:channelProperty channel="T" name="resolution" value="1" units="1/dev"/>
+        </inkml:channelProperties>
+      </inkml:inkSource>
+      <inkml:timestamp xml:id="ts0" timeString="2020-11-17T13:45:50.708"/>
+    </inkml:context>
+    <inkml:brush xml:id="br0">
+      <inkml:brushProperty name="width" value="0.05" units="cm"/>
+      <inkml:brushProperty name="height" value="0.05" units="cm"/>
+      <inkml:brushProperty name="fitToCurve" value="1"/>
+    </inkml:brush>
+  </inkml:definitions>
+  <inkml:trace contextRef="#ctx0" brushRef="#br0">0 814 0,'0'-24'16,"0"-1"15,24 25 16,0 0-32,25 0-15,-24 0 16,23 0-16,1 0 0,25 0 16,-1 0-16,25 0 0,-25-24 15,25 24-15,-1 0 16,1-24-16,0 24 0,24 0 15,0-25-15,0 25 16,0-24-16,25 24 0,-1-25 16,25 25-16,-24-24 0,24-1 15,0 25-15,0-24 16,-1 24-16,1-24 0,25 24 16,-25-25-16,0 25 15,0-24-15,24 24 0,-24-25 16,24 25-16,1-24 0,-1 0 15,1 24-15,-1-25 16,0 25-16,1-24 0,24-1 16,-25 25-16,25-24 15,0-1-15,-1 25 0,1-24 16,24 24-16,-24-24 0,0 24 16,0-25-16,0 25 15,-1 0-15,-23 0 0,-25-24 16,24 24-16,1 0 15,-25 0-15,-1-25 0,1 25 16,0 0-16,25-24 0,-1 24 16,-24 0-16,25-25 15,-1 25-15,-24 0 0,24 0 16,-48 0-16,24-24 0,-25 24 16,-24 0-16,25 0 15,-1 0-15,148 0 16,-148 0-16,1-24 15,24 24-15,0 0 0,0 0 16,-1 0-16,-23 0 16,24-25-16,0 25 0,0 0 15,0 0-15,0 0 0,0 0 16,0 0-16,24-24 16,1 24-16,-25 0 0,24 0 15,0 0-15,1-25 16,-1 25-16,-24 0 0,24 0 15,1 0-15,-25 0 0,24 0 16,-24 0-16,0 0 16,0 0-16,0 0 0,0 0 15,0 0-15,0 0 16,0 0-16,0 25 0,-25-25 16,25 0-16,-24 0 0,-25 0 15,24 0-15,-23 0 16,-26 0-16,25 0 0,-24 0 15,-25 0-15,25 0 0,0 0 16,-25 0-16,25 24 16,-25-24-16,25 0 0,-1 0 15,1 0-15,0 0 16,-1 0-16,1 0 0,-25 0 16,25 0-16,-25 0 0,25 0 15,-25 0-15,-24 0 16,24 0-16,-24 0 0,0 0 15,0 0-15,0 0 16,0 0-16,-25 0 0,25 0 16,-25 0-16,25 0 15,-24 0-15,-1 0 16,0 0 62,-24 25-62,0-1-1,25 0-15,-25 1 16,0-1-16,0 1 16,24 24-16,-24-25 0,0 25 15,0 0-15,25 0 0,-25-1 16,0 1-16,0 0 15,24 24-15,-24-24 0,0 0 16,0 24-16,0-24 16,0 0-16,0 24 0,0-24 15,0 0-15,0 0 0,0 0 16,0 0-16,0-1 16,0 1-16,0 0 0,25-25 15,-25 25-15,0 0 0,0-24 16,24 23-16,-24 1 15,0-24-15,0 24 0,24-25 16,-24 25-16,0-25 16,0 25-16,0-25 0,0 25 15,25-24-15,-25-1 0,0 25 16,0-25-16,0 1 16,0 24-16,0-25 0,0 1 15,0-1-15,0 0 16,-25 1-16,25-1 0,0 1 15,0-1-15,-24-24 16,24 25 0,0-1-1,-24-24 17,24 24-17,-25-24 48,1 0-48,-1 0 1,25 25-16,-24-25 16,-1 0-16,1 0 15,0-25 1,-1 25-16,1 0 0,-1-24 15,-23 24-15,23-24 16,-24 24-16,0-25 0,1 25 16,-1-24-16,0-1 15,-24 25-15,24 0 0,0-24 16,0 24-16,25 0 0,-25 0 16,0 0-16,24 0 15,1 0-15,-25 0 0,25 24 16,-1-24-16,1 0 0,0 0 15,-1 0-15,1 25 16,-1-25-16,1 0 0,-1 0 16,-23 0-16,23 0 15,1 0-15,-1 0 0,-24 0 16,25-25-16,0 25 0,-1 0 16,1 0-16,-1-24 15,1 24-15,0 0 0,-1 0 16,1-25-1,-1 25 1,1 0 0,-1 25-1,1-25 17,48 0 14,-24-25-46,25 25 16,-25-24 0,0 48 46,-25-24-62,1 0 16,24 25-1,-24-25-15,-1 24 47</inkml:trace>
+  <inkml:trace contextRef="#ctx0" brushRef="#br0" timeOffset="193">19758 2231 0,'-25'0'31,"1"0"-15,0 0 15</inkml:trace>
+  <inkml:trace contextRef="#ctx0" brushRef="#br0" timeOffset="324">19685 2231 0,'0'24'15,"-25"-24"1,1 25 0,-1-1-1,1-24-15,24 25 16,-25-25-16,1 24 15</inkml:trace>
+  <inkml:trace contextRef="#ctx0" brushRef="#br0" timeOffset="2792">4518 399 0,'0'25'32,"0"-1"-17,0 0 1,24-24-16,-24 25 16,0-1-16,0 1 15,0-1-15,0 1 0,0-1 16,0 0-16,0 25 0,25-24 15,-25 23-15,0-23 16,0 24-16,0-25 0,0 25 16,24-25-16,-24 25 0,0-24 15,0 24-15,25-25 16,-25 25-16,0-25 0,0 25 16,0-25-16,24 25 15,-24-24-15,0-1 0,0 25 16,0-25-16,0 1 15,0-1-15,0 25 0,0-24 16,0-1-16,0 0 0,0 1 16,0-1-16,0 1 15,0-1-15,24 1 0,-24-1 16,0 0-16,0 1 16,0-1-16,0 1 15,0-1-15,0 1 16,0-1-1,0 0-15,0 1 0,0-1 16,0 1-16,25-1 16,-25 0-16,0 1 15,0-1-15,0 1 16,0-1-16,24 1 16,-24-1-16,0 0 15,0 1-15,0-1 0,0 1 16,0-1-1,0 1 1,25-1 0,-25 0-1,0 1 1,0-1 0,0 1-16,0-1 15,0 0-15,0 1 31,0-1-15,0-48 47,0-1-63</inkml:trace>
+  <inkml:trace contextRef="#ctx0" brushRef="#br0" timeOffset="4140">11283 82 0,'0'24'62,"0"0"-62,0 1 16,-24-1-16,24 1 16,0-1-16,0 25 0,0 0 15,0 0-15,0 0 0,24-1 16,-24 1-16,0 0 16,0 0-16,24 24 0,-24-24 15,0 0-15,0 0 0,0 0 16,0-1-16,0 1 15,0-24-15,0 24 0,0-1 16,0-23-16,0 24 16,0 0-16,25-25 0,-25 25 15,0-25-15,0 1 0,0-1 16,24 25-16,-24-25 16,0 1-16,0-1 0,0 1 15,0-1-15,25 0 16,-25 1-16,0-1 0,0 1 15,0-1-15,0 1 16,0-1-16,0 0 16,0 1-16,0-1 0,0 1 15,0-1 1,0 0-16,0 1 0,0-1 16,0 1-16,0-1 15,0 1 1,0-1-16,0 0 15,0 1-15,0-1 16,-25 1-16,25 24 16,0-1-1,0-23-15,0-1 0,25 1 16,-25-1-16,0 1 0,0-1 16,0 0-16,24-24 15,-24 25-15,0-1 0,0 1 16,0-1-1,25-24-15,-25-24 32,0-1-17,0 1-15,0-1 16</inkml:trace>
+  <inkml:trace contextRef="#ctx0" brushRef="#br0" timeOffset="8870">5202 1107 0,'0'-24'0,"24"24"31,-24-24-15,0 48-1,0 0 1,0 1-16,24 24 16,-24 0-16,0-1 0,0 1 15,0 0-15,25 0 16,-25 0-16,0 0 0,0-25 15,0 25-15,0-25 16,0 25-16,0-24 16,0-1-16</inkml:trace>
+  <inkml:trace contextRef="#ctx0" brushRef="#br0" timeOffset="9386">5226 1352 0,'24'0'31,"1"-25"-31,24 25 16,-25 0-16,1 0 0,-1 0 15,25-24-15,-25 24 16,25 0-16,-24 0 0,-1 0 16,0 0-16,1-25 15,-1 25-15,-24-24 16,0 0-16,-24 24 16,24-25-16,-25 1 15,1-1-15,0 1 16,24-1-1,-25 25-15,25-24 0,-24 24 16,24-24 0,0 48 31,24 0-47,-24 25 15,0-24-15,25 24 0,-25-25 16,0 25-16,0 0 15,0-1-15,24 1 0,-24 0 16,0-24-16,24 23 16,-24-23-16,0-1 0,0 1 15</inkml:trace>
+  <inkml:trace contextRef="#ctx0" brushRef="#br0" timeOffset="9854">5934 1229 0,'0'-24'31,"-24"24"-15,24 24 0,-24 1-16,24-1 15,0 1-15,-25-1 16,25 25-16,-24-25 0,24 25 16,0-24-16,0-1 0,24 1 15,-24 23-15,25-23 16,-1-1-16,0-24 15,1 0-15,-1 0 16,1 0-16,-1 0 0,0-24 16,1-1-16,-1 1 15,-24-25-15,25 25 0,-25-25 16,-25 24-16,25-23 0,-24 23 16,-1-24-16,1 25 15,0 24-15,-1-25 0,1 25 16,-1 0-16,1 0 0,24 25 15,-24-25-15,24 24 16</inkml:trace>
+  <inkml:trace contextRef="#ctx0" brushRef="#br0" timeOffset="10610">6301 1205 0,'-25'0'0,"1"0"31,24 24 1,0 1-17,0-1-15,0 1 0,0-1 16,24 25-16,-24-25 15,0 1-15,0 24 0,25-25 16,-25 1-16,0-1 16,0 0-16,0 1 15,0-50 17,-25 1-17,25 0-15,0-1 16,0 1-16,-24-25 0,24 24 15,0-23-15,0-1 0,0 24 16,0-24 0,24 25-16,-24 0 0,0-1 0,25 1 15,-1 24-15,1 0 16,-1 0 0,-24 24-16,24 1 0,1-1 15,-25 0-15,24 1 16,1-1-16,-25 1 0,24 24 15,0-25-15,-24 0 0,25 1 16,-25-1-16,24 1 16,-24-1-16,0 1 15,0-50 17,0 1-32,0-1 15,0 1-15,0-25 16,0 25-16,25-25 0,-25 24 15,24 1-15,-24-1 16,25-23-16,-1 23 16,0 1-16,1 24 0,-1 0 15,1 0 1,-1 24-16,1-24 0,-1 25 16,-24-1-16,24 25 15,-24-25-15,25 1 0,-25 24 16,0-25-16,0 0 0,0 1 15,0-1-15,0 1 16,0-1-16,0 1 0</inkml:trace>
+  <inkml:trace contextRef="#ctx0" brushRef="#br0" timeOffset="11139">7424 1059 0,'0'-25'0,"-24"1"16,-1-1-1,1 25-15,-1 0 16,1 0-1,0 0-15,-1 0 16,1 0-16,-1 25 16,1-25-16,0 24 0,-1-24 15,25 25-15,0-1 32,0 0-17,0 1-15,25-25 16,-25 24-16,0 1 15,0-1-15,0 0 16,0 1-16,24-1 16,-24 1-16,0-1 0,0 25 15,0-25-15,0 1 16,0-1-16,0 1 0,0-1 16,24 1-16,-24-1 0,0 0 15,0 1 1,25-25-1,-25 24-15,24-24 0,1 0 16,-1 0-16,25 0 16,-25 0-16,1-24 0,-1-1 15,1 25-15,-1-24 16</inkml:trace>
+  <inkml:trace contextRef="#ctx0" brushRef="#br0" timeOffset="11336">7107 1376 0,'24'0'0,"0"0"16,1 0-16,-1-24 16,1 24-16,-1 0 15,25-25-15,-25 25 0,1 0 16,-1-24-16,1 24 0,-1 0 15,1 0-15</inkml:trace>
+  <inkml:trace contextRef="#ctx0" brushRef="#br0" timeOffset="11648">7864 1498 0,'-25'0'0,"25"25"15,25-25 16,-1 0-15,1-25 0,-1 25-16,0 0 0,1 0 15,-1 0-15,1-24 0,-1 24 16,1 0-16</inkml:trace>
+  <inkml:trace contextRef="#ctx0" brushRef="#br0" timeOffset="12794">8352 1107 0,'0'-24'0,"-24"24"16,24-24-16,0 48 47,0 0-32,0 1-15,0-1 16,0 1-16,0 24 0,0-25 16,0 0-16,0 25 15,0-24-15,0-1 0,0 0 16,0 1-16,0-1 0,0 1 15,24-25-15,-24 24 16,0-48 47,0-1-32,25 25-31,-25-24 31,0-1 188,-25 25-204,25-24 32</inkml:trace>
+  <inkml:trace contextRef="#ctx0" brushRef="#br0" timeOffset="14787">8596 1010 0,'0'-25'31,"-24"25"-15,0 0-1,24 25-15,-25-25 16,1 24 0,-1-24-16,1 25 0,-1-1 15,1-24-15,0 24 0,-1 1 16,1-1-16,-1 1 15,25-1-15,-24 1 0,24-1 16,0 0-16,0 1 16,0-1-16,24 1 15,-24-1-15,25-24 0,-25 24 16,24 1-16,1-1 16,-1 1-16,0-25 15,-24 24-15,25-24 16,-1 0-16,25 0 0,-24 0 15,-1 0-15,25 0 0,-25 0 16,1 0-16,24-24 16,-25 24-16,0 0 15,-24-25 1,-24 25 0</inkml:trace>
+  <inkml:trace contextRef="#ctx0" brushRef="#br0" timeOffset="15338">9036 1010 0,'0'24'62,"-24"1"-62,24-1 16,0 0-16,0 1 0,0 24 15,0 0-15,24-25 0,-24 25 16,0 0-16,24-1 16,-24-23-16,0 24 0,25-25 15,-25 1-15,0-1 0,24-24 16,-24 24-16</inkml:trace>
+  <inkml:trace contextRef="#ctx0" brushRef="#br0" timeOffset="15662">9329 1010 0,'0'-25'0,"-24"25"0,48 0 46,1-24-30,23 24-16,-23 0 0,24 0 16,0-25-16,-1 25 0,1 0 15,0 0-15,0-24 16,-25 24-16,1 0 0,-1 0 16</inkml:trace>
+  <inkml:trace contextRef="#ctx0" brushRef="#br0" timeOffset="15907">9427 985 0,'24'25'16,"-24"-1"-1,25 1-15,-25-1 16,0 0-16,0 1 0,24 24 15,-24-25-15,0 25 16,0-25-16,25 25 0,-25 0 16,24-25-16,-24 1 15,0-1-15,24 1 0,-24-1 16,25-24-16</inkml:trace>
+  <inkml:trace contextRef="#ctx0" brushRef="#br0" timeOffset="16486">9866 985 0,'0'-24'16,"25"24"30,-25 24-30,0 1-16,0 24 16,0-25-16,0 0 15,24 25-15,-24-24 0,25-1 16,-1 1-16,1-1 16,-1 0-16,0-24 0,1 25 15,-1-25-15,25 0 16,-24-25-16,-1 1 0,25 0 15,-25-1-15,1 1 0,-1-1 16,0 1-16,-24-25 16,0 25-16,25-1 0,-25 1 15,0-1-15,0 1 0,-25 24 16,1 24 0,0 25-1,24-24-15,0 23 16,-25 1-16,25 0 0,-24 24 15,24-24-15,0 0 16,0 24-16,24-24 0,-24 0 16,25 0-16,-25 0 0,24 0 15,-24-1-15,24-23 16,-24-1-16,0 1 0,25-1 16,-25 0-16,0-48 62,0 0-46</inkml:trace>
+</inkml:ink>
+</file>
+
+<file path=ppt/ink/ink151.xml><?xml version="1.0" encoding="utf-8"?>
+<inkml:ink xmlns:inkml="http://www.w3.org/2003/InkML">
+  <inkml:definitions>
+    <inkml:context xml:id="ctx0">
+      <inkml:inkSource xml:id="inkSrc0">
+        <inkml:traceFormat>
+          <inkml:channel name="X" type="integer" max="1920" units="cm"/>
+          <inkml:channel name="Y" type="integer" max="1080" units="cm"/>
+          <inkml:channel name="T" type="integer" max="2.14748E9" units="dev"/>
+        </inkml:traceFormat>
+        <inkml:channelProperties>
+          <inkml:channelProperty channel="X" name="resolution" value="55.81395" units="1/cm"/>
+          <inkml:channelProperty channel="Y" name="resolution" value="55.6701" units="1/cm"/>
+          <inkml:channelProperty channel="T" name="resolution" value="1" units="1/dev"/>
+        </inkml:channelProperties>
+      </inkml:inkSource>
+      <inkml:timestamp xml:id="ts0" timeString="2020-11-17T13:46:11.010"/>
+    </inkml:context>
+    <inkml:brush xml:id="br0">
+      <inkml:brushProperty name="width" value="0.05" units="cm"/>
+      <inkml:brushProperty name="height" value="0.05" units="cm"/>
+      <inkml:brushProperty name="fitToCurve" value="1"/>
+    </inkml:brush>
+  </inkml:definitions>
+  <inkml:trace contextRef="#ctx0" brushRef="#br0">26 269 0,'0'-24'31,"0"-1"-15,-24 25-16,24 25 31,0 24-16,0-25-15,0 25 0,0 0 16,0 0-16,0 24 16,0-24-16,0 0 0,24-1 15,-24 1-15,24 0 16,-24-24-16,25 23 0,-1-23 16,-24-1-16,25-24 15,-1 0 1,-24-24-16,25-1 0,-1 1 15,-24 0-15,24-1 16,1-24-16,-25 0 0,24 1 16,-24 23-16,25-24 15,-25 1-15,24 23 0,-24 1 16,0-1-16,25 25 0,-25-24 16,24 24-1,-24 24-15,24-24 0,-24 25 16,25-1-16,-1 1 0,1-1 15,-1 0-15,0 25 16,1-24-16,24-1 0,-25 0 16,25 1-16,-25-1 15,1-24-15,24 25 16,-25-25-16,1 0 0,-1 0 0,0 0 16,1-25-16,-1 1 15,1-1-15,-25 1 0,24-25 16,-24 0-16,0 1 15,0-1-15,0 0 0,-24 0 16,24 0-16,-25 0 0,1 25 16,24-1-16,-25 1 15,25 0-15,-24 24 16,0 24 0,24 0-16</inkml:trace>
+  <inkml:trace contextRef="#ctx0" brushRef="#br0" timeOffset="457">1394 245 0,'-25'0'47,"1"0"-31,-1 24-16,1-24 15,0 49 1,-1-24-16,1-1 0,-1 25 16,1-25-16,24 25 0,0-25 15,24 1-15,-24 24 16,25-25-16,24 1 0,-25-1 15,25-24-15,0 24 0,0-24 16,-1 0-16,1 0 16,0-24-16,-24 0 0,-1 24 15,0-25-15,1 1 16,-25-25-16,0 24 0,0 1 16,0-25-16,-25 25 0,1-25 15,0 25-15,-1-1 16,1 1-16,-25-1 0,24 1 15,1-1-15,0 25 16,-1 0-16,1 0 0,-1 0 16,50 0-1</inkml:trace>
+  <inkml:trace contextRef="#ctx0" brushRef="#br0" timeOffset="1190">1882 220 0,'0'25'47,"0"-1"-32,0 1-15,0-1 0,0 25 16,25-25-16,-25 25 0,0 0 16,0 0-16,0-25 15,0 25-15,0-24 0,0-1 16,0 0-16,24 1 16,-24-50 15,0 1-16,-24 0-15,24-1 0,0 1 16,-25-25-16,25 25 16,-24-25-16,24 0 0,-25 0 15,25-24-15,0 24 0,0 0 16,25 0-16,-1 0 16,1 0-16,-1 25 0,0 0 15,25 24-15,-24 0 16,24 0-16,-25 0 0,25 0 15,-25 24-15,1 0 0,-1 1 16,1-1-16,-25 1 16,24-1-16,-24 1 0,0 23 15,-24-23-15,-1-1 16,1 1-16,-1-1 0,1-24 16,-1 25-16,1-1 0,0-24 15,-1 24-15,1-24 16,-1 0-16,1 0 0,-1 0 15,50 0 17,-1 0-17,-24 25-15,25-25 16,-1 0-16,1 24 0,-1-24 16,0 25-16,1-1 15,-1 1-15,1-1 0,-1 0 16,1 1-16,-1-1 0,0-24 15,1 25-15,-1-25 16,1 24-16,-1-24 0,0 0 16</inkml:trace>
+  <inkml:trace contextRef="#ctx0" brushRef="#br0" timeOffset="1477">2615 172 0,'-25'0'15,"25"-25"-15,-24 25 16,24-24-16,0 48 31,0 1-31,24-1 0,-24 0 16,25 1-16,-25 24 0,24 0 15,-24-25-15,25 25 16,-25 0-16,24-1 0,-24-23 16,0 24-16,0-25 15,0 1-15,0-1 0,0 0 16</inkml:trace>
+  <inkml:trace contextRef="#ctx0" brushRef="#br0" timeOffset="1914">2932 172 0,'0'-25'0,"25"25"16,-25-24-16,24 24 16,-24 24 15,-24 25-31,-1-25 15,1 25-15,0-24 0,-1 24 16,1-1-16,-25-23 16,24-1-16,1 25 0,0-25 15,24 1 1,0-50 0,0 1-1,0 0 1,24 24-16,-24-25 0,24 25 15,1 0-15,-1 25 16,1-25-16,-25 24 16,24 0-16,1-24 0,-1 25 15,0 24-15,1-25 16,-1 1-16,25-1 0,-25-24 16,1 24-16,-1 1 15,-24-1-15,25-24 0,-1 0 16,-24 25-16</inkml:trace>
+  <inkml:trace contextRef="#ctx0" brushRef="#br0" timeOffset="2251">3592 733 0,'-25'0'16,"50"0"15,-1 0-15,1 0-1,-1 0-15,-24-24 0,24 24 16,25 0-16,-24 0 0,-1 0 16,1 0-16,23 0 15,-23-25-15,-1 25 16,1 0-16,-50 0 31</inkml:trace>
+  <inkml:trace contextRef="#ctx0" brushRef="#br0" timeOffset="2665">4520 269 0,'0'-24'0,"0"-1"0,0 1 15,-25 0 1,1 24-16,0-25 16,-1 25-16,1 0 0,-1 0 15,-24 0-15,25 25 16,-25-1-16,25 0 0,-1 1 15,1-1-15,0 1 0,-1 24 16,25-1-16,0-23 16,0 24-16,25-1 0,-1-23 15,0 24-15,25-25 16,-24 1-16,23-1 0,1 0 16,0-24-16,0 25 0,-25-25 15,25 0-15,-24 0 16,-1 0-16,1-25 0,-1 25 15,-24-24 1</inkml:trace>
+  <inkml:trace contextRef="#ctx0" brushRef="#br0" timeOffset="2952">4862 269 0,'0'-24'16,"0"-1"-16,0 1 16,24 24-1,-24 24 1,0 1-16,0-1 0,0 1 16,0-1-16,0 1 15,25-1-15,-25 25 0,0-25 16,0 25-16,24-24 15,-24 23-15,25-23 0,-25-1 16,0 1-16,24-1 0,-24 0 16</inkml:trace>
+  <inkml:trace contextRef="#ctx0" brushRef="#br0" timeOffset="3270">5301 147 0,'-24'0'0,"24"-24"0,-24 24 16,24-25-1,24 25 16,0 0-31,1 0 0,-1 0 16,25 0-16,0 0 16,24 0-16,1 0 0,-26 0 15,26 0-15,-1 0 16,-24-24-16,0 24 0,-25 0 16,-24-25-1,-24 25-15,-1 0 16,-24 0-16,0 0 0</inkml:trace>
+  <inkml:trace contextRef="#ctx0" brushRef="#br0" timeOffset="3503">5472 74 0,'25'0'0,"-25"24"16,24-24-1,-24 25-15,0-1 16,25 1-16,-25-1 15,0 0-15,0 25 16,0-24-16,0 24 0,0-1 16,24 1-16,-24-24 15,0 24-15,24-1 0,-24-23 16,0-1-16,25 1 0,-25-1 16,0 0-16,24-24 15</inkml:trace>
+  <inkml:trace contextRef="#ctx0" brushRef="#br0" timeOffset="4151">6205 172 0,'-24'-25'0,"24"1"16,0-1 0,0 1-1,24 24 17,-24 24-32,0 1 15,24-1-15,-24 1 0,25 23 16,-25-23-16,24-1 15,1 25-15,-25-24 0,24-1 16,1 0-16,-1 1 16,-24-1-16,24-24 0,1 0 15,-1 0-15,1 0 16,-25-24-16,24-1 16,1 1-16,-25 0 0,24-1 15,-24 1-15,24-1 16,-24-24-16,0 25 0,25 0 15,-25-1-15,-25 25 32,25 25-32,-24-1 0,24 0 15,-24 1-15,24 24 16,0 0-16,0-25 0,-25 25 16,25 0-16,0 0 0,0-1 15,0 1-15,0-24 16,0 23-16,0-23 0,0 24 15,-24-25-15,24 1 16,0-1-16,0 0 0,0 1 16,0-1-16,0 1 15,-25-1-15,25 1 16,0-1 0,0-48 15</inkml:trace>
+</inkml:ink>
+</file>
+
+<file path=ppt/ink/ink152.xml><?xml version="1.0" encoding="utf-8"?>
+<inkml:ink xmlns:inkml="http://www.w3.org/2003/InkML">
+  <inkml:definitions>
+    <inkml:context xml:id="ctx0">
+      <inkml:inkSource xml:id="inkSrc0">
+        <inkml:traceFormat>
+          <inkml:channel name="X" type="integer" max="1920" units="cm"/>
+          <inkml:channel name="Y" type="integer" max="1080" units="cm"/>
+          <inkml:channel name="T" type="integer" max="2.14748E9" units="dev"/>
+        </inkml:traceFormat>
+        <inkml:channelProperties>
+          <inkml:channelProperty channel="X" name="resolution" value="55.81395" units="1/cm"/>
+          <inkml:channelProperty channel="Y" name="resolution" value="55.6701" units="1/cm"/>
+          <inkml:channelProperty channel="T" name="resolution" value="1" units="1/dev"/>
+        </inkml:channelProperties>
+      </inkml:inkSource>
+      <inkml:timestamp xml:id="ts0" timeString="2020-11-17T13:46:36.176"/>
+    </inkml:context>
+    <inkml:brush xml:id="br0">
+      <inkml:brushProperty name="width" value="0.05" units="cm"/>
+      <inkml:brushProperty name="height" value="0.05" units="cm"/>
+      <inkml:brushProperty name="fitToCurve" value="1"/>
+    </inkml:brush>
+  </inkml:definitions>
+  <inkml:trace contextRef="#ctx0" brushRef="#br0">396 322 0,'-25'0'0,"25"-24"16,-24 24-1,-1 0-15,1 24 16,-1-24-16,-23 24 31,-1 25-31,0-24 0,24 23 0,-23-23 16,23-1-16,25 25 15,-24 0-15,24-25 0,0 25 16,24-24-16,1 24 0,23-25 16,-23 0-16,24 1 15,0-1-15,-25 1 0,25-1 16,-25-24-16,25 0 15,-24 0-15,-1 0 0,0-24 16</inkml:trace>
+  <inkml:trace contextRef="#ctx0" brushRef="#br0" timeOffset="378">689 444 0,'0'-24'15,"24"-1"1,-24 1-1,0 48 17,0 1-17,24-1 1,-24 25-16,0-25 0,0 25 16,0-24-16,25 23 0,-25-23 15,0 24-15,0-25 16,0 1-16,0-1 0</inkml:trace>
+  <inkml:trace contextRef="#ctx0" brushRef="#br0" timeOffset="768">786 664 0,'0'-25'0,"0"1"15,25 0 16,-1 24-15,1 0-16,-1 0 0,25-25 16,-25 25-16,25 0 0,-24-24 15,23 24-15,-23 0 16,-1 0-16,1-25 0,-1 1 16,-24-1-1,0 1-15,-24-25 16,24 25-1,0-1-15,0 1 16,0 0-16,0 48 31,0 0-15,24 1-16,-24-1 0,0 1 16,25-1-16,-25 25 15,24-25-15,0 1 0,-24 24 16,25-25-16,-25 0 15,0 1-15,24-1 0,-24 1 16,0-1-16</inkml:trace>
+  <inkml:trace contextRef="#ctx0" brushRef="#br0" timeOffset="1308">1666 273 0,'-25'0'16,"25"25"15,0-1-15,0 0-16,0 1 15,0 24-15,0-25 0,0 1 16,0 23-16,0-23 16,25-1-16,-25 25 0,0-25 15,0 1 1,0-1-16,0-48 47,-25-1-47,25 1 0,0 0 15,0-25-15,0 0 16,0 0-16,25 0 0,-25-24 16,0 24-16,24 0 0,0 25 15,-24-1-15,0 1 16,25 0-16,-1 24 16,-24 24-16,25-24 15,-25 24-15,24 25 0,1-24 16,-25 24-16,24-1 0,0-23 15,1 24-15,-25 0 16,24-1-16,1-23 0,-25 24 16,24-25-16,-24 0 0,24 1 15,-24-1 1</inkml:trace>
+  <inkml:trace contextRef="#ctx0" brushRef="#br0" timeOffset="1483">1714 542 0,'-24'0'0,"0"-25"15,24 1 1,24-1 0,0 25-16,1 0 15,-1-24-15,1 24 0,24 0 16,-25-24-16,0 24 15</inkml:trace>
+  <inkml:trace contextRef="#ctx0" brushRef="#br0" timeOffset="2123">2178 224 0,'0'25'31,"0"-1"-15,-24 1 0,24-1-16,0 0 0,0 1 15,0 24-15,0-25 0,0 25 16,0-25-16,24 1 16,-24 24-16,0-25 0,0 0 15,0 1-15,25-25 0,-25 24 16,0-48-1,0-1 1,0 1 0,0 0-16,0-25 0,0 24 15,0-24-15,0 1 16,0-26-16,0 26 0,0-1 16,24 0-16,1 0 0,-25 0 15,24 25-15,1-25 16,-1 49-16,0-25 0,1 25 15,-1 0-15,1 25 16,-1-1-16,1 1 16,-1-1-16,-24 1 0,0-1 15,0 0-15,0 1 16,-24-1-16,-1 1 0,1-1 16,-25-24-16,24 25 0,-23-1 15,23-24-15,1 0 16,-1 24-16,25 1 31,25-25-31,-1 24 16,1-24-16,-1 25 0,25-1 15,-25 0-15,1 1 16,24-25-16,-25 24 0,0 1 16,1-25-16,-1 24 15,1 1-15,-1-25 16,-24 24-16,24-24 15,1 0-15</inkml:trace>
+  <inkml:trace contextRef="#ctx0" brushRef="#br0" timeOffset="2418">3009 371 0,'-25'-25'0,"1"25"16,0 0-16,-1 0 15,50 0 17,-1 0-32,0 0 15,1 0-15,24 0 0,-25 0 16,1 0-16,-1 0 15,0 0-15,1 0 0,-1 0 16,-24-24 0</inkml:trace>
+  <inkml:trace contextRef="#ctx0" brushRef="#br0" timeOffset="2694">3546 102 0,'0'25'47,"0"-1"-31,25 0-16,-25 25 0,0-24 15,24 24-15,-24-1 0,0 1 16,24 0-16,-24-25 16,0 25-16,25 0 0,-25-24 15,0-1-15,0 0 16,0 1-16</inkml:trace>
+  <inkml:trace contextRef="#ctx0" brushRef="#br0" timeOffset="3113">4181 224 0,'0'-24'0,"0"-1"31,-24 25-31,-1 0 16,1 25-16,-1-25 15,1 24-15,0 1 16,-1-1-16,1 1 0,24-1 16,-25 25-16,25 0 15,0-25-15,25 25 0,-25 0 16,24 0-16,1-25 0,23 25 16,-23-25-16,24 1 15,0-25-15,-1 24 0,1-24 16,0 0-16,0-24 15,0-1-15,0 1 0,-25-25 16,1 0-16,-1 25 0,-24-49 16,0 24-16,0 0 15,-24 0-15,-1 0 0,-24 25 16,25-1-16,-25 1 16,0-1-16,0 25 0,0 0 15,1 0-15,-1 0 0,24 25 16,1-1-16,-1 1 15</inkml:trace>
+</inkml:ink>
+</file>
+
+<file path=ppt/ink/ink153.xml><?xml version="1.0" encoding="utf-8"?>
+<inkml:ink xmlns:inkml="http://www.w3.org/2003/InkML">
+  <inkml:definitions>
+    <inkml:context xml:id="ctx0">
+      <inkml:inkSource xml:id="inkSrc0">
+        <inkml:traceFormat>
+          <inkml:channel name="X" type="integer" max="1920" units="cm"/>
+          <inkml:channel name="Y" type="integer" max="1080" units="cm"/>
+          <inkml:channel name="T" type="integer" max="2.14748E9" units="dev"/>
+        </inkml:traceFormat>
+        <inkml:channelProperties>
+          <inkml:channelProperty channel="X" name="resolution" value="55.81395" units="1/cm"/>
+          <inkml:channelProperty channel="Y" name="resolution" value="55.6701" units="1/cm"/>
+          <inkml:channelProperty channel="T" name="resolution" value="1" units="1/dev"/>
+        </inkml:channelProperties>
+      </inkml:inkSource>
+      <inkml:timestamp xml:id="ts0" timeString="2020-11-17T13:46:30.770"/>
+    </inkml:context>
+    <inkml:brush xml:id="br0">
+      <inkml:brushProperty name="width" value="0.05" units="cm"/>
+      <inkml:brushProperty name="height" value="0.05" units="cm"/>
+      <inkml:brushProperty name="fitToCurve" value="1"/>
+    </inkml:brush>
+  </inkml:definitions>
+  <inkml:trace contextRef="#ctx0" brushRef="#br0">6936 757 0,'0'-24'31,"0"-1"-15,0 50 31,0-1-32,0 1-15,0-1 0,0 0 16,0 1-16,0-1 0,0 1 16,0-1-16,0 1 15,0-1-15</inkml:trace>
+  <inkml:trace contextRef="#ctx0" brushRef="#br0" timeOffset="402">7327 220 0,'0'-25'0,"0"1"0,-24 24 16,24-24-16,0 48 16,24 0-1,-24 1-15,0-1 16,24 25-16,-24-24 16,25 23-16,-25 1 0,0-24 15,24 24-15,-24-1 0,0-23 16,25 24-16,-25-25 15,0 1-15,24-1 0,-24 0 16,0 1-16,25-25 16,-1 0-16,0 0 15,1 0-15,24 0 16,-25-25-16,25 25 16,0 0-16,-25-24 0,25 24 15,-25 0-15,1 0 0,-1 0 16,1 0-16,-25-24 15</inkml:trace>
+  <inkml:trace contextRef="#ctx0" brushRef="#br0" timeOffset="954">8133 318 0,'0'-25'16,"-24"25"0,24 25-1,0-1 1,0 0-16,0 1 16,0-1-16,0 25 15,0-24-15,0 23 0,0-23 16,24-1-16,-24 25 0,0-24 15,0-1-15,24-24 16,-24 24-16,0 1 16,0-50-1,-24 25-15,24-24 16,0 0-16,0-1 0,0 1 16,-24-25-16,24 0 15,0 0-15,0 0 0,0-24 16,24 24-16,-24-24 0,24 24 15,-24 0-15,25 0 16,-1 25-16,-24-1 0,25 1 16,-1 24-16,1 0 15,-1 24-15,0 1 0,1-1 16,-25 1-16,24 24 0,1-1 16,-1 1-16,0 0 15,1 0-15,-1 0 0,1 0 16,-1-25-16,1 25 15,-1-25-15,0 25 16,-24-24-16,25-25 0,-25 24 0,24-24 16,-24 25-16,-24-25 15,-1-25 1</inkml:trace>
+  <inkml:trace contextRef="#ctx0" brushRef="#br0" timeOffset="1181">8182 513 0,'-25'0'0,"25"-24"16,0-1-16,0 1 15,25 24-15,-1 0 16,1-25-16,-1 25 16,1-24-16,23 24 0,-23 0 15,24-25-15,0 25 16,-1-24-16,-23 24 0,24 0 15,-1 0-15,-23-24 0,-1 24 16,1 0 0</inkml:trace>
+  <inkml:trace contextRef="#ctx0" brushRef="#br0" timeOffset="-2275">3883 1075 0,'-24'0'0,"0"-25"16,24 50 30,24-25-30,-24 24-16,0 1 16,0-1-1,-24 0-15,24 1 0,0-1 16,-25 25-16,25-25 0,0 1 16,-24-25-16</inkml:trace>
+  <inkml:trace contextRef="#ctx0" brushRef="#br0" timeOffset="-1401">4347 708 0,'0'-24'16,"0"0"-1,0 48 48,0 0-63,0 1 15,0-1-15,0 1 0,0-1 16,0 0-16,25 25 16,-25-24-16,0-1 0,0 1 15,0-1-15,0 0 16,0-48 15,0 0-15,0-1-16,0-24 15,0 25-15,0-25 16,0 0-16,0 0 0,0 25 16,24-25-16,-24 0 0,25 25 15,-25-25-15,24 25 16,1 24-16,-1 0 0,0 0 15,1 0-15,-1 24 16,1 0-16,-25 1 0,24-1 16,1 25-16,-1-24 0,0-1 15,1 25-15,-25-25 16,24 1-16,-24-1 0,25 0 16,-25 1-16,0-1 15,24-24 16,-24-24-15,0-1-16,0 1 0,0 0 16,24-25-16,-24 24 15,0-23-15,25-1 0,-25 0 16,24 24-16,1 1 0,-1 0 16,1-1-16,-1 25 15,0 0-15,1 25 16,-1-1-16,-24 0 0,25 25 15,-25-24-15,24 24 16,-24-25-16,0 0 0,25 25 16,-25-24-16,0-1 15,0 0-15,24-24 0,-24 25 16</inkml:trace>
+  <inkml:trace contextRef="#ctx0" brushRef="#br0" timeOffset="-1128">5495 562 0,'0'-25'0,"0"1"16,-24 24-16,24-24 0,0-1 15,-25 25-15,25 25 31,0-1-15,25 0-16,-25 1 16,0 24-16,0-25 0,0 25 15,24 0-15,-24-25 0,0 25 16,0-25-16,0 1 16,0-1-16,0 1 0,0-1 15</inkml:trace>
+  <inkml:trace contextRef="#ctx0" brushRef="#br0" timeOffset="-635">5862 464 0,'24'0'0,"-48"0"46,24 25-46,0-1 16,-25 0-16,25 1 16,0 24-16,0-25 0,0 25 15,0 0-15,-24-25 16,24 25-16,0 0 0,0-25 16,0 1-16,24-25 15,-24 24-15,25-48 16,-25-1-1,24 1-15,-24-25 16,0 0-16,0 0 0,24 1 16,-24-1-16,0-25 0,0 26 15,0-1-15,0 0 16,0 0-16,0 25 0,25-1 16,-1 25-1,1 0-15,-1 0 0,-24 25 16,25-1-16,-1 25 0,0 0 15,1-25-15,-1 25 16,1 0-16,-1 0 0,1 0 16,-1-1-16,0 1 15,1-24-15,-1 23 0,-24-23 16,25-1-16,-25 1 16</inkml:trace>
+  <inkml:trace contextRef="#ctx0" brushRef="#br0" timeOffset="-426">5886 733 0,'-24'0'16,"-1"0"-16,25-25 16,0 1-1,25 24-15,-1-24 16,25 24-16,-25-25 15,25 25-15,0 0 0,0-24 16,0 24-16,-25 0 16,25-25-16,-25 25 0,1 0 15</inkml:trace>
+  <inkml:trace contextRef="#ctx0" brushRef="#br0" timeOffset="-3804">1441 757 0,'0'-24'31,"0"-1"16,0 50-16,0-1-31,0 1 16,0-1-16,0 0 0,0 25 15,0 0-15,0 0 16,0 0-16,0 0 0,0 0 15,0-25-15,25 25 16,-25-25-16,0 25 0,0-25 16,0 1-16</inkml:trace>
+  <inkml:trace contextRef="#ctx0" brushRef="#br0" timeOffset="-3385">1612 904 0,'-24'-25'0,"-1"1"16,1 24-16,24-25 15,-25 1 1,50 24 0,-1 0-1,-24 24-15,25-24 16,23 25-16,-23-1 15,-1 1-15,25-1 0,0 1 16,0-1-16,0 0 16,-25 1-16,25-1 0,-25 1 15,25-25-15,-24 0 0,-25 24 16,24-24-16,-24-24 31,0-1-31,0 1 0,0-1 16,0 1-16,0-25 15,0 0-15,-24 0 0,24 1 16,0-1-16,0 24 16,0-24-16,0 25 0,0 0 15,0 48 1,0 0 0,24 1-16,-24-1 15</inkml:trace>
+  <inkml:trace contextRef="#ctx0" brushRef="#br0" timeOffset="-2925">2320 611 0,'-24'0'31,"24"24"0,0 1-15,0-1-16,24 0 0,-24 1 15,25-1-15,-25 1 16,0-1-16,24 0 0,1 1 16,-1 24-1,0-49-15,1 0 16,-1-25-16,1 25 0,-1-24 15,1-1-15,-25 1 16,24 0-16,-24-25 0,24 24 16,-24 1-16,0 0 0,0-25 15,0 24 1,-24 25 0,24 25-16,0-1 15,0 1-15,0 23 0,0 1 16,-24-24-16,24 23 0,0 1 15,0 0-15,0 0 16,24-25-16,-24 1 0,0 24 16,0-25-16,24 1 15</inkml:trace>
+  <inkml:trace contextRef="#ctx0" brushRef="#br0" timeOffset="-2568">3224 611 0,'24'0'0,"-24"-25"16,-24 25 0,0 0-1,-1 0-15,1 0 16,-50 25-1,50-1-15,0 1 0,-25-1 0,24 0 16,1 1-16,-1 24 16,25-25-16,-24 25 0,24-25 15,0 25-15,0 0 0,0-25 16,24 1-16,1 24 16,-1-25-16,1-24 0,-1 25 15,25-25-15,-25 0 16,25 0-16,0 0 0,-24 0 15,-1 0-15,0-25 0,1 25 16,-1-24-16,-24-1 16</inkml:trace>
+  <inkml:trace contextRef="#ctx0" brushRef="#br0" timeOffset="2864">0 1099 0,'25'0'94,"-1"0"-94,25 0 16,0-24-16,0 24 0,-1 0 15,26-25-15,-1 1 16,0 24-16,25-25 0,-49 1 15,24 24-15,-24-24 16,0 24-16,-25 0 0,0 0 16,1 0-16,-50 0 31,1 0-15</inkml:trace>
+  <inkml:trace contextRef="#ctx0" brushRef="#br0" timeOffset="3311">733 830 0,'-25'0'0,"25"-24"16,-24 24-1,24 24 1,24-24 15,1 0-31,-1 0 16,1 0-16,-1 25 0,0-25 16,1 0-16,-1 0 15,1 0-15,-1 24 0,1-24 16,-1 0-1,-24 25-15,24-25 0,-24 24 32,0 1-17,0-1 1,-24-24-16,24 24 16,-24 1-16,24-1 0,-25 1 15,25-1-15,0 1 0,-24-1 16,24 0-1,0 1-15,-25-25 32</inkml:trace>
+  <inkml:trace contextRef="#ctx0" brushRef="#br0" timeOffset="4554">9452 293 0,'-25'0'15,"1"0"-15,0 0 16,48 0 15,0 0-15,1 0-16,-1 0 15,25 0-15,0 0 0,0-24 16,24 24-16,-24-25 0,24 25 16,-24 0-16,24-24 15,-24 24-15,0 0 0,-25 0 16,1 0-16,-25-25 0,-25 25 31,1 0-15</inkml:trace>
+  <inkml:trace contextRef="#ctx0" brushRef="#br0" timeOffset="4921">9965 49 0,'24'0'94,"-24"24"-94,25-24 0,-1 0 16,25 0-16,-25 25 15,25-25-15,-24 24 0,23-24 16,1 25-16,-24-25 16,-1 0-16,0 24 0,-24 0 15,0 1-15,-24-1 16,0 1 0,-1-25-16,1 24 0,-25 1 15,25-1-15,-1-24 16,1 24-16,-1 1 0,1-25 15,-1 24-15</inkml:trace>
+  <inkml:trace contextRef="#ctx0" brushRef="#br0" timeOffset="9865">5813 1563 0,'-25'0'0,"25"-24"16,25 24 30,-1-25-46,25 25 16,0-24-16,24-1 0,25 1 16,24 0-16,-24-1 15,24 1-15,0-1 0,-24 1 16,-1 24-16,-48 0 0,0 0 16,-25 0-16,-48 0 15</inkml:trace>
+  <inkml:trace contextRef="#ctx0" brushRef="#br0" timeOffset="10099">6350 1465 0,'25'0'16,"-1"0"-16,0 0 16,1 25-1,-1-25-15,-24 24 0,25-24 0,-1 25 16,-24-1-16,25 25 15,-25-25-15,24 25 0,-24 0 16,24 0-16,-24 0 16,25 24-16,-25-24 0,24-25 15,-24 25-15,25-24 0,-25-1 16,24 0-16,-24 1 16,24-25-16</inkml:trace>
+  <inkml:trace contextRef="#ctx0" brushRef="#br0" timeOffset="10524">7181 1856 0,'24'25'0,"-48"-25"31,48 0 0,0 0-15,1 0-16,24-25 16,-25 25-16,0 0 0,25-24 15,-24 24-15,-1-25 16,1 25-16,-1-24 0,0 0 16,-24-1-1,0 1-15,0-1 16,-24 25-16,0 0 0,-25 0 15,24 0-15,-24 0 16,1 25-16,23-1 0,-24-24 16,1 25-16,23-1 0,1 0 15,-1 25-15,25-24 16,0-1-16,25 1 0,-1-1 16,1 0-16,-1 1 15,25-1-15,0-24 0,-1 25 16,1-25-16,0 0 0,0 0 15,-25-25-15</inkml:trace>
+  <inkml:trace contextRef="#ctx0" brushRef="#br0" timeOffset="10830">8328 1759 0,'0'-25'15,"25"1"-15,-25-1 16,0 1-16,-25-1 0,1 25 16,-25-24-1,25 24-15,-1 0 0,-24 24 16,25-24-16,-25 25 16,25-1-16,-1 1 0,1-25 15,-1 24-15,1 1 16,24 23-16,0-23 0,0-1 15,0 1-15,24-1 0,1 1 16,-1-1-16,1 0 16,24-24-16,-25 25 0,25-25 15,0 0-15,-25-25 0,25 1 16</inkml:trace>
+  <inkml:trace contextRef="#ctx0" brushRef="#br0" timeOffset="11256">8524 1368 0,'0'-25'16,"-25"1"-16,1 24 15,24 24 1,24 1 0,-24 24-16,25-25 15,-1 25-15,1-25 16,-1 74-16,0-49 15,-24-25-15,25 25 16,-25 0-16,0-25 0,24 1 16,-24-1-16,0 1 0,25-25 31,-25-25-15,0 1-16,24-1 15,-24 1-15,25-25 0,-25 25 16,24-1-16,0 1 0,1-1 15,-1 25-15,1 0 16,-1 0-16,1 0 0,23 0 16,-23 25-16,-1-1 15,1 1-15,-1-1 0,-24 1 16,24-1-16,-24 0 0,25 1 16,-25-1-16,0 1 15,0-1-15</inkml:trace>
+  <inkml:trace contextRef="#ctx0" brushRef="#br0" timeOffset="11711">9452 1612 0,'-25'0'0,"1"0"0,0 0 16,-1 0-16,1-24 15,24-1 1,24 25 0,1 25-1,-1-1 1,-24 0 0,24 1-16,-24-1 0,0 1 15,25-1-15,-25 1 16,0-50 15,0 1-15,0-1-16,24 1 15,-24-1-15,25 1 0,-1-25 16,1 25-16,-1-1 16,0 1-16,1-1 0,-1 25 15,1 0-15,-1 25 16,0-1-16,-24 1 15,25 24-15,-25-25 0,0 0 16,0 25-16,24-24 16,-24-1-16,0 1 0,0-1 15</inkml:trace>
+  <inkml:trace contextRef="#ctx0" brushRef="#br0" timeOffset="11910">9989 1490 0,'25'-25'16,"-1"25"-1,-24 25 1,0-1 0,0 1-16,0 24 15,0-25-15,24 0 16,-24 25-16,0-24 0,0-1 15,0 1-15,25-1 16</inkml:trace>
+  <inkml:trace contextRef="#ctx0" brushRef="#br0" timeOffset="12061">10062 1172 0,'0'-24'0,"-24"0"15,0 24 1,24 24-16,0 0 16,0 1-1</inkml:trace>
+  <inkml:trace contextRef="#ctx0" brushRef="#br0" timeOffset="13757">10697 1417 0,'25'0'16,"-25"-25"0,0 1-1,-25-1-15,1 25 16,0 0 0,-1 25-16,1-25 0,-25 24 15,24-24-15,1 25 0,0-1 16,-1 25-16,1-25 15,-1 1-15,25-1 16,0 1-16,0 23 0,25-23 16,-1-1-16,1 1 0,23-1 15,1 1-15,0-1 0,0-24 16,24 0-16,1 0 16,-1-24-16,0-1 0,0 1 15,-24-1-15,24-24 16,-24 25-16,0-25 0,-24 25 15,-1-25-15,0 24 0,-24 1 16,0 0-16,0-1 16,-24 1-16,0 24 15,-25-25-15,24 25 16,1 0-16,-1 0 0,-23 0 16,23 0-16,1 0 0,-1 25 15,1-25-15,-1 24 16,1 1-16,24-1 0,-24 0 15,24 1-15,0-1 0,0 1 16,24-1-16,-24 1 16,24-1-16,1 0 0,-1-24 15,1 25-15,-1-25 16,25 0-16,-25 0 0,1-25 16,-1 25-16,1-24 0,-1 0 15,1-1-15,-1 1 16,-24-1-16,0 1 0,24-1 15,-24 50 17,0-1-17,25 1 1,-25-1-16,24-24 0,1 25 16,-1-1-1,1-24-15,-1 0 0,0 0 16,25 0-16,-24-24 0,-1-1 15,1 1-15,-1-1 16,0 1-16,-24-1 0,25-23 16,-25-1-16,24 0 15,-24 0-15,0-24 0,-24 24 16,-1 0-16,25 0 0,-24 0 16,0 25-16,-1 0 15,25-1-15,-24 25 0,24 25 16,-25 23-1,25 1-15,0 0 0,25 0 16,-25 24-16,24-24 0,1 0 16,-1 24-16,0-48 15,1 23-15,-1 1 0,25-24 16,-25-1-16,1-24 16,-1 0-16,25-24 0,-24 24 15,-1-25-15,0-24 0,1 1 16,-1 23-16,-24-48 15,25 48-15,-25-23 0,0-1 16,0 0-16,0 0 16,-25 25-16,25-1 0,-24 1 15,24-1-15,0 1 0,-25 0 16,25 48 15,0 0-31,0 1 0,0-1 16,0 25-16,0 0 15,0-25-15,25 25 0,-25 0 16,0 0-16,24-25 16,1 1-16,-1-1 0,1 1 15,-1-25-15,0 0 16,1 0-16,-1 0 0,25-25 16,-25 1-16,1-1 0,-25-24 15,24 25-15,1-25 16,-25 25-16,0-1 0,0 1 15,0 0-15,0 48 32,0 0-32,0 1 15,0-1-15,24 1 16,-24-1-16,25 0 0,-1 1 16,0-1-16,1 1 15,-1-1-15,1-24 0,-1 25 16,1-25-16,-1 0 0,0-25 15,1 1-15,-1-1 16,1 1-16,-25-1 0,24-23 16,-24 23-16,0-24 0,0 25 15,0 0-15,0-1 16,-24 25-16,-1 49 16,25-25-1,0 25-15,0 24 0,0 1 16,25-1-16,-1 0 0,1 1 15,-25-1-15,24 0 16,0 0-16,1-24 0,-1-24 16,-24 24-16,0-25 15,-24 0-15,-25-24 16,25 0-16,-25 0 0,0 0 16,-24 0-16,24 0 15,24-24-15,-24 24 0,25-24 16,0-1-16,24 1 15,0-1-15,24-24 0,0 25 16,25-25-16,-24 0 0,24 25 16,-1-1-16,1 1 15,-24 0-15,24-1 0,-25 25 16,0 0-16,1 0 16,-25-24-16,-25 48 15,1-24 1,0 0-16</inkml:trace>
+</inkml:ink>
+</file>
+
+<file path=ppt/ink/ink154.xml><?xml version="1.0" encoding="utf-8"?>
+<inkml:ink xmlns:inkml="http://www.w3.org/2003/InkML">
+  <inkml:definitions>
+    <inkml:context xml:id="ctx0">
+      <inkml:inkSource xml:id="inkSrc0">
+        <inkml:traceFormat>
+          <inkml:channel name="X" type="integer" max="1920" units="cm"/>
+          <inkml:channel name="Y" type="integer" max="1080" units="cm"/>
+          <inkml:channel name="T" type="integer" max="2.14748E9" units="dev"/>
+        </inkml:traceFormat>
+        <inkml:channelProperties>
+          <inkml:channelProperty channel="X" name="resolution" value="55.81395" units="1/cm"/>
+          <inkml:channelProperty channel="Y" name="resolution" value="55.6701" units="1/cm"/>
+          <inkml:channelProperty channel="T" name="resolution" value="1" units="1/dev"/>
+        </inkml:channelProperties>
+      </inkml:inkSource>
+      <inkml:timestamp xml:id="ts0" timeString="2020-11-17T13:46:54.360"/>
+    </inkml:context>
+    <inkml:brush xml:id="br0">
+      <inkml:brushProperty name="width" value="0.05" units="cm"/>
+      <inkml:brushProperty name="height" value="0.05" units="cm"/>
+      <inkml:brushProperty name="fitToCurve" value="1"/>
+    </inkml:brush>
+  </inkml:definitions>
+  <inkml:trace contextRef="#ctx0" brushRef="#br0">464 73 0,'0'-24'15,"0"0"17,0-1-1,0 50 78,0-1-93,0 0-1,0 1 1,-24-1-16,24 1 16,0-1-16,-25 0 0,25 1 15,0-1-15,-24 25 16,24-24-16,0 23 0,0 1 16,-25-24-16,25 24 15,0-1-15,-24-23 0,24 24 16,0-1-16,0-23 0,-25 24 15,25 0-15,0-1 16,0-23-16,0 24 0,0-25 16,0 25-16,0-25 15,0 1-15,0-1 0,0 1 16,0-1-16,25 1 0,-25-1 16,0 0-1,0 1-15,0-1 16,24 1-1</inkml:trace>
+  <inkml:trace contextRef="#ctx0" brushRef="#br0" timeOffset="438">49 1096 0,'-25'-24'16,"25"-1"0,-24 25-1,48 25 32,1-1-31,-1 1-16,-24-1 0,25 0 15,-1 1-15,0-1 16,1 1-16,-1 23 0,1-23 16,-1-1-16,-24 1 0,25-1 15,-1 1-15,-24-1 16,24 0-16,1-24 0,-1 0 31</inkml:trace>
+  <inkml:trace contextRef="#ctx0" brushRef="#br0" timeOffset="882">733 1145 0,'0'-24'31,"0"48"16,-25-24-31,25 24-1,-24-24-15,-1 25 16,1-1-16,0 1 16,-1-1-16,1 0 15,-25 1-15,24-1 0,1 1 16,0-1-16,-1 1 0,1-25 16,-1 24-16,1 0 15,24 1 1,24-1-1,1-24 17,-25-24 15</inkml:trace>
+</inkml:ink>
+</file>
+
+<file path=ppt/ink/ink155.xml><?xml version="1.0" encoding="utf-8"?>
+<inkml:ink xmlns:inkml="http://www.w3.org/2003/InkML">
+  <inkml:definitions>
+    <inkml:context xml:id="ctx0">
+      <inkml:inkSource xml:id="inkSrc0">
+        <inkml:traceFormat>
+          <inkml:channel name="X" type="integer" max="1920" units="cm"/>
+          <inkml:channel name="Y" type="integer" max="1080" units="cm"/>
+          <inkml:channel name="T" type="integer" max="2.14748E9" units="dev"/>
+        </inkml:traceFormat>
+        <inkml:channelProperties>
+          <inkml:channelProperty channel="X" name="resolution" value="55.81395" units="1/cm"/>
+          <inkml:channelProperty channel="Y" name="resolution" value="55.6701" units="1/cm"/>
+          <inkml:channelProperty channel="T" name="resolution" value="1" units="1/dev"/>
+        </inkml:channelProperties>
+      </inkml:inkSource>
+      <inkml:timestamp xml:id="ts0" timeString="2020-11-17T13:46:56.443"/>
+    </inkml:context>
+    <inkml:brush xml:id="br0">
+      <inkml:brushProperty name="width" value="0.05" units="cm"/>
+      <inkml:brushProperty name="height" value="0.05" units="cm"/>
+      <inkml:brushProperty name="fitToCurve" value="1"/>
+    </inkml:brush>
+  </inkml:definitions>
+  <inkml:trace contextRef="#ctx0" brushRef="#br0">293 113 0,'0'-25'0,"0"1"32,0-1-17,25 25 1,-25-24-1,0 0 64,0 48-17,0 0-46,0 1-16,0-1 15,0 1-15,0-1 16,0 25-16,0-25 0,0 25 16,0 0-16,0 0 0,0 0 15,24 0-15,-24-1 16,0 1-16,0 0 0,0 0 15,0-25-15,0 25 0,0 0 16,0-25-16,0 25 16,0-24-16,0 24 0,0-25 15,24 0-15,-24 1 16,0-1-16,0 1 0,25-25 16,-25 24-16,0-48 46,-25-1-30</inkml:trace>
+  <inkml:trace contextRef="#ctx0" brushRef="#br0" timeOffset="329">73 920 0,'-24'0'15,"0"0"-15,-1 0 16,50 0 15,-25 24-15,24-24-1,-24 24-15,24-24 16,1 25-16,-25-1 0,24-24 16,1 25-16,-1-1 15,1 1-15,-1-25 0,0 24 16,1 0 0,-1 1-16,1-25 0,-1 0 15,0 0 1</inkml:trace>
+  <inkml:trace contextRef="#ctx0" brushRef="#br0" timeOffset="762">733 968 0,'0'-24'31,"0"48"16,-25-24-15,25 25-17,-24-25-15,0 0 16,-1 24-16,1-24 15,-1 25-15,1-25 0,-1 24 16,1 1-16,0-1 16,-1-24-16,1 24 0,-1 1 15,1-25-15,24 24 16,-25 1-16,25-1 16,25-24 30,-25-24-30,-25 24 15</inkml:trace>
+</inkml:ink>
+</file>
+
+<file path=ppt/ink/ink156.xml><?xml version="1.0" encoding="utf-8"?>
+<inkml:ink xmlns:inkml="http://www.w3.org/2003/InkML">
+  <inkml:definitions>
+    <inkml:context xml:id="ctx0">
+      <inkml:inkSource xml:id="inkSrc0">
+        <inkml:traceFormat>
+          <inkml:channel name="X" type="integer" max="1920" units="cm"/>
+          <inkml:channel name="Y" type="integer" max="1080" units="cm"/>
+          <inkml:channel name="T" type="integer" max="2.14748E9" units="dev"/>
+        </inkml:traceFormat>
+        <inkml:channelProperties>
+          <inkml:channelProperty channel="X" name="resolution" value="55.81395" units="1/cm"/>
+          <inkml:channelProperty channel="Y" name="resolution" value="55.6701" units="1/cm"/>
+          <inkml:channelProperty channel="T" name="resolution" value="1" units="1/dev"/>
+        </inkml:channelProperties>
+      </inkml:inkSource>
+      <inkml:timestamp xml:id="ts0" timeString="2020-11-17T13:47:22.668"/>
+    </inkml:context>
+    <inkml:brush xml:id="br0">
+      <inkml:brushProperty name="width" value="0.05" units="cm"/>
+      <inkml:brushProperty name="height" value="0.05" units="cm"/>
+      <inkml:brushProperty name="fitToCurve" value="1"/>
+    </inkml:brush>
+  </inkml:definitions>
+  <inkml:trace contextRef="#ctx0" brushRef="#br0">323 244 0,'0'-24'15,"0"48"32,0 1-47,0-1 16,0 0-16,0 1 0,0 24 15,0 0-15,-24-1 16,24 1-16,0 0 0,0 0 16,0 0-16,0-25 0,24 25 15,-24-24-15,0-1 16,25 0-16,-25 1 0,0-1 15</inkml:trace>
+  <inkml:trace contextRef="#ctx0" brushRef="#br0" timeOffset="456">79 513 0,'-24'0'0,"-1"0"0,25-25 16,-24 25-16,24-24 0,0 0 16,0-1-1,24 1-15,-24-1 16,25 1-16,-25 0 16,24 24-16,1-25 15,23 1-15,-23 24 16,-1 0-16,25-25 15,0 25-15,0 0 0,24 0 16,-24 0-16,0 25 0,0-1 16,-1 1-16,1 23 15,-24-23-15,-25 24 0,0-1 16,0 1-16,0 0 16,-25 0-16,1 0 0,-25 0 15,25-25-15,-25 25 0,0-25 16,-73 25-1,73-49-15,0 25 0,25-25 16,-25 0-16,24 0 16,1 0-16,0 0 15,24-25 1,24 25 0</inkml:trace>
+  <inkml:trace contextRef="#ctx0" brushRef="#br0" timeOffset="942">836 391 0,'-24'-25'16,"-1"25"-16,25-24 15,0 0 1,25 24 0,24 0-16,-25-25 0,25 25 15,0 0-15,0-24 16,-1 24-16,1 0 0,0-25 16,0 25-16,0 0 15,-25-24-15,-48 24 16,-1 0-1,-23 0-15,-1 24 16,0-24-16,0 0 0,25 25 16,-25-25-16,24 0 0,1 0 15,24 24-15,0 1 16,24-25 0,-24 24-16,25 0 15,-25 1-15,0-1 0,24 25 16,-24-25-16,0 25 0,0 0 15,0-24-15,-24 23 16,24-23-16,0-1 0,0 25 16,0-24-16,0-1 15,24 0-15,1-24 16,-1 0-16</inkml:trace>
+  <inkml:trace contextRef="#ctx0" brushRef="#br0" timeOffset="1404">1764 366 0,'25'-24'0,"-1"0"16,-24-1-16,0 1 16,0-1-16,-24 1 15,-1 24 1,1 0-16,-1 0 15,-23 0-15,23 0 0,1 0 16,-1 0-16,1 0 16,-1 24-16,1-24 0,0 0 15,24 25 1,0-1 0,0 1-16,0-1 15,0 0-15,0 1 16,0-1-16,0 25 0,0-25 15,0 25-15,0-24 0,0-1 16,-25 25-16,25-25 16,0 1-16,0-1 0,0 1 15,0-1-15,25 1 0,-25-1 16,24 0 0,0 1-16,1-25 15,-1 0 1,1 0-16,24 0 0,-25-25 15,25 25-15,-25-24 16,1 24-16,-1-24 0,1-1 16</inkml:trace>
+  <inkml:trace contextRef="#ctx0" brushRef="#br0" timeOffset="1590">1642 635 0,'-24'0'0,"-1"0"15,25-24-15,25 24 32,24-25-17,-25 25-15,0 0 16,25 0-16,-24 0 0,24-24 16,-25 24-16,0 0 15,1 0-15</inkml:trace>
+  <inkml:trace contextRef="#ctx0" brushRef="#br0" timeOffset="1842">2277 708 0,'-24'25'0,"-1"-1"16,1-24-1,48 0 1,1-24 0,-1 24-1,1-25-15,-1 25 0,0-24 16,1 24 0,-25-25-16,24 25 15</inkml:trace>
+  <inkml:trace contextRef="#ctx0" brushRef="#br0" timeOffset="2135">2546 122 0,'-25'-24'0,"25"-1"16,0 1-16,0-1 15,0 50 1,0-1-16,0 1 16,0-1-16,0 1 0,25 23 15,-25 1-15,0 0 16,24 0-16,-24 0 0,25 0 16,-25-1-16,0 1 0,24 0 15,-24 0-15,24-25 16,-24 1-16,0-1 0,25 1 15</inkml:trace>
+  <inkml:trace contextRef="#ctx0" brushRef="#br0" timeOffset="2568">2668 415 0,'0'-24'16,"0"-1"-16,24 1 31,1 24-15,-1 0-1,25-24-15,-25 24 0,25 0 16,-24-25-16,-1 25 0,25 0 16,-25 0-16,1-24 15,-1 24-15,-24-25 16,0 1-1,-24 24-15,24-25 16,-25 1-16,25 0 0,-24-1 16,24 1-16,-24-1 15,24 1-15,0-1 16,0 50 0,0-1-1,24 1-15,-24-1 0,24 25 16,-24 0-16,0 24 15,25-24-15,-25 0 0,24 0 16,-24-1-16,0 1 0,25-24 16,-25 24-16,0-25 15,0 0-15,0 1 16</inkml:trace>
+  <inkml:trace contextRef="#ctx0" brushRef="#br0" timeOffset="2898">3474 513 0,'0'24'0,"-25"1"15,50-25 17,-1 0-17,1 0-15,-1 0 0,25 0 16,0 0-16,-25-25 16,25 25-16,-24 0 0,-1 0 15,0 0-15,-24 25 47,-24-25-47</inkml:trace>
+  <inkml:trace contextRef="#ctx0" brushRef="#br0" timeOffset="3301">4378 98 0,'0'-25'0,"-25"1"16,1 24-16,-1-25 0,1 25 16,-1-24-16,1 24 15,0 0-15,-1 0 16,1 24-1,24 1-15,-25-1 0,1 25 16,-1-24-16,1 23 0,24 1 16,-24-24-16,24 24 15,0-1-15,24 1 0,0-24 16,1 23-16,-1-23 0,25-1 16,-24 1-16,23-1 15,1 1-15,0-25 0,0 0 16,0 0-16,0 0 15,-25 0-15,1-25 0,-1 25 16,0-24-16,-24-1 31</inkml:trace>
+</inkml:ink>
+</file>
+
+<file path=ppt/ink/ink157.xml><?xml version="1.0" encoding="utf-8"?>
+<inkml:ink xmlns:inkml="http://www.w3.org/2003/InkML">
+  <inkml:definitions>
+    <inkml:context xml:id="ctx0">
+      <inkml:inkSource xml:id="inkSrc0">
+        <inkml:traceFormat>
+          <inkml:channel name="X" type="integer" max="1920" units="cm"/>
+          <inkml:channel name="Y" type="integer" max="1080" units="cm"/>
+          <inkml:channel name="T" type="integer" max="2.14748E9" units="dev"/>
+        </inkml:traceFormat>
+        <inkml:channelProperties>
+          <inkml:channelProperty channel="X" name="resolution" value="55.81395" units="1/cm"/>
+          <inkml:channelProperty channel="Y" name="resolution" value="55.6701" units="1/cm"/>
+          <inkml:channelProperty channel="T" name="resolution" value="1" units="1/dev"/>
+        </inkml:channelProperties>
+      </inkml:inkSource>
+      <inkml:timestamp xml:id="ts0" timeString="2020-11-17T13:47:27.224"/>
+    </inkml:context>
+    <inkml:brush xml:id="br0">
+      <inkml:brushProperty name="width" value="0.05" units="cm"/>
+      <inkml:brushProperty name="height" value="0.05" units="cm"/>
+      <inkml:brushProperty name="fitToCurve" value="1"/>
+    </inkml:brush>
+  </inkml:definitions>
+  <inkml:trace contextRef="#ctx0" brushRef="#br0">443 106 0,'0'-25'16,"-24"1"-16,24 0 15,0-1-15,0 50 32,0 23-17,-25-23-15,25 24 16,0 0-16,0-1 0,0 1 15,25 25-15,-25-26 0,24 1 16,-24 0-16,25 0 16,-25-25-16,0 25 0,24-24 15</inkml:trace>
+  <inkml:trace contextRef="#ctx0" brushRef="#br0" timeOffset="381">77 326 0,'-25'-25'0,"1"1"16,0-1-16,24 1 0,0 0 16,0-1-16,0 1 0,0-1 15,24 1-15,25-1 16,-25 1-16,25 24 0,0-24 15,-25 24-15,50 0 16,-25 24-16,-1-24 0,1 24 16,49 50-1,-74-50-15,1 25 0,-1 0 16,1 0-16,-25 0 0,0-1 16,0 1-16,0 0 15,-25-25-15,-24 25 0,25-24 16,-25 24-16,0-25 0,0 0 15,25 1-15,-25-25 16,0 24-16,25-24 0,-25 0 16,25 25-16,-1-25 15,25-25 1</inkml:trace>
+  <inkml:trace contextRef="#ctx0" brushRef="#br0" timeOffset="842">858 204 0,'-24'0'0,"0"-25"15,48 1 1,0-1-1,25 25-15,-24 0 16,23 0-16,1-24 16,0 24-16,0 0 0,0 0 15,0 0-15,-25-25 0,1 25 16,-1 0-16,-48 0 16,-1 0-1,1 0 1,-25 0-16,24 0 0,-23 0 0,23 0 15,-24 0-15,25 0 0,-1 0 16,1 0-16,24 25 16,0-1-1,0 1-15,0-1 16,0 25-16,24 0 16,-24-25-16,0 25 0,25 0 15,-25 0-15,0 0 16,24 48-1,-24-72-15,0-1 0,0 1 16,25-1-16,-25 0 0</inkml:trace>
+  <inkml:trace contextRef="#ctx0" brushRef="#br0" timeOffset="1190">1957 155 0,'-24'0'0,"0"-25"0,-1 25 16,1 0-16,-1-24 15,1 24-15,-1 0 0,1 0 16,0 0-16,-1 0 0,1 24 15,-1 1-15,1-1 16,0 1-16,-1-1 0,25 25 16,-24 0-16,-1 0 15,25-1-15,0 1 0,25-24 16,-25 24-16,24-1 16,1-23-16,23-1 0,-23 1 15,24-1-15,-25 0 0,25-24 16,-25 0-16,25 0 15,-24-24-15</inkml:trace>
+  <inkml:trace contextRef="#ctx0" brushRef="#br0" timeOffset="1400">1640 472 0,'-25'0'0,"1"0"16,48 0-1,1 0-15,-1 0 16,1 0-16,-1-24 16,25 24-16,0 0 0,0-25 15,0 25-15,-1 0 0,-23-24 16,-1 24-16,1 0 16,-1 0-16,-24-24 0</inkml:trace>
+  <inkml:trace contextRef="#ctx0" brushRef="#br0" timeOffset="1713">2421 716 0,'-24'0'16,"24"-24"15,24 24-15,1 0-1,-25-24-15,24 24 16,25 0-16,-24 0 0,-1 0 16,25 0-16,-25-25 15,1 25-15,24 0 0,-25 0 16,0 0-16,1 0 0,-50-24 31</inkml:trace>
+  <inkml:trace contextRef="#ctx0" brushRef="#br0" timeOffset="2557">3081 179 0,'0'-24'16,"0"-1"15,0 50-15,24-25-1,-24 24-15,25 1 0,-25-1 16,0 25-16,24-25 16,-24 25-16,25 0 0,-25 24 15,0-24-15,24 0 0,-24 0 16,0-25-16,24 25 15,-24-25-15,25 1 0,-25-1 16,24-24-16,-24 25 16,25-25-16,-25-25 15,24 1-15,-24-1 16,25 1-16,-1 0 0,-24-25 16,24 0-16,-24 0 0,25 0 15,-1 0-15,-24 1 16,25 23-16,-25 1 0,24-1 15,-24 1-15,25 24 16,-25 24-16,24-24 0,-24 25 16,24 24-16,1-25 0,-1 25 15,1-25-15,23 25 16,-23-24-16,24 23 0,-25-23 16,25-1-16,-25-24 15,25 25-15,-24-25 0,-1 0 16,25-25-16,-25 1 0,-24-25 15,25 25-15,-25-25 16,24 0-16,-24-24 0,0 24 16,0 0-16,0 0 0,-24 0 15,24 25-15,0-1 16,-25 1-16,25-1 0,-24 25 31,24 25-31,24-1 16</inkml:trace>
+  <inkml:trace contextRef="#ctx0" brushRef="#br0" timeOffset="2852">4473 497 0,'0'24'0,"0"0"16,-24-24-1,24 25 1,-25-25-16,50 24 31,-1-24-15,0 0 0,25-24-16,-24 24 0,-1 0 15,25-25-15,-25 25 0,25 0 16,-24-24-16,-1 24 15,-24-24 17,-24 24-32</inkml:trace>
+  <inkml:trace contextRef="#ctx0" brushRef="#br0" timeOffset="3201">5523 155 0,'0'-25'15,"-24"1"1,-1 24-16,1 0 16,24-25-16,-25 25 0,1 0 15,0 0-15,-1 0 16,1 25-16,-25-1 0,25-24 15,-1 25-15,1 24 16,-1-25-16,1 0 0,24 25 16,0 0-16,0 0 0,0-25 15,24 25-15,1 0 16,24-25-16,-25 25 0,25-24 16,0-1-16,-25 1 0,25-25 15,0 24-15,-25-24 16,25 0-16,-25 0 0,1-24 15,-1 24-15,1-25 16</inkml:trace>
+  <inkml:trace contextRef="#ctx0" brushRef="#br0" timeOffset="3476">5890 204 0,'0'-25'16,"-25"25"-16,25-24 15,-24-1 1,-1 25 0,25 25-1,25-1-15,-25 1 16,24-1-16,-24 25 0,25 0 16,-25 0-16,24-1 15,-24 1-15,24 0 0,1-24 16,-25 23-16,0-23 15,0 24-15,0-25 0,24-24 16,-24 24-16</inkml:trace>
+  <inkml:trace contextRef="#ctx0" brushRef="#br0" timeOffset="3903">6158 228 0,'-24'-24'0,"24"-1"16,-25 25-16,25-24 15,25 24 17,-1-25-32,1 25 15,23 0-15,-23 0 16,24 0-16,-25 0 0,25 0 15,-25 0-15,1-24 0,-1 24 16,-48 0 0,-1 0-1,1 0-15,0 0 16,-1 0-16,-24 0 0,25 0 16,-1 24-16,25 1 15,0-1 1,0 1-16,0-1 0,0 0 15,25 25-15,-25-24 16,0 24-16,24-1 0,-24-23 16,0 24-16,0-25 0,25 25 15,-25-25-15,0 1 16,0-1-16,0 1 16</inkml:trace>
+  <inkml:trace contextRef="#ctx0" brushRef="#br0" timeOffset="4450">6573 155 0,'0'-25'15,"-24"25"-15,0 0 31,24 25-15,0-1-16,0 1 16,0-1-1,24 0-15,-24 1 0,24-1 16,-24 1-16,25-25 16,-1 24-16,1 1 0,-1-25 15,-24 24-15,24-24 0,1 0 16,-1 0-16,1-24 15,-1 24-15,-24-25 0,25 1 16,-1-1-16,-24 1 16,0-1-16,24 25 15,-24-24-15,0 48 16,-24 1 0,24-1-16,0 1 0,-24 24 15,24-1-15,-25 1 16,25 24-16,0-24 0,0 0 15,0 24-15,0-24 0,0 0 16,25-24-16,-25 23 16,0-23-16,24-1 0,-24 1 15,0-1-15,0 1 32,0-50-1,0 1-16</inkml:trace>
+</inkml:ink>
+</file>
+
+<file path=ppt/ink/ink158.xml><?xml version="1.0" encoding="utf-8"?>
+<inkml:ink xmlns:inkml="http://www.w3.org/2003/InkML">
+  <inkml:definitions>
+    <inkml:context xml:id="ctx0">
+      <inkml:inkSource xml:id="inkSrc0">
+        <inkml:traceFormat>
+          <inkml:channel name="X" type="integer" max="1920" units="cm"/>
+          <inkml:channel name="Y" type="integer" max="1080" units="cm"/>
+          <inkml:channel name="T" type="integer" max="2.14748E9" units="dev"/>
+        </inkml:traceFormat>
+        <inkml:channelProperties>
+          <inkml:channelProperty channel="X" name="resolution" value="55.81395" units="1/cm"/>
+          <inkml:channelProperty channel="Y" name="resolution" value="55.6701" units="1/cm"/>
+          <inkml:channelProperty channel="T" name="resolution" value="1" units="1/dev"/>
+        </inkml:channelProperties>
+      </inkml:inkSource>
+      <inkml:timestamp xml:id="ts0" timeString="2020-11-17T13:47:40.434"/>
+    </inkml:context>
+    <inkml:brush xml:id="br0">
+      <inkml:brushProperty name="width" value="0.05" units="cm"/>
+      <inkml:brushProperty name="height" value="0.05" units="cm"/>
+      <inkml:brushProperty name="fitToCurve" value="1"/>
+    </inkml:brush>
+  </inkml:definitions>
+  <inkml:trace contextRef="#ctx0" brushRef="#br0">0 27 0,'0'-25'16,"24"25"15,1 0-15,-1 0-1,1 25-15,23-25 0,1 24 16,24-24-16,1 25 16,23-1-16,1 1 0,0-1 15,24 0-15,0 1 0,0-1 16,0 1-16,-24-1 15,24 1-15,-24-1 0,-25 0 16,25 1-16,-25-25 16,0 24-16,-24 1 0,24-25 15,-24 24-15,0 1 0,0-25 16,-25 24-16,25-24 16,-24 0-16,-1 24 15,-24-48 16,0 0-15</inkml:trace>
+  <inkml:trace contextRef="#ctx0" brushRef="#br0" timeOffset="384">2076 271 0,'0'-24'0,"-25"24"16,1 0-16,-1-25 16,50 25 15,-1 25-15,1-25-16,-1 24 15,1-24-15,23 25 0,-23-1 16,24 0-16,-25 1 0,1-1 15,-1 1-15,0-1 16,-24 25-16,25-25 0,-25 1 16,0-1-16,-25 1 15,25-1-15,-24-24 0,0 25 16,24-1-16,-25 0 0,1 1 16,-1-1-16,-24 1 15,25-1-15,0-24 0,-1 24 16,1 1-16,24-1 0,-25-24 15,1 0-15,24 25 16,-25-25-16</inkml:trace>
+  <inkml:trace contextRef="#ctx0" brushRef="#br0" timeOffset="3354">2931 906 0,'24'-24'15,"-24"-1"1,0 1-16,0-1 15,-24 25 1,-1 25 0,25-1-16,-24 1 15,-1 24-15,25-1 16,-24 26-16,24-25 0,0-1 0,0 1 16,0 0-16,0-25 15,0 1-15,24-1 0,-24 1 16,25-25-16,-1 0 0,1 0 15,-1 0-15,0 0 16,1-25-16,24 1 0,-25-1 16,1 1-16,23-25 15,-23 25-15,-1-25 0,-24 25 16,25-25-16,-25 24 0,24 1 16,-24 48-1,0 1 1,25-1-16,-25 25 15,24-25-15,0 25 0,-24-24 16,49-1-16,-24 0 0,-1-24 16,25 25-16,-25-25 15,25 0-15,-24 0 0,23-25 16,-23 1-16,-1 0 16,1-1-16,-1-24 0,-24 1 15,25 23-15,-25-24 0,0 0 16,-25 1-16,25 23 15,-24-24-15,-1 49 0,25-24 16,-24 24-16,-1 0 16,1 24-16,24 1 0,0-1 15,24 1-15,-24-1 16,25 0-16,24 1 16,-25-1-16,25-24 0,-25 25 15,25-25-15,-24 0 16,48 0-16,-24 0 15,-25 0-15,1 0 0,-1-25 16,-24 1 0,-24 24 15,-1 0-15,25 24-16,0 1 0,0-1 15,0 1-15,0-1 16,0 0-16,0 1 0,0-1 15,25 1-15,-1-1 16,-24 0-16,24-24 0,25 25 16,-24-25-16,-1 0 0,1-25 15,-1 25-15,0-24 16,1 0-16,-25-1 0,0 1 16,0-1-16,0 1 15,-25 0-15,1-1 0,0 1 16,-1-1-16,1 1 0,-1-1 15,1 25-15,-1-24 16,50 24 15,-1 0-31,1 0 16,-1 0-16,1 0 0,-1 0 16,25 0-16,-25 0 15,1 0-15,-1 0 0,25 0 16,-25 0-16,25 0 0,-24 0 15,24 0-15,-25 0 16,25 24-16,-25-24 0,1 25 16,-1-1-16,0 1 15,1-1-15,-25 1 0,0-1 16,0 0 0,-25-24-16,1 25 15,0-25-15,-1 0 0,1-25 16,24 1-1,0 0 1,24-1-16,1 1 0,-1-25 16,25 24-16,-25-23 15,25-1-15,-24 0 0,23 24 16,-23-23-16,-25 23 16,24-24-16,-24 25 0,0 0 15,0-1-15,0 1 16,0-1-1,-24 25-15,24-24 16,0 48 0,0 1-1,0-1-15,24 25 16,-24 0-16,0 0 16,25-1-16,-25 1 0,24 0 15,-24 0-15,25 0 16,-25-25-16,0 1 0,24-1 15,-24 1-15,0-1 16,24-48 0,1-1-1,-25 1-15,24-1 16,1 1-16,-1-1 0,25-23 16,-25 23-16,1 1 0,-1 24 15,1-25-15,-1 25 16,0 0-16,-48 25 31,0-25-31,-25 24 0,24 1 16,-24-25-16,25 24 0,-25-24 15,25 24-15,-1-24 16,1 0-16,48 25 31,1-25-31,-1 0 0,1 24 16,-1-24-16,25 25 0,-25-1 15,25 1-15,-24-1 16,23 0-16,-23 1 0,-1-1 16,1 1-16,-1-25 15,1 24-15,-1 0 0,0-24 16,1 25-16,-1-25 0,1 0 16,-1 0-16,1 0 15,-1 0-15,0 0 0,-24-25 16,25 1-16,-25 0 0,0-1 15</inkml:trace>
+  <inkml:trace contextRef="#ctx0" brushRef="#br0" timeOffset="4145">6252 1102 0,'0'-25'16,"0"1"-16,0-1 0,0 1 15,0-1 1,0 1-16,-24 24 16,-1 0-16,1 0 15,-25 0-15,25 24 16,-1 1-1,1-1-15,-25 50 0,24-50 0,1 25 16,24-25-16,0 25 16,24-25-16,1 1 0,-1-1 15,1 1-15,24-1 16,24-24-16,-24 0 0,0 0 16,-1 0-16,1 0 0,0 0 15,0-24-15,-25-1 16,1 1-16,-25-1 0,24 1 15,-24 0-15,0-25 16,-24 24-16,24-23 0,-25 23 16,25 1-16,0-1 0,-24 1 15,24-1-15,24 50 32,-24-1-32,0 1 15,25-1-15,-25 25 0,24-25 16,-24 1-16,25 24 0,-25-25 15,24 0-15,-24 1 16,24-1-16,1-24 16</inkml:trace>
+  <inkml:trace contextRef="#ctx0" brushRef="#br0" timeOffset="4296">6594 833 0,'0'-25'15,"-24"-23"-15,24 23 0,0 1 16,0 48 15,0 1-15</inkml:trace>
+  <inkml:trace contextRef="#ctx0" brushRef="#br0" timeOffset="4548">6789 711 0,'0'-25'15,"25"25"-15,-25 25 32,0-1-32,24 1 15,-24 23-15,0 1 16,25 0-16,-25 24 0,0-24 15,0 25-15,24-26 0,-24 1 16,0 0-16,0 0 16,25-25-16,-25 1 0,0-1 15</inkml:trace>
+  <inkml:trace contextRef="#ctx0" brushRef="#br0" timeOffset="5304">6887 1150 0,'-24'-24'15,"24"0"-15,-25-1 16,25 1-16,-24 24 0,24-25 16,-25 25-16,50 0 31,-1 25-31,1-25 16,-1 0-1,25 0-15,-25 0 0,1 0 16,-1 0-16,1 0 0,-1 0 15,1 0-15,-1 0 16,-24-25-16,24 25 16,-24-24-1,0 48 17,0 1-17,0-1-15,25-24 16,-1 25-16,1-1 15,23 0-15,-23-24 16,-1 25-16,1-25 0,24 0 16,-25 0-16,0 0 15,1-25-15,-1 1 16,-24 0-16,0-1 16,0 1-16,0-1 15,0 1-15,0-1 16,-24 1-16,24 0 15,0 48-15,-25 0 16,25 1-16,0-1 0,0 25 16,0 0-16,0 0 15,0 24-15,0-24 0,0 24 16,0 0-16,25 1 16,-25-25-16,24 24 0,-24 0 15,25-24-15,-25 0 0,24 0 16,-24-25-16,25 0 15,-25 1-15,0-50 32,-25 25-32,1-24 0,-1 0 15,1-25-15,-1 24 0,1-23 16,24 23-16,-24-24 16,24 0-16,-25 1 0,25-1 15,0 24-15,0 1 16,25-25-16,-25 25 0,24 24 15,0-25-15,1 25 0,-1-24 16,1 24-16,-1 0 16,1 0-16,-1 0 0,0-25 15,1 25-15,-1 0 16,-24-24-16,-24 24 16</inkml:trace>
+</inkml:ink>
+</file>
+
+<file path=ppt/ink/ink159.xml><?xml version="1.0" encoding="utf-8"?>
+<inkml:ink xmlns:inkml="http://www.w3.org/2003/InkML">
+  <inkml:definitions>
+    <inkml:context xml:id="ctx0">
+      <inkml:inkSource xml:id="inkSrc0">
+        <inkml:traceFormat>
+          <inkml:channel name="X" type="integer" max="1920" units="cm"/>
+          <inkml:channel name="Y" type="integer" max="1080" units="cm"/>
+          <inkml:channel name="T" type="integer" max="2.14748E9" units="dev"/>
+        </inkml:traceFormat>
+        <inkml:channelProperties>
+          <inkml:channelProperty channel="X" name="resolution" value="55.81395" units="1/cm"/>
+          <inkml:channelProperty channel="Y" name="resolution" value="55.6701" units="1/cm"/>
+          <inkml:channelProperty channel="T" name="resolution" value="1" units="1/dev"/>
+        </inkml:channelProperties>
+      </inkml:inkSource>
+      <inkml:timestamp xml:id="ts0" timeString="2020-11-17T13:47:34.098"/>
+    </inkml:context>
+    <inkml:brush xml:id="br0">
+      <inkml:brushProperty name="width" value="0.05" units="cm"/>
+      <inkml:brushProperty name="height" value="0.05" units="cm"/>
+      <inkml:brushProperty name="fitToCurve" value="1"/>
+    </inkml:brush>
+  </inkml:definitions>
+  <inkml:trace contextRef="#ctx0" brushRef="#br0">1029 2264 0,'0'-24'0,"-25"24"15,25-25-15,-24 25 0,24 25 16,0-1 0,0 25-16,0-25 15,0 25-15,24 24 0,-24-24 16,25 25-16,-25-26 0,24 26 15,-24-25-15,25-1 16,-25 1-16,24 0 0,-24 0 16,24-25-16,-24 1 15,0-1-15,25-24 0,-25 25 16</inkml:trace>
+  <inkml:trace contextRef="#ctx0" brushRef="#br0" timeOffset="366">1102 2728 0,'-24'-49'16,"-1"25"-16,25-1 0,-24 1 16,24 0-16,0-1 15,24 25-15,1 0 16,-1-24-16,25 24 16,0-25-16,0 25 0,-1 0 15,1-24-15,24 24 0,-48-24 16,24 24-16,-25-25 15,1 25-15,-1-24 0,-24-1 16,0 1 0,0-1-16,0 1 0,-24 0 15,24-1-15,0 1 16,-25 24-16,25 24 16,25 25-1,-25-25-15,0 25 16,24 0-16,-24 24 0,24-24 15,1 0-15,-25 24 0,24-24 16,1 0-16,-25 0 16,24-25-16,1 1 0,-25-1 15,24 1-15</inkml:trace>
+  <inkml:trace contextRef="#ctx0" brushRef="#br0" timeOffset="-1398">8502 799 0,'-24'24'47,"-1"-24"-32,1 0-15,-25 0 16,0 25-16,-24-25 0,0 24 16,-25-24-16,-24 24 15,-25 1-15,-24 24 0,0-25 16,-24 1-16,0 23 0,-1-23 16,1 24-16,24-25 15,0 25-15,24-25 0,25 1 16,0-1-16,49 1 15,0-1-15,-1-24 0,50 24 16,-25-24-16,25 0 0</inkml:trace>
+  <inkml:trace contextRef="#ctx0" brushRef="#br0" timeOffset="-918">5622 1019 0,'0'-25'16,"0"50"30,0-1-46,0 0 16,-24 1 0,24-1-16,-25 1 0,1 24 15,-25-25-15,25 25 0,-25 0 16,0-1-16,0 1 16,0 0-16,-24 0 0,24 0 15,0 0-15,1 0 16,23-25-16,1 0 0,-1 1 15,25-1-15,49-24 16,-24 0 0,23 0-16,26 0 0,-1-24 15,25 24-15,-1 0 16,-23 0-16,-1 0 0,0-25 16,0 25-16,-24 0 0,-24 0 15,23 0-15,-23 0 16,-50 0 15</inkml:trace>
+  <inkml:trace contextRef="#ctx0" brushRef="#br0" timeOffset="1596">1957 2557 0,'24'0'16,"-24"-24"-16,25 24 0,-25-25 15,0 50 1,0-1 0,0 1-16,-25-1 15,25 0-15,0 1 16,0 24-16,0-25 0,0 1 15,0-1-15,25 0 16,-25 1-16,24-1 0,0 1 16,1-25-16,-1 24 0,25-24 15,-24 0-15,-1 0 16,0-24-16,25 24 0,-49-25 16,25 1-16,-1-1 15,-24 1-15,0 0 0,-24-1 16,-1 1-16,-24-1 15,25 1-15,-25-1 0,0 1 16,0 0-16,1-1 0,23 25 16,1-24-16,-1 24 15,1 0-15,24 24 16,24-24-16,-24 25 0,25-1 16,-1-24-16,1 24 15,-1 1-15,0-25 16,1 0-1,-1 0-15,1 0 16,-1-25-16,1 25 16,-1-24-16,0 0 15,1-1-15,-1 25 0,1-24 16,-1 24-16,1 0 16,-1 0-16,0 0 15,1 24-15,-1-24 0,-24 25 16,25 23-16,-25-23 15,24-1-15,-24 1 0,0-1 16,24 25-16,-24-25 16,0 1-16,0-50 31,0 1-15,25 0-16,-25-1 0,0 1 15,24-25-15,-24 24 16,25-23-16,-1-1 0,1 24 15,-25-24-15,24 25 0,0 0 16,1 24-16,-1 0 16,1 0-16,-1 0 0,-24 24 15,25 0-15,-1 1 16,-24-1-16,24 25 0,-24-24 16,0-1-16,25 0 0,-25 1 15,0-1-15,0 1 16,0-1-16,0-48 31,0-1-15,0 1-16,0-1 0,0 1 15,0-25-15,0 25 16,24-1-16,-24-24 0,25 49 16,-1-24-16,-24 0 15,25 24-15,-1 24 16,-24 0-16,24 1 0,-24-1 15,0 1-15,25-1 16,-25 1-16,0 23 0,0-23 16,24-1-16,1 1 15,-1-25-15,1 0 16,23 0-16,-23 0 0,24-25 16,-1 25-16,-23-24 15,24-1-15,-25 1 0,25-25 16,-25 25-16,-24-1 0,0 1 15,0-25-15,0 25 16,-24-1-16,0 1 0,24-1 16,-49 1-16,24 24 15,1 0-15,-1 0 0,1 0 16,0 24-16,-1 1 0,25-1 16,0 25-16,0-25 15,0 25-15,0 0 0,25-24 16,-1 23-16,0-23 15,25-1-15,-24 1 0,24-25 16,-25 0-16,25 0 0,0 0 16</inkml:trace>
+  <inkml:trace contextRef="#ctx0" brushRef="#br0" timeOffset="2195">4277 2313 0,'24'0'0,"-24"-24"15,0-1-15,25 1 16,-25-1 0,0 1-16,-25 24 15,1 0-15,0 0 0,-1 0 16,1 0-16,-1 24 16,1 25-16,-1-24 0,1-1 15,24 25-15,-24 0 16,24 0-16,0-25 0,0 25 15,24 0-15,0-25 0,1 0 16,24 1-16,0-25 16,-1 24-16,1-24 0,0 0 15,0-24-15,-25 24 16,25-25-16,-24 1 0,-1-25 16,-24 25-16,0-1 15,24-23-15,-24 23 0,0-24 16,0 25-16,0-1 0,0 1 15,0 0 1,0 48 15,25-24-31,-25 24 16,0 1-16,24 24 0,-24-25 16,25 25-16,-25-25 15,0 25-15,24-24 0,-24 23 16,25-23-16,-25-1 15</inkml:trace>
+  <inkml:trace contextRef="#ctx0" brushRef="#br0" timeOffset="2364">4692 1971 0,'0'-24'16,"0"-1"-16,-24 25 15,-1-24-15,25 48 47</inkml:trace>
+  <inkml:trace contextRef="#ctx0" brushRef="#br0" timeOffset="2598">4888 1898 0,'24'0'16,"-24"24"15,0 1-31,0-1 16,24 0-16,-24 1 16,0 24-16,0 0 0,0 24 15,25-24-15,-25 24 16,24 0-16,-24-24 0,0 0 15,25 0-15,-25 0 0,24-25 16,-24 0-16,0 1 16</inkml:trace>
+  <inkml:trace contextRef="#ctx0" brushRef="#br0" timeOffset="3265">4912 2386 0,'0'-24'0,"-24"24"0,24-25 15,24 25 17,0-24-32,1 24 15,24-24-15,-1 24 16,1-25-16,0 1 0,0-1 16,0 25-16,-25-24 0,1 24 15,-1-25-15,1 25 16,-25-24-16,-25 24 15,1 0 1,-1 0-16,25 24 31,0 1-31,0-1 16,25 1-16,-25-1 0,24 1 16,1 23-16,-1-23 15,0-1-15,1 1 0,-1-1 16,1 1-16,-1-1 0,1-24 15,-1 0-15,0 0 16,1-24-16,-1-1 0,-24 1 16,25-1-16,-1 1 15,-24-25-15,25 25 0,-25-25 16,0 24-16,0-24 0,0 25 16,0 0-16,-25 24 15,1 24 1,24 0-16,0 25 15,-25 0-15,25 0 0,0 0 16,0 24-16,0 0 0,25 1 16,-25-1-16,24 0 15,-24 0-15,25-24 0,-1 25 16,-24-26-16,0 1 16,0-24-16,0-1 0,0 0 15,0 1-15,0-1 0,-24-24 16,-1 0-1,1 0 1,24-24 0,-25 24-16,25-25 47</inkml:trace>
+  <inkml:trace contextRef="#ctx0" brushRef="#br0" timeOffset="17486">784 188 0,'0'-24'16,"0"-1"-16,-48 25 0,23 0 15,-24 0-15,25 0 16,24 25 0,-24-1-16,24 25 0,0 0 15,0 0-15,0 24 16,24-24-16,-24 24 0,0 0 15,24-24-15,-24 24 16,0-24-16,0 0 0,0 0 16,0 0-16,0 0 0,0-25 15</inkml:trace>
+  <inkml:trace contextRef="#ctx0" brushRef="#br0" timeOffset="17918">101 359 0,'-49'-24'0,"24"-25"0,1 0 16,24 25-16,0-25 15,0 24-15,24 1 0,1-1 16,24 1-16,-25 0 0,49-1 15,-24 25-15,0-24 16,24 24-16,1 0 0,-1 24 16,0-24-16,0 49 15,49 49-15,-73-25 16,0-24-16,0 49 0,-25-25 16,-24 0-16,0 25 15,0-25-15,0 0 0,-24-24 16,0 24-16,-25-24 15,0 0-15,0 0 0,0-25 16,0 25-16,-24-24 0,24-25 16,0 24-16,1-24 15,-1 25-15,0-25 0,24 0 16,-23-25-16,23 25 16,1 0-16,-1-24 15</inkml:trace>
+  <inkml:trace contextRef="#ctx0" brushRef="#br0" timeOffset="18548">1126 335 0,'-24'-25'16,"0"25"-16,24-24 16,-25 24-16,50 0 15,-1 0 1,0-25-16,25 25 0,0 0 16,24-24-16,25 24 0,-25-24 15,25-1-15,-25 25 16,49-24-1,-73 24-15,0-25 0,-25 25 16,-48 0 0,0 0-16,-25 0 0,24 0 15,-23 0-15,-1 0 16,0 0-16,24 0 0,-23 0 16,23 0-16,1 0 15,-1 25 1,25-1-16,0 1 0,0-1 15,25 25-15,-25 0 16,0 24-16,0 0 0,0 0 16,24 1-16,-24-1 15,0-24-15,0 24 0,0-24 16,0 0-16,0 0 0,0 0 16,0-25-16,0 0 15,0 1-15,25-25 16</inkml:trace>
+  <inkml:trace contextRef="#ctx0" brushRef="#br0" timeOffset="19124">2738 237 0,'0'-24'16,"0"-1"0,-24 1-16,-1 24 0,25-25 15,-24 25-15,0 0 0,-1-24 16,1 24-16,-1 0 16,-24 0-16,25 0 0,0 0 15,-25 0-15,24 0 16,-23 0-16,23 0 0,1 24 15,-25-24-15,24 0 0,25 25 16,-24-25-16,0 24 16,24 1-16,-25-1 15,25 25-15,0-25 0,-24 25 16,24-24-16,0 23 16,0 1-16,0 0 0,0 0 15,0 0-15,0 0 16,24 48-1,-24-72-15,25 24 0,-25-25 16,24 25-16,-24-25 0,24 1 16,-24-1-16,25 1 0,-25-1 15,24 0-15,-24 1 16,0-1-16,25-24 16,-25 25-16,24-25 15,-24 24-15,25-24 16,-1 0-1,0 0-15,1 0 0,-1 0 16,1 0-16,-1 0 0,0 0 16,1 0-16,-1 0 0,1-24 15,-1-1-15,1 25 16</inkml:trace>
+  <inkml:trace contextRef="#ctx0" brushRef="#br0" timeOffset="19436">2054 799 0,'-24'0'15,"48"0"-15,1-25 16,24 25-1,-25 0-15,25 0 0,0-24 16,0 24-16,0 0 0,-1-25 16,1 25-16,0 0 15,0-24-15,0 24 0,-25 0 16,1 0-16,-1 0 16,0 0-16,1 0 0,-25-24 15,-25 24 16</inkml:trace>
+  <inkml:trace contextRef="#ctx0" brushRef="#br0" timeOffset="19932">3618 628 0,'-25'0'15,"1"0"-15,-1 0 16,25-25-1,25 25-15,-1 0 0,1 0 16,23 0-16,1 0 16,24 0-16,1-24 0,48 24 15,-24 0-15,48-25 16,1 25-16,-1-24 0,25 24 16,0 0-16,0-24 15,24 24-15,-24-25 0,0 25 16,25-24-16,-50 24 0,25 0 15,-49-25-15,0 25 16,1 0-16,-50-24 0,0 24 16,-24 0-16,0 0 0,-25 0 15,-48 0 17,-1 0-32,1 0 15,0 0-15,-25 0 16</inkml:trace>
+  <inkml:trace contextRef="#ctx0" brushRef="#br0" timeOffset="20289">6328 188 0,'-24'0'15,"0"0"-15,-25-24 0,24 24 16,25-25-16,25 25 31,-1 0-15,1 0-16,-1 0 16,25 25-16,-25-25 0,25 24 15,0 1-15,0-25 0,0 24 16,0 0-16,-1 1 15,1-1-15,-24 1 0,24-25 16,-25 24-16,0 1 16,-24-1-16,25 0 0,-25 1 15,-25-1-15,1 1 16,0-1-16,-25 1 16,0-1-16,-24 0 0,-1 25 15,1-24-15</inkml:trace>
+</inkml:ink>
+</file>
+
 <file path=ppt/ink/ink16.xml><?xml version="1.0" encoding="utf-8"?>
 <inkml:ink xmlns:inkml="http://www.w3.org/2003/InkML">
   <inkml:definitions>
@@ -2265,6 +2672,272 @@
   <inkml:trace contextRef="#ctx0" brushRef="#br0">195 122 0,'0'-25'0,"25"1"31,-25 0-31,24 24 16,-24-25-16,25 25 15,-25-24-15,24 24 16,0 0 15,1 24-31,-1-24 16,1 25 0,-1-1-1,-24 0 1,0 1-16,-24-1 0,-1-24 15,1 25-15,-1-1 0,-23 1 16,23-1-16,-24 0 16,25 1-16,-25-1 0,25-24 15,-1 25-15,1-25 16,24 24-16,-25-24 0,1 0 16,24 24-16,24-24 31,1 0-16,-1 0-15,1 0 16,23 0 0,-23 0-16,-1 0 0,25 0 15,-24 0-15,23 0 16,-23 0-16,-1 0 0,1 0 16,-1 0-16</inkml:trace>
   <inkml:trace contextRef="#ctx0" brushRef="#br0" timeOffset="672">879 366 0,'-24'24'62,"24"1"-46,0-1-16,0 1 15,-25-25-15,25 24 16,0 1-16</inkml:trace>
   <inkml:trace contextRef="#ctx0" brushRef="#br0" timeOffset="1452">1246 146 0,'0'-24'15,"0"-1"1,0 1 0,0 0-1,24 24-15,0-25 16,1 25 0,-1 0-16,1 0 15,-1 0 1,-24 25-16,24-25 15,-24 24-15,25-24 0,-25 24 16,0 1-16,24-1 0,-24 1 16,0-1-16,-24 1 15,-1-1-15,25 0 16,-24 1-16,0-25 16,-1 24-16,1 1 0,-1-1 15,1-24 1,24 24-16,-24-24 15,24 25 1,-25-25 0,50 0 15,-1 0-15,0 0-16,1 0 15,-1 0-15,1 0 16,23 0-16,-23 0 0,24 0 15,-25 0-15,25 0 0,0 0 16,0 24-16,-25-24 16,25 0-16,-25 0 0,1 0 15,-1 0-15,-48 0 32</inkml:trace>
+</inkml:ink>
+</file>
+
+<file path=ppt/ink/ink160.xml><?xml version="1.0" encoding="utf-8"?>
+<inkml:ink xmlns:inkml="http://www.w3.org/2003/InkML">
+  <inkml:definitions>
+    <inkml:context xml:id="ctx0">
+      <inkml:inkSource xml:id="inkSrc0">
+        <inkml:traceFormat>
+          <inkml:channel name="X" type="integer" max="1920" units="cm"/>
+          <inkml:channel name="Y" type="integer" max="1080" units="cm"/>
+          <inkml:channel name="T" type="integer" max="2.14748E9" units="dev"/>
+        </inkml:traceFormat>
+        <inkml:channelProperties>
+          <inkml:channelProperty channel="X" name="resolution" value="55.81395" units="1/cm"/>
+          <inkml:channelProperty channel="Y" name="resolution" value="55.6701" units="1/cm"/>
+          <inkml:channelProperty channel="T" name="resolution" value="1" units="1/dev"/>
+        </inkml:channelProperties>
+      </inkml:inkSource>
+      <inkml:timestamp xml:id="ts0" timeString="2020-11-17T13:47:01.436"/>
+    </inkml:context>
+    <inkml:brush xml:id="br0">
+      <inkml:brushProperty name="width" value="0.05" units="cm"/>
+      <inkml:brushProperty name="height" value="0.05" units="cm"/>
+      <inkml:brushProperty name="fitToCurve" value="1"/>
+    </inkml:brush>
+  </inkml:definitions>
+  <inkml:trace contextRef="#ctx0" brushRef="#br0">4240 5144 0,'0'24'62,"0"1"-62,-24-25 16,24 24-16,0 25 0,0-25 16,0 1-16,0 24 15,0 0-15,0-1 0,0 1 16,0 0-16,-25 0 0,25 0 16,0 0-16,0 0 15,-24-1-15,24 1 0,0 0 16,0 0-16,0-25 15,0 25-15,0-24 0,0 23 16,0-23-16,24-1 0,-24 1 16,0-1-16,25 1 15,-25-1-15,24-24 16,-24 24 0,24-24-16,1 0 15,-1 0-15,1 0 0,-1 0 16,0-24-16,1 24 15,24 0-15,-25 0 0,25 0 16,0 0-16,0 0 16,24 0-16,0 0 0,1 0 15,-1-24-15,25 24 0,-1-25 16,1 25-16,24-24 16,0 24-16,0-25 0,0 25 15,25 0-15,-25-24 16,0 24-16,25-25 0,-1 25 15,1 0-15,-25 0 0,24-24 16,1 24-16,-1 0 16,1-24-16,0 24 0,-25 0 15,24 0-15,-24-25 16,0 25-16,1 0 0,-1 0 16,0 0-16,0-24 0,0 24 15,0 0-15,0 0 16,0 0-16,0-25 0,1 25 15,-1 0-15,0-24 16,0 24-16,-24 0 0,24 0 16,-25-25-16,1 25 0,-25 0 15,25 0-15,-25 0 16,1 0-16,-1 0 0,0 0 16,0 0-16,1 0 15,-1-24-15,0 24 0,0 0 16,1 0-16,-25 0 0,24-24 15,-24 24-15,24 0 16,-24 0-16,0 0 0,0 0 16,-1 0-16,-23 0 15,24 0-15,0-25 0,-25 25 16,25 0-16,-25 0 0,1 0 16,-1-24-16,0 24 15,1 0-15,-1 0 16,-24-25 46,0 1-46,0 0 0,0-1-16,0 1 15,0-1-15,0 1 0,0-1 16,0 1-16,0 0 15,0-1-15,0-24 0,0 25 16,0-1-16,0-23 0,0 23 16,0-24-16,-24 25 15,24-25-15,0 0 16,0 25-16,0-25 0,0 0 16,-25 0-16,25 25 0,0-25 15,-24 0-15,24 25 0,0-25 16,-24 24-16,24 1 15,0 0-15,0-25 0,0 24 16,-25 1-16,25-1 16,0 1-16,0 0 0,0-1 15,0 1-15,0-1 0,0 1 16,0 0-16,0-1 16,0 1-1,0-1 1,0 1-1,-24 24 32,-1 0-31,1 0-16,0 24 16,-1-24-16,1 0 0,-25 0 15,0 0-15,0 0 16,0 0-16,-24 0 0,0 0 15,-25 25-15,0-25 0,-24 0 16,0 0-16,-24 0 16,-1 0-16,1 0 0,-25 0 15,0 0-15,0 24 16,0-24-16,0 0 0,24 0 16,-24 0-16,25 0 15,-1 25-15,1-25 0,23 0 16,1 0-16,0 24 0,0-24 15,0 24-15,24-24 16,-24 0-16,25 25 0,-26-25 16,26 0-16,-1 24 15,0-24-15,1 0 0,-1 25 16,0-25-16,1 0 0,-1 0 16,25 24-16,-25-24 15,25 0-15,-1 24 0,1-24 16,0 0-16,0 25 15,-1-25-15,1 0 0,0 0 16,24 24-16,-24-24 0,-1 0 16,25 0-16,1 0 15,-26 25-15,26-25 0,-1 0 16,-25 24-16,26-24 0,-1 0 16,0 25-16,24-25 15,-23 0-15,23 24 0,1-24 16,-1 0-16,25 24 47,-24-24-47,0 0 15,-1 0 1,1 25-16,-1-25 16,1 0-16,-1 0 0,1 0 15,0 24-15,-1-24 0,1 0 16,-1 0-1,1 0-15,-1 0 0,1 0 16,0 0 0,-1 0-16,1 0 0,-25 0 15,24 0 1,1 0-16,0 25 16,-1-25-16,1 24 15,-1-24 1,25 25-16,-24-25 15,24 24 1,-25-24-16,1 0 16,24 24-1,0 1 1,0-1 0,0 1-1,-24-1 1,24 0-16,-25 1 15,1-1 1,-1 1-16,25-1 16,0 1 15,0-1-15,0 0-1,0 1-15,0-1 16,0 1-1,0-1-15,0 1 16</inkml:trace>
+  <inkml:trace contextRef="#ctx0" brushRef="#br0" timeOffset="451">4728 5339 0,'0'25'62,"0"-1"-46,25 1 0,-25-1-16,0 0 0,24 1 15,-24 24-15,25-25 0,-25 25 16,0-25-16,24 1 16,-24-1-16,0 1 0,0-1 15,0 1-15</inkml:trace>
+  <inkml:trace contextRef="#ctx0" brushRef="#br0" timeOffset="870">4509 5388 0,'-25'0'0,"25"-24"16,0-1-16,0 1 16,0-1-16,25 25 15,-1 0-15,0-24 16,25 24-16,-24 0 0,24-24 16,-1 24-16,26 0 0,-25 0 15,-1 0-15,1 0 16,0 24-16,-24-24 0,23 24 15,-23 25-15,-25-24 16,24 24-16,-24-25 0,0 25 16,0 0-16,-24-25 0,-1 25 15,1-25-15,0 1 16,-1-1-16,1 1 0,-1-1 16,-24-24-16,25 24 15,-25-24-15,25 0 0,-1 0 16,-24 0-16,25 0 15,0 0-15,24-24 16,-25 24-16</inkml:trace>
+  <inkml:trace contextRef="#ctx0" brushRef="#br0" timeOffset="1332">5437 5461 0,'0'-24'16,"-25"24"-1,1 0 1,24 24-16,-25-24 15,25 25-15,-24-25 0,24 24 16,-24 1-16,24-1 16,0 25-16,0-25 0,24 1 15,0-1-15,1 25 0,-1-24 16,25-25-16,-24 24 16,23-24-16,1 0 0,-24 0 15,24-24-15,-25-1 16,0 25-16,1-49 0,-25 25 15,0-1-15,0-23 0,-25 23 16,1 1-16,0-25 16,-1 24-16,-24 25 0,25-24 15,-25 0-15,25 24 0,-1 0 16,1 0-16,-1 0 16,25 24-1,0 0 1</inkml:trace>
+  <inkml:trace contextRef="#ctx0" brushRef="#br0" timeOffset="2010">5852 5486 0,'-25'0'16,"1"0"-1,24-25-15,24 25 32,1 25-17,-25-1 1,24 1-16,-24 24 16,25-25-16,-25 0 15,24 1-15,-24-1 16,0 1-16,25-25 0,-25 24 15,0-48 17,-25 24-17,25-25-15,0 1 0,0-1 16,0 1-16,0-25 0,0 25 16,0-25-16,0 24 15,25 1-15,-1 0 0,-24-1 16,24 25-16,1 0 15,-1 0-15,1 0 0,-25 25 16,24-25-16,1 24 0,-25 0 16,24 25-16,-24-24 15,24-1-15,-24 1 0,0-1 16,0 0-16,0 1 16,25-25-16,-50-25 31,25 1-16,0 0-15,0-1 16,0 1-16,0-1 0,0 1 16,25-25-16,-1 25 15,1-1-15,-1 25 0,0-24 16,1 24-16,-1 0 16,1 24-16,-1-24 0,1 49 15,-25-25 1,0 1-16,0-1 0,0 1 15,0-1-15,0 1 0,0-1 16,0 0-16,24-24 16,-24 25-16</inkml:trace>
+  <inkml:trace contextRef="#ctx0" brushRef="#br0" timeOffset="2585">6853 5486 0,'0'-25'16,"0"1"-1,25 0-15,-25-1 16,0 1-1,-25-1 1,1 25-16,-1 0 0,1 0 16,0 0-16,-25 0 0,24 0 15,1 25-15,-1-1 16,1 1-16,0-1 0,24 0 16,0 1-16,0-1 15,24 1-15,0-1 0,-24 1 16,25-1-16,-1 0 0,1 1 15,-1-25-15,1 0 16,-1 0-16,0 0 0,1 0 16,-1-25-16,1 25 15,-1-24-15,-24 0 0,24-1 16,-24-24-16,25 25 0,-25-1 16,0 1-16,0 0 15,0-1-15,0 1 0,0-1 16,0 50 15,0-1-31,24-24 0,-24 25 16,25-1-16,-1 0 15,1 25 1,-1-24-16,-24-1 0,24-24 16,1 25-16,-1-25 0,1 0 15,-1 0-15,1 0 16</inkml:trace>
+  <inkml:trace contextRef="#ctx0" brushRef="#br0" timeOffset="2826">7317 5388 0,'-24'0'0,"24"-24"16,0-1 15,0 50-16,24-1 1,-24 1-16,25-1 16,-25 0-16,24 1 0,-24-1 15,25 1-15,-25-1 16,24 1-16,-24-1 0,0 0 16</inkml:trace>
+  <inkml:trace contextRef="#ctx0" brushRef="#br0" timeOffset="2989">7293 5119 0,'0'-24'16,"-25"24"-16,1 0 15,0 0 1,24 24-1</inkml:trace>
+  <inkml:trace contextRef="#ctx0" brushRef="#br0" timeOffset="3467">7488 5315 0,'0'24'16,"0"-48"15,25-1-15,-1 25-1,-24 25 1,25-1-16,-1 1 16,0-1-16,1-24 15,-25 25-15,24-1 0,-24 0 16,25-24-16,-25 25 15,0-1-15,0 1 16,-25-25 15,25-25-31,-24 25 16,24-24-16,0-1 16,-25 1-16,25 0 0,0-1 15,25 1-15,-1-1 0,1 1 16,-1-1-16,0 1 15,1 0-15,-1 24 0,25 0 16,-24 0-16,-1 24 16,0-24-16,25 24 0,-24 1 15,-25-1-15,24 1 0,1-1 16,-25 1-16,0-1 16,0 0-16,0 1 0,0-1 15,-25 1-15,25-1 16,-24 1-16</inkml:trace>
+  <inkml:trace contextRef="#ctx0" brushRef="#br0" timeOffset="4164">8734 5169 0,'0'-24'31,"24"24"-16,-24-25-15,-24 25 47,-1 0-47,1 0 0,0 0 16,-25 25-16,24-1 16,1 1-16,-1-1 0,25 1 15,-24 23-15,24-23 0,0-1 16,0 25-16,0-24 15,24-1-15,1 25 0,-1-25 16,1 1-16,-1-25 16,1 24-16,-1 1 0,0-25 15,25 0-15,-24-25 0,24 25 16</inkml:trace>
+  <inkml:trace contextRef="#ctx0" brushRef="#br0" timeOffset="4602">9125 5120 0,'-25'0'0,"25"-25"16,-24 25-16,24 25 31,0-1-15,0 0-16,0 1 15,0-1-15,0 1 0,24 23 16,-24 1-16,0-24 0,25 24 16,-25-25-16,24 0 15,-24 25-15,24-49 0,-24 25 16,25-25-16</inkml:trace>
+  <inkml:trace contextRef="#ctx0" brushRef="#br0" timeOffset="4998">9149 5315 0,'-24'0'16,"-1"0"-1,50 0 1,-1 0-1,25 0-15,-25-25 16,25 25-16,-24-24 0,23 24 16,1 0-16,0-24 15,0 24-15,-25 0 0,1-25 16,-1 25-16,-24-24 16,0-1-16,0 1 15,-24-1-15,24 1 16,-25 24-16,25-24 15,0-1-15,-24 25 0,24 25 32,0-1-17,0 0-15,0 1 0,0-1 16,24 25-16,-24-24 16,0-1-16,25 25 0,-25-25 15,24 1-15,-24-1 16,0 1-16,25-1 0,-25 0 15,24-24-15</inkml:trace>
+  <inkml:trace contextRef="#ctx0" brushRef="#br0" timeOffset="5473">9833 5144 0,'-25'0'15,"25"-24"-15,-24 24 16,0 0 0,24 24-1,0 0 1,0 1-16,0 24 16,24-25-16,-24 25 15,0-25-15,0 1 0,24 24 16,-24-25-16,0 0 0,0 1 15,0-1 1,0-48 0,0-1-1,0 1-15,0-25 16,0 25-16,0-25 0,0 0 16,0 0-16,0 0 15,0 25-15,0-25 0,25 25 16,-1-1-16,-24 1 0,25 24 15,-1 0-15,-24 24 16,25-24-16,-1 49 0,0-24 16,-24 23-16,25-23 15,-1 24-15,1-1 0,-25 1 16,24-24-16,-24 24 0,25-25 16,-25 0-16,0 1 15,0-1-15,0 1 0,24-25 16</inkml:trace>
+  <inkml:trace contextRef="#ctx0" brushRef="#br0" timeOffset="5641">9833 5339 0,'-25'0'15,"1"0"-15,48 0 31,1 0-31,24-24 16,-25 24-16,25 0 16,-25-25-16,25 25 0</inkml:trace>
+  <inkml:trace contextRef="#ctx0" brushRef="#br0" timeOffset="6252">10272 5120 0,'0'-25'0,"-24"25"16,24 25 0,0-1-1,0 0 1,0 1-16,0 24 16,24-25-16,-24 0 0,25 25 15,-25-24-15,0 24 16,0-25-16,24 0 0,-24 1 15,0-1-15,0 1 16,-24-25 0,24-25-1,0 1-15,-25-1 16,25 1-16,-24 0 0,24-1 16,0-24-16,0 0 15,-24 1-15,24 23 0,0-24 16,0 25-16,24-25 0,-24 25 15,24-1-15,1 25 16,-25-24-16,24 24 0,1 0 16,-25 24-16,24-24 15,-24 25-15,25-25 16,-25 24-16,24 1 0,-24-1 16,0 0-16,0 1 15,-24-1-15,24 1 16,-25-25-16,1 24 0,-1-24 15,25 24 1,-24-24-16,24 25 31,24-25-31,1 24 16,-1 1 0,1-1-16,-25 1 15,24-25-15,0 24 0,1 0 16,-1 1-1,1-25-15,-25 24 16,24-24 0</inkml:trace>
+  <inkml:trace contextRef="#ctx0" brushRef="#br0" timeOffset="6511">10712 5315 0,'-24'-25'0,"48"25"63,0 0-48,1 0-15,-1-24 16,1 24-16,-1 0 0,1 0 15</inkml:trace>
+  <inkml:trace contextRef="#ctx0" brushRef="#br0" timeOffset="6816">10907 5119 0,'0'-24'15,"25"24"-15,-25 24 47,0 1-31,0-1-16,0 1 0,0-1 15,0 1-15,0-1 16,0 0-16,24 1 0,-24 24 16,25-25-16,-25 1 15,24-1-15,-24 0 16,25-24 0</inkml:trace>
+  <inkml:trace contextRef="#ctx0" brushRef="#br0" timeOffset="7188">11323 5217 0,'24'-24'0,"-24"-1"16,0 1 15,-24 24-31,-1 0 0,1 0 16,-1 0-1,25 24 1,-24 1-16,24-1 16,0 1-16,0-1 15,0 0-15,0 1 0,0-1 16,0 1-16,24-1 16,1-24-16,-25 25 0,24-25 15,1 0-15,23 0 0,-23 0 16,-1 0-16,1 0 15,-1-25-15,1 1 16,-25-1-16,0-24 16,0 25-16,0 0 0,-25-25 15,1 24-15,-25 1 0,0 0 16,0 24-16,0 0 16,-24 0-16,24 0 0</inkml:trace>
+  <inkml:trace contextRef="#ctx0" brushRef="#br0" timeOffset="8522">503 5608 0,'0'-24'16,"-24"24"-16,24-25 16,-25 1-16,25-1 15,-24 25 1,0 0-1,-1 0-15,1 0 16,-25 25-16,24-25 16,-23 49-16,23-25 0,-24 0 15,25 1-15,24 24 0,-25-25 16,25 25-16,0-25 16,25 1-16,-25 24 0,49-25 15,-25 0-15,25 1 16,-25-25-16,25 24 0,0-24 15,0 0-15,0 0 0,-25 0 16,1 0-16,23 0 16,-23-24-16,-1-1 15</inkml:trace>
+  <inkml:trace contextRef="#ctx0" brushRef="#br0" timeOffset="8839">943 5535 0,'0'-25'15,"-25"25"-15,1 0 16,24-24-16,-24 24 0,-1 0 16,25 24 15,0 1-31,0-1 15,0 1 1,0-1-16,25 0 0,-25 1 16,0-1-16,24 1 15,-24-1-15,24 0 0,-24 1 16,25-1-16,-25 1 0,24-1 16,-24 1-1</inkml:trace>
+  <inkml:trace contextRef="#ctx0" brushRef="#br0" timeOffset="9356">1431 5486 0,'-24'0'0,"-1"0"0,1 0 16,0-25-16,48 25 47,0 0-31,25 0-16,-24-24 0,24 24 15,-1 0-15,1 0 0,0-24 16,0 24-16,-25 0 15,25 0-15,-24-25 0,-50 50 32,-24-25-17,25 0-15,0 24 0,-25-24 16,24 0-16,1 24 16,-1-24-16,1 0 0,24 25 31,0-1 0,24 1-15,-24-1-16,0 1 0,0-1 15,25 0-15,-25 1 16,24-1-16,-24 1 16,25-1-16,-25 0 0,24 1 15,-24-1-15,25-24 16,-1 25-16,0-25 15,1 0-15</inkml:trace>
+  <inkml:trace contextRef="#ctx0" brushRef="#br0" timeOffset="10010">2213 5437 0,'-25'0'16,"25"-24"-16,-24 24 0,0 0 16,24-25-1,-25 25-15,1 25 32,24-1-17,0 0-15,0 1 0,0-1 16,0 1-16,24-1 0,-24 1 15,25-1-15,-1-24 16,0 24-16,1 1 0,-1-1 16,1-24-16,-1 0 15,1 0-15,23 0 0,-23 0 16,-1 0-16,1-24 0,-1-1 16,0 25-16,-24-24 15,25-25-15,-25 25 0,0-1 16,0 1-16,0-1 15,0 1-15,0 0 16,0 48 0,-25 0-1,25 1-15,0-1 0,-24 25 16,0-24-16,24 23 16,-25 1-16,25 0 0,0 0 15,-24 0-15,24 0 0,0-1 16,0 1-16,0 0 15,0 0-15,0-25 0,0 1 16,24 24-16,-24-25 16,0 1-1,0-50 48,0 1-16</inkml:trace>
+  <inkml:trace contextRef="#ctx0" brushRef="#br0" timeOffset="13558">64 577 0,'-25'24'15,"25"1"-15,-24 23 16,24-23-16,0 24 0,0 0 16,0-1-16,0 26 15,0-1-15,0 0 0,0 25 16,0-25-16,24 25 0,-24 0 16,0-1-16,25-23 15,-25 23-15,0-23 0,24 23 16,-24-24-16,0 1 15,0-1-15,0 0 0,0 1 16,0-26-16,0 1 0,0 0 16,0 0-16,0-25 15,0 1-15,0-1 0,0 1 16,0-1-16,0 1 31,24-25-15,-24-25-1,25 25 1,-1 0-16,1-24 16,-1 24-1,1 0-15,23 0 0,-23 0 16,24 0-16,24 0 16,-24-25-16,24 25 0,25 0 15,24 0-15,-24-24 0,24 24 16,24 0-16,1-25 15,-1 25-15,25 0 0,0 0 16,-24-24-16,24 24 16,0 0-16,-25 0 15,25 0-15,0 0 0,0 0 16,0 0-16,0 0 0,24 0 16,-24-24-16,-24 24 0,24 0 15,-25 0-15,1 0 16,-1 0-16,1 0 0,0-25 15,-1 25-15,-24 0 0,0 0 16,0 0-16,1 0 16,-26 0-16,1 0 0,0 0 15,-1 0-15,-23 0 16,-1 0-16,0 0 0,0 0 16,1 0-16,-25 0 0,24 0 15,-24 0-15,0 0 16,-1-24-16,1 24 0,0 0 15,-25 0-15,25 0 16,-24-25-16,-1 25 0,1 0 16,-1 0-16,0 0 0,1 0 15,-1-24 1,1 24-16,-1 0 16,1 0-16,-1 0 15,0 0-15,1 0 0,-1 0 16,1 0-16,-1 0 15,-24-25 1,-24 25 0,24-24-1,-25 0 1,25-1 0,0 1-1,0-1 1,0 1-16,0-1 15,0 1-15,0 0 0,0-1 16,0 1-16,0-25 0,0 24 16,0-23-16,0-1 15,0 0-15,0-24 0,0-1 16,0 1-16,0 0 16,0 0-16,0-25 0,0 25 15,0-25-15,0 25 0,-24-1 16,24 1-16,0 24 15,-25-24-15,25 24 0,0 0 16,-24 0-16,24 1 16,-24-1-16,24 24 0,0-23 15,-25 23-15,25 1 0,-24-1 16,24 1-16,0-1 16,0 1-16,-25 24 0,25-24 15,0-1 1,-24 25-16,24-24 15,-25 24 17,25-25-32,-24 25 31,0 0-15,-1 0-1,1 0 1,-1 0-16,1 0 0,-25 25 15,25-25-15,-25 0 16,0 24-16,0-24 0,-24 0 16,0 25-16,-1-25 0,-23 0 15,-1 24-15,0-24 16,-24 0-16,24 0 0,-48 0 16,24 24-16,0-24 0,-25 0 15,1 25-15,-1-25 16,-24 0-16,24 24 0,-23-24 15,-1 25-15,24-25 16,-24 0-16,25 24 0,-1-24 16,0 25-16,1-25 15,24 0-15,24 0 0,-24 24 16,24-24-16,1 0 0,-1 0 16,25 0-16,-25 24 15,25-24-15,-1 0 0,-23 0 16,23 0-16,-23 0 0,23 0 15,1 0-15,0 0 16,0 0-16,-1 0 0,1 0 16,0 0-16,24 0 15,-24 0-15,0 0 0,-1 0 16,25 25-16,-24-25 0,24 0 16,0 0-16,25 0 15,0 0-15,-25 0 0,24 24 16,1-24-1,-1 0-15,1 0 16,0 0 0,-1 0-16,1 0 15,-1-24-15,1 24 0,-1 0 16,1 0-16,0 0 16,-1 0-16,1 0 0,-1 0 15,-23 0-15,23 0 0,1 0 16,-1 0-16,1 0 15,-1 0-15,1 0 0,0 0 16,-1 0 0,1 0 109,24 24-125,-25 1 31,25-1-15,25-24-16</inkml:trace>
+  <inkml:trace contextRef="#ctx0" brushRef="#br0" timeOffset="16469">8783 430 0,'0'-24'16,"0"-1"-16,0 1 16,0 0-16,0-1 15,0 50 16,0 23-31,0-23 16,0 24-16,0 0 16,0 24-16,0-24 0,0 24 15,24 0-15,-24 0 16,0 25-16,24-25 0,-24 1 16,0-1-16,25 98 15,-25-98-15,0 0 16,0 1-16,0-25 0,-25 24 15,25-24-15,0 24 0,-24-24 16,24 0-16,0-1 16,-24-23-16,24 24 0,0-25 15,0 1-15,0-1 16,24-24-16,0 0 31,1 0 16,-25-24-31,24 24-16,1 0 0,97-25 31,-98 25-31,25-24 0,0 24 16,0 0-16,0 0 15,0 0-15,-1 0 0,26 0 16,-25 0-16,-1 0 0,26 0 15,-1 0-15,25 0 16,-1 0-16,1 0 0,0 0 16,24 0-16,0 0 15,0 0-15,25 24 0,-25-24 16,0 0-16,24 0 0,-24 0 16,1 0-16,-26 0 15,25 0-15,-24 0 0,0 0 16,-1 0-16,26 0 15,-26 0-15,1 0 0,24 0 16,0 0-16,0 0 0,25 0 16,-25 0-16,24 0 15,1 0-15,0 0 0,-25 0 16,24 0-16,1 0 16,-25 0-16,24 0 0,-24 0 15,25 0-15,-25 0 0,0 0 16,25 0-16,-25 0 15,0 0-15,0 0 0,0 0 16,0 0-16,-24 0 16,0 0-16,-1 0 0,-23 0 15,23 0-15,-23 0 0,23 25 16,-23-25-16,23 0 16,-23 0-16,-1 24 0,0-24 15,-24 0-15,24 0 16,-24 0-16,0 24 0,0-24 15,-25 0-15,1 0 0,-1-24 16,0 24-16,-24-24 16,25 24-16,-25-25 15,-25 25 1,25-24 0,0-1 15,0 1 0,0-1-31,0 1 16,0 0-16,0-1 0,0 1 15,-24-25-15,24 0 16,0 0-16,0 0 0,0-24 16,0 0-16,0 0 0,0-1 15,0-23-15,0 23 16,0-23-16,0 23 0,-24 1 15,24-25-15,0 25 16,0 0-16,-25 0 0,25 24 16,-24-24-16,24 24 0,0 0 15,-25 0-15,25 0 16,-24 25-16,24-25 0,-24 24 16,24 1-16,0 0 15,-25 24-15,25-25 0,0 1 16,-24 24-1,24-25-15,0 1 32,0 0 30,-25 24-46,1 0 15,-1 0-31,1 0 0,0 0 16,-25 0-16,0 0 15,0 0-15,-24 0 0,0 0 16,-25 0-16,0 0 16,0 24-16,1-24 0,-25 0 15,-1 0-15,-23 0 0,24 0 16,-25 0-16,1 0 15,-1 0-15,-24 0 0,25 0 16,-1 0-16,25 0 16,-24 0-16,-1 0 0,0 0 15,1 0-15,-1 24 0,1-24 16,-1 0-16,-24 0 16,25 0-16,-1 0 0,1 0 15,24 0-15,-25 25 16,25-25-16,0 0 0,0 0 15,24 0-15,0 0 0,1 0 16,23 24-16,1-24 16,0 0-16,0 0 0,24 25 15,-25-25-15,26 0 16,-1 0-16,0 0 0,-24 24 16,24-24-16,0 0 0,0 0 15,-24 24-15,24-24 16,0 0-16,25 0 0,-25 0 15,0 25-15,25-25 0,-25 0 16,0 0-16,0 0 16,25 0-16,-25 0 0,0 0 15,0 0-15,25 0 16,-25 0-16,24 0 0,1 0 16,0 0-16,-1 0 0,1 0 15,-1 0 1,1 0-1,-1 0-15,1 0 16,0 0-16,-1 0 16,1 0-16,-25 0 0,25 0 15,-25 0-15,24 0 16,1 0-16,-25 0 0,25 0 16,-1 0-1,1 0-15,-1 0 31,25 24-31,-24-24 16,-1 0-16,1 0 16,0 25-16,-1-25 15,1 0 1,-1 0 15,1 0-15,-1 0-1,1 0-15,24 24 16,-24-24-16,-1 0 0,1 0 31,-1 0 16,1 0-31,24 25-16,-25-25 15,1 0-15,0 0 16,24 24 47,0 0-32,0 1-31</inkml:trace>
+  <inkml:trace contextRef="#ctx0" brushRef="#br0" timeOffset="56794">4533 2482 0,'24'0'15,"-24"-25"1,25 25-16,-25-24 16,24 24 15,-24-24-31,0 48 31,25 0-15,-25 1-16,24-1 0,1 1 15,-1 23-15,0-23 16,1 24-16,24 0 0,-25-1 16,25 1-16,0 0 15,0 0-15,24 24 0,-24-24 16,24 0-16,-24 24 0,0-24 15,24 24-15,-24-24 16,0 24-16,0-24 0,-1 0 16,-23 0-16,24 0 0,-25 0 15,25 0-15,-25-1 16,25-23-16,-24 24 0,-1-25 16,0 25-16,1-25 15,-1 1-15,1 24 0,-1-25 16,1 25-16,-1-25 15,0 1-15,1-1 0,-1 1 16,25-1-16,-24 0 0,-1 1 16,25-1-16,-25 1 15,1-1-15,-1 1 0,0-1 16,-24 0-16,25 1 0,-25-1 16,24-24-16,-24 25 15,0-1-15,0 1 31,25-25-31,-25-25 47,-25 25-47,1-24 16</inkml:trace>
+  <inkml:trace contextRef="#ctx0" brushRef="#br0" timeOffset="57136">5974 4436 0,'-24'0'0,"-1"-25"16,1 25-16,-1-24 15,1 24 16,48 0-15,-24 24 0,25-24-16,-1 0 15,1 25 1,23-25-16,-23 0 0,24 0 16,0 0-16,-25 0 0,25 0 15,0 0-15,-1 0 16,-23 0-16,24 0 0,-25 0 15,1 0 1,-25-25 0</inkml:trace>
+  <inkml:trace contextRef="#ctx0" brushRef="#br0" timeOffset="57522">6633 4143 0,'0'-25'16,"-24"25"-16,24-24 0,-24 24 16,24-25-16,-25 25 0,25-24 15,-24 24 1,24 24 15,-25-24-15,25 25-16,-24-25 0,24 24 15,-25 1-15,25-1 16,-24 25-16,0-25 0,-1 1 16,25 24-16,-24-25 15,-1 25-15,25-25 0,-24 1 16,24-1-16,0 1 0,0-1 16,0-48 46,0-1-46,24 1-16,-24-1 15</inkml:trace>
+  <inkml:trace contextRef="#ctx0" brushRef="#br0" timeOffset="58607">10712 2164 0,'25'-24'16,"-25"-1"-16,0 1 31,24 24-31,-48 0 47,24 24-31,-25-24-16,25 25 15,-24-1-15,-1-24 16,1 25-16,24 24 15,-49-25-15,25 25 0,-1 0 16,-24 24-16,0 0 0,1 0 16,-1 1-16,0-1 15,0 25-15,-24-25 0,24 25 16,-24-25-16,24 25 16,-24-25-16,24 0 0,-25 0 15,26-24-15,-1 25 16,-25-26-16,26 1 0,-1 0 15,0 0-15,0 0 0,25 0 16,-25-1-16,24-23 16,-23 24-16,23-25 0,25 1 15,-24-1-15,-1 0 0,25 1 16,-24-1 0,24 1-16,-25-25 0,1 24 31,0-24-31,24 25 15,-25-25 1,1 24 0,-1-24-16,1-24 93</inkml:trace>
+  <inkml:trace contextRef="#ctx0" brushRef="#br0" timeOffset="59230">8929 3801 0,'-24'0'16,"-1"0"-16,1 0 15,24-25 1,24 25 15,-24 25-15,0-1 15,25-24-31,-25 25 0,0-1 16,0 0-16,0 1 15,0-1-15,24 1 0,-24 23 16,0-23-16,0-1 0,0 1 16,0-1-16,0 1 15,0-1-15,0 0 0,0 1 16,0-1 15,25-24 0,-1 0-15,0 0 0,1-24-16,24 24 15,-25 0-15,25-25 0,0 25 16,0 0-16,24-24 15,-24 24-15,24 0 0,0-24 16,1 24-16,-1 0 16,-24-25-16,0 25 0,-25 0 15,25 0-15,-25 0 16,-48 0 15,-1 0-15</inkml:trace>
+</inkml:ink>
+</file>
+
+<file path=ppt/ink/ink161.xml><?xml version="1.0" encoding="utf-8"?>
+<inkml:ink xmlns:inkml="http://www.w3.org/2003/InkML">
+  <inkml:definitions>
+    <inkml:context xml:id="ctx0">
+      <inkml:inkSource xml:id="inkSrc0">
+        <inkml:traceFormat>
+          <inkml:channel name="X" type="integer" max="1920" units="cm"/>
+          <inkml:channel name="Y" type="integer" max="1080" units="cm"/>
+          <inkml:channel name="T" type="integer" max="2.14748E9" units="dev"/>
+        </inkml:traceFormat>
+        <inkml:channelProperties>
+          <inkml:channelProperty channel="X" name="resolution" value="55.81395" units="1/cm"/>
+          <inkml:channelProperty channel="Y" name="resolution" value="55.6701" units="1/cm"/>
+          <inkml:channelProperty channel="T" name="resolution" value="1" units="1/dev"/>
+        </inkml:channelProperties>
+      </inkml:inkSource>
+      <inkml:timestamp xml:id="ts0" timeString="2020-11-17T13:48:21.446"/>
+    </inkml:context>
+    <inkml:brush xml:id="br0">
+      <inkml:brushProperty name="width" value="0.05" units="cm"/>
+      <inkml:brushProperty name="height" value="0.05" units="cm"/>
+      <inkml:brushProperty name="fitToCurve" value="1"/>
+    </inkml:brush>
+  </inkml:definitions>
+  <inkml:trace contextRef="#ctx0" brushRef="#br0">439 49 0,'-24'0'16,"24"-24"-16,-25 24 16,25-25-16,25 25 0,-25 25 78,0-1-78,0 1 15,0-1-15,24 25 16,-24-25-16,0 25 16,25 0-16,-25 0 0,24 0 15,1-25-15,-25 25 16,24 0-16,-24-25 0,0 25 15,0-24-15,24-1 0,-24 1 16,0-1-16,-24-24 16</inkml:trace>
+  <inkml:trace contextRef="#ctx0" brushRef="#br0" timeOffset="329">0 465 0,'24'24'47,"0"-24"-32,-24 24-15,25-24 0,-1 25 16,1-1-16,-1 1 0,1-1 15,-1 0 1,0 1-16,1-25 0,-1 24 16,1 1-16,-1-1 15,1-24-15,23 25 0,-23-25 16,-1 0-16,1 0 0,24 0 16,-25 0-16,0 0 15,1-25-15,-1 1 0,1 24 16,-25-25-16</inkml:trace>
+  <inkml:trace contextRef="#ctx0" brushRef="#br0" timeOffset="698">830 465 0,'24'0'16,"1"0"-16,-25-25 0,24 25 15,1 0 1,-50 0 15,25 25-15,-24-25-1,24 24-15,-25 0 0,1-24 16,24 49-16,-24-24 16,-1-1-16,1 0 0,-1 1 15,1-1-15,0-24 0,24 25 16,-25-1-16,1 1 15,24-1 1,-25-24 0,25 24-16,-24-24 47,24 25-32</inkml:trace>
+</inkml:ink>
+</file>
+
+<file path=ppt/ink/ink162.xml><?xml version="1.0" encoding="utf-8"?>
+<inkml:ink xmlns:inkml="http://www.w3.org/2003/InkML">
+  <inkml:definitions>
+    <inkml:context xml:id="ctx0">
+      <inkml:inkSource xml:id="inkSrc0">
+        <inkml:traceFormat>
+          <inkml:channel name="X" type="integer" max="1920" units="cm"/>
+          <inkml:channel name="Y" type="integer" max="1080" units="cm"/>
+          <inkml:channel name="T" type="integer" max="2.14748E9" units="dev"/>
+        </inkml:traceFormat>
+        <inkml:channelProperties>
+          <inkml:channelProperty channel="X" name="resolution" value="55.81395" units="1/cm"/>
+          <inkml:channelProperty channel="Y" name="resolution" value="55.6701" units="1/cm"/>
+          <inkml:channelProperty channel="T" name="resolution" value="1" units="1/dev"/>
+        </inkml:channelProperties>
+      </inkml:inkSource>
+      <inkml:timestamp xml:id="ts0" timeString="2020-11-17T13:48:23.293"/>
+    </inkml:context>
+    <inkml:brush xml:id="br0">
+      <inkml:brushProperty name="width" value="0.05" units="cm"/>
+      <inkml:brushProperty name="height" value="0.05" units="cm"/>
+      <inkml:brushProperty name="fitToCurve" value="1"/>
+    </inkml:brush>
+  </inkml:definitions>
+  <inkml:trace contextRef="#ctx0" brushRef="#br0">49 152 0,'0'-25'93,"24"25"-93,1-24 32,-25 0-17,24 24-15,-24-25 32,24 25-17,-24-24 1,25 24-16,-1 0 0,1-25 15,-1 25-15,1 0 0,23 0 16,-23 0-16,-1 0 16,1 0-16,-1 25 0,1-1 15,-25 1 1,0-1-16,0 0 0,0 1 16,0-1-16,-25 1 0,1 23 15,-1-23-15,1-1 16,-25 1-16,25-1 0,-1 25 15,-24-25-15,25-24 16,-1 25-16,-23-1 0,23 1 16,1-25-16,24 24 0,-25-24 15,1 25 1,48-25 15,1 0-31,24 0 16,-25 0-16,25 0 0,0 0 15,0 0-15,24 0 16,-24 0-16,0-25 0,-1 25 16,-23 0-16,-1 0 15,1 0-15,-1 0 0,0 0 16,-24-24 31</inkml:trace>
+  <inkml:trace contextRef="#ctx0" brushRef="#br0" timeOffset="547">1026 200 0,'0'-25'32,"-25"25"-17,1 0 17,24 25-32,-25-1 15,1 0-15,24 1 16,0-1-1,0 1-15,0-1 0,0 1 16,0-1-16,0 0 16,0 1-16,0-1 0,24 1 15,1-1-15,-1 1 16,1-25 0,-1 0-16,1 0 0,-1 0 15,0-25-15,1 1 16,-1-1-16,1 1 15,-25-1-15,24-23 0,-24 23 16,0 1-16,0-25 16,0 24-16,0 1 0,0 0 15,0-1-15,-24 25 16,-1-24-16,1 24 16,-1-25-16,1 25 0,0 0 15,-1 0-15,1 0 16,-1 25-16</inkml:trace>
+</inkml:ink>
+</file>
+
+<file path=ppt/ink/ink163.xml><?xml version="1.0" encoding="utf-8"?>
+<inkml:ink xmlns:inkml="http://www.w3.org/2003/InkML">
+  <inkml:definitions>
+    <inkml:context xml:id="ctx0">
+      <inkml:inkSource xml:id="inkSrc0">
+        <inkml:traceFormat>
+          <inkml:channel name="X" type="integer" max="1920" units="cm"/>
+          <inkml:channel name="Y" type="integer" max="1080" units="cm"/>
+          <inkml:channel name="T" type="integer" max="2.14748E9" units="dev"/>
+        </inkml:traceFormat>
+        <inkml:channelProperties>
+          <inkml:channelProperty channel="X" name="resolution" value="55.81395" units="1/cm"/>
+          <inkml:channelProperty channel="Y" name="resolution" value="55.6701" units="1/cm"/>
+          <inkml:channelProperty channel="T" name="resolution" value="1" units="1/dev"/>
+        </inkml:channelProperties>
+      </inkml:inkSource>
+      <inkml:timestamp xml:id="ts0" timeString="2020-11-17T15:23:30.668"/>
+    </inkml:context>
+    <inkml:brush xml:id="br0">
+      <inkml:brushProperty name="width" value="0.05" units="cm"/>
+      <inkml:brushProperty name="height" value="0.05" units="cm"/>
+      <inkml:brushProperty name="fitToCurve" value="1"/>
+    </inkml:brush>
+  </inkml:definitions>
+  <inkml:trace contextRef="#ctx0" brushRef="#br0">1050 2966 0,'-24'0'0,"24"-24"0,0 48 47,0 1-47,24 23 16,1-23-16,-25 24 16,24 24-16,1-24 0,-1 24 15,0-24-15,1 24 16,-25 0-16,24-24 0,-24 0 15,25-24-15,-25 23 0,0-23 16,-25-1 0,1-48-16,-1 24 15,1-49-15,-25 25 16,25-50-16,-25 25 0,25-48 16,-1 24-16,1-25 0,24 0 15,0 0-15,0 25 16,0 0-16,24 0 0,1 24 15,48 0 1,-49 25-16,25 24 0,0 24 16,0 0-16,-25 1 0,1 24 15,-1-25-15,0 25 16,-24 0-16,0 0 0,-24-1 16,0 1-16,-25-24 15,24-1-15,-24 1 0,1-1 16,23-24-16,1 0 15,-1 0-15,1 0 0</inkml:trace>
+  <inkml:trace contextRef="#ctx0" brushRef="#br0" timeOffset="378">1343 2992 0,'49'-25'16,"-24"25"-16,-1 0 15,1-24-15,-1 24 0,0 0 16,-24 24 15,0 1-31,0-1 16,0 25-16,0-25 15,0 1-15,0 24 16,0-25-16,25 25 0,-1-25 0,1 25 16,-1-24-16,25-1 15,0 0-15,0-24 0,-1 0 16,-23-24-16,24 0 15,-25-1-15,1-24 0,-1 0 16,-24 1-16,0-1 0,0 0 16,-49 0-16,25 0 15,-1 25-15,-24-25 0,1 24 16,-1 25-16,24 0 16,1 0-16,0 25 0,-1-1 15,1 1-15,24-1 0,0 1 16,0-1-16,24-24 15,1 24-15,-1-24 0</inkml:trace>
+  <inkml:trace contextRef="#ctx0" brushRef="#br0" timeOffset="-4818">342 280 0,'0'-25'31,"0"-24"-15,-98 25-1,74 48 1,-25 1-16,25-1 0,-25 25 16,24 0-16,1-25 15,0 25-15,-1 0 0,25 0 16,0 0-16,25 0 0,-25-1 16,24-23-16,25-1 15,-25 1-15,25-1 0,24-24 16,-24 0-16,0 0 15,24-24-15,-24-1 0,0 1 16,-24-1-16,-1 1 0,0 0 16,1-25-16,-25 24 15,24 1-15,-24-25 0,0 25 16,0-1 0,0 1-16,25 48 31,-25 1-16,0-1-15,24-24 0,0 49 16,-24-25-16,25 1 16,-1-1-16,1 1 15,-1-1 1</inkml:trace>
+  <inkml:trace contextRef="#ctx0" brushRef="#br0" timeOffset="-4663">733 133 0,'0'-24'16,"-25"-1"-16,25 1 15,-24 24-15,24 24 16,-24 1 0,24-1-16,0 1 0</inkml:trace>
+  <inkml:trace contextRef="#ctx0" brushRef="#br0" timeOffset="-4434">953 11 0,'0'-24'0,"24"48"47,-24 0-47,25 1 0,-1 73 15,0-50 1,1 26-16,-1-26 0,-24 1 16,25 25-16,-1-50 15,1 25-15,-1-25 0,-24 1 16,24-1-16</inkml:trace>
+  <inkml:trace contextRef="#ctx0" brushRef="#br0" timeOffset="-3792">1124 402 0,'-25'-25'0,"1"25"16,-1-24-16,1 24 0,24-24 16,-24 24-16,48 0 31,0 0-31,1 0 16,-1 0-16,25 0 15,0-25-15,0 25 16,0-24-16,-1 24 0,1-25 15,0 1-15,-24 24 0,23-25 16,-23 1-16,-1 0 16,-24-1-1,-24 25 1,24 25 15,0-1-31,24 0 16,-24 1-16,25-1 15,-1 1-15,1-25 16,-1 0-16,25 0 16,-25 0-16,1-25 0,-1 25 15,1-24-15,-1-1 0,-24 1 16,0 0-16,0-25 16,0 24-16,0 1 0,0-1 15,0 1-15,-24 24 16,24 24-1,0 1-15,0 48 0,0-24 16,0 24-16,0 25 16,0 0-16,24-1 0,0 1 15,1 0-15,-25-25 16,24 0-16,1-24 0,-25 0 16,0 0-16,0-25 0,-25-24 15,1 0-15,-1-24 16,-48-25-1,24 24-15,25 1 0,-25-25 0,25 25 16,-1-1-16,1 25 16,24-24-16,-25 24 15</inkml:trace>
+  <inkml:trace contextRef="#ctx0" brushRef="#br0" timeOffset="-3000">562 1525 0,'0'-24'15,"0"-1"-15,24 25 16,-24-24-16,0 0 16,0-1-16,0 1 0,0-1 0,0 1 15,-24 24-15,-1-25 16,1 25-16,0 25 0,-1-1 15,-24 1-15,25-1 0,-25 25 16,25 0-16,-1 24 16,-24 0-16,49 1 0,-24-1 15,24 0-15,0 25 16,24-25-16,1-24 0,24 0 16,-25 0-16,25-1 15,0-23-15,0-25 0,-1 0 16,1 0-16,0-25 0,0 1 15,0 0-15</inkml:trace>
+  <inkml:trace contextRef="#ctx0" brushRef="#br0" timeOffset="-2184">879 1843 0,'0'-25'16,"25"1"-16,-25-1 0,-25 1 16,1 0-1,0 24 1,24 24 15,0 0-31,0 25 16,0-24-16,0 24 15,0-25-15,0 25 0,0 0 16,24-25-16,0 25 0,1-25 16,-1 1-16,1-25 15,-1 0-15,25 0 0,-25 0 16,25 0-16,-24-25 15,-1 1-15,25-25 0,-49 25 16,24-25-16,-24 24 0,0-23 16,-24-1-16,-1 0 15,1 24-15,0-23 0,-1 23 16,1 1-16,-1-1 16,-23 25-16,23 0 0,1 0 15,-1 0-15,25 25 16,-24-25-16,24 24 15,0 1-15,0-1 16,0 0-16,24 1 16,1-1-16,-1-24 15,1 0-15,23 0 0,-23 0 16,24-24-16,-1-1 16,1 25-16,0-24 0,0 0 15,-25-25-15,1 24 16,-1 1-16,1-1 0,-1 1 15,1 0-15,-50 48 47,25 0-47,0 1 16,-24-1-16,24 25 0,0-24 16,0 48-1,24-49-15,-24 1 0,25-1 16,-1 1-16,0-1 0,25-24 15,-24 0-15,24 0 0,-25-24 16,25-1-16,0 1 16,0-25-1,-49 0-15,24 25 0,-48-99 16,24 99 0,-25 0-16,25-25 15,-24 49-15,24-25 0,0 1 16,0 48-1,0 1-15,0-1 16,24 1-16,-24-1 0,25 25 16,-1-25-16,-24 25 15,49 24-15,-49-48 16,24-1-16</inkml:trace>
+  <inkml:trace contextRef="#ctx0" brushRef="#br0" timeOffset="-1794">2052 1452 0,'-49'0'0,"24"-24"16,1 24-16,24 24 16,0 0-1,24 1-15,1-1 16,-1 25-1,1 0-15,-25-25 0,24 1 16,-24 24-16,0-25 16,0-48 15,0-1-31,0 1 16,0-1-16,0-23 0,0-1 15,0 0-15,25 0 0,-25 0 16,24 0-16,0 25 15,1-1-15,-1 25 16,1 25-16,-1-1 0,1 1 16,-1-1-16,0 25 15,1-25-15,-1 1 0,-24 24 16,25-49-16,-25 24 16,0 1-16</inkml:trace>
+  <inkml:trace contextRef="#ctx0" brushRef="#br0" timeOffset="-864">2394 1110 0,'0'-24'0,"0"-25"16,0 24-16,0 1 16,0 48-16,0 1 15,0-1-15,0 25 16,0 0-16,24 0 0,-24 0 15,24-1-15,-24 26 16,25-25-16,-1-1 0,-24 26 16,25-50-16,-1 25 0,-24-25 15,25 1-15,-50-25 32,25-25-32,-24 25 15,-1-24-15,25-1 0,-24 1 16,24 0-16,0-1 0,-25 1 15,25-1-15,0 1 16,0 0-16,0-1 0,0 1 16,25-1-16,-1 1 15,1-1-15,-1 1 16,1 0-16,-1-1 16,25 25-16,-25 0 0,25 0 15,-24 25-15,-1-1 0,0 0 16,-24 25-16,25-24 0,-25-1 15,24 25-15,-24-25 16,0 1-16,0-1 16,0-48 15,-24-1-31,24 1 16,0-25-16,0 25 15,0-25-15,0 24 0,0 1 16,0 0-16,24 24 15,-24-25-15,25 25 0,-1 25 16,-24-1-16,25 0 16,-1 1-1,-24-1-15,24 1 0,1-1 16,-1-24 0,1 0-16,-1 0 0,1 0 15,-1 0-15,25-24 0,-25-1 16,1 1-16,-1-1 15,-24-23-15,24 23 0,-24-24 16,0 25-16,-24-25 0,24 25 16,-24-1-16,24 1 15,-25 24-15,1 0 0,24 24 16,0 1-16,0 23 16,0 26-16,0-1 0,0 0 15,24 123 1,1-74-16,-1-25 0,25 1 15,-25 73 1,1-122-16,-25 0 0,0 0 16,-25-25-16,1-24 0,-1-24 15,-23-25-15,-1 0 16,0 0-16,25-49 0,-25 1 16,24-1-16,1 25 0,24-25 15,24 0-15,1 25 16,24 24-16,-1 25 15,26-25-15,-26 49 0,1 0 16,0 0-16</inkml:trace>
+  <inkml:trace contextRef="#ctx0" brushRef="#br0" timeOffset="1662">2101 2722 0,'-25'-98'15,"25"74"1,0-1-16,0 1 0,0 0 16,0 48 15,0 0-31,0 1 15,0-1-15,25 25 16,-25 0-16,24 0 0,0 24 16,1-24-16,-1 0 0,1-25 15,-25 25-15,24-25 16,1 1-16,-25-1 0,24-24 16,-48-24-1,24-1 1,-25-23-16,25 23 0,-24-24 31,24-73-31,0 49 0,0 24 0,0 0 16,24 0-16,1 1 0,23 23 15,-23 1-15,-1-1 16,25 25-16,-25 0 0,1 0 16,-1 0-16,1 25 15,-1-1-15,1-24 0,-25 25 16,0-1-1,0 0-15,0 25 0,0-24 0,-25-1 16,1 1-16,-1-1 0,1 0 16,-1 1-16,1-1 15,0-24-15,24 25 16,0-50 0,24 25-16,0-24 15,25 24 1,-24 0-16,-1 0 0,25 0 15,-25 24-15,25-24 0,0 25 16,-24-1-16,-1 0 0,0 1 16,1-1-16,-25 1 15,-25-1-15,25 1 0,-48-1 16,23 0-16,-24 1 16,0-1-16,25-24 15,-25 0-15,25 0 0,-1-24 0,25-25 16,0 0-1,0 25-15,49-25 0,-24 0 16,23 0-16,1 0 16,25 25-16,-26-25 0,26 25 15,-25-1-15,24 1 0,0-25 16,-48 49 0,-1-24-16,-48 24 31,-1 0-31,1 0 15,24 24-15,-25 0 0,25 1 16,0 24-16,0-25 16,25 25-16,-25 0 0,24-25 15,1 25-15,-1-25 16,0 1-16,25-1 0,-24 1 16,23-25-16,1 0 0,-24-25 15,24 1-15,-25-1 16,0 1-16,1-25 0,-25 0 15,0 25-15,-25-25 16,1 0-16,0 0 0,-25 25 16,-25-25-1,50 49-15,-49 0 16,73 25-16,-25-25 0,25 24 16,0 0-16,0 1 0,25-1 15,-1-24-15,1 25 16,23-25-16,-23 0 0,-1 0 15,25-25-15,-24 25 16,23-24 0,-23-1-16,-1 1 0,-24 0 0,25-1 15,-25 1-15,0-1 16,0 1-16,0-1 16,24 25-1,1 0-15,-1 0 0,0 0 16,1 25-16,-1-1 0,25 1 15,-25-1-15,1-24 16,24 25-16,-25-1 0,1 0 16,-1-24-16,0 0 15</inkml:trace>
+  <inkml:trace contextRef="#ctx0" brushRef="#br0" timeOffset="1825">3761 2258 0,'-24'0'0,"24"24"16,-24 1-16,-1 24 0,25-1 16,-24 26-16,24-1 15,-25 0-15,1 1 0,-1-1 16,1-24-16,0 24 16,-1-24-16</inkml:trace>
+</inkml:ink>
+</file>
+
+<file path=ppt/ink/ink164.xml><?xml version="1.0" encoding="utf-8"?>
+<inkml:ink xmlns:inkml="http://www.w3.org/2003/InkML">
+  <inkml:definitions>
+    <inkml:context xml:id="ctx0">
+      <inkml:inkSource xml:id="inkSrc0">
+        <inkml:traceFormat>
+          <inkml:channel name="X" type="integer" max="1920" units="cm"/>
+          <inkml:channel name="Y" type="integer" max="1080" units="cm"/>
+          <inkml:channel name="T" type="integer" max="2.14748E9" units="dev"/>
+        </inkml:traceFormat>
+        <inkml:channelProperties>
+          <inkml:channelProperty channel="X" name="resolution" value="55.81395" units="1/cm"/>
+          <inkml:channelProperty channel="Y" name="resolution" value="55.6701" units="1/cm"/>
+          <inkml:channelProperty channel="T" name="resolution" value="1" units="1/dev"/>
+        </inkml:channelProperties>
+      </inkml:inkSource>
+      <inkml:timestamp xml:id="ts0" timeString="2020-11-17T15:22:53.571"/>
+    </inkml:context>
+    <inkml:brush xml:id="br0">
+      <inkml:brushProperty name="width" value="0.05" units="cm"/>
+      <inkml:brushProperty name="height" value="0.05" units="cm"/>
+      <inkml:brushProperty name="fitToCurve" value="1"/>
+    </inkml:brush>
+  </inkml:definitions>
+  <inkml:trace contextRef="#ctx0" brushRef="#br0">12090 1905 0,'-24'0'15,"48"-25"-15,1 1 16,-1-1-16,-24 1 0,25 0 15,-25-1-15,24 1 16,0-1-16,-24 1 16,25 24-16,-25-24 15,49 24 1,24 0 0,-49-25-16,1 25 0,-1-24 15,25-1-15,-24 1 0,-1-1 16,0-23-16,-24 23 15,0-24-15,0 25 0,0-1 16,-24 1-16,-25 24 0,25-24 16,-25 24-16,0 24 15,0 0-15,0 1 16,0-1-16,25 25 0,0 0 16,24 24-16,0-24 0,0 24 15,24 1-15,25-26 0,0 1 16,0 0-16,24 0 15,-24-25-15,24 1 0,0-25 16,-24 0-16,24-25 16</inkml:trace>
+  <inkml:trace contextRef="#ctx0" brushRef="#br0" timeOffset="509">12921 1538 0,'-25'-24'15,"1"0"-15,24-1 16,-25 1-16,50 24 15,-25 24 1,24 1 0,-24-1-16,25 0 0,-25 1 0,24 24 15,-24-25-15,0 25 16,25-25-16,-25 1 0,0-1 16,0 1-16,0-1 0,0-48 31,0-50-16,0 26 1,0-1-16,0-25 0,0 26 16,0-1-16,0 0 0,0 24 15,24 1-15,0 0 16,1 48-16,-1 0 16,1 1-16,-1 24 0,1 0 15,-25-1-15,24-23 16,-24 24-16,24-25 0,-24 1 15,25-1-15,-25 0 16,0-48 0,24 24-16,-24-24 0,25-25 15,-25 0-15,24 24 16,0-23-16,1-1 0,24 0 16,-25 0-16,1 25 15,-1 24-15,0 0 16,1 48-16,-25-23 0,0 24 15,0 0-15,0-1 16,0 1-16,0 0 0,0 0 16,0 0-16,0-25 15</inkml:trace>
+  <inkml:trace contextRef="#ctx0" brushRef="#br0" timeOffset="935">13800 1172 0,'0'-24'0,"0"-1"0,0 1 16,0 48-1,0 1-15,0 24 16,0-1-16,24 26 16,1-26-16,-25 26 0,24 23 15,1-23-15,-1 23 0,25-23 16,-25-1-16,1 0 15,-1 0-15,-24 1 0,25-25 16,-1-25-16,-24 25 16,-24-49-1,-1-49 1,1 0-16,24-24 0,-25 0 16,1-25-16,24 0 0,-25 1 15,25 23-15,0-23 16,25 48-16,-1-25 0,1 50 15,24 0-15,-1 24 0,-23 0 16,24 0-16,0 24 16,-1 0-16,-23 1 0,-1 24 15,1-25-15,-25 1 16,-25 23-16,1-23 0,-25-1 16,-24 1-16,-1-1 0,1 1 15</inkml:trace>
+  <inkml:trace contextRef="#ctx0" brushRef="#br0" timeOffset="3202">12823 3004 0,'-24'-73'0,"-1"48"15,25 1-15,0-1 0,-24 1 0,24 48 16,-25 1 0,25-1-16,0 25 0,0 24 15,0 25-15,0 0 0,0-1 16,25 50-16,-25-1 0,24 1 16,-24-1-16,0 25 15,0-24-15,0 24 0,0 146 16,0-170-1,0-25-15,-24 25 0,24-1 16,0 1-16,0-1 16,-25-24-16,25 25 0,0-1 15,0-23-15,0-1 0,0 0 16,0 0-16,-24-24 16,24-1-16,0 1 0,-25-25 15,25 0-15,-24 1 16,24-25-16,0-1 0,0 1 15,-24 0-15,24 0 0,0 0 16,0 0-16,0 0 16,0-25-16,-25 25 0,25-25 15,0 25-15,0-24 0,-24 23 16,24-23-16,0-1 16,-25 1-16,25-1 15,0 0-15,0 1 16,25-25-1,-1 0 1,1 0-16,-1 0 16,0-25-16,1 25 15,24-24-15,-25 24 0,49 0 16,-24-24-16,49 24 0,-25-25 16,49 25-16,1 0 0,47 0 15,1 0-15,25 0 16,-1 25-16,25-25 0,0 0 15,24 0-15,0 24 16,25-24-16,-25 24 0,25-24 16,-1 0-16,1 25 15,0-25-15,-1 0 0,-23 24 16,23-24-16,1 0 0,-25 25 16,0-25-16,-24 0 15,0 24-15,-25-24 0,1 25 16,-25-25-16,0 24 0,-25-24 15,74 24 1,-98-24-16,-49 0 0,25 0 16,-25 0-16,1 0 15,-25 0-15,24 0 0,-24 0 16,24 0-16,-49-24 0,25 24 16,-24 0-16,-1-24 15,0 24-15,-24-25 0,0 1 16,0-1-1,-24 25-15,0-24 0,-1-1 16,1 1-16,-1 0 0,1-25 16,24 24-1,-25 1-15,25-25 0,0-24 16,0 0-16,-24-1 16,24 1-16,0-25 0,-24 1 15,-1-1-15,25 0 16,-24-24-16,24 0 0,0-25 15,0 25-15,0-24 0,0-1 16,0-24-16,0 25 0,0-25 16,0 24-16,-25-24 15,1 25-15,24-1 16,-24 1-16,-1 24 0,1-25 16,-25-97-16,24 146 15,1-24-15,24 24 16,-24 1-16,-1-1 0,25 25 15,-24-1-15,24 1 0,-25 0 16,25 24-16,-24 0 16,24 0-16,-25 0 0,1 25 15,24 0-15,-24-1 16,24 1-16,-25-1 16,25 1-16,-24-1 0,-1 25 46,25-24-14,-24 24-1,0 0-31,-1 0 16,1-24-16,-25 24 15,0 0-15,-24 0 0,-25-25 16,0 25-16,-24 0 0,-24-24 15,-25 24-15,0 0 16,-25-25-16,1 25 0,0 0 16,-1 0-1,-24 0-15,25 0 0,0 0 0,-1 0 16,1 0-16,-1 0 0,1 0 16,-25 0-16,25 25 15,0-25-15,-1 24 0,1-24 16,-1 25-16,50-25 0,-1 0 15,25 24-15,-73-24 16,97 0 0,49 0-16,0 0 0,1 0 15,-1 0-15,24 24 0,-24-24 16,25 0-16,-25 0 16,25 0-16,-25 0 0,24 0 15,1 0-15,-25 0 0,25 25 16,-1-25-16,1 0 15,-1 0-15,1 0 0,-25 0 16,25 24-16,-25-24 0,0 0 16,0 0-16,0 0 15,1 25-15,-1-25 0,0 0 16,0 0-16,0 0 16,25 0-16,-1 0 0,-23 0 15,23-25-15,1 25 0,-50 0 31,26-24-31,-1 24 0,24 0 0,-24 0 16,1 0-16,23 0 0,-24 0 16,25 0-16,-1 0 15,1 0-15,0 0 32,-1 0-32,1 0 15,-1 0 1,1 0-16,-1 0 0,1 0 15,0 0-15,-1 0 32,25 24 30,25-24-46</inkml:trace>
+  <inkml:trace contextRef="#ctx0" brushRef="#br0" timeOffset="6383">13385 5300 0,'-25'0'16,"25"-25"-16,-24 25 15,24-24 1,-25 24 0,50 0 15,-1 0-31,1 0 0,24 0 16,-1 0-16,1 0 15,25 0-15,-1 0 0,0 0 16,-24-25-16,24 25 0,-24 0 15,-24 0-15,-1 0 16,0 0-16,-48 0 16,0 0-16</inkml:trace>
+  <inkml:trace contextRef="#ctx0" brushRef="#br0" timeOffset="6689">13629 5324 0,'-24'0'0,"24"24"62,0 1-46,0-1-1,-25 1-15,25-1 0,0 25 16,0-25-16,-24 25 0,24 0 16,0 0-16,0 0 15,0 0-15,0-1 16,0-23-16,-25 24 0,25-25 16,0 1-16,25-50 15</inkml:trace>
+  <inkml:trace contextRef="#ctx0" brushRef="#br0" timeOffset="7222">13824 5666 0,'25'0'62,"-1"0"-31,1 0-31,-1 0 16,-24 24-16,24-24 0,1 0 16,-1 0-16,-24-24 15,25 24-15,-25-25 16,24 1-16,-24 0 16,0-1-16,0 1 15,-24 24-15,24-25 0,-25 1 16,1 24-16,-1-24 0,1 24 15,0 0-15,-1 24 16,1-24-16,-1 24 0,1 1 16,0 24-16,24-25 0,0 25 15,0-25-15,0 25 16,24-24-16,0 23 0,1-23 16,24-1-16,-25 1 15,0-1-15,25-24 0,-24 0 16,24 0-16,-25-24 0,25-1 15</inkml:trace>
+  <inkml:trace contextRef="#ctx0" brushRef="#br0" timeOffset="7882">14337 5519 0,'-24'-24'31,"24"48"32,24 1-47,-24-1-16,0 25 31,25 24-31,-25-24 15,0-24-15,0-1 16,0-48 15,0-1-31,0 1 16,24-1-16,-24-23 16,0 23-16,0 1 15,25-1-15,-25-24 0,24 49 16,-24-24-16,24 0 0,1 24 15,-1 0 1,1 24 0,-25 0-16,24 1 0,-24-1 15,0 1 1,24 24-16,-24-25 16,0 0-16,0-48 46,25 0-30,-25-1-16,0 1 0,24-1 16,1 1-16,-25-1 0,24 1 15,1 0-15,-1-1 16,0 25-16,1 25 16,-25-1-1,0 0-15,0 1 0,0 24 16,0 0-16,0-25 0,0 25 15,0-25-15,0 1 16,0-1-16,0 0 0,0 1 16</inkml:trace>
+  <inkml:trace contextRef="#ctx0" brushRef="#br0" timeOffset="8368">14923 5348 0,'0'-24'0,"0"0"16,0 48 15,0 0-31,0 1 16,0 24-16,0-25 15,0 25-15,0 0 0,0 0 16,25 24-16,-25-24 15,0 0-15,0 24 0,24-24 16,-24 0-16,0-1 0,0-23 16,0-1-16,0 1 15,0-1-15,0 1 0,-24-50 32,24 1-32,0-1 0,-25 1 15,25-25-15,0-24 0,0 24 16,0 0-1,25-24-15,-25 24 0,24 0 0,-24 25 16,25-25-16,-1 49 16,1-25-16,-1 25 0,0 0 15,1 0-15,-1 25 0,-24-1 16,25 1-16,-25-1 16,0 0-16,0 1 0,0-1 15,-25 25-15,1-24 16,-1-1-16,25 0 0,-24 1 15,0-25-15,-1 0 0,1 0 16</inkml:trace>
+  <inkml:trace contextRef="#ctx0" brushRef="#br0" timeOffset="8761">15314 5593 0,'25'0'16,"-25"-25"0,24 25-16,-48 25 31,-1-1-15,25 1-1,0-1-15,-24 0 0,24 1 16,0-1-16,0 1 0,24-1 15,-24 0-15,25 1 16,-1-1-16,0-24 16,1 0-16,-1-49 15,1 25 1,-25 0-16,0-1 0,0 1 16,0-1-16,0 1 15,0 0-15,-25-1 0,1 1 16,-1 24-16,1 0 0,0 0 15,-1 0-15,1 24 16,-1-24-16,25 25 16</inkml:trace>
+  <inkml:trace contextRef="#ctx0" brushRef="#br0" timeOffset="9114">15510 5593 0,'-25'0'0,"50"0"47,-1 0-31,0 0-16,1 0 15,-1 24-15,1-24 0,-25 24 16,24 1-16,1-1 15,-25 1-15,0-1 16,0 1-16,-25-1 16,1-24-1,24-24-15,-25-1 16,25 1 0,0-1-16,0 1 0,25-1 15,-25-23-15,24 23 16,1 1-16,-25-1 0,24 1 15,0 24-15,1-24 0,-1 24 16</inkml:trace>
+  <inkml:trace contextRef="#ctx0" brushRef="#br0" timeOffset="9676">15974 5471 0,'-25'0'16,"1"0"15,24 24-15,-25 0-1,25 1-15,0-1 0,0 1 16,0-1-16,0 0 0,0 1 15,0-1-15,25 1 16,-1-25-16,1 24 0,-1-24 16,0 0-16,1 0 0,-1 0 15,1-24-15,-1-1 16,1 1 0,-1-1-16,-24-23 0,0 23 15,0 1-15,0-1 0,0 1 16,0 0-1,-24 24-15,24 24 16,0 0-16,-25 25 0,25 0 16,0 0-16,0 24 15,0 0-15,0-24 0,0 25 16,25-1-16,-25-24 0,0 0 16,0-1-16,0-23 15,0-1-15,-25 1 0,1-1 16,-1-24-16,1 0 15,-25-24-15,25-1 0,-1 1 16,1-1-16,-1 1 0,1 0 16,-1-1-1,1 25-15,24-24 0,0-1 0,0 1 32</inkml:trace>
+  <inkml:trace contextRef="#ctx0" brushRef="#br0" timeOffset="10199">16560 5544 0,'0'-49'31,"0"25"-31,0 48 47,0 0-47,-25 1 16,25-1-16,-24 1 0,24-1 15,0 1-15,-24 48 16,24-49-16,0 1 15,0-1-15,0 0 16,0-48 0,0 0-1,0-1-15,0 1 16,24-1-16,-24-23 0,24-1 16,-24 0-16,25 0 0,-1-24 15,-24 24 1,25 0-16,-1 25 0,-24-1 15,24 25-15,1 0 16,-1 0-16,-24 25 0,25-1 16,-25 25-16,0-25 0,24 25 15,-24 0-15,25 0 16,-25 0-16,0 0 0,24-1 16,-24 1-16,0 0 15,24-25-15,-24 1 0,0-1 16</inkml:trace>
+  <inkml:trace contextRef="#ctx0" brushRef="#br0" timeOffset="10395">16609 5641 0,'-25'-24'0,"1"24"0,48 0 47,1-24-32,-1 24-15,0 0 16,25-25-16,-24 25 0,24-24 16,-25 24-16,25 0 15,-25-25-15</inkml:trace>
+  <inkml:trace contextRef="#ctx0" brushRef="#br0" timeOffset="10925">17219 5519 0,'25'25'16,"-1"-25"-1,0 0-15,-24-25 16,25 25 0,-25-24-16,-25 0 15,1 24 1,0 0-16,-1 0 0,-24 0 15,25 0-15,-1 0 16,1 24 0,0-24-16,24 24 0,-25 1 0,1-1 15,-1 1-15,25-1 16,0 25-16,0-25 0,0 25 16,0-24-16,0 23 0,25-23 15,-1-1-15,1 1 16,-1-25-16,0 0 0,1 0 15,-1-25-15,1 25 0,24-24 16,-25-25-16,0 25 16,-24-25-16,25 0 0,-25 0 15,24 0-15,-24 0 16,0 25-16,0-25 0,-24 25 16,24-1-16,-25 25 15,25 25 16,0-1-15,0 1-16,25-1 0,-25 25 16,0-25-16,0 25 15,0 0-15,0 0 0,0 0 16,0-25-16,0 25 0,0-25 16,0 1-16</inkml:trace>
+  <inkml:trace contextRef="#ctx0" brushRef="#br0" timeOffset="11454">17830 5666 0,'0'-24'0,"-25"24"16,25-25-16,0 1 15,-24-1-15,24 1 16,-25-1-16,25 1 0,-24 24 16,24-24-1,-24 24-15,-1 0 16,1 24 0,24 0-16,-25-24 0,1 25 15,24 24-15,-24-25 0,24 1 16,0-1-16,0 0 15,0 1-15,0-1 0,24 1 16,0-1-16,1 0 16,-1-24-16,1 0 0,-1 0 15,25-24-15,-25 0 16,1-1-16,-1 1 0,1-25 16,-1 25-16,0-25 0,-24 0 15,0-24-15,0 24 16,0 0-16,-24 0 0,24 25 15,0-1-15,-24 1 0,24-1 16,-25 25-16,1 25 31,24-1-31,0 25 0,0-25 16,0 25-16,0 0 0,0 0 16,24 24-16,-24-24 0,25 0 15,-25-25-15,0 25 16,24-24-16</inkml:trace>
+  <inkml:trace contextRef="#ctx0" brushRef="#br0" timeOffset="11621">18318 5617 0,'25'0'16,"-1"0"15,-24-24-31,25 24 0,-50 0 16</inkml:trace>
+  <inkml:trace contextRef="#ctx0" brushRef="#br0" timeOffset="13275">13531 6472 0,'-24'0'16,"-1"0"-1,1 0-15,0 24 16,-1 1-16,1-1 16,-1 1-16,25-1 0,-24 0 15,24 25-15,-25-24 16,25 24-16,0-25 0,25 0 15,-1 1-15,25-1 16,-24-24-16,-1 0 16,25-24-16,0 24 0,0-25 15,-25 1-15,25 0 16,-25-25-16,1 24 0,-25-24 16,0 25-16,0 0 0,-25-25 15,1 24-15,-1 1 16,-23-1-16,23 1 15,1 24-15,-1 0 16,-24 24-16,49 1 16,0-1-16,0 1 15</inkml:trace>
+  <inkml:trace contextRef="#ctx0" brushRef="#br0" timeOffset="13600">14142 6325 0,'0'-24'0,"24"24"16,-24-24-16,0-1 15,-49 25 16,1 0-31,23 25 0,1-1 16,-25-24-16,25 24 0,-1 25 16,1-24-16,24-1 15,-25 25-15,25 0 0,0-25 16,0 25-16,0 0 0,0-25 16,25 25-16,-1-24 15,1-1-15,-25 25 16,24-25-16,0-24 0,1 25 15,-1-25-15</inkml:trace>
+  <inkml:trace contextRef="#ctx0" brushRef="#br0" timeOffset="13845">14337 6325 0,'0'-24'15,"-24"24"1,-1 0-16,1 24 16,24 1-16,-24-25 0,-1 24 15,25 25-15,-24-25 0,24 50 16,-25-25 0,25-1-16,0 1 0,0-24 15,0 24-15,0-25 0,0 25 16,0-25-16,0 1 15</inkml:trace>
+  <inkml:trace contextRef="#ctx0" brushRef="#br0" timeOffset="14198">13971 6716 0,'-25'0'0,"1"-24"16,0-1-16,48 1 31,0 24-31,1 0 15,-1-25-15,25 25 0,0 0 16,0-24-16,24 24 16,-24-24-16,24 24 0,-24-25 15,0 25-15,0 0 16,0-24-16,-25 24 0,1 0 16,-1 0-16,-24-25 15,-24 25 1,-1 0-1,25 25 1,0-1 0,0 1-16,0 23 15,0-23 1,25 24-16,-25-25 0,0 1 16,24-1-16,0 0 15</inkml:trace>
+  <inkml:trace contextRef="#ctx0" brushRef="#br0" timeOffset="14355">14728 6302 0,'0'-25'15,"0"50"16,0-1-15</inkml:trace>
+  <inkml:trace contextRef="#ctx0" brushRef="#br0" timeOffset="14660">15143 6496 0,'-24'0'32,"-1"0"-17,1-24-15,0 24 0,-1 0 16,1 0-16,-25 0 16,0 24-1,25 1-15,-1-25 0,25 24 16,0 1-16,0-1 0,0 0 15,0 1-15,25-1 16,-1 1-16,0-1 16,25 1-16,-24-25 0,-1 0 15,25 0-15,0 0 16,-25 0-16</inkml:trace>
+  <inkml:trace contextRef="#ctx0" brushRef="#br0" timeOffset="15051">15461 6570 0,'-25'0'16,"1"24"15,48-24 16,1 0-32,-1 0 1,1-24 0,-1-1-1,0 1-15,-24-1 16,-24 1-16,0 24 16,24-25-16,-25 25 15,1 0-15,-1 0 0,1 0 16,-25 25-16,25-1 0,-1 1 15,25-1-15,-24 1 16,-1 48-16,25-49 16,25 25-16,-1-24 0,1-1 15,-1 0-15,25 1 16,0-25-16,-25 0 0,25 0 16,0-25-16</inkml:trace>
+  <inkml:trace contextRef="#ctx0" brushRef="#br0" timeOffset="15908">16096 6521 0,'24'0'0,"-24"-25"16,25 25-1,-25-24 1,0 48 0,0 1-16,0 24 15,0-25 1,0 0-16,0 25 0,0 0 0,0-24 16,0-1-16,0 25 15,0-25-15,0 1 16,24-50-1,-24 1 1,24-25 0,1 0-16,-25 0 15,0 0-15,24 1 0,-24-1 0,0-25 16,25 26-16,-25-1 0,24 24 16,-24 1-16,25 0 15,-1 48-15,0 0 16,1 1-16,-25 24 15,24-1-15,1 1 0,-1 0 16,0 0-16,1 0 16,-25 0-16,24-25 0,1 25 15,-25-25-15,0 1 16</inkml:trace>
+  <inkml:trace contextRef="#ctx0" brushRef="#br0" timeOffset="16519">16316 6570 0,'-25'0'16,"1"0"-16,-1 0 0,50 0 31,-1 0-15,1 0-16,23 0 16,-23 0-16,24 0 0,0 0 15,-1-25-15,1 25 16,0 0-16,-25-24 0,25 24 15,-24 0-15,24 0 0,-25-25 16,0 25-16,1 0 16,-1 0-16,1-24 15,-1 24 1,-24-25 0,-24 25-1,-1 0-15,1 0 16,-1 0-16,1 25 0,0-25 15,-1 24-15,1-24 16,24 25-16,-25-1 0,25 1 16,0-1-16,0 0 0,0 1 15,0-1-15,25 1 16,-1-25-16,1 0 0,-1 24 16,0-24-16,1 0 15,-1-24-15,25 24 0,-24-25 16,-25 1-16,24-1 0,0 1 15,-24-25-15,0 25 16,0-25-16,0 0 0,0 0 16,0 0-16,0 25 0,0-1 15,0 1-15,0 0 16,0 48 0,0 25-1,0 0-15,0 0 0,0-1 16,0 1-16,0 25 0,0-26 15,25 1-15,-25 0 16,0-24-16,24-1 0,-24 0 16,0 1-16,25-25 15</inkml:trace>
+  <inkml:trace contextRef="#ctx0" brushRef="#br0" timeOffset="17037">17291 6570 0,'25'0'0,"-1"24"16,1-24-16,-1 0 31,-24-24-15,0-1 0,-24 1-1,-1 24-15,1 0 0,-1 0 16,1 0-16,0 0 15,-1 0-15,1 0 0,-1 0 16,1 24 0,0 1-16,24-1 15,0 0-15,0 1 16,0-1-16,24 1 16,-24-1-16,24 1 0,1-25 15,-1 24-15,1-24 16,-1 0-16,0 0 0,1-24 15,24-1 1,-25 1-16,1-1 0,-25-24 16,24 1-16,-24 23 0,0-48 15,0 24-15,0 0 16,-24 0-16,24 25 0,0-25 16,-25 25-16,25-1 0,-24 25 15,24 25 1,0 24-16,0-1 15,0 1-15,24 0 0,-24 0 16,25 0-16,-25 0 16,24-1-16,-24-23 0,24 24 15,-24-25-15,0 1 16,25-25-16</inkml:trace>
+  <inkml:trace contextRef="#ctx0" brushRef="#br0" timeOffset="17212">17683 6545 0,'25'25'16,"-1"-25"15,-24 24-15,25-24-16,-50 0 31,1 0-16</inkml:trace>
+  <inkml:trace contextRef="#ctx0" brushRef="#br0" timeOffset="18302">13458 7278 0,'0'-25'16,"0"1"-1,-24 24-15,24-24 16,0 48 0,0 0-1,0 50 1,24-25-16,-24 24 0,0-24 0,0 0 15,24 24-15,-24-24 16,0-1-16,0 1 0,0-24 16,0 24-16,25-25 15,-25-48 1,0-1 0,0 1-16,0-1 15,0-24-15,-25 1 0,25-1 16,0-24-16,0 24 15,-24 0-15,24 0 0,0 0 16,0 0-16,-24 25 0,24-1 16,0-23-16,0 23 15,24 1-15,-24-1 16,49 1 0,-25 24-16,1 0 0,-1 0 15,1 0-15,-1 24 0,-24 1 16,24-1-1,-24 25-15,0-25 0,0 1 16,-24-1-16,0 1 16,-1-1-16,1 1 0,-25-1 15,0 0 1,25-24-16,-1 0 16,25-24-16</inkml:trace>
+  <inkml:trace contextRef="#ctx0" brushRef="#br0" timeOffset="18735">13873 7400 0,'-24'24'0,"24"1"16,0-1 31,24-24-47,1 0 0,-1 0 31,25-24-31,-25 24 0,-24-25 16,25 25-16,-1-24 0,-24 0 15,0-1 1,0 1-16,-24-1 15,-1 25 1,1-24-16,0 24 0,-25 0 16,24 0-16,-24 0 0,25 0 15,0 24-15,-1 1 16,1-1-16,24 1 0,0-1 16,0 0-16,0 1 15,24-1-15,1 1 0,-1-1 16,0 1-16,1-1 15,-1-24-15,25 24 0,-24-24 16,-1 0-16</inkml:trace>
+  <inkml:trace contextRef="#ctx0" brushRef="#br0" timeOffset="19100">14142 7351 0,'0'-24'15,"0"-1"-15,24 1 16,1 24 0,-1 0-16,1 0 15,-25 24-15,24-24 0,0 25 16,1-1-16,-1 1 31,-24 121-31,0-121 16,0-1-16,-24 0 15,24-48 1,0 0 0,0-1-16,0 1 15,0-25-15,24 0 0,25-24 16,-24 24 0,-1 24-16,0 1 0,1 0 15,-1 24-15,1 0 16,-1 0-16,-24 24 0,25-24 15,-25 24-15</inkml:trace>
+  <inkml:trace contextRef="#ctx0" brushRef="#br0" timeOffset="19746">14606 7351 0,'0'-24'31,"24"24"1,-24 24-17,25 1-15,-25-1 16,24 0-16,-24 1 0,25-1 15,-25 1-15,0 23 16,24-23-16,-24-1 0,0 1 16,24-1-16,-24-48 31,0-1-15,0 1-1,0-25-15,25 25 0,-25-25 16,24 24-16,-24-23 15,25 23-15,-25 1 0,24-25 16,1 49-16,-1 0 0,0 0 16,-24 24-1,25 1-15,-25-1 0,24 1 16,-24 23-16,0 1 0,0-24 16,0-1-16,0 0 15,0 1-15,0-1 0,0 1 16,0-50-1,0 1 1,0-1-16,0 1 0,25 0 16,-25-25-16,24 24 15,1 1-15,-1-25 0,0 49 16,-24-24-16,25 24 16,-1 0-16,1 24 0,-1 1 15,-24-1-15,0 25 16,24 0-16,-24-25 0,0 25 15,0-25-15,0 25 0,0-24 16,0-1 0</inkml:trace>
+  <inkml:trace contextRef="#ctx0" brushRef="#br0" timeOffset="20235">15436 7278 0,'0'-25'16,"0"1"-16,0 0 15,-24-1-15,24 1 16,0 48 15,0 1-31,0-1 16,0 0-1,0 25-15,0 0 0,0 0 0,0 0 16,0 0-16,24-25 0,1 25 16,-1 0-16,1-25 15,-1 1-15,0-1 0,25-24 16,-24 0-16,-1 0 15,1 0-15,-1-24 0,0 24 16</inkml:trace>
+  <inkml:trace contextRef="#ctx0" brushRef="#br0" timeOffset="20394">15485 7473 0,'-24'0'0,"48"0"47,1 0-31,-1 0-16,0-24 15,1 24-15</inkml:trace>
+  <inkml:trace contextRef="#ctx0" brushRef="#br0" timeOffset="20552">15900 7424 0,'0'25'0,"0"-1"16,0 1 15</inkml:trace>
+  <inkml:trace contextRef="#ctx0" brushRef="#br0" timeOffset="21032">16316 7351 0,'0'-24'15,"-25"24"-15,1 0 16,-1 24-1,25 1 1,0-1-16,-24 0 16,24 25-16,0-24 0,0 24 15,-25-25-15,25 49 16,0-48-16,0-1 16,0 0-16,0 1 15,25-25 1,-25-25-16,0-23 15,24 23 1,-24-24-16,25 1 0,-25-26 16,0 25-16,24-24 15,-24 24-15,25 0 0,-25 1 16,0-1-16,24 24 0,0 25 31,1 25-31,-25-1 16,24 25-16,-24 0 0,25 0 15,-25 0-15,24-1 16,-24 1-16,25 0 0,-1-24 16,-24 23-16,24-23 15,-24-1-15,0 1 16</inkml:trace>
+  <inkml:trace contextRef="#ctx0" brushRef="#br0" timeOffset="21632">16317 7546 0,'-25'0'16,"50"-24"15,-1 0-15,25 24-16,-25 0 16,1 0-16,24-25 0,-1 25 15,1 0-15,0-24 0,0 24 16,-25 0-16,25 0 15,-24-25-15,23 25 0,-23 0 16,-1-24-16,1 24 16,-1 0-16,-24-24 15,25 24-15,-25-25 16,-25 25 0,1 0-1,-1 0 1,1 0-16,-1 0 0,1 25 15,0-1-15,-1-24 0,25 24 16,-24 25-16,24-24 16,0-1-16,0 0 0,0 1 15,24-1-15,1 1 16,-25-1-16,24-24 0,0 25 16,1-25-16,-1 0 15,1-25 1,-1 1-16,1-1 0,-1 1 0,0-25 15,-24 25-15,25-25 0,-25-24 16,0 24-16,0 0 16,0 0-16,0 0 0,0 25 15,0-25-15,0 24 16,0 50 0,0 24-1,0-25-15,0 25 0,0 0 16,0 0-16,0 0 0,24 24 15,-24-24-15,0-25 16,0 25-16,0-25 0,25 1 16,-25-1-16</inkml:trace>
+  <inkml:trace contextRef="#ctx0" brushRef="#br0" timeOffset="22161">17463 7400 0,'25'0'16,"-25"-24"-16,-25-1 16,1 25-1,0 0-15,-1 0 16,1 0-16,-1 0 15,1 0-15,-1 25 16,25-1-16,0 0 16,0 1-16,0 24 15,0-25-15,0 25 0,0-25 16,25 1-16,-25-1 16,24 1-16,1-1 0,-1 0 15,1-24-15,-1 0 0,25-24 16,-25 24-1,1-24-15,-1-25 0,-24 24 16,25-23-16,-25-1 0,0 0 16,0-24-16,0 24 15,0-25-15,-25 26 0,25-1 16,0 24-16,-24 1 16,24-1-16,0 1 0,0 48 31,0 1-31,0-1 0,0 25 15,0 0-15,0 0 0,24 0 16,1 24-16,-25-24 16,24 0-16,-24 0 0,24-1 15,1-23-15,-25-1 16,0 1-16,24-25 0</inkml:trace>
+  <inkml:trace contextRef="#ctx0" brushRef="#br0" timeOffset="22335">17927 7498 0,'25'0'16,"-25"24"-16,24-24 16,-48 0 15</inkml:trace>
+  <inkml:trace contextRef="#ctx0" brushRef="#br0" timeOffset="27590">12335 5080 0,'24'0'0,"-24"-25"31,-24 25-31,-1 0 16,1 0-1,-1 25-15,1-25 16,-1 24-16,1 1 0,0-1 16,-1 0-16,1 1 0,-1 24 15,1-25-15,-1 25 16,25-25-16,0 1 0,0-1 15,0 1-15,0-1 0,25 1 16,-1-1 0,1-24-16,-1 0 0,1 0 15,-1-24 1,0 24-16,1 0 16,-1 0-1,1 24 1,-25 0 15,24-24-31,-24 25 0,0-1 0,0 1 16,0-1-1,-24-24-15,24 24 16,-25-24-16,1 0 0,24 25 16,-25-25-16,1 0 15,0 0-15,-1 0 16,1 0-16,48 0 31,-24 24-15,25-24-16,-1 25 15,0-25-15,1 24 0,24 1 16,-25-1-16,1 0 0,23 1 16,-23-1-16,-1 1 15,1-1-15,24 1 16,-25-25-16,0 0 15</inkml:trace>
+  <inkml:trace contextRef="#ctx0" brushRef="#br0" timeOffset="28139">12188 5617 0,'0'24'16,"-24"-24"-1,-50 25 1,1-25-16,0 24 0,-25 1 16,-24-1-16,0 1 0,-25-1 15,-24 0-15,-24 1 16,24-1-16,-49 1 0,25-1 15,-25 1-15,25-1 0,-1-24 16,1 24-16,48 1 16,1-25-16,24 24 0,48-24 15,1 0-15,49 0 16,-1 25-16,50-25 16,-1 0-1,1 0 1,-25-25 46</inkml:trace>
+  <inkml:trace contextRef="#ctx0" brushRef="#br0" timeOffset="28487">9355 5935 0,'0'-25'0,"24"25"16,-24-24-1,0-1 1,-24 25-1,0 0-15,-1 25 16,1-25-16,-1 24 0,1 25 16,-25-25-16,25 25 15,-25 0-15,0-24 0,24 23 16,1 1-16,0 0 16,-1-24-16,25-1 0,0 0 15,0 1-15,25-1 16,23 1-16,-23-25 15,24 0-15,0 24 0,-1-24 16,-23 24-16</inkml:trace>
+  <inkml:trace contextRef="#ctx0" brushRef="#br0" timeOffset="29459">5105 6252 0,'-24'0'31,"24"-24"-15,0-1-16,0 1 15,-25 24 16,1 0-31,0 0 0,-1 24 16,1-24-16,-25 25 16,0-1-16,25 1 0,-25-1 15,0 0-15,25 1 0,-1-1 16,25 1-16,0-1 16,25 0-16,-1-24 0,25 25 15,24-1-15,-24-24 16,24 25-16,-24-1 0,24-24 15,-24 25-15,0-1 0,-25 0 16,-24 1-16,0-1 16,0 1-16,-24-1 0,-25 25 15,0-25-15,0 1 16,1-1-16,-26 1 0,26-25 16,-1 24-16,0-24 15,24 0-15,1 0 0,0 0 16,24-24-16,0-1 0</inkml:trace>
+  <inkml:trace contextRef="#ctx0" brushRef="#br0" timeOffset="29693">5472 6106 0,'24'-25'15,"1"1"-15,-1-1 0,-24 1 16,0-1-16,0 50 31,0-1-31,0 25 0,0 0 16,0 0-16,0 24 0,24 74 15,1-74 1,-25-24-16,0 24 0,24-24 16,-24 0-16,0-25 15,0 1-15</inkml:trace>
+  <inkml:trace contextRef="#ctx0" brushRef="#br0" timeOffset="30096">5472 6545 0,'-25'-24'0,"-24"-25"15,49 24 1,25 1 15,-1 24-31,1-24 0,-1 24 16,25-25-16,-25 1 15,25-1-15,-24 1 0,-1 24 16,25-25-16,-25 25 0,1 0 16,-1 0-16,1 25 15,-1-25-15,0 24 0,1 1 16,-1-1-16,1 1 16,-1-1-16,1 0 0,-25 1 15,24-25-15,-24 24 0,-24-24 31,-1 0-31,1 0 0,-1 0 16,1 0-16,-1-24 16,1 24-16,24-25 0,-24 1 15,24 0-15,24-25 0,0 24 16,1-24-16,-1 1 16,1-1-16,24 24 0,-1 1 15,-23 0-15,24 24 16,24 48-1</inkml:trace>
+  <inkml:trace contextRef="#ctx0" brushRef="#br0" timeOffset="30503">6473 6228 0,'24'0'16,"-24"24"15,25-24 0,-1 0-15,1 0 0,-1 0-1,1-24 1,-1-1-16,-24 1 15,0-1 1,0 1-16,-24 24 0,24-24 16,-25-1-16,1 25 0,-1 0 15,1 0-15,-1 0 16,-48 25 0,49-1-16,24 0 0,-25 1 15,25-1-15,0 25 0,25-24 16,-25-1-16,24 0 0,25 1 15,-25-1-15,25 1 16,-24-25-16,24 0 0,-1 0 16,-23-25-16</inkml:trace>
+  <inkml:trace contextRef="#ctx0" brushRef="#br0" timeOffset="30888">6937 6154 0,'0'-24'0,"25"24"62,-1 0-46,0 0 0,1 0-16,-1 0 0,1-24 15,-1 24-15,25 0 0,-25-25 16,1 25-16,-1-24 15,-24-1-15,25 25 0,-25-24 16,-25-1-16,1 25 16,-1-24-16,1 24 15,-25 0-15,25 0 0,-25 0 16,24 0-16,-23 24 16,23 1-16,25-1 0,-24 1 15,24-1-15,0 1 16,0 23-16,24-23 0,-24 24 15,49 0 1,0-25-16,-25-24 0,25 24 16,0-24-16,-25 0 0,25-24 15</inkml:trace>
+  <inkml:trace contextRef="#ctx0" brushRef="#br0" timeOffset="31199">7548 5690 0,'-25'-24'16,"1"-25"-16,24 25 0,-25-1 15,25 1-15,-24 24 16,24-25-16,0 1 16,-24 24-16,24 24 15,-25 1 1,25-1-16,0 1 15,0 23-15,0-23 16,0 24-16,25 24 0,-25-24 16,24 24-16,0-24 15,1 24-15,-1-24 0,1 0 16,-1 0-16,1 0 0,-25-25 16,24 1-1,0-1-15,-24 0 0,25-24 16</inkml:trace>
+  <inkml:trace contextRef="#ctx0" brushRef="#br0" timeOffset="31402">7377 5935 0,'-25'0'0,"1"0"15,-1 24-15,50-24 31,-1 0-31,25 0 0,0 0 16,-25-24-16,50-1 0,-25 25 16,-1-24-16,1-1 15,0 25-15,-25-24 16</inkml:trace>
+  <inkml:trace contextRef="#ctx0" brushRef="#br0" timeOffset="48044">4397 6228 0,'0'-25'0,"-24"25"63,-1 0-47,25 25-16,-49-25 0,25 0 15,0 24-15,-25-24 16,0 0-16,24 24 0,-23-24 15,-1 25-15,0-25 16,24 24-16,-23-24 0,23 0 16,-24 25-16,25-25 15,0 0-15,24 24 16,0 1 0,0-1-1,24-24-15,-24 24 0,24 1 16,-24-1-16,25 1 0,-1 24 15,-24-25-15,25 25 16,-25 0-16,24 0 0,-24-1 16,24 1-16,1 0 15,-25 24-15,24-24 0,1 24 16,-1 1-16,1-1 0,-1 0 16,0 25-16,1-25 15,-1 25-15,1 0 0,24-1 16,-25-23-16,0 23 0,1 1 15,24-25-15,-25 25 16,0-25-16,1 0 0,24 1 16,-25 23-16,1-23 15,-1-1-15,0 0 0,1 0 16,-1 1-16,-24-1 0,25 0 16,-1 1-16,1-1 15,-1 0-15,0-24 0,1 0 16,-1 24-16,1-24 15,-1 0-15,-24 0 0,25-1 16,-1 26-16,0-25 0,1-1 16,-25 26-16,24-25 15,-24 24-15,25 0 0,-25-24 16,0 0-16,24 24 16,-24-24-16,25 0 0,-1 0 15,0-1-15,1 1 0,-1-24 16,1 24-16,-1-1 15,-24 1-15,24 0 0,1-24 16,-1 23-16,1 1 16,-1 0-16,-24 0 0,25 0 15,-1-25-15,-24 25 0,24-25 16,-24 25-16,25-24 16,-25-1-16,24 1 15,-24-1-15,25 0 16,-25 1-16,0-1 0,0 1 15,0-1 17,24-24-32,1-24 15,-1 24-15,25-25 32,0 1-32,-25 24 0,25-25 0,0 1 15,-25 24-15,25-24 16,0 24-16,0-25 0,0 25 15,-25-24-15,0 24 0,1 0 16,-1 0-16,-24-25 31,-24 25-31,24-24 16,-25 24-16,1-25 0,0-23 16</inkml:trace>
+  <inkml:trace contextRef="#ctx0" brushRef="#br0" timeOffset="49229">4446 9110 0,'0'-25'0,"0"1"32,-24 24-17,24 24-15,-25 1 16,1 23-1,-1-23-15,1 24 0,24 0 16,-25-1-16,1 1 16,0 24-16,-1 1 0,25-1 15,-49 74 1,49-74-16,-24 0 0,24 0 16,-25 1-16,25 23 0,-24-23 15,24-1-15,0 25 16,0-1-16,24-23 0,-24 23 15,25 1-15,-1 0 0,1 24 16,-1-25-16,1 1 16,-1 0-16,25-25 0,-25 25 15,25-25-15,0 0 16,24 1-16,-24-1 0,24 0 16,1 0-1,-1-24-15,25 24 0,-25-24 0,24 25 16,1-26-16,0 1 0,0 0 15,24 0-15,-25 0 16,26 0-16,23-25 0,-24 1 16,25-1-16,24-24 0,0 0 15,24 0-15,0-24 16,1 24-16,-1-25 0,1 1 16,23 24-16,-23-25 15,24 1-15,-25-25 0,25 25 16,-25-25-16,0 0 15,25 0-15,0 0 0,-24-24 16,23 24-16,1-24 0,-25-25 16,25 25-16,-24-25 0,24 25 15,-50-25-15,26 1 16,-25-1-16,0 0 0,-25 25 16,1-25-16,-1 0 15,-23 1-15,-1-1 0,0 0 16,0-24-16,0 25 0,-24-26 15,24 1-15,-25 0 16,1 0-16,24-24 0,-48 23 16,23-23-16,50-98 15,-98 122-15,-1 24 16,1-24-16,-24 49 0,-1-25 16,1 25-16,-1 24 15,0-25-15,1 26 0,-1-1 16,1 0-16,-1 0 15,1 0-15,-25 0 0,0 25 16,24-1-16,-24 1 0,0 0 16,0-1-1,0 1 1,0-1 15,0 1-15,-24 24-1,-1 0-15</inkml:trace>
+  <inkml:trace contextRef="#ctx0" brushRef="#br0" timeOffset="49908">12750 8401 0,'-25'25'0,"1"-1"16,0 1 15,48-50 31,0 1-46,1-1-16,-1 1 16,25-25-1,-25 25-15,25-1 0,-24 1 16,24-25-16,-25 25 0,25-1 15,0-24-15,0 25 16,-1-1-16,1 1 0,0 24 16,0-24-16,-25 24 15,25 0-15,0-25 0,-25 25 16,74 0 0,-49 0-16,0 0 0,0 0 15,0 0-15,-1 25 0,-23-25 16,24 24-16,0-24 0,-25 24 15,0 1-15,25-1 16,-24 25-16,-1-24 0,-24 23 16,24-23-16,1 24 15,-1 24 1,-24-49-16,0 25 0,25 0 0,-25 24 31,24-24-31,-24-24 0,25 23 0,-25-23 16,24 24-16,-24-25 15,0 0-15,24 1 0,-24-1 16,25 1-16,-25-1 16,0-48 15,-25-1-31</inkml:trace>
+  <inkml:trace contextRef="#ctx0" brushRef="#br0" timeOffset="50866">15363 2027 0,'-24'0'0,"-1"0"16,1 0-16,24-25 0,-25 25 16,25-24-1,25 24-15,-1 0 0,1-24 0,-1 24 16,25-25-16,24 1 16,-24 24-16,24-25 0,1 25 15,-1-24-15,0 24 16,-24 0-16,24-25 0,-24 25 15,-25 0-15,1 0 0,-1 0 16</inkml:trace>
+  <inkml:trace contextRef="#ctx0" brushRef="#br0" timeOffset="51126">15485 1905 0,'25'24'16,"-1"-24"-16,-24 25 16,24-25-16,-24 24 0,25 0 15,-25 1-15,0-1 16,0 1-16,0 24 0,0 24 16,0-24-16,0 24 0,0 0 15,24 1-15,-24-1 16,25 49-1,-1-49-15,-24-24 0,25-25 16,-1 25-16,-24-24 0,24-25 16</inkml:trace>
+  <inkml:trace contextRef="#ctx0" brushRef="#br0" timeOffset="51668">16169 2320 0,'0'-24'16,"-24"-1"-1,-1 25 1,25 25-16,-24-1 16,24 0-16,-25 1 15,25 24-15,0-25 0,-24 25 0,24 0 16,0 0-16,0-25 15,0 25-15,0 0 0,0-25 16,0 1-16,0 23 0,0-23 16,0-1-1,0 1-15,0-50 16,0 1 0,0-1-16,0 1 15,0 0-15,24-25 0,-24-25 16,25 26-16,-1-26 15,1 1-15,-1 0 0,0 0 16,1-1-16,-1 1 16,1 24-16,24 0 0,-25 25 15,0-25-15,1 49 16,-25-24-16,24 24 0,1 0 16,-25 24-16,24 0 0,0 1 15,-24-1-15,25 25 16,-1 24-16,-24-24 0,25 25 15,-25 23-15,24-24 0,1 1 16,-25 23-16,0-23 16,24-25-16,0 97 15,-24-97 1,0-25-16</inkml:trace>
+  <inkml:trace contextRef="#ctx0" brushRef="#br0" timeOffset="52581">16291 2686 0,'-24'-24'0,"-1"-1"15,1 1-15,24 0 16,0-1-16,0 1 0,0-1 16,24 1-1,1-1-15,24 25 0,-25-24 16,25 0-16,24-1 0,-24 1 15,49-25 1,-25 25-16,-24-1 0,0 1 16,24-25-1,-49 24-15,1 1 16,-25 0-16,24-1 0,-24 1 16,0 48 15,0 1-16,0 23-15,-24-23 0,24 48 16,0-24-16,0 0 0,0 24 16,0 0-16,0-24 15,0 0-15,0 24 0,0-48 16,0 24-16,0-25 0,0 0 16,0 1-16,-25-50 46,25 1-46,0 0 0,0-25 16,0 0-16,0 0 0,0-24 16,0-1-16,0 1 15,0 0-15,0 24 0,0-24 16,25 0-16,-1 24 16,-24 0-16,25 24 0,-1-23 15,25 48-15,-25-25 0,1 25 16,-1 0-16,25 25 15,-25-1-15,-24 0 0,25 1 16,-25 24-16,0-25 16,0 1-16,-25 23 0,1-23 15,0 24-15,-1-25 16,-48 49-16,48-48 16,1-1-16,0-24 0,24 25 15,-25-1-15,1-24 16,48 0-1,1 0 17,23 0-32,-23 0 0,24-24 15,-25 24-15,25 0 16,0 0-16,0 0 0,-1 0 16,-23 24-16,-1-24 0,25 24 15,-24 25-15,-25-24 16,24-1-16,-24 25 0,0-25 15,0 25-15,0-24 16,-24-1-16,24 25 0,-49-25 16,24-24-1,1 25-15,-25-1 0,0-24 0,0 0 16,25 0-16,-25 0 0,25-24 16,-1 24-16,1-25 15,-1 1-15,25-25 0,0 25 16,25-25-16</inkml:trace>
+  <inkml:trace contextRef="#ctx0" brushRef="#br0" timeOffset="52994">17586 2125 0,'0'-25'0,"24"1"16,-24-1-16,0 1 31,-24 24-31,24 24 16,0 1-1,0-1-15,0 1 0,0-1 16,0 25-16,0 0 16,0 24-16,0 0 0,0-24 15,0 24-15,0 1 0,24 48 16,-24-73-1,0-1-15,0 1 0,0-24 16,0 24-16,0-25 0,0 0 16,24-24 15,1 0-31,-1-24 16,1 24-16,23-24 0,1-1 15,0 25-15,0-24 0,0-1 16,0 25-16,-25-24 15,25 24-15,-25-25 0,1 25 16,-1-24-16,1 24 16</inkml:trace>
+  <inkml:trace contextRef="#ctx0" brushRef="#br0" timeOffset="53546">18611 2149 0,'0'-49'0,"0"25"16,-24-1-16,24 1 0,-25-1 15,-23-23 1,23 48-16,1 0 15,-1-25-15,1 25 16,0 0-16,-1 0 0,1 0 16,-1 0-16,1 0 0,-1 0 15,1 0 1,0 0-16,24 25 0,-25-25 16,1 24-16,-1 0 15,25 1 1,0-1-16,0 1 15,0-1-15,25 25 16,-25-25-16,24 25 0,-24 25 16,25-26-16,-1 1 15,0 24-15,1-24 0,-1 25 16,1-26-16,-25 1 0,24 0 16,-24 0-16,25 0 15,-25-25-15,0 25 0,24-24 16,-24-1-16,24 0 0,-24 1 15,25-1-15,-1 1 16,1-25-16,-1 0 16,25 0-16,0 0 0,-25 0 15,25-25-15,-25 1 0,25-1 16,-24-23 0,-25 23-16</inkml:trace>
+  <inkml:trace contextRef="#ctx0" brushRef="#br0" timeOffset="53713">18318 2686 0,'25'-24'15,"-1"24"1,1-25-16,23 25 16,-23-24-16,48 0 0,-24 24 15,0-25-15,0 1 0,73 24 31</inkml:trace>
+  <inkml:trace contextRef="#ctx0" brushRef="#br0" timeOffset="60789">18880 5373 0,'-24'-25'16,"24"1"0,0 0 46,24 24-46,0 0-16,1 0 0,-1 0 15,1 0-15,-1 0 16,25 0-16,-25 0 0,1 0 16,-1 0-1,-24 24-15,0 0 16,-24 1-16,-1-25 15,1 24-15,0 1 16,-1-25-16,1 24 0,-1-24 16,1 0-16,24 25 15,24-25 1,1 0 0,24 0-16,-25 0 15,25 0-15,-25 0 0,25 0 16,-25 24-16,1-24 15,-1 0-15,-24 24 0,0 1 16,-24-1-16,-25-24 16,25 25-16,-50-1 15,26-24-15,-1 25 0,-25-25 16,26 0-16,-1 0 0</inkml:trace>
+  <inkml:trace contextRef="#ctx0" brushRef="#br0" timeOffset="61527">18440 6276 0,'-24'0'0,"24"-24"15,24 0 1,1-1-16,-1 1 16,74-1-1,-74 25-15,25 0 16,-24 0-16,-1 0 0,0 0 16,1 25-16,-1-25 15,-24 24-15,0 1 16,-24-1-16,-1-24 0,1 24 15,-25 1-15,25-25 16,-25 24-16,0 1 16,25-1-16,-1-24 15,25 25 1,25-25-16,-1 0 16,0 24-16,25-24 15,-24 0-15,24 0 0,-25 24 16,0-24-16,1 0 15,-1 25-15,-48-25 16,-1 24-16,1-24 16,-25 25-16,0-25 15,0 24-15,1-24 0,-1 25 16</inkml:trace>
+  <inkml:trace contextRef="#ctx0" brushRef="#br0" timeOffset="62127">18392 7107 0,'-25'0'15,"25"-25"1,25 1 15,-1 24-15,0 0-16,1 0 0,24 0 15,-25 0-15,0 0 16,25 0-16,-24 0 16,-1 0-16,1 24 0,-25 1 15,-25-25 1,1 24-16,-1 1 15,1-25 1,-1 24-16,1-24 0,0 0 16,24 25-16,24-1 15,0-24 1,1 24-16,24 1 16,-25-25-16,25 24 15,0 1-15,-25-1 0,25 1 16,-24-1-16,-25 0 0,-25 1 15,-48-25-15,0 24 16,-74 1-16,-24-1 0,-24 0 16</inkml:trace>
+  <inkml:trace contextRef="#ctx0" brushRef="#br0" timeOffset="73659">4617 5641 0,'-25'0'0,"25"-24"16,-24 24-1,0-24-15,24-1 0,-25 25 16,25-24-1,-24-25-15,-1 0 0,1 25 16,24-25-16,-25 0 0,25 0 16,0 0-16,-24 0 0,24-24 15,0 24-15,24 1 16,1-1-16,-1 0 16,1 0-16,24 0 0,-25 25 15,25-25-15,24 24 0,-24 1 16,24 24-16,1-24 0,-26-1 15,26 25-15,-1 0 16,0-24-16,0 24 0,-24 0 16,25-25-16,-1 25 0,73-24 15,-48 24 1,0 0-16,-1-25 0,26 1 16,23 24-16,-24-24 15,25-1-15,-1 25 0,-24-24 16,1-1-16,-1 25 0,-25-24 15,1 24-15,-25-25 16,-24 25-16,0 0 0,0 0 16,-25 0-16,1 0 15,-1 25-15,1-1 0,-1 1 16,-24-1-16,24 1 0,1 23 16,-1-23-16,1 24 15,-1 0-15,1 24 0,-1-24 16,0 0-16,1 24 15,24-24-15,-25 0 0,0-1 16,25 1-16,-24 0 0,-25 0 16,24-25-16,-24 1 15,-24 24-15,-1-25 0,1-24 16,-1 24-16</inkml:trace>
+  <inkml:trace contextRef="#ctx0" brushRef="#br0" timeOffset="74085">6058 4445 0,'-25'0'31,"25"-25"-31,-24 25 0,24-24 16,-24 0-16,24-1 0,-25 1 15,25-1-15,-24-24 16,24-24-16,-25 24 0,25-24 15,-24 0-15,-1-25 16,1 0-16,0-24 0,-1 25 16,1-26-16,-1 26 0,25-1 15,-24 0-15,-1 25 16,25 0-16,0 24 0,-24 25 16,24-1-16,0 1 0</inkml:trace>
+  <inkml:trace contextRef="#ctx0" brushRef="#br0" timeOffset="74855">3982 1612 0,'0'-25'16,"0"1"-16,0-1 16,-25 1-16,25 0 0,-24-1 15,24 1-15,-24 24 16,-1-25-16,1 25 0,-1 0 15,-72 49 1,48-24-16,0-1 0,-24 0 16,24 25-16,0-24 0,0 24 15,25-25-15,-1 0 16,1 25-16,24-24 0,24-1 16,1 0-16,-1 25 0,25-24 15,0-1-15,24 1 16,0-1-16,1 25 15,-26-25-15,26 1 0,-1-1 0,-24 1 16,-25-1-16,1 0 16,-1 1-16,-24-1 0,-24 25 15,-25-24-15,0 23 16,0-23-16,-24 24 0,0-25 16,-1 1-16,26-1 0,-26 0 15,25 1-15,1-25 16,23 0-16,1-25 0,24 1 15,0-25-15,24 25 16</inkml:trace>
+  <inkml:trace contextRef="#ctx0" brushRef="#br0" timeOffset="75333">4251 1587 0,'-25'0'15,"1"0"-15,-1 0 0,-24-24 32,25 24-32,48-25 15,1 25-15,-1-24 0,25 24 16,0-24-16,0-1 15,24 1-15,-24 24 0,24-25 16,-24 1-16,-25-1 0,25 25 16,-49-24-16,25 24 15,-50 0 1,1 0-16,-1 0 0,1 0 16,-25 0-16,25 0 0,-1 24 15,1-24-15,0 0 0,-1 25 16,1-1-1,24 1-15,0-1 0,0 1 16,0 23-16,0 1 16,0 0-16,24 0 15,-24 0-15,0 24 0,0-24 0,25 0 16,-25 24-16,24-24 16,-24 0-16,24-25 0,-24 25 15,25-25-15,-1 1 16,-24-1-16,25 1 0</inkml:trace>
+  <inkml:trace contextRef="#ctx0" brushRef="#br0" timeOffset="76047">5008 1636 0,'0'-24'0,"0"48"47,0 1-47,0-1 15,24 25-15,-24-25 16,0 25-16,0 0 0,24 0 16,-24 0-16,0-1 0,0 1 15,0-24-15,0-1 16,0 1-16,0-1 0,0 0 15,0-48 1,-24-25 0,24 25-1,0-25-15,-24 0 0,24 0 16,0-24-16,-25 0 0,25-1 16,-24 1-16,24 0 15,0 0 1,24-74-16,1 98 15,-1 25-15,0-1 0,25 25 16,0 0-16,0 0 0,0 25 16,0-1-16,0 1 15,-1-1-15,1 0 0,-24 25 16,-1-24-16,-24 24 0,0-1 16,0-23-16,-24 24 15,-25-25-15,0 25 0,0-25 16,-24 1-16,24-1 15,0 1-15,0-1 0,0 1 16,25-25-16,0 0 0,-1 0 16,50 0-1,23 0 1,-23 0 0,24 0-16,-25 24 0,25 0 15,0-24-15,-25 25 0,25-1 16,0 1-16,0-1 15,0 0-15,0 1 0,-25-1 16,25 1-16,0-1 16,0 1-16,-1-25 0,1 24 15,49-24 1,-74 0 0,-24-24-16</inkml:trace>
+  <inkml:trace contextRef="#ctx0" brushRef="#br0" timeOffset="77357">3396 3004 0,'-25'0'0,"1"24"16,48-24 15,1 0 0,24 0-31,-1 0 0,1-24 0,49 24 16,24-25-16,25 1 0,48 0 15,0-25-15,25 24 16,24-24-16,25 25 0,0-25 16,24 0-16,-49 0 15,25 25-15,-49-25 0,-25 25 16,-24-1-16,-49 1 15,0-1-15,-49 25 0,-24-24 16,-24 24-16,-1-24 0,-24-1 16,-24 1-1,-1 24 1,25-25-16,-24 25 0,24-24 16,-25 24-1,25-24-15,-24 24 16,24-25-16,-25 1 15,1-1-15,0 1 0,-1-25 16,1 0-16,-1 0 0,-23-24 16,23-25-16,-24 1 15,0-25 1,-48-147-16,48 98 0,0 24 16,0-24-16,0 25 0,25-1 15,-25 25-15,25 0 0,-1 24 16,-24 25-16,25 0 15,0 48-15,24-23 0,-25 23 16,1 25-16,24-24 16,-25 24-16,1 0 15,-1 0 1,25 24 0,0 1-1,-24-25-15,0 24 16,-1-24-1,1 24-15,-1 1 0,-24-1 16,-24 1-16,-25-1 16,1 25-16,-25-25 0,-49 25 15,0 25 1,-49-26-16,-24 1 0,-1 25 0,-23-1 16,24-24-16,-25-1 0,49 1 15,0 0-15,49 0 16,-97 0-16,170-25 15,49-24-15,0 25 16,25-25-16,24 24 47,0 1 0,0-1-32,24 0-15,-24 25 16,25 49 0,-1-25-16,-24 0 0,25 1 15,-1-1-15,0 25 0,1-1 16,-25 1-16,24 0 0,1 24 16,-1-24-16,-24 24 15,25 0-15,-1-25 0,0 1 16,1 0-16,-25-25 0,49 74 31,-49-98-31,24-25 0,-24 25 0,0-25 16,0 1-16,0-1 15,0 1-15,0-1 16,25 0-16,-1-24 16,0 0-16,50-24 15,-1 0-15,0-1 0,171-48 16,-97 24-1,0 0-15,-1 25 0,-24-1 16</inkml:trace>
+  <inkml:trace contextRef="#ctx0" brushRef="#br0" timeOffset="79131">6546 1416 0,'0'-24'16,"25"24"-16,-25-25 31,24 25-31,1 0 47,-1 0-16,0 0-15,1 0-16,-1 0 15,25 0-15,0 25 16,-25-25-16,50 0 0,-25 24 16,24-24-16,0 25 15,25-1-15,-1 1 0,1-1 16,24 0-16,0 1 16,25 24-16,24 0 0,0-1 15,24 26-15,25-25 0,268 97 31,50 25-31,-245-73 0,24-1 16,270 74-16,-319-73 16,1-25-16,-25 1 15,-24-1-15,0 0 0,-49 0 16,0-24-16,-25 0 16,-24-24-16,0 23 0,-24-23 15,-25-1-15,1 1 0,-26-1 16,1-24-16,-24 24 15,-1-24-15,1 0 16,-25-24 47,-25 0-17,1 24-46,-1-25 16,1 1 0,-1-1-16,1 1 0</inkml:trace>
+  <inkml:trace contextRef="#ctx0" brushRef="#br0" timeOffset="79701">12799 2808 0,'0'-24'0,"-25"0"0,25-25 15,0 24 1,0 1-16,25 48 31,-25 1-15,24-25 0,-24 24-1,24 1-15,1-1 0,-1 0 16,25 1-16,-24 24 0,23-25 15,1 25-15,0-25 16,0 25-16,0 0 0,-25-24 16,1 23-16,24-23 0,-49 24 15,24-25-15,-24 0 16,0 1-16,0-1 16,0 1-16,0-1 0,-24 1 15,-1-1-15,1-24 0,-1 24 16,1 1-16,-25-25 15,25 24-15,-25-24 0,0 25 16,0-25-16,0 0 0,-24 0 16,24 24-16,0-24 15,0 0-15,0 0 0,1 0 16,23 0-16,1 0 0,-1 0 16,1 0-16,48 0 78,-48 0-31,24-24-32,0-1-15</inkml:trace>
+  <inkml:trace contextRef="#ctx0" brushRef="#br0" timeOffset="80708">11284 1978 0,'-24'0'15,"24"24"32,24-24-31,-24-24-16,25 24 15,-1-24-15,1 24 16,-1 0-16,25-25 0,-25 25 16,1 0-16,24 0 15,-25 0-15,0 25 0,25-25 16,-24 24-16,-1 0 16,-24 1-16,25-1 0,-25 1 15,0-1-15,-25 1 0,1-1 16,-1 0-16,1 1 15,-1-1-15,1 1 0,0-1 16,-25-24-16,49 25 0,-25-1 16,1-24-16,24 24 15,24-24 17,1 0-17,-1 0-15,1 0 0,23 0 16,-23 25-16,24-25 15,-25 24-15,25-24 0,-25 25 16,25-1-16,-24 0 16,-1 1-16,25 48 15,-49-48-15,0-1 0,-24 0 16,24 25-16,-49-24 16,24-1-16,-24 1 0,1-1 15,-1-24-15,0 24 16,24-24-16,-23 0 0,-1 0 15,0 0-15,25 0 0,-1-24 16,-24 0 0,25-1-16,24 1 31,24 24-15,1 0-1,-1 0 1</inkml:trace>
+  <inkml:trace contextRef="#ctx0" brushRef="#br0" timeOffset="81019">12383 2296 0,'0'-25'15,"0"1"-15,-24 24 16,0-25-16,24 1 16,0 48 15,0 1-31,24-25 0,-24 49 16,0-25-16,24 74 15,-24-49 1,0-1-16,25 1 0,-25 24 0,24-24 15,-24 0-15,25 0 16,-25 0-16,0-25 0,24 1 16,-24-1-16</inkml:trace>
+  <inkml:trace contextRef="#ctx0" brushRef="#br0" timeOffset="81404">12286 2589 0,'-25'-25'0,"25"1"0,-24-1 16,48 25 0,1-24-1,24 24-15,-25 0 16,25 0-16,-25-24 16,25 24-16,0 0 0,0 0 15,-25-25-15,25 25 0,-24 0 16,23 0-16,-23-24 15,-1 24-15,1 0 16,-25-25 0,0 1-1,24 48 32,-24 1-31,0-1-16,24 1 0,-24-1 15,25 25-15,-1 0 0,-24-25 16,25 25-16,-25-25 16,24 1-16,-24-1 15,25 1-15</inkml:trace>
+  <inkml:trace contextRef="#ctx0" brushRef="#br0" timeOffset="81578">12896 2125 0,'-24'0'0,"24"-25"15,-25 25-15,1 0 16,48 0 31</inkml:trace>
+  <inkml:trace contextRef="#ctx0" brushRef="#br0" timeOffset="82666">13189 2369 0,'0'24'0,"0"1"31,0-1-31,25 1 16,-25-1-16,24 0 16,-24 1-16,25-1 15,-1 1-15,0-1 16,1-24-16,-1 24 0,1-24 16,-1 0-16,1-24 15,-1 0-15,0-1 16,-24 1-1,0-1-15,0 1 0,0 0 16,0-1-16,0 1 0,-24-1 16,24-24-16,-24 49 15,24-24-15,-25 0 0,1 24 16,-1 0-16,1 0 16,-1 24-16,25 0 15,-24 25-15,24-24 0,-24 72 16,24-48-1,0 0-15,24 24 0,-24-48 16,24 24-16,1-1 16,-1-23-16,1-1 0,-1-24 15,1 0-15,-1 0 0,49-49 32,-48 25-32,24-25 0,-25 25 15,-24-25-15,24 0 16,1 0-16,-25 0 0,0 1 15,0-1-15,0 0 0,0 24 16,0 1-16,0 0 16,0 48 15,0 0-31,24 25 0,-24-24 16,0 24-16,0-1 0,25-23 15,-25 24-15,24-1 16,-24 1-16,0-24 0,25-1 15,-25 1-15,0-1 16,24-24-16,-24 24 0,0-48 16,0 0-1,24-1-15,-24 1 16,0-25-16,25 24 0,-25-23 16,24-1-16,1-24 15,-1 48-15,-24 1 16,25-1-16,-1 25 0,0 0 15,-24 25 1,0-1-16,25 25 0,-25-25 16,0 25-16,24 0 0,-24-25 15,25 25-15,-25 0 16,24-24-16,-24-1 0,24 0 16,1 1-16,-1-25 15,1 0-15,-1 0 0,1 0 16,23-25-16,-23 1 0,24-25 15,-25 0-15,25 0 16,-25 1-16,1-26 0,-1 26 16,1-1-16,-1 0 15,-24 24-15,0-23 0,0 23 16,-24 25-16,-1 0 16,1 25-1,-1-1-15,1 0 0,24 1 16,-24-1-16,24 25 15,24 0-15,0 0 0,25 0 16,-24-1-16,23 1 0,1 0 16,-24 24-16,-25-24 15,-49 0-15,-49 0 0,-73 0 16,-97 0-16,-99 24 16</inkml:trace>
+  <inkml:trace contextRef="#ctx0" brushRef="#br0" timeOffset="85066">245 8279 0,'-24'0'15,"24"-24"-15,-25 24 0,25-25 16,25 25 0,-1 25-16,1-1 15,-25 1 1,24 23-16,25 26 0,-25-1 16,1-24-16,-1 0 0,25 0 15,-25-25-15,25 25 16,0-25-16,-24 1 0,23-25 15,1 24-15,-24-24 0,-1 0 16,25-24-16,-25-1 16,-24 1-16,25-25 15,-1 0-15,-24 0 0,0 0 16,0-24-16,0 24 0,-24-24 16,24 49-16,-25-25 0,25 24 15,0 1-15,25 48 16,-25 1-16,24 24 15,1-1-15,23 26 0,-23-1 16,-1 25-16,25-25 16,0 25-16,-25-1 0,25 1 15,-24-25-15,23 1 16,-23-1-16,-1-24 0,1-25 16,-1 25-16,1-49 15</inkml:trace>
+  <inkml:trace contextRef="#ctx0" brushRef="#br0" timeOffset="85322">1295 8377 0,'0'-25'0,"0"1"16,0 0-16,0-1 15,0 50 16,25-1-31,-1 25 0,25-25 16,0 25-16,0 0 0,0 0 16,-1 24-16,26-24 15,-25 0-15,-1 0 0,1 0 16,0-1-16,-25-23 0,1-1 16,-25 1-16,0-50 31</inkml:trace>
+  <inkml:trace contextRef="#ctx0" brushRef="#br0" timeOffset="85536">1759 8230 0,'0'-49'16,"0"25"-16,-24 24 16,24 24-1,0 25-15,0 0 0,-24 24 16,24-24-16,-25 25 15,1 23-15,-1-23 0,25 23 16,-24-23-16,-1-1 16,1 0-16,24 0 0,-24-24 15,24 0-15,0-25 0,24-24 16</inkml:trace>
+  <inkml:trace contextRef="#ctx0" brushRef="#br0" timeOffset="85991">2248 8230 0,'0'-73'15,"0"24"1,0 25-16,24-25 0,1 0 16,-1 25-16,1-25 0,23 0 15,1 0-15,24 25 16,-24-1-16,25 25 15,-1 0-15,-24 0 0,0 25 0,-25-1 16,0 25-16,-24 0 16,0 0-16,-24 0 0,0-1 15,-1 1-15,-24 0 16,25 0-16,-25-25 0,25 1 16,-1-1-16,1 1 0,-1-1 15,1-24-15,48 0 31,25 0-15,0 0-16,0-24 0,24 24 16,0 0-16,1 0 0,-1 0 15,0 0-15,-24 24 16,24 0-16,-48 1 0,-1-1 16,-24 25-16,0 0 15,-24 0-15,-25 0 0,0 0 16,-24 24-16,0-24 0,-1-25 15,-97 49 1,98-48-16,0-25 0</inkml:trace>
+  <inkml:trace contextRef="#ctx0" brushRef="#br0" timeOffset="86372">709 9720 0,'-73'49'0,"0"0"0,-1-25 16,26 1-16,-1-1 16,49 1-16,49-25 31,146-25-31,-73 1 0,49-1 15,24-24-15,25 1 0,24-26 16,25 25-16,-25-24 16,25 0-16,-49 0 0,0 24 15,-25 0-15,-48 0 0,-50 0 16,1 25-16,-49 24 16,0-25-16,-25 25 15,-24-24-15,-24 48 31,-1 1-15,1-1 0</inkml:trace>
+  <inkml:trace contextRef="#ctx0" brushRef="#br0" timeOffset="88554">8036 293 0,'25'0'15,"-1"24"17,-24 1-17,0-1-15,0 1 16,0 23-16,0 1 0,0 0 16,0 24-16,0 1 0,0-1 15,0 0-15,0 0 16,24 1-16,-24-1 0,0-24 15,0 24-15,0-24 16,25 0-16,-25-25 0,0 25 16,0-25-16,24 1 15,-24-1 1,0-48 0,0-1-16</inkml:trace>
+  <inkml:trace contextRef="#ctx0" brushRef="#br0" timeOffset="88843">8525 635 0,'-25'0'15,"25"-25"-15,-24 25 0,48 0 31,1 0-31,-1 25 16,0-1-16,1 1 0,-1-1 16,25 0-16,0 25 15,0 0-15,0 0 0,-1 0 16,1 24-16,25-24 0,-26 24 16,1-24-16,0 0 15,0 0-15,49 0 31</inkml:trace>
+  <inkml:trace contextRef="#ctx0" brushRef="#br0" timeOffset="89101">9062 537 0,'0'-24'16,"0"-1"-16,-25 50 31,25-1-31,-24 1 16,0 23-16,-1 1 0,1 24 15,-1 1-15,1-1 0,-49 122 32,48-121-32,1-26 0,24 26 15,0-25-15,-25-25 16,25 25-16,0-25 0,0 1 15,0-1-15</inkml:trace>
+  <inkml:trace contextRef="#ctx0" brushRef="#br0" timeOffset="89690">9575 684 0,'0'-25'16,"0"-24"-16,0 25 15,0-1-15,24 1 16,-24 0-16,25-1 0,-25-24 16,24 49-16,25-24 15,-25 0-15,1-1 0,24 25 16,-25 0-16,0 0 0,25 0 15,-24 25-15,24-1 16,-25-24-16,0 24 0,1 25 16,-1-24-16,-24-1 0,0 25 15,-24 0-15,-1-25 16,1 25-16,-25 0 0,25-25 16,-1 1-16,1 24 15,-1-25-15,1-24 0,24 24 16,24-24-1,1 0 1,-1 0-16,25 0 0,0 0 16,0 0-16,0 0 15,0 0-15,-1 25 0,26-25 16,-26 24-16,-23 1 0,24-1 16,-25 25-16,-24-25 15,0 25-15,0 0 0,-24-24 16,-1 23-16,-24-23 15,1 24-15,-1-25 0,-24 0 16,24-24-16,-25 0 0,26 0 16,-1 0-16,0 0 15,0 0-15,0-24 0,25 24 16,-1-24-16,1-1 16,-1 25-16</inkml:trace>
+  <inkml:trace contextRef="#ctx0" brushRef="#br0" timeOffset="92123">734 7620 0,'-25'0'16,"1"0"-16,-1 0 15,1 0 1,0 0-16,-1 0 16,1 0-1,-1 0-15,1 0 0,-25 24 0,25-24 16,-25 25-16,0-1 0,0 0 16,25 1-16,-25 24 15,0-25-15,24 1 0,-23-1 16,23 0-16,25 1 15,-24-1-15,-1 1 0,25-1 16,0 1-16,0-1 16,-24-24-1,24 24-15,0 1 32</inkml:trace>
 </inkml:ink>
 </file>
 
@@ -2696,36 +3369,36 @@
   <inkml:trace contextRef="#ctx0" brushRef="#br0" timeOffset="-176660.73">4643 12895 0,'0'-24'0,"-24"-1"15,0 1-15,-1 0 16,25-1-16,-24 25 0,-1-24 16,1 24-16,-1-25 15,1 25-15,0 0 0,-1 0 16,1 25-16,-1-1 0,1 1 15,-1-1-15,1 0 16,0 25-16,24 0 0,-25 0 16,25 0-16,0-25 0,0 25 15,0 0-15,25-25 16,-1 25-16,0-24 0,25-1 16,-24 0-16,24-24 15,-1 25-15,26-25 0,-25 0 16,-1-25-16,1 25 15,0-24-15,-24 0 0,-1 24 16,0-25-16,1 1 0</inkml:trace>
   <inkml:trace contextRef="#ctx0" brushRef="#br0" timeOffset="-176042.73">4985 12773 0,'-24'0'0,"24"-24"16,-25 24-16,25 24 31,0 1-31,25-1 16,-25 0-16,0 1 15,24 24-15,-24-25 0,0 25 16,25-25-16,-25 1 16,24 24-16,-24-25 0,0 0 15,0 1-15,25-25 0,-25 24 16,0-48 15,-25-1-15,25 1-1,0-25-15,-24 0 0,24 1 16,-25-1-16,25 0 16,-24 0-16,24 0 0,0 0 15,0 0-15,0 1 16,24 23-16,1 1 0,-1-1 16,1 25-16,23 0 0,-23 0 15,24 0-15,-25 25 16,1-1-16,23 1 0,-23 23 15,-25-23-15,24-1 16,-24 1-16,0-1 0,0 1 16,0-1-16,-24 0 0,24 1 15,-49-25-15,25 24 16,-1-24-16,1 0 0,-1 0 16,1 0-16,-1 0 15,1 0-15,0 0 0,24-24 16,-25 24-16,25-25 0,25 25 31,-1-24-31</inkml:trace>
   <inkml:trace contextRef="#ctx0" brushRef="#br0" timeOffset="-174548.73">5645 12700 0,'-25'0'0,"1"0"15,24 24 16,24 1-15,-24-1-16,25 1 16,-25-1-16,24 0 15,-24 1-15,0-1 0,25 25 16,-25-24-16,0-1 16,0 0-16,0 1 0,0-1 15,0 1-15,0-1 16,24 1-1,-24-50 1,0 1 0,0-1-16,0-24 15,0 25-15,0 0 0,0-25 16,0 0-16,0 0 16,-24 25-16,24-25 0,-25 0 15,25 24-15,0 1 16,-24 0-16,24-1 0,0 1 15,0-1-15,0 1 32,24 24-32,1 0 31,-25-25-31,24 25 62,-24-24-62,24 24 16,1 0-16,-1-24 16,1 24-16,-1 0 15,1 0 1,-1-25 0,-48 25 30,24 25-46,-25-1 94,1-24-63,24 24-15,-25-24 0,1 0-1,-1 0-15,25 25 16,-24-25-16,0 0 16,24 24-1,-25-24-15,25 25 31,0-1-15,0 1-16,25-25 0,-25 24 16,24 0-16,-24 1 15,24-1-15,-24 1 0,25 24 16,-25-25-16,0 0 16,24 25-16,-24-24 0,0-1 15,0 25-15,25-25 0,-25 1 16,0-1-16,24 1 15,1-1-15,-25 1 16,24-25-16,0 0 16,1 0-16,-1 0 0,1 0 15,-1 0-15,1 0 0,23-25 16,-23 25-16,-1-24 16,1-1-16,-1 25 0,0-24 15,1-1-15,-1 25 16,1-24-16,-25 0 0,24-1 15,-24 1-15,0-1 0,0 1 16,0-25-16,0 25 16,0-25-16,0 0 0,0 0 15,0 25-15,-24-25 0,24 0 16,0 24-16,0 1 16,-25 0-16,25-1 0,0 1 15,-24-1 1,-1 25-1,25-24 1,0 0 31,25 24-31,-25 24-1,0 0 1,24-24-16,-24 25 15,25-1 1</inkml:trace>
-  <inkml:trace contextRef="#ctx0" brushRef="#br0" timeOffset="-165630.73">3813 14898 0,'-24'24'16,"24"1"15,0-1-31,0 1 16,0-1-16,-25 0 16,25 1-16,0-1 0,0 1 15,0-1-15,0 25 0,25-25 16,-25 1-16,24-1 15,-24 25-15,0-24 0,24 23 16,-24-23-16,0-1 16,25 25-16,-25-24 0,0 23 15,0-23-15,0 24 0,0-25 16,0 1-16,0 23 16,0-23-16,0 24 0,0-25 15,0 0-15,0 1 16,0-1-16,0 1 0,0-1 15,0 1-15,0-1 0,0 0 16,24 1-16,-24-1 16,0 1-16,0-1 0,0 1 15,25-1-15,-25 0 16,0 1 0,0-1-16,24-24 15,-24 25-15,0-1 16,25-24-16,-25 24 15,24-24 1,-24 25-16,24-25 16,1 0-16,-1 0 15,1 0-15,-1 0 16,1 0-16,23 0 16,-23-25-16,-1 25 15,25 0-15,-25 0 0,25 0 16,25-24-16,-26 24 0,1 0 15,25 0-15,-1 0 16,0-24-16,0 24 0,1 0 16,-1 0-16,0 0 0,0 0 15,25 0-15,-25 0 16,1 0-16,-1 0 0,0-25 16,0 25-16,1 0 15,23 0-15,-23 0 0,-1 0 16,25-24-16,-25 24 0,0 0 15,25 0-15,0-25 16,-25 25-16,0 0 0,0 0 16,25-24-16,-25 24 15,-24 0-15,24 0 0,1 0 16,-1 0-16,-24 0 16,24 0-16,0-24 0,-24 24 15,25 0-15,-26 0 0,26 0 16,-25 0-16,-1 0 15,26 0-15,-26 0 0,1 0 16,0 0-16,-24 0 0,23 0 16,1 0-16,0 0 15,-24-25-15,23 25 0,-23 0 16,24 0-16,-25 0 16,0 0-16,1 0 0,-1 0 15,1 0-15,-1 0 0,1 0 16,-1 0-1,0 0-15,1 0 16,-1 0 0,-24-24-16,25 24 15,-1-25-15,1 1 32,-25-1-32,0 1 15,0 0 1,0-1-16,0 1 15,0-1-15,0 1 16,0-1-16,-25 1 16,25 0-16,0-25 0,0 24 15,0 1-15,0 0 16,0-1-16,0-24 0,0 25 16,0-1-16,0-23 0,0 23 15,0-24-15,0 25 16,0-25-16,0 25 0,0-25 15,0 24-15,0-24 16,0 25-16,0-25 0,0 25 16,0-25-16,0 24 0,0 1 15,0-25-15,0 25 16,-24-1-16,24 1 0,0 0 16,0-1-16,0 1 15,0-1 1,0 1-16,24-1 15,-24 1 1,0 0-16,0-1 16,-24 1-16,-1-1 15,25 1 1,-24-1-16,24 1 16,0 0-1,0-1 1,0 1-16,0-1 15,0 1 1,0 0 0,24-1-1,-24 1 1,0-1 0,0 1 15,0-1-16,0 1 1,0 0 0,0-1-1,0 1 1,0-1 0,0 1-16,25 24 0,-25-25 15,0 1-15,0 0 16,24 24-1,-24-25-15,0 1 16,0-1-16,0 1 16,0-1-1,-24 25 1,-1 0 0,1 0-1,-1 0-15,1 0 16,0 0-1,-1 0-15,1 0 32,-1 0-17,1 0 1,-1 0 0,1-24 15,0 24-16,-1 0 1,25-24 0,-24 24-16,-1 0 15,1 0-15,0 0 16,-1-25-16,1 25 0,-25 0 16,24 0-16,-23 0 15,23 0-15,-24 0 0,25 0 16,-25 0-16,25 0 0,-25-24 15,24 24-15,-23 0 16,23 0-16,1 0 0,-25 0 16,24 0-16,-23 0 0,23 0 15,1 0-15,-25 0 16,24 0-16,-23 0 0,-1 0 16,0 0-16,0 0 15,0 0-15,0 24 0,0-24 16,1 0-16,-26 0 15,26 0-15,-1 0 0,-25 0 16,26 0-16,-26 25 0,25-25 16,1 0-16,-26 0 15,26 0-15,-26 0 0,25 0 16,1 0-16,-26 0 0,25 0 16,1 0-16,-26 0 15,25 0-15,1 0 0,-1 24 16,0-24-16,0 0 15,0 0-15,0 0 0,25 24 16,-25-24-16,0 0 0,0 0 16,1 25-16,-1-25 15,0 0-15,0 0 0,0 0 16,0 0-16,25 24 16,-25-24-16,25 0 0,-25 0 15,24 0-15,-23 0 0,23 0 16,1 0-16,-1 0 15,-24 0-15,25 25 0,0-25 16,-1 0-16,1 0 16,-1 0-16,1 0 0,-1 24 15,-23-24-15,23 0 0,1 0 16,-1 0-16,1 0 16,-1 0-16,-23 0 0,23 25 15,1-25-15,-1 0 16,1 0-16,0 0 0,-1 0 15,1 0-15,-25 24 0,24-24 16,1 0-16,0 0 16,24 24-16,-25-24 0,1 0 15,-1 0-15,1 0 16,-1 25 0,1-25-1,0 0 1,-1 0-1,1 0 1,-1 0-16,1 0 16,0 0-1,-1 0 1,1 0 0,-1 0-1,25 24 173,0 1-173,25-25 1</inkml:trace>
-  <inkml:trace contextRef="#ctx0" brushRef="#br0" timeOffset="-163812.73">4253 14312 0,'0'24'94,"0"1"-78,0-1-1,0 0-15,0 1 0,0-1 16,0 1-16,0-1 16,0 25-16,24-25 0,-24 1 15,0-1-15,0 25 0,24-24 16,-24-1-16,0 0 16,0 1-16,0-1 0,0 1 15,0-1 1,0 1-1,25-25 1,-1 0 0,1-25-1,-1 25-15,1 0 16,-1 0 0,0 0-16,1 0 0,-1 0 15,1 0-15,-1 0 16,1 0-16,-1 0 0,25 0 15,-25 0-15,1 0 16,-1 0-16,1 0 0,-1 0 16,25 0-16,-25 0 0,1 0 15,-1 0 1,1 0-16,-1 0 0,0 0 16,1 0-16,-25-24 0,24 24 15,1 0-15,-25-25 16,24 25-16,-24-24 15,0-1 1,0 1 0,-24 24-16,24-24 15,-25-1 1,25 1-16,0-1 16,-24 1-16,24-1 15,0 1-15,0-25 0,0 25 16,0-1-16,0 1 0,0-1 15,-25 1-15,25 0 16,0-1-16,0 1 16,-24 24-1,24-25 17,0 1 30,-24 24-62,-1 0 31,1 0-31,-1 0 16,1 0 0,-25 0-16,25 0 0,-1 0 15,-24 0-15,0 0 0,1 0 16,-1 24-16,0-24 15,0 0-15,25 0 0,-25 25 16,24-25-16,1 0 16,-1 0-1</inkml:trace>
-  <inkml:trace contextRef="#ctx0" brushRef="#br0" timeOffset="-161928.73">6109 14165 0,'0'25'62,"0"-1"-46,0 1 0,0-1-16,0 0 0,24 1 15,-24-1-15,0 1 0,25-1 16,-25 25-16,0-25 16,0 1-16,0-1 0,24 1 15,-24-1-15,0 0 16,0 1-16,0-1 0,24-24 15,-24 25-15,25-25 79,-1 0-48,1 0-31,-1 0 15,1 0-15,-1 0 16,0-25 0,1 25-16,-1 0 15,1 0-15,-1 0 16,1 0-16,-1 0 0,0 0 16,1 0-16,24 0 0,-25 0 15,1 0-15,-1 0 16,0 0-16,25-24 0,-24 24 15,-1 0-15,25 0 16,-25 0-16,25 0 0,-24-25 16,23 25-16,1 0 0,0 0 15,-24 0-15,23 0 16,1-24-16,0 24 0,0 0 16,-25 0-16,25 0 15,-24 0-15,23 0 0,-23 0 16,-1 0-16,1 0 15,-25-24 17,0-1-1,-25 25-15,25-24-16,0-1 15,-24 25-15,24-24 16,0 0-1,-25 24-15,25-25 0,-24 1 16,24-1-16,0 1 16,-24-1-1,24 1-15,0 0 0,0-1 16,-25 25 0,25-24-16,0-1 15,0 1 32,0-1-16,0 1 1,-24 24-17,24-24 1,-25 24-16,1 0 15,0 0 1,-1 0-16,1 0 16,-1 0-16,1 0 0,-25 0 15,25 0-15,-25 0 0,0 0 16,0 0-16,0 0 16,0 0-16,1 0 0,-1 0 15,0 0-15,0 24 16,0-24-16,0 0 0,0 0 15,25 0-15,-25 0 16,25 0-16,-1 0 0,-24 0 16,25 0-16,0 0 0,-25 0 15,24 24-15,1-24 16,-1 0-16,1 0 0,0 0 16,-1 0-16,1 0 15,-1 0-15,1 0 16,0 0 15</inkml:trace>
-  <inkml:trace contextRef="#ctx0" brushRef="#br0" timeOffset="-160206.73">4521 15484 0,'0'-24'16,"0"-1"-1,25 25 1,-25-24 0,0 48 15,0 1-16,0-1-15,0 25 16,0-25-16,0 1 0,0 24 16,0-25-16,0 25 15,24-25-15,-24 25 0,0-24 16,25-1-16,-25 25 0,0-25 16,24 1-16,-24-1 15,0 1-15,24-1 0,-24 0 16,0 1-16,25-25 15,-25 24-15,24-24 79,1-24-64,-1 24 1,1 0-16,-1-25 15,0 25-15,25 0 0,0-24 16,0 24-16,0 0 16,0-24-16,24 24 0,-24 0 15,24 0-15,-24 0 0,0-25 16,24 25-16,-49 0 16,25 0-16,-24 0 0,24 0 15,-25 0-15,0 0 16,1 0-16,-1-24 15,1 24 1,-25-25 0,24 25-16,-24-24 15,0-1 1,0 1 0,0 0-1,-24-1-15,24 1 16,-25-1-16,25-23 15,0 23-15,0 1 16,-24-25-16,24 24 0,0 1 16,0-25-16,0 25 0,0-1 15,0 1-15,0-1 16,0 1-16,0 0 0,0-1 16,0 1-16,0-1 31,-25 25 63,1 0-79,0 0 1,-1 0-16,1 0 0,-1 0 15,-24 0-15,25 0 16,-25 0-16,0 0 0,0 0 16,-24 0-16,24 0 15,-24 25-15,24-25 0,0 0 16,-24 0-16,24 0 16,0 0-16,1 0 0,-1 0 15,0 0-15,0 0 0,25 0 16,-1 0-16,1 0 15,-1 0-15,1 0 0,-1 0 16,25 24 15,-24-24-15,24 25 0,-24-1-1,48-24 1</inkml:trace>
-  <inkml:trace contextRef="#ctx0" brushRef="#br0" timeOffset="-158688.73">6158 15289 0,'0'-25'0,"0"1"15,24 24-15,-24-25 16,0 1 0,0 48 15,0 1-15,0-1-1,25 25-15,-25-24 0,24 23 16,-24-23-16,24 24 15,-24 0-15,25-25 0,-25 25 16,24-25-16,-24 1 0,25-1 16,-25 25-16,24-25 15,-24 1-15,0-1 16,0 1-16,0-1 16,0 0-1,24-24 16,1 0 1,-1 0-17,1 0-15,-1 0 16,1 0 0,-1 0-16,25 0 15,-25 0-15,1-24 0,-1 24 16,25 0-16,-25 0 15,25-24-15,0 24 0,0 0 16,0-25-16,24 25 16,-24 0-16,24-24 0,0 24 15,1 0-15,-1 0 0,0-25 16,1 25-16,-26 0 16,26 0-16,-26 0 0,1 0 15,0 0-15,0 0 16,-25 0-16,1 0 0,-1 0 15,1 0-15,-1 0 0,1 0 32,-25-24-32,0 0 47,0-1-47,-25 1 15,25-25 1,-24 24-16,24 1 15,-25 0-15,1-25 0,24 24 16,-25-24-16,1 1 16,0-1-16,24 24 0,-25-24 15,25 1-15,-24 23 16,-1-24-16,25 25 0,-24-1 16,24 1-16,-25 0 15,25-1-15,0 1 16,-24 24-16,24-25 15,0 50 48,-24-25-32,-1 24-31,1-24 16,-1 0-16,1 0 0,0 25 15,-1-25-15,-24 0 16,25 0-16,-25 0 0,0 24 16,0-24-16,0 0 15,-24 0-15,24 0 0,-24 0 16,24 0-16,-24 0 0,0 0 16,24 0-16,-24 0 15,24 0-15,0 0 0,-24 0 16,24 0-16,0 0 15,0 0-15,25 0 0,-25 24 16,24-24-16,-23 0 0,23 25 16,1-25-16,-1 24 15,1 1 1,24-1 0,24-24 15</inkml:trace>
-  <inkml:trace contextRef="#ctx0" brushRef="#br0" timeOffset="-157966.73">4497 14507 0,'-25'0'31,"1"0"-31,24 25 0,-24-25 16,-1 0-16,25 24 15,-24 0-15,24 1 16,-25-25-16,25 24 0,0 1 16,25-25-1,-1 24-15,1-24 16,-1 0-16,0 0 16,1 0-16,-1 0 0,1 0 15,-1 0-15</inkml:trace>
-  <inkml:trace contextRef="#ctx0" brushRef="#br0" timeOffset="-157733.73">4717 14532 0,'24'24'63,"-24"0"-63,0 1 15,25-1 1,-25 1-16,24-1 16,-24 1-16</inkml:trace>
-  <inkml:trace contextRef="#ctx0" brushRef="#br0" timeOffset="-157103.73">6573 14385 0,'0'-24'0,"-25"24"15,25-25-15,-24 25 16,24-24 0,-24 24-1,24 24 1,-25-24-1,25 25-15,-24-1 16,24 1-16,0-1 16,0 0-16,24-24 15,1 25-15,-1-25 16,25 0-16,-25 0 16,25 0-16,-24 0 0</inkml:trace>
-  <inkml:trace contextRef="#ctx0" brushRef="#br0" timeOffset="-156761.73">6817 14312 0,'-24'0'0,"24"-25"16,24 1-1,0 24 1,1-24-16,-1 24 16,1 0-16,-1 0 0,1 0 15,-1 0 1,-24 24-16,0 0 0,-24 1 16,-1-1-16,1 1 15,-1-1-15,1 1 16,24-1-16,-25-24 0,25 24 15,25-24-15,-1 0 16,1 25-16,24-25 0,24 0 16,0 0-16,0-25 0,1 25 15,23-24-15</inkml:trace>
-  <inkml:trace contextRef="#ctx0" brushRef="#br0" timeOffset="-155837.73">4814 15533 0,'25'0'0,"-25"24"47,-25-24-47,25 25 15,-24-1-15,24 1 16,-24-1-16,24 0 16,0 1-16,0-1 15,0 1-15,24-1 16,0-24-16,1 25 0,-1-25 16,1 0-16,23 0 15,-23-25-15,24 25 0</inkml:trace>
-  <inkml:trace contextRef="#ctx0" brushRef="#br0" timeOffset="-155406.73">5083 15606 0,'0'-24'15,"24"-1"16,1 1-31,-1 0 16,1 24 0,-1-25-16,1 25 15,-1 0 1,-24 25 0,0-1-16,-24 0 15,24 1 1,-25-25-16,25 24 15,0 1-15,25-25 16,-1 24 0,0-24-16,1 0 15,-1 0-15,25 0 0,-24 25 16,-1-25-16,0 0 16,1 0-16,-1 24 0,1-24 15,-1 0-15,-24 24 16,-24-24-16,-1 25 15,1-25-15,-25 24 0,25-24 16,-25 0-16,0 0 16,24 0-16</inkml:trace>
-  <inkml:trace contextRef="#ctx0" brushRef="#br0" timeOffset="-154890.73">6695 15362 0,'-24'0'16,"24"-24"-16,-25 24 16,25-25-1,-24 25 1,-1 25 0,1-1-1,-1 0-15,25 1 0,-24-1 16,24 1-16,0-1 15,0 1-15,24-25 0,1 24 16,-1 0-16,1-24 16,24 0-16,-1 0 0,1 0 15,0 0-15</inkml:trace>
-  <inkml:trace contextRef="#ctx0" brushRef="#br0" timeOffset="-154457.73">6988 15240 0,'0'-25'16,"24"25"31,1 25-32,-1-1 1,-24 1-16,0-1 16,25-24-16,-25 25 15,24-25-15,-24 24 16,25-24-16,-1 0 16,0 0-1,1-24-15,-1-1 16,-24 1-16,25-1 15,-25 1-15,0-1 16,0 1-16,24 0 0,-24-1 16,25 25-1,-25 25-15,0-1 16,24 25-16,-24-25 0,24 50 16,1-26-16,-25 1 15,24 25-15,1-26 0,-25 26 16</inkml:trace>
-  <inkml:trace contextRef="#ctx0" brushRef="#br0" timeOffset="-140142.73">4570 16021 0,'0'-24'16,"-24"24"46,24 24-46,-25 1-16,-24-1 15,25 25-15,-25-24 16,0 23-16,-24-23 0,24 24 16,-24-25-16,0 25 15,24-25-15,-24 1 0,24-1 16,0 1-16,24-1 15,1-24-15,0 24 0,-1-24 16,1 25-16</inkml:trace>
-  <inkml:trace contextRef="#ctx0" brushRef="#br0" timeOffset="-139500.73">3373 16705 0,'-24'0'15,"0"0"1,-1 0-16,1 25 16,-1-25-16,1 24 0,-1 25 15,1-25-15,0 1 16,-1 24-16,1-25 0,24 0 15,0 25-15,24-24 16,1-1-16,-1-24 0,0 25 16,25-25-16,-24 24 0,24-24 15,-1 0-15,1-24 16,-24 24-16</inkml:trace>
-  <inkml:trace contextRef="#ctx0" brushRef="#br0" timeOffset="-138991.73">3618 16803 0,'-25'-24'16,"25"48"30,0 0-46,0 1 16,25-1-16,-25 1 0,0-1 16,0 1-16,24-1 15,-24 0-15,25 1 16,-25-1 0,0-48 15,0-1-16,-25 1-15,25 0 0,-24-1 16,24 1-16,0-1 16,-25-24-16,25 25 0,-24 0 15,24-25-15,0 24 0,0 1 16,0-1 0,24 25-16,1-24 0,-1 24 15,1 0-15,-1 24 16,0 1-1,-24-1-15,0 1 16,0-1 0,-24-24-16,0 25 0,-1-1 15,1-24 1,-1 0-16,25 24 0</inkml:trace>
-  <inkml:trace contextRef="#ctx0" brushRef="#br0" timeOffset="-138600.73">4008 16705 0,'-24'0'0,"0"0"16,-1 0-1,25 25 16,0-1-15,25 1-16,-25-1 16,0 0-16,24 1 0,0-1 15,-24 1-15,25-1 16,-1-24-16,1 25 16,-1-25-16,1-25 15,-1 25-15,-24-24 16,24-1-16,1 1 0,-25-1 15,0 1-15,0-25 16,0 25-16,0-1 0,0-24 16,0 25-16,0 0 15,-25-1-15,25 1 16,0 48 0,25-24-16,-25 25 15</inkml:trace>
-  <inkml:trace contextRef="#ctx0" brushRef="#br0" timeOffset="-137993.73">7110 15753 0,'0'24'16,"25"-24"-1,-1 0-15,0 25 0,1-1 16,24 0-16,-25 1 0,49-1 15,-24 1-15,0-1 16,0 25-16,0-25 0,-25 25 16,25-24-16,-25-1 15,1 25-15,-25-25 0,24 1 16,-24-1-16,0 1 0</inkml:trace>
-  <inkml:trace contextRef="#ctx0" brushRef="#br0" timeOffset="-137646.73">7916 16510 0,'25'-25'31,"-50"25"0,1 0-31,-1 25 16,1-25 0,-1 24-16,1 1 0,0-25 15,-1 24-15,25 25 0,0-25 16,0 1-16,0-1 15,25-24-15,-1 25 0,0-1 16,1-24-16,24 0 16,-25 0-16,25-24 0,0 24 15</inkml:trace>
-  <inkml:trace contextRef="#ctx0" brushRef="#br0" timeOffset="-137153.73">8136 16510 0,'24'0'31,"1"0"1,-1 24-17,-24 1 1,0-1-16,25-24 0,-25 25 15,0-1-15,0 0 16,0 1-16,24-1 0,-24 1 16,0-1-1,0-48 17,-24-1-32,24 1 15,-25-1-15,25 1 16,-24-25-16,24 25 0,0-1 15,0-24-15,0 25 16,0 0-16,0-1 0,24 1 16,1-1-16,-1 25 15,0 0-15,1 0 16,-25 25-16,24-25 0,1 24 16,-25 1-16,24-25 15,-24 24-15,0 0 0,-24-24 16,24 25-16,-25-25 0,1 24 15,-1-24-15,1 0 16,0 0-16</inkml:trace>
-  <inkml:trace contextRef="#ctx0" brushRef="#br0" timeOffset="-136781.73">8527 16412 0,'24'0'16,"1"0"-16,-25 25 47,0-1-31,0 0-16,0 1 15,0-1 1,24 1-16,0-1 0,-24 1 15,25-1-15,-1 0 0,1 1 16,-1-25-16,25 24 16,-25-24-16,25 0 0,0-24 15,-25 24-15,25-25 0,-24 1 16,-1 0-16,-24-1 16,0-24-16,0 25 0,0-25 15,-24 25-15,24-25 16,-25 0-16,-24 25 0,49-1 15,-24 1-15,0 24 0,-1-25 16,1 25 0</inkml:trace>
-  <inkml:trace contextRef="#ctx0" brushRef="#br0" timeOffset="-136002.73">7574 14507 0,'25'0'15,"-1"-24"1,25 24-16,0-25 16,24 25-16,0-24 0,1 24 15,23 0-15,1-25 16,-25 25-16,25 0 0,-25-24 15,0 24-15,1 0 0,-25 0 16,-1-24-16,-23 24 16,-50 0 15,1 0-31</inkml:trace>
-  <inkml:trace contextRef="#ctx0" brushRef="#br0" timeOffset="-135647.73">9357 14385 0,'0'-24'0,"-24"24"31,-1 0-15,1 0-16,-25 0 0,25 24 15,-25 0-15,24 1 16,-24-1-16,25 1 0,0-1 16,-1 1-16,1-1 15,24 0-15,0 1 0,24-1 16,1 1-16,-1-25 15,0 24-15,25-24 0,0 25 16,-24-25-16,23 0 0,1 0 16,0-25-16,0 25 15</inkml:trace>
-  <inkml:trace contextRef="#ctx0" brushRef="#br0" timeOffset="-135143.73">9504 14434 0,'24'0'15,"-24"24"17,0 1-17,0-1 1,0 1-1,0-1-15,0 0 0,0 1 16,24-1 0,-24 1-16,0-1 15,0-48 17,-24-1-17,24 1 1,-24-1-16,24 1 0,-25-25 15,1 25-15,24-1 0,-25-24 16,25 25-16,0-25 16,0 25-16,0-1 0,0 1 15,25 0-15,-1-1 16,1 1-16,-1 24 0,25-25 16,-25 25-16,25 0 0,-24 25 15,-1-1-15,0-24 16,1 25-16,-25-1 0,0 0 15,-25 1-15,25-1 0,-48-24 16,23 25-16,1-1 16,-25-24-16,24 24 0,1-24 15</inkml:trace>
-  <inkml:trace contextRef="#ctx0" brushRef="#br0" timeOffset="-134760.73">9870 14263 0,'24'0'16,"-24"-24"-16,0 48 47,0 0-32,0 1-15,25-1 16,-25 1-16,0 24 0,24-25 16,-24 25-16,25-25 15,-1 1-15,0-1 0,1-24 16,-1 24-16,1-24 0,24 0 16,-25 0-16,0 0 15,1 0-15,-1-24 0,1 0 16,-1-1-16,-24 1 15,0-1-15,0-23 0,0-1 16,0 24-16,-24-24 0,-1 1 16,1-1-16,-1 24 15,1 1-15,0-1 0</inkml:trace>
-  <inkml:trace contextRef="#ctx0" brushRef="#br0" timeOffset="-133889.73">4131 14580 0,'0'-24'16,"24"24"-1,-24-24 1,-24 24 0,-25-25-1,24 25-15,-24 0 0,1 0 16,-26 0-16,-23 0 16,23 25-16,-23-25 0,-25 0 15,24 0-15,0 0 0,0 24 16,25-24-16,0 0 15,24 0-15,0 0 0,0 0 16,25 0-16,0 0 16,-1 24-16</inkml:trace>
-  <inkml:trace contextRef="#ctx0" brushRef="#br0" timeOffset="-132539.73">27 13188 0,'-24'0'16,"24"-24"0,24 24 46,-24 24-62,0 1 16,25-1-16,-25 1 15,24 23-15,-24 1 0,25 0 16,-1 0-16,-24 0 16,25 0-16,-1 24 0,0-24 15,-24-25-15,25 25 16,-25-25-16,24 25 0,-24-24 15,25-25 17,-25-25-32,24 1 15,1-1-15,-25 1 16,24 0-16,0-1 16,1 1-16,-1 24 15,-24-25-15,25 25 16,-1 0-16,1 0 15,-1 0-15,0 0 0,1 0 16,-1 0-16,1 0 16,-1 0-16,0 0 0,1 0 15,-1 0 1,-24-24-16,0 0 16,0-1-1,0 1-15,-24-1 0,-1 1 16,25-1-16,-24-23 0,0 23 15,-1 1-15,1-25 16,24 24-16,-25 1 0,25 0 16,0-1-16,-24 1 15,24 48 1,0 1-16,24-1 16,-24 25-16,25 0 15,-25 0-15,24-1 0,-24 26 16,25-1-16,-1-24 0,0 0 15,1 24-15,-1-24 16,1 0-16,-1-25 0,1 25 16,-1-25-16,0 1 15,-24-1-15,25 1 0,-1-1 16,-24 0 0,25-24-1,-25-24 32</inkml:trace>
-  <inkml:trace contextRef="#ctx0" brushRef="#br0" timeOffset="-132048.73">1273 13433 0,'-24'0'0,"-1"0"0,25-25 15,-24 25-15,-1 0 16,1 0-16,0 25 0,-1-1 15,1 0-15,-1 1 16,25-1-16,-24 25 0,24-24 16,0 23-16,24 1 0,1-24 15,-1 24-15,1-25 16,23 0-16,1 1 0,24-1 16,-24-24-16,0 25 15,0-25-15,0 0 0,0-25 16,0 25-16,-25-24 0,0-1 15,1 1-15,-1 0 16,-24-1-16</inkml:trace>
-  <inkml:trace contextRef="#ctx0" brushRef="#br0" timeOffset="-131544.73">1664 13457 0,'0'-24'16,"0"-1"0,-25 25-1,25 25-15,0-1 16,0 0-16,25 1 0,-25-1 16,24 1-16,-24-1 15,25 25-15,-25-25 0,24 1 16,0-1-16,-24 1 15,0-1-15,25-24 0,-25 25 16,-25-50 0,1 1-1,0-1-15,24 1 16,-25-1-16,1-23 16,-1 23-16,1-24 0,0 0 15,-1 1-15,1-1 0,-1 0 16,25 0-16,0 0 15,25 25-15,-25-1 0,24 1 16,25-1-16,-25 25 16,25 0-16,-24 0 0,23 25 15,1-25-15,-24 24 0,-1 1 16,-24-1-16,0 1 16,0-1-16,0 0 0,-24 1 15,-1-1-15,1 1 0,-25-1 16,25 1-16,-1-25 15,1 24-15,-1-24 0,1 0 16</inkml:trace>
-  <inkml:trace contextRef="#ctx0" brushRef="#br0" timeOffset="-131123.73">2030 13213 0,'0'-25'16,"-24"25"0,-1 0 15,25 25-31,0-1 16,25 25-1,-25-25-15,24 25 0,-24 0 16,25 0-16,-25 0 0,24-25 15,-24 25-15,24-24 16,1 23-16,-25-23 0,24-25 16,1 24-16,-1-24 15,1-24-15,-1-1 16,0 1-16,1-25 0,-1 0 16,-24 0-16,25 1 15,-25-1-15,0 0 0,0 0 16,0 0-16,-25 25 15,25-25-15,0 24 0,-24 1 16,24 0-16,-25 24 16,25 24-1,25-24-15,-25 24 16,24 1-16</inkml:trace>
+  <inkml:trace contextRef="#ctx0" brushRef="#br0" timeOffset="-165630.75">3813 14898 0,'-24'24'16,"24"1"15,0-1-31,0 1 16,0-1-16,-25 0 16,25 1-16,0-1 0,0 1 15,0-1-15,0 25 0,25-25 16,-25 1-16,24-1 15,-24 25-15,0-24 0,24 23 16,-24-23-16,0-1 16,25 25-16,-25-24 0,0 23 15,0-23-15,0 24 0,0-25 16,0 1-16,0 23 16,0-23-16,0 24 0,0-25 15,0 0-15,0 1 16,0-1-16,0 1 0,0-1 15,0 1-15,0-1 0,0 0 16,24 1-16,-24-1 16,0 1-16,0-1 0,0 1 15,25-1-15,-25 0 16,0 1 0,0-1-16,24-24 15,-24 25-15,0-1 16,25-24-16,-25 24 15,24-24 1,-24 25-16,24-25 16,1 0-16,-1 0 15,1 0-15,-1 0 16,1 0-16,23 0 16,-23-25-16,-1 25 15,25 0-15,-25 0 0,25 0 16,25-24-16,-26 24 0,1 0 15,25 0-15,-1 0 16,0-24-16,0 24 0,1 0 16,-1 0-16,0 0 0,0 0 15,25 0-15,-25 0 16,1 0-16,-1 0 0,0-25 16,0 25-16,1 0 15,23 0-15,-23 0 0,-1 0 16,25-24-16,-25 24 0,0 0 15,25 0-15,0-25 16,-25 25-16,0 0 0,0 0 16,25-24-16,-25 24 15,-24 0-15,24 0 0,1 0 16,-1 0-16,-24 0 16,24 0-16,0-24 0,-24 24 15,25 0-15,-26 0 0,26 0 16,-25 0-16,-1 0 15,26 0-15,-26 0 0,1 0 16,0 0-16,-24 0 0,23 0 16,1 0-16,0 0 15,-24-25-15,23 25 0,-23 0 16,24 0-16,-25 0 16,0 0-16,1 0 0,-1 0 15,1 0-15,-1 0 0,1 0 16,-1 0-1,0 0-15,1 0 16,-1 0 0,-24-24-16,25 24 15,-1-25-15,1 1 32,-25-1-32,0 1 15,0 0 1,0-1-16,0 1 15,0-1-15,0 1 16,0-1-16,-25 1 16,25 0-16,0-25 0,0 24 15,0 1-15,0 0 16,0-1-16,0-24 0,0 25 16,0-1-16,0-23 0,0 23 15,0-24-15,0 25 16,0-25-16,0 25 0,0-25 15,0 24-15,0-24 16,0 25-16,0-25 0,0 25 16,0-25-16,0 24 0,0 1 15,0-25-15,0 25 16,-24-1-16,24 1 0,0 0 16,0-1-16,0 1 15,0-1 1,0 1-16,24-1 15,-24 1 1,0 0-16,0-1 16,-24 1-16,-1-1 15,25 1 1,-24-1-16,24 1 16,0 0-1,0-1 1,0 1-16,0-1 15,0 1 1,0 0 0,24-1-1,-24 1 1,0-1 0,0 1 15,0-1-16,0 1 1,0 0 0,0-1-1,0 1 1,0-1 0,0 1-16,25 24 0,-25-25 15,0 1-15,0 0 16,24 24-1,-24-25-15,0 1 16,0-1-16,0 1 16,0-1-1,-24 25 1,-1 0 0,1 0-1,-1 0-15,1 0 16,0 0-1,-1 0-15,1 0 32,-1 0-17,1 0 1,-1 0 0,1-24 15,0 24-16,-1 0 1,25-24 0,-24 24-16,-1 0 15,1 0-15,0 0 16,-1-25-16,1 25 0,-25 0 16,24 0-16,-23 0 15,23 0-15,-24 0 0,25 0 16,-25 0-16,25 0 0,-25-24 15,24 24-15,-23 0 16,23 0-16,1 0 0,-25 0 16,24 0-16,-23 0 0,23 0 15,1 0-15,-25 0 16,24 0-16,-23 0 0,-1 0 16,0 0-16,0 0 15,0 0-15,0 24 0,0-24 16,1 0-16,-26 0 15,26 0-15,-1 0 0,-25 0 16,26 0-16,-26 25 0,25-25 16,1 0-16,-26 0 15,26 0-15,-26 0 0,25 0 16,1 0-16,-26 0 0,25 0 16,1 0-16,-26 0 15,25 0-15,1 0 0,-1 24 16,0-24-16,0 0 15,0 0-15,0 0 0,25 24 16,-25-24-16,0 0 0,0 0 16,1 25-16,-1-25 15,0 0-15,0 0 0,0 0 16,0 0-16,25 24 16,-25-24-16,25 0 0,-25 0 15,24 0-15,-23 0 0,23 0 16,1 0-16,-1 0 15,-24 0-15,25 25 0,0-25 16,-1 0-16,1 0 16,-1 0-16,1 0 0,-1 24 15,-23-24-15,23 0 0,1 0 16,-1 0-16,1 0 16,-1 0-16,-23 0 0,23 25 15,1-25-15,-1 0 16,1 0-16,0 0 0,-1 0 15,1 0-15,-25 24 0,24-24 16,1 0-16,0 0 16,24 24-16,-25-24 0,1 0 15,-1 0-15,1 0 16,-1 25 0,1-25-1,0 0 1,-1 0-1,1 0 1,-1 0-16,1 0 16,0 0-1,-1 0 1,1 0 0,-1 0-1,25 24 173,0 1-173,25-25 1</inkml:trace>
+  <inkml:trace contextRef="#ctx0" brushRef="#br0" timeOffset="-163812.75">4253 14312 0,'0'24'94,"0"1"-78,0-1-1,0 0-15,0 1 0,0-1 16,0 1-16,0-1 16,0 25-16,24-25 0,-24 1 15,0-1-15,0 25 0,24-24 16,-24-1-16,0 0 16,0 1-16,0-1 0,0 1 15,0-1 1,0 1-1,25-25 1,-1 0 0,1-25-1,-1 25-15,1 0 16,-1 0 0,0 0-16,1 0 0,-1 0 15,1 0-15,-1 0 16,1 0-16,-1 0 0,25 0 15,-25 0-15,1 0 16,-1 0-16,1 0 0,-1 0 16,25 0-16,-25 0 0,1 0 15,-1 0 1,1 0-16,-1 0 0,0 0 16,1 0-16,-25-24 0,24 24 15,1 0-15,-25-25 16,24 25-16,-24-24 15,0-1 1,0 1 0,-24 24-16,24-24 15,-25-1 1,25 1-16,0-1 16,-24 1-16,24-1 15,0 1-15,0-25 0,0 25 16,0-1-16,0 1 0,0-1 15,-25 1-15,25 0 16,0-1-16,0 1 16,-24 24-1,24-25 17,0 1 30,-24 24-62,-1 0 31,1 0-31,-1 0 16,1 0 0,-25 0-16,25 0 0,-1 0 15,-24 0-15,0 0 0,1 0 16,-1 24-16,0-24 15,0 0-15,25 0 0,-25 25 16,24-25-16,1 0 16,-1 0-1</inkml:trace>
+  <inkml:trace contextRef="#ctx0" brushRef="#br0" timeOffset="-161928.75">6109 14165 0,'0'25'62,"0"-1"-46,0 1 0,0-1-16,0 0 0,24 1 15,-24-1-15,0 1 0,25-1 16,-25 25-16,0-25 16,0 1-16,0-1 0,24 1 15,-24-1-15,0 0 16,0 1-16,0-1 0,24-24 15,-24 25-15,25-25 79,-1 0-48,1 0-31,-1 0 15,1 0-15,-1 0 16,0-25 0,1 25-16,-1 0 15,1 0-15,-1 0 16,1 0-16,-1 0 0,0 0 16,1 0-16,24 0 0,-25 0 15,1 0-15,-1 0 16,0 0-16,25-24 0,-24 24 15,-1 0-15,25 0 16,-25 0-16,25 0 0,-24-25 16,23 25-16,1 0 0,0 0 15,-24 0-15,23 0 16,1-24-16,0 24 0,0 0 16,-25 0-16,25 0 15,-24 0-15,23 0 0,-23 0 16,-1 0-16,1 0 15,-25-24 17,0-1-1,-25 25-15,25-24-16,0-1 15,-24 25-15,24-24 16,0 0-1,-25 24-15,25-25 0,-24 1 16,24-1-16,0 1 16,-24-1-1,24 1-15,0 0 0,0-1 16,-25 25 0,25-24-16,0-1 15,0 1 32,0-1-16,0 1 1,-24 24-17,24-24 1,-25 24-16,1 0 15,0 0 1,-1 0-16,1 0 16,-1 0-16,1 0 0,-25 0 15,25 0-15,-25 0 0,0 0 16,0 0-16,0 0 16,0 0-16,1 0 0,-1 0 15,0 0-15,0 24 16,0-24-16,0 0 0,0 0 15,25 0-15,-25 0 16,25 0-16,-1 0 0,-24 0 16,25 0-16,0 0 0,-25 0 15,24 24-15,1-24 16,-1 0-16,1 0 0,0 0 16,-1 0-16,1 0 15,-1 0-15,1 0 16,0 0 15</inkml:trace>
+  <inkml:trace contextRef="#ctx0" brushRef="#br0" timeOffset="-160206.75">4521 15484 0,'0'-24'16,"0"-1"-1,25 25 1,-25-24 0,0 48 15,0 1-16,0-1-15,0 25 16,0-25-16,0 1 0,0 24 16,0-25-16,0 25 15,24-25-15,-24 25 0,0-24 16,25-1-16,-25 25 0,0-25 16,24 1-16,-24-1 15,0 1-15,24-1 0,-24 0 16,0 1-16,25-25 15,-25 24-15,24-24 79,1-24-64,-1 24 1,1 0-16,-1-25 15,0 25-15,25 0 0,0-24 16,0 24-16,0 0 16,0-24-16,24 24 0,-24 0 15,24 0-15,-24 0 0,0-25 16,24 25-16,-49 0 16,25 0-16,-24 0 0,24 0 15,-25 0-15,0 0 16,1 0-16,-1-24 15,1 24 1,-25-25 0,24 25-16,-24-24 15,0-1 1,0 1 0,0 0-1,-24-1-15,24 1 16,-25-1-16,25-23 15,0 23-15,0 1 16,-24-25-16,24 24 0,0 1 16,0-25-16,0 25 0,0-1 15,0 1-15,0-1 16,0 1-16,0 0 0,0-1 16,0 1-16,0-1 31,-25 25 63,1 0-79,0 0 1,-1 0-16,1 0 0,-1 0 15,-24 0-15,25 0 16,-25 0-16,0 0 0,0 0 16,-24 0-16,24 0 15,-24 25-15,24-25 0,0 0 16,-24 0-16,24 0 16,0 0-16,1 0 0,-1 0 15,0 0-15,0 0 0,25 0 16,-1 0-16,1 0 15,-1 0-15,1 0 0,-1 0 16,25 24 15,-24-24-15,24 25 0,-24-1-1,48-24 1</inkml:trace>
+  <inkml:trace contextRef="#ctx0" brushRef="#br0" timeOffset="-158688.75">6158 15289 0,'0'-25'0,"0"1"15,24 24-15,-24-25 16,0 1 0,0 48 15,0 1-15,0-1-1,25 25-15,-25-24 0,24 23 16,-24-23-16,24 24 15,-24 0-15,25-25 0,-25 25 16,24-25-16,-24 1 0,25-1 16,-25 25-16,24-25 15,-24 1-15,0-1 16,0 1-16,0-1 16,0 0-1,24-24 16,1 0 1,-1 0-17,1 0-15,-1 0 16,1 0 0,-1 0-16,25 0 15,-25 0-15,1-24 0,-1 24 16,25 0-16,-25 0 15,25-24-15,0 24 0,0 0 16,0-25-16,24 25 16,-24 0-16,24-24 0,0 24 15,1 0-15,-1 0 0,0-25 16,1 25-16,-26 0 16,26 0-16,-26 0 0,1 0 15,0 0-15,0 0 16,-25 0-16,1 0 0,-1 0 15,1 0-15,-1 0 0,1 0 32,-25-24-32,0 0 47,0-1-47,-25 1 15,25-25 1,-24 24-16,24 1 15,-25 0-15,1-25 0,24 24 16,-25-24-16,1 1 16,0-1-16,24 24 0,-25-24 15,25 1-15,-24 23 16,-1-24-16,25 25 0,-24-1 16,24 1-16,-25 0 15,25-1-15,0 1 16,-24 24-16,24-25 15,0 50 48,-24-25-32,-1 24-31,1-24 16,-1 0-16,1 0 0,0 25 15,-1-25-15,-24 0 16,25 0-16,-25 0 0,0 24 16,0-24-16,0 0 15,-24 0-15,24 0 0,-24 0 16,24 0-16,-24 0 0,0 0 16,24 0-16,-24 0 15,24 0-15,0 0 0,-24 0 16,24 0-16,0 0 15,0 0-15,25 0 0,-25 24 16,24-24-16,-23 0 0,23 25 16,1-25-16,-1 24 15,1 1 1,24-1 0,24-24 15</inkml:trace>
+  <inkml:trace contextRef="#ctx0" brushRef="#br0" timeOffset="-157966.75">4497 14507 0,'-25'0'31,"1"0"-31,24 25 0,-24-25 16,-1 0-16,25 24 15,-24 0-15,24 1 16,-25-25-16,25 24 0,0 1 16,25-25-1,-1 24-15,1-24 16,-1 0-16,0 0 16,1 0-16,-1 0 0,1 0 15,-1 0-15</inkml:trace>
+  <inkml:trace contextRef="#ctx0" brushRef="#br0" timeOffset="-157733.75">4717 14532 0,'24'24'63,"-24"0"-63,0 1 15,25-1 1,-25 1-16,24-1 16,-24 1-16</inkml:trace>
+  <inkml:trace contextRef="#ctx0" brushRef="#br0" timeOffset="-157103.75">6573 14385 0,'0'-24'0,"-25"24"15,25-25-15,-24 25 16,24-24 0,-24 24-1,24 24 1,-25-24-1,25 25-15,-24-1 16,24 1-16,0-1 16,0 0-16,24-24 15,1 25-15,-1-25 16,25 0-16,-25 0 16,25 0-16,-24 0 0</inkml:trace>
+  <inkml:trace contextRef="#ctx0" brushRef="#br0" timeOffset="-156761.75">6817 14312 0,'-24'0'0,"24"-25"16,24 1-1,0 24 1,1-24-16,-1 24 16,1 0-16,-1 0 0,1 0 15,-1 0 1,-24 24-16,0 0 0,-24 1 16,-1-1-16,1 1 15,-1-1-15,1 1 16,24-1-16,-25-24 0,25 24 15,25-24-15,-1 0 16,1 25-16,24-25 0,24 0 16,0 0-16,0-25 0,1 25 15,23-24-15</inkml:trace>
+  <inkml:trace contextRef="#ctx0" brushRef="#br0" timeOffset="-155837.75">4814 15533 0,'25'0'0,"-25"24"47,-25-24-47,25 25 15,-24-1-15,24 1 16,-24-1-16,24 0 16,0 1-16,0-1 15,0 1-15,24-1 16,0-24-16,1 25 0,-1-25 16,1 0-16,23 0 15,-23-25-15,24 25 0</inkml:trace>
+  <inkml:trace contextRef="#ctx0" brushRef="#br0" timeOffset="-155406.75">5083 15606 0,'0'-24'15,"24"-1"16,1 1-31,-1 0 16,1 24 0,-1-25-16,1 25 15,-1 0 1,-24 25 0,0-1-16,-24 0 15,24 1 1,-25-25-16,25 24 15,0 1-15,25-25 16,-1 24 0,0-24-16,1 0 15,-1 0-15,25 0 0,-24 25 16,-1-25-16,0 0 16,1 0-16,-1 24 0,1-24 15,-1 0-15,-24 24 16,-24-24-16,-1 25 15,1-25-15,-25 24 0,25-24 16,-25 0-16,0 0 16,24 0-16</inkml:trace>
+  <inkml:trace contextRef="#ctx0" brushRef="#br0" timeOffset="-154890.75">6695 15362 0,'-24'0'16,"24"-24"-16,-25 24 16,25-25-1,-24 25 1,-1 25 0,1-1-1,-1 0-15,25 1 0,-24-1 16,24 1-16,0-1 15,0 1-15,24-25 0,1 24 16,-1 0-16,1-24 16,24 0-16,-1 0 0,1 0 15,0 0-15</inkml:trace>
+  <inkml:trace contextRef="#ctx0" brushRef="#br0" timeOffset="-154457.75">6988 15240 0,'0'-25'16,"24"25"31,1 25-32,-1-1 1,-24 1-16,0-1 16,25-24-16,-25 25 15,24-25-15,-24 24 16,25-24-16,-1 0 16,0 0-1,1-24-15,-1-1 16,-24 1-16,25-1 15,-25 1-15,0-1 16,0 1-16,24 0 0,-24-1 16,25 25-1,-25 25-15,0-1 16,24 25-16,-24-25 0,24 50 16,1-26-16,-25 1 15,24 25-15,1-26 0,-25 26 16</inkml:trace>
+  <inkml:trace contextRef="#ctx0" brushRef="#br0" timeOffset="-140142.75">4570 16021 0,'0'-24'16,"-24"24"46,24 24-46,-25 1-16,-24-1 15,25 25-15,-25-24 16,0 23-16,-24-23 0,24 24 16,-24-25-16,0 25 15,24-25-15,-24 1 0,24-1 16,0 1-16,24-1 15,1-24-15,0 24 0,-1-24 16,1 25-16</inkml:trace>
+  <inkml:trace contextRef="#ctx0" brushRef="#br0" timeOffset="-139500.75">3373 16705 0,'-24'0'15,"0"0"1,-1 0-16,1 25 16,-1-25-16,1 24 0,-1 25 15,1-25-15,0 1 16,-1 24-16,1-25 0,24 0 15,0 25-15,24-24 16,1-1-16,-1-24 0,0 25 16,25-25-16,-24 24 0,24-24 15,-1 0-15,1-24 16,-24 24-16</inkml:trace>
+  <inkml:trace contextRef="#ctx0" brushRef="#br0" timeOffset="-138991.75">3618 16803 0,'-25'-24'16,"25"48"30,0 0-46,0 1 16,25-1-16,-25 1 0,0-1 16,0 1-16,24-1 15,-24 0-15,25 1 16,-25-1 0,0-48 15,0-1-16,-25 1-15,25 0 0,-24-1 16,24 1-16,0-1 16,-25-24-16,25 25 0,-24 0 15,24-25-15,0 24 0,0 1 16,0-1 0,24 25-16,1-24 0,-1 24 15,1 0-15,-1 24 16,0 1-1,-24-1-15,0 1 16,0-1 0,-24-24-16,0 25 0,-1-1 15,1-24 1,-1 0-16,25 24 0</inkml:trace>
+  <inkml:trace contextRef="#ctx0" brushRef="#br0" timeOffset="-138600.75">4008 16705 0,'-24'0'0,"0"0"16,-1 0-1,25 25 16,0-1-15,25 1-16,-25-1 16,0 0-16,24 1 0,0-1 15,-24 1-15,25-1 16,-1-24-16,1 25 16,-1-25-16,1-25 15,-1 25-15,-24-24 16,24-1-16,1 1 0,-25-1 15,0 1-15,0-25 16,0 25-16,0-1 0,0-24 16,0 25-16,0 0 15,-25-1-15,25 1 16,0 48 0,25-24-16,-25 25 15</inkml:trace>
+  <inkml:trace contextRef="#ctx0" brushRef="#br0" timeOffset="-137993.75">7110 15753 0,'0'24'16,"25"-24"-1,-1 0-15,0 25 0,1-1 16,24 0-16,-25 1 0,49-1 15,-24 1-15,0-1 16,0 25-16,0-25 0,-25 25 16,25-24-16,-25-1 15,1 25-15,-25-25 0,24 1 16,-24-1-16,0 1 0</inkml:trace>
+  <inkml:trace contextRef="#ctx0" brushRef="#br0" timeOffset="-137646.75">7916 16510 0,'25'-25'31,"-50"25"0,1 0-31,-1 25 16,1-25 0,-1 24-16,1 1 0,0-25 15,-1 24-15,25 25 0,0-25 16,0 1-16,0-1 15,25-24-15,-1 25 0,0-1 16,1-24-16,24 0 16,-25 0-16,25-24 0,0 24 15</inkml:trace>
+  <inkml:trace contextRef="#ctx0" brushRef="#br0" timeOffset="-137153.75">8136 16510 0,'24'0'31,"1"0"1,-1 24-17,-24 1 1,0-1-16,25-24 0,-25 25 15,0-1-15,0 0 16,0 1-16,24-1 0,-24 1 16,0-1-1,0-48 17,-24-1-32,24 1 15,-25-1-15,25 1 16,-24-25-16,24 25 0,0-1 15,0-24-15,0 25 16,0 0-16,0-1 0,24 1 16,1-1-16,-1 25 15,0 0-15,1 0 16,-25 25-16,24-25 0,1 24 16,-25 1-16,24-25 15,-24 24-15,0 0 0,-24-24 16,24 25-16,-25-25 0,1 24 15,-1-24-15,1 0 16,0 0-16</inkml:trace>
+  <inkml:trace contextRef="#ctx0" brushRef="#br0" timeOffset="-136781.75">8527 16412 0,'24'0'16,"1"0"-16,-25 25 47,0-1-31,0 0-16,0 1 15,0-1 1,24 1-16,0-1 0,-24 1 15,25-1-15,-1 0 0,1 1 16,-1-25-16,25 24 16,-25-24-16,25 0 0,0-24 15,-25 24-15,25-25 0,-24 1 16,-1 0-16,-24-1 16,0-24-16,0 25 0,0-25 15,-24 25-15,24-25 16,-25 0-16,-24 25 0,49-1 15,-24 1-15,0 24 0,-1-25 16,1 25 0</inkml:trace>
+  <inkml:trace contextRef="#ctx0" brushRef="#br0" timeOffset="-136002.75">7574 14507 0,'25'0'15,"-1"-24"1,25 24-16,0-25 16,24 25-16,0-24 0,1 24 15,23 0-15,1-25 16,-25 25-16,25 0 0,-25-24 15,0 24-15,1 0 0,-25 0 16,-1-24-16,-23 24 16,-50 0 15,1 0-31</inkml:trace>
+  <inkml:trace contextRef="#ctx0" brushRef="#br0" timeOffset="-135647.75">9357 14385 0,'0'-24'0,"-24"24"31,-1 0-15,1 0-16,-25 0 0,25 24 15,-25 0-15,24 1 16,-24-1-16,25 1 0,0-1 16,-1 1-16,1-1 15,24 0-15,0 1 0,24-1 16,1 1-16,-1-25 15,0 24-15,25-24 0,0 25 16,-24-25-16,23 0 0,1 0 16,0-25-16,0 25 15</inkml:trace>
+  <inkml:trace contextRef="#ctx0" brushRef="#br0" timeOffset="-135143.75">9504 14434 0,'24'0'15,"-24"24"17,0 1-17,0-1 1,0 1-1,0-1-15,0 0 0,0 1 16,24-1 0,-24 1-16,0-1 15,0-48 17,-24-1-17,24 1 1,-24-1-16,24 1 0,-25-25 15,1 25-15,24-1 0,-25-24 16,25 25-16,0-25 16,0 25-16,0-1 0,0 1 15,25 0-15,-1-1 16,1 1-16,-1 24 0,25-25 16,-25 25-16,25 0 0,-24 25 15,-1-1-15,0-24 16,1 25-16,-25-1 0,0 0 15,-25 1-15,25-1 0,-48-24 16,23 25-16,1-1 16,-25-24-16,24 24 0,1-24 15</inkml:trace>
+  <inkml:trace contextRef="#ctx0" brushRef="#br0" timeOffset="-134760.75">9870 14263 0,'24'0'16,"-24"-24"-16,0 48 47,0 0-32,0 1-15,25-1 16,-25 1-16,0 24 0,24-25 16,-24 25-16,25-25 15,-1 1-15,0-1 0,1-24 16,-1 24-16,1-24 0,24 0 16,-25 0-16,0 0 15,1 0-15,-1-24 0,1 0 16,-1-1-16,-24 1 15,0-1-15,0-23 0,0-1 16,0 24-16,-24-24 0,-1 1 16,1-1-16,-1 24 15,1 1-15,0-1 0</inkml:trace>
+  <inkml:trace contextRef="#ctx0" brushRef="#br0" timeOffset="-133889.75">4131 14580 0,'0'-24'16,"24"24"-1,-24-24 1,-24 24 0,-25-25-1,24 25-15,-24 0 0,1 0 16,-26 0-16,-23 0 16,23 25-16,-23-25 0,-25 0 15,24 0-15,0 0 0,0 24 16,25-24-16,0 0 15,24 0-15,0 0 0,0 0 16,25 0-16,0 0 16,-1 24-16</inkml:trace>
+  <inkml:trace contextRef="#ctx0" brushRef="#br0" timeOffset="-132539.75">27 13188 0,'-24'0'16,"24"-24"0,24 24 46,-24 24-62,0 1 16,25-1-16,-25 1 15,24 23-15,-24 1 0,25 0 16,-1 0-16,-24 0 16,25 0-16,-1 24 0,0-24 15,-24-25-15,25 25 16,-25-25-16,24 25 0,-24-24 15,25-25 17,-25-25-32,24 1 15,1-1-15,-25 1 16,24 0-16,0-1 16,1 1-16,-1 24 15,-24-25-15,25 25 16,-1 0-16,1 0 15,-1 0-15,0 0 0,1 0 16,-1 0-16,1 0 16,-1 0-16,0 0 0,1 0 15,-1 0 1,-24-24-16,0 0 16,0-1-1,0 1-15,-24-1 0,-1 1 16,25-1-16,-24-23 0,0 23 15,-1 1-15,1-25 16,24 24-16,-25 1 0,25 0 16,0-1-16,-24 1 15,24 48 1,0 1-16,24-1 16,-24 25-16,25 0 15,-25 0-15,24-1 0,-24 26 16,25-1-16,-1-24 0,0 0 15,1 24-15,-1-24 16,1 0-16,-1-25 0,1 25 16,-1-25-16,0 1 15,-24-1-15,25 1 0,-1-1 16,-24 0 0,25-24-1,-25-24 32</inkml:trace>
+  <inkml:trace contextRef="#ctx0" brushRef="#br0" timeOffset="-132048.75">1273 13433 0,'-24'0'0,"-1"0"0,25-25 15,-24 25-15,-1 0 16,1 0-16,0 25 0,-1-1 15,1 0-15,-1 1 16,25-1-16,-24 25 0,24-24 16,0 23-16,24 1 0,1-24 15,-1 24-15,1-25 16,23 0-16,1 1 0,24-1 16,-24-24-16,0 25 15,0-25-15,0 0 0,0-25 16,0 25-16,-25-24 0,0-1 15,1 1-15,-1 0 16,-24-1-16</inkml:trace>
+  <inkml:trace contextRef="#ctx0" brushRef="#br0" timeOffset="-131544.75">1664 13457 0,'0'-24'16,"0"-1"0,-25 25-1,25 25-15,0-1 16,0 0-16,25 1 0,-25-1 16,24 1-16,-24-1 15,25 25-15,-25-25 0,24 1 16,0-1-16,-24 1 15,0-1-15,25-24 0,-25 25 16,-25-50 0,1 1-1,0-1-15,24 1 16,-25-1-16,1-23 16,-1 23-16,1-24 0,0 0 15,-1 1-15,1-1 0,-1 0 16,25 0-16,0 0 15,25 25-15,-25-1 0,24 1 16,25-1-16,-25 25 16,25 0-16,-24 0 0,23 25 15,1-25-15,-24 24 0,-1 1 16,-24-1-16,0 1 16,0-1-16,0 0 0,-24 1 15,-1-1-15,1 1 0,-25-1 16,25 1-16,-1-25 15,1 24-15,-1-24 0,1 0 16</inkml:trace>
+  <inkml:trace contextRef="#ctx0" brushRef="#br0" timeOffset="-131123.75">2030 13213 0,'0'-25'16,"-24"25"0,-1 0 15,25 25-31,0-1 16,25 25-1,-25-25-15,24 25 0,-24 0 16,25 0-16,-25 0 0,24-25 15,-24 25-15,24-24 16,1 23-16,-25-23 0,24-25 16,1 24-16,-1-24 15,1-24-15,-1-1 16,0 1-16,1-25 0,-1 0 16,-24 0-16,25 1 15,-25-1-15,0 0 0,0 0 16,0 0-16,-25 25 15,25-25-15,0 24 0,-24 1 16,24 0-16,-25 24 16,25 24-1,25-24-15,-25 24 16,24 1-16</inkml:trace>
   <inkml:trace contextRef="#ctx0" brushRef="#br0" timeOffset="-130476.73">2787 13701 0,'-24'-24'16,"24"-1"-16,-25 1 15,25 0-15,-24-1 16,24 1-16,0-1 16,0 1-16,24 24 31,1 0-31,-1 0 16,1 24-16,24 1 0,-1-25 15,1 49-15,0-25 16,24 25-16,-24-25 0,0 25 15,24-25-15,-24 25 16,0-24-16,0-1 0,-25 1 16,25-1-16,-24 0 0,-25 1 15,24-25-15,-24-25 47</inkml:trace>
   <inkml:trace contextRef="#ctx0" brushRef="#br0" timeOffset="-130133.73">3447 13774 0,'0'-24'32,"0"0"-17,24 24 1,1 0-1,-25 24-15,24 0 16,-24 1-16,0-1 16,24 1-16,-24-1 15,0 1-15,25-1 0,-25 0 16,0 1 0,0-1-16,0 1 15,-25-25 16,1 0-31,0 24 0,-1-24 16,1 0-16,-25 0 16,24 25-16,-23-25 0,-1 24 15,0 0-15,24 1 0</inkml:trace>
   <inkml:trace contextRef="#ctx0" brushRef="#br0" timeOffset="-128820.73">1566 14849 0,'-24'0'16,"-1"0"-1,1 0-15,-1 0 16,-23 0-16,23 0 15,-24 25-15,25-1 0,-25 0 16,25 1-16,-1-1 0,1 25 16,24 0-16,0 0 15,0-25-15,24 25 0,1-25 16,-1 1-16,0-1 16,25-24-16,0 0 0,0 0 15,0 0-15,0 0 0,0-24 16,24-1-16,-49 1 15</inkml:trace>
@@ -3598,16 +4271,16 @@
   <inkml:trace contextRef="#ctx0" brushRef="#br0" timeOffset="78692.72">15610 5886 0,'0'24'15,"0"0"17,0 1-1,-24-1-16,24 1-15,-24-1 16,-1 0-16,25 25 0,-24 0 16,-1-24-16,25 23 15,-24 1-15,24-24 0,0 24 16,24-25-16,1-24 16,24 24-16,24-24 0,0-24 15,0 24-15,50-49 0,-1 25 16,0-25-16,24 0 15,25 0-15,-24 0 0,24 0 16,24 1-16,-24-1 0,0 0 16,0 0-16,0 25 15,-24-1-15,-25 1 0,0 24 16,0-25-16,-49 25 16,0 0-16,-24 0 0,0 0 15,-24 0-15,-1 0 0,0-24 16,-24 0 15,-24 24-15,24-25-16,-24 25 15,-1 0-15</inkml:trace>
   <inkml:trace contextRef="#ctx0" brushRef="#br0" timeOffset="198308.72">5817 2515 0,'-25'0'16,"1"0"-16,0 0 0,-25 0 16,24 0-16,-24 0 15,1 25-15,-1-25 0,0 24 16,0 0-16,0 1 16,0-1-16,1 25 0,23 0 15,1 24-15,-1-24 0,25 24 16,0 1-16,49-26 15,-24 26-15,23-25 0,26 24 16,-26-49-16,50 25 16,-25-24-16,25-1 0,0-24 15,-25 0-15,25-24 0,-1-1 16,1-24-16,-25 0 16,1 1-16,-25-1 0,24-25 15,-49 1-15,1-25 16,-25 25-16,-25 0 0,-24 0 15,1-1-15,-50 26 0,0-1 16,-24 24-16,-25 25 16,1 25-16,-49-1 0,24 25 15</inkml:trace>
   <inkml:trace contextRef="#ctx0" brushRef="#br0" timeOffset="199951.72">6061 7253 0,'-24'0'16,"-1"0"-16,1 0 0,-25 0 15,0 25-15,0-25 0,-24 24 16,0 0-16,-1 1 16,1-1-16,0 25 0,0 0 15,-1 24-15,26-24 16,-1 24-16,24 1 0,1 23 15,24-23-15,0-1 0,0 0 16,49 0-16,0 1 16,24-25-16,0-1 0,25 1 15,24-24-15,0-1 16,24-24-16,1 0 0,-25-24 16,25-1-16,-25-24 0,0-24 15,-24 24-15,-25-48 16,-24 23-16,-25-23 0,-24-1 15,0 0-15,-49 25 16,-24-25-16,-25 49 0,-24 1 16,-49-1-16,0 49 0,-24 0 15,-25 24-15,25 25 16,-1 0-16</inkml:trace>
-  <inkml:trace contextRef="#ctx0" brushRef="#br0" timeOffset="53458.72">10579 7351 0,'25'24'16,"-1"-24"0,1 0-1,-25 25 1,24-1-16,-24 1 15,0-1 1,0 0-16,-24 25 0,24-24 16,0 24-16,0-1 0,0 1 15,0 0-15,0 0 16,0 0-16,0 0 0,0-1 16,24 1-16,0 0 15,-24 0-15,25 0 0,-25 24 16,0-24-16,24 24 0,-24 0 15,0 1-15,0-1 16,0 0-16,0 25 0,0-25 16,0 1-16,0-1 15,0 25-15,0-50 0,0 26 16,25-1-16,-25-24 0,0 0 16,0 24-16,0-49 15,0 25-15,0 0 0,0 0 16,0-25-16,0 25 15,0-25-15,0 1 0,0 24 16,0-25-16,0 1 0,0-1 16,0 0-16,0 1 15,0-1-15,0 1 0,0-1 16,0 1-16,0 23 0,0-23 16,0-1-16,0 1 15,0-1-15,0 1 0,0-1 16,0 0-1,0 1-15,0-1 0,0 1 16,0-1-16,0 1 16,24-1-16,-24 0 0,25 1 15,-1-25 1,0 0 0,-24 24 15,25-24-16,-25 25-15,24-25 16,1 0 0,-1 0-16,1-25 15,-1 25-15,0 0 0,1 0 16,-1 0-16,25-24 16,0 24-16,0 0 0,0 0 15,-1 0-15,26 0 16,-1-25-16,25 25 0,-1 0 15,1-24-15,24 0 16,0 24-16,0-25 0,25 1 16,-25 24-16,0-25 0,-24 25 15,24 0-15,-49-24 16,25 24-16,-49 0 0,24 0 16,-24-25-16,0 25 0,0 0 15,-1-24-15,1 24 16,0-24-16,-24 24 0,23-25 15,-23 25-15,24-24 16,-25 24-16,1 0 0,-1 0 16,-24-25-16,0 1 31,0-1-31</inkml:trace>
-  <inkml:trace contextRef="#ctx0" brushRef="#br0" timeOffset="54513.72">13754 7351 0,'0'24'47,"0"1"-31,0-1-16,25 25 15,-25-25-15,0 50 0,0-25 16,0 24-16,0 0 16,0 0-16,0 1 0,0-1 15,0 25-15,0-25 16,24 25-16,-24-25 0,25 0 15,-25 25-15,24-25 0,-24 25 16,24-25-16,-24 0 16,0 25-16,0-25 0,0 1 15,0-1-15,0-24 16,0 24-16,25 0 0,-25-24 16,0 24-16,24-24 0,-24 0 15,0 0-15,25 0 16,-25-1-16,24-23 0,-24-1 15,0 25-15,0-24 16,0-1-16,0 0 16,0 1-16,0-1 31,0 1-15,0-1-1,0 1 1,0-1-16,0 0 15,0 1 1,0-1-16,0 1 31,0-1 1,0-48 30,0-1-46,-24 25-16,-1-24 15,1 24-15,-1-25 0,-23 25 16,-1 0-16,0 0 16,-24 25-16,-25-25 0,0 24 15,1-24-15,-1 25 0,25-25 16,-25 0-16,25 0 15,-1 0-15</inkml:trace>
-  <inkml:trace contextRef="#ctx0" brushRef="#br0" timeOffset="55496.72">11214 8352 0,'-24'0'16,"-1"0"-1,1 0 1,0 0-16,-1 0 16,1 0-16,-1-24 0,1 24 15,-1 0-15,25-25 16,25 25 46,-1 0-62,25 0 0,0 0 16,0 0-16,49 0 16,-1 0-16,25-24 0,1 24 15,47-24-15,1 24 16,0-25-16,25 1 0,-1 24 15,-24-25-15,0 25 0,-24 0 16,-1-24-16,-24 24 16,-24 0-16,-25 0 0,0 0 15,-24-25-15,0 25 0,-24 0 16,-1 0-16,0 0 16,1 0-16,-1 0 0,1 0 15</inkml:trace>
-  <inkml:trace contextRef="#ctx0" brushRef="#br0" timeOffset="56260.72">11043 9329 0,'-24'0'0,"-1"0"15,1 25 16,24-1 1,24-24-32,1 0 15,-1 0-15,25 0 0,24-24 16,1 24-16,23 0 16,26-25-16,23 25 0,1-24 15,24-1-15,0 25 0,-1-24 16,1-1-16,25 25 15,-25-24-15,0 24 0,-25 0 16,1-24-16,-1 24 16,-24-25-16,1 25 0,-26 0 15,-23 0-15,-1 0 16,-49 0-16,25-24 0,-73 24 47,-1 0-32</inkml:trace>
-  <inkml:trace contextRef="#ctx0" brushRef="#br0" timeOffset="62458.72">11288 6594 0,'0'-25'15,"24"25"1,-24-24-16,24 0 15,-24-1-15,0 1 16,0-1-16,0 1 16,-24-1-16,0 25 0,-1-24 15,-24 24-15,0 24 16,25 1-16,-25-1 0,0 1 16,25-1-16,-1 1 0,1 23 15,24-23-15,0-1 16,0 1-16,0-1 0,0 0 15,24-24-15,1 25 0,24-25 16,-25 0-16,25 0 16,-25-25-16,25 25 0,0-24 15,-24 0-15,-1-1 16,0 25-16,1-24 0,-25-1 16,24 1-16,-24 48 31,0 1-31,0-1 15,0 25-15,0 0 16,-24 0-16,24 0 0,0-1 16,0 26-16,0-25 0,0-1 15,0-23-15,0-1 16,0 1-16,24-1 0</inkml:trace>
-  <inkml:trace contextRef="#ctx0" brushRef="#br0" timeOffset="62920.72">11825 6862 0,'0'-24'0,"-25"0"16,1 24 0,24 24-1,-24 0-15,24 1 0,-25-1 16,25 1-16,0-1 15,0 25-15,25-25 0,-1 1 16,0-1-16,1 1 0,24-25 16,-25 24-16,25-24 15,-25 0-15,25 0 0,-24-24 16,-1 24-16,-24-25 16,0 1-16,0-1 0,0 1 15,-24-25-15,-1 25 0,-24-25 16,1 0-16,-1 25 15,0-25-15,0 0 0,0 0 16,25 0-16,-1 25 16,25-25-16,0 25 0,25-1 15,-1 1-15,25-1 0,0 25 16,0 0-16,0 0 16,-1 0-16,-23 0 0,-1 25 15,1 24-15,-25-25 0,0 25 16,-25 0-16,1-1 15,-1 1-15,-23 0 0,23 0 16,-24 0-16,25-25 16,-1 1-16</inkml:trace>
-  <inkml:trace contextRef="#ctx0" brushRef="#br0" timeOffset="63261.72">12387 6691 0,'24'0'0,"-48"0"32,-1 0-17,1 25 1,-1-1-16,1 1 0,0 24 16,24-25-16,0 25 0,0 0 15,0 0-15,0-25 16,24 25-16,0-25 0,25-24 15,-24 25-15,23-25 16,1 0-16,0-25 0,0 1 16,0-1-16,-25-23 0,1-1 15,-1 0-15,-24-24 16,-24 24-16,24 0 0,-49 0 16,0 0-16,0 25 15,-24 24-15,24 0 0,-24 0 16,0 24-16,24 1 0,0 23 15</inkml:trace>
-  <inkml:trace contextRef="#ctx0" brushRef="#br0" timeOffset="63945.72">11239 7620 0,'-25'0'0,"-24"0"0,49-25 15,-24 25-15,0-24 16,24-1-16,0 1 15,24-1-15,25 25 16,-25-24-16,1 24 16,24 0-16,-1 0 0,-23 0 15,24 0-15,-25 24 0,1-24 16,-1 25-16,-24-1 16,0 1-16,0-1 0,-24 1 15,24-1-15,-25 0 16,1 1-16,-25-1 0,24 1 15,1-1 1,0 1-16,48-1 16,0-24-16,1 24 15,-1-24-15,25 25 16,0-25-16,-25 24 0,25-24 16,-24 25-16,-1-1 0,1-24 15,-25 24-15,0 1 16,-25-1-16,25 1 0,-49-25 15,25 24-15,-25 1 16,0-25-16,0 0 0,25 0 16,-25 0-16,0 0 0,25-25 15,-1 25-15,1-24 16</inkml:trace>
-  <inkml:trace contextRef="#ctx0" brushRef="#br0" timeOffset="64317.72">11874 7742 0,'0'-25'0,"-25"25"0,1-24 16,-1-1-16,25 1 16,25 0-1,-1 24-15,1 0 0,-1 0 16,1 0-16,23 0 15,-23 24-15,24 0 0,-25-24 16,-24 25-16,0-1 0,0 1 16,0-1-16,-24 0 15,-1 25-15,1-49 0,-25 25 16,25-1-16,-1 1 16,1-25-16,24 24 0,-25-24 15,50 24 1,-1-24-1,1 0-15,-1 0 0,25 0 16,0 0-16,0 0 16,-1 0-16,1 0 0,0-24 15,0 24-15,0-24 0</inkml:trace>
-  <inkml:trace contextRef="#ctx0" brushRef="#br0" timeOffset="64665.72">12533 7766 0,'25'-24'0,"-1"-1"15,-24 1 1,24 24 0,-24 24-1,-24 1-15,0-25 16,24 24-16,-25 25 16,1-25-16,-1 1 0,25 24 15,-24-25-15,24 25 16,0-25-16,0 1 0,24-1 15,1 1-15,24-25 0,-1 24 16,1-24-16,0 0 16,-24-24-16,23 24 0,1-25 15,0 1-15,-25-1 16,1 1-16,-1-1 0,-24-23 16,0-1-16,0 24 15,-24-23-15,24 23 0,-49 1 16,25-1-16,-25 25 0,0 0 15,0 0-15,0 0 16,0 0-16,1 25 0,-1-25 16</inkml:trace>
+  <inkml:trace contextRef="#ctx0" brushRef="#br0" timeOffset="53458.71">10579 7351 0,'25'24'16,"-1"-24"0,1 0-1,-25 25 1,24-1-16,-24 1 15,0-1 1,0 0-16,-24 25 0,24-24 16,0 24-16,0-1 0,0 1 15,0 0-15,0 0 16,0 0-16,0 0 0,0-1 16,24 1-16,0 0 15,-24 0-15,25 0 0,-25 24 16,0-24-16,24 24 0,-24 0 15,0 1-15,0-1 16,0 0-16,0 25 0,0-25 16,0 1-16,0-1 15,0 25-15,0-50 0,0 26 16,25-1-16,-25-24 0,0 0 16,0 24-16,0-49 15,0 25-15,0 0 0,0 0 16,0-25-16,0 25 15,0-25-15,0 1 0,0 24 16,0-25-16,0 1 0,0-1 16,0 0-16,0 1 15,0-1-15,0 1 0,0-1 16,0 1-16,0 23 0,0-23 16,0-1-16,0 1 15,0-1-15,0 1 0,0-1 16,0 0-1,0 1-15,0-1 0,0 1 16,0-1-16,0 1 16,24-1-16,-24 0 0,25 1 15,-1-25 1,0 0 0,-24 24 15,25-24-16,-25 25-15,24-25 16,1 0 0,-1 0-16,1-25 15,-1 25-15,0 0 0,1 0 16,-1 0-16,25-24 16,0 24-16,0 0 0,0 0 15,-1 0-15,26 0 16,-1-25-16,25 25 0,-1 0 15,1-24-15,24 0 16,0 24-16,0-25 0,25 1 16,-25 24-16,0-25 0,-24 25 15,24 0-15,-49-24 16,25 24-16,-49 0 0,24 0 16,-24-25-16,0 25 0,0 0 15,-1-24-15,1 24 16,0-24-16,-24 24 0,23-25 15,-23 25-15,24-24 16,-25 24-16,1 0 0,-1 0 16,-24-25-16,0 1 31,0-1-31</inkml:trace>
+  <inkml:trace contextRef="#ctx0" brushRef="#br0" timeOffset="54513.71">13754 7351 0,'0'24'47,"0"1"-31,0-1-16,25 25 15,-25-25-15,0 50 0,0-25 16,0 24-16,0 0 16,0 0-16,0 1 0,0-1 15,0 25-15,0-25 16,24 25-16,-24-25 0,25 0 15,-25 25-15,24-25 0,-24 25 16,24-25-16,-24 0 16,0 25-16,0-25 0,0 1 15,0-1-15,0-24 16,0 24-16,25 0 0,-25-24 16,0 24-16,24-24 0,-24 0 15,0 0-15,25 0 16,-25-1-16,24-23 0,-24-1 15,0 25-15,0-24 16,0-1-16,0 0 16,0 1-16,0-1 31,0 1-15,0-1-1,0 1 1,0-1-16,0 0 15,0 1 1,0-1-16,0 1 31,0-1 1,0-48 30,0-1-46,-24 25-16,-1-24 15,1 24-15,-1-25 0,-23 25 16,-1 0-16,0 0 16,-24 25-16,-25-25 0,0 24 15,1-24-15,-1 25 0,25-25 16,-25 0-16,25 0 15,-1 0-15</inkml:trace>
+  <inkml:trace contextRef="#ctx0" brushRef="#br0" timeOffset="55496.71">11214 8352 0,'-24'0'16,"-1"0"-1,1 0 1,0 0-16,-1 0 16,1 0-16,-1-24 0,1 24 15,-1 0-15,25-25 16,25 25 46,-1 0-62,25 0 0,0 0 16,0 0-16,49 0 16,-1 0-16,25-24 0,1 24 15,47-24-15,1 24 16,0-25-16,25 1 0,-1 24 15,-24-25-15,0 25 0,-24 0 16,-1-24-16,-24 24 16,-24 0-16,-25 0 0,0 0 15,-24-25-15,0 25 0,-24 0 16,-1 0-16,0 0 16,1 0-16,-1 0 0,1 0 15</inkml:trace>
+  <inkml:trace contextRef="#ctx0" brushRef="#br0" timeOffset="56260.71">11043 9329 0,'-24'0'0,"-1"0"15,1 25 16,24-1 1,24-24-32,1 0 15,-1 0-15,25 0 0,24-24 16,1 24-16,23 0 16,26-25-16,23 25 0,1-24 15,24-1-15,0 25 0,-1-24 16,1-1-16,25 25 15,-25-24-15,0 24 0,-25 0 16,1-24-16,-1 24 16,-24-25-16,1 25 0,-26 0 15,-23 0-15,-1 0 16,-49 0-16,25-24 0,-73 24 47,-1 0-32</inkml:trace>
+  <inkml:trace contextRef="#ctx0" brushRef="#br0" timeOffset="62458.71">11288 6594 0,'0'-25'15,"24"25"1,-24-24-16,24 0 15,-24-1-15,0 1 16,0-1-16,0 1 16,-24-1-16,0 25 0,-1-24 15,-24 24-15,0 24 16,25 1-16,-25-1 0,0 1 16,25-1-16,-1 1 0,1 23 15,24-23-15,0-1 16,0 1-16,0-1 0,0 0 15,24-24-15,1 25 0,24-25 16,-25 0-16,25 0 16,-25-25-16,25 25 0,0-24 15,-24 0-15,-1-1 16,0 25-16,1-24 0,-25-1 16,24 1-16,-24 48 31,0 1-31,0-1 15,0 25-15,0 0 16,-24 0-16,24 0 0,0-1 16,0 26-16,0-25 0,0-1 15,0-23-15,0-1 16,0 1-16,24-1 0</inkml:trace>
+  <inkml:trace contextRef="#ctx0" brushRef="#br0" timeOffset="62920.71">11825 6862 0,'0'-24'0,"-25"0"16,1 24 0,24 24-1,-24 0-15,24 1 0,-25-1 16,25 1-16,0-1 15,0 25-15,25-25 0,-1 1 16,0-1-16,1 1 0,24-25 16,-25 24-16,25-24 15,-25 0-15,25 0 0,-24-24 16,-1 24-16,-24-25 16,0 1-16,0-1 0,0 1 15,-24-25-15,-1 25 0,-24-25 16,1 0-16,-1 25 15,0-25-15,0 0 0,0 0 16,25 0-16,-1 25 16,25-25-16,0 25 0,25-1 15,-1 1-15,25-1 0,0 25 16,0 0-16,0 0 16,-1 0-16,-23 0 0,-1 25 15,1 24-15,-25-25 0,0 25 16,-25 0-16,1-1 15,-1 1-15,-23 0 0,23 0 16,-24 0-16,25-25 16,-1 1-16</inkml:trace>
+  <inkml:trace contextRef="#ctx0" brushRef="#br0" timeOffset="63261.71">12387 6691 0,'24'0'0,"-48"0"32,-1 0-17,1 25 1,-1-1-16,1 1 0,0 24 16,24-25-16,0 25 0,0 0 15,0 0-15,0-25 16,24 25-16,0-25 0,25-24 15,-24 25-15,23-25 16,1 0-16,0-25 0,0 1 16,0-1-16,-25-23 0,1-1 15,-1 0-15,-24-24 16,-24 24-16,24 0 0,-49 0 16,0 0-16,0 25 15,-24 24-15,24 0 0,-24 0 16,0 24-16,24 1 0,0 23 15</inkml:trace>
+  <inkml:trace contextRef="#ctx0" brushRef="#br0" timeOffset="63945.71">11239 7620 0,'-25'0'0,"-24"0"0,49-25 15,-24 25-15,0-24 16,24-1-16,0 1 15,24-1-15,25 25 16,-25-24-16,1 24 16,24 0-16,-1 0 0,-23 0 15,24 0-15,-25 24 0,1-24 16,-1 25-16,-24-1 16,0 1-16,0-1 0,-24 1 15,24-1-15,-25 0 16,1 1-16,-25-1 0,24 1 15,1-1 1,0 1-16,48-1 16,0-24-16,1 24 15,-1-24-15,25 25 16,0-25-16,-25 24 0,25-24 16,-24 25-16,-1-1 0,1-24 15,-25 24-15,0 1 16,-25-1-16,25 1 0,-49-25 15,25 24-15,-25 1 16,0-25-16,0 0 0,25 0 16,-25 0-16,0 0 0,25-25 15,-1 25-15,1-24 16</inkml:trace>
+  <inkml:trace contextRef="#ctx0" brushRef="#br0" timeOffset="64317.71">11874 7742 0,'0'-25'0,"-25"25"0,1-24 16,-1-1-16,25 1 16,25 0-1,-1 24-15,1 0 0,-1 0 16,1 0-16,23 0 15,-23 24-15,24 0 0,-25-24 16,-24 25-16,0-1 0,0 1 16,0-1-16,-24 0 15,-1 25-15,1-49 0,-25 25 16,25-1-16,-1 1 16,1-25-16,24 24 0,-25-24 15,50 24 1,-1-24-1,1 0-15,-1 0 0,25 0 16,0 0-16,0 0 16,-1 0-16,1 0 0,0-24 15,0 24-15,0-24 0</inkml:trace>
+  <inkml:trace contextRef="#ctx0" brushRef="#br0" timeOffset="64665.71">12533 7766 0,'25'-24'0,"-1"-1"15,-24 1 1,24 24 0,-24 24-1,-24 1-15,0-25 16,24 24-16,-25 25 16,1-25-16,-1 1 0,25 24 15,-24-25-15,24 25 16,0-25-16,0 1 0,24-1 15,1 1-15,24-25 0,-1 24 16,1-24-16,0 0 16,-24-24-16,23 24 0,1-25 15,0 1-15,-25-1 16,1 1-16,-1-1 0,-24-23 16,0-1-16,0 24 15,-24-23-15,24 23 0,-49 1 16,25-1-16,-25 25 0,0 0 15,0 0-15,0 0 16,0 0-16,1 25 0,-1-25 16</inkml:trace>
   <inkml:trace contextRef="#ctx0" brushRef="#br0" timeOffset="65811.72">11410 8767 0,'24'0'0,"-24"-24"16,0 48 15,0 1-15,0-1-16,0 1 15,-24-1-15,24 25 0,0-25 16,0 25-16,0 0 0,24 0 16,-24 0-16,25-25 15,-1 25-15,25-25 0,-25-24 16,25 0-16,-25 0 0,25 0 15,-24-24-15,24 24 16,-25-49-16,25 25 0,-49-1 16,24-23-16,1 23 15,-25-24-15,24 25 0,-24-1 16,0 1-16,0 0 0,0 48 31,-24 0-31,24 25 0,0 0 16,0 0-16,0 24 15,24-24-15,-24 24 0,25-24 16,-1 0-16,0-25 0,-24 1 16,25-1-16,-1-24 15,1 0-15</inkml:trace>
   <inkml:trace contextRef="#ctx0" brushRef="#br0" timeOffset="66219.72">12216 8890 0,'0'-25'16,"-25"1"-1,25-1 1,0 50 0,25-25-1,-25 24-15,0 25 16,0-25-16,24 1 0,-24 24 15,0-25-15,0 1 0,24-1 16,1 0 0,-1-24-16,1 0 0,-1 0 15,1-24-15,-1 24 16,0-24-16,1-1 0,-1 1 16,-24-25-16,25 24 0,-25 1 15,0 0-15,0-1 16,24 1-16,-24-1 0,0 50 15,0-1 1,0 1-16,0-1 0,0 25 16,0 0-16,0 0 15,25 24-15,-25-49 0,0 25 16,24-25-16,-24 25 0,0-24 16</inkml:trace>
   <inkml:trace contextRef="#ctx0" brushRef="#br0" timeOffset="66597.72">12924 8816 0,'0'-24'0,"-24"24"16,24-25-1,-25 25-15,1 25 16,24-1-1,0 25-15,0-24 16,0-1-16,0 25 0,0 0 16,0 0-16,24-25 15,-24 25-15,25-25 0,-1 1 16,0-25-16,25 0 16,0 0-16,-25 0 0,25 0 15,0-25-15,-24-24 0,23 25 16,-23-25-16,-25 0 15,0 0-15,0 1 0,0-1 16,-49 0-16,25 24 0,-25-23 16,24 23-16,-24 25 15,1 0-15,-1 0 0,0 0 16,25 25-16,-25-25 16,24 24-16,1 0 0</inkml:trace>
@@ -5989,7 +6662,7 @@
   <inkml:trace contextRef="#ctx0" brushRef="#br0" timeOffset="-168655.73">26060 13897 0,'0'-25'16,"0"1"0,25 24-1,-25-25-15,24 1 31,1-1-15,-1 25 0,-24-24-1,24 24-15,-24-24 0,25 24 16,-25-25-16,0 1 16,0-1-1,0 1-15,-25 24 0,25-25 16,-24 25-16,0-24 15,-1 24-15,1 0 0,24 24 16,-25-24-16,25 25 0,-24-1 16,24 1-16,0-1 15,0 1-15,0-1 0,0 0 16,24 1-16,1 24 16,-25-25-16,24-24 0,25 25 15,-25-1-15,1-24 0,-1 24 16,25-24-16,-24 0 15,-1-24-15,0 24 0,1-24 16</inkml:trace>
   <inkml:trace contextRef="#ctx0" brushRef="#br0" timeOffset="-168175.73">26353 13555 0,'0'-25'0,"0"1"16,-24-1-16,24 1 15,-24 24-15,24 24 16,0 1-16,0-1 16,-25 1-16,25 23 0,0-23 15,0 24-15,0 0 16,0-1-16,0 1 0,0 0 16,0 0-16,0-25 0,25 25 15,-25-24-15,0 23 16,0-23-16,0-1 0,24-24 15,-24 25 1,0-50 0,-24 25-16,24-24 15,0-1-15,-25 1 16,25 0-16,0-1 0,0 1 16,0-1-16,0 1 0,0 0 15,0-1-15,0 1 16,0-25-16,25 24 0,-25 1 15,24 0-15,0 24 16,-24-25-16,25 25 0,-1 0 16,1 0-16,-25 25 15,0-1 1,0 0-16,0 1 0,0-1 16,0 1-16,0-1 15,-25 1-15,1-1 16,-1 0-16</inkml:trace>
   <inkml:trace contextRef="#ctx0" brushRef="#br0" timeOffset="-167888.73">26500 13481 0,'0'25'47,"24"-1"-47,-24 25 16,0-25-16,0 25 16,0-24-16,0 24 0,0-1 15,0-23-15,0 24 0,25 0 16,-25-25-16,24 25 15,1-25-15,-1 1 0,0-25 16,1 24-16,-1-24 16</inkml:trace>
-  <inkml:trace contextRef="#ctx0" brushRef="#br0" timeOffset="-167713.73">26500 13750 0,'-24'-24'16,"-1"24"-16,50-25 31,-1 25-31,25 0 0,-25 0 16,1-24-16,24 24 16,-1 0-16</inkml:trace>
+  <inkml:trace contextRef="#ctx0" brushRef="#br0" timeOffset="-167713.75">26500 13750 0,'-24'-24'16,"-1"24"-16,50-25 31,-1 25-31,25 0 0,-25 0 16,1-24-16,24 24 16,-1 0-16</inkml:trace>
 </inkml:ink>
 </file>
 
@@ -16947,6 +17620,720 @@
           </a:p>
         </p:txBody>
       </p:sp>
+      <mc:AlternateContent xmlns:mc="http://schemas.openxmlformats.org/markup-compatibility/2006" xmlns:p14="http://schemas.microsoft.com/office/powerpoint/2010/main">
+        <mc:Choice Requires="p14">
+          <p:contentPart p14:bwMode="auto" r:id="rId4">
+            <p14:nvContentPartPr>
+              <p14:cNvPr id="3" name="Ink 2">
+                <a:extLst>
+                  <a:ext uri="{FF2B5EF4-FFF2-40B4-BE49-F238E27FC236}">
+                    <a16:creationId xmlns:a16="http://schemas.microsoft.com/office/drawing/2014/main" id="{0FE4A321-130A-4DEE-9990-0FAB2A3C432F}"/>
+                  </a:ext>
+                </a:extLst>
+              </p14:cNvPr>
+              <p14:cNvContentPartPr/>
+              <p14:nvPr/>
+            </p14:nvContentPartPr>
+            <p14:xfrm>
+              <a:off x="2004286" y="1872651"/>
+              <a:ext cx="7421400" cy="668520"/>
+            </p14:xfrm>
+          </p:contentPart>
+        </mc:Choice>
+        <mc:Fallback xmlns="">
+          <p:pic>
+            <p:nvPicPr>
+              <p:cNvPr id="3" name="Ink 2">
+                <a:extLst>
+                  <a:ext uri="{FF2B5EF4-FFF2-40B4-BE49-F238E27FC236}">
+                    <a16:creationId xmlns:a16="http://schemas.microsoft.com/office/drawing/2014/main" id="{0FE4A321-130A-4DEE-9990-0FAB2A3C432F}"/>
+                  </a:ext>
+                </a:extLst>
+              </p:cNvPr>
+              <p:cNvPicPr/>
+              <p:nvPr/>
+            </p:nvPicPr>
+            <p:blipFill>
+              <a:blip r:embed="rId5"/>
+              <a:stretch>
+                <a:fillRect/>
+              </a:stretch>
+            </p:blipFill>
+            <p:spPr>
+              <a:xfrm>
+                <a:off x="1995286" y="1863651"/>
+                <a:ext cx="7439040" cy="686160"/>
+              </a:xfrm>
+              <a:prstGeom prst="rect">
+                <a:avLst/>
+              </a:prstGeom>
+            </p:spPr>
+          </p:pic>
+        </mc:Fallback>
+      </mc:AlternateContent>
+      <mc:AlternateContent xmlns:mc="http://schemas.openxmlformats.org/markup-compatibility/2006" xmlns:p14="http://schemas.microsoft.com/office/powerpoint/2010/main">
+        <mc:Choice Requires="p14">
+          <p:contentPart p14:bwMode="auto" r:id="rId6">
+            <p14:nvContentPartPr>
+              <p14:cNvPr id="28" name="Ink 27">
+                <a:extLst>
+                  <a:ext uri="{FF2B5EF4-FFF2-40B4-BE49-F238E27FC236}">
+                    <a16:creationId xmlns:a16="http://schemas.microsoft.com/office/drawing/2014/main" id="{FFAEFC43-A48B-4888-BCDA-2A319BB0384D}"/>
+                  </a:ext>
+                </a:extLst>
+              </p14:cNvPr>
+              <p14:cNvContentPartPr/>
+              <p14:nvPr/>
+            </p14:nvContentPartPr>
+            <p14:xfrm>
+              <a:off x="2057566" y="1579611"/>
+              <a:ext cx="7737480" cy="917640"/>
+            </p14:xfrm>
+          </p:contentPart>
+        </mc:Choice>
+        <mc:Fallback xmlns="">
+          <p:pic>
+            <p:nvPicPr>
+              <p:cNvPr id="28" name="Ink 27">
+                <a:extLst>
+                  <a:ext uri="{FF2B5EF4-FFF2-40B4-BE49-F238E27FC236}">
+                    <a16:creationId xmlns:a16="http://schemas.microsoft.com/office/drawing/2014/main" id="{FFAEFC43-A48B-4888-BCDA-2A319BB0384D}"/>
+                  </a:ext>
+                </a:extLst>
+              </p:cNvPr>
+              <p:cNvPicPr/>
+              <p:nvPr/>
+            </p:nvPicPr>
+            <p:blipFill>
+              <a:blip r:embed="rId7"/>
+              <a:stretch>
+                <a:fillRect/>
+              </a:stretch>
+            </p:blipFill>
+            <p:spPr>
+              <a:xfrm>
+                <a:off x="2048566" y="1570611"/>
+                <a:ext cx="7755120" cy="935280"/>
+              </a:xfrm>
+              <a:prstGeom prst="rect">
+                <a:avLst/>
+              </a:prstGeom>
+            </p:spPr>
+          </p:pic>
+        </mc:Fallback>
+      </mc:AlternateContent>
+      <mc:AlternateContent xmlns:mc="http://schemas.openxmlformats.org/markup-compatibility/2006" xmlns:p14="http://schemas.microsoft.com/office/powerpoint/2010/main">
+        <mc:Choice Requires="p14">
+          <p:contentPart p14:bwMode="auto" r:id="rId8">
+            <p14:nvContentPartPr>
+              <p14:cNvPr id="40" name="Ink 39">
+                <a:extLst>
+                  <a:ext uri="{FF2B5EF4-FFF2-40B4-BE49-F238E27FC236}">
+                    <a16:creationId xmlns:a16="http://schemas.microsoft.com/office/drawing/2014/main" id="{5A2D53A4-6482-4BF1-89BC-255D2C9D172E}"/>
+                  </a:ext>
+                </a:extLst>
+              </p14:cNvPr>
+              <p14:cNvContentPartPr/>
+              <p14:nvPr/>
+            </p14:nvContentPartPr>
+            <p14:xfrm>
+              <a:off x="6734326" y="1837371"/>
+              <a:ext cx="2374920" cy="361440"/>
+            </p14:xfrm>
+          </p:contentPart>
+        </mc:Choice>
+        <mc:Fallback xmlns="">
+          <p:pic>
+            <p:nvPicPr>
+              <p:cNvPr id="40" name="Ink 39">
+                <a:extLst>
+                  <a:ext uri="{FF2B5EF4-FFF2-40B4-BE49-F238E27FC236}">
+                    <a16:creationId xmlns:a16="http://schemas.microsoft.com/office/drawing/2014/main" id="{5A2D53A4-6482-4BF1-89BC-255D2C9D172E}"/>
+                  </a:ext>
+                </a:extLst>
+              </p:cNvPr>
+              <p:cNvPicPr/>
+              <p:nvPr/>
+            </p:nvPicPr>
+            <p:blipFill>
+              <a:blip r:embed="rId9"/>
+              <a:stretch>
+                <a:fillRect/>
+              </a:stretch>
+            </p:blipFill>
+            <p:spPr>
+              <a:xfrm>
+                <a:off x="6725326" y="1828371"/>
+                <a:ext cx="2392560" cy="379080"/>
+              </a:xfrm>
+              <a:prstGeom prst="rect">
+                <a:avLst/>
+              </a:prstGeom>
+            </p:spPr>
+          </p:pic>
+        </mc:Fallback>
+      </mc:AlternateContent>
+      <mc:AlternateContent xmlns:mc="http://schemas.openxmlformats.org/markup-compatibility/2006" xmlns:p14="http://schemas.microsoft.com/office/powerpoint/2010/main">
+        <mc:Choice Requires="p14">
+          <p:contentPart p14:bwMode="auto" r:id="rId10">
+            <p14:nvContentPartPr>
+              <p14:cNvPr id="71" name="Ink 70">
+                <a:extLst>
+                  <a:ext uri="{FF2B5EF4-FFF2-40B4-BE49-F238E27FC236}">
+                    <a16:creationId xmlns:a16="http://schemas.microsoft.com/office/drawing/2014/main" id="{E4368F06-4302-42FD-8610-A578AB09DCBB}"/>
+                  </a:ext>
+                </a:extLst>
+              </p14:cNvPr>
+              <p14:cNvContentPartPr/>
+              <p14:nvPr/>
+            </p14:nvContentPartPr>
+            <p14:xfrm>
+              <a:off x="8482846" y="5282571"/>
+              <a:ext cx="1648800" cy="329760"/>
+            </p14:xfrm>
+          </p:contentPart>
+        </mc:Choice>
+        <mc:Fallback xmlns="">
+          <p:pic>
+            <p:nvPicPr>
+              <p:cNvPr id="71" name="Ink 70">
+                <a:extLst>
+                  <a:ext uri="{FF2B5EF4-FFF2-40B4-BE49-F238E27FC236}">
+                    <a16:creationId xmlns:a16="http://schemas.microsoft.com/office/drawing/2014/main" id="{E4368F06-4302-42FD-8610-A578AB09DCBB}"/>
+                  </a:ext>
+                </a:extLst>
+              </p:cNvPr>
+              <p:cNvPicPr/>
+              <p:nvPr/>
+            </p:nvPicPr>
+            <p:blipFill>
+              <a:blip r:embed="rId11"/>
+              <a:stretch>
+                <a:fillRect/>
+              </a:stretch>
+            </p:blipFill>
+            <p:spPr>
+              <a:xfrm>
+                <a:off x="8473846" y="5273571"/>
+                <a:ext cx="1666440" cy="347400"/>
+              </a:xfrm>
+              <a:prstGeom prst="rect">
+                <a:avLst/>
+              </a:prstGeom>
+            </p:spPr>
+          </p:pic>
+        </mc:Fallback>
+      </mc:AlternateContent>
+      <mc:AlternateContent xmlns:mc="http://schemas.openxmlformats.org/markup-compatibility/2006" xmlns:p14="http://schemas.microsoft.com/office/powerpoint/2010/main">
+        <mc:Choice Requires="p14">
+          <p:contentPart p14:bwMode="auto" r:id="rId12">
+            <p14:nvContentPartPr>
+              <p14:cNvPr id="83" name="Ink 82">
+                <a:extLst>
+                  <a:ext uri="{FF2B5EF4-FFF2-40B4-BE49-F238E27FC236}">
+                    <a16:creationId xmlns:a16="http://schemas.microsoft.com/office/drawing/2014/main" id="{400864A8-3CF9-4C2A-A3BB-46B24F3DF404}"/>
+                  </a:ext>
+                </a:extLst>
+              </p14:cNvPr>
+              <p14:cNvContentPartPr/>
+              <p14:nvPr/>
+            </p14:nvContentPartPr>
+            <p14:xfrm>
+              <a:off x="4563166" y="5442411"/>
+              <a:ext cx="4616280" cy="765360"/>
+            </p14:xfrm>
+          </p:contentPart>
+        </mc:Choice>
+        <mc:Fallback xmlns="">
+          <p:pic>
+            <p:nvPicPr>
+              <p:cNvPr id="83" name="Ink 82">
+                <a:extLst>
+                  <a:ext uri="{FF2B5EF4-FFF2-40B4-BE49-F238E27FC236}">
+                    <a16:creationId xmlns:a16="http://schemas.microsoft.com/office/drawing/2014/main" id="{400864A8-3CF9-4C2A-A3BB-46B24F3DF404}"/>
+                  </a:ext>
+                </a:extLst>
+              </p:cNvPr>
+              <p:cNvPicPr/>
+              <p:nvPr/>
+            </p:nvPicPr>
+            <p:blipFill>
+              <a:blip r:embed="rId13"/>
+              <a:stretch>
+                <a:fillRect/>
+              </a:stretch>
+            </p:blipFill>
+            <p:spPr>
+              <a:xfrm>
+                <a:off x="4554166" y="5433411"/>
+                <a:ext cx="4633920" cy="783000"/>
+              </a:xfrm>
+              <a:prstGeom prst="rect">
+                <a:avLst/>
+              </a:prstGeom>
+            </p:spPr>
+          </p:pic>
+        </mc:Fallback>
+      </mc:AlternateContent>
+      <mc:AlternateContent xmlns:mc="http://schemas.openxmlformats.org/markup-compatibility/2006" xmlns:p14="http://schemas.microsoft.com/office/powerpoint/2010/main">
+        <mc:Choice Requires="p14">
+          <p:contentPart p14:bwMode="auto" r:id="rId14">
+            <p14:nvContentPartPr>
+              <p14:cNvPr id="87" name="Ink 86">
+                <a:extLst>
+                  <a:ext uri="{FF2B5EF4-FFF2-40B4-BE49-F238E27FC236}">
+                    <a16:creationId xmlns:a16="http://schemas.microsoft.com/office/drawing/2014/main" id="{7F74E6C5-5F09-4E59-B2AA-9F2A1860386D}"/>
+                  </a:ext>
+                </a:extLst>
+              </p14:cNvPr>
+              <p14:cNvContentPartPr/>
+              <p14:nvPr/>
+            </p14:nvContentPartPr>
+            <p14:xfrm>
+              <a:off x="4809406" y="2471691"/>
+              <a:ext cx="264240" cy="544320"/>
+            </p14:xfrm>
+          </p:contentPart>
+        </mc:Choice>
+        <mc:Fallback xmlns="">
+          <p:pic>
+            <p:nvPicPr>
+              <p:cNvPr id="87" name="Ink 86">
+                <a:extLst>
+                  <a:ext uri="{FF2B5EF4-FFF2-40B4-BE49-F238E27FC236}">
+                    <a16:creationId xmlns:a16="http://schemas.microsoft.com/office/drawing/2014/main" id="{7F74E6C5-5F09-4E59-B2AA-9F2A1860386D}"/>
+                  </a:ext>
+                </a:extLst>
+              </p:cNvPr>
+              <p:cNvPicPr/>
+              <p:nvPr/>
+            </p:nvPicPr>
+            <p:blipFill>
+              <a:blip r:embed="rId15"/>
+              <a:stretch>
+                <a:fillRect/>
+              </a:stretch>
+            </p:blipFill>
+            <p:spPr>
+              <a:xfrm>
+                <a:off x="4800406" y="2462691"/>
+                <a:ext cx="281880" cy="561960"/>
+              </a:xfrm>
+              <a:prstGeom prst="rect">
+                <a:avLst/>
+              </a:prstGeom>
+            </p:spPr>
+          </p:pic>
+        </mc:Fallback>
+      </mc:AlternateContent>
+      <mc:AlternateContent xmlns:mc="http://schemas.openxmlformats.org/markup-compatibility/2006" xmlns:p14="http://schemas.microsoft.com/office/powerpoint/2010/main">
+        <mc:Choice Requires="p14">
+          <p:contentPart p14:bwMode="auto" r:id="rId16">
+            <p14:nvContentPartPr>
+              <p14:cNvPr id="91" name="Ink 90">
+                <a:extLst>
+                  <a:ext uri="{FF2B5EF4-FFF2-40B4-BE49-F238E27FC236}">
+                    <a16:creationId xmlns:a16="http://schemas.microsoft.com/office/drawing/2014/main" id="{A520EBE1-63D0-4DE6-A52D-7F981A3EB5A6}"/>
+                  </a:ext>
+                </a:extLst>
+              </p14:cNvPr>
+              <p14:cNvContentPartPr/>
+              <p14:nvPr/>
+            </p14:nvContentPartPr>
+            <p14:xfrm>
+              <a:off x="7306366" y="2482491"/>
+              <a:ext cx="264240" cy="445680"/>
+            </p14:xfrm>
+          </p:contentPart>
+        </mc:Choice>
+        <mc:Fallback xmlns="">
+          <p:pic>
+            <p:nvPicPr>
+              <p:cNvPr id="91" name="Ink 90">
+                <a:extLst>
+                  <a:ext uri="{FF2B5EF4-FFF2-40B4-BE49-F238E27FC236}">
+                    <a16:creationId xmlns:a16="http://schemas.microsoft.com/office/drawing/2014/main" id="{A520EBE1-63D0-4DE6-A52D-7F981A3EB5A6}"/>
+                  </a:ext>
+                </a:extLst>
+              </p:cNvPr>
+              <p:cNvPicPr/>
+              <p:nvPr/>
+            </p:nvPicPr>
+            <p:blipFill>
+              <a:blip r:embed="rId17"/>
+              <a:stretch>
+                <a:fillRect/>
+              </a:stretch>
+            </p:blipFill>
+            <p:spPr>
+              <a:xfrm>
+                <a:off x="7297366" y="2473491"/>
+                <a:ext cx="281880" cy="463320"/>
+              </a:xfrm>
+              <a:prstGeom prst="rect">
+                <a:avLst/>
+              </a:prstGeom>
+            </p:spPr>
+          </p:pic>
+        </mc:Fallback>
+      </mc:AlternateContent>
+      <mc:AlternateContent xmlns:mc="http://schemas.openxmlformats.org/markup-compatibility/2006" xmlns:p14="http://schemas.microsoft.com/office/powerpoint/2010/main">
+        <mc:Choice Requires="p14">
+          <p:contentPart p14:bwMode="auto" r:id="rId18">
+            <p14:nvContentPartPr>
+              <p14:cNvPr id="131" name="Ink 130">
+                <a:extLst>
+                  <a:ext uri="{FF2B5EF4-FFF2-40B4-BE49-F238E27FC236}">
+                    <a16:creationId xmlns:a16="http://schemas.microsoft.com/office/drawing/2014/main" id="{96332096-AAA4-4B75-B829-E61BA16033BE}"/>
+                  </a:ext>
+                </a:extLst>
+              </p14:cNvPr>
+              <p14:cNvContentPartPr/>
+              <p14:nvPr/>
+            </p14:nvContentPartPr>
+            <p14:xfrm>
+              <a:off x="3453286" y="3508131"/>
+              <a:ext cx="1655280" cy="325800"/>
+            </p14:xfrm>
+          </p:contentPart>
+        </mc:Choice>
+        <mc:Fallback xmlns="">
+          <p:pic>
+            <p:nvPicPr>
+              <p:cNvPr id="131" name="Ink 130">
+                <a:extLst>
+                  <a:ext uri="{FF2B5EF4-FFF2-40B4-BE49-F238E27FC236}">
+                    <a16:creationId xmlns:a16="http://schemas.microsoft.com/office/drawing/2014/main" id="{96332096-AAA4-4B75-B829-E61BA16033BE}"/>
+                  </a:ext>
+                </a:extLst>
+              </p:cNvPr>
+              <p:cNvPicPr/>
+              <p:nvPr/>
+            </p:nvPicPr>
+            <p:blipFill>
+              <a:blip r:embed="rId19"/>
+              <a:stretch>
+                <a:fillRect/>
+              </a:stretch>
+            </p:blipFill>
+            <p:spPr>
+              <a:xfrm>
+                <a:off x="3444286" y="3499131"/>
+                <a:ext cx="1672920" cy="343440"/>
+              </a:xfrm>
+              <a:prstGeom prst="rect">
+                <a:avLst/>
+              </a:prstGeom>
+            </p:spPr>
+          </p:pic>
+        </mc:Fallback>
+      </mc:AlternateContent>
+      <mc:AlternateContent xmlns:mc="http://schemas.openxmlformats.org/markup-compatibility/2006" xmlns:p14="http://schemas.microsoft.com/office/powerpoint/2010/main">
+        <mc:Choice Requires="p14">
+          <p:contentPart p14:bwMode="auto" r:id="rId20">
+            <p14:nvContentPartPr>
+              <p14:cNvPr id="144" name="Ink 143">
+                <a:extLst>
+                  <a:ext uri="{FF2B5EF4-FFF2-40B4-BE49-F238E27FC236}">
+                    <a16:creationId xmlns:a16="http://schemas.microsoft.com/office/drawing/2014/main" id="{EFE3831D-A0BA-48CE-A416-2DEB12F371E4}"/>
+                  </a:ext>
+                </a:extLst>
+              </p14:cNvPr>
+              <p14:cNvContentPartPr/>
+              <p14:nvPr/>
+            </p14:nvContentPartPr>
+            <p14:xfrm>
+              <a:off x="6795166" y="3426051"/>
+              <a:ext cx="2472120" cy="360720"/>
+            </p14:xfrm>
+          </p:contentPart>
+        </mc:Choice>
+        <mc:Fallback xmlns="">
+          <p:pic>
+            <p:nvPicPr>
+              <p:cNvPr id="144" name="Ink 143">
+                <a:extLst>
+                  <a:ext uri="{FF2B5EF4-FFF2-40B4-BE49-F238E27FC236}">
+                    <a16:creationId xmlns:a16="http://schemas.microsoft.com/office/drawing/2014/main" id="{EFE3831D-A0BA-48CE-A416-2DEB12F371E4}"/>
+                  </a:ext>
+                </a:extLst>
+              </p:cNvPr>
+              <p:cNvPicPr/>
+              <p:nvPr/>
+            </p:nvPicPr>
+            <p:blipFill>
+              <a:blip r:embed="rId21"/>
+              <a:stretch>
+                <a:fillRect/>
+              </a:stretch>
+            </p:blipFill>
+            <p:spPr>
+              <a:xfrm>
+                <a:off x="6786166" y="3417051"/>
+                <a:ext cx="2489760" cy="378360"/>
+              </a:xfrm>
+              <a:prstGeom prst="rect">
+                <a:avLst/>
+              </a:prstGeom>
+            </p:spPr>
+          </p:pic>
+        </mc:Fallback>
+      </mc:AlternateContent>
+      <mc:AlternateContent xmlns:mc="http://schemas.openxmlformats.org/markup-compatibility/2006" xmlns:p14="http://schemas.microsoft.com/office/powerpoint/2010/main">
+        <mc:Choice Requires="p14">
+          <p:contentPart p14:bwMode="auto" r:id="rId22">
+            <p14:nvContentPartPr>
+              <p14:cNvPr id="166" name="Ink 165">
+                <a:extLst>
+                  <a:ext uri="{FF2B5EF4-FFF2-40B4-BE49-F238E27FC236}">
+                    <a16:creationId xmlns:a16="http://schemas.microsoft.com/office/drawing/2014/main" id="{7E0D75A8-9EA6-45B5-B613-AECEEF27E874}"/>
+                  </a:ext>
+                </a:extLst>
+              </p14:cNvPr>
+              <p14:cNvContentPartPr/>
+              <p14:nvPr/>
+            </p14:nvContentPartPr>
+            <p14:xfrm>
+              <a:off x="9170446" y="3392931"/>
+              <a:ext cx="2752200" cy="692640"/>
+            </p14:xfrm>
+          </p:contentPart>
+        </mc:Choice>
+        <mc:Fallback xmlns="">
+          <p:pic>
+            <p:nvPicPr>
+              <p:cNvPr id="166" name="Ink 165">
+                <a:extLst>
+                  <a:ext uri="{FF2B5EF4-FFF2-40B4-BE49-F238E27FC236}">
+                    <a16:creationId xmlns:a16="http://schemas.microsoft.com/office/drawing/2014/main" id="{7E0D75A8-9EA6-45B5-B613-AECEEF27E874}"/>
+                  </a:ext>
+                </a:extLst>
+              </p:cNvPr>
+              <p:cNvPicPr/>
+              <p:nvPr/>
+            </p:nvPicPr>
+            <p:blipFill>
+              <a:blip r:embed="rId23"/>
+              <a:stretch>
+                <a:fillRect/>
+              </a:stretch>
+            </p:blipFill>
+            <p:spPr>
+              <a:xfrm>
+                <a:off x="9161446" y="3383926"/>
+                <a:ext cx="2769840" cy="710289"/>
+              </a:xfrm>
+              <a:prstGeom prst="rect">
+                <a:avLst/>
+              </a:prstGeom>
+            </p:spPr>
+          </p:pic>
+        </mc:Fallback>
+      </mc:AlternateContent>
+      <mc:AlternateContent xmlns:mc="http://schemas.openxmlformats.org/markup-compatibility/2006" xmlns:p14="http://schemas.microsoft.com/office/powerpoint/2010/main">
+        <mc:Choice Requires="p14">
+          <p:contentPart p14:bwMode="auto" r:id="rId24">
+            <p14:nvContentPartPr>
+              <p14:cNvPr id="175" name="Ink 174">
+                <a:extLst>
+                  <a:ext uri="{FF2B5EF4-FFF2-40B4-BE49-F238E27FC236}">
+                    <a16:creationId xmlns:a16="http://schemas.microsoft.com/office/drawing/2014/main" id="{CB07669F-D316-4C89-AC3F-EB5B4C09F18A}"/>
+                  </a:ext>
+                </a:extLst>
+              </p14:cNvPr>
+              <p14:cNvContentPartPr/>
+              <p14:nvPr/>
+            </p14:nvContentPartPr>
+            <p14:xfrm>
+              <a:off x="297886" y="3422811"/>
+              <a:ext cx="3061080" cy="1131840"/>
+            </p14:xfrm>
+          </p:contentPart>
+        </mc:Choice>
+        <mc:Fallback xmlns="">
+          <p:pic>
+            <p:nvPicPr>
+              <p:cNvPr id="175" name="Ink 174">
+                <a:extLst>
+                  <a:ext uri="{FF2B5EF4-FFF2-40B4-BE49-F238E27FC236}">
+                    <a16:creationId xmlns:a16="http://schemas.microsoft.com/office/drawing/2014/main" id="{CB07669F-D316-4C89-AC3F-EB5B4C09F18A}"/>
+                  </a:ext>
+                </a:extLst>
+              </p:cNvPr>
+              <p:cNvPicPr/>
+              <p:nvPr/>
+            </p:nvPicPr>
+            <p:blipFill>
+              <a:blip r:embed="rId25"/>
+              <a:stretch>
+                <a:fillRect/>
+              </a:stretch>
+            </p:blipFill>
+            <p:spPr>
+              <a:xfrm>
+                <a:off x="288886" y="3413811"/>
+                <a:ext cx="3078720" cy="1149480"/>
+              </a:xfrm>
+              <a:prstGeom prst="rect">
+                <a:avLst/>
+              </a:prstGeom>
+            </p:spPr>
+          </p:pic>
+        </mc:Fallback>
+      </mc:AlternateContent>
+      <mc:AlternateContent xmlns:mc="http://schemas.openxmlformats.org/markup-compatibility/2006" xmlns:p14="http://schemas.microsoft.com/office/powerpoint/2010/main">
+        <mc:Choice Requires="p14">
+          <p:contentPart p14:bwMode="auto" r:id="rId26">
+            <p14:nvContentPartPr>
+              <p14:cNvPr id="182" name="Ink 181">
+                <a:extLst>
+                  <a:ext uri="{FF2B5EF4-FFF2-40B4-BE49-F238E27FC236}">
+                    <a16:creationId xmlns:a16="http://schemas.microsoft.com/office/drawing/2014/main" id="{405F7CEE-6476-48CF-A5E5-6BA61C736E90}"/>
+                  </a:ext>
+                </a:extLst>
+              </p14:cNvPr>
+              <p14:cNvContentPartPr/>
+              <p14:nvPr/>
+            </p14:nvContentPartPr>
+            <p14:xfrm>
+              <a:off x="3283006" y="3151011"/>
+              <a:ext cx="5926320" cy="2257200"/>
+            </p14:xfrm>
+          </p:contentPart>
+        </mc:Choice>
+        <mc:Fallback xmlns="">
+          <p:pic>
+            <p:nvPicPr>
+              <p:cNvPr id="182" name="Ink 181">
+                <a:extLst>
+                  <a:ext uri="{FF2B5EF4-FFF2-40B4-BE49-F238E27FC236}">
+                    <a16:creationId xmlns:a16="http://schemas.microsoft.com/office/drawing/2014/main" id="{405F7CEE-6476-48CF-A5E5-6BA61C736E90}"/>
+                  </a:ext>
+                </a:extLst>
+              </p:cNvPr>
+              <p:cNvPicPr/>
+              <p:nvPr/>
+            </p:nvPicPr>
+            <p:blipFill>
+              <a:blip r:embed="rId27"/>
+              <a:stretch>
+                <a:fillRect/>
+              </a:stretch>
+            </p:blipFill>
+            <p:spPr>
+              <a:xfrm>
+                <a:off x="3274005" y="3142011"/>
+                <a:ext cx="5943961" cy="2274840"/>
+              </a:xfrm>
+              <a:prstGeom prst="rect">
+                <a:avLst/>
+              </a:prstGeom>
+            </p:spPr>
+          </p:pic>
+        </mc:Fallback>
+      </mc:AlternateContent>
+      <mc:AlternateContent xmlns:mc="http://schemas.openxmlformats.org/markup-compatibility/2006" xmlns:p14="http://schemas.microsoft.com/office/powerpoint/2010/main">
+        <mc:Choice Requires="p14">
+          <p:contentPart p14:bwMode="auto" r:id="rId28">
+            <p14:nvContentPartPr>
+              <p14:cNvPr id="186" name="Ink 185">
+                <a:extLst>
+                  <a:ext uri="{FF2B5EF4-FFF2-40B4-BE49-F238E27FC236}">
+                    <a16:creationId xmlns:a16="http://schemas.microsoft.com/office/drawing/2014/main" id="{8EF31982-88F6-4002-AAC5-45A1E87D66B6}"/>
+                  </a:ext>
+                </a:extLst>
+              </p14:cNvPr>
+              <p14:cNvContentPartPr/>
+              <p14:nvPr/>
+            </p14:nvContentPartPr>
+            <p14:xfrm>
+              <a:off x="9873886" y="5679651"/>
+              <a:ext cx="334440" cy="299520"/>
+            </p14:xfrm>
+          </p:contentPart>
+        </mc:Choice>
+        <mc:Fallback xmlns="">
+          <p:pic>
+            <p:nvPicPr>
+              <p:cNvPr id="186" name="Ink 185">
+                <a:extLst>
+                  <a:ext uri="{FF2B5EF4-FFF2-40B4-BE49-F238E27FC236}">
+                    <a16:creationId xmlns:a16="http://schemas.microsoft.com/office/drawing/2014/main" id="{8EF31982-88F6-4002-AAC5-45A1E87D66B6}"/>
+                  </a:ext>
+                </a:extLst>
+              </p:cNvPr>
+              <p:cNvPicPr/>
+              <p:nvPr/>
+            </p:nvPicPr>
+            <p:blipFill>
+              <a:blip r:embed="rId29"/>
+              <a:stretch>
+                <a:fillRect/>
+              </a:stretch>
+            </p:blipFill>
+            <p:spPr>
+              <a:xfrm>
+                <a:off x="9864886" y="5670651"/>
+                <a:ext cx="352080" cy="317160"/>
+              </a:xfrm>
+              <a:prstGeom prst="rect">
+                <a:avLst/>
+              </a:prstGeom>
+            </p:spPr>
+          </p:pic>
+        </mc:Fallback>
+      </mc:AlternateContent>
+      <mc:AlternateContent xmlns:mc="http://schemas.openxmlformats.org/markup-compatibility/2006" xmlns:p14="http://schemas.microsoft.com/office/powerpoint/2010/main">
+        <mc:Choice Requires="p14">
+          <p:contentPart p14:bwMode="auto" r:id="rId30">
+            <p14:nvContentPartPr>
+              <p14:cNvPr id="189" name="Ink 188">
+                <a:extLst>
+                  <a:ext uri="{FF2B5EF4-FFF2-40B4-BE49-F238E27FC236}">
+                    <a16:creationId xmlns:a16="http://schemas.microsoft.com/office/drawing/2014/main" id="{2567F803-CE9F-4E86-AD68-42C2071CBCAB}"/>
+                  </a:ext>
+                </a:extLst>
+              </p14:cNvPr>
+              <p14:cNvContentPartPr/>
+              <p14:nvPr/>
+            </p14:nvContentPartPr>
+            <p14:xfrm>
+              <a:off x="9900166" y="6109131"/>
+              <a:ext cx="442440" cy="195480"/>
+            </p14:xfrm>
+          </p:contentPart>
+        </mc:Choice>
+        <mc:Fallback xmlns="">
+          <p:pic>
+            <p:nvPicPr>
+              <p:cNvPr id="189" name="Ink 188">
+                <a:extLst>
+                  <a:ext uri="{FF2B5EF4-FFF2-40B4-BE49-F238E27FC236}">
+                    <a16:creationId xmlns:a16="http://schemas.microsoft.com/office/drawing/2014/main" id="{2567F803-CE9F-4E86-AD68-42C2071CBCAB}"/>
+                  </a:ext>
+                </a:extLst>
+              </p:cNvPr>
+              <p:cNvPicPr/>
+              <p:nvPr/>
+            </p:nvPicPr>
+            <p:blipFill>
+              <a:blip r:embed="rId31"/>
+              <a:stretch>
+                <a:fillRect/>
+              </a:stretch>
+            </p:blipFill>
+            <p:spPr>
+              <a:xfrm>
+                <a:off x="9891166" y="6100148"/>
+                <a:ext cx="460080" cy="213088"/>
+              </a:xfrm>
+              <a:prstGeom prst="rect">
+                <a:avLst/>
+              </a:prstGeom>
+            </p:spPr>
+          </p:pic>
+        </mc:Fallback>
+      </mc:AlternateContent>
     </p:spTree>
     <p:extLst>
       <p:ext uri="{BB962C8B-B14F-4D97-AF65-F5344CB8AC3E}">
@@ -17153,6 +18540,108 @@
           </a:extLst>
         </p:spPr>
       </p:pic>
+      <mc:AlternateContent xmlns:mc="http://schemas.openxmlformats.org/markup-compatibility/2006" xmlns:p14="http://schemas.microsoft.com/office/powerpoint/2010/main">
+        <mc:Choice Requires="p14">
+          <p:contentPart p14:bwMode="auto" r:id="rId4">
+            <p14:nvContentPartPr>
+              <p14:cNvPr id="78" name="Ink 77">
+                <a:extLst>
+                  <a:ext uri="{FF2B5EF4-FFF2-40B4-BE49-F238E27FC236}">
+                    <a16:creationId xmlns:a16="http://schemas.microsoft.com/office/drawing/2014/main" id="{00B85F51-F26C-4C0B-89D0-43FD853564C4}"/>
+                  </a:ext>
+                </a:extLst>
+              </p14:cNvPr>
+              <p14:cNvContentPartPr/>
+              <p14:nvPr/>
+            </p14:nvContentPartPr>
+            <p14:xfrm>
+              <a:off x="3297046" y="3504171"/>
+              <a:ext cx="1398240" cy="1340640"/>
+            </p14:xfrm>
+          </p:contentPart>
+        </mc:Choice>
+        <mc:Fallback xmlns="">
+          <p:pic>
+            <p:nvPicPr>
+              <p:cNvPr id="78" name="Ink 77">
+                <a:extLst>
+                  <a:ext uri="{FF2B5EF4-FFF2-40B4-BE49-F238E27FC236}">
+                    <a16:creationId xmlns:a16="http://schemas.microsoft.com/office/drawing/2014/main" id="{00B85F51-F26C-4C0B-89D0-43FD853564C4}"/>
+                  </a:ext>
+                </a:extLst>
+              </p:cNvPr>
+              <p:cNvPicPr/>
+              <p:nvPr/>
+            </p:nvPicPr>
+            <p:blipFill>
+              <a:blip r:embed="rId5"/>
+              <a:stretch>
+                <a:fillRect/>
+              </a:stretch>
+            </p:blipFill>
+            <p:spPr>
+              <a:xfrm>
+                <a:off x="3288046" y="3495171"/>
+                <a:ext cx="1415880" cy="1358280"/>
+              </a:xfrm>
+              <a:prstGeom prst="rect">
+                <a:avLst/>
+              </a:prstGeom>
+            </p:spPr>
+          </p:pic>
+        </mc:Fallback>
+      </mc:AlternateContent>
+      <mc:AlternateContent xmlns:mc="http://schemas.openxmlformats.org/markup-compatibility/2006" xmlns:p14="http://schemas.microsoft.com/office/powerpoint/2010/main">
+        <mc:Choice Requires="p14">
+          <p:contentPart p14:bwMode="auto" r:id="rId6">
+            <p14:nvContentPartPr>
+              <p14:cNvPr id="128" name="Ink 127">
+                <a:extLst>
+                  <a:ext uri="{FF2B5EF4-FFF2-40B4-BE49-F238E27FC236}">
+                    <a16:creationId xmlns:a16="http://schemas.microsoft.com/office/drawing/2014/main" id="{6AFA06DE-D414-4D6B-9BAF-2A5BBD4FA0DF}"/>
+                  </a:ext>
+                </a:extLst>
+              </p14:cNvPr>
+              <p14:cNvContentPartPr/>
+              <p14:nvPr/>
+            </p14:nvContentPartPr>
+            <p14:xfrm>
+              <a:off x="1441606" y="905691"/>
+              <a:ext cx="7368480" cy="4493520"/>
+            </p14:xfrm>
+          </p:contentPart>
+        </mc:Choice>
+        <mc:Fallback xmlns="">
+          <p:pic>
+            <p:nvPicPr>
+              <p:cNvPr id="128" name="Ink 127">
+                <a:extLst>
+                  <a:ext uri="{FF2B5EF4-FFF2-40B4-BE49-F238E27FC236}">
+                    <a16:creationId xmlns:a16="http://schemas.microsoft.com/office/drawing/2014/main" id="{6AFA06DE-D414-4D6B-9BAF-2A5BBD4FA0DF}"/>
+                  </a:ext>
+                </a:extLst>
+              </p:cNvPr>
+              <p:cNvPicPr/>
+              <p:nvPr/>
+            </p:nvPicPr>
+            <p:blipFill>
+              <a:blip r:embed="rId7"/>
+              <a:stretch>
+                <a:fillRect/>
+              </a:stretch>
+            </p:blipFill>
+            <p:spPr>
+              <a:xfrm>
+                <a:off x="1432606" y="896691"/>
+                <a:ext cx="7386120" cy="4511160"/>
+              </a:xfrm>
+              <a:prstGeom prst="rect">
+                <a:avLst/>
+              </a:prstGeom>
+            </p:spPr>
+          </p:pic>
+        </mc:Fallback>
+      </mc:AlternateContent>
     </p:spTree>
     <p:extLst>
       <p:ext uri="{BB962C8B-B14F-4D97-AF65-F5344CB8AC3E}">
@@ -17231,478 +18720,78 @@
           </a:extLst>
         </p:spPr>
       </p:pic>
-    </p:spTree>
-    <p:extLst>
-      <p:ext uri="{BB962C8B-B14F-4D97-AF65-F5344CB8AC3E}">
-        <p14:creationId xmlns:p14="http://schemas.microsoft.com/office/powerpoint/2010/main" val="827647038"/>
-      </p:ext>
-    </p:extLst>
-  </p:cSld>
-  <p:clrMapOvr>
-    <a:masterClrMapping/>
-  </p:clrMapOvr>
-</p:sld>
-</file>
-
-<file path=ppt/slides/slide22.xml><?xml version="1.0" encoding="utf-8"?>
-<p:sld xmlns:a="http://schemas.openxmlformats.org/drawingml/2006/main" xmlns:r="http://schemas.openxmlformats.org/officeDocument/2006/relationships" xmlns:p="http://schemas.openxmlformats.org/presentationml/2006/main">
-  <p:cSld>
-    <p:spTree>
-      <p:nvGrpSpPr>
-        <p:cNvPr id="1" name=""/>
-        <p:cNvGrpSpPr/>
-        <p:nvPr/>
-      </p:nvGrpSpPr>
-      <p:grpSpPr>
-        <a:xfrm>
-          <a:off x="0" y="0"/>
-          <a:ext cx="0" cy="0"/>
-          <a:chOff x="0" y="0"/>
-          <a:chExt cx="0" cy="0"/>
-        </a:xfrm>
-      </p:grpSpPr>
-      <p:pic>
-        <p:nvPicPr>
-          <p:cNvPr id="5" name="Picture 2" descr="NetCom Logo">
-            <a:hlinkClick r:id="rId2"/>
+      <p:sp>
+        <p:nvSpPr>
+          <p:cNvPr id="2" name="TextBox 1">
             <a:extLst>
               <a:ext uri="{FF2B5EF4-FFF2-40B4-BE49-F238E27FC236}">
-                <a16:creationId xmlns:a16="http://schemas.microsoft.com/office/drawing/2014/main" id="{1072A803-B99B-4E8E-98E7-C991203DA0FC}"/>
+                <a16:creationId xmlns:a16="http://schemas.microsoft.com/office/drawing/2014/main" id="{BCC9E181-7CC0-48B3-9055-8DE82A36771C}"/>
               </a:ext>
             </a:extLst>
           </p:cNvPr>
-          <p:cNvPicPr>
-            <a:picLocks noChangeAspect="1" noChangeArrowheads="1"/>
-          </p:cNvPicPr>
+          <p:cNvSpPr txBox="1"/>
           <p:nvPr/>
-        </p:nvPicPr>
-        <p:blipFill>
-          <a:blip r:embed="rId3" cstate="print">
-            <a:extLst>
-              <a:ext uri="{28A0092B-C50C-407E-A947-70E740481C1C}">
-                <a14:useLocalDpi xmlns:a14="http://schemas.microsoft.com/office/drawing/2010/main" val="0"/>
-              </a:ext>
-            </a:extLst>
-          </a:blip>
-          <a:srcRect/>
-          <a:stretch>
-            <a:fillRect/>
-          </a:stretch>
-        </p:blipFill>
-        <p:spPr bwMode="auto">
+        </p:nvSpPr>
+        <p:spPr>
           <a:xfrm>
-            <a:off x="8580082" y="123090"/>
-            <a:ext cx="3412626" cy="915793"/>
+            <a:off x="254977" y="949569"/>
+            <a:ext cx="11517923" cy="2585323"/>
           </a:xfrm>
           <a:prstGeom prst="rect">
             <a:avLst/>
           </a:prstGeom>
           <a:noFill/>
-          <a:extLst>
-            <a:ext uri="{909E8E84-426E-40DD-AFC4-6F175D3DCCD1}">
-              <a14:hiddenFill xmlns:a14="http://schemas.microsoft.com/office/drawing/2010/main">
-                <a:solidFill>
-                  <a:srgbClr val="FFFFFF"/>
-                </a:solidFill>
-              </a14:hiddenFill>
-            </a:ext>
-          </a:extLst>
         </p:spPr>
-      </p:pic>
+        <p:txBody>
+          <a:bodyPr wrap="square" rtlCol="0">
+            <a:spAutoFit/>
+          </a:bodyPr>
+          <a:lstStyle/>
+          <a:p>
+            <a:r>
+              <a:rPr lang="en-US" dirty="0"/>
+              <a:t>Exercise</a:t>
+            </a:r>
+          </a:p>
+          <a:p>
+            <a:endParaRPr lang="en-US" dirty="0"/>
+          </a:p>
+          <a:p>
+            <a:r>
+              <a:rPr lang="en-US" dirty="0"/>
+              <a:t>Pick one order from SNWD_SO table, Copy NODE_KEY</a:t>
+            </a:r>
+          </a:p>
+          <a:p>
+            <a:r>
+              <a:rPr lang="en-US" dirty="0"/>
+              <a:t>Check Items of that Order in SNWD_SO_I table by passing PARENT_KEY</a:t>
+            </a:r>
+          </a:p>
+          <a:p>
+            <a:r>
+              <a:rPr lang="en-US" dirty="0"/>
+              <a:t>Copy the PRODUCT_GUID of an Item and pass that to NODE_KEY or SNWD_PD (product table)</a:t>
+            </a:r>
+          </a:p>
+          <a:p>
+            <a:r>
+              <a:rPr lang="en-US" dirty="0"/>
+              <a:t>Copt the DESCRIPTION_GUID of the product and pass that to PARENT_KEY of the SNWD_TEXTS table to check name of the product</a:t>
+            </a:r>
+          </a:p>
+          <a:p>
+            <a:r>
+              <a:rPr lang="en-US" dirty="0"/>
+              <a:t>Copy the SUPPLIER_GUID from SNWD_PD table and check who is the supplier of that product in SNWD_BPA table by passing the copied ID to NODE_KEY</a:t>
+            </a:r>
+          </a:p>
+        </p:txBody>
+      </p:sp>
     </p:spTree>
     <p:extLst>
       <p:ext uri="{BB962C8B-B14F-4D97-AF65-F5344CB8AC3E}">
-        <p14:creationId xmlns:p14="http://schemas.microsoft.com/office/powerpoint/2010/main" val="3596437305"/>
-      </p:ext>
-    </p:extLst>
-  </p:cSld>
-  <p:clrMapOvr>
-    <a:masterClrMapping/>
-  </p:clrMapOvr>
-</p:sld>
-</file>
-
-<file path=ppt/slides/slide23.xml><?xml version="1.0" encoding="utf-8"?>
-<p:sld xmlns:a="http://schemas.openxmlformats.org/drawingml/2006/main" xmlns:r="http://schemas.openxmlformats.org/officeDocument/2006/relationships" xmlns:p="http://schemas.openxmlformats.org/presentationml/2006/main">
-  <p:cSld>
-    <p:spTree>
-      <p:nvGrpSpPr>
-        <p:cNvPr id="1" name=""/>
-        <p:cNvGrpSpPr/>
-        <p:nvPr/>
-      </p:nvGrpSpPr>
-      <p:grpSpPr>
-        <a:xfrm>
-          <a:off x="0" y="0"/>
-          <a:ext cx="0" cy="0"/>
-          <a:chOff x="0" y="0"/>
-          <a:chExt cx="0" cy="0"/>
-        </a:xfrm>
-      </p:grpSpPr>
-      <p:pic>
-        <p:nvPicPr>
-          <p:cNvPr id="5" name="Picture 2" descr="NetCom Logo">
-            <a:hlinkClick r:id="rId2"/>
-            <a:extLst>
-              <a:ext uri="{FF2B5EF4-FFF2-40B4-BE49-F238E27FC236}">
-                <a16:creationId xmlns:a16="http://schemas.microsoft.com/office/drawing/2014/main" id="{1072A803-B99B-4E8E-98E7-C991203DA0FC}"/>
-              </a:ext>
-            </a:extLst>
-          </p:cNvPr>
-          <p:cNvPicPr>
-            <a:picLocks noChangeAspect="1" noChangeArrowheads="1"/>
-          </p:cNvPicPr>
-          <p:nvPr/>
-        </p:nvPicPr>
-        <p:blipFill>
-          <a:blip r:embed="rId3" cstate="print">
-            <a:extLst>
-              <a:ext uri="{28A0092B-C50C-407E-A947-70E740481C1C}">
-                <a14:useLocalDpi xmlns:a14="http://schemas.microsoft.com/office/drawing/2010/main" val="0"/>
-              </a:ext>
-            </a:extLst>
-          </a:blip>
-          <a:srcRect/>
-          <a:stretch>
-            <a:fillRect/>
-          </a:stretch>
-        </p:blipFill>
-        <p:spPr bwMode="auto">
-          <a:xfrm>
-            <a:off x="8580082" y="123090"/>
-            <a:ext cx="3412626" cy="915793"/>
-          </a:xfrm>
-          <a:prstGeom prst="rect">
-            <a:avLst/>
-          </a:prstGeom>
-          <a:noFill/>
-          <a:extLst>
-            <a:ext uri="{909E8E84-426E-40DD-AFC4-6F175D3DCCD1}">
-              <a14:hiddenFill xmlns:a14="http://schemas.microsoft.com/office/drawing/2010/main">
-                <a:solidFill>
-                  <a:srgbClr val="FFFFFF"/>
-                </a:solidFill>
-              </a14:hiddenFill>
-            </a:ext>
-          </a:extLst>
-        </p:spPr>
-      </p:pic>
-    </p:spTree>
-    <p:extLst>
-      <p:ext uri="{BB962C8B-B14F-4D97-AF65-F5344CB8AC3E}">
-        <p14:creationId xmlns:p14="http://schemas.microsoft.com/office/powerpoint/2010/main" val="697243834"/>
-      </p:ext>
-    </p:extLst>
-  </p:cSld>
-  <p:clrMapOvr>
-    <a:masterClrMapping/>
-  </p:clrMapOvr>
-</p:sld>
-</file>
-
-<file path=ppt/slides/slide24.xml><?xml version="1.0" encoding="utf-8"?>
-<p:sld xmlns:a="http://schemas.openxmlformats.org/drawingml/2006/main" xmlns:r="http://schemas.openxmlformats.org/officeDocument/2006/relationships" xmlns:p="http://schemas.openxmlformats.org/presentationml/2006/main">
-  <p:cSld>
-    <p:spTree>
-      <p:nvGrpSpPr>
-        <p:cNvPr id="1" name=""/>
-        <p:cNvGrpSpPr/>
-        <p:nvPr/>
-      </p:nvGrpSpPr>
-      <p:grpSpPr>
-        <a:xfrm>
-          <a:off x="0" y="0"/>
-          <a:ext cx="0" cy="0"/>
-          <a:chOff x="0" y="0"/>
-          <a:chExt cx="0" cy="0"/>
-        </a:xfrm>
-      </p:grpSpPr>
-      <p:pic>
-        <p:nvPicPr>
-          <p:cNvPr id="5" name="Picture 2" descr="NetCom Logo">
-            <a:hlinkClick r:id="rId2"/>
-            <a:extLst>
-              <a:ext uri="{FF2B5EF4-FFF2-40B4-BE49-F238E27FC236}">
-                <a16:creationId xmlns:a16="http://schemas.microsoft.com/office/drawing/2014/main" id="{1072A803-B99B-4E8E-98E7-C991203DA0FC}"/>
-              </a:ext>
-            </a:extLst>
-          </p:cNvPr>
-          <p:cNvPicPr>
-            <a:picLocks noChangeAspect="1" noChangeArrowheads="1"/>
-          </p:cNvPicPr>
-          <p:nvPr/>
-        </p:nvPicPr>
-        <p:blipFill>
-          <a:blip r:embed="rId3" cstate="print">
-            <a:extLst>
-              <a:ext uri="{28A0092B-C50C-407E-A947-70E740481C1C}">
-                <a14:useLocalDpi xmlns:a14="http://schemas.microsoft.com/office/drawing/2010/main" val="0"/>
-              </a:ext>
-            </a:extLst>
-          </a:blip>
-          <a:srcRect/>
-          <a:stretch>
-            <a:fillRect/>
-          </a:stretch>
-        </p:blipFill>
-        <p:spPr bwMode="auto">
-          <a:xfrm>
-            <a:off x="8580082" y="123090"/>
-            <a:ext cx="3412626" cy="915793"/>
-          </a:xfrm>
-          <a:prstGeom prst="rect">
-            <a:avLst/>
-          </a:prstGeom>
-          <a:noFill/>
-          <a:extLst>
-            <a:ext uri="{909E8E84-426E-40DD-AFC4-6F175D3DCCD1}">
-              <a14:hiddenFill xmlns:a14="http://schemas.microsoft.com/office/drawing/2010/main">
-                <a:solidFill>
-                  <a:srgbClr val="FFFFFF"/>
-                </a:solidFill>
-              </a14:hiddenFill>
-            </a:ext>
-          </a:extLst>
-        </p:spPr>
-      </p:pic>
-    </p:spTree>
-    <p:extLst>
-      <p:ext uri="{BB962C8B-B14F-4D97-AF65-F5344CB8AC3E}">
-        <p14:creationId xmlns:p14="http://schemas.microsoft.com/office/powerpoint/2010/main" val="1984016255"/>
-      </p:ext>
-    </p:extLst>
-  </p:cSld>
-  <p:clrMapOvr>
-    <a:masterClrMapping/>
-  </p:clrMapOvr>
-</p:sld>
-</file>
-
-<file path=ppt/slides/slide25.xml><?xml version="1.0" encoding="utf-8"?>
-<p:sld xmlns:a="http://schemas.openxmlformats.org/drawingml/2006/main" xmlns:r="http://schemas.openxmlformats.org/officeDocument/2006/relationships" xmlns:p="http://schemas.openxmlformats.org/presentationml/2006/main">
-  <p:cSld>
-    <p:spTree>
-      <p:nvGrpSpPr>
-        <p:cNvPr id="1" name=""/>
-        <p:cNvGrpSpPr/>
-        <p:nvPr/>
-      </p:nvGrpSpPr>
-      <p:grpSpPr>
-        <a:xfrm>
-          <a:off x="0" y="0"/>
-          <a:ext cx="0" cy="0"/>
-          <a:chOff x="0" y="0"/>
-          <a:chExt cx="0" cy="0"/>
-        </a:xfrm>
-      </p:grpSpPr>
-      <p:pic>
-        <p:nvPicPr>
-          <p:cNvPr id="5" name="Picture 2" descr="NetCom Logo">
-            <a:hlinkClick r:id="rId2"/>
-            <a:extLst>
-              <a:ext uri="{FF2B5EF4-FFF2-40B4-BE49-F238E27FC236}">
-                <a16:creationId xmlns:a16="http://schemas.microsoft.com/office/drawing/2014/main" id="{1072A803-B99B-4E8E-98E7-C991203DA0FC}"/>
-              </a:ext>
-            </a:extLst>
-          </p:cNvPr>
-          <p:cNvPicPr>
-            <a:picLocks noChangeAspect="1" noChangeArrowheads="1"/>
-          </p:cNvPicPr>
-          <p:nvPr/>
-        </p:nvPicPr>
-        <p:blipFill>
-          <a:blip r:embed="rId3" cstate="print">
-            <a:extLst>
-              <a:ext uri="{28A0092B-C50C-407E-A947-70E740481C1C}">
-                <a14:useLocalDpi xmlns:a14="http://schemas.microsoft.com/office/drawing/2010/main" val="0"/>
-              </a:ext>
-            </a:extLst>
-          </a:blip>
-          <a:srcRect/>
-          <a:stretch>
-            <a:fillRect/>
-          </a:stretch>
-        </p:blipFill>
-        <p:spPr bwMode="auto">
-          <a:xfrm>
-            <a:off x="8580082" y="123090"/>
-            <a:ext cx="3412626" cy="915793"/>
-          </a:xfrm>
-          <a:prstGeom prst="rect">
-            <a:avLst/>
-          </a:prstGeom>
-          <a:noFill/>
-          <a:extLst>
-            <a:ext uri="{909E8E84-426E-40DD-AFC4-6F175D3DCCD1}">
-              <a14:hiddenFill xmlns:a14="http://schemas.microsoft.com/office/drawing/2010/main">
-                <a:solidFill>
-                  <a:srgbClr val="FFFFFF"/>
-                </a:solidFill>
-              </a14:hiddenFill>
-            </a:ext>
-          </a:extLst>
-        </p:spPr>
-      </p:pic>
-    </p:spTree>
-    <p:extLst>
-      <p:ext uri="{BB962C8B-B14F-4D97-AF65-F5344CB8AC3E}">
-        <p14:creationId xmlns:p14="http://schemas.microsoft.com/office/powerpoint/2010/main" val="988724444"/>
-      </p:ext>
-    </p:extLst>
-  </p:cSld>
-  <p:clrMapOvr>
-    <a:masterClrMapping/>
-  </p:clrMapOvr>
-</p:sld>
-</file>
-
-<file path=ppt/slides/slide26.xml><?xml version="1.0" encoding="utf-8"?>
-<p:sld xmlns:a="http://schemas.openxmlformats.org/drawingml/2006/main" xmlns:r="http://schemas.openxmlformats.org/officeDocument/2006/relationships" xmlns:p="http://schemas.openxmlformats.org/presentationml/2006/main">
-  <p:cSld>
-    <p:spTree>
-      <p:nvGrpSpPr>
-        <p:cNvPr id="1" name=""/>
-        <p:cNvGrpSpPr/>
-        <p:nvPr/>
-      </p:nvGrpSpPr>
-      <p:grpSpPr>
-        <a:xfrm>
-          <a:off x="0" y="0"/>
-          <a:ext cx="0" cy="0"/>
-          <a:chOff x="0" y="0"/>
-          <a:chExt cx="0" cy="0"/>
-        </a:xfrm>
-      </p:grpSpPr>
-      <p:pic>
-        <p:nvPicPr>
-          <p:cNvPr id="5" name="Picture 2" descr="NetCom Logo">
-            <a:hlinkClick r:id="rId2"/>
-            <a:extLst>
-              <a:ext uri="{FF2B5EF4-FFF2-40B4-BE49-F238E27FC236}">
-                <a16:creationId xmlns:a16="http://schemas.microsoft.com/office/drawing/2014/main" id="{1072A803-B99B-4E8E-98E7-C991203DA0FC}"/>
-              </a:ext>
-            </a:extLst>
-          </p:cNvPr>
-          <p:cNvPicPr>
-            <a:picLocks noChangeAspect="1" noChangeArrowheads="1"/>
-          </p:cNvPicPr>
-          <p:nvPr/>
-        </p:nvPicPr>
-        <p:blipFill>
-          <a:blip r:embed="rId3" cstate="print">
-            <a:extLst>
-              <a:ext uri="{28A0092B-C50C-407E-A947-70E740481C1C}">
-                <a14:useLocalDpi xmlns:a14="http://schemas.microsoft.com/office/drawing/2010/main" val="0"/>
-              </a:ext>
-            </a:extLst>
-          </a:blip>
-          <a:srcRect/>
-          <a:stretch>
-            <a:fillRect/>
-          </a:stretch>
-        </p:blipFill>
-        <p:spPr bwMode="auto">
-          <a:xfrm>
-            <a:off x="8580082" y="123090"/>
-            <a:ext cx="3412626" cy="915793"/>
-          </a:xfrm>
-          <a:prstGeom prst="rect">
-            <a:avLst/>
-          </a:prstGeom>
-          <a:noFill/>
-          <a:extLst>
-            <a:ext uri="{909E8E84-426E-40DD-AFC4-6F175D3DCCD1}">
-              <a14:hiddenFill xmlns:a14="http://schemas.microsoft.com/office/drawing/2010/main">
-                <a:solidFill>
-                  <a:srgbClr val="FFFFFF"/>
-                </a:solidFill>
-              </a14:hiddenFill>
-            </a:ext>
-          </a:extLst>
-        </p:spPr>
-      </p:pic>
-    </p:spTree>
-    <p:extLst>
-      <p:ext uri="{BB962C8B-B14F-4D97-AF65-F5344CB8AC3E}">
-        <p14:creationId xmlns:p14="http://schemas.microsoft.com/office/powerpoint/2010/main" val="1462129074"/>
-      </p:ext>
-    </p:extLst>
-  </p:cSld>
-  <p:clrMapOvr>
-    <a:masterClrMapping/>
-  </p:clrMapOvr>
-</p:sld>
-</file>
-
-<file path=ppt/slides/slide27.xml><?xml version="1.0" encoding="utf-8"?>
-<p:sld xmlns:a="http://schemas.openxmlformats.org/drawingml/2006/main" xmlns:r="http://schemas.openxmlformats.org/officeDocument/2006/relationships" xmlns:p="http://schemas.openxmlformats.org/presentationml/2006/main">
-  <p:cSld>
-    <p:spTree>
-      <p:nvGrpSpPr>
-        <p:cNvPr id="1" name=""/>
-        <p:cNvGrpSpPr/>
-        <p:nvPr/>
-      </p:nvGrpSpPr>
-      <p:grpSpPr>
-        <a:xfrm>
-          <a:off x="0" y="0"/>
-          <a:ext cx="0" cy="0"/>
-          <a:chOff x="0" y="0"/>
-          <a:chExt cx="0" cy="0"/>
-        </a:xfrm>
-      </p:grpSpPr>
-      <p:pic>
-        <p:nvPicPr>
-          <p:cNvPr id="5" name="Picture 2" descr="NetCom Logo">
-            <a:hlinkClick r:id="rId2"/>
-            <a:extLst>
-              <a:ext uri="{FF2B5EF4-FFF2-40B4-BE49-F238E27FC236}">
-                <a16:creationId xmlns:a16="http://schemas.microsoft.com/office/drawing/2014/main" id="{1072A803-B99B-4E8E-98E7-C991203DA0FC}"/>
-              </a:ext>
-            </a:extLst>
-          </p:cNvPr>
-          <p:cNvPicPr>
-            <a:picLocks noChangeAspect="1" noChangeArrowheads="1"/>
-          </p:cNvPicPr>
-          <p:nvPr/>
-        </p:nvPicPr>
-        <p:blipFill>
-          <a:blip r:embed="rId3" cstate="print">
-            <a:extLst>
-              <a:ext uri="{28A0092B-C50C-407E-A947-70E740481C1C}">
-                <a14:useLocalDpi xmlns:a14="http://schemas.microsoft.com/office/drawing/2010/main" val="0"/>
-              </a:ext>
-            </a:extLst>
-          </a:blip>
-          <a:srcRect/>
-          <a:stretch>
-            <a:fillRect/>
-          </a:stretch>
-        </p:blipFill>
-        <p:spPr bwMode="auto">
-          <a:xfrm>
-            <a:off x="8580082" y="123090"/>
-            <a:ext cx="3412626" cy="915793"/>
-          </a:xfrm>
-          <a:prstGeom prst="rect">
-            <a:avLst/>
-          </a:prstGeom>
-          <a:noFill/>
-          <a:extLst>
-            <a:ext uri="{909E8E84-426E-40DD-AFC4-6F175D3DCCD1}">
-              <a14:hiddenFill xmlns:a14="http://schemas.microsoft.com/office/drawing/2010/main">
-                <a:solidFill>
-                  <a:srgbClr val="FFFFFF"/>
-                </a:solidFill>
-              </a14:hiddenFill>
-            </a:ext>
-          </a:extLst>
-        </p:spPr>
-      </p:pic>
-    </p:spTree>
-    <p:extLst>
-      <p:ext uri="{BB962C8B-B14F-4D97-AF65-F5344CB8AC3E}">
-        <p14:creationId xmlns:p14="http://schemas.microsoft.com/office/powerpoint/2010/main" val="3857346497"/>
+        <p14:creationId xmlns:p14="http://schemas.microsoft.com/office/powerpoint/2010/main" val="827647038"/>
       </p:ext>
     </p:extLst>
   </p:cSld>
